--- a/baldr/doc/Baldr Decoding Rules.pptx
+++ b/baldr/doc/Baldr Decoding Rules.pptx
@@ -242,7 +242,7 @@
             <a:spLocks noGrp="1" noChangeArrowheads="1"/>
             <a:extLst>
               <a:ext uri="smNativeData">
-                <pr:smNativeData xmlns:pr="smNativeData" xmlns="smNativeData" val="SMDATA_17_MUmAYRMAAAAlAAAAZAAAAA8BAAAAkAAAAEgAAACQAAAASAAAAAAAAAABAAAAAAAAAAEAAABQAAAAAAAAAAAA4D8AAAAAAADgPwAAAAAAAOA/AAAAAAAA4D8AAAAAAADgPwAAAAAAAOA/AAAAAAAA4D8AAAAAAADgPwAAAAAAAOA/AAAAAAAA4D8CAAAAjAAAAAAAAAAAAAAAu+DjDP///wgAAAAAAAAAAAAAAAAAAAAAAAAAAAAAAAAAAAAAZAAAAAEAAABAAAAAAAAAAAAAAAAAAAAAAAAAAAAAAAAAAAAAAAAAAAAAAAAAAAAAAAAAAAAAAAAAAAAAAAAAAAAAAAAAAAAAAAAAAAAAAAAAAAAAAAAAAAAAAAAAAAAAFAAAADwAAAAAAAAAAAAAAAAAAAkUAAAAAQAAABQAAAAUAAAAFAAAAAEAAAAAAAAAZAAAAGQAAAAAAAAAZAAAAGQAAAAVAAAAYAAAAAAAAAAAAAAADwAAACADAAAAAAAAAAAAAAEAAACgMgAAVgcAAKr4//8BAAAAf39/AAEAAABkAAAAAAAAABQAAABAHwAAAAAAACYAAAAAAAAAwOD//wAAAAAmAAAAZAAAABYAAABMAAAAAAAAAAAAAAAEAAAAAAAAAAEAAACAgIAKAAAAACgAAAAoAAAAZAAAAGQAAAAAAAAAzMzMAAAAAABQAAAAUAAAAGQAAABkAAAAAAAAABcAAAAUAAAAAAAAAAAAAAD/fwAA/38AAAAAAAAJAAAABAAAAAAAAAAMAAAAEAAAAAAAAAAAAAAAAAAAAAAAAAAeAAAAaAAAAAAAAAAAAAAAAAAAAAAAAAAAAAAAECcAABAnAAAAAAAAAAAAAAAAAAAAAAAAAAAAAAAAAAAAAAAAAAAAABQAAAAAAAAAwMD/AAAAAABkAAAAMgAAAAAAAABkAAAAAAAAAH9/fwAKAAAAIgAAABgAAAAAAAAAAAAAAAAAAAAAAAAAAAAAAAAAAAAkAAAAJAAAAAAAAAAHAAAAAAAAAAAAAAAAAAAAAAAAAAAAAAAAAAAAf39/ACUAAABYAAAAAAAAAAAAAAAAAAAAAAAAAAAAAAAAAAAAAAAAAAAAAAAAAAAAAAAAAAAAAAA/AAAAAAAAAKCGAQAAAAAAAAAAAAAAAAAMAAAAAQAAAAAAAAAAAAAAAAAAAB8AAABUAAAAAAAABQAAAAEAAAAAAAAAAAAAAAAAAAAAAAAAAAAAAAAAAAAAAAAAAAAAAAJ/f38AAAAAA8zMzADAwP8Af39/AAAAAAAAAAAAAAAAAAAAAAAAAAAAIQAAABgAAAAUAAAAoAUAABoNAABgRQAAJhYAABAAAAAmAAAACAAAAAEAAAAAAAAAMAAAABQAAAAAAAAAAAD//wAAAQAAAP//AAABAA=="/>
+                <pr:smNativeData xmlns:pr="smNativeData" xmlns="smNativeData" val="SMDATA_17_WnaBYRMAAAAlAAAAZAAAAA8BAAAAkAAAAEgAAACQAAAASAAAAAAAAAABAAAAAAAAAAEAAABQAAAAAAAAAAAA4D8AAAAAAADgPwAAAAAAAOA/AAAAAAAA4D8AAAAAAADgPwAAAAAAAOA/AAAAAAAA4D8AAAAAAADgPwAAAAAAAOA/AAAAAAAA4D8CAAAAjAAAAAAAAAAAAAAAu+DjDP///wgAAAAAAAAAAAAAAAAAAAAAAAAAAAAAAAAAAAAAZAAAAAEAAABAAAAAAAAAAAAAAAAAAAAAAAAAAAAAAAAAAAAAAAAAAAAAAAAAAAAAAAAAAAAAAAAAAAAAAAAAAAAAAAAAAAAAAAAAAAAAAAAAAAAAAAAAAAAAAAAAAAAAFAAAADwAAAAAAAAAAAAAAAAAAAkUAAAAAQAAABQAAAAUAAAAFAAAAAEAAAAAAAAAZAAAAGQAAAAAAAAAZAAAAGQAAAAVAAAAYAAAAAAAAAAAAAAADwAAACADAAAAAAAAAAAAAAEAAACgMgAAVgcAAKr4//8BAAAAf39/AAEAAABkAAAAAAAAABQAAABAHwAAAAAAACYAAAAAAAAAwOD//wAAAAAmAAAAZAAAABYAAABMAAAAAAAAAAAAAAAEAAAAAAAAAAEAAACAgIAKAAAAACgAAAAoAAAAZAAAAGQAAAAAAAAAzMzMAAAAAABQAAAAUAAAAGQAAABkAAAAAAAAABcAAAAUAAAAAAAAAAAAAAD/fwAA/38AAAAAAAAJAAAABAAAAAAAAAAMAAAAEAAAAAAAAAAAAAAAAAAAAAAAAAAeAAAAaAAAAAAAAAAAAAAAAAAAAAAAAAAAAAAAECcAABAnAAAAAAAAAAAAAAAAAAAAAAAAAAAAAAAAAAAAAAAAAAAAABQAAAAAAAAAwMD/AAAAAABkAAAAMgAAAAAAAABkAAAAAAAAAH9/fwAKAAAAIgAAABgAAAAAAAAAAAAAAAAAAAAAAAAAAAAAAAAAAAAkAAAAJAAAAAAAAAAHAAAAAAAAAAAAAAAAAAAAAAAAAAAAAAAAAAAAf39/ACUAAABYAAAAAAAAAAAAAAAAAAAAAAAAAAAAAAAAAAAAAAAAAAAAAAAAAAAAAAAAAAAAAAA/AAAAAAAAAKCGAQAAAAAAAAAAAAAAAAAMAAAAAQAAAAAAAAAAAAAAAAAAAB8AAABUAAAAAAAABQAAAAEAAAAAAAAAAAAAAAAAAAAAAAAAAAAAAAAAAAAAAAAAAAAAAAJ/f38AAAAAA8zMzADAwP8Af39/AAAAAAAAAAAAAAAAAAAAAAAAAAAAIQAAABgAAAAUAAAAoAUAABoNAABgRQAAJhYAABAAAAAmAAAACAAAAAEAAAAAAAAAMAAAABQAAAAAAAAAAAD//wAAAQAAAP//AAABAA=="/>
               </a:ext>
             </a:extLst>
           </p:cNvSpPr>
@@ -274,7 +274,7 @@
             <a:spLocks noGrp="1" noChangeArrowheads="1"/>
             <a:extLst>
               <a:ext uri="smNativeData">
-                <pr:smNativeData xmlns:pr="smNativeData" xmlns="smNativeData" val="SMDATA_17_MUmAYRMAAAAlAAAAZAAAAA8BAAAAkAAAAEgAAACQAAAASAAAAAAAAAAAAAAAAAAAAAEAAABQAAAAAAAAAAAA4D8AAAAAAADgPwAAAAAAAOA/AAAAAAAA4D8AAAAAAADgPwAAAAAAAOA/AAAAAAAA4D8AAAAAAADgPwAAAAAAAOA/AAAAAAAA4D8CAAAAjAAAAAAAAAAAAAAAu+DjDP///wgAAAAAAAAAAAAAAAAAAAAAAAAAAAAAAAAAAAAAZAAAAAEAAABAAAAAAAAAAAAAAAAAAAAAAAAAAAAAAAAAAAAAAAAAAAAAAAAAAAAAAAAAAAAAAAAAAAAAAAAAAAAAAAAAAAAAAAAAAAAAAAAAAAAAAAAAAAAAAAAAAAAAFAAAADwAAAAAAAAAAAAAAAAAAAkUAAAAAQAAABQAAAAUAAAAFAAAAAEAAAAAAAAAZAAAAGQAAAAAAAAAZAAAAGQAAAAVAAAAYAAAAAAAAAAAAAAADwAAACADAAAAAAAAAAAAAAEAAACgMgAAVgcAAKr4//8BAAAAf39/AAEAAABkAAAAAAAAABQAAABAHwAAAAAAACYAAAAAAAAAwOD//wAAAAAmAAAAZAAAABYAAABMAAAAAAAAAAAAAAAEAAAAAAAAAAEAAACAgIAKAAAAACgAAAAoAAAAZAAAAGQAAAAAAAAAzMzMAAAAAABQAAAAUAAAAGQAAABkAAAAAAAAABcAAAAUAAAAAAAAAAAAAAD/fwAA/38AAAAAAAAJAAAABAAAAAAAAAAMAAAAEAAAAAAAAAAAAAAAAAAAAAAAAAAeAAAAaAAAAAAAAAAAAAAAAAAAAAAAAAAAAAAAECcAABAnAAAAAAAAAAAAAAAAAAAAAAAAAAAAAAAAAAAAAAAAAAAAABQAAAAAAAAAwMD/AAAAAABkAAAAMgAAAAAAAABkAAAAAAAAAH9/fwAKAAAAIgAAABgAAAAAAAAAAAAAAAAAAAAAAAAAAAAAAAAAAAAkAAAAJAAAAAAAAAAHAAAAAAAAAAAAAAAAAAAAAAAAAAAAAAAAAAAAf39/ACUAAABYAAAAAAAAAAAAAAAAAAAAAAAAAAAAAAAAAAAAAAAAAAAAAAAAAAAAAAAAAAAAAAA/AAAAAAAAAKCGAQAAAAAAAAAAAAAAAAAMAAAAAQAAAAAAAAAAAAAAAAAAAB8AAABUAAAAAAAABQAAAAEAAAAAAAAAAAAAAAAAAAAAAAAAAAAAAAAAAAAAAAAAAAAAAAJ/f38AAAAAA8zMzADAwP8Af39/AAAAAAAAAAAAAAAAAAAAAAAAAAAAIQAAABgAAAAUAAAAQAsAAOgXAADAPwAAsCIAABAAAAAmAAAACAAAAAGAAAAAAAAAMAAAABQAAAAAAAAAAAD//wAAAQAAAP//AAABAA=="/>
+                <pr:smNativeData xmlns:pr="smNativeData" xmlns="smNativeData" val="SMDATA_17_WnaBYRMAAAAlAAAAZAAAAA8BAAAAkAAAAEgAAACQAAAASAAAAAAAAAAAAAAAAAAAAAEAAABQAAAAAAAAAAAA4D8AAAAAAADgPwAAAAAAAOA/AAAAAAAA4D8AAAAAAADgPwAAAAAAAOA/AAAAAAAA4D8AAAAAAADgPwAAAAAAAOA/AAAAAAAA4D8CAAAAjAAAAAAAAAAAAAAAu+DjDP///wgAAAAAAAAAAAAAAAAAAAAAAAAAAAAAAAAAAAAAZAAAAAEAAABAAAAAAAAAAAAAAAAAAAAAAAAAAAAAAAAAAAAAAAAAAAAAAAAAAAAAAAAAAAAAAAAAAAAAAAAAAAAAAAAAAAAAAAAAAAAAAAAAAAAAAAAAAAAAAAAAAAAAFAAAADwAAAAAAAAAAAAAAAAAAAkUAAAAAQAAABQAAAAUAAAAFAAAAAEAAAAAAAAAZAAAAGQAAAAAAAAAZAAAAGQAAAAVAAAAYAAAAAAAAAAAAAAADwAAACADAAAAAAAAAAAAAAEAAACgMgAAVgcAAKr4//8BAAAAf39/AAEAAABkAAAAAAAAABQAAABAHwAAAAAAACYAAAAAAAAAwOD//wAAAAAmAAAAZAAAABYAAABMAAAAAAAAAAAAAAAEAAAAAAAAAAEAAACAgIAKAAAAACgAAAAoAAAAZAAAAGQAAAAAAAAAzMzMAAAAAABQAAAAUAAAAGQAAABkAAAAAAAAABcAAAAUAAAAAAAAAAAAAAD/fwAA/38AAAAAAAAJAAAABAAAAAAAAAAMAAAAEAAAAAAAAAAAAAAAAAAAAAAAAAAeAAAAaAAAAAAAAAAAAAAAAAAAAAAAAAAAAAAAECcAABAnAAAAAAAAAAAAAAAAAAAAAAAAAAAAAAAAAAAAAAAAAAAAABQAAAAAAAAAwMD/AAAAAABkAAAAMgAAAAAAAABkAAAAAAAAAH9/fwAKAAAAIgAAABgAAAAAAAAAAAAAAAAAAAAAAAAAAAAAAAAAAAAkAAAAJAAAAAAAAAAHAAAAAAAAAAAAAAAAAAAAAAAAAAAAAAAAAAAAf39/ACUAAABYAAAAAAAAAAAAAAAAAAAAAAAAAAAAAAAAAAAAAAAAAAAAAAAAAAAAAAAAAAAAAAA/AAAAAAAAAKCGAQAAAAAAAAAAAAAAAAAMAAAAAQAAAAAAAAAAAAAAAAAAAB8AAABUAAAAAAAABQAAAAEAAAAAAAAAAAAAAAAAAAAAAAAAAAAAAAAAAAAAAAAAAAAAAAJ/f38AAAAAA8zMzADAwP8Af39/AAAAAAAAAAAAAAAAAAAAAAAAAAAAIQAAABgAAAAUAAAAQAsAAOgXAADAPwAAsCIAABAAAAAmAAAACAAAAAGAAAAAAAAAMAAAABQAAAAAAAAAAAD//wAAAQAAAP//AAABAA=="/>
               </a:ext>
             </a:extLst>
           </p:cNvSpPr>
@@ -334,7 +334,7 @@
             <a:spLocks noGrp="1" noChangeArrowheads="1"/>
             <a:extLst>
               <a:ext uri="smNativeData">
-                <pr:smNativeData xmlns:pr="smNativeData" xmlns="smNativeData" val="SMDATA_17_MUmAYRMAAAAlAAAAZAAAAA8BAAAAkAAAAEgAAACQAAAASAAAAAAAAAABAAAAAAAAAAEAAABQAAAAAAAAAAAA4D8AAAAAAADgPwAAAAAAAOA/AAAAAAAA4D8AAAAAAADgPwAAAAAAAOA/AAAAAAAA4D8AAAAAAADgPwAAAAAAAOA/AAAAAAAA4D8CAAAAjAAAAAAAAAAAAAAAu+DjDP///wgAAAAAAAAAAAAAAAAAAAAAAAAAAAAAAAAAAAAAZAAAAAEAAABAAAAAAAAAAAAAAAAAAAAAAAAAAAAAAAAAAAAAAAAAAAAAAAAAAAAAAAAAAAAAAAAAAAAAAAAAAAAAAAAAAAAAAAAAAAAAAAAAAAAAAAAAAAAAAAAAAAAAFAAAADwAAAAAAAAAAAAAAAAAAAkUAAAAAQAAABQAAAAUAAAAFAAAAAEAAAAAAAAAZAAAAGQAAAAAAAAAZAAAAGQAAAAVAAAAYAAAAAAAAAAAAAAADwAAACADAAAAAAAAAAAAAAEAAACgMgAAVgcAAKr4//8BAAAAf39/AAEAAABkAAAAAAAAABQAAABAHwAAAAAAACYAAAAAAAAAwOD//wAAAAAmAAAAZAAAABYAAABMAAAAAAAAAAAAAAAEAAAAAAAAAAEAAACAgIAKAAAAACgAAAAoAAAAZAAAAGQAAAAAAAAAzMzMAAAAAABQAAAAUAAAAGQAAABkAAAAAAAAABcAAAAUAAAAAAAAAAAAAAD/fwAA/38AAAAAAAAJAAAABAAAAAAAAAAMAAAAEAAAAAAAAAAAAAAAAAAAAAAAAAAeAAAAaAAAAAAAAAAAAAAAAAAAAAAAAAAAAAAAECcAABAnAAAAAAAAAAAAAAAAAAAAAAAAAAAAAAAAAAAAAAAAAAAAABQAAAAAAAAAwMD/AAAAAABkAAAAMgAAAAAAAABkAAAAAAAAAH9/fwAKAAAAIgAAABgAAAAAAAAAAAAAAAAAAAAAAAAAAAAAAAAAAAAkAAAAJAAAAAAAAAAHAAAAAAAAAAAAAAAAAAAAAAAAAAAAAAAAAAAAf39/ACUAAABYAAAAAAAAAAAAAAAAAAAAAAAAAAAAAAAAAAAAAAAAAAAAAAAAAAAAAAAAAAAAAAA/AAAAAAAAAKCGAQAAAAAAAAAAAAAAAAAMAAAAAQAAAAAAAAAAAAAAAAAAAB8AAABUAAAAAAAABQAAAAEAAAAAAAAAAAAAAAAAAAAAAAAAAAAAAAAAAAAAAAAAAAAAAAJ/f38AAAAAA8zMzADAwP8Af39/AAAAAAAAAAAAAAAAAAAAAAAAAAAAIQAAABgAAAAUAAAAwAMAABsnAAA/FQAAWSkAABAAAAAmAAAACAAAAAAAAAAAAAAAMAAAABQAAAAAAAAAAAD//wAAAQAAAP//AAABAA=="/>
+                <pr:smNativeData xmlns:pr="smNativeData" xmlns="smNativeData" val="SMDATA_17_WnaBYRMAAAAlAAAAZAAAAA8BAAAAkAAAAEgAAACQAAAASAAAAAAAAAABAAAAAAAAAAEAAABQAAAAAAAAAAAA4D8AAAAAAADgPwAAAAAAAOA/AAAAAAAA4D8AAAAAAADgPwAAAAAAAOA/AAAAAAAA4D8AAAAAAADgPwAAAAAAAOA/AAAAAAAA4D8CAAAAjAAAAAAAAAAAAAAAu+DjDP///wgAAAAAAAAAAAAAAAAAAAAAAAAAAAAAAAAAAAAAZAAAAAEAAABAAAAAAAAAAAAAAAAAAAAAAAAAAAAAAAAAAAAAAAAAAAAAAAAAAAAAAAAAAAAAAAAAAAAAAAAAAAAAAAAAAAAAAAAAAAAAAAAAAAAAAAAAAAAAAAAAAAAAFAAAADwAAAAAAAAAAAAAAAAAAAkUAAAAAQAAABQAAAAUAAAAFAAAAAEAAAAAAAAAZAAAAGQAAAAAAAAAZAAAAGQAAAAVAAAAYAAAAAAAAAAAAAAADwAAACADAAAAAAAAAAAAAAEAAACgMgAAVgcAAKr4//8BAAAAf39/AAEAAABkAAAAAAAAABQAAABAHwAAAAAAACYAAAAAAAAAwOD//wAAAAAmAAAAZAAAABYAAABMAAAAAAAAAAAAAAAEAAAAAAAAAAEAAACAgIAKAAAAACgAAAAoAAAAZAAAAGQAAAAAAAAAzMzMAAAAAABQAAAAUAAAAGQAAABkAAAAAAAAABcAAAAUAAAAAAAAAAAAAAD/fwAA/38AAAAAAAAJAAAABAAAAAAAAAAMAAAAEAAAAAAAAAAAAAAAAAAAAAAAAAAeAAAAaAAAAAAAAAAAAAAAAAAAAAAAAAAAAAAAECcAABAnAAAAAAAAAAAAAAAAAAAAAAAAAAAAAAAAAAAAAAAAAAAAABQAAAAAAAAAwMD/AAAAAABkAAAAMgAAAAAAAABkAAAAAAAAAH9/fwAKAAAAIgAAABgAAAAAAAAAAAAAAAAAAAAAAAAAAAAAAAAAAAAkAAAAJAAAAAAAAAAHAAAAAAAAAAAAAAAAAAAAAAAAAAAAAAAAAAAAf39/ACUAAABYAAAAAAAAAAAAAAAAAAAAAAAAAAAAAAAAAAAAAAAAAAAAAAAAAAAAAAAAAAAAAAA/AAAAAAAAAKCGAQAAAAAAAAAAAAAAAAAMAAAAAQAAAAAAAAAAAAAAAAAAAB8AAABUAAAAAAAABQAAAAEAAAAAAAAAAAAAAAAAAAAAAAAAAAAAAAAAAAAAAAAAAAAAAAJ/f38AAAAAA8zMzADAwP8Af39/AAAAAAAAAAAAAAAAAAAAAAAAAAAAIQAAABgAAAAUAAAAwAMAABsnAAA/FQAAWSkAABAAAAAmAAAACAAAAAAAAAAAAAAAMAAAABQAAAAAAAAAAAD//wAAAQAAAP//AAABAA=="/>
               </a:ext>
             </a:extLst>
           </p:cNvSpPr>
@@ -348,7 +348,7 @@
           <a:lstStyle/>
           <a:p>
             <a:pPr/>
-            <a:fld id="{7AE8F975-3B97-BD0F-D950-CD5AB71E2F98}" type="datetime1">
+            <a:fld id="{2C34D6D8-96C1-6120-8F8C-607598C27935}" type="datetime1">
               <a:t/>
             </a:fld>
           </a:p>
@@ -361,7 +361,7 @@
             <a:spLocks noGrp="1" noChangeArrowheads="1"/>
             <a:extLst>
               <a:ext uri="smNativeData">
-                <pr:smNativeData xmlns:pr="smNativeData" xmlns="smNativeData" val="SMDATA_17_MUmAYRMAAAAlAAAAZAAAAA8BAAAAkAAAAEgAAACQAAAASAAAAAAAAAABAAAAAAAAAAEAAABQAAAAAAAAAAAA4D8AAAAAAADgPwAAAAAAAOA/AAAAAAAA4D8AAAAAAADgPwAAAAAAAOA/AAAAAAAA4D8AAAAAAADgPwAAAAAAAOA/AAAAAAAA4D8CAAAAjAAAAAAAAAAAAAAAu+DjDP///wgAAAAAAAAAAAAAAAAAAAAAAAAAAAAAAAAAAAAAZAAAAAEAAABAAAAAAAAAAAAAAAAAAAAAAAAAAAAAAAAAAAAAAAAAAAAAAAAAAAAAAAAAAAAAAAAAAAAAAAAAAAAAAAAAAAAAAAAAAAAAAAAAAAAAAAAAAAAAAAAAAAAAFAAAADwAAAAAAAAAAAAAAAAAAAkUAAAAAQAAABQAAAAUAAAAFAAAAAEAAAAAAAAAZAAAAGQAAAAAAAAAZAAAAGQAAAAVAAAAYAAAAAAAAAAAAAAADwAAACADAAAAAAAAAAAAAAEAAACgMgAAVgcAAKr4//8BAAAAf39/AAEAAABkAAAAAAAAABQAAABAHwAAAAAAACYAAAAAAAAAwOD//wAAAAAmAAAAZAAAABYAAABMAAAAAAAAAAAAAAAEAAAAAAAAAAEAAACAgIAKAAAAACgAAAAoAAAAZAAAAGQAAAAAAAAAzMzMAAAAAABQAAAAUAAAAGQAAABkAAAAAAAAABcAAAAUAAAAAAAAAAAAAAD/fwAA/38AAAAAAAAJAAAABAAAAAAAAAAMAAAAEAAAAAAAAAAAAAAAAAAAAAAAAAAeAAAAaAAAAAAAAAAAAAAAAAAAAAAAAAAAAAAAECcAABAnAAAAAAAAAAAAAAAAAAAAAAAAAAAAAAAAAAAAAAAAAAAAABQAAAAAAAAAwMD/AAAAAABkAAAAMgAAAAAAAABkAAAAAAAAAH9/fwAKAAAAIgAAABgAAAAAAAAAAAAAAAAAAAAAAAAAAAAAAAAAAAAkAAAAJAAAAAAAAAAHAAAAAAAAAAAAAAAAAAAAAAAAAAAAAAAAAAAAf39/ACUAAABYAAAAAAAAAAAAAAAAAAAAAAAAAAAAAAAAAAAAAAAAAAAAAAAAAAAAAAAAAAAAAAA/AAAAAAAAAKCGAQAAAAAAAAAAAAAAAAAMAAAAAQAAAAAAAAAAAAAAAAAAAB8AAABUAAAAAAAABQAAAAEAAAAAAAAAAAAAAAAAAAAAAAAAAAAAAAAAAAAAAAAAAAAAAAJ/f38AAAAAA8zMzADAwP8Af39/AAAAAAAAAAAAAAAAAAAAAAAAAAAAIQAAABgAAAAUAAAAoRkAABsnAABfMQAAWSkAABAAAAAmAAAACAAAAAAAAAAAAAAAMAAAABQAAAAAAAAAAAD//wAAAQAAAP//AAABAA=="/>
+                <pr:smNativeData xmlns:pr="smNativeData" xmlns="smNativeData" val="SMDATA_17_WnaBYRMAAAAlAAAAZAAAAA8BAAAAkAAAAEgAAACQAAAASAAAAAAAAAABAAAAAAAAAAEAAABQAAAAAAAAAAAA4D8AAAAAAADgPwAAAAAAAOA/AAAAAAAA4D8AAAAAAADgPwAAAAAAAOA/AAAAAAAA4D8AAAAAAADgPwAAAAAAAOA/AAAAAAAA4D8CAAAAjAAAAAAAAAAAAAAAu+DjDP///wgAAAAAAAAAAAAAAAAAAAAAAAAAAAAAAAAAAAAAZAAAAAEAAABAAAAAAAAAAAAAAAAAAAAAAAAAAAAAAAAAAAAAAAAAAAAAAAAAAAAAAAAAAAAAAAAAAAAAAAAAAAAAAAAAAAAAAAAAAAAAAAAAAAAAAAAAAAAAAAAAAAAAFAAAADwAAAAAAAAAAAAAAAAAAAkUAAAAAQAAABQAAAAUAAAAFAAAAAEAAAAAAAAAZAAAAGQAAAAAAAAAZAAAAGQAAAAVAAAAYAAAAAAAAAAAAAAADwAAACADAAAAAAAAAAAAAAEAAACgMgAAVgcAAKr4//8BAAAAf39/AAEAAABkAAAAAAAAABQAAABAHwAAAAAAACYAAAAAAAAAwOD//wAAAAAmAAAAZAAAABYAAABMAAAAAAAAAAAAAAAEAAAAAAAAAAEAAACAgIAKAAAAACgAAAAoAAAAZAAAAGQAAAAAAAAAzMzMAAAAAABQAAAAUAAAAGQAAABkAAAAAAAAABcAAAAUAAAAAAAAAAAAAAD/fwAA/38AAAAAAAAJAAAABAAAAAAAAAAMAAAAEAAAAAAAAAAAAAAAAAAAAAAAAAAeAAAAaAAAAAAAAAAAAAAAAAAAAAAAAAAAAAAAECcAABAnAAAAAAAAAAAAAAAAAAAAAAAAAAAAAAAAAAAAAAAAAAAAABQAAAAAAAAAwMD/AAAAAABkAAAAMgAAAAAAAABkAAAAAAAAAH9/fwAKAAAAIgAAABgAAAAAAAAAAAAAAAAAAAAAAAAAAAAAAAAAAAAkAAAAJAAAAAAAAAAHAAAAAAAAAAAAAAAAAAAAAAAAAAAAAAAAAAAAf39/ACUAAABYAAAAAAAAAAAAAAAAAAAAAAAAAAAAAAAAAAAAAAAAAAAAAAAAAAAAAAAAAAAAAAA/AAAAAAAAAKCGAQAAAAAAAAAAAAAAAAAMAAAAAQAAAAAAAAAAAAAAAAAAAB8AAABUAAAAAAAABQAAAAEAAAAAAAAAAAAAAAAAAAAAAAAAAAAAAAAAAAAAAAAAAAAAAAJ/f38AAAAAA8zMzADAwP8Af39/AAAAAAAAAAAAAAAAAAAAAAAAAAAAIQAAABgAAAAUAAAAoRkAABsnAABfMQAAWSkAABAAAAAmAAAACAAAAAAAAAAAAAAAMAAAABQAAAAAAAAAAAD//wAAAQAAAP//AAABAA=="/>
               </a:ext>
             </a:extLst>
           </p:cNvSpPr>
@@ -385,7 +385,7 @@
             <a:spLocks noGrp="1" noChangeArrowheads="1"/>
             <a:extLst>
               <a:ext uri="smNativeData">
-                <pr:smNativeData xmlns:pr="smNativeData" xmlns="smNativeData" val="SMDATA_17_MUmAYRMAAAAlAAAAZAAAAA8BAAAAkAAAAEgAAACQAAAASAAAAAAAAAABAAAAAAAAAAEAAABQAAAAAAAAAAAA4D8AAAAAAADgPwAAAAAAAOA/AAAAAAAA4D8AAAAAAADgPwAAAAAAAOA/AAAAAAAA4D8AAAAAAADgPwAAAAAAAOA/AAAAAAAA4D8CAAAAjAAAAAAAAAAAAAAAu+DjDP///wgAAAAAAAAAAAAAAAAAAAAAAAAAAAAAAAAAAAAAZAAAAAEAAABAAAAAAAAAAAAAAAAAAAAAAAAAAAAAAAAAAAAAAAAAAAAAAAAAAAAAAAAAAAAAAAAAAAAAAAAAAAAAAAAAAAAAAAAAAAAAAAAAAAAAAAAAAAAAAAAAAAAAFAAAADwAAAAAAAAAAAAAAAAAAAkUAAAAAQAAABQAAAAUAAAAFAAAAAEAAAAAAAAAZAAAAGQAAAAAAAAAZAAAAGQAAAAVAAAAYAAAAAAAAAAAAAAADwAAACADAAAAAAAAAAAAAAEAAACgMgAAVgcAAKr4//8BAAAAf39/AAEAAABkAAAAAAAAABQAAABAHwAAAAAAACYAAAAAAAAAwOD//wAAAAAmAAAAZAAAABYAAABMAAAAAAAAAAAAAAAEAAAAAAAAAAEAAACAgIAKAAAAACgAAAAoAAAAZAAAAGQAAAAAAAAAzMzMAAAAAABQAAAAUAAAAGQAAABkAAAAAAAAABcAAAAUAAAAAAAAAAAAAAD/fwAA/38AAAAAAAAJAAAABAAAAHsAfAAMAAAAEAAAAAAAAAAAAAAAAAAAAAAAAAAeAAAAaAAAAAAAAAAAAAAAAAAAAAAAAAAAAAAAECcAABAnAAAAAAAAAAAAAAAAAAAAAAAAAAAAAAAAAAAAAAAAAAAAABQAAAAAAAAAwMD/AAAAAABkAAAAMgAAAAAAAABkAAAAAAAAAH9/fwAKAAAAIgAAABgAAAAAAAAAAAAAAAAAAAAAAAAAAAAAAAAAAAAkAAAAJAAAAAAAAAAHAAAAAAAAAAAAAAAAAAAAAAAAAAAAAAAAAAAAf39/ACUAAABYAAAAAAAAAAAAAAAAAAAAAAAAAAAAAAAAAAAAAAAAAAAAAAAAAAAAAAAAAAAAAAA/AAAAAAAAAKCGAQAAAAAAAAAAAAAAAAAMAAAAAQAAAAAAAAAAAAAAAAAAAB8AAABUAAAAAAAABQAAAAEAAAAAAAAAAAAAAAAAAAAAAAAAAAAAAAAAAAAAAAAAAAAAAAJ/f38AAAAAA8zMzADAwP8Af39/AAAAAAAAAAAAAAAAAAAAAAAAAAAAIQAAABgAAAAUAAAAwTUAABsnAABARwAAWSkAABAAAAAmAAAACAAAAAAAAAAAAAAAMAAAABQAAAAAAAAAAAD//wAAAQAAAP//AAABAA=="/>
+                <pr:smNativeData xmlns:pr="smNativeData" xmlns="smNativeData" val="SMDATA_17_WnaBYRMAAAAlAAAAZAAAAA8BAAAAkAAAAEgAAACQAAAASAAAAAAAAAABAAAAAAAAAAEAAABQAAAAAAAAAAAA4D8AAAAAAADgPwAAAAAAAOA/AAAAAAAA4D8AAAAAAADgPwAAAAAAAOA/AAAAAAAA4D8AAAAAAADgPwAAAAAAAOA/AAAAAAAA4D8CAAAAjAAAAAAAAAAAAAAAu+DjDP///wgAAAAAAAAAAAAAAAAAAAAAAAAAAAAAAAAAAAAAZAAAAAEAAABAAAAAAAAAAAAAAAAAAAAAAAAAAAAAAAAAAAAAAAAAAAAAAAAAAAAAAAAAAAAAAAAAAAAAAAAAAAAAAAAAAAAAAAAAAAAAAAAAAAAAAAAAAAAAAAAAAAAAFAAAADwAAAAAAAAAAAAAAAAAAAkUAAAAAQAAABQAAAAUAAAAFAAAAAEAAAAAAAAAZAAAAGQAAAAAAAAAZAAAAGQAAAAVAAAAYAAAAAAAAAAAAAAADwAAACADAAAAAAAAAAAAAAEAAACgMgAAVgcAAKr4//8BAAAAf39/AAEAAABkAAAAAAAAABQAAABAHwAAAAAAACYAAAAAAAAAwOD//wAAAAAmAAAAZAAAABYAAABMAAAAAAAAAAAAAAAEAAAAAAAAAAEAAACAgIAKAAAAACgAAAAoAAAAZAAAAGQAAAAAAAAAzMzMAAAAAABQAAAAUAAAAGQAAABkAAAAAAAAABcAAAAUAAAAAAAAAAAAAAD/fwAA/38AAAAAAAAJAAAABAAAAHsAfAAMAAAAEAAAAAAAAAAAAAAAAAAAAAAAAAAeAAAAaAAAAAAAAAAAAAAAAAAAAAAAAAAAAAAAECcAABAnAAAAAAAAAAAAAAAAAAAAAAAAAAAAAAAAAAAAAAAAAAAAABQAAAAAAAAAwMD/AAAAAABkAAAAMgAAAAAAAABkAAAAAAAAAH9/fwAKAAAAIgAAABgAAAAAAAAAAAAAAAAAAAAAAAAAAAAAAAAAAAAkAAAAJAAAAAAAAAAHAAAAAAAAAAAAAAAAAAAAAAAAAAAAAAAAAAAAf39/ACUAAABYAAAAAAAAAAAAAAAAAAAAAAAAAAAAAAAAAAAAAAAAAAAAAAAAAAAAAAAAAAAAAAA/AAAAAAAAAKCGAQAAAAAAAAAAAAAAAAAMAAAAAQAAAAAAAAAAAAAAAAAAAB8AAABUAAAAAAAABQAAAAEAAAAAAAAAAAAAAAAAAAAAAAAAAAAAAAAAAAAAAAAAAAAAAAJ/f38AAAAAA8zMzADAwP8Af39/AAAAAAAAAAAAAAAAAAAAAAAAAAAAIQAAABgAAAAUAAAAwTUAABsnAABARwAAWSkAABAAAAAmAAAACAAAAAAAAAAAAAAAMAAAABQAAAAAAAAAAAD//wAAAQAAAP//AAABAA=="/>
               </a:ext>
             </a:extLst>
           </p:cNvSpPr>
@@ -399,7 +399,7 @@
           <a:lstStyle/>
           <a:p>
             <a:pPr/>
-            <a:fld id="{77454389-C79A-10B5-D4FD-31E00DB32264}" type="slidenum">
+            <a:fld id="{0307AB8B-C5EE-525D-A0BF-3308E5F15666}" type="slidenum">
               <a:t/>
             </a:fld>
           </a:p>
@@ -438,7 +438,7 @@
             <a:spLocks noGrp="1" noChangeArrowheads="1"/>
             <a:extLst>
               <a:ext uri="smNativeData">
-                <pr:smNativeData xmlns:pr="smNativeData" xmlns="smNativeData" val="SMDATA_17_MUmAYRMAAAAlAAAAZAAAAA8BAAAAkAAAAEgAAACQAAAASAAAAAAAAAABAAAAAAAAAAEAAABQAAAAAAAAAAAA4D8AAAAAAADgPwAAAAAAAOA/AAAAAAAA4D8AAAAAAADgPwAAAAAAAOA/AAAAAAAA4D8AAAAAAADgPwAAAAAAAOA/AAAAAAAA4D8CAAAAjAAAAAAAAAAAAAAAu+DjDP///wgAAAAAAAAAAAAAAAAAAAAAAAAAAAAAAAAAAAAAZAAAAAEAAABAAAAAAAAAAAAAAAAAAAAAAAAAAAAAAAAAAAAAAAAAAAAAAAAAAAAAAAAAAAAAAAAAAAAAAAAAAAAAAAAAAAAAAAAAAAAAAAAAAAAAAAAAAAAAAAAAAAAAFAAAADwAAAAAAAAAAAAAAAAAAAkUAAAAAQAAABQAAAAUAAAAFAAAAAEAAAAAAAAAZAAAAGQAAAAAAAAAZAAAAGQAAAAVAAAAYAAAAAAAAAAAAAAADwAAACADAAAAAAAAAAAAAAEAAACgMgAAVgcAAKr4//8BAAAAf39/AAEAAABkAAAAAAAAABQAAABAHwAAAAAAACYAAAAAAAAAwOD//wAAAAAmAAAAZAAAABYAAABMAAAAAAAAAAAAAAAEAAAAAAAAAAEAAACAgIAKAAAAACgAAAAoAAAAZAAAAGQAAAAAAAAAzMzMAAAAAABQAAAAUAAAAGQAAABkAAAAAAAAABcAAAAUAAAAAAAAAAAAAAD/fwAA/38AAAAAAAAJAAAABAAAAG49IjEMAAAAEAAAAAAAAAAAAAAAAAAAAAAAAAAeAAAAaAAAAAAAAAAAAAAAAAAAAAAAAAAAAAAAECcAABAnAAAAAAAAAAAAAAAAAAAAAAAAAAAAAAAAAAAAAAAAAAAAABQAAAAAAAAAwMD/AAAAAABkAAAAMgAAAAAAAABkAAAAAAAAAH9/fwAKAAAAIgAAABgAAAAAAAAAAAAAAAAAAAAAAAAAAAAAAAAAAAAkAAAAJAAAAAAAAAAHAAAAAAAAAAAAAAAAAAAAAAAAAAAAAAAAAAAAf39/ACUAAABYAAAAAAAAAAAAAAAAAAAAAAAAAAAAAAAAAAAAAAAAAAAAAAAAAAAAAAAAAAAAAAA/AAAAAAAAAKCGAQAAAAAAAAAAAAAAAAAMAAAAAQAAAAAAAAAAAAAAAAAAAB8AAABUAAAAAAAABQAAAAEAAAAAAAAAAAAAAAAAAAAAAAAAAAAAAAAAAAAAAAAAAAAAAAJ/f38AAAAAA8zMzADAwP8Af39/AAAAAAAAAAAAAAAAAAAAAAAAAAAAIQAAABgAAAAUAAAAwAMAALABAABARwAAuAgAABAAAAAmAAAACAAAAAAAAAAAAAAAMAAAABQAAAAAAAAAAAD//wAAAQAAAP//AAABAA=="/>
+                <pr:smNativeData xmlns:pr="smNativeData" xmlns="smNativeData" val="SMDATA_17_WnaBYRMAAAAlAAAAZAAAAA8BAAAAkAAAAEgAAACQAAAASAAAAAAAAAABAAAAAAAAAAEAAABQAAAAAAAAAAAA4D8AAAAAAADgPwAAAAAAAOA/AAAAAAAA4D8AAAAAAADgPwAAAAAAAOA/AAAAAAAA4D8AAAAAAADgPwAAAAAAAOA/AAAAAAAA4D8CAAAAjAAAAAAAAAAAAAAAu+DjDP///wgAAAAAAAAAAAAAAAAAAAAAAAAAAAAAAAAAAAAAZAAAAAEAAABAAAAAAAAAAAAAAAAAAAAAAAAAAAAAAAAAAAAAAAAAAAAAAAAAAAAAAAAAAAAAAAAAAAAAAAAAAAAAAAAAAAAAAAAAAAAAAAAAAAAAAAAAAAAAAAAAAAAAFAAAADwAAAAAAAAAAAAAAAAAAAkUAAAAAQAAABQAAAAUAAAAFAAAAAEAAAAAAAAAZAAAAGQAAAAAAAAAZAAAAGQAAAAVAAAAYAAAAAAAAAAAAAAADwAAACADAAAAAAAAAAAAAAEAAACgMgAAVgcAAKr4//8BAAAAf39/AAEAAABkAAAAAAAAABQAAABAHwAAAAAAACYAAAAAAAAAwOD//wAAAAAmAAAAZAAAABYAAABMAAAAAAAAAAAAAAAEAAAAAAAAAAEAAACAgIAKAAAAACgAAAAoAAAAZAAAAGQAAAAAAAAAzMzMAAAAAABQAAAAUAAAAGQAAABkAAAAAAAAABcAAAAUAAAAAAAAAAAAAAD/fwAA/38AAAAAAAAJAAAABAAAAG49IjEMAAAAEAAAAAAAAAAAAAAAAAAAAAAAAAAeAAAAaAAAAAAAAAAAAAAAAAAAAAAAAAAAAAAAECcAABAnAAAAAAAAAAAAAAAAAAAAAAAAAAAAAAAAAAAAAAAAAAAAABQAAAAAAAAAwMD/AAAAAABkAAAAMgAAAAAAAABkAAAAAAAAAH9/fwAKAAAAIgAAABgAAAAAAAAAAAAAAAAAAAAAAAAAAAAAAAAAAAAkAAAAJAAAAAAAAAAHAAAAAAAAAAAAAAAAAAAAAAAAAAAAAAAAAAAAf39/ACUAAABYAAAAAAAAAAAAAAAAAAAAAAAAAAAAAAAAAAAAAAAAAAAAAAAAAAAAAAAAAAAAAAA/AAAAAAAAAKCGAQAAAAAAAAAAAAAAAAAMAAAAAQAAAAAAAAAAAAAAAAAAAB8AAABUAAAAAAAABQAAAAEAAAAAAAAAAAAAAAAAAAAAAAAAAAAAAAAAAAAAAAAAAAAAAAJ/f38AAAAAA8zMzADAwP8Af39/AAAAAAAAAAAAAAAAAAAAAAAAAAAAIQAAABgAAAAUAAAAwAMAALABAABARwAAuAgAABAAAAAmAAAACAAAAAAAAAAAAAAAMAAAABQAAAAAAAAAAAD//wAAAQAAAP//AAABAA=="/>
               </a:ext>
             </a:extLst>
           </p:cNvSpPr>
@@ -465,7 +465,7 @@
             <a:spLocks noGrp="1" noChangeArrowheads="1"/>
             <a:extLst>
               <a:ext uri="smNativeData">
-                <pr:smNativeData xmlns:pr="smNativeData" xmlns="smNativeData" val="SMDATA_17_MUmAYRMAAAAlAAAAZAAAAA8BAAAAkAAAAEgAAACQAAAASAAAAAAAAAAAAAAAAQAAAAEAAABQAAAAAAAAAAAA4D8AAAAAAADgPwAAAAAAAOA/AAAAAAAA4D8AAAAAAADgPwAAAAAAAOA/AAAAAAAA4D8AAAAAAADgPwAAAAAAAOA/AAAAAAAA4D8CAAAAjAAAAAAAAAAAAAAAu+DjDP///wgAAAAAAAAAAAAAAAAAAAAAAAAAAAAAAAAAAAAAZAAAAAEAAABAAAAAAAAAAAAAAAAAAAAAAAAAAAAAAAAAAAAAAAAAAAAAAAAAAAAAAAAAAAAAAAAAAAAAAAAAAAAAAAAAAAAAAAAAAAAAAAAAAAAAAAAAAAAAAAAAAAAAFAAAADwAAAAAAAAAAAAAAAAAAAkUAAAAAQAAABQAAAAUAAAAFAAAAAEAAAAAAAAAZAAAAGQAAAAAAAAAZAAAAGQAAAAVAAAAYAAAAAAAAAAAAAAADwAAACADAAAAAAAAAAAAAAEAAACgMgAAVgcAAKr4//8BAAAAf39/AAEAAABkAAAAAAAAABQAAABAHwAAAAAAACYAAAAAAAAAwOD//wAAAAAmAAAAZAAAABYAAABMAAAAAAAAAAAAAAAEAAAAAAAAAAEAAACAgIAKAAAAACgAAAAoAAAAZAAAAGQAAAAAAAAAzMzMAAAAAABQAAAAUAAAAGQAAABkAAAAAAAAABcAAAAUAAAAAAAAAAAAAAD/fwAA/38AAAAAAAAJAAAABAAAAAAAAAAMAAAAEAAAAAAAAAAAAAAAAAAAAAAAAAAeAAAAaAAAAAAAAAAAAAAAAAAAAAAAAAAAAAAAECcAABAnAAAAAAAAAAAAAAAAAAAAAAAAAAAAAAAAAAAAAAAAAAAAABQAAAAAAAAAwMD/AAAAAABkAAAAMgAAAAAAAABkAAAAAAAAAH9/fwAKAAAAIgAAABgAAAAAAAAAAAAAAAAAAAAAAAAAAAAAAAAAAAAkAAAAJAAAAAAAAAAHAAAAAAAAAAAAAAAAAAAAAAAAAAAAAAAAAAAAf39/ACUAAABYAAAAAAAAAAAAAAAAAAAAAAAAAAAAAAAAAAAAAAAAAAAAAAAAAAAAAAAAAAAAAAA/AAAAAAAAAKCGAQAAAAAAAAAAAAAAAAAMAAAAAQAAAAAAAAAAAAAAAAAAAB8AAABUAAAAAAAABQAAAAEAAAAAAAAAAAAAAAAAAAAAAAAAAAAAAAAAAAAAAAAAAAAAAAJ/f38AAAAAA8zMzADAwP8Af39/AAAAAAAAAAAAAAAAAAAAAAAAAAAAIQAAABgAAAAUAAAAwAMAANgJAABARwAAsCUAABAAAAAmAAAACAAAAAIAAAAAAAAAMAAAABQAAAAAAAAAAAD//wAAAQAAAP//AAABAA=="/>
+                <pr:smNativeData xmlns:pr="smNativeData" xmlns="smNativeData" val="SMDATA_17_WnaBYRMAAAAlAAAAZAAAAA8BAAAAkAAAAEgAAACQAAAASAAAAAAAAAAAAAAAAQAAAAEAAABQAAAAAAAAAAAA4D8AAAAAAADgPwAAAAAAAOA/AAAAAAAA4D8AAAAAAADgPwAAAAAAAOA/AAAAAAAA4D8AAAAAAADgPwAAAAAAAOA/AAAAAAAA4D8CAAAAjAAAAAAAAAAAAAAAu+DjDP///wgAAAAAAAAAAAAAAAAAAAAAAAAAAAAAAAAAAAAAZAAAAAEAAABAAAAAAAAAAAAAAAAAAAAAAAAAAAAAAAAAAAAAAAAAAAAAAAAAAAAAAAAAAAAAAAAAAAAAAAAAAAAAAAAAAAAAAAAAAAAAAAAAAAAAAAAAAAAAAAAAAAAAFAAAADwAAAAAAAAAAAAAAAAAAAkUAAAAAQAAABQAAAAUAAAAFAAAAAEAAAAAAAAAZAAAAGQAAAAAAAAAZAAAAGQAAAAVAAAAYAAAAAAAAAAAAAAADwAAACADAAAAAAAAAAAAAAEAAACgMgAAVgcAAKr4//8BAAAAf39/AAEAAABkAAAAAAAAABQAAABAHwAAAAAAACYAAAAAAAAAwOD//wAAAAAmAAAAZAAAABYAAABMAAAAAAAAAAAAAAAEAAAAAAAAAAEAAACAgIAKAAAAACgAAAAoAAAAZAAAAGQAAAAAAAAAzMzMAAAAAABQAAAAUAAAAGQAAABkAAAAAAAAABcAAAAUAAAAAAAAAAAAAAD/fwAA/38AAAAAAAAJAAAABAAAAAAAAAAMAAAAEAAAAAAAAAAAAAAAAAAAAAAAAAAeAAAAaAAAAAAAAAAAAAAAAAAAAAAAAAAAAAAAECcAABAnAAAAAAAAAAAAAAAAAAAAAAAAAAAAAAAAAAAAAAAAAAAAABQAAAAAAAAAwMD/AAAAAABkAAAAMgAAAAAAAABkAAAAAAAAAH9/fwAKAAAAIgAAABgAAAAAAAAAAAAAAAAAAAAAAAAAAAAAAAAAAAAkAAAAJAAAAAAAAAAHAAAAAAAAAAAAAAAAAAAAAAAAAAAAAAAAAAAAf39/ACUAAABYAAAAAAAAAAAAAAAAAAAAAAAAAAAAAAAAAAAAAAAAAAAAAAAAAAAAAAAAAAAAAAA/AAAAAAAAAKCGAQAAAAAAAAAAAAAAAAAMAAAAAQAAAAAAAAAAAAAAAAAAAB8AAABUAAAAAAAABQAAAAEAAAAAAAAAAAAAAAAAAAAAAAAAAAAAAAAAAAAAAAAAAAAAAAJ/f38AAAAAA8zMzADAwP8Af39/AAAAAAAAAAAAAAAAAAAAAAAAAAAAIQAAABgAAAAUAAAAwAMAANgJAABARwAAsCUAABAAAAAmAAAACAAAAAIAAAAAAAAAMAAAABQAAAAAAAAAAAD//wAAAQAAAP//AAABAA=="/>
               </a:ext>
             </a:extLst>
           </p:cNvSpPr>
@@ -520,7 +520,7 @@
             <a:spLocks noGrp="1" noChangeArrowheads="1"/>
             <a:extLst>
               <a:ext uri="smNativeData">
-                <pr:smNativeData xmlns:pr="smNativeData" xmlns="smNativeData" val="SMDATA_17_MUmAYRMAAAAlAAAAZAAAAA8BAAAAkAAAAEgAAACQAAAASAAAAAAAAAABAAAAAAAAAAEAAABQAAAAAAAAAAAA4D8AAAAAAADgPwAAAAAAAOA/AAAAAAAA4D8AAAAAAADgPwAAAAAAAOA/AAAAAAAA4D8AAAAAAADgPwAAAAAAAOA/AAAAAAAA4D8CAAAAjAAAAAAAAAAAAAAAu+DjDP///wgAAAAAAAAAAAAAAAAAAAAAAAAAAAAAAAAAAAAAZAAAAAEAAABAAAAAAAAAAAAAAAAAAAAAAAAAAAAAAAAAAAAAAAAAAAAAAAAAAAAAAAAAAAAAAAAAAAAAAAAAAAAAAAAAAAAAAAAAAAAAAAAAAAAAAAAAAAAAAAAAAAAAFAAAADwAAAAAAAAAAAAAAAAAAAkUAAAAAQAAABQAAAAUAAAAFAAAAAEAAAAAAAAAZAAAAGQAAAAAAAAAZAAAAGQAAAAVAAAAYAAAAAAAAAAAAAAADwAAACADAAAAAAAAAAAAAAEAAACgMgAAVgcAAKr4//8BAAAAf39/AAEAAABkAAAAAAAAABQAAABAHwAAAAAAACYAAAAAAAAAwOD//wAAAAAmAAAAZAAAABYAAABMAAAAAAAAAAAAAAAEAAAAAAAAAAEAAACAgIAKAAAAACgAAAAoAAAAZAAAAGQAAAAAAAAAzMzMAAAAAABQAAAAUAAAAGQAAABkAAAAAAAAABcAAAAUAAAAAAAAAAAAAAD/fwAA/38AAAAAAAAJAAAABAAAAAAAAAAMAAAAEAAAAAAAAAAAAAAAAAAAAAAAAAAeAAAAaAAAAAAAAAAAAAAAAAAAAAAAAAAAAAAAECcAABAnAAAAAAAAAAAAAAAAAAAAAAAAAAAAAAAAAAAAAAAAAAAAABQAAAAAAAAAwMD/AAAAAABkAAAAMgAAAAAAAABkAAAAAAAAAH9/fwAKAAAAIgAAABgAAAAAAAAAAAAAAAAAAAAAAAAAAAAAAAAAAAAkAAAAJAAAAAAAAAAHAAAAAAAAAAAAAAAAAAAAAAAAAAAAAAAAAAAAf39/ACUAAABYAAAAAAAAAAAAAAAAAAAAAAAAAAAAAAAAAAAAAAAAAAAAAAAAAAAAAAAAAAAAAAA/AAAAAAAAAKCGAQAAAAAAAAAAAAAAAAAMAAAAAQAAAAAAAAAAAAAAAAAAAB8AAABUAAAAAAAABQAAAAEAAAAAAAAAAAAAAAAAAAAAAAAAAAAAAAAAAAAAAAAAAAAAAAJ/f38AAAAAA8zMzADAwP8Af39/AAAAAAAAAAAAAAAAAAAAAAAAAAAAIQAAABgAAAAUAAAAwAMAABsnAAA/FQAAWSkAABAAAAAmAAAACAAAAAAAAAAAAAAAMAAAABQAAAAAAAAAAAD//wAAAQAAAP//AAABAA=="/>
+                <pr:smNativeData xmlns:pr="smNativeData" xmlns="smNativeData" val="SMDATA_17_WnaBYRMAAAAlAAAAZAAAAA8BAAAAkAAAAEgAAACQAAAASAAAAAAAAAABAAAAAAAAAAEAAABQAAAAAAAAAAAA4D8AAAAAAADgPwAAAAAAAOA/AAAAAAAA4D8AAAAAAADgPwAAAAAAAOA/AAAAAAAA4D8AAAAAAADgPwAAAAAAAOA/AAAAAAAA4D8CAAAAjAAAAAAAAAAAAAAAu+DjDP///wgAAAAAAAAAAAAAAAAAAAAAAAAAAAAAAAAAAAAAZAAAAAEAAABAAAAAAAAAAAAAAAAAAAAAAAAAAAAAAAAAAAAAAAAAAAAAAAAAAAAAAAAAAAAAAAAAAAAAAAAAAAAAAAAAAAAAAAAAAAAAAAAAAAAAAAAAAAAAAAAAAAAAFAAAADwAAAAAAAAAAAAAAAAAAAkUAAAAAQAAABQAAAAUAAAAFAAAAAEAAAAAAAAAZAAAAGQAAAAAAAAAZAAAAGQAAAAVAAAAYAAAAAAAAAAAAAAADwAAACADAAAAAAAAAAAAAAEAAACgMgAAVgcAAKr4//8BAAAAf39/AAEAAABkAAAAAAAAABQAAABAHwAAAAAAACYAAAAAAAAAwOD//wAAAAAmAAAAZAAAABYAAABMAAAAAAAAAAAAAAAEAAAAAAAAAAEAAACAgIAKAAAAACgAAAAoAAAAZAAAAGQAAAAAAAAAzMzMAAAAAABQAAAAUAAAAGQAAABkAAAAAAAAABcAAAAUAAAAAAAAAAAAAAD/fwAA/38AAAAAAAAJAAAABAAAAAAAAAAMAAAAEAAAAAAAAAAAAAAAAAAAAAAAAAAeAAAAaAAAAAAAAAAAAAAAAAAAAAAAAAAAAAAAECcAABAnAAAAAAAAAAAAAAAAAAAAAAAAAAAAAAAAAAAAAAAAAAAAABQAAAAAAAAAwMD/AAAAAABkAAAAMgAAAAAAAABkAAAAAAAAAH9/fwAKAAAAIgAAABgAAAAAAAAAAAAAAAAAAAAAAAAAAAAAAAAAAAAkAAAAJAAAAAAAAAAHAAAAAAAAAAAAAAAAAAAAAAAAAAAAAAAAAAAAf39/ACUAAABYAAAAAAAAAAAAAAAAAAAAAAAAAAAAAAAAAAAAAAAAAAAAAAAAAAAAAAAAAAAAAAA/AAAAAAAAAKCGAQAAAAAAAAAAAAAAAAAMAAAAAQAAAAAAAAAAAAAAAAAAAB8AAABUAAAAAAAABQAAAAEAAAAAAAAAAAAAAAAAAAAAAAAAAAAAAAAAAAAAAAAAAAAAAAJ/f38AAAAAA8zMzADAwP8Af39/AAAAAAAAAAAAAAAAAAAAAAAAAAAAIQAAABgAAAAUAAAAwAMAABsnAAA/FQAAWSkAABAAAAAmAAAACAAAAAAAAAAAAAAAMAAAABQAAAAAAAAAAAD//wAAAQAAAP//AAABAA=="/>
               </a:ext>
             </a:extLst>
           </p:cNvSpPr>
@@ -534,7 +534,7 @@
           <a:lstStyle/>
           <a:p>
             <a:pPr/>
-            <a:fld id="{5C77AB8A-C4B1-225D-FFCF-3208E5810967}" type="datetime1">
+            <a:fld id="{618423AD-E38C-D1D5-C23C-15806D723440}" type="datetime1">
               <a:t/>
             </a:fld>
           </a:p>
@@ -547,7 +547,7 @@
             <a:spLocks noGrp="1" noChangeArrowheads="1"/>
             <a:extLst>
               <a:ext uri="smNativeData">
-                <pr:smNativeData xmlns:pr="smNativeData" xmlns="smNativeData" val="SMDATA_17_MUmAYRMAAAAlAAAAZAAAAA8BAAAAkAAAAEgAAACQAAAASAAAAAAAAAABAAAAAAAAAAEAAABQAAAAAAAAAAAA4D8AAAAAAADgPwAAAAAAAOA/AAAAAAAA4D8AAAAAAADgPwAAAAAAAOA/AAAAAAAA4D8AAAAAAADgPwAAAAAAAOA/AAAAAAAA4D8CAAAAjAAAAAAAAAAAAAAAu+DjDP///wgAAAAAAAAAAAAAAAAAAAAAAAAAAAAAAAAAAAAAZAAAAAEAAABAAAAAAAAAAAAAAAAAAAAAAAAAAAAAAAAAAAAAAAAAAAAAAAAAAAAAAAAAAAAAAAAAAAAAAAAAAAAAAAAAAAAAAAAAAAAAAAAAAAAAAAAAAAAAAAAAAAAAFAAAADwAAAAAAAAAAAAAAAAAAAkUAAAAAQAAABQAAAAUAAAAFAAAAAEAAAAAAAAAZAAAAGQAAAAAAAAAZAAAAGQAAAAVAAAAYAAAAAAAAAAAAAAADwAAACADAAAAAAAAAAAAAAEAAACgMgAAVgcAAKr4//8BAAAAf39/AAEAAABkAAAAAAAAABQAAABAHwAAAAAAACYAAAAAAAAAwOD//wAAAAAmAAAAZAAAABYAAABMAAAAAAAAAAAAAAAEAAAAAAAAAAEAAACAgIAKAAAAACgAAAAoAAAAZAAAAGQAAAAAAAAAzMzMAAAAAABQAAAAUAAAAGQAAABkAAAAAAAAABcAAAAUAAAAAAAAAAAAAAD/fwAA/38AAAAAAAAJAAAABAAAAGE6c3AMAAAAEAAAAAAAAAAAAAAAAAAAAAAAAAAeAAAAaAAAAAAAAAAAAAAAAAAAAAAAAAAAAAAAECcAABAnAAAAAAAAAAAAAAAAAAAAAAAAAAAAAAAAAAAAAAAAAAAAABQAAAAAAAAAwMD/AAAAAABkAAAAMgAAAAAAAABkAAAAAAAAAH9/fwAKAAAAIgAAABgAAAAAAAAAAAAAAAAAAAAAAAAAAAAAAAAAAAAkAAAAJAAAAAAAAAAHAAAAAAAAAAAAAAAAAAAAAAAAAAAAAAAAAAAAf39/ACUAAABYAAAAAAAAAAAAAAAAAAAAAAAAAAAAAAAAAAAAAAAAAAAAAAAAAAAAAAAAAAAAAAA/AAAAAAAAAKCGAQAAAAAAAAAAAAAAAAAMAAAAAQAAAAAAAAAAAAAAAAAAAB8AAABUAAAAAAAABQAAAAEAAAAAAAAAAAAAAAAAAAAAAAAAAAAAAAAAAAAAAAAAAAAAAAJ/f38AAAAAA8zMzADAwP8Af39/AAAAAAAAAAAAAAAAAAAAAAAAAAAAIQAAABgAAAAUAAAAoRkAABsnAABfMQAAWSkAABAAAAAmAAAACAAAAAAAAAAAAAAAMAAAABQAAAAAAAAAAAD//wAAAQAAAP//AAABAA=="/>
+                <pr:smNativeData xmlns:pr="smNativeData" xmlns="smNativeData" val="SMDATA_17_WnaBYRMAAAAlAAAAZAAAAA8BAAAAkAAAAEgAAACQAAAASAAAAAAAAAABAAAAAAAAAAEAAABQAAAAAAAAAAAA4D8AAAAAAADgPwAAAAAAAOA/AAAAAAAA4D8AAAAAAADgPwAAAAAAAOA/AAAAAAAA4D8AAAAAAADgPwAAAAAAAOA/AAAAAAAA4D8CAAAAjAAAAAAAAAAAAAAAu+DjDP///wgAAAAAAAAAAAAAAAAAAAAAAAAAAAAAAAAAAAAAZAAAAAEAAABAAAAAAAAAAAAAAAAAAAAAAAAAAAAAAAAAAAAAAAAAAAAAAAAAAAAAAAAAAAAAAAAAAAAAAAAAAAAAAAAAAAAAAAAAAAAAAAAAAAAAAAAAAAAAAAAAAAAAFAAAADwAAAAAAAAAAAAAAAAAAAkUAAAAAQAAABQAAAAUAAAAFAAAAAEAAAAAAAAAZAAAAGQAAAAAAAAAZAAAAGQAAAAVAAAAYAAAAAAAAAAAAAAADwAAACADAAAAAAAAAAAAAAEAAACgMgAAVgcAAKr4//8BAAAAf39/AAEAAABkAAAAAAAAABQAAABAHwAAAAAAACYAAAAAAAAAwOD//wAAAAAmAAAAZAAAABYAAABMAAAAAAAAAAAAAAAEAAAAAAAAAAEAAACAgIAKAAAAACgAAAAoAAAAZAAAAGQAAAAAAAAAzMzMAAAAAABQAAAAUAAAAGQAAABkAAAAAAAAABcAAAAUAAAAAAAAAAAAAAD/fwAA/38AAAAAAAAJAAAABAAAAGE6c3AMAAAAEAAAAAAAAAAAAAAAAAAAAAAAAAAeAAAAaAAAAAAAAAAAAAAAAAAAAAAAAAAAAAAAECcAABAnAAAAAAAAAAAAAAAAAAAAAAAAAAAAAAAAAAAAAAAAAAAAABQAAAAAAAAAwMD/AAAAAABkAAAAMgAAAAAAAABkAAAAAAAAAH9/fwAKAAAAIgAAABgAAAAAAAAAAAAAAAAAAAAAAAAAAAAAAAAAAAAkAAAAJAAAAAAAAAAHAAAAAAAAAAAAAAAAAAAAAAAAAAAAAAAAAAAAf39/ACUAAABYAAAAAAAAAAAAAAAAAAAAAAAAAAAAAAAAAAAAAAAAAAAAAAAAAAAAAAAAAAAAAAA/AAAAAAAAAKCGAQAAAAAAAAAAAAAAAAAMAAAAAQAAAAAAAAAAAAAAAAAAAB8AAABUAAAAAAAABQAAAAEAAAAAAAAAAAAAAAAAAAAAAAAAAAAAAAAAAAAAAAAAAAAAAAJ/f38AAAAAA8zMzADAwP8Af39/AAAAAAAAAAAAAAAAAAAAAAAAAAAAIQAAABgAAAAUAAAAoRkAABsnAABfMQAAWSkAABAAAAAmAAAACAAAAAAAAAAAAAAAMAAAABQAAAAAAAAAAAD//wAAAQAAAP//AAABAA=="/>
               </a:ext>
             </a:extLst>
           </p:cNvSpPr>
@@ -571,7 +571,7 @@
             <a:spLocks noGrp="1" noChangeArrowheads="1"/>
             <a:extLst>
               <a:ext uri="smNativeData">
-                <pr:smNativeData xmlns:pr="smNativeData" xmlns="smNativeData" val="SMDATA_17_MUmAYRMAAAAlAAAAZAAAAA8BAAAAkAAAAEgAAACQAAAASAAAAAAAAAABAAAAAAAAAAEAAABQAAAAAAAAAAAA4D8AAAAAAADgPwAAAAAAAOA/AAAAAAAA4D8AAAAAAADgPwAAAAAAAOA/AAAAAAAA4D8AAAAAAADgPwAAAAAAAOA/AAAAAAAA4D8CAAAAjAAAAAAAAAAAAAAAu+DjDP///wgAAAAAAAAAAAAAAAAAAAAAAAAAAAAAAAAAAAAAZAAAAAEAAABAAAAAAAAAAAAAAAAAAAAAAAAAAAAAAAAAAAAAAAAAAAAAAAAAAAAAAAAAAAAAAAAAAAAAAAAAAAAAAAAAAAAAAAAAAAAAAAAAAAAAAAAAAAAAAAAAAAAAFAAAADwAAAAAAAAAAAAAAAAAAAkUAAAAAQAAABQAAAAUAAAAFAAAAAEAAAAAAAAAZAAAAGQAAAAAAAAAZAAAAGQAAAAVAAAAYAAAAAAAAAAAAAAADwAAACADAAAAAAAAAAAAAAEAAACgMgAAVgcAAKr4//8BAAAAf39/AAEAAABkAAAAAAAAABQAAABAHwAAAAAAACYAAAAAAAAAwOD//wAAAAAmAAAAZAAAABYAAABMAAAAAAAAAAAAAAAEAAAAAAAAAAEAAACAgIAKAAAAACgAAAAoAAAAZAAAAGQAAAAAAAAAzMzMAAAAAABQAAAAUAAAAGQAAABkAAAAAAAAABcAAAAUAAAAAAAAAAAAAAD/fwAA/38AAAAAAAAJAAAABAAAAAAAAAAMAAAAEAAAAAAAAAAAAAAAAAAAAAAAAAAeAAAAaAAAAAAAAAAAAAAAAAAAAAAAAAAAAAAAECcAABAnAAAAAAAAAAAAAAAAAAAAAAAAAAAAAAAAAAAAAAAAAAAAABQAAAAAAAAAwMD/AAAAAABkAAAAMgAAAAAAAABkAAAAAAAAAH9/fwAKAAAAIgAAABgAAAAAAAAAAAAAAAAAAAAAAAAAAAAAAAAAAAAkAAAAJAAAAAAAAAAHAAAAAAAAAAAAAAAAAAAAAAAAAAAAAAAAAAAAf39/ACUAAABYAAAAAAAAAAAAAAAAAAAAAAAAAAAAAAAAAAAAAAAAAAAAAAAAAAAAAAAAAAAAAAA/AAAAAAAAAKCGAQAAAAAAAAAAAAAAAAAMAAAAAQAAAAAAAAAAAAAAAAAAAB8AAABUAAAAAAAABQAAAAEAAAAAAAAAAAAAAAAAAAAAAAAAAAAAAAAAAAAAAAAAAAAAAAJ/f38AAAAAA8zMzADAwP8Af39/AAAAAAAAAAAAAAAAAAAAAAAAAAAAIQAAABgAAAAUAAAAwTUAABsnAABARwAAWSkAABAAAAAmAAAACAAAAAAAAAAAAAAAMAAAABQAAAAAAAAAAAD//wAAAQAAAP//AAABAA=="/>
+                <pr:smNativeData xmlns:pr="smNativeData" xmlns="smNativeData" val="SMDATA_17_WnaBYRMAAAAlAAAAZAAAAA8BAAAAkAAAAEgAAACQAAAASAAAAAAAAAABAAAAAAAAAAEAAABQAAAAAAAAAAAA4D8AAAAAAADgPwAAAAAAAOA/AAAAAAAA4D8AAAAAAADgPwAAAAAAAOA/AAAAAAAA4D8AAAAAAADgPwAAAAAAAOA/AAAAAAAA4D8CAAAAjAAAAAAAAAAAAAAAu+DjDP///wgAAAAAAAAAAAAAAAAAAAAAAAAAAAAAAAAAAAAAZAAAAAEAAABAAAAAAAAAAAAAAAAAAAAAAAAAAAAAAAAAAAAAAAAAAAAAAAAAAAAAAAAAAAAAAAAAAAAAAAAAAAAAAAAAAAAAAAAAAAAAAAAAAAAAAAAAAAAAAAAAAAAAFAAAADwAAAAAAAAAAAAAAAAAAAkUAAAAAQAAABQAAAAUAAAAFAAAAAEAAAAAAAAAZAAAAGQAAAAAAAAAZAAAAGQAAAAVAAAAYAAAAAAAAAAAAAAADwAAACADAAAAAAAAAAAAAAEAAACgMgAAVgcAAKr4//8BAAAAf39/AAEAAABkAAAAAAAAABQAAABAHwAAAAAAACYAAAAAAAAAwOD//wAAAAAmAAAAZAAAABYAAABMAAAAAAAAAAAAAAAEAAAAAAAAAAEAAACAgIAKAAAAACgAAAAoAAAAZAAAAGQAAAAAAAAAzMzMAAAAAABQAAAAUAAAAGQAAABkAAAAAAAAABcAAAAUAAAAAAAAAAAAAAD/fwAA/38AAAAAAAAJAAAABAAAAAAAAAAMAAAAEAAAAAAAAAAAAAAAAAAAAAAAAAAeAAAAaAAAAAAAAAAAAAAAAAAAAAAAAAAAAAAAECcAABAnAAAAAAAAAAAAAAAAAAAAAAAAAAAAAAAAAAAAAAAAAAAAABQAAAAAAAAAwMD/AAAAAABkAAAAMgAAAAAAAABkAAAAAAAAAH9/fwAKAAAAIgAAABgAAAAAAAAAAAAAAAAAAAAAAAAAAAAAAAAAAAAkAAAAJAAAAAAAAAAHAAAAAAAAAAAAAAAAAAAAAAAAAAAAAAAAAAAAf39/ACUAAABYAAAAAAAAAAAAAAAAAAAAAAAAAAAAAAAAAAAAAAAAAAAAAAAAAAAAAAAAAAAAAAA/AAAAAAAAAKCGAQAAAAAAAAAAAAAAAAAMAAAAAQAAAAAAAAAAAAAAAAAAAB8AAABUAAAAAAAABQAAAAEAAAAAAAAAAAAAAAAAAAAAAAAAAAAAAAAAAAAAAAAAAAAAAAJ/f38AAAAAA8zMzADAwP8Af39/AAAAAAAAAAAAAAAAAAAAAAAAAAAAIQAAABgAAAAUAAAAwTUAABsnAABARwAAWSkAABAAAAAmAAAACAAAAAAAAAAAAAAAMAAAABQAAAAAAAAAAAD//wAAAQAAAP//AAABAA=="/>
               </a:ext>
             </a:extLst>
           </p:cNvSpPr>
@@ -585,7 +585,7 @@
           <a:lstStyle/>
           <a:p>
             <a:pPr/>
-            <a:fld id="{05F8737C-32E8-AD85-A640-C4D03D0E5091}" type="slidenum">
+            <a:fld id="{7B47A883-CD96-125E-D8FF-3B0BE6B12E6E}" type="slidenum">
               <a:t/>
             </a:fld>
           </a:p>
@@ -624,7 +624,7 @@
             <a:spLocks noGrp="1" noChangeArrowheads="1"/>
             <a:extLst>
               <a:ext uri="smNativeData">
-                <pr:smNativeData xmlns:pr="smNativeData" xmlns="smNativeData" val="SMDATA_17_MUmAYRMAAAAlAAAAZAAAAA8BAAAAkAAAAEgAAACQAAAASAAAAAAAAAACAAAAAQAAAAEAAABQAAAAAAAAAAAA4D8AAAAAAADgPwAAAAAAAOA/AAAAAAAA4D8AAAAAAADgPwAAAAAAAOA/AAAAAAAA4D8AAAAAAADgPwAAAAAAAOA/AAAAAAAA4D8CAAAAjAAAAAAAAAAAAAAAu+DjDP///wgAAAAAAAAAAAAAAAAAAAAAAAAAAAAAAAAAAAAAZAAAAAEAAABAAAAAAAAAAAAAAAAAAAAAAAAAAAAAAAAAAAAAAAAAAAAAAAAAAAAAAAAAAAAAAAAAAAAAAAAAAAAAAAAAAAAAAAAAAAAAAAAAAAAAAAAAAAAAAAAAAAAAFAAAADwAAAAAAAAAAAAAAAAAAAkUAAAAAQAAABQAAAAUAAAAFAAAAAEAAAAAAAAAZAAAAGQAAAAAAAAAZAAAAGQAAAAVAAAAYAAAAAAAAAAAAAAADwAAACADAAAAAAAAAAAAAAEAAACgMgAAVgcAAKr4//8BAAAAf39/AAEAAABkAAAAAAAAABQAAABAHwAAAAAAACYAAAAAAAAAwOD//wAAAAAmAAAAZAAAABYAAABMAAAAAAAAAAAAAAAEAAAAAAAAAAEAAACAgIAKAAAAACgAAAAoAAAAZAAAAGQAAAAAAAAAzMzMAAAAAABQAAAAUAAAAGQAAABkAAAAAAAAABcAAAAUAAAAAAAAAAAAAAD/fwAA/38AAAAAAAAJAAAABAAAAAAAAAAMAAAAEAAAAAAAAAAAAAAAAAAAAAAAAAAeAAAAaAAAAAAAAAAAAAAAAAAAAAAAAAAAAAAAECcAABAnAAAAAAAAAAAAAAAAAAAAAAAAAAAAAAAAAAAAAAAAAAAAABQAAAAAAAAAwMD/AAAAAABkAAAAMgAAAAAAAABkAAAAAAAAAH9/fwAKAAAAIgAAABgAAAAAAAAAAAAAAAAAAAAAAAAAAAAAAAAAAAAkAAAAJAAAAAAAAAAHAAAAAAAAAAAAAAAAAAAAAAAAAAAAAAAAAAAAf39/ACUAAABYAAAAAAAAAAAAAAAAAAAAAAAAAAAAAAAAAAAAAAAAAAAAAAAAAAAAAAAAAAAAAAA/AAAAAAAAAKCGAQAAAAAAAAAAAAAAAAAMAAAAAQAAAAAAAAAAAAAAAAAAAB8AAABUAAAAAAAABQAAAAEAAAAAAAAAAAAAAAAAAAAAAAAAAAAAAAAAAAAAAAAAAAAAAAJ/f38AAAAAA8zMzADAwP8Af39/AAAAAAAAAAAAAAAAAAAAAAAAAAAAIQAAABgAAAAUAAAAYDYAALABAABARwAAsCUAABAAAAAmAAAACAAAAIMAAAAAAAAAMAAAABQAAAAAAAAAAAD//wAAAQAAAP//AAABAA=="/>
+                <pr:smNativeData xmlns:pr="smNativeData" xmlns="smNativeData" val="SMDATA_17_WnaBYRMAAAAlAAAAZAAAAA8BAAAAkAAAAEgAAACQAAAASAAAAAAAAAACAAAAAQAAAAEAAABQAAAAAAAAAAAA4D8AAAAAAADgPwAAAAAAAOA/AAAAAAAA4D8AAAAAAADgPwAAAAAAAOA/AAAAAAAA4D8AAAAAAADgPwAAAAAAAOA/AAAAAAAA4D8CAAAAjAAAAAAAAAAAAAAAu+DjDP///wgAAAAAAAAAAAAAAAAAAAAAAAAAAAAAAAAAAAAAZAAAAAEAAABAAAAAAAAAAAAAAAAAAAAAAAAAAAAAAAAAAAAAAAAAAAAAAAAAAAAAAAAAAAAAAAAAAAAAAAAAAAAAAAAAAAAAAAAAAAAAAAAAAAAAAAAAAAAAAAAAAAAAFAAAADwAAAAAAAAAAAAAAAAAAAkUAAAAAQAAABQAAAAUAAAAFAAAAAEAAAAAAAAAZAAAAGQAAAAAAAAAZAAAAGQAAAAVAAAAYAAAAAAAAAAAAAAADwAAACADAAAAAAAAAAAAAAEAAACgMgAAVgcAAKr4//8BAAAAf39/AAEAAABkAAAAAAAAABQAAABAHwAAAAAAACYAAAAAAAAAwOD//wAAAAAmAAAAZAAAABYAAABMAAAAAAAAAAAAAAAEAAAAAAAAAAEAAACAgIAKAAAAACgAAAAoAAAAZAAAAGQAAAAAAAAAzMzMAAAAAABQAAAAUAAAAGQAAABkAAAAAAAAABcAAAAUAAAAAAAAAAAAAAD/fwAA/38AAAAAAAAJAAAABAAAAAAAAAAMAAAAEAAAAAAAAAAAAAAAAAAAAAAAAAAeAAAAaAAAAAAAAAAAAAAAAAAAAAAAAAAAAAAAECcAABAnAAAAAAAAAAAAAAAAAAAAAAAAAAAAAAAAAAAAAAAAAAAAABQAAAAAAAAAwMD/AAAAAABkAAAAMgAAAAAAAABkAAAAAAAAAH9/fwAKAAAAIgAAABgAAAAAAAAAAAAAAAAAAAAAAAAAAAAAAAAAAAAkAAAAJAAAAAAAAAAHAAAAAAAAAAAAAAAAAAAAAAAAAAAAAAAAAAAAf39/ACUAAABYAAAAAAAAAAAAAAAAAAAAAAAAAAAAAAAAAAAAAAAAAAAAAAAAAAAAAAAAAAAAAAA/AAAAAAAAAKCGAQAAAAAAAAAAAAAAAAAMAAAAAQAAAAAAAAAAAAAAAAAAAB8AAABUAAAAAAAABQAAAAEAAAAAAAAAAAAAAAAAAAAAAAAAAAAAAAAAAAAAAAAAAAAAAAJ/f38AAAAAA8zMzADAwP8Af39/AAAAAAAAAAAAAAAAAAAAAAAAAAAAIQAAABgAAAAUAAAAYDYAALABAABARwAAsCUAABAAAAAmAAAACAAAAIMAAAAAAAAAMAAAABQAAAAAAAAAAAD//wAAAQAAAP//AAABAA=="/>
               </a:ext>
             </a:extLst>
           </p:cNvSpPr>
@@ -660,7 +660,7 @@
             <a:spLocks noGrp="1" noChangeArrowheads="1"/>
             <a:extLst>
               <a:ext uri="smNativeData">
-                <pr:smNativeData xmlns:pr="smNativeData" xmlns="smNativeData" val="SMDATA_17_MUmAYRMAAAAlAAAAZAAAAA8BAAAAkAAAAEgAAACQAAAASAAAAAAAAAAAAAAAAQAAAAEAAABQAAAAAAAAAAAA4D8AAAAAAADgPwAAAAAAAOA/AAAAAAAA4D8AAAAAAADgPwAAAAAAAOA/AAAAAAAA4D8AAAAAAADgPwAAAAAAAOA/AAAAAAAA4D8CAAAAjAAAAAAAAAAAAAAAu+DjDP///wgAAAAAAAAAAAAAAAAAAAAAAAAAAAAAAAAAAAAAZAAAAAEAAABAAAAAAAAAAAAAAAAAAAAAAAAAAAAAAAAAAAAAAAAAAAAAAAAAAAAAAAAAAAAAAAAAAAAAAAAAAAAAAAAAAAAAAAAAAAAAAAAAAAAAAAAAAAAAAAAAAAAAFAAAADwAAAAAAAAAAAAAAAAAAAkUAAAAAQAAABQAAAAUAAAAFAAAAAEAAAAAAAAAZAAAAGQAAAAAAAAAZAAAAGQAAAAVAAAAYAAAAAAAAAAAAAAADwAAACADAAAAAAAAAAAAAAEAAACgMgAAVgcAAKr4//8BAAAAf39/AAEAAABkAAAAAAAAABQAAABAHwAAAAAAACYAAAAAAAAAwOD//wAAAAAmAAAAZAAAABYAAABMAAAAAAAAAAAAAAAEAAAAAAAAAAEAAACAgIAKAAAAACgAAAAoAAAAZAAAAGQAAAAAAAAAzMzMAAAAAABQAAAAUAAAAGQAAABkAAAAAAAAABcAAAAUAAAAAAAAAAAAAAD/fwAA/38AAAAAAAAJAAAABAAAAAAAAAAMAAAAEAAAAAAAAAAAAAAAAAAAAAAAAAAeAAAAaAAAAAAAAAAAAAAAAAAAAAAAAAAAAAAAECcAABAnAAAAAAAAAAAAAAAAAAAAAAAAAAAAAAAAAAAAAAAAAAAAABQAAAAAAAAAwMD/AAAAAABkAAAAMgAAAAAAAABkAAAAAAAAAH9/fwAKAAAAIgAAABgAAAAAAAAAAAAAAAAAAAAAAAAAAAAAAAAAAAAkAAAAJAAAAAAAAAAHAAAAAAAAAAAAAAAAAAAAAAAAAAAAAAAAAAAAf39/ACUAAABYAAAAAAAAAAAAAAAAAAAAAAAAAAAAAAAAAAAAAAAAAAAAAAAAAAAAAAAAAAAAAAA/AAAAAAAAAKCGAQAAAAAAAAAAAAAAAAAMAAAAAQAAAAAAAAAAAAAAAAAAAB8AAABUAAAAAAAABQAAAAEAAAAAAAAAAAAAAAAAAAAAAAAAAAAAAAAAAAAAAAAAAAAAAAJ/f38AAAAAA8zMzADAwP8Af39/AAAAAAAAAAAAAAAAAAAAAAAAAAAAIQAAABgAAAAUAAAAwAMAALABAAAfNQAAsCUAABAAAAAmAAAACAAAAAMAAAAAAAAAMAAAABQAAAAAAAAAAAD//wAAAQAAAP//AAABAA=="/>
+                <pr:smNativeData xmlns:pr="smNativeData" xmlns="smNativeData" val="SMDATA_17_WnaBYRMAAAAlAAAAZAAAAA8BAAAAkAAAAEgAAACQAAAASAAAAAAAAAAAAAAAAQAAAAEAAABQAAAAAAAAAAAA4D8AAAAAAADgPwAAAAAAAOA/AAAAAAAA4D8AAAAAAADgPwAAAAAAAOA/AAAAAAAA4D8AAAAAAADgPwAAAAAAAOA/AAAAAAAA4D8CAAAAjAAAAAAAAAAAAAAAu+DjDP///wgAAAAAAAAAAAAAAAAAAAAAAAAAAAAAAAAAAAAAZAAAAAEAAABAAAAAAAAAAAAAAAAAAAAAAAAAAAAAAAAAAAAAAAAAAAAAAAAAAAAAAAAAAAAAAAAAAAAAAAAAAAAAAAAAAAAAAAAAAAAAAAAAAAAAAAAAAAAAAAAAAAAAFAAAADwAAAAAAAAAAAAAAAAAAAkUAAAAAQAAABQAAAAUAAAAFAAAAAEAAAAAAAAAZAAAAGQAAAAAAAAAZAAAAGQAAAAVAAAAYAAAAAAAAAAAAAAADwAAACADAAAAAAAAAAAAAAEAAACgMgAAVgcAAKr4//8BAAAAf39/AAEAAABkAAAAAAAAABQAAABAHwAAAAAAACYAAAAAAAAAwOD//wAAAAAmAAAAZAAAABYAAABMAAAAAAAAAAAAAAAEAAAAAAAAAAEAAACAgIAKAAAAACgAAAAoAAAAZAAAAGQAAAAAAAAAzMzMAAAAAABQAAAAUAAAAGQAAABkAAAAAAAAABcAAAAUAAAAAAAAAAAAAAD/fwAA/38AAAAAAAAJAAAABAAAAAAAAAAMAAAAEAAAAAAAAAAAAAAAAAAAAAAAAAAeAAAAaAAAAAAAAAAAAAAAAAAAAAAAAAAAAAAAECcAABAnAAAAAAAAAAAAAAAAAAAAAAAAAAAAAAAAAAAAAAAAAAAAABQAAAAAAAAAwMD/AAAAAABkAAAAMgAAAAAAAABkAAAAAAAAAH9/fwAKAAAAIgAAABgAAAAAAAAAAAAAAAAAAAAAAAAAAAAAAAAAAAAkAAAAJAAAAAAAAAAHAAAAAAAAAAAAAAAAAAAAAAAAAAAAAAAAAAAAf39/ACUAAABYAAAAAAAAAAAAAAAAAAAAAAAAAAAAAAAAAAAAAAAAAAAAAAAAAAAAAAAAAAAAAAA/AAAAAAAAAKCGAQAAAAAAAAAAAAAAAAAMAAAAAQAAAAAAAAAAAAAAAAAAAB8AAABUAAAAAAAABQAAAAEAAAAAAAAAAAAAAAAAAAAAAAAAAAAAAAAAAAAAAAAAAAAAAAJ/f38AAAAAA8zMzADAwP8Af39/AAAAAAAAAAAAAAAAAAAAAAAAAAAAIQAAABgAAAAUAAAAwAMAALABAAAfNQAAsCUAABAAAAAmAAAACAAAAAMAAAAAAAAAMAAAABQAAAAAAAAAAAD//wAAAQAAAP//AAABAA=="/>
               </a:ext>
             </a:extLst>
           </p:cNvSpPr>
@@ -720,7 +720,7 @@
             <a:spLocks noGrp="1" noChangeArrowheads="1"/>
             <a:extLst>
               <a:ext uri="smNativeData">
-                <pr:smNativeData xmlns:pr="smNativeData" xmlns="smNativeData" val="SMDATA_17_MUmAYRMAAAAlAAAAZAAAAA8BAAAAkAAAAEgAAACQAAAASAAAAAAAAAABAAAAAAAAAAEAAABQAAAAAAAAAAAA4D8AAAAAAADgPwAAAAAAAOA/AAAAAAAA4D8AAAAAAADgPwAAAAAAAOA/AAAAAAAA4D8AAAAAAADgPwAAAAAAAOA/AAAAAAAA4D8CAAAAjAAAAAAAAAAAAAAAu+DjDP///wgAAAAAAAAAAAAAAAAAAAAAAAAAAAAAAAAAAAAAZAAAAAEAAABAAAAAAAAAAAAAAAAAAAAAAAAAAAAAAAAAAAAAAAAAAAAAAAAAAAAAAAAAAAAAAAAAAAAAAAAAAAAAAAAAAAAAAAAAAAAAAAAAAAAAAAAAAAAAAAAAAAAAFAAAADwAAAAAAAAAAAAAAAAAAAkUAAAAAQAAABQAAAAUAAAAFAAAAAEAAAAAAAAAZAAAAGQAAAAAAAAAZAAAAGQAAAAVAAAAYAAAAAAAAAAAAAAADwAAACADAAAAAAAAAAAAAAEAAACgMgAAVgcAAKr4//8BAAAAf39/AAEAAABkAAAAAAAAABQAAABAHwAAAAAAACYAAAAAAAAAwOD//wAAAAAmAAAAZAAAABYAAABMAAAAAAAAAAAAAAAEAAAAAAAAAAEAAACAgIAKAAAAACgAAAAoAAAAZAAAAGQAAAAAAAAAzMzMAAAAAABQAAAAUAAAAGQAAABkAAAAAAAAABcAAAAUAAAAAAAAAAAAAAD/fwAA/38AAAAAAAAJAAAABAAAAAAAAAAMAAAAEAAAAAAAAAAAAAAAAAAAAAAAAAAeAAAAaAAAAAAAAAAAAAAAAAAAAAAAAAAAAAAAECcAABAnAAAAAAAAAAAAAAAAAAAAAAAAAAAAAAAAAAAAAAAAAAAAABQAAAAAAAAAwMD/AAAAAABkAAAAMgAAAAAAAABkAAAAAAAAAH9/fwAKAAAAIgAAABgAAAAAAAAAAAAAAAAAAAAAAAAAAAAAAAAAAAAkAAAAJAAAAAAAAAAHAAAAAAAAAAAAAAAAAAAAAAAAAAAAAAAAAAAAf39/ACUAAABYAAAAAAAAAAAAAAAAAAAAAAAAAAAAAAAAAAAAAAAAAAAAAAAAAAAAAAAAAAAAAAA/AAAAAAAAAKCGAQAAAAAAAAAAAAAAAAAMAAAAAQAAAAAAAAAAAAAAAAAAAB8AAABUAAAAAAAABQAAAAEAAAAAAAAAAAAAAAAAAAAAAAAAAAAAAAAAAAAAAAAAAAAAAAJ/f38AAAAAA8zMzADAwP8Af39/AAAAAAAAAAAAAAAAAAAAAAAAAAAAIQAAABgAAAAUAAAAwAMAABsnAAA/FQAAWSkAABAAAAAmAAAACAAAAAAAAAAAAAAAMAAAABQAAAAAAAAAAAD//wAAAQAAAP//AAABAA=="/>
+                <pr:smNativeData xmlns:pr="smNativeData" xmlns="smNativeData" val="SMDATA_17_WnaBYRMAAAAlAAAAZAAAAA8BAAAAkAAAAEgAAACQAAAASAAAAAAAAAABAAAAAAAAAAEAAABQAAAAAAAAAAAA4D8AAAAAAADgPwAAAAAAAOA/AAAAAAAA4D8AAAAAAADgPwAAAAAAAOA/AAAAAAAA4D8AAAAAAADgPwAAAAAAAOA/AAAAAAAA4D8CAAAAjAAAAAAAAAAAAAAAu+DjDP///wgAAAAAAAAAAAAAAAAAAAAAAAAAAAAAAAAAAAAAZAAAAAEAAABAAAAAAAAAAAAAAAAAAAAAAAAAAAAAAAAAAAAAAAAAAAAAAAAAAAAAAAAAAAAAAAAAAAAAAAAAAAAAAAAAAAAAAAAAAAAAAAAAAAAAAAAAAAAAAAAAAAAAFAAAADwAAAAAAAAAAAAAAAAAAAkUAAAAAQAAABQAAAAUAAAAFAAAAAEAAAAAAAAAZAAAAGQAAAAAAAAAZAAAAGQAAAAVAAAAYAAAAAAAAAAAAAAADwAAACADAAAAAAAAAAAAAAEAAACgMgAAVgcAAKr4//8BAAAAf39/AAEAAABkAAAAAAAAABQAAABAHwAAAAAAACYAAAAAAAAAwOD//wAAAAAmAAAAZAAAABYAAABMAAAAAAAAAAAAAAAEAAAAAAAAAAEAAACAgIAKAAAAACgAAAAoAAAAZAAAAGQAAAAAAAAAzMzMAAAAAABQAAAAUAAAAGQAAABkAAAAAAAAABcAAAAUAAAAAAAAAAAAAAD/fwAA/38AAAAAAAAJAAAABAAAAAAAAAAMAAAAEAAAAAAAAAAAAAAAAAAAAAAAAAAeAAAAaAAAAAAAAAAAAAAAAAAAAAAAAAAAAAAAECcAABAnAAAAAAAAAAAAAAAAAAAAAAAAAAAAAAAAAAAAAAAAAAAAABQAAAAAAAAAwMD/AAAAAABkAAAAMgAAAAAAAABkAAAAAAAAAH9/fwAKAAAAIgAAABgAAAAAAAAAAAAAAAAAAAAAAAAAAAAAAAAAAAAkAAAAJAAAAAAAAAAHAAAAAAAAAAAAAAAAAAAAAAAAAAAAAAAAAAAAf39/ACUAAABYAAAAAAAAAAAAAAAAAAAAAAAAAAAAAAAAAAAAAAAAAAAAAAAAAAAAAAAAAAAAAAA/AAAAAAAAAKCGAQAAAAAAAAAAAAAAAAAMAAAAAQAAAAAAAAAAAAAAAAAAAB8AAABUAAAAAAAABQAAAAEAAAAAAAAAAAAAAAAAAAAAAAAAAAAAAAAAAAAAAAAAAAAAAAJ/f38AAAAAA8zMzADAwP8Af39/AAAAAAAAAAAAAAAAAAAAAAAAAAAAIQAAABgAAAAUAAAAwAMAABsnAAA/FQAAWSkAABAAAAAmAAAACAAAAAAAAAAAAAAAMAAAABQAAAAAAAAAAAD//wAAAQAAAP//AAABAA=="/>
               </a:ext>
             </a:extLst>
           </p:cNvSpPr>
@@ -734,7 +734,7 @@
           <a:lstStyle/>
           <a:p>
             <a:pPr/>
-            <a:fld id="{5A2BDF42-0CB7-7E29-F993-FA7C91DD0FAF}" type="datetime1">
+            <a:fld id="{055D0F20-6EE8-08F9-A6E5-98AC41AB50CD}" type="datetime1">
               <a:t/>
             </a:fld>
           </a:p>
@@ -747,7 +747,7 @@
             <a:spLocks noGrp="1" noChangeArrowheads="1"/>
             <a:extLst>
               <a:ext uri="smNativeData">
-                <pr:smNativeData xmlns:pr="smNativeData" xmlns="smNativeData" val="SMDATA_17_MUmAYRMAAAAlAAAAZAAAAA8BAAAAkAAAAEgAAACQAAAASAAAAAAAAAABAAAAAAAAAAEAAABQAAAAAAAAAAAA4D8AAAAAAADgPwAAAAAAAOA/AAAAAAAA4D8AAAAAAADgPwAAAAAAAOA/AAAAAAAA4D8AAAAAAADgPwAAAAAAAOA/AAAAAAAA4D8CAAAAjAAAAAAAAAAAAAAAu+DjDP///wgAAAAAAAAAAAAAAAAAAAAAAAAAAAAAAAAAAAAAZAAAAAEAAABAAAAAAAAAAAAAAAAAAAAAAAAAAAAAAAAAAAAAAAAAAAAAAAAAAAAAAAAAAAAAAAAAAAAAAAAAAAAAAAAAAAAAAAAAAAAAAAAAAAAAAAAAAAAAAAAAAAAAFAAAADwAAAAAAAAAAAAAAAAAAAkUAAAAAQAAABQAAAAUAAAAFAAAAAEAAAAAAAAAZAAAAGQAAAAAAAAAZAAAAGQAAAAVAAAAYAAAAAAAAAAAAAAADwAAACADAAAAAAAAAAAAAAEAAACgMgAAVgcAAKr4//8BAAAAf39/AAEAAABkAAAAAAAAABQAAABAHwAAAAAAACYAAAAAAAAAwOD//wAAAAAmAAAAZAAAABYAAABMAAAAAAAAAAAAAAAEAAAAAAAAAAEAAACAgIAKAAAAACgAAAAoAAAAZAAAAGQAAAAAAAAAzMzMAAAAAABQAAAAUAAAAGQAAABkAAAAAAAAABcAAAAUAAAAAAAAAAAAAAD/fwAA/38AAAAAAAAJAAAABAAAAAAAAAAMAAAAEAAAAAAAAAAAAAAAAAAAAAAAAAAeAAAAaAAAAAAAAAAAAAAAAAAAAAAAAAAAAAAAECcAABAnAAAAAAAAAAAAAAAAAAAAAAAAAAAAAAAAAAAAAAAAAAAAABQAAAAAAAAAwMD/AAAAAABkAAAAMgAAAAAAAABkAAAAAAAAAH9/fwAKAAAAIgAAABgAAAAAAAAAAAAAAAAAAAAAAAAAAAAAAAAAAAAkAAAAJAAAAAAAAAAHAAAAAAAAAAAAAAAAAAAAAAAAAAAAAAAAAAAAf39/ACUAAABYAAAAAAAAAAAAAAAAAAAAAAAAAAAAAAAAAAAAAAAAAAAAAAAAAAAAAAAAAAAAAAA/AAAAAAAAAKCGAQAAAAAAAAAAAAAAAAAMAAAAAQAAAAAAAAAAAAAAAAAAAB8AAABUAAAAAAAABQAAAAEAAAAAAAAAAAAAAAAAAAAAAAAAAAAAAAAAAAAAAAAAAAAAAAJ/f38AAAAAA8zMzADAwP8Af39/AAAAAAAAAAAAAAAAAAAAAAAAAAAAIQAAABgAAAAUAAAAoRkAABsnAABfMQAAWSkAABAAAAAmAAAACAAAAAAAAAAAAAAAMAAAABQAAAAAAAAAAAD//wAAAQAAAP//AAABAA=="/>
+                <pr:smNativeData xmlns:pr="smNativeData" xmlns="smNativeData" val="SMDATA_17_WnaBYRMAAAAlAAAAZAAAAA8BAAAAkAAAAEgAAACQAAAASAAAAAAAAAABAAAAAAAAAAEAAABQAAAAAAAAAAAA4D8AAAAAAADgPwAAAAAAAOA/AAAAAAAA4D8AAAAAAADgPwAAAAAAAOA/AAAAAAAA4D8AAAAAAADgPwAAAAAAAOA/AAAAAAAA4D8CAAAAjAAAAAAAAAAAAAAAu+DjDP///wgAAAAAAAAAAAAAAAAAAAAAAAAAAAAAAAAAAAAAZAAAAAEAAABAAAAAAAAAAAAAAAAAAAAAAAAAAAAAAAAAAAAAAAAAAAAAAAAAAAAAAAAAAAAAAAAAAAAAAAAAAAAAAAAAAAAAAAAAAAAAAAAAAAAAAAAAAAAAAAAAAAAAFAAAADwAAAAAAAAAAAAAAAAAAAkUAAAAAQAAABQAAAAUAAAAFAAAAAEAAAAAAAAAZAAAAGQAAAAAAAAAZAAAAGQAAAAVAAAAYAAAAAAAAAAAAAAADwAAACADAAAAAAAAAAAAAAEAAACgMgAAVgcAAKr4//8BAAAAf39/AAEAAABkAAAAAAAAABQAAABAHwAAAAAAACYAAAAAAAAAwOD//wAAAAAmAAAAZAAAABYAAABMAAAAAAAAAAAAAAAEAAAAAAAAAAEAAACAgIAKAAAAACgAAAAoAAAAZAAAAGQAAAAAAAAAzMzMAAAAAABQAAAAUAAAAGQAAABkAAAAAAAAABcAAAAUAAAAAAAAAAAAAAD/fwAA/38AAAAAAAAJAAAABAAAAAAAAAAMAAAAEAAAAAAAAAAAAAAAAAAAAAAAAAAeAAAAaAAAAAAAAAAAAAAAAAAAAAAAAAAAAAAAECcAABAnAAAAAAAAAAAAAAAAAAAAAAAAAAAAAAAAAAAAAAAAAAAAABQAAAAAAAAAwMD/AAAAAABkAAAAMgAAAAAAAABkAAAAAAAAAH9/fwAKAAAAIgAAABgAAAAAAAAAAAAAAAAAAAAAAAAAAAAAAAAAAAAkAAAAJAAAAAAAAAAHAAAAAAAAAAAAAAAAAAAAAAAAAAAAAAAAAAAAf39/ACUAAABYAAAAAAAAAAAAAAAAAAAAAAAAAAAAAAAAAAAAAAAAAAAAAAAAAAAAAAAAAAAAAAA/AAAAAAAAAKCGAQAAAAAAAAAAAAAAAAAMAAAAAQAAAAAAAAAAAAAAAAAAAB8AAABUAAAAAAAABQAAAAEAAAAAAAAAAAAAAAAAAAAAAAAAAAAAAAAAAAAAAAAAAAAAAAJ/f38AAAAAA8zMzADAwP8Af39/AAAAAAAAAAAAAAAAAAAAAAAAAAAAIQAAABgAAAAUAAAAoRkAABsnAABfMQAAWSkAABAAAAAmAAAACAAAAAAAAAAAAAAAMAAAABQAAAAAAAAAAAD//wAAAQAAAP//AAABAA=="/>
               </a:ext>
             </a:extLst>
           </p:cNvSpPr>
@@ -771,7 +771,7 @@
             <a:spLocks noGrp="1" noChangeArrowheads="1"/>
             <a:extLst>
               <a:ext uri="smNativeData">
-                <pr:smNativeData xmlns:pr="smNativeData" xmlns="smNativeData" val="SMDATA_17_MUmAYRMAAAAlAAAAZAAAAA8BAAAAkAAAAEgAAACQAAAASAAAAAAAAAABAAAAAAAAAAEAAABQAAAAAAAAAAAA4D8AAAAAAADgPwAAAAAAAOA/AAAAAAAA4D8AAAAAAADgPwAAAAAAAOA/AAAAAAAA4D8AAAAAAADgPwAAAAAAAOA/AAAAAAAA4D8CAAAAjAAAAAAAAAAAAAAAu+DjDP///wgAAAAAAAAAAAAAAAAAAAAAAAAAAAAAAAAAAAAAZAAAAAEAAABAAAAAAAAAAAAAAAAAAAAAAAAAAAAAAAAAAAAAAAAAAAAAAAAAAAAAAAAAAAAAAAAAAAAAAAAAAAAAAAAAAAAAAAAAAAAAAAAAAAAAAAAAAAAAAAAAAAAAFAAAADwAAAAAAAAAAAAAAAAAAAkUAAAAAQAAABQAAAAUAAAAFAAAAAEAAAAAAAAAZAAAAGQAAAAAAAAAZAAAAGQAAAAVAAAAYAAAAAAAAAAAAAAADwAAACADAAAAAAAAAAAAAAEAAACgMgAAVgcAAKr4//8BAAAAf39/AAEAAABkAAAAAAAAABQAAABAHwAAAAAAACYAAAAAAAAAwOD//wAAAAAmAAAAZAAAABYAAABMAAAAAAAAAAAAAAAEAAAAAAAAAAEAAACAgIAKAAAAACgAAAAoAAAAZAAAAGQAAAAAAAAAzMzMAAAAAABQAAAAUAAAAGQAAABkAAAAAAAAABcAAAAUAAAAAAAAAAAAAAD/fwAA/38AAAAAAAAJAAAABAAAAAAAAAAMAAAAEAAAAAAAAAAAAAAAAAAAAAAAAAAeAAAAaAAAAAAAAAAAAAAAAAAAAAAAAAAAAAAAECcAABAnAAAAAAAAAAAAAAAAAAAAAAAAAAAAAAAAAAAAAAAAAAAAABQAAAAAAAAAwMD/AAAAAABkAAAAMgAAAAAAAABkAAAAAAAAAH9/fwAKAAAAIgAAABgAAAAAAAAAAAAAAAAAAAAAAAAAAAAAAAAAAAAkAAAAJAAAAAAAAAAHAAAAAAAAAAAAAAAAAAAAAAAAAAAAAAAAAAAAf39/ACUAAABYAAAAAAAAAAAAAAAAAAAAAAAAAAAAAAAAAAAAAAAAAAAAAAAAAAAAAAAAAAAAAAA/AAAAAAAAAKCGAQAAAAAAAAAAAAAAAAAMAAAAAQAAAAAAAAAAAAAAAAAAAB8AAABUAAAAAAAABQAAAAEAAAAAAAAAAAAAAAAAAAAAAAAAAAAAAAAAAAAAAAAAAAAAAAJ/f38AAAAAA8zMzADAwP8Af39/AAAAAAAAAAAAAAAAAAAAAAAAAAAAIQAAABgAAAAUAAAAwTUAABsnAABARwAAWSkAABAAAAAmAAAACAAAAAAAAAAAAAAAMAAAABQAAAAAAAAAAAD//wAAAQAAAP//AAABAA=="/>
+                <pr:smNativeData xmlns:pr="smNativeData" xmlns="smNativeData" val="SMDATA_17_WnaBYRMAAAAlAAAAZAAAAA8BAAAAkAAAAEgAAACQAAAASAAAAAAAAAABAAAAAAAAAAEAAABQAAAAAAAAAAAA4D8AAAAAAADgPwAAAAAAAOA/AAAAAAAA4D8AAAAAAADgPwAAAAAAAOA/AAAAAAAA4D8AAAAAAADgPwAAAAAAAOA/AAAAAAAA4D8CAAAAjAAAAAAAAAAAAAAAu+DjDP///wgAAAAAAAAAAAAAAAAAAAAAAAAAAAAAAAAAAAAAZAAAAAEAAABAAAAAAAAAAAAAAAAAAAAAAAAAAAAAAAAAAAAAAAAAAAAAAAAAAAAAAAAAAAAAAAAAAAAAAAAAAAAAAAAAAAAAAAAAAAAAAAAAAAAAAAAAAAAAAAAAAAAAFAAAADwAAAAAAAAAAAAAAAAAAAkUAAAAAQAAABQAAAAUAAAAFAAAAAEAAAAAAAAAZAAAAGQAAAAAAAAAZAAAAGQAAAAVAAAAYAAAAAAAAAAAAAAADwAAACADAAAAAAAAAAAAAAEAAACgMgAAVgcAAKr4//8BAAAAf39/AAEAAABkAAAAAAAAABQAAABAHwAAAAAAACYAAAAAAAAAwOD//wAAAAAmAAAAZAAAABYAAABMAAAAAAAAAAAAAAAEAAAAAAAAAAEAAACAgIAKAAAAACgAAAAoAAAAZAAAAGQAAAAAAAAAzMzMAAAAAABQAAAAUAAAAGQAAABkAAAAAAAAABcAAAAUAAAAAAAAAAAAAAD/fwAA/38AAAAAAAAJAAAABAAAAAAAAAAMAAAAEAAAAAAAAAAAAAAAAAAAAAAAAAAeAAAAaAAAAAAAAAAAAAAAAAAAAAAAAAAAAAAAECcAABAnAAAAAAAAAAAAAAAAAAAAAAAAAAAAAAAAAAAAAAAAAAAAABQAAAAAAAAAwMD/AAAAAABkAAAAMgAAAAAAAABkAAAAAAAAAH9/fwAKAAAAIgAAABgAAAAAAAAAAAAAAAAAAAAAAAAAAAAAAAAAAAAkAAAAJAAAAAAAAAAHAAAAAAAAAAAAAAAAAAAAAAAAAAAAAAAAAAAAf39/ACUAAABYAAAAAAAAAAAAAAAAAAAAAAAAAAAAAAAAAAAAAAAAAAAAAAAAAAAAAAAAAAAAAAA/AAAAAAAAAKCGAQAAAAAAAAAAAAAAAAAMAAAAAQAAAAAAAAAAAAAAAAAAAB8AAABUAAAAAAAABQAAAAEAAAAAAAAAAAAAAAAAAAAAAAAAAAAAAAAAAAAAAAAAAAAAAAJ/f38AAAAAA8zMzADAwP8Af39/AAAAAAAAAAAAAAAAAAAAAAAAAAAAIQAAABgAAAAUAAAAwTUAABsnAABARwAAWSkAABAAAAAmAAAACAAAAAAAAAAAAAAAMAAAABQAAAAAAAAAAAD//wAAAQAAAP//AAABAA=="/>
               </a:ext>
             </a:extLst>
           </p:cNvSpPr>
@@ -785,7 +785,7 @@
           <a:lstStyle/>
           <a:p>
             <a:pPr/>
-            <a:fld id="{1B03306A-24F6-56C6-B8BB-D2937EF54E87}" type="slidenum">
+            <a:fld id="{1D7ED411-5FF0-2B22-BEC6-A9779A8848FC}" type="slidenum">
               <a:t/>
             </a:fld>
           </a:p>
@@ -824,7 +824,7 @@
             <a:spLocks noGrp="1" noChangeArrowheads="1"/>
             <a:extLst>
               <a:ext uri="smNativeData">
-                <pr:smNativeData xmlns:pr="smNativeData" xmlns="smNativeData" val="SMDATA_17_MUmAYRMAAAAlAAAAZAAAAA8BAAAAkAAAAEgAAACQAAAASAAAAAAAAAABAAAAAAAAAAEAAABQAAAAAAAAAAAA4D8AAAAAAADgPwAAAAAAAOA/AAAAAAAA4D8AAAAAAADgPwAAAAAAAOA/AAAAAAAA4D8AAAAAAADgPwAAAAAAAOA/AAAAAAAA4D8CAAAAjAAAAAAAAAAAAAAAu+DjDP///wgAAAAAAAAAAAAAAAAAAAAAAAAAAAAAAAAAAAAAZAAAAAEAAABAAAAAAAAAAAAAAAAAAAAAAAAAAAAAAAAAAAAAAAAAAAAAAAAAAAAAAAAAAAAAAAAAAAAAAAAAAAAAAAAAAAAAAAAAAAAAAAAAAAAAAAAAAAAAAAAAAAAAFAAAADwAAAAAAAAAAAAAAAAAAAkUAAAAAQAAABQAAAAUAAAAFAAAAAEAAAAAAAAAZAAAAGQAAAAAAAAAZAAAAGQAAAAVAAAAYAAAAAAAAAAAAAAADwAAACADAAAAAAAAAAAAAAEAAACgMgAAVgcAAKr4//8BAAAAf39/AAEAAABkAAAAAAAAABQAAABAHwAAAAAAACYAAAAAAAAAwOD//wAAAAAmAAAAZAAAABYAAABMAAAAAAAAAAAAAAAEAAAAAAAAAAEAAACAgIAKAAAAACgAAAAoAAAAZAAAAGQAAAAAAAAAzMzMAAAAAABQAAAAUAAAAGQAAABkAAAAAAAAABcAAAAUAAAAAAAAAAAAAAD/fwAA/38AAAAAAAAJAAAABAAAAAAAAAAMAAAAEAAAAAAAAAAAAAAAAAAAAAAAAAAeAAAAaAAAAAAAAAAAAAAAAAAAAAAAAAAAAAAAECcAABAnAAAAAAAAAAAAAAAAAAAAAAAAAAAAAAAAAAAAAAAAAAAAABQAAAAAAAAAwMD/AAAAAABkAAAAMgAAAAAAAABkAAAAAAAAAH9/fwAKAAAAIgAAABgAAAAAAAAAAAAAAAAAAAAAAAAAAAAAAAAAAAAkAAAAJAAAAAAAAAAHAAAAAAAAAAAAAAAAAAAAAAAAAAAAAAAAAAAAf39/ACUAAABYAAAAAAAAAAAAAAAAAAAAAAAAAAAAAAAAAAAAAAAAAAAAAAAAAAAAAAAAAAAAAAA/AAAAAAAAAKCGAQAAAAAAAAAAAAAAAAAMAAAAAQAAAAAAAAAAAAAAAAAAAB8AAABUAAAAAAAABQAAAAEAAAAAAAAAAAAAAAAAAAAAAAAAAAAAAAAAAAAAAAAAAAAAAAJ/f38AAAAAA8zMzADAwP8Af39/AAAAAAAAAAAAAAAAAAAAAAAAAAAAIQAAABgAAAAUAAAAwAMAALABAABARwAAuAgAABAAAAAmAAAACAAAAAAAAAAAAAAAMAAAABQAAAAAAAAAAAD//wAAAQAAAP//AAABAA=="/>
+                <pr:smNativeData xmlns:pr="smNativeData" xmlns="smNativeData" val="SMDATA_17_WnaBYRMAAAAlAAAAZAAAAA8BAAAAkAAAAEgAAACQAAAASAAAAAAAAAABAAAAAAAAAAEAAABQAAAAAAAAAAAA4D8AAAAAAADgPwAAAAAAAOA/AAAAAAAA4D8AAAAAAADgPwAAAAAAAOA/AAAAAAAA4D8AAAAAAADgPwAAAAAAAOA/AAAAAAAA4D8CAAAAjAAAAAAAAAAAAAAAu+DjDP///wgAAAAAAAAAAAAAAAAAAAAAAAAAAAAAAAAAAAAAZAAAAAEAAABAAAAAAAAAAAAAAAAAAAAAAAAAAAAAAAAAAAAAAAAAAAAAAAAAAAAAAAAAAAAAAAAAAAAAAAAAAAAAAAAAAAAAAAAAAAAAAAAAAAAAAAAAAAAAAAAAAAAAFAAAADwAAAAAAAAAAAAAAAAAAAkUAAAAAQAAABQAAAAUAAAAFAAAAAEAAAAAAAAAZAAAAGQAAAAAAAAAZAAAAGQAAAAVAAAAYAAAAAAAAAAAAAAADwAAACADAAAAAAAAAAAAAAEAAACgMgAAVgcAAKr4//8BAAAAf39/AAEAAABkAAAAAAAAABQAAABAHwAAAAAAACYAAAAAAAAAwOD//wAAAAAmAAAAZAAAABYAAABMAAAAAAAAAAAAAAAEAAAAAAAAAAEAAACAgIAKAAAAACgAAAAoAAAAZAAAAGQAAAAAAAAAzMzMAAAAAABQAAAAUAAAAGQAAABkAAAAAAAAABcAAAAUAAAAAAAAAAAAAAD/fwAA/38AAAAAAAAJAAAABAAAAAAAAAAMAAAAEAAAAAAAAAAAAAAAAAAAAAAAAAAeAAAAaAAAAAAAAAAAAAAAAAAAAAAAAAAAAAAAECcAABAnAAAAAAAAAAAAAAAAAAAAAAAAAAAAAAAAAAAAAAAAAAAAABQAAAAAAAAAwMD/AAAAAABkAAAAMgAAAAAAAABkAAAAAAAAAH9/fwAKAAAAIgAAABgAAAAAAAAAAAAAAAAAAAAAAAAAAAAAAAAAAAAkAAAAJAAAAAAAAAAHAAAAAAAAAAAAAAAAAAAAAAAAAAAAAAAAAAAAf39/ACUAAABYAAAAAAAAAAAAAAAAAAAAAAAAAAAAAAAAAAAAAAAAAAAAAAAAAAAAAAAAAAAAAAA/AAAAAAAAAKCGAQAAAAAAAAAAAAAAAAAMAAAAAQAAAAAAAAAAAAAAAAAAAB8AAABUAAAAAAAABQAAAAEAAAAAAAAAAAAAAAAAAAAAAAAAAAAAAAAAAAAAAAAAAAAAAAJ/f38AAAAAA8zMzADAwP8Af39/AAAAAAAAAAAAAAAAAAAAAAAAAAAAIQAAABgAAAAUAAAAwAMAALABAABARwAAuAgAABAAAAAmAAAACAAAAAAAAAAAAAAAMAAAABQAAAAAAAAAAAD//wAAAQAAAP//AAABAA=="/>
               </a:ext>
             </a:extLst>
           </p:cNvSpPr>
@@ -851,7 +851,7 @@
             <a:spLocks noGrp="1" noChangeArrowheads="1"/>
             <a:extLst>
               <a:ext uri="smNativeData">
-                <pr:smNativeData xmlns:pr="smNativeData" xmlns="smNativeData" val="SMDATA_17_MUmAYRMAAAAlAAAAZAAAAA8BAAAAkAAAAEgAAACQAAAASAAAAAAAAAAAAAAAAAAAAAEAAABQAAAAAAAAAAAA4D8AAAAAAADgPwAAAAAAAOA/AAAAAAAA4D8AAAAAAADgPwAAAAAAAOA/AAAAAAAA4D8AAAAAAADgPwAAAAAAAOA/AAAAAAAA4D8CAAAAjAAAAAAAAAAAAAAAu+DjDP///wgAAAAAAAAAAAAAAAAAAAAAAAAAAAAAAAAAAAAAZAAAAAEAAABAAAAAAAAAAAAAAAAAAAAAAAAAAAAAAAAAAAAAAAAAAAAAAAAAAAAAAAAAAAAAAAAAAAAAAAAAAAAAAAAAAAAAAAAAAAAAAAAAAAAAAAAAAAAAAAAAAAAAFAAAADwAAAAAAAAAAAAAAAAAAAkUAAAAAQAAABQAAAAUAAAAFAAAAAEAAAAAAAAAZAAAAGQAAAAAAAAAZAAAAGQAAAAVAAAAYAAAAAAAAAAAAAAADwAAACADAAAAAAAAAAAAAAEAAACgMgAAVgcAAKr4//8BAAAAf39/AAEAAABkAAAAAAAAABQAAABAHwAAAAAAACYAAAAAAAAAwOD//wAAAAAmAAAAZAAAABYAAABMAAAAAAAAAAAAAAAEAAAAAAAAAAEAAACAgIAKAAAAACgAAAAoAAAAZAAAAGQAAAAAAAAAzMzMAAAAAABQAAAAUAAAAGQAAABkAAAAAAAAABcAAAAUAAAAAAAAAAAAAAD/fwAA/38AAAAAAAAJAAAABAAAAAAAAAAMAAAAEAAAAAAAAAAAAAAAAAAAAAAAAAAeAAAAaAAAAAAAAAAAAAAAAAAAAAAAAAAAAAAAECcAABAnAAAAAAAAAAAAAAAAAAAAAAAAAAAAAAAAAAAAAAAAAAAAABQAAAAAAAAAwMD/AAAAAABkAAAAMgAAAAAAAABkAAAAAAAAAH9/fwAKAAAAIgAAABgAAAAAAAAAAAAAAAAAAAAAAAAAAAAAAAAAAAAkAAAAJAAAAAAAAAAHAAAAAAAAAAAAAAAAAAAAAAAAAAAAAAAAAAAAf39/ACUAAABYAAAAAAAAAAAAAAAAAAAAAAAAAAAAAAAAAAAAAAAAAAAAAAAAAAAAAAAAAAAAAAA/AAAAAAAAAKCGAQAAAAAAAAAAAAAAAAAMAAAAAQAAAAAAAAAAAAAAAAAAAB8AAABUAAAAAAAABQAAAAEAAAAAAAAAAAAAAAAAAAAAAAAAAAAAAAAAAAAAAAAAAAAAAAJ/f38AAAAAA8zMzADAwP8Af39/AAAAAAAAAAAAAAAAAAAAAAAAAAAAIQAAABgAAAAUAAAAwAMAANgJAABARwAAsCUAABAAAAAmAAAACAAAAAAAAAAAAAAAMAAAABQAAAAAAAAAAAD//wAAAQAAAP//AAABAA=="/>
+                <pr:smNativeData xmlns:pr="smNativeData" xmlns="smNativeData" val="SMDATA_17_WnaBYRMAAAAlAAAAZAAAAA8BAAAAkAAAAEgAAACQAAAASAAAAAAAAAAAAAAAAAAAAAEAAABQAAAAAAAAAAAA4D8AAAAAAADgPwAAAAAAAOA/AAAAAAAA4D8AAAAAAADgPwAAAAAAAOA/AAAAAAAA4D8AAAAAAADgPwAAAAAAAOA/AAAAAAAA4D8CAAAAjAAAAAAAAAAAAAAAu+DjDP///wgAAAAAAAAAAAAAAAAAAAAAAAAAAAAAAAAAAAAAZAAAAAEAAABAAAAAAAAAAAAAAAAAAAAAAAAAAAAAAAAAAAAAAAAAAAAAAAAAAAAAAAAAAAAAAAAAAAAAAAAAAAAAAAAAAAAAAAAAAAAAAAAAAAAAAAAAAAAAAAAAAAAAFAAAADwAAAAAAAAAAAAAAAAAAAkUAAAAAQAAABQAAAAUAAAAFAAAAAEAAAAAAAAAZAAAAGQAAAAAAAAAZAAAAGQAAAAVAAAAYAAAAAAAAAAAAAAADwAAACADAAAAAAAAAAAAAAEAAACgMgAAVgcAAKr4//8BAAAAf39/AAEAAABkAAAAAAAAABQAAABAHwAAAAAAACYAAAAAAAAAwOD//wAAAAAmAAAAZAAAABYAAABMAAAAAAAAAAAAAAAEAAAAAAAAAAEAAACAgIAKAAAAACgAAAAoAAAAZAAAAGQAAAAAAAAAzMzMAAAAAABQAAAAUAAAAGQAAABkAAAAAAAAABcAAAAUAAAAAAAAAAAAAAD/fwAA/38AAAAAAAAJAAAABAAAAAAAAAAMAAAAEAAAAAAAAAAAAAAAAAAAAAAAAAAeAAAAaAAAAAAAAAAAAAAAAAAAAAAAAAAAAAAAECcAABAnAAAAAAAAAAAAAAAAAAAAAAAAAAAAAAAAAAAAAAAAAAAAABQAAAAAAAAAwMD/AAAAAABkAAAAMgAAAAAAAABkAAAAAAAAAH9/fwAKAAAAIgAAABgAAAAAAAAAAAAAAAAAAAAAAAAAAAAAAAAAAAAkAAAAJAAAAAAAAAAHAAAAAAAAAAAAAAAAAAAAAAAAAAAAAAAAAAAAf39/ACUAAABYAAAAAAAAAAAAAAAAAAAAAAAAAAAAAAAAAAAAAAAAAAAAAAAAAAAAAAAAAAAAAAA/AAAAAAAAAKCGAQAAAAAAAAAAAAAAAAAMAAAAAQAAAAAAAAAAAAAAAAAAAB8AAABUAAAAAAAABQAAAAEAAAAAAAAAAAAAAAAAAAAAAAAAAAAAAAAAAAAAAAAAAAAAAAJ/f38AAAAAA8zMzADAwP8Af39/AAAAAAAAAAAAAAAAAAAAAAAAAAAAIQAAABgAAAAUAAAAwAMAANgJAABARwAAsCUAABAAAAAmAAAACAAAAAAAAAAAAAAAMAAAABQAAAAAAAAAAAD//wAAAQAAAP//AAABAA=="/>
               </a:ext>
             </a:extLst>
           </p:cNvSpPr>
@@ -902,7 +902,7 @@
             <a:spLocks noGrp="1" noChangeArrowheads="1"/>
             <a:extLst>
               <a:ext uri="smNativeData">
-                <pr:smNativeData xmlns:pr="smNativeData" xmlns="smNativeData" val="SMDATA_17_MUmAYRMAAAAlAAAAZAAAAA8BAAAAkAAAAEgAAACQAAAASAAAAAAAAAABAAAAAAAAAAEAAABQAAAAAAAAAAAA4D8AAAAAAADgPwAAAAAAAOA/AAAAAAAA4D8AAAAAAADgPwAAAAAAAOA/AAAAAAAA4D8AAAAAAADgPwAAAAAAAOA/AAAAAAAA4D8CAAAAjAAAAAAAAAAAAAAAu+DjDP///wgAAAAAAAAAAAAAAAAAAAAAAAAAAAAAAAAAAAAAZAAAAAEAAABAAAAAAAAAAAAAAAAAAAAAAAAAAAAAAAAAAAAAAAAAAAAAAAAAAAAAAAAAAAAAAAAAAAAAAAAAAAAAAAAAAAAAAAAAAAAAAAAAAAAAAAAAAAAAAAAAAAAAFAAAADwAAAAAAAAAAAAAAAAAAAkUAAAAAQAAABQAAAAUAAAAFAAAAAEAAAAAAAAAZAAAAGQAAAAAAAAAZAAAAGQAAAAVAAAAYAAAAAAAAAAAAAAADwAAACADAAAAAAAAAAAAAAEAAACgMgAAVgcAAKr4//8BAAAAf39/AAEAAABkAAAAAAAAABQAAABAHwAAAAAAACYAAAAAAAAAwOD//wAAAAAmAAAAZAAAABYAAABMAAAAAAAAAAAAAAAEAAAAAAAAAAEAAACAgIAKAAAAACgAAAAoAAAAZAAAAGQAAAAAAAAAzMzMAAAAAABQAAAAUAAAAGQAAABkAAAAAAAAABcAAAAUAAAAAAAAAAAAAAD/fwAA/38AAAAAAAAJAAAABAAAANw7IAEMAAAAEAAAAAAAAAAAAAAAAAAAAAAAAAAeAAAAaAAAAAAAAAAAAAAAAAAAAAAAAAAAAAAAECcAABAnAAAAAAAAAAAAAAAAAAAAAAAAAAAAAAAAAAAAAAAAAAAAABQAAAAAAAAAwMD/AAAAAABkAAAAMgAAAAAAAABkAAAAAAAAAH9/fwAKAAAAIgAAABgAAAAAAAAAAAAAAAAAAAAAAAAAAAAAAAAAAAAkAAAAJAAAAAAAAAAHAAAAAAAAAAAAAAAAAAAAAAAAAAAAAAAAAAAAf39/ACUAAABYAAAAAAAAAAAAAAAAAAAAAAAAAAAAAAAAAAAAAAAAAAAAAAAAAAAAAAAAAAAAAAA/AAAAAAAAAKCGAQAAAAAAAAAAAAAAAAAMAAAAAQAAAAAAAAAAAAAAAAAAAB8AAABUAAAAAAAABQAAAAEAAAAAAAAAAAAAAAAAAAAAAAAAAAAAAAAAAAAAAAAAAAAAAAJ/f38AAAAAA8zMzADAwP8Af39/AAAAAAAAAAAAAAAAAAAAAAAAAAAAIQAAABgAAAAUAAAAwAMAABsnAAA/FQAAWSkAABAAAAAmAAAACAAAAAAAAAAAAAAAMAAAABQAAAAAAAAAAAD//wAAAQAAAP//AAABAA=="/>
+                <pr:smNativeData xmlns:pr="smNativeData" xmlns="smNativeData" val="SMDATA_17_WnaBYRMAAAAlAAAAZAAAAA8BAAAAkAAAAEgAAACQAAAASAAAAAAAAAABAAAAAAAAAAEAAABQAAAAAAAAAAAA4D8AAAAAAADgPwAAAAAAAOA/AAAAAAAA4D8AAAAAAADgPwAAAAAAAOA/AAAAAAAA4D8AAAAAAADgPwAAAAAAAOA/AAAAAAAA4D8CAAAAjAAAAAAAAAAAAAAAu+DjDP///wgAAAAAAAAAAAAAAAAAAAAAAAAAAAAAAAAAAAAAZAAAAAEAAABAAAAAAAAAAAAAAAAAAAAAAAAAAAAAAAAAAAAAAAAAAAAAAAAAAAAAAAAAAAAAAAAAAAAAAAAAAAAAAAAAAAAAAAAAAAAAAAAAAAAAAAAAAAAAAAAAAAAAFAAAADwAAAAAAAAAAAAAAAAAAAkUAAAAAQAAABQAAAAUAAAAFAAAAAEAAAAAAAAAZAAAAGQAAAAAAAAAZAAAAGQAAAAVAAAAYAAAAAAAAAAAAAAADwAAACADAAAAAAAAAAAAAAEAAACgMgAAVgcAAKr4//8BAAAAf39/AAEAAABkAAAAAAAAABQAAABAHwAAAAAAACYAAAAAAAAAwOD//wAAAAAmAAAAZAAAABYAAABMAAAAAAAAAAAAAAAEAAAAAAAAAAEAAACAgIAKAAAAACgAAAAoAAAAZAAAAGQAAAAAAAAAzMzMAAAAAABQAAAAUAAAAGQAAABkAAAAAAAAABcAAAAUAAAAAAAAAAAAAAD/fwAA/38AAAAAAAAJAAAABAAAANw7IAEMAAAAEAAAAAAAAAAAAAAAAAAAAAAAAAAeAAAAaAAAAAAAAAAAAAAAAAAAAAAAAAAAAAAAECcAABAnAAAAAAAAAAAAAAAAAAAAAAAAAAAAAAAAAAAAAAAAAAAAABQAAAAAAAAAwMD/AAAAAABkAAAAMgAAAAAAAABkAAAAAAAAAH9/fwAKAAAAIgAAABgAAAAAAAAAAAAAAAAAAAAAAAAAAAAAAAAAAAAkAAAAJAAAAAAAAAAHAAAAAAAAAAAAAAAAAAAAAAAAAAAAAAAAAAAAf39/ACUAAABYAAAAAAAAAAAAAAAAAAAAAAAAAAAAAAAAAAAAAAAAAAAAAAAAAAAAAAAAAAAAAAA/AAAAAAAAAKCGAQAAAAAAAAAAAAAAAAAMAAAAAQAAAAAAAAAAAAAAAAAAAB8AAABUAAAAAAAABQAAAAEAAAAAAAAAAAAAAAAAAAAAAAAAAAAAAAAAAAAAAAAAAAAAAAJ/f38AAAAAA8zMzADAwP8Af39/AAAAAAAAAAAAAAAAAAAAAAAAAAAAIQAAABgAAAAUAAAAwAMAABsnAAA/FQAAWSkAABAAAAAmAAAACAAAAAAAAAAAAAAAMAAAABQAAAAAAAAAAAD//wAAAQAAAP//AAABAA=="/>
               </a:ext>
             </a:extLst>
           </p:cNvSpPr>
@@ -916,7 +916,7 @@
           <a:lstStyle/>
           <a:p>
             <a:pPr/>
-            <a:fld id="{60386BBE-F08D-6D9D-C380-06C825CE3553}" type="datetime1">
+            <a:fld id="{10BB9E02-4CFD-EE68-B303-BA3DD04D45EF}" type="datetime1">
               <a:t/>
             </a:fld>
           </a:p>
@@ -929,7 +929,7 @@
             <a:spLocks noGrp="1" noChangeArrowheads="1"/>
             <a:extLst>
               <a:ext uri="smNativeData">
-                <pr:smNativeData xmlns:pr="smNativeData" xmlns="smNativeData" val="SMDATA_17_MUmAYRMAAAAlAAAAZAAAAA8BAAAAkAAAAEgAAACQAAAASAAAAAAAAAABAAAAAAAAAAEAAABQAAAAAAAAAAAA4D8AAAAAAADgPwAAAAAAAOA/AAAAAAAA4D8AAAAAAADgPwAAAAAAAOA/AAAAAAAA4D8AAAAAAADgPwAAAAAAAOA/AAAAAAAA4D8CAAAAjAAAAAAAAAAAAAAAu+DjDP///wgAAAAAAAAAAAAAAAAAAAAAAAAAAAAAAAAAAAAAZAAAAAEAAABAAAAAAAAAAAAAAAAAAAAAAAAAAAAAAAAAAAAAAAAAAAAAAAAAAAAAAAAAAAAAAAAAAAAAAAAAAAAAAAAAAAAAAAAAAAAAAAAAAAAAAAAAAAAAAAAAAAAAFAAAADwAAAAAAAAAAAAAAAAAAAkUAAAAAQAAABQAAAAUAAAAFAAAAAEAAAAAAAAAZAAAAGQAAAAAAAAAZAAAAGQAAAAVAAAAYAAAAAAAAAAAAAAADwAAACADAAAAAAAAAAAAAAEAAACgMgAAVgcAAKr4//8BAAAAf39/AAEAAABkAAAAAAAAABQAAABAHwAAAAAAACYAAAAAAAAAwOD//wAAAAAmAAAAZAAAABYAAABMAAAAAAAAAAAAAAAEAAAAAAAAAAEAAACAgIAKAAAAACgAAAAoAAAAZAAAAGQAAAAAAAAAzMzMAAAAAABQAAAAUAAAAGQAAABkAAAAAAAAABcAAAAUAAAAAAAAAAAAAAD/fwAA/38AAAAAAAAJAAAABAAAANw7IAEMAAAAEAAAAAAAAAAAAAAAAAAAAAAAAAAeAAAAaAAAAAAAAAAAAAAAAAAAAAAAAAAAAAAAECcAABAnAAAAAAAAAAAAAAAAAAAAAAAAAAAAAAAAAAAAAAAAAAAAABQAAAAAAAAAwMD/AAAAAABkAAAAMgAAAAAAAABkAAAAAAAAAH9/fwAKAAAAIgAAABgAAAAAAAAAAAAAAAAAAAAAAAAAAAAAAAAAAAAkAAAAJAAAAAAAAAAHAAAAAAAAAAAAAAAAAAAAAAAAAAAAAAAAAAAAf39/ACUAAABYAAAAAAAAAAAAAAAAAAAAAAAAAAAAAAAAAAAAAAAAAAAAAAAAAAAAAAAAAAAAAAA/AAAAAAAAAKCGAQAAAAAAAAAAAAAAAAAMAAAAAQAAAAAAAAAAAAAAAAAAAB8AAABUAAAAAAAABQAAAAEAAAAAAAAAAAAAAAAAAAAAAAAAAAAAAAAAAAAAAAAAAAAAAAJ/f38AAAAAA8zMzADAwP8Af39/AAAAAAAAAAAAAAAAAAAAAAAAAAAAIQAAABgAAAAUAAAAoRkAABsnAABfMQAAWSkAABAAAAAmAAAACAAAAAAAAAAAAAAAMAAAABQAAAAAAAAAAAD//wAAAQAAAP//AAABAA=="/>
+                <pr:smNativeData xmlns:pr="smNativeData" xmlns="smNativeData" val="SMDATA_17_WnaBYRMAAAAlAAAAZAAAAA8BAAAAkAAAAEgAAACQAAAASAAAAAAAAAABAAAAAAAAAAEAAABQAAAAAAAAAAAA4D8AAAAAAADgPwAAAAAAAOA/AAAAAAAA4D8AAAAAAADgPwAAAAAAAOA/AAAAAAAA4D8AAAAAAADgPwAAAAAAAOA/AAAAAAAA4D8CAAAAjAAAAAAAAAAAAAAAu+DjDP///wgAAAAAAAAAAAAAAAAAAAAAAAAAAAAAAAAAAAAAZAAAAAEAAABAAAAAAAAAAAAAAAAAAAAAAAAAAAAAAAAAAAAAAAAAAAAAAAAAAAAAAAAAAAAAAAAAAAAAAAAAAAAAAAAAAAAAAAAAAAAAAAAAAAAAAAAAAAAAAAAAAAAAFAAAADwAAAAAAAAAAAAAAAAAAAkUAAAAAQAAABQAAAAUAAAAFAAAAAEAAAAAAAAAZAAAAGQAAAAAAAAAZAAAAGQAAAAVAAAAYAAAAAAAAAAAAAAADwAAACADAAAAAAAAAAAAAAEAAACgMgAAVgcAAKr4//8BAAAAf39/AAEAAABkAAAAAAAAABQAAABAHwAAAAAAACYAAAAAAAAAwOD//wAAAAAmAAAAZAAAABYAAABMAAAAAAAAAAAAAAAEAAAAAAAAAAEAAACAgIAKAAAAACgAAAAoAAAAZAAAAGQAAAAAAAAAzMzMAAAAAABQAAAAUAAAAGQAAABkAAAAAAAAABcAAAAUAAAAAAAAAAAAAAD/fwAA/38AAAAAAAAJAAAABAAAANw7IAEMAAAAEAAAAAAAAAAAAAAAAAAAAAAAAAAeAAAAaAAAAAAAAAAAAAAAAAAAAAAAAAAAAAAAECcAABAnAAAAAAAAAAAAAAAAAAAAAAAAAAAAAAAAAAAAAAAAAAAAABQAAAAAAAAAwMD/AAAAAABkAAAAMgAAAAAAAABkAAAAAAAAAH9/fwAKAAAAIgAAABgAAAAAAAAAAAAAAAAAAAAAAAAAAAAAAAAAAAAkAAAAJAAAAAAAAAAHAAAAAAAAAAAAAAAAAAAAAAAAAAAAAAAAAAAAf39/ACUAAABYAAAAAAAAAAAAAAAAAAAAAAAAAAAAAAAAAAAAAAAAAAAAAAAAAAAAAAAAAAAAAAA/AAAAAAAAAKCGAQAAAAAAAAAAAAAAAAAMAAAAAQAAAAAAAAAAAAAAAAAAAB8AAABUAAAAAAAABQAAAAEAAAAAAAAAAAAAAAAAAAAAAAAAAAAAAAAAAAAAAAAAAAAAAAJ/f38AAAAAA8zMzADAwP8Af39/AAAAAAAAAAAAAAAAAAAAAAAAAAAAIQAAABgAAAAUAAAAoRkAABsnAABfMQAAWSkAABAAAAAmAAAACAAAAAAAAAAAAAAAMAAAABQAAAAAAAAAAAD//wAAAQAAAP//AAABAA=="/>
               </a:ext>
             </a:extLst>
           </p:cNvSpPr>
@@ -953,7 +953,7 @@
             <a:spLocks noGrp="1" noChangeArrowheads="1"/>
             <a:extLst>
               <a:ext uri="smNativeData">
-                <pr:smNativeData xmlns:pr="smNativeData" xmlns="smNativeData" val="SMDATA_17_MUmAYRMAAAAlAAAAZAAAAA8BAAAAkAAAAEgAAACQAAAASAAAAAAAAAABAAAAAAAAAAEAAABQAAAAAAAAAAAA4D8AAAAAAADgPwAAAAAAAOA/AAAAAAAA4D8AAAAAAADgPwAAAAAAAOA/AAAAAAAA4D8AAAAAAADgPwAAAAAAAOA/AAAAAAAA4D8CAAAAjAAAAAAAAAAAAAAAu+DjDP///wgAAAAAAAAAAAAAAAAAAAAAAAAAAAAAAAAAAAAAZAAAAAEAAABAAAAAAAAAAAAAAAAAAAAAAAAAAAAAAAAAAAAAAAAAAAAAAAAAAAAAAAAAAAAAAAAAAAAAAAAAAAAAAAAAAAAAAAAAAAAAAAAAAAAAAAAAAAAAAAAAAAAAFAAAADwAAAAAAAAAAAAAAAAAAAkUAAAAAQAAABQAAAAUAAAAFAAAAAEAAAAAAAAAZAAAAGQAAAAAAAAAZAAAAGQAAAAVAAAAYAAAAAAAAAAAAAAADwAAACADAAAAAAAAAAAAAAEAAACgMgAAVgcAAKr4//8BAAAAf39/AAEAAABkAAAAAAAAABQAAABAHwAAAAAAACYAAAAAAAAAwOD//wAAAAAmAAAAZAAAABYAAABMAAAAAAAAAAAAAAAEAAAAAAAAAAEAAACAgIAKAAAAACgAAAAoAAAAZAAAAGQAAAAAAAAAzMzMAAAAAABQAAAAUAAAAGQAAABkAAAAAAAAABcAAAAUAAAAAAAAAAAAAAD/fwAA/38AAAAAAAAJAAAABAAAAAAAAAAMAAAAEAAAAAAAAAAAAAAAAAAAAAAAAAAeAAAAaAAAAAAAAAAAAAAAAAAAAAAAAAAAAAAAECcAABAnAAAAAAAAAAAAAAAAAAAAAAAAAAAAAAAAAAAAAAAAAAAAABQAAAAAAAAAwMD/AAAAAABkAAAAMgAAAAAAAABkAAAAAAAAAH9/fwAKAAAAIgAAABgAAAAAAAAAAAAAAAAAAAAAAAAAAAAAAAAAAAAkAAAAJAAAAAAAAAAHAAAAAAAAAAAAAAAAAAAAAAAAAAAAAAAAAAAAf39/ACUAAABYAAAAAAAAAAAAAAAAAAAAAAAAAAAAAAAAAAAAAAAAAAAAAAAAAAAAAAAAAAAAAAA/AAAAAAAAAKCGAQAAAAAAAAAAAAAAAAAMAAAAAQAAAAAAAAAAAAAAAAAAAB8AAABUAAAAAAAABQAAAAEAAAAAAAAAAAAAAAAAAAAAAAAAAAAAAAAAAAAAAAAAAAAAAAJ/f38AAAAAA8zMzADAwP8Af39/AAAAAAAAAAAAAAAAAAAAAAAAAAAAIQAAABgAAAAUAAAAwTUAABsnAABARwAAWSkAABAAAAAmAAAACAAAAAAAAAAAAAAAMAAAABQAAAAAAAAAAAD//wAAAQAAAP//AAABAA=="/>
+                <pr:smNativeData xmlns:pr="smNativeData" xmlns="smNativeData" val="SMDATA_17_WnaBYRMAAAAlAAAAZAAAAA8BAAAAkAAAAEgAAACQAAAASAAAAAAAAAABAAAAAAAAAAEAAABQAAAAAAAAAAAA4D8AAAAAAADgPwAAAAAAAOA/AAAAAAAA4D8AAAAAAADgPwAAAAAAAOA/AAAAAAAA4D8AAAAAAADgPwAAAAAAAOA/AAAAAAAA4D8CAAAAjAAAAAAAAAAAAAAAu+DjDP///wgAAAAAAAAAAAAAAAAAAAAAAAAAAAAAAAAAAAAAZAAAAAEAAABAAAAAAAAAAAAAAAAAAAAAAAAAAAAAAAAAAAAAAAAAAAAAAAAAAAAAAAAAAAAAAAAAAAAAAAAAAAAAAAAAAAAAAAAAAAAAAAAAAAAAAAAAAAAAAAAAAAAAFAAAADwAAAAAAAAAAAAAAAAAAAkUAAAAAQAAABQAAAAUAAAAFAAAAAEAAAAAAAAAZAAAAGQAAAAAAAAAZAAAAGQAAAAVAAAAYAAAAAAAAAAAAAAADwAAACADAAAAAAAAAAAAAAEAAACgMgAAVgcAAKr4//8BAAAAf39/AAEAAABkAAAAAAAAABQAAABAHwAAAAAAACYAAAAAAAAAwOD//wAAAAAmAAAAZAAAABYAAABMAAAAAAAAAAAAAAAEAAAAAAAAAAEAAACAgIAKAAAAACgAAAAoAAAAZAAAAGQAAAAAAAAAzMzMAAAAAABQAAAAUAAAAGQAAABkAAAAAAAAABcAAAAUAAAAAAAAAAAAAAD/fwAA/38AAAAAAAAJAAAABAAAAAAAAAAMAAAAEAAAAAAAAAAAAAAAAAAAAAAAAAAeAAAAaAAAAAAAAAAAAAAAAAAAAAAAAAAAAAAAECcAABAnAAAAAAAAAAAAAAAAAAAAAAAAAAAAAAAAAAAAAAAAAAAAABQAAAAAAAAAwMD/AAAAAABkAAAAMgAAAAAAAABkAAAAAAAAAH9/fwAKAAAAIgAAABgAAAAAAAAAAAAAAAAAAAAAAAAAAAAAAAAAAAAkAAAAJAAAAAAAAAAHAAAAAAAAAAAAAAAAAAAAAAAAAAAAAAAAAAAAf39/ACUAAABYAAAAAAAAAAAAAAAAAAAAAAAAAAAAAAAAAAAAAAAAAAAAAAAAAAAAAAAAAAAAAAA/AAAAAAAAAKCGAQAAAAAAAAAAAAAAAAAMAAAAAQAAAAAAAAAAAAAAAAAAAB8AAABUAAAAAAAABQAAAAEAAAAAAAAAAAAAAAAAAAAAAAAAAAAAAAAAAAAAAAAAAAAAAAJ/f38AAAAAA8zMzADAwP8Af39/AAAAAAAAAAAAAAAAAAAAAAAAAAAAIQAAABgAAAAUAAAAwTUAABsnAABARwAAWSkAABAAAAAmAAAACAAAAAAAAAAAAAAAMAAAABQAAAAAAAAAAAD//wAAAQAAAP//AAABAA=="/>
               </a:ext>
             </a:extLst>
           </p:cNvSpPr>
@@ -967,7 +967,7 @@
           <a:lstStyle/>
           <a:p>
             <a:pPr/>
-            <a:fld id="{40C81AF2-BCAD-9DEC-E370-4AB9543E151F}" type="slidenum">
+            <a:fld id="{50EB880E-40BD-BE7E-F353-B62BC61D05E3}" type="slidenum">
               <a:t/>
             </a:fld>
           </a:p>
@@ -1006,7 +1006,7 @@
             <a:spLocks noGrp="1" noChangeArrowheads="1"/>
             <a:extLst>
               <a:ext uri="smNativeData">
-                <pr:smNativeData xmlns:pr="smNativeData" xmlns="smNativeData" val="SMDATA_17_MUmAYRMAAAAlAAAAZAAAAA8BAAAAkAAAAEgAAACQAAAASAAAAAAAAAAAAAAAAAAAAAEAAABQAAAAAAAAAAAA4D8AAAAAAADgPwAAAAAAAOA/AAAAAAAA4D8AAAAAAADgPwAAAAAAAOA/AAAAAAAA4D8AAAAAAADgPwAAAAAAAOA/AAAAAAAA4D8CAAAAjAAAAAAAAAAAAAAAu+DjDP///wgAAAAAAAAAAAAAAAAAAAAAAAAAAAAAAAAAAAAAZAAAAAEAAABAAAAAAAAAAAAAAAAAAAAAAAAAAAAAAAAAAAAAAAAAAAAAAAAAAAAAAAAAAAAAAAAAAAAAAAAAAAAAAAAAAAAAAAAAAAAAAAAAAAAAAAAAAAAAAAAAAAAAFAAAADwAAAAAAAAAAAAAAAAAAAkUAAAAAQAAABQAAAAUAAAAFAAAAAEAAAAAAAAAZAAAAGQAAAAAAAAAZAAAAGQAAAAVAAAAYAAAAAAAAAAAAAAADwAAACADAAAAAAAAAAAAAAEAAACgMgAAVgcAAKr4//8BAAAAf39/AAEAAABkAAAAAAAAABQAAABAHwAAAAAAACYAAAAAAAAAwOD//wAAAAAmAAAAZAAAABYAAABMAAAAAAAAAAAAAAAEAAAAAAAAAAEAAACAgIAKAAAAACgAAAAoAAAAZAAAAGQAAAAAAAAAzMzMAAAAAABQAAAAUAAAAGQAAABkAAAAAAAAABcAAAAUAAAAAAAAAAAAAAD/fwAA/38AAAAAAAAJAAAABAAAANw7IAEMAAAAEAAAAAAAAAAAAAAAAAAAAAAAAAAeAAAAaAAAAAAAAAAAAAAAAAAAAAAAAAAAAAAAECcAABAnAAAAAAAAAAAAAAAAAAAAAAAAAAAAAAAAAAAAAAAAAAAAABQAAAAAAAAAwMD/AAAAAABkAAAAMgAAAAAAAABkAAAAAAAAAH9/fwAKAAAAIgAAABgAAAAAAAAAAAAAAAAAAAAAAAAAAAAAAAAAAAAkAAAAJAAAAAAAAAAHAAAAAAAAAAAAAAAAAAAAAAAAAAAAAAAAAAAAf39/ACUAAABYAAAAAAAAAAAAAAAAAAAAAAAAAAAAAAAAAAAAAAAAAAAAAAAAAAAAAAAAAAAAAAA/AAAAAAAAAKCGAQAAAAAAAAAAAAAAAAAMAAAAAQAAAAAAAAAAAAAAAAAAAB8AAABUAAAAAAAABQAAAAEAAAAAAAAAAAAAAAAAAAAAAAAAAAAAAAAAAAAAAAAAAAAAAAJ/f38AAAAAA8zMzADAwP8Af39/AAAAAAAAAAAAAAAAAAAAAAAAAAAAIQAAABgAAAAUAAAA7QUAABwbAACtRQAAfSMAABAAAAAmAAAACAAAAIGAAAAAAAAAMAAAABQAAAAAAAAAAAD//wAAAQAAAP//AAABAA=="/>
+                <pr:smNativeData xmlns:pr="smNativeData" xmlns="smNativeData" val="SMDATA_17_WnaBYRMAAAAlAAAAZAAAAA8BAAAAkAAAAEgAAACQAAAASAAAAAAAAAAAAAAAAAAAAAEAAABQAAAAAAAAAAAA4D8AAAAAAADgPwAAAAAAAOA/AAAAAAAA4D8AAAAAAADgPwAAAAAAAOA/AAAAAAAA4D8AAAAAAADgPwAAAAAAAOA/AAAAAAAA4D8CAAAAjAAAAAAAAAAAAAAAu+DjDP///wgAAAAAAAAAAAAAAAAAAAAAAAAAAAAAAAAAAAAAZAAAAAEAAABAAAAAAAAAAAAAAAAAAAAAAAAAAAAAAAAAAAAAAAAAAAAAAAAAAAAAAAAAAAAAAAAAAAAAAAAAAAAAAAAAAAAAAAAAAAAAAAAAAAAAAAAAAAAAAAAAAAAAFAAAADwAAAAAAAAAAAAAAAAAAAkUAAAAAQAAABQAAAAUAAAAFAAAAAEAAAAAAAAAZAAAAGQAAAAAAAAAZAAAAGQAAAAVAAAAYAAAAAAAAAAAAAAADwAAACADAAAAAAAAAAAAAAEAAACgMgAAVgcAAKr4//8BAAAAf39/AAEAAABkAAAAAAAAABQAAABAHwAAAAAAACYAAAAAAAAAwOD//wAAAAAmAAAAZAAAABYAAABMAAAAAAAAAAAAAAAEAAAAAAAAAAEAAACAgIAKAAAAACgAAAAoAAAAZAAAAGQAAAAAAAAAzMzMAAAAAABQAAAAUAAAAGQAAABkAAAAAAAAABcAAAAUAAAAAAAAAAAAAAD/fwAA/38AAAAAAAAJAAAABAAAANw7IAEMAAAAEAAAAAAAAAAAAAAAAAAAAAAAAAAeAAAAaAAAAAAAAAAAAAAAAAAAAAAAAAAAAAAAECcAABAnAAAAAAAAAAAAAAAAAAAAAAAAAAAAAAAAAAAAAAAAAAAAABQAAAAAAAAAwMD/AAAAAABkAAAAMgAAAAAAAABkAAAAAAAAAH9/fwAKAAAAIgAAABgAAAAAAAAAAAAAAAAAAAAAAAAAAAAAAAAAAAAkAAAAJAAAAAAAAAAHAAAAAAAAAAAAAAAAAAAAAAAAAAAAAAAAAAAAf39/ACUAAABYAAAAAAAAAAAAAAAAAAAAAAAAAAAAAAAAAAAAAAAAAAAAAAAAAAAAAAAAAAAAAAA/AAAAAAAAAKCGAQAAAAAAAAAAAAAAAAAMAAAAAQAAAAAAAAAAAAAAAAAAAB8AAABUAAAAAAAABQAAAAEAAAAAAAAAAAAAAAAAAAAAAAAAAAAAAAAAAAAAAAAAAAAAAAJ/f38AAAAAA8zMzADAwP8Af39/AAAAAAAAAAAAAAAAAAAAAAAAAAAAIQAAABgAAAAUAAAA7QUAABwbAACtRQAAfSMAABAAAAAmAAAACAAAAIGAAAAAAAAAMAAAABQAAAAAAAAAAAD//wAAAQAAAP//AAABAA=="/>
               </a:ext>
             </a:extLst>
           </p:cNvSpPr>
@@ -1048,7 +1048,7 @@
             <a:spLocks noGrp="1" noChangeArrowheads="1"/>
             <a:extLst>
               <a:ext uri="smNativeData">
-                <pr:smNativeData xmlns:pr="smNativeData" xmlns="smNativeData" val="SMDATA_17_MUmAYRMAAAAlAAAAZAAAAA8BAAAAkAAAAEgAAACQAAAASAAAAAAAAAACAAAAAAAAAAEAAABQAAAAAAAAAAAA4D8AAAAAAADgPwAAAAAAAOA/AAAAAAAA4D8AAAAAAADgPwAAAAAAAOA/AAAAAAAA4D8AAAAAAADgPwAAAAAAAOA/AAAAAAAA4D8CAAAAjAAAAAAAAAAAAAAAu+DjDP///wgAAAAAAAAAAAAAAAAAAAAAAAAAAAAAAAAAAAAAZAAAAAEAAABAAAAAAAAAAAAAAAAAAAAAAAAAAAAAAAAAAAAAAAAAAAAAAAAAAAAAAAAAAAAAAAAAAAAAAAAAAAAAAAAAAAAAAAAAAAAAAAAAAAAAAAAAAAAAAAAAAAAAFAAAADwAAAAAAAAAAAAAAAAAAAkUAAAAAQAAABQAAAAUAAAAFAAAAAEAAAAAAAAAZAAAAGQAAAAAAAAAZAAAAGQAAAAVAAAAYAAAAAAAAAAAAAAADwAAACADAAAAAAAAAAAAAAEAAACgMgAAVgcAAKr4//8BAAAAf39/AAEAAABkAAAAAAAAABQAAABAHwAAAAAAACYAAAAAAAAAwOD//wAAAAAmAAAAZAAAABYAAABMAAAAAAAAAAAAAAAEAAAAAAAAAAEAAACAgIAKAAAAACgAAAAoAAAAZAAAAGQAAAAAAAAAzMzMAAAAAABQAAAAUAAAAGQAAABkAAAAAAAAABcAAAAUAAAAAAAAAAAAAAD/fwAA/38AAAAAAAAJAAAABAAAANw7IAEMAAAAEAAAAAAAAAAAAAAAAAAAAAAAAAAeAAAAaAAAAAAAAAAAAAAAAAAAAAAAAAAAAAAAECcAABAnAAAAAAAAAAAAAAAAAAAAAAAAAAAAAAAAAAAAAAAAAAAAABQAAAAAAAAAwMD/AAAAAABkAAAAMgAAAAAAAABkAAAAAAAAAH9/fwAKAAAAIgAAABgAAAAAAAAAAAAAAAAAAAAAAAAAAAAAAAAAAAAkAAAAJAAAAAAAAAAHAAAAAAAAAAAAAAAAAAAAAAAAAAAAAAAAAAAAf39/ACUAAABYAAAAAAAAAAAAAAAAAAAAAAAAAAAAAAAAAAAAAAAAAAAAAAAAAAAAAAAAAAAAAAA/AAAAAAAAAKCGAQAAAAAAAAAAAAAAAAAMAAAAAQAAAAAAAAAAAAAAAAAAAB8AAABUAAAAAAAABQAAAAEAAAAAAAAAAAAAAAAAAAAAAAAAAAAAAAAAAAAAAAAAAAAAAAJ/f38AAAAAA8zMzADAwP8Af39/AAAAAAAAAAAAAAAAAAAAAAAAAAAAIQAAABgAAAAUAAAA7QUAAOERAACtRQAAHBsAABAAAAAmAAAACAAAAIGAAAAAAAAAMAAAABQAAAAAAAAAAAD//wAAAQAAAP//AAABAA=="/>
+                <pr:smNativeData xmlns:pr="smNativeData" xmlns="smNativeData" val="SMDATA_17_WnaBYRMAAAAlAAAAZAAAAA8BAAAAkAAAAEgAAACQAAAASAAAAAAAAAACAAAAAAAAAAEAAABQAAAAAAAAAAAA4D8AAAAAAADgPwAAAAAAAOA/AAAAAAAA4D8AAAAAAADgPwAAAAAAAOA/AAAAAAAA4D8AAAAAAADgPwAAAAAAAOA/AAAAAAAA4D8CAAAAjAAAAAAAAAAAAAAAu+DjDP///wgAAAAAAAAAAAAAAAAAAAAAAAAAAAAAAAAAAAAAZAAAAAEAAABAAAAAAAAAAAAAAAAAAAAAAAAAAAAAAAAAAAAAAAAAAAAAAAAAAAAAAAAAAAAAAAAAAAAAAAAAAAAAAAAAAAAAAAAAAAAAAAAAAAAAAAAAAAAAAAAAAAAAFAAAADwAAAAAAAAAAAAAAAAAAAkUAAAAAQAAABQAAAAUAAAAFAAAAAEAAAAAAAAAZAAAAGQAAAAAAAAAZAAAAGQAAAAVAAAAYAAAAAAAAAAAAAAADwAAACADAAAAAAAAAAAAAAEAAACgMgAAVgcAAKr4//8BAAAAf39/AAEAAABkAAAAAAAAABQAAABAHwAAAAAAACYAAAAAAAAAwOD//wAAAAAmAAAAZAAAABYAAABMAAAAAAAAAAAAAAAEAAAAAAAAAAEAAACAgIAKAAAAACgAAAAoAAAAZAAAAGQAAAAAAAAAzMzMAAAAAABQAAAAUAAAAGQAAABkAAAAAAAAABcAAAAUAAAAAAAAAAAAAAD/fwAA/38AAAAAAAAJAAAABAAAANw7IAEMAAAAEAAAAAAAAAAAAAAAAAAAAAAAAAAeAAAAaAAAAAAAAAAAAAAAAAAAAAAAAAAAAAAAECcAABAnAAAAAAAAAAAAAAAAAAAAAAAAAAAAAAAAAAAAAAAAAAAAABQAAAAAAAAAwMD/AAAAAABkAAAAMgAAAAAAAABkAAAAAAAAAH9/fwAKAAAAIgAAABgAAAAAAAAAAAAAAAAAAAAAAAAAAAAAAAAAAAAkAAAAJAAAAAAAAAAHAAAAAAAAAAAAAAAAAAAAAAAAAAAAAAAAAAAAf39/ACUAAABYAAAAAAAAAAAAAAAAAAAAAAAAAAAAAAAAAAAAAAAAAAAAAAAAAAAAAAAAAAAAAAA/AAAAAAAAAKCGAQAAAAAAAAAAAAAAAAAMAAAAAQAAAAAAAAAAAAAAAAAAAB8AAABUAAAAAAAABQAAAAEAAAAAAAAAAAAAAAAAAAAAAAAAAAAAAAAAAAAAAAAAAAAAAAJ/f38AAAAAA8zMzADAwP8Af39/AAAAAAAAAAAAAAAAAAAAAAAAAAAAIQAAABgAAAAUAAAA7QUAAOERAACtRQAAHBsAABAAAAAmAAAACAAAAIGAAAAAAAAAMAAAABQAAAAAAAAAAAD//wAAAQAAAP//AAABAA=="/>
               </a:ext>
             </a:extLst>
           </p:cNvSpPr>
@@ -1121,7 +1121,7 @@
             <a:spLocks noGrp="1" noChangeArrowheads="1"/>
             <a:extLst>
               <a:ext uri="smNativeData">
-                <pr:smNativeData xmlns:pr="smNativeData" xmlns="smNativeData" val="SMDATA_17_MUmAYRMAAAAlAAAAZAAAAA8BAAAAkAAAAEgAAACQAAAASAAAAAAAAAABAAAAAAAAAAEAAABQAAAAAAAAAAAA4D8AAAAAAADgPwAAAAAAAOA/AAAAAAAA4D8AAAAAAADgPwAAAAAAAOA/AAAAAAAA4D8AAAAAAADgPwAAAAAAAOA/AAAAAAAA4D8CAAAAjAAAAAAAAAAAAAAAu+DjDP///wgAAAAAAAAAAAAAAAAAAAAAAAAAAAAAAAAAAAAAZAAAAAEAAABAAAAAAAAAAAAAAAAAAAAAAAAAAAAAAAAAAAAAAAAAAAAAAAAAAAAAAAAAAAAAAAAAAAAAAAAAAAAAAAAAAAAAAAAAAAAAAAAAAAAAAAAAAAAAAAAAAAAAFAAAADwAAAAAAAAAAAAAAAAAAAkUAAAAAQAAABQAAAAUAAAAFAAAAAEAAAAAAAAAZAAAAGQAAAAAAAAAZAAAAGQAAAAVAAAAYAAAAAAAAAAAAAAADwAAACADAAAAAAAAAAAAAAEAAACgMgAAVgcAAKr4//8BAAAAf39/AAEAAABkAAAAAAAAABQAAABAHwAAAAAAACYAAAAAAAAAwOD//wAAAAAmAAAAZAAAABYAAABMAAAAAAAAAAAAAAAEAAAAAAAAAAEAAACAgIAKAAAAACgAAAAoAAAAZAAAAGQAAAAAAAAAzMzMAAAAAABQAAAAUAAAAGQAAABkAAAAAAAAABcAAAAUAAAAAAAAAAAAAAD/fwAA/38AAAAAAAAJAAAABAAAAAAAAAAMAAAAEAAAAAAAAAAAAAAAAAAAAAAAAAAeAAAAaAAAAAAAAAAAAAAAAAAAAAAAAAAAAAAAECcAABAnAAAAAAAAAAAAAAAAAAAAAAAAAAAAAAAAAAAAAAAAAAAAABQAAAAAAAAAwMD/AAAAAABkAAAAMgAAAAAAAABkAAAAAAAAAH9/fwAKAAAAIgAAABgAAAAAAAAAAAAAAAAAAAAAAAAAAAAAAAAAAAAkAAAAJAAAAAAAAAAHAAAAAAAAAAAAAAAAAAAAAAAAAAAAAAAAAAAAf39/ACUAAABYAAAAAAAAAAAAAAAAAAAAAAAAAAAAAAAAAAAAAAAAAAAAAAAAAAAAAAAAAAAAAAA/AAAAAAAAAKCGAQAAAAAAAAAAAAAAAAAMAAAAAQAAAAAAAAAAAAAAAAAAAB8AAABUAAAAAAAABQAAAAEAAAAAAAAAAAAAAAAAAAAAAAAAAAAAAAAAAAAAAAAAAAAAAAJ/f38AAAAAA8zMzADAwP8Af39/AAAAAAAAAAAAAAAAAAAAAAAAAAAAIQAAABgAAAAUAAAAwAMAABsnAAA/FQAAWSkAABAAAAAmAAAACAAAAAAAAAAAAAAAMAAAABQAAAAAAAAAAAD//wAAAQAAAP//AAABAA=="/>
+                <pr:smNativeData xmlns:pr="smNativeData" xmlns="smNativeData" val="SMDATA_17_WnaBYRMAAAAlAAAAZAAAAA8BAAAAkAAAAEgAAACQAAAASAAAAAAAAAABAAAAAAAAAAEAAABQAAAAAAAAAAAA4D8AAAAAAADgPwAAAAAAAOA/AAAAAAAA4D8AAAAAAADgPwAAAAAAAOA/AAAAAAAA4D8AAAAAAADgPwAAAAAAAOA/AAAAAAAA4D8CAAAAjAAAAAAAAAAAAAAAu+DjDP///wgAAAAAAAAAAAAAAAAAAAAAAAAAAAAAAAAAAAAAZAAAAAEAAABAAAAAAAAAAAAAAAAAAAAAAAAAAAAAAAAAAAAAAAAAAAAAAAAAAAAAAAAAAAAAAAAAAAAAAAAAAAAAAAAAAAAAAAAAAAAAAAAAAAAAAAAAAAAAAAAAAAAAFAAAADwAAAAAAAAAAAAAAAAAAAkUAAAAAQAAABQAAAAUAAAAFAAAAAEAAAAAAAAAZAAAAGQAAAAAAAAAZAAAAGQAAAAVAAAAYAAAAAAAAAAAAAAADwAAACADAAAAAAAAAAAAAAEAAACgMgAAVgcAAKr4//8BAAAAf39/AAEAAABkAAAAAAAAABQAAABAHwAAAAAAACYAAAAAAAAAwOD//wAAAAAmAAAAZAAAABYAAABMAAAAAAAAAAAAAAAEAAAAAAAAAAEAAACAgIAKAAAAACgAAAAoAAAAZAAAAGQAAAAAAAAAzMzMAAAAAABQAAAAUAAAAGQAAABkAAAAAAAAABcAAAAUAAAAAAAAAAAAAAD/fwAA/38AAAAAAAAJAAAABAAAAAAAAAAMAAAAEAAAAAAAAAAAAAAAAAAAAAAAAAAeAAAAaAAAAAAAAAAAAAAAAAAAAAAAAAAAAAAAECcAABAnAAAAAAAAAAAAAAAAAAAAAAAAAAAAAAAAAAAAAAAAAAAAABQAAAAAAAAAwMD/AAAAAABkAAAAMgAAAAAAAABkAAAAAAAAAH9/fwAKAAAAIgAAABgAAAAAAAAAAAAAAAAAAAAAAAAAAAAAAAAAAAAkAAAAJAAAAAAAAAAHAAAAAAAAAAAAAAAAAAAAAAAAAAAAAAAAAAAAf39/ACUAAABYAAAAAAAAAAAAAAAAAAAAAAAAAAAAAAAAAAAAAAAAAAAAAAAAAAAAAAAAAAAAAAA/AAAAAAAAAKCGAQAAAAAAAAAAAAAAAAAMAAAAAQAAAAAAAAAAAAAAAAAAAB8AAABUAAAAAAAABQAAAAEAAAAAAAAAAAAAAAAAAAAAAAAAAAAAAAAAAAAAAAAAAAAAAAJ/f38AAAAAA8zMzADAwP8Af39/AAAAAAAAAAAAAAAAAAAAAAAAAAAAIQAAABgAAAAUAAAAwAMAABsnAAA/FQAAWSkAABAAAAAmAAAACAAAAAAAAAAAAAAAMAAAABQAAAAAAAAAAAD//wAAAQAAAP//AAABAA=="/>
               </a:ext>
             </a:extLst>
           </p:cNvSpPr>
@@ -1135,7 +1135,7 @@
           <a:lstStyle/>
           <a:p>
             <a:pPr/>
-            <a:fld id="{32AC91BB-F5DF-F967-9114-0332DF5A6756}" type="datetime1">
+            <a:fld id="{45183C94-DAA8-4DCA-E6A0-2C9F72EE1079}" type="datetime1">
               <a:t/>
             </a:fld>
           </a:p>
@@ -1148,7 +1148,7 @@
             <a:spLocks noGrp="1" noChangeArrowheads="1"/>
             <a:extLst>
               <a:ext uri="smNativeData">
-                <pr:smNativeData xmlns:pr="smNativeData" xmlns="smNativeData" val="SMDATA_17_MUmAYRMAAAAlAAAAZAAAAA8BAAAAkAAAAEgAAACQAAAASAAAAAAAAAABAAAAAAAAAAEAAABQAAAAAAAAAAAA4D8AAAAAAADgPwAAAAAAAOA/AAAAAAAA4D8AAAAAAADgPwAAAAAAAOA/AAAAAAAA4D8AAAAAAADgPwAAAAAAAOA/AAAAAAAA4D8CAAAAjAAAAAAAAAAAAAAAu+DjDP///wgAAAAAAAAAAAAAAAAAAAAAAAAAAAAAAAAAAAAAZAAAAAEAAABAAAAAAAAAAAAAAAAAAAAAAAAAAAAAAAAAAAAAAAAAAAAAAAAAAAAAAAAAAAAAAAAAAAAAAAAAAAAAAAAAAAAAAAAAAAAAAAAAAAAAAAAAAAAAAAAAAAAAFAAAADwAAAAAAAAAAAAAAAAAAAkUAAAAAQAAABQAAAAUAAAAFAAAAAEAAAAAAAAAZAAAAGQAAAAAAAAAZAAAAGQAAAAVAAAAYAAAAAAAAAAAAAAADwAAACADAAAAAAAAAAAAAAEAAACgMgAAVgcAAKr4//8BAAAAf39/AAEAAABkAAAAAAAAABQAAABAHwAAAAAAACYAAAAAAAAAwOD//wAAAAAmAAAAZAAAABYAAABMAAAAAAAAAAAAAAAEAAAAAAAAAAEAAACAgIAKAAAAACgAAAAoAAAAZAAAAGQAAAAAAAAAzMzMAAAAAABQAAAAUAAAAGQAAABkAAAAAAAAABcAAAAUAAAAAAAAAAAAAAD/fwAA/38AAAAAAAAJAAAABAAAANw7IAEMAAAAEAAAAAAAAAAAAAAAAAAAAAAAAAAeAAAAaAAAAAAAAAAAAAAAAAAAAAAAAAAAAAAAECcAABAnAAAAAAAAAAAAAAAAAAAAAAAAAAAAAAAAAAAAAAAAAAAAABQAAAAAAAAAwMD/AAAAAABkAAAAMgAAAAAAAABkAAAAAAAAAH9/fwAKAAAAIgAAABgAAAAAAAAAAAAAAAAAAAAAAAAAAAAAAAAAAAAkAAAAJAAAAAAAAAAHAAAAAAAAAAAAAAAAAAAAAAAAAAAAAAAAAAAAf39/ACUAAABYAAAAAAAAAAAAAAAAAAAAAAAAAAAAAAAAAAAAAAAAAAAAAAAAAAAAAAAAAAAAAAA/AAAAAAAAAKCGAQAAAAAAAAAAAAAAAAAMAAAAAQAAAAAAAAAAAAAAAAAAAB8AAABUAAAAAAAABQAAAAEAAAAAAAAAAAAAAAAAAAAAAAAAAAAAAAAAAAAAAAAAAAAAAAJ/f38AAAAAA8zMzADAwP8Af39/AAAAAAAAAAAAAAAAAAAAAAAAAAAAIQAAABgAAAAUAAAAoRkAABsnAABfMQAAWSkAABAAAAAmAAAACAAAAAAAAAAAAAAAMAAAABQAAAAAAAAAAAD//wAAAQAAAP//AAABAA=="/>
+                <pr:smNativeData xmlns:pr="smNativeData" xmlns="smNativeData" val="SMDATA_17_WnaBYRMAAAAlAAAAZAAAAA8BAAAAkAAAAEgAAACQAAAASAAAAAAAAAABAAAAAAAAAAEAAABQAAAAAAAAAAAA4D8AAAAAAADgPwAAAAAAAOA/AAAAAAAA4D8AAAAAAADgPwAAAAAAAOA/AAAAAAAA4D8AAAAAAADgPwAAAAAAAOA/AAAAAAAA4D8CAAAAjAAAAAAAAAAAAAAAu+DjDP///wgAAAAAAAAAAAAAAAAAAAAAAAAAAAAAAAAAAAAAZAAAAAEAAABAAAAAAAAAAAAAAAAAAAAAAAAAAAAAAAAAAAAAAAAAAAAAAAAAAAAAAAAAAAAAAAAAAAAAAAAAAAAAAAAAAAAAAAAAAAAAAAAAAAAAAAAAAAAAAAAAAAAAFAAAADwAAAAAAAAAAAAAAAAAAAkUAAAAAQAAABQAAAAUAAAAFAAAAAEAAAAAAAAAZAAAAGQAAAAAAAAAZAAAAGQAAAAVAAAAYAAAAAAAAAAAAAAADwAAACADAAAAAAAAAAAAAAEAAACgMgAAVgcAAKr4//8BAAAAf39/AAEAAABkAAAAAAAAABQAAABAHwAAAAAAACYAAAAAAAAAwOD//wAAAAAmAAAAZAAAABYAAABMAAAAAAAAAAAAAAAEAAAAAAAAAAEAAACAgIAKAAAAACgAAAAoAAAAZAAAAGQAAAAAAAAAzMzMAAAAAABQAAAAUAAAAGQAAABkAAAAAAAAABcAAAAUAAAAAAAAAAAAAAD/fwAA/38AAAAAAAAJAAAABAAAANw7IAEMAAAAEAAAAAAAAAAAAAAAAAAAAAAAAAAeAAAAaAAAAAAAAAAAAAAAAAAAAAAAAAAAAAAAECcAABAnAAAAAAAAAAAAAAAAAAAAAAAAAAAAAAAAAAAAAAAAAAAAABQAAAAAAAAAwMD/AAAAAABkAAAAMgAAAAAAAABkAAAAAAAAAH9/fwAKAAAAIgAAABgAAAAAAAAAAAAAAAAAAAAAAAAAAAAAAAAAAAAkAAAAJAAAAAAAAAAHAAAAAAAAAAAAAAAAAAAAAAAAAAAAAAAAAAAAf39/ACUAAABYAAAAAAAAAAAAAAAAAAAAAAAAAAAAAAAAAAAAAAAAAAAAAAAAAAAAAAAAAAAAAAA/AAAAAAAAAKCGAQAAAAAAAAAAAAAAAAAMAAAAAQAAAAAAAAAAAAAAAAAAAB8AAABUAAAAAAAABQAAAAEAAAAAAAAAAAAAAAAAAAAAAAAAAAAAAAAAAAAAAAAAAAAAAAJ/f38AAAAAA8zMzADAwP8Af39/AAAAAAAAAAAAAAAAAAAAAAAAAAAAIQAAABgAAAAUAAAAoRkAABsnAABfMQAAWSkAABAAAAAmAAAACAAAAAAAAAAAAAAAMAAAABQAAAAAAAAAAAD//wAAAQAAAP//AAABAA=="/>
               </a:ext>
             </a:extLst>
           </p:cNvSpPr>
@@ -1172,7 +1172,7 @@
             <a:spLocks noGrp="1" noChangeArrowheads="1"/>
             <a:extLst>
               <a:ext uri="smNativeData">
-                <pr:smNativeData xmlns:pr="smNativeData" xmlns="smNativeData" val="SMDATA_17_MUmAYRMAAAAlAAAAZAAAAA8BAAAAkAAAAEgAAACQAAAASAAAAAAAAAABAAAAAAAAAAEAAABQAAAAAAAAAAAA4D8AAAAAAADgPwAAAAAAAOA/AAAAAAAA4D8AAAAAAADgPwAAAAAAAOA/AAAAAAAA4D8AAAAAAADgPwAAAAAAAOA/AAAAAAAA4D8CAAAAjAAAAAAAAAAAAAAAu+DjDP///wgAAAAAAAAAAAAAAAAAAAAAAAAAAAAAAAAAAAAAZAAAAAEAAABAAAAAAAAAAAAAAAAAAAAAAAAAAAAAAAAAAAAAAAAAAAAAAAAAAAAAAAAAAAAAAAAAAAAAAAAAAAAAAAAAAAAAAAAAAAAAAAAAAAAAAAAAAAAAAAAAAAAAFAAAADwAAAAAAAAAAAAAAAAAAAkUAAAAAQAAABQAAAAUAAAAFAAAAAEAAAAAAAAAZAAAAGQAAAAAAAAAZAAAAGQAAAAVAAAAYAAAAAAAAAAAAAAADwAAACADAAAAAAAAAAAAAAEAAACgMgAAVgcAAKr4//8BAAAAf39/AAEAAABkAAAAAAAAABQAAABAHwAAAAAAACYAAAAAAAAAwOD//wAAAAAmAAAAZAAAABYAAABMAAAAAAAAAAAAAAAEAAAAAAAAAAEAAACAgIAKAAAAACgAAAAoAAAAZAAAAGQAAAAAAAAAzMzMAAAAAABQAAAAUAAAAGQAAABkAAAAAAAAABcAAAAUAAAAAAAAAAAAAAD/fwAA/38AAAAAAAAJAAAABAAAANw7IAEMAAAAEAAAAAAAAAAAAAAAAAAAAAAAAAAeAAAAaAAAAAAAAAAAAAAAAAAAAAAAAAAAAAAAECcAABAnAAAAAAAAAAAAAAAAAAAAAAAAAAAAAAAAAAAAAAAAAAAAABQAAAAAAAAAwMD/AAAAAABkAAAAMgAAAAAAAABkAAAAAAAAAH9/fwAKAAAAIgAAABgAAAAAAAAAAAAAAAAAAAAAAAAAAAAAAAAAAAAkAAAAJAAAAAAAAAAHAAAAAAAAAAAAAAAAAAAAAAAAAAAAAAAAAAAAf39/ACUAAABYAAAAAAAAAAAAAAAAAAAAAAAAAAAAAAAAAAAAAAAAAAAAAAAAAAAAAAAAAAAAAAA/AAAAAAAAAKCGAQAAAAAAAAAAAAAAAAAMAAAAAQAAAAAAAAAAAAAAAAAAAB8AAABUAAAAAAAABQAAAAEAAAAAAAAAAAAAAAAAAAAAAAAAAAAAAAAAAAAAAAAAAAAAAAJ/f38AAAAAA8zMzADAwP8Af39/AAAAAAAAAAAAAAAAAAAAAAAAAAAAIQAAABgAAAAUAAAAwTUAABsnAABARwAAWSkAABAAAAAmAAAACAAAAAAAAAAAAAAAMAAAABQAAAAAAAAAAAD//wAAAQAAAP//AAABAA=="/>
+                <pr:smNativeData xmlns:pr="smNativeData" xmlns="smNativeData" val="SMDATA_17_WnaBYRMAAAAlAAAAZAAAAA8BAAAAkAAAAEgAAACQAAAASAAAAAAAAAABAAAAAAAAAAEAAABQAAAAAAAAAAAA4D8AAAAAAADgPwAAAAAAAOA/AAAAAAAA4D8AAAAAAADgPwAAAAAAAOA/AAAAAAAA4D8AAAAAAADgPwAAAAAAAOA/AAAAAAAA4D8CAAAAjAAAAAAAAAAAAAAAu+DjDP///wgAAAAAAAAAAAAAAAAAAAAAAAAAAAAAAAAAAAAAZAAAAAEAAABAAAAAAAAAAAAAAAAAAAAAAAAAAAAAAAAAAAAAAAAAAAAAAAAAAAAAAAAAAAAAAAAAAAAAAAAAAAAAAAAAAAAAAAAAAAAAAAAAAAAAAAAAAAAAAAAAAAAAFAAAADwAAAAAAAAAAAAAAAAAAAkUAAAAAQAAABQAAAAUAAAAFAAAAAEAAAAAAAAAZAAAAGQAAAAAAAAAZAAAAGQAAAAVAAAAYAAAAAAAAAAAAAAADwAAACADAAAAAAAAAAAAAAEAAACgMgAAVgcAAKr4//8BAAAAf39/AAEAAABkAAAAAAAAABQAAABAHwAAAAAAACYAAAAAAAAAwOD//wAAAAAmAAAAZAAAABYAAABMAAAAAAAAAAAAAAAEAAAAAAAAAAEAAACAgIAKAAAAACgAAAAoAAAAZAAAAGQAAAAAAAAAzMzMAAAAAABQAAAAUAAAAGQAAABkAAAAAAAAABcAAAAUAAAAAAAAAAAAAAD/fwAA/38AAAAAAAAJAAAABAAAANw7IAEMAAAAEAAAAAAAAAAAAAAAAAAAAAAAAAAeAAAAaAAAAAAAAAAAAAAAAAAAAAAAAAAAAAAAECcAABAnAAAAAAAAAAAAAAAAAAAAAAAAAAAAAAAAAAAAAAAAAAAAABQAAAAAAAAAwMD/AAAAAABkAAAAMgAAAAAAAABkAAAAAAAAAH9/fwAKAAAAIgAAABgAAAAAAAAAAAAAAAAAAAAAAAAAAAAAAAAAAAAkAAAAJAAAAAAAAAAHAAAAAAAAAAAAAAAAAAAAAAAAAAAAAAAAAAAAf39/ACUAAABYAAAAAAAAAAAAAAAAAAAAAAAAAAAAAAAAAAAAAAAAAAAAAAAAAAAAAAAAAAAAAAA/AAAAAAAAAKCGAQAAAAAAAAAAAAAAAAAMAAAAAQAAAAAAAAAAAAAAAAAAAB8AAABUAAAAAAAABQAAAAEAAAAAAAAAAAAAAAAAAAAAAAAAAAAAAAAAAAAAAAAAAAAAAAJ/f38AAAAAA8zMzADAwP8Af39/AAAAAAAAAAAAAAAAAAAAAAAAAAAAIQAAABgAAAAUAAAAwTUAABsnAABARwAAWSkAABAAAAAmAAAACAAAAAAAAAAAAAAAMAAAABQAAAAAAAAAAAD//wAAAQAAAP//AAABAA=="/>
               </a:ext>
             </a:extLst>
           </p:cNvSpPr>
@@ -1186,7 +1186,7 @@
           <a:lstStyle/>
           <a:p>
             <a:pPr/>
-            <a:fld id="{03458A47-09EE-107C-A0FD-FF29C4B356AA}" type="slidenum">
+            <a:fld id="{6BDF09D7-9986-8AFF-C867-6FAA47293E3A}" type="slidenum">
               <a:t/>
             </a:fld>
           </a:p>
@@ -1225,7 +1225,7 @@
             <a:spLocks noGrp="1" noChangeArrowheads="1"/>
             <a:extLst>
               <a:ext uri="smNativeData">
-                <pr:smNativeData xmlns:pr="smNativeData" xmlns="smNativeData" val="SMDATA_17_MUmAYRMAAAAlAAAAZAAAAA8BAAAAkAAAAEgAAACQAAAASAAAAAAAAAABAAAAAAAAAAEAAABQAAAAAAAAAAAA4D8AAAAAAADgPwAAAAAAAOA/AAAAAAAA4D8AAAAAAADgPwAAAAAAAOA/AAAAAAAA4D8AAAAAAADgPwAAAAAAAOA/AAAAAAAA4D8CAAAAjAAAAAAAAAAAAAAAu+DjDP///wgAAAAAAAAAAAAAAAAAAAAAAAAAAAAAAAAAAAAAZAAAAAEAAABAAAAAAAAAAAAAAAAAAAAAAAAAAAAAAAAAAAAAAAAAAAAAAAAAAAAAAAAAAAAAAAAAAAAAAAAAAAAAAAAAAAAAAAAAAAAAAAAAAAAAAAAAAAAAAAAAAAAAFAAAADwAAAAAAAAAAAAAAAAAAAkUAAAAAQAAABQAAAAUAAAAFAAAAAEAAAAAAAAAZAAAAGQAAAAAAAAAZAAAAGQAAAAVAAAAYAAAAAAAAAAAAAAADwAAACADAAAAAAAAAAAAAAEAAACgMgAAVgcAAKr4//8BAAAAf39/AAEAAABkAAAAAAAAABQAAABAHwAAAAAAACYAAAAAAAAAwOD//wAAAAAmAAAAZAAAABYAAABMAAAAAAAAAAAAAAAEAAAAAAAAAAEAAACAgIAKAAAAACgAAAAoAAAAZAAAAGQAAAAAAAAAzMzMAAAAAABQAAAAUAAAAGQAAABkAAAAAAAAABcAAAAUAAAAAAAAAAAAAAD/fwAA/38AAAAAAAAJAAAABAAAANw7IAEMAAAAEAAAAAAAAAAAAAAAAAAAAAAAAAAeAAAAaAAAAAAAAAAAAAAAAAAAAAAAAAAAAAAAECcAABAnAAAAAAAAAAAAAAAAAAAAAAAAAAAAAAAAAAAAAAAAAAAAABQAAAAAAAAAwMD/AAAAAABkAAAAMgAAAAAAAABkAAAAAAAAAH9/fwAKAAAAIgAAABgAAAAAAAAAAAAAAAAAAAAAAAAAAAAAAAAAAAAkAAAAJAAAAAAAAAAHAAAAAAAAAAAAAAAAAAAAAAAAAAAAAAAAAAAAf39/ACUAAABYAAAAAAAAAAAAAAAAAAAAAAAAAAAAAAAAAAAAAAAAAAAAAAAAAAAAAAAAAAAAAAA/AAAAAAAAAKCGAQAAAAAAAAAAAAAAAAAMAAAAAQAAAAAAAAAAAAAAAAAAAB8AAABUAAAAAAAABQAAAAEAAAAAAAAAAAAAAAAAAAAAAAAAAAAAAAAAAAAAAAAAAAAAAAJ/f38AAAAAA8zMzADAwP8Af39/AAAAAAAAAAAAAAAAAAAAAAAAAAAAIQAAABgAAAAUAAAAwAMAALABAABARwAAuAgAABAAAAAmAAAACAAAAAAAAAAAAAAAMAAAABQAAAAAAAAAAAD//wAAAQAAAP//AAABAA=="/>
+                <pr:smNativeData xmlns:pr="smNativeData" xmlns="smNativeData" val="SMDATA_17_WnaBYRMAAAAlAAAAZAAAAA8BAAAAkAAAAEgAAACQAAAASAAAAAAAAAABAAAAAAAAAAEAAABQAAAAAAAAAAAA4D8AAAAAAADgPwAAAAAAAOA/AAAAAAAA4D8AAAAAAADgPwAAAAAAAOA/AAAAAAAA4D8AAAAAAADgPwAAAAAAAOA/AAAAAAAA4D8CAAAAjAAAAAAAAAAAAAAAu+DjDP///wgAAAAAAAAAAAAAAAAAAAAAAAAAAAAAAAAAAAAAZAAAAAEAAABAAAAAAAAAAAAAAAAAAAAAAAAAAAAAAAAAAAAAAAAAAAAAAAAAAAAAAAAAAAAAAAAAAAAAAAAAAAAAAAAAAAAAAAAAAAAAAAAAAAAAAAAAAAAAAAAAAAAAFAAAADwAAAAAAAAAAAAAAAAAAAkUAAAAAQAAABQAAAAUAAAAFAAAAAEAAAAAAAAAZAAAAGQAAAAAAAAAZAAAAGQAAAAVAAAAYAAAAAAAAAAAAAAADwAAACADAAAAAAAAAAAAAAEAAACgMgAAVgcAAKr4//8BAAAAf39/AAEAAABkAAAAAAAAABQAAABAHwAAAAAAACYAAAAAAAAAwOD//wAAAAAmAAAAZAAAABYAAABMAAAAAAAAAAAAAAAEAAAAAAAAAAEAAACAgIAKAAAAACgAAAAoAAAAZAAAAGQAAAAAAAAAzMzMAAAAAABQAAAAUAAAAGQAAABkAAAAAAAAABcAAAAUAAAAAAAAAAAAAAD/fwAA/38AAAAAAAAJAAAABAAAANw7IAEMAAAAEAAAAAAAAAAAAAAAAAAAAAAAAAAeAAAAaAAAAAAAAAAAAAAAAAAAAAAAAAAAAAAAECcAABAnAAAAAAAAAAAAAAAAAAAAAAAAAAAAAAAAAAAAAAAAAAAAABQAAAAAAAAAwMD/AAAAAABkAAAAMgAAAAAAAABkAAAAAAAAAH9/fwAKAAAAIgAAABgAAAAAAAAAAAAAAAAAAAAAAAAAAAAAAAAAAAAkAAAAJAAAAAAAAAAHAAAAAAAAAAAAAAAAAAAAAAAAAAAAAAAAAAAAf39/ACUAAABYAAAAAAAAAAAAAAAAAAAAAAAAAAAAAAAAAAAAAAAAAAAAAAAAAAAAAAAAAAAAAAA/AAAAAAAAAKCGAQAAAAAAAAAAAAAAAAAMAAAAAQAAAAAAAAAAAAAAAAAAAB8AAABUAAAAAAAABQAAAAEAAAAAAAAAAAAAAAAAAAAAAAAAAAAAAAAAAAAAAAAAAAAAAAJ/f38AAAAAA8zMzADAwP8Af39/AAAAAAAAAAAAAAAAAAAAAAAAAAAAIQAAABgAAAAUAAAAwAMAALABAABARwAAuAgAABAAAAAmAAAACAAAAAAAAAAAAAAAMAAAABQAAAAAAAAAAAD//wAAAQAAAP//AAABAA=="/>
               </a:ext>
             </a:extLst>
           </p:cNvSpPr>
@@ -1252,7 +1252,7 @@
             <a:spLocks noGrp="1" noChangeArrowheads="1"/>
             <a:extLst>
               <a:ext uri="smNativeData">
-                <pr:smNativeData xmlns:pr="smNativeData" xmlns="smNativeData" val="SMDATA_17_MUmAYRMAAAAlAAAAZAAAAA8BAAAAkAAAAEgAAACQAAAASAAAAAAAAAAAAAAAAAAAAAEAAABQAAAAAAAAAAAA4D8AAAAAAADgPwAAAAAAAOA/AAAAAAAA4D8AAAAAAADgPwAAAAAAAOA/AAAAAAAA4D8AAAAAAADgPwAAAAAAAOA/AAAAAAAA4D8CAAAAjAAAAAAAAAAAAAAAu+DjDP///wgAAAAAAAAAAAAAAAAAAAAAAAAAAAAAAAAAAAAAZAAAAAEAAABAAAAAAAAAAAAAAAAAAAAAAAAAAAAAAAAAAAAAAAAAAAAAAAAAAAAAAAAAAAAAAAAAAAAAAAAAAAAAAAAAAAAAAAAAAAAAAAAAAAAAAAAAAAAAAAAAAAAAFAAAADwAAAAAAAAAAAAAAAAAAAkUAAAAAQAAABQAAAAUAAAAFAAAAAEAAAAAAAAAZAAAAGQAAAAAAAAAZAAAAGQAAAAVAAAAYAAAAAAAAAAAAAAADwAAACADAAAAAAAAAAAAAAEAAACgMgAAVgcAAKr4//8BAAAAf39/AAEAAABkAAAAAAAAABQAAABAHwAAAAAAACYAAAAAAAAAwOD//wAAAAAmAAAAZAAAABYAAABMAAAAAAAAAAAAAAAEAAAAAAAAAAEAAACAgIAKAAAAACgAAAAoAAAAZAAAAGQAAAAAAAAAzMzMAAAAAABQAAAAUAAAAGQAAABkAAAAAAAAABcAAAAUAAAAAAAAAAAAAAD/fwAA/38AAAAAAAAJAAAABAAAANw7IAEMAAAAEAAAAAAAAAAAAAAAAAAAAAAAAAAeAAAAaAAAAAAAAAAAAAAAAAAAAAAAAAAAAAAAECcAABAnAAAAAAAAAAAAAAAAAAAAAAAAAAAAAAAAAAAAAAAAAAAAABQAAAAAAAAAwMD/AAAAAABkAAAAMgAAAAAAAABkAAAAAAAAAH9/fwAKAAAAIgAAABgAAAAAAAAAAAAAAAAAAAAAAAAAAAAAAAAAAAAkAAAAJAAAAAAAAAAHAAAAAAAAAAAAAAAAAAAAAAAAAAAAAAAAAAAAf39/ACUAAABYAAAAAAAAAAAAAAAAAAAAAAAAAAAAAAAAAAAAAAAAAAAAAAAAAAAAAAAAAAAAAAA/AAAAAAAAAKCGAQAAAAAAAAAAAAAAAAAMAAAAAQAAAAAAAAAAAAAAAAAAAB8AAABUAAAAAAAABQAAAAEAAAAAAAAAAAAAAAAAAAAAAAAAAAAAAAAAAAAAAAAAAAAAAAJ/f38AAAAAA8zMzADAwP8Af39/AAAAAAAAAAAAAAAAAAAAAAAAAAAAIQAAABgAAAAUAAAAwAMAANgJAADhJAAAsCUAABAAAAAmAAAACAAAAAGAAAAAAAAAMAAAABQAAAAAAAAAAAD//wAAAQAAAP//AAABAA=="/>
+                <pr:smNativeData xmlns:pr="smNativeData" xmlns="smNativeData" val="SMDATA_17_WnaBYRMAAAAlAAAAZAAAAA8BAAAAkAAAAEgAAACQAAAASAAAAAAAAAAAAAAAAAAAAAEAAABQAAAAAAAAAAAA4D8AAAAAAADgPwAAAAAAAOA/AAAAAAAA4D8AAAAAAADgPwAAAAAAAOA/AAAAAAAA4D8AAAAAAADgPwAAAAAAAOA/AAAAAAAA4D8CAAAAjAAAAAAAAAAAAAAAu+DjDP///wgAAAAAAAAAAAAAAAAAAAAAAAAAAAAAAAAAAAAAZAAAAAEAAABAAAAAAAAAAAAAAAAAAAAAAAAAAAAAAAAAAAAAAAAAAAAAAAAAAAAAAAAAAAAAAAAAAAAAAAAAAAAAAAAAAAAAAAAAAAAAAAAAAAAAAAAAAAAAAAAAAAAAFAAAADwAAAAAAAAAAAAAAAAAAAkUAAAAAQAAABQAAAAUAAAAFAAAAAEAAAAAAAAAZAAAAGQAAAAAAAAAZAAAAGQAAAAVAAAAYAAAAAAAAAAAAAAADwAAACADAAAAAAAAAAAAAAEAAACgMgAAVgcAAKr4//8BAAAAf39/AAEAAABkAAAAAAAAABQAAABAHwAAAAAAACYAAAAAAAAAwOD//wAAAAAmAAAAZAAAABYAAABMAAAAAAAAAAAAAAAEAAAAAAAAAAEAAACAgIAKAAAAACgAAAAoAAAAZAAAAGQAAAAAAAAAzMzMAAAAAABQAAAAUAAAAGQAAABkAAAAAAAAABcAAAAUAAAAAAAAAAAAAAD/fwAA/38AAAAAAAAJAAAABAAAANw7IAEMAAAAEAAAAAAAAAAAAAAAAAAAAAAAAAAeAAAAaAAAAAAAAAAAAAAAAAAAAAAAAAAAAAAAECcAABAnAAAAAAAAAAAAAAAAAAAAAAAAAAAAAAAAAAAAAAAAAAAAABQAAAAAAAAAwMD/AAAAAABkAAAAMgAAAAAAAABkAAAAAAAAAH9/fwAKAAAAIgAAABgAAAAAAAAAAAAAAAAAAAAAAAAAAAAAAAAAAAAkAAAAJAAAAAAAAAAHAAAAAAAAAAAAAAAAAAAAAAAAAAAAAAAAAAAAf39/ACUAAABYAAAAAAAAAAAAAAAAAAAAAAAAAAAAAAAAAAAAAAAAAAAAAAAAAAAAAAAAAAAAAAA/AAAAAAAAAKCGAQAAAAAAAAAAAAAAAAAMAAAAAQAAAAAAAAAAAAAAAAAAAB8AAABUAAAAAAAABQAAAAEAAAAAAAAAAAAAAAAAAAAAAAAAAAAAAAAAAAAAAAAAAAAAAAJ/f38AAAAAA8zMzADAwP8Af39/AAAAAAAAAAAAAAAAAAAAAAAAAAAAIQAAABgAAAAUAAAAwAMAANgJAADhJAAAsCUAABAAAAAmAAAACAAAAAGAAAAAAAAAMAAAABQAAAAAAAAAAAD//wAAAQAAAP//AAABAA=="/>
               </a:ext>
             </a:extLst>
           </p:cNvSpPr>
@@ -1336,7 +1336,7 @@
             <a:spLocks noGrp="1" noChangeArrowheads="1"/>
             <a:extLst>
               <a:ext uri="smNativeData">
-                <pr:smNativeData xmlns:pr="smNativeData" xmlns="smNativeData" val="SMDATA_17_MUmAYRMAAAAlAAAAZAAAAA8BAAAAkAAAAEgAAACQAAAASAAAAAAAAAAAAAAAAAAAAAEAAABQAAAAAAAAAAAA4D8AAAAAAADgPwAAAAAAAOA/AAAAAAAA4D8AAAAAAADgPwAAAAAAAOA/AAAAAAAA4D8AAAAAAADgPwAAAAAAAOA/AAAAAAAA4D8CAAAAjAAAAAAAAAAAAAAAu+DjDP///wgAAAAAAAAAAAAAAAAAAAAAAAAAAAAAAAAAAAAAZAAAAAEAAABAAAAAAAAAAAAAAAAAAAAAAAAAAAAAAAAAAAAAAAAAAAAAAAAAAAAAAAAAAAAAAAAAAAAAAAAAAAAAAAAAAAAAAAAAAAAAAAAAAAAAAAAAAAAAAAAAAAAAFAAAADwAAAAAAAAAAAAAAAAAAAkUAAAAAQAAABQAAAAUAAAAFAAAAAEAAAAAAAAAZAAAAGQAAAAAAAAAZAAAAGQAAAAVAAAAYAAAAAAAAAAAAAAADwAAACADAAAAAAAAAAAAAAEAAACgMgAAVgcAAKr4//8BAAAAf39/AAEAAABkAAAAAAAAABQAAABAHwAAAAAAACYAAAAAAAAAwOD//wAAAAAmAAAAZAAAABYAAABMAAAAAAAAAAAAAAAEAAAAAAAAAAEAAACAgIAKAAAAACgAAAAoAAAAZAAAAGQAAAAAAAAAzMzMAAAAAABQAAAAUAAAAGQAAABkAAAAAAAAABcAAAAUAAAAAAAAAAAAAAD/fwAA/38AAAAAAAAJAAAABAAAANw7IAEMAAAAEAAAAAAAAAAAAAAAAAAAAAAAAAAeAAAAaAAAAAAAAAAAAAAAAAAAAAAAAAAAAAAAECcAABAnAAAAAAAAAAAAAAAAAAAAAAAAAAAAAAAAAAAAAAAAAAAAABQAAAAAAAAAwMD/AAAAAABkAAAAMgAAAAAAAABkAAAAAAAAAH9/fwAKAAAAIgAAABgAAAAAAAAAAAAAAAAAAAAAAAAAAAAAAAAAAAAkAAAAJAAAAAAAAAAHAAAAAAAAAAAAAAAAAAAAAAAAAAAAAAAAAAAAf39/ACUAAABYAAAAAAAAAAAAAAAAAAAAAAAAAAAAAAAAAAAAAAAAAAAAAAAAAAAAAAAAAAAAAAA/AAAAAAAAAKCGAQAAAAAAAAAAAAAAAAAMAAAAAQAAAAAAAAAAAAAAAAAAAB8AAABUAAAAAAAABQAAAAEAAAAAAAAAAAAAAAAAAAAAAAAAAAAAAAAAAAAAAAAAAAAAAAJ/f38AAAAAA8zMzADAwP8Af39/AAAAAAAAAAAAAAAAAAAAAAAAAAAAIQAAABgAAAAUAAAAHyYAANgJAABARwAAsCUAABAAAAAmAAAACAAAAAGAAAAAAAAAMAAAABQAAAAAAAAAAAD//wAAAQAAAP//AAABAA=="/>
+                <pr:smNativeData xmlns:pr="smNativeData" xmlns="smNativeData" val="SMDATA_17_WnaBYRMAAAAlAAAAZAAAAA8BAAAAkAAAAEgAAACQAAAASAAAAAAAAAAAAAAAAAAAAAEAAABQAAAAAAAAAAAA4D8AAAAAAADgPwAAAAAAAOA/AAAAAAAA4D8AAAAAAADgPwAAAAAAAOA/AAAAAAAA4D8AAAAAAADgPwAAAAAAAOA/AAAAAAAA4D8CAAAAjAAAAAAAAAAAAAAAu+DjDP///wgAAAAAAAAAAAAAAAAAAAAAAAAAAAAAAAAAAAAAZAAAAAEAAABAAAAAAAAAAAAAAAAAAAAAAAAAAAAAAAAAAAAAAAAAAAAAAAAAAAAAAAAAAAAAAAAAAAAAAAAAAAAAAAAAAAAAAAAAAAAAAAAAAAAAAAAAAAAAAAAAAAAAFAAAADwAAAAAAAAAAAAAAAAAAAkUAAAAAQAAABQAAAAUAAAAFAAAAAEAAAAAAAAAZAAAAGQAAAAAAAAAZAAAAGQAAAAVAAAAYAAAAAAAAAAAAAAADwAAACADAAAAAAAAAAAAAAEAAACgMgAAVgcAAKr4//8BAAAAf39/AAEAAABkAAAAAAAAABQAAABAHwAAAAAAACYAAAAAAAAAwOD//wAAAAAmAAAAZAAAABYAAABMAAAAAAAAAAAAAAAEAAAAAAAAAAEAAACAgIAKAAAAACgAAAAoAAAAZAAAAGQAAAAAAAAAzMzMAAAAAABQAAAAUAAAAGQAAABkAAAAAAAAABcAAAAUAAAAAAAAAAAAAAD/fwAA/38AAAAAAAAJAAAABAAAANw7IAEMAAAAEAAAAAAAAAAAAAAAAAAAAAAAAAAeAAAAaAAAAAAAAAAAAAAAAAAAAAAAAAAAAAAAECcAABAnAAAAAAAAAAAAAAAAAAAAAAAAAAAAAAAAAAAAAAAAAAAAABQAAAAAAAAAwMD/AAAAAABkAAAAMgAAAAAAAABkAAAAAAAAAH9/fwAKAAAAIgAAABgAAAAAAAAAAAAAAAAAAAAAAAAAAAAAAAAAAAAkAAAAJAAAAAAAAAAHAAAAAAAAAAAAAAAAAAAAAAAAAAAAAAAAAAAAf39/ACUAAABYAAAAAAAAAAAAAAAAAAAAAAAAAAAAAAAAAAAAAAAAAAAAAAAAAAAAAAAAAAAAAAA/AAAAAAAAAKCGAQAAAAAAAAAAAAAAAAAMAAAAAQAAAAAAAAAAAAAAAAAAAB8AAABUAAAAAAAABQAAAAEAAAAAAAAAAAAAAAAAAAAAAAAAAAAAAAAAAAAAAAAAAAAAAAJ/f38AAAAAA8zMzADAwP8Af39/AAAAAAAAAAAAAAAAAAAAAAAAAAAAIQAAABgAAAAUAAAAHyYAANgJAABARwAAsCUAABAAAAAmAAAACAAAAAGAAAAAAAAAMAAAABQAAAAAAAAAAAD//wAAAQAAAP//AAABAA=="/>
               </a:ext>
             </a:extLst>
           </p:cNvSpPr>
@@ -1420,7 +1420,7 @@
             <a:spLocks noGrp="1" noChangeArrowheads="1"/>
             <a:extLst>
               <a:ext uri="smNativeData">
-                <pr:smNativeData xmlns:pr="smNativeData" xmlns="smNativeData" val="SMDATA_17_MUmAYRMAAAAlAAAAZAAAAA8BAAAAkAAAAEgAAACQAAAASAAAAAAAAAABAAAAAAAAAAEAAABQAAAAAAAAAAAA4D8AAAAAAADgPwAAAAAAAOA/AAAAAAAA4D8AAAAAAADgPwAAAAAAAOA/AAAAAAAA4D8AAAAAAADgPwAAAAAAAOA/AAAAAAAA4D8CAAAAjAAAAAAAAAAAAAAAu+DjDP///wgAAAAAAAAAAAAAAAAAAAAAAAAAAAAAAAAAAAAAZAAAAAEAAABAAAAAAAAAAAAAAAAAAAAAAAAAAAAAAAAAAAAAAAAAAAAAAAAAAAAAAAAAAAAAAAAAAAAAAAAAAAAAAAAAAAAAAAAAAAAAAAAAAAAAAAAAAAAAAAAAAAAAFAAAADwAAAAAAAAAAAAAAAAAAAkUAAAAAQAAABQAAAAUAAAAFAAAAAEAAAAAAAAAZAAAAGQAAAAAAAAAZAAAAGQAAAAVAAAAYAAAAAAAAAAAAAAADwAAACADAAAAAAAAAAAAAAEAAACgMgAAVgcAAKr4//8BAAAAf39/AAEAAABkAAAAAAAAABQAAABAHwAAAAAAACYAAAAAAAAAwOD//wAAAAAmAAAAZAAAABYAAABMAAAAAAAAAAAAAAAEAAAAAAAAAAEAAACAgIAKAAAAACgAAAAoAAAAZAAAAGQAAAAAAAAAzMzMAAAAAABQAAAAUAAAAGQAAABkAAAAAAAAABcAAAAUAAAAAAAAAAAAAAD/fwAA/38AAAAAAAAJAAAABAAAANw7IAEMAAAAEAAAAAAAAAAAAAAAAAAAAAAAAAAeAAAAaAAAAAAAAAAAAAAAAAAAAAAAAAAAAAAAECcAABAnAAAAAAAAAAAAAAAAAAAAAAAAAAAAAAAAAAAAAAAAAAAAABQAAAAAAAAAwMD/AAAAAABkAAAAMgAAAAAAAABkAAAAAAAAAH9/fwAKAAAAIgAAABgAAAAAAAAAAAAAAAAAAAAAAAAAAAAAAAAAAAAkAAAAJAAAAAAAAAAHAAAAAAAAAAAAAAAAAAAAAAAAAAAAAAAAAAAAf39/ACUAAABYAAAAAAAAAAAAAAAAAAAAAAAAAAAAAAAAAAAAAAAAAAAAAAAAAAAAAAAAAAAAAAA/AAAAAAAAAKCGAQAAAAAAAAAAAAAAAAAMAAAAAQAAAAAAAAAAAAAAAAAAAB8AAABUAAAAAAAABQAAAAEAAAAAAAAAAAAAAAAAAAAAAAAAAAAAAAAAAAAAAAAAAAAAAAJ/f38AAAAAA8zMzADAwP8Af39/AAAAAAAAAAAAAAAAAAAAAAAAAAAAIQAAABgAAAAUAAAAwAMAABsnAAA/FQAAWSkAABAAAAAmAAAACAAAAAAAAAAAAAAAMAAAABQAAAAAAAAAAAD//wAAAQAAAP//AAABAA=="/>
+                <pr:smNativeData xmlns:pr="smNativeData" xmlns="smNativeData" val="SMDATA_17_WnaBYRMAAAAlAAAAZAAAAA8BAAAAkAAAAEgAAACQAAAASAAAAAAAAAABAAAAAAAAAAEAAABQAAAAAAAAAAAA4D8AAAAAAADgPwAAAAAAAOA/AAAAAAAA4D8AAAAAAADgPwAAAAAAAOA/AAAAAAAA4D8AAAAAAADgPwAAAAAAAOA/AAAAAAAA4D8CAAAAjAAAAAAAAAAAAAAAu+DjDP///wgAAAAAAAAAAAAAAAAAAAAAAAAAAAAAAAAAAAAAZAAAAAEAAABAAAAAAAAAAAAAAAAAAAAAAAAAAAAAAAAAAAAAAAAAAAAAAAAAAAAAAAAAAAAAAAAAAAAAAAAAAAAAAAAAAAAAAAAAAAAAAAAAAAAAAAAAAAAAAAAAAAAAFAAAADwAAAAAAAAAAAAAAAAAAAkUAAAAAQAAABQAAAAUAAAAFAAAAAEAAAAAAAAAZAAAAGQAAAAAAAAAZAAAAGQAAAAVAAAAYAAAAAAAAAAAAAAADwAAACADAAAAAAAAAAAAAAEAAACgMgAAVgcAAKr4//8BAAAAf39/AAEAAABkAAAAAAAAABQAAABAHwAAAAAAACYAAAAAAAAAwOD//wAAAAAmAAAAZAAAABYAAABMAAAAAAAAAAAAAAAEAAAAAAAAAAEAAACAgIAKAAAAACgAAAAoAAAAZAAAAGQAAAAAAAAAzMzMAAAAAABQAAAAUAAAAGQAAABkAAAAAAAAABcAAAAUAAAAAAAAAAAAAAD/fwAA/38AAAAAAAAJAAAABAAAANw7IAEMAAAAEAAAAAAAAAAAAAAAAAAAAAAAAAAeAAAAaAAAAAAAAAAAAAAAAAAAAAAAAAAAAAAAECcAABAnAAAAAAAAAAAAAAAAAAAAAAAAAAAAAAAAAAAAAAAAAAAAABQAAAAAAAAAwMD/AAAAAABkAAAAMgAAAAAAAABkAAAAAAAAAH9/fwAKAAAAIgAAABgAAAAAAAAAAAAAAAAAAAAAAAAAAAAAAAAAAAAkAAAAJAAAAAAAAAAHAAAAAAAAAAAAAAAAAAAAAAAAAAAAAAAAAAAAf39/ACUAAABYAAAAAAAAAAAAAAAAAAAAAAAAAAAAAAAAAAAAAAAAAAAAAAAAAAAAAAAAAAAAAAA/AAAAAAAAAKCGAQAAAAAAAAAAAAAAAAAMAAAAAQAAAAAAAAAAAAAAAAAAAB8AAABUAAAAAAAABQAAAAEAAAAAAAAAAAAAAAAAAAAAAAAAAAAAAAAAAAAAAAAAAAAAAAJ/f38AAAAAA8zMzADAwP8Af39/AAAAAAAAAAAAAAAAAAAAAAAAAAAAIQAAABgAAAAUAAAAwAMAABsnAAA/FQAAWSkAABAAAAAmAAAACAAAAAAAAAAAAAAAMAAAABQAAAAAAAAAAAD//wAAAQAAAP//AAABAA=="/>
               </a:ext>
             </a:extLst>
           </p:cNvSpPr>
@@ -1434,7 +1434,7 @@
           <a:lstStyle/>
           <a:p>
             <a:pPr/>
-            <a:fld id="{45C8E709-47A8-9D11-E670-B144A93E10E4}" type="datetime1">
+            <a:fld id="{7B154BAB-E596-40BD-D8AD-13E805E32E46}" type="datetime1">
               <a:t/>
             </a:fld>
           </a:p>
@@ -1447,7 +1447,7 @@
             <a:spLocks noGrp="1" noChangeArrowheads="1"/>
             <a:extLst>
               <a:ext uri="smNativeData">
-                <pr:smNativeData xmlns:pr="smNativeData" xmlns="smNativeData" val="SMDATA_17_MUmAYRMAAAAlAAAAZAAAAA8BAAAAkAAAAEgAAACQAAAASAAAAAAAAAABAAAAAAAAAAEAAABQAAAAAAAAAAAA4D8AAAAAAADgPwAAAAAAAOA/AAAAAAAA4D8AAAAAAADgPwAAAAAAAOA/AAAAAAAA4D8AAAAAAADgPwAAAAAAAOA/AAAAAAAA4D8CAAAAjAAAAAAAAAAAAAAAu+DjDP///wgAAAAAAAAAAAAAAAAAAAAAAAAAAAAAAAAAAAAAZAAAAAEAAABAAAAAAAAAAAAAAAAAAAAAAAAAAAAAAAAAAAAAAAAAAAAAAAAAAAAAAAAAAAAAAAAAAAAAAAAAAAAAAAAAAAAAAAAAAAAAAAAAAAAAAAAAAAAAAAAAAAAAFAAAADwAAAAAAAAAAAAAAAAAAAkUAAAAAQAAABQAAAAUAAAAFAAAAAEAAAAAAAAAZAAAAGQAAAAAAAAAZAAAAGQAAAAVAAAAYAAAAAAAAAAAAAAADwAAACADAAAAAAAAAAAAAAEAAACgMgAAVgcAAKr4//8BAAAAf39/AAEAAABkAAAAAAAAABQAAABAHwAAAAAAACYAAAAAAAAAwOD//wAAAAAmAAAAZAAAABYAAABMAAAAAAAAAAAAAAAEAAAAAAAAAAEAAACAgIAKAAAAACgAAAAoAAAAZAAAAGQAAAAAAAAAzMzMAAAAAABQAAAAUAAAAGQAAABkAAAAAAAAABcAAAAUAAAAAAAAAAAAAAD/fwAA/38AAAAAAAAJAAAABAAAANw7IAEMAAAAEAAAAAAAAAAAAAAAAAAAAAAAAAAeAAAAaAAAAAAAAAAAAAAAAAAAAAAAAAAAAAAAECcAABAnAAAAAAAAAAAAAAAAAAAAAAAAAAAAAAAAAAAAAAAAAAAAABQAAAAAAAAAwMD/AAAAAABkAAAAMgAAAAAAAABkAAAAAAAAAH9/fwAKAAAAIgAAABgAAAAAAAAAAAAAAAAAAAAAAAAAAAAAAAAAAAAkAAAAJAAAAAAAAAAHAAAAAAAAAAAAAAAAAAAAAAAAAAAAAAAAAAAAf39/ACUAAABYAAAAAAAAAAAAAAAAAAAAAAAAAAAAAAAAAAAAAAAAAAAAAAAAAAAAAAAAAAAAAAA/AAAAAAAAAKCGAQAAAAAAAAAAAAAAAAAMAAAAAQAAAAAAAAAAAAAAAAAAAB8AAABUAAAAAAAABQAAAAEAAAAAAAAAAAAAAAAAAAAAAAAAAAAAAAAAAAAAAAAAAAAAAAJ/f38AAAAAA8zMzADAwP8Af39/AAAAAAAAAAAAAAAAAAAAAAAAAAAAIQAAABgAAAAUAAAAoRkAABsnAABfMQAAWSkAABAAAAAmAAAACAAAAAAAAAAAAAAAMAAAABQAAAAAAAAAAAD//wAAAQAAAP//AAABAA=="/>
+                <pr:smNativeData xmlns:pr="smNativeData" xmlns="smNativeData" val="SMDATA_17_WnaBYRMAAAAlAAAAZAAAAA8BAAAAkAAAAEgAAACQAAAASAAAAAAAAAABAAAAAAAAAAEAAABQAAAAAAAAAAAA4D8AAAAAAADgPwAAAAAAAOA/AAAAAAAA4D8AAAAAAADgPwAAAAAAAOA/AAAAAAAA4D8AAAAAAADgPwAAAAAAAOA/AAAAAAAA4D8CAAAAjAAAAAAAAAAAAAAAu+DjDP///wgAAAAAAAAAAAAAAAAAAAAAAAAAAAAAAAAAAAAAZAAAAAEAAABAAAAAAAAAAAAAAAAAAAAAAAAAAAAAAAAAAAAAAAAAAAAAAAAAAAAAAAAAAAAAAAAAAAAAAAAAAAAAAAAAAAAAAAAAAAAAAAAAAAAAAAAAAAAAAAAAAAAAFAAAADwAAAAAAAAAAAAAAAAAAAkUAAAAAQAAABQAAAAUAAAAFAAAAAEAAAAAAAAAZAAAAGQAAAAAAAAAZAAAAGQAAAAVAAAAYAAAAAAAAAAAAAAADwAAACADAAAAAAAAAAAAAAEAAACgMgAAVgcAAKr4//8BAAAAf39/AAEAAABkAAAAAAAAABQAAABAHwAAAAAAACYAAAAAAAAAwOD//wAAAAAmAAAAZAAAABYAAABMAAAAAAAAAAAAAAAEAAAAAAAAAAEAAACAgIAKAAAAACgAAAAoAAAAZAAAAGQAAAAAAAAAzMzMAAAAAABQAAAAUAAAAGQAAABkAAAAAAAAABcAAAAUAAAAAAAAAAAAAAD/fwAA/38AAAAAAAAJAAAABAAAANw7IAEMAAAAEAAAAAAAAAAAAAAAAAAAAAAAAAAeAAAAaAAAAAAAAAAAAAAAAAAAAAAAAAAAAAAAECcAABAnAAAAAAAAAAAAAAAAAAAAAAAAAAAAAAAAAAAAAAAAAAAAABQAAAAAAAAAwMD/AAAAAABkAAAAMgAAAAAAAABkAAAAAAAAAH9/fwAKAAAAIgAAABgAAAAAAAAAAAAAAAAAAAAAAAAAAAAAAAAAAAAkAAAAJAAAAAAAAAAHAAAAAAAAAAAAAAAAAAAAAAAAAAAAAAAAAAAAf39/ACUAAABYAAAAAAAAAAAAAAAAAAAAAAAAAAAAAAAAAAAAAAAAAAAAAAAAAAAAAAAAAAAAAAA/AAAAAAAAAKCGAQAAAAAAAAAAAAAAAAAMAAAAAQAAAAAAAAAAAAAAAAAAAB8AAABUAAAAAAAABQAAAAEAAAAAAAAAAAAAAAAAAAAAAAAAAAAAAAAAAAAAAAAAAAAAAAJ/f38AAAAAA8zMzADAwP8Af39/AAAAAAAAAAAAAAAAAAAAAAAAAAAAIQAAABgAAAAUAAAAoRkAABsnAABfMQAAWSkAABAAAAAmAAAACAAAAAAAAAAAAAAAMAAAABQAAAAAAAAAAAD//wAAAQAAAP//AAABAA=="/>
               </a:ext>
             </a:extLst>
           </p:cNvSpPr>
@@ -1471,7 +1471,7 @@
             <a:spLocks noGrp="1" noChangeArrowheads="1"/>
             <a:extLst>
               <a:ext uri="smNativeData">
-                <pr:smNativeData xmlns:pr="smNativeData" xmlns="smNativeData" val="SMDATA_17_MUmAYRMAAAAlAAAAZAAAAA8BAAAAkAAAAEgAAACQAAAASAAAAAAAAAABAAAAAAAAAAEAAABQAAAAAAAAAAAA4D8AAAAAAADgPwAAAAAAAOA/AAAAAAAA4D8AAAAAAADgPwAAAAAAAOA/AAAAAAAA4D8AAAAAAADgPwAAAAAAAOA/AAAAAAAA4D8CAAAAjAAAAAAAAAAAAAAAu+DjDP///wgAAAAAAAAAAAAAAAAAAAAAAAAAAAAAAAAAAAAAZAAAAAEAAABAAAAAAAAAAAAAAAAAAAAAAAAAAAAAAAAAAAAAAAAAAAAAAAAAAAAAAAAAAAAAAAAAAAAAAAAAAAAAAAAAAAAAAAAAAAAAAAAAAAAAAAAAAAAAAAAAAAAAFAAAADwAAAAAAAAAAAAAAAAAAAkUAAAAAQAAABQAAAAUAAAAFAAAAAEAAAAAAAAAZAAAAGQAAAAAAAAAZAAAAGQAAAAVAAAAYAAAAAAAAAAAAAAADwAAACADAAAAAAAAAAAAAAEAAACgMgAAVgcAAKr4//8BAAAAf39/AAEAAABkAAAAAAAAABQAAABAHwAAAAAAACYAAAAAAAAAwOD//wAAAAAmAAAAZAAAABYAAABMAAAAAAAAAAAAAAAEAAAAAAAAAAEAAACAgIAKAAAAACgAAAAoAAAAZAAAAGQAAAAAAAAAzMzMAAAAAABQAAAAUAAAAGQAAABkAAAAAAAAABcAAAAUAAAAAAAAAAAAAAD/fwAA/38AAAAAAAAJAAAABAAAANw7IAEMAAAAEAAAAAAAAAAAAAAAAAAAAAAAAAAeAAAAaAAAAAAAAAAAAAAAAAAAAAAAAAAAAAAAECcAABAnAAAAAAAAAAAAAAAAAAAAAAAAAAAAAAAAAAAAAAAAAAAAABQAAAAAAAAAwMD/AAAAAABkAAAAMgAAAAAAAABkAAAAAAAAAH9/fwAKAAAAIgAAABgAAAAAAAAAAAAAAAAAAAAAAAAAAAAAAAAAAAAkAAAAJAAAAAAAAAAHAAAAAAAAAAAAAAAAAAAAAAAAAAAAAAAAAAAAf39/ACUAAABYAAAAAAAAAAAAAAAAAAAAAAAAAAAAAAAAAAAAAAAAAAAAAAAAAAAAAAAAAAAAAAA/AAAAAAAAAKCGAQAAAAAAAAAAAAAAAAAMAAAAAQAAAAAAAAAAAAAAAAAAAB8AAABUAAAAAAAABQAAAAEAAAAAAAAAAAAAAAAAAAAAAAAAAAAAAAAAAAAAAAAAAAAAAAJ/f38AAAAAA8zMzADAwP8Af39/AAAAAAAAAAAAAAAAAAAAAAAAAAAAIQAAABgAAAAUAAAAwTUAABsnAABARwAAWSkAABAAAAAmAAAACAAAAAAAAAAAAAAAMAAAABQAAAAAAAAAAAD//wAAAQAAAP//AAABAA=="/>
+                <pr:smNativeData xmlns:pr="smNativeData" xmlns="smNativeData" val="SMDATA_17_WnaBYRMAAAAlAAAAZAAAAA8BAAAAkAAAAEgAAACQAAAASAAAAAAAAAABAAAAAAAAAAEAAABQAAAAAAAAAAAA4D8AAAAAAADgPwAAAAAAAOA/AAAAAAAA4D8AAAAAAADgPwAAAAAAAOA/AAAAAAAA4D8AAAAAAADgPwAAAAAAAOA/AAAAAAAA4D8CAAAAjAAAAAAAAAAAAAAAu+DjDP///wgAAAAAAAAAAAAAAAAAAAAAAAAAAAAAAAAAAAAAZAAAAAEAAABAAAAAAAAAAAAAAAAAAAAAAAAAAAAAAAAAAAAAAAAAAAAAAAAAAAAAAAAAAAAAAAAAAAAAAAAAAAAAAAAAAAAAAAAAAAAAAAAAAAAAAAAAAAAAAAAAAAAAFAAAADwAAAAAAAAAAAAAAAAAAAkUAAAAAQAAABQAAAAUAAAAFAAAAAEAAAAAAAAAZAAAAGQAAAAAAAAAZAAAAGQAAAAVAAAAYAAAAAAAAAAAAAAADwAAACADAAAAAAAAAAAAAAEAAACgMgAAVgcAAKr4//8BAAAAf39/AAEAAABkAAAAAAAAABQAAABAHwAAAAAAACYAAAAAAAAAwOD//wAAAAAmAAAAZAAAABYAAABMAAAAAAAAAAAAAAAEAAAAAAAAAAEAAACAgIAKAAAAACgAAAAoAAAAZAAAAGQAAAAAAAAAzMzMAAAAAABQAAAAUAAAAGQAAABkAAAAAAAAABcAAAAUAAAAAAAAAAAAAAD/fwAA/38AAAAAAAAJAAAABAAAANw7IAEMAAAAEAAAAAAAAAAAAAAAAAAAAAAAAAAeAAAAaAAAAAAAAAAAAAAAAAAAAAAAAAAAAAAAECcAABAnAAAAAAAAAAAAAAAAAAAAAAAAAAAAAAAAAAAAAAAAAAAAABQAAAAAAAAAwMD/AAAAAABkAAAAMgAAAAAAAABkAAAAAAAAAH9/fwAKAAAAIgAAABgAAAAAAAAAAAAAAAAAAAAAAAAAAAAAAAAAAAAkAAAAJAAAAAAAAAAHAAAAAAAAAAAAAAAAAAAAAAAAAAAAAAAAAAAAf39/ACUAAABYAAAAAAAAAAAAAAAAAAAAAAAAAAAAAAAAAAAAAAAAAAAAAAAAAAAAAAAAAAAAAAA/AAAAAAAAAKCGAQAAAAAAAAAAAAAAAAAMAAAAAQAAAAAAAAAAAAAAAAAAAB8AAABUAAAAAAAABQAAAAEAAAAAAAAAAAAAAAAAAAAAAAAAAAAAAAAAAAAAAAAAAAAAAAJ/f38AAAAAA8zMzADAwP8Af39/AAAAAAAAAAAAAAAAAAAAAAAAAAAAIQAAABgAAAAUAAAAwTUAABsnAABARwAAWSkAABAAAAAmAAAACAAAAAAAAAAAAAAAMAAAABQAAAAAAAAAAAD//wAAAQAAAP//AAABAA=="/>
               </a:ext>
             </a:extLst>
           </p:cNvSpPr>
@@ -1485,7 +1485,7 @@
           <a:lstStyle/>
           <a:p>
             <a:pPr/>
-            <a:fld id="{0FF44ADD-93E2-A1BC-AC4C-65E904025A30}" type="slidenum">
+            <a:fld id="{7821D74D-0395-7421-DB99-F57499D72DA0}" type="slidenum">
               <a:t/>
             </a:fld>
           </a:p>
@@ -1524,7 +1524,7 @@
             <a:spLocks noGrp="1" noChangeArrowheads="1"/>
             <a:extLst>
               <a:ext uri="smNativeData">
-                <pr:smNativeData xmlns:pr="smNativeData" xmlns="smNativeData" val="SMDATA_17_MUmAYRMAAAAlAAAAZAAAAA8BAAAAkAAAAEgAAACQAAAASAAAAAAAAAABAAAAAAAAAAEAAABQAAAAAAAAAAAA4D8AAAAAAADgPwAAAAAAAOA/AAAAAAAA4D8AAAAAAADgPwAAAAAAAOA/AAAAAAAA4D8AAAAAAADgPwAAAAAAAOA/AAAAAAAA4D8CAAAAjAAAAAAAAAAAAAAAu+DjDP///wgAAAAAAAAAAAAAAAAAAAAAAAAAAAAAAAAAAAAAZAAAAAEAAABAAAAAAAAAAAAAAAAAAAAAAAAAAAAAAAAAAAAAAAAAAAAAAAAAAAAAAAAAAAAAAAAAAAAAAAAAAAAAAAAAAAAAAAAAAAAAAAAAAAAAAAAAAAAAAAAAAAAAFAAAADwAAAAAAAAAAAAAAAAAAAkUAAAAAQAAABQAAAAUAAAAFAAAAAEAAAAAAAAAZAAAAGQAAAAAAAAAZAAAAGQAAAAVAAAAYAAAAAAAAAAAAAAADwAAACADAAAAAAAAAAAAAAEAAACgMgAAVgcAAKr4//8BAAAAf39/AAEAAABkAAAAAAAAABQAAABAHwAAAAAAACYAAAAAAAAAwOD//wAAAAAmAAAAZAAAABYAAABMAAAAAAAAAAAAAAAEAAAAAAAAAAEAAACAgIAKAAAAACgAAAAoAAAAZAAAAGQAAAAAAAAAzMzMAAAAAABQAAAAUAAAAGQAAABkAAAAAAAAABcAAAAUAAAAAAAAAAAAAAD/fwAA/38AAAAAAAAJAAAABAAAANw7IAEMAAAAEAAAAAAAAAAAAAAAAAAAAAAAAAAeAAAAaAAAAAAAAAAAAAAAAAAAAAAAAAAAAAAAECcAABAnAAAAAAAAAAAAAAAAAAAAAAAAAAAAAAAAAAAAAAAAAAAAABQAAAAAAAAAwMD/AAAAAABkAAAAMgAAAAAAAABkAAAAAAAAAH9/fwAKAAAAIgAAABgAAAAAAAAAAAAAAAAAAAAAAAAAAAAAAAAAAAAkAAAAJAAAAAAAAAAHAAAAAAAAAAAAAAAAAAAAAAAAAAAAAAAAAAAAf39/ACUAAABYAAAAAAAAAAAAAAAAAAAAAAAAAAAAAAAAAAAAAAAAAAAAAAAAAAAAAAAAAAAAAAA/AAAAAAAAAKCGAQAAAAAAAAAAAAAAAAAMAAAAAQAAAAAAAAAAAAAAAAAAAB8AAABUAAAAAAAABQAAAAEAAAAAAAAAAAAAAAAAAAAAAAAAAAAAAAAAAAAAAAAAAAAAAAJ/f38AAAAAA8zMzADAwP8Af39/AAAAAAAAAAAAAAAAAAAAAAAAAAAAIQAAABgAAAAUAAAAwAMAALABAABARwAAuAgAABAAAAAmAAAACAAAAAAAAAAAAAAAMAAAABQAAAAAAAAAAAD//wAAAQAAAP//AAABAA=="/>
+                <pr:smNativeData xmlns:pr="smNativeData" xmlns="smNativeData" val="SMDATA_17_WnaBYRMAAAAlAAAAZAAAAA8BAAAAkAAAAEgAAACQAAAASAAAAAAAAAABAAAAAAAAAAEAAABQAAAAAAAAAAAA4D8AAAAAAADgPwAAAAAAAOA/AAAAAAAA4D8AAAAAAADgPwAAAAAAAOA/AAAAAAAA4D8AAAAAAADgPwAAAAAAAOA/AAAAAAAA4D8CAAAAjAAAAAAAAAAAAAAAu+DjDP///wgAAAAAAAAAAAAAAAAAAAAAAAAAAAAAAAAAAAAAZAAAAAEAAABAAAAAAAAAAAAAAAAAAAAAAAAAAAAAAAAAAAAAAAAAAAAAAAAAAAAAAAAAAAAAAAAAAAAAAAAAAAAAAAAAAAAAAAAAAAAAAAAAAAAAAAAAAAAAAAAAAAAAFAAAADwAAAAAAAAAAAAAAAAAAAkUAAAAAQAAABQAAAAUAAAAFAAAAAEAAAAAAAAAZAAAAGQAAAAAAAAAZAAAAGQAAAAVAAAAYAAAAAAAAAAAAAAADwAAACADAAAAAAAAAAAAAAEAAACgMgAAVgcAAKr4//8BAAAAf39/AAEAAABkAAAAAAAAABQAAABAHwAAAAAAACYAAAAAAAAAwOD//wAAAAAmAAAAZAAAABYAAABMAAAAAAAAAAAAAAAEAAAAAAAAAAEAAACAgIAKAAAAACgAAAAoAAAAZAAAAGQAAAAAAAAAzMzMAAAAAABQAAAAUAAAAGQAAABkAAAAAAAAABcAAAAUAAAAAAAAAAAAAAD/fwAA/38AAAAAAAAJAAAABAAAANw7IAEMAAAAEAAAAAAAAAAAAAAAAAAAAAAAAAAeAAAAaAAAAAAAAAAAAAAAAAAAAAAAAAAAAAAAECcAABAnAAAAAAAAAAAAAAAAAAAAAAAAAAAAAAAAAAAAAAAAAAAAABQAAAAAAAAAwMD/AAAAAABkAAAAMgAAAAAAAABkAAAAAAAAAH9/fwAKAAAAIgAAABgAAAAAAAAAAAAAAAAAAAAAAAAAAAAAAAAAAAAkAAAAJAAAAAAAAAAHAAAAAAAAAAAAAAAAAAAAAAAAAAAAAAAAAAAAf39/ACUAAABYAAAAAAAAAAAAAAAAAAAAAAAAAAAAAAAAAAAAAAAAAAAAAAAAAAAAAAAAAAAAAAA/AAAAAAAAAKCGAQAAAAAAAAAAAAAAAAAMAAAAAQAAAAAAAAAAAAAAAAAAAB8AAABUAAAAAAAABQAAAAEAAAAAAAAAAAAAAAAAAAAAAAAAAAAAAAAAAAAAAAAAAAAAAAJ/f38AAAAAA8zMzADAwP8Af39/AAAAAAAAAAAAAAAAAAAAAAAAAAAAIQAAABgAAAAUAAAAwAMAALABAABARwAAuAgAABAAAAAmAAAACAAAAAAAAAAAAAAAMAAAABQAAAAAAAAAAAD//wAAAQAAAP//AAABAA=="/>
               </a:ext>
             </a:extLst>
           </p:cNvSpPr>
@@ -1551,7 +1551,7 @@
             <a:spLocks noGrp="1" noChangeArrowheads="1"/>
             <a:extLst>
               <a:ext uri="smNativeData">
-                <pr:smNativeData xmlns:pr="smNativeData" xmlns="smNativeData" val="SMDATA_17_MUmAYRMAAAAlAAAAZAAAAA8BAAAAkAAAAEgAAACQAAAASAAAAAAAAAACAAAAAAAAAAEAAABQAAAAAAAAAAAA4D8AAAAAAADgPwAAAAAAAOA/AAAAAAAA4D8AAAAAAADgPwAAAAAAAOA/AAAAAAAA4D8AAAAAAADgPwAAAAAAAOA/AAAAAAAA4D8CAAAAjAAAAAAAAAAAAAAAu+DjDP///wgAAAAAAAAAAAAAAAAAAAAAAAAAAAAAAAAAAAAAZAAAAAEAAABAAAAAAAAAAAAAAAAAAAAAAAAAAAAAAAAAAAAAAAAAAAAAAAAAAAAAAAAAAAAAAAAAAAAAAAAAAAAAAAAAAAAAAAAAAAAAAAAAAAAAAAAAAAAAAAAAAAAAFAAAADwAAAAAAAAAAAAAAAAAAAkUAAAAAQAAABQAAAAUAAAAFAAAAAEAAAAAAAAAZAAAAGQAAAAAAAAAZAAAAGQAAAAVAAAAYAAAAAAAAAAAAAAADwAAACADAAAAAAAAAAAAAAEAAACgMgAAVgcAAKr4//8BAAAAf39/AAEAAABkAAAAAAAAABQAAABAHwAAAAAAACYAAAAAAAAAwOD//wAAAAAmAAAAZAAAABYAAABMAAAAAAAAAAAAAAAEAAAAAAAAAAEAAACAgIAKAAAAACgAAAAoAAAAZAAAAGQAAAAAAAAAzMzMAAAAAABQAAAAUAAAAGQAAABkAAAAAAAAABcAAAAUAAAAAAAAAAAAAAD/fwAA/38AAAAAAAAJAAAABAAAANw7IAEMAAAAEAAAAAAAAAAAAAAAAAAAAAAAAAAeAAAAaAAAAAAAAAAAAAAAAAAAAAAAAAAAAAAAECcAABAnAAAAAAAAAAAAAAAAAAAAAAAAAAAAAAAAAAAAAAAAAAAAABQAAAAAAAAAwMD/AAAAAABkAAAAMgAAAAAAAABkAAAAAAAAAH9/fwAKAAAAIgAAABgAAAAAAAAAAAAAAAAAAAAAAAAAAAAAAAAAAAAkAAAAJAAAAAAAAAAHAAAAAAAAAAAAAAAAAAAAAAAAAAAAAAAAAAAAf39/ACUAAABYAAAAAAAAAAAAAAAAAAAAAAAAAAAAAAAAAAAAAAAAAAAAAAAAAAAAAAAAAAAAAAA/AAAAAAAAAKCGAQAAAAAAAAAAAAAAAAAMAAAAAQAAAAAAAAAAAAAAAAAAAB8AAABUAAAAAAAABQAAAAEAAAAAAAAAAAAAAAAAAAAAAAAAAAAAAAAAAAAAAAAAAAAAAAJ/f38AAAAAA8zMzADAwP8Af39/AAAAAAAAAAAAAAAAAAAAAAAAAAAAIQAAABgAAAAUAAAAwAMAAHEJAADjJAAAYQ0AABAAAAAmAAAACAAAAIGAAAAAAAAAMAAAABQAAAAAAAAAAAD//wAAAQAAAP//AAABAA=="/>
+                <pr:smNativeData xmlns:pr="smNativeData" xmlns="smNativeData" val="SMDATA_17_WnaBYRMAAAAlAAAAZAAAAA8BAAAAkAAAAEgAAACQAAAASAAAAAAAAAACAAAAAAAAAAEAAABQAAAAAAAAAAAA4D8AAAAAAADgPwAAAAAAAOA/AAAAAAAA4D8AAAAAAADgPwAAAAAAAOA/AAAAAAAA4D8AAAAAAADgPwAAAAAAAOA/AAAAAAAA4D8CAAAAjAAAAAAAAAAAAAAAu+DjDP///wgAAAAAAAAAAAAAAAAAAAAAAAAAAAAAAAAAAAAAZAAAAAEAAABAAAAAAAAAAAAAAAAAAAAAAAAAAAAAAAAAAAAAAAAAAAAAAAAAAAAAAAAAAAAAAAAAAAAAAAAAAAAAAAAAAAAAAAAAAAAAAAAAAAAAAAAAAAAAAAAAAAAAFAAAADwAAAAAAAAAAAAAAAAAAAkUAAAAAQAAABQAAAAUAAAAFAAAAAEAAAAAAAAAZAAAAGQAAAAAAAAAZAAAAGQAAAAVAAAAYAAAAAAAAAAAAAAADwAAACADAAAAAAAAAAAAAAEAAACgMgAAVgcAAKr4//8BAAAAf39/AAEAAABkAAAAAAAAABQAAABAHwAAAAAAACYAAAAAAAAAwOD//wAAAAAmAAAAZAAAABYAAABMAAAAAAAAAAAAAAAEAAAAAAAAAAEAAACAgIAKAAAAACgAAAAoAAAAZAAAAGQAAAAAAAAAzMzMAAAAAABQAAAAUAAAAGQAAABkAAAAAAAAABcAAAAUAAAAAAAAAAAAAAD/fwAA/38AAAAAAAAJAAAABAAAANw7IAEMAAAAEAAAAAAAAAAAAAAAAAAAAAAAAAAeAAAAaAAAAAAAAAAAAAAAAAAAAAAAAAAAAAAAECcAABAnAAAAAAAAAAAAAAAAAAAAAAAAAAAAAAAAAAAAAAAAAAAAABQAAAAAAAAAwMD/AAAAAABkAAAAMgAAAAAAAABkAAAAAAAAAH9/fwAKAAAAIgAAABgAAAAAAAAAAAAAAAAAAAAAAAAAAAAAAAAAAAAkAAAAJAAAAAAAAAAHAAAAAAAAAAAAAAAAAAAAAAAAAAAAAAAAAAAAf39/ACUAAABYAAAAAAAAAAAAAAAAAAAAAAAAAAAAAAAAAAAAAAAAAAAAAAAAAAAAAAAAAAAAAAA/AAAAAAAAAKCGAQAAAAAAAAAAAAAAAAAMAAAAAQAAAAAAAAAAAAAAAAAAAB8AAABUAAAAAAAABQAAAAEAAAAAAAAAAAAAAAAAAAAAAAAAAAAAAAAAAAAAAAAAAAAAAAJ/f38AAAAAA8zMzADAwP8Af39/AAAAAAAAAAAAAAAAAAAAAAAAAAAAIQAAABgAAAAUAAAAwAMAAHEJAADjJAAAYQ0AABAAAAAmAAAACAAAAIGAAAAAAAAAMAAAABQAAAAAAAAAAAD//wAAAQAAAP//AAABAA=="/>
               </a:ext>
             </a:extLst>
           </p:cNvSpPr>
@@ -1624,7 +1624,7 @@
             <a:spLocks noGrp="1" noChangeArrowheads="1"/>
             <a:extLst>
               <a:ext uri="smNativeData">
-                <pr:smNativeData xmlns:pr="smNativeData" xmlns="smNativeData" val="SMDATA_17_MUmAYRMAAAAlAAAAZAAAAA8BAAAAkAAAAEgAAACQAAAASAAAAAAAAAAAAAAAAAAAAAEAAABQAAAAAAAAAAAA4D8AAAAAAADgPwAAAAAAAOA/AAAAAAAA4D8AAAAAAADgPwAAAAAAAOA/AAAAAAAA4D8AAAAAAADgPwAAAAAAAOA/AAAAAAAA4D8CAAAAjAAAAAAAAAAAAAAAu+DjDP///wgAAAAAAAAAAAAAAAAAAAAAAAAAAAAAAAAAAAAAZAAAAAEAAABAAAAAAAAAAAAAAAAAAAAAAAAAAAAAAAAAAAAAAAAAAAAAAAAAAAAAAAAAAAAAAAAAAAAAAAAAAAAAAAAAAAAAAAAAAAAAAAAAAAAAAAAAAAAAAAAAAAAAFAAAADwAAAAAAAAAAAAAAAAAAAkUAAAAAQAAABQAAAAUAAAAFAAAAAEAAAAAAAAAZAAAAGQAAAAAAAAAZAAAAGQAAAAVAAAAYAAAAAAAAAAAAAAADwAAACADAAAAAAAAAAAAAAEAAACgMgAAVgcAAKr4//8BAAAAf39/AAEAAABkAAAAAAAAABQAAABAHwAAAAAAACYAAAAAAAAAwOD//wAAAAAmAAAAZAAAABYAAABMAAAAAAAAAAAAAAAEAAAAAAAAAAEAAACAgIAKAAAAACgAAAAoAAAAZAAAAGQAAAAAAAAAzMzMAAAAAABQAAAAUAAAAGQAAABkAAAAAAAAABcAAAAUAAAAAAAAAAAAAAD/fwAA/38AAAAAAAAJAAAABAAAANw7IAEMAAAAEAAAAAAAAAAAAAAAAAAAAAAAAAAeAAAAaAAAAAAAAAAAAAAAAAAAAAAAAAAAAAAAECcAABAnAAAAAAAAAAAAAAAAAAAAAAAAAAAAAAAAAAAAAAAAAAAAABQAAAAAAAAAwMD/AAAAAABkAAAAMgAAAAAAAABkAAAAAAAAAH9/fwAKAAAAIgAAABgAAAAAAAAAAAAAAAAAAAAAAAAAAAAAAAAAAAAkAAAAJAAAAAAAAAAHAAAAAAAAAAAAAAAAAAAAAAAAAAAAAAAAAAAAf39/ACUAAABYAAAAAAAAAAAAAAAAAAAAAAAAAAAAAAAAAAAAAAAAAAAAAAAAAAAAAAAAAAAAAAA/AAAAAAAAAKCGAQAAAAAAAAAAAAAAAAAMAAAAAQAAAAAAAAAAAAAAAAAAAB8AAABUAAAAAAAABQAAAAEAAAAAAAAAAAAAAAAAAAAAAAAAAAAAAAAAAAAAAAAAAAAAAAJ/f38AAAAAA8zMzADAwP8Af39/AAAAAAAAAAAAAAAAAAAAAAAAAAAAIQAAABgAAAAUAAAAwAMAAGENAADjJAAAsCUAABAAAAAmAAAACAAAAAGAAAAAAAAAMAAAABQAAAAAAAAAAAD//wAAAQAAAP//AAABAA=="/>
+                <pr:smNativeData xmlns:pr="smNativeData" xmlns="smNativeData" val="SMDATA_17_WnaBYRMAAAAlAAAAZAAAAA8BAAAAkAAAAEgAAACQAAAASAAAAAAAAAAAAAAAAAAAAAEAAABQAAAAAAAAAAAA4D8AAAAAAADgPwAAAAAAAOA/AAAAAAAA4D8AAAAAAADgPwAAAAAAAOA/AAAAAAAA4D8AAAAAAADgPwAAAAAAAOA/AAAAAAAA4D8CAAAAjAAAAAAAAAAAAAAAu+DjDP///wgAAAAAAAAAAAAAAAAAAAAAAAAAAAAAAAAAAAAAZAAAAAEAAABAAAAAAAAAAAAAAAAAAAAAAAAAAAAAAAAAAAAAAAAAAAAAAAAAAAAAAAAAAAAAAAAAAAAAAAAAAAAAAAAAAAAAAAAAAAAAAAAAAAAAAAAAAAAAAAAAAAAAFAAAADwAAAAAAAAAAAAAAAAAAAkUAAAAAQAAABQAAAAUAAAAFAAAAAEAAAAAAAAAZAAAAGQAAAAAAAAAZAAAAGQAAAAVAAAAYAAAAAAAAAAAAAAADwAAACADAAAAAAAAAAAAAAEAAACgMgAAVgcAAKr4//8BAAAAf39/AAEAAABkAAAAAAAAABQAAABAHwAAAAAAACYAAAAAAAAAwOD//wAAAAAmAAAAZAAAABYAAABMAAAAAAAAAAAAAAAEAAAAAAAAAAEAAACAgIAKAAAAACgAAAAoAAAAZAAAAGQAAAAAAAAAzMzMAAAAAABQAAAAUAAAAGQAAABkAAAAAAAAABcAAAAUAAAAAAAAAAAAAAD/fwAA/38AAAAAAAAJAAAABAAAANw7IAEMAAAAEAAAAAAAAAAAAAAAAAAAAAAAAAAeAAAAaAAAAAAAAAAAAAAAAAAAAAAAAAAAAAAAECcAABAnAAAAAAAAAAAAAAAAAAAAAAAAAAAAAAAAAAAAAAAAAAAAABQAAAAAAAAAwMD/AAAAAABkAAAAMgAAAAAAAABkAAAAAAAAAH9/fwAKAAAAIgAAABgAAAAAAAAAAAAAAAAAAAAAAAAAAAAAAAAAAAAkAAAAJAAAAAAAAAAHAAAAAAAAAAAAAAAAAAAAAAAAAAAAAAAAAAAAf39/ACUAAABYAAAAAAAAAAAAAAAAAAAAAAAAAAAAAAAAAAAAAAAAAAAAAAAAAAAAAAAAAAAAAAA/AAAAAAAAAKCGAQAAAAAAAAAAAAAAAAAMAAAAAQAAAAAAAAAAAAAAAAAAAB8AAABUAAAAAAAABQAAAAEAAAAAAAAAAAAAAAAAAAAAAAAAAAAAAAAAAAAAAAAAAAAAAAJ/f38AAAAAA8zMzADAwP8Af39/AAAAAAAAAAAAAAAAAAAAAAAAAAAAIQAAABgAAAAUAAAAwAMAAGENAADjJAAAsCUAABAAAAAmAAAACAAAAAGAAAAAAAAAMAAAABQAAAAAAAAAAAD//wAAAQAAAP//AAABAA=="/>
               </a:ext>
             </a:extLst>
           </p:cNvSpPr>
@@ -1708,7 +1708,7 @@
             <a:spLocks noGrp="1" noChangeArrowheads="1"/>
             <a:extLst>
               <a:ext uri="smNativeData">
-                <pr:smNativeData xmlns:pr="smNativeData" xmlns="smNativeData" val="SMDATA_17_MUmAYRMAAAAlAAAAZAAAAA8BAAAAkAAAAEgAAACQAAAASAAAAAAAAAACAAAAAAAAAAEAAABQAAAAAAAAAAAA4D8AAAAAAADgPwAAAAAAAOA/AAAAAAAA4D8AAAAAAADgPwAAAAAAAOA/AAAAAAAA4D8AAAAAAADgPwAAAAAAAOA/AAAAAAAA4D8CAAAAjAAAAAAAAAAAAAAAu+DjDP///wgAAAAAAAAAAAAAAAAAAAAAAAAAAAAAAAAAAAAAZAAAAAEAAABAAAAAAAAAAAAAAAAAAAAAAAAAAAAAAAAAAAAAAAAAAAAAAAAAAAAAAAAAAAAAAAAAAAAAAAAAAAAAAAAAAAAAAAAAAAAAAAAAAAAAAAAAAAAAAAAAAAAAFAAAADwAAAAAAAAAAAAAAAAAAAkUAAAAAQAAABQAAAAUAAAAFAAAAAEAAAAAAAAAZAAAAGQAAAAAAAAAZAAAAGQAAAAVAAAAYAAAAAAAAAAAAAAADwAAACADAAAAAAAAAAAAAAEAAACgMgAAVgcAAKr4//8BAAAAf39/AAEAAABkAAAAAAAAABQAAABAHwAAAAAAACYAAAAAAAAAwOD//wAAAAAmAAAAZAAAABYAAABMAAAAAAAAAAAAAAAEAAAAAAAAAAEAAACAgIAKAAAAACgAAAAoAAAAZAAAAGQAAAAAAAAAzMzMAAAAAABQAAAAUAAAAGQAAABkAAAAAAAAABcAAAAUAAAAAAAAAAAAAAD/fwAA/38AAAAAAAAJAAAABAAAANw7IAEMAAAAEAAAAAAAAAAAAAAAAAAAAAAAAAAeAAAAaAAAAAAAAAAAAAAAAAAAAAAAAAAAAAAAECcAABAnAAAAAAAAAAAAAAAAAAAAAAAAAAAAAAAAAAAAAAAAAAAAABQAAAAAAAAAwMD/AAAAAABkAAAAMgAAAAAAAABkAAAAAAAAAH9/fwAKAAAAIgAAABgAAAAAAAAAAAAAAAAAAAAAAAAAAAAAAAAAAAAkAAAAJAAAAAAAAAAHAAAAAAAAAAAAAAAAAAAAAAAAAAAAAAAAAAAAf39/ACUAAABYAAAAAAAAAAAAAAAAAAAAAAAAAAAAAAAAAAAAAAAAAAAAAAAAAAAAAAAAAAAAAAA/AAAAAAAAAKCGAQAAAAAAAAAAAAAAAAAMAAAAAQAAAAAAAAAAAAAAAAAAAB8AAABUAAAAAAAABQAAAAEAAAAAAAAAAAAAAAAAAAAAAAAAAAAAAAAAAAAAAAAAAAAAAAJ/f38AAAAAA8zMzADAwP8Af39/AAAAAAAAAAAAAAAAAAAAAAAAAAAAIQAAABgAAAAUAAAAHSYAAHEJAABARwAAYQ0AABAAAAAmAAAACAAAAIGAAAAAAAAAMAAAABQAAAAAAAAAAAD//wAAAQAAAP//AAABAA=="/>
+                <pr:smNativeData xmlns:pr="smNativeData" xmlns="smNativeData" val="SMDATA_17_WnaBYRMAAAAlAAAAZAAAAA8BAAAAkAAAAEgAAACQAAAASAAAAAAAAAACAAAAAAAAAAEAAABQAAAAAAAAAAAA4D8AAAAAAADgPwAAAAAAAOA/AAAAAAAA4D8AAAAAAADgPwAAAAAAAOA/AAAAAAAA4D8AAAAAAADgPwAAAAAAAOA/AAAAAAAA4D8CAAAAjAAAAAAAAAAAAAAAu+DjDP///wgAAAAAAAAAAAAAAAAAAAAAAAAAAAAAAAAAAAAAZAAAAAEAAABAAAAAAAAAAAAAAAAAAAAAAAAAAAAAAAAAAAAAAAAAAAAAAAAAAAAAAAAAAAAAAAAAAAAAAAAAAAAAAAAAAAAAAAAAAAAAAAAAAAAAAAAAAAAAAAAAAAAAFAAAADwAAAAAAAAAAAAAAAAAAAkUAAAAAQAAABQAAAAUAAAAFAAAAAEAAAAAAAAAZAAAAGQAAAAAAAAAZAAAAGQAAAAVAAAAYAAAAAAAAAAAAAAADwAAACADAAAAAAAAAAAAAAEAAACgMgAAVgcAAKr4//8BAAAAf39/AAEAAABkAAAAAAAAABQAAABAHwAAAAAAACYAAAAAAAAAwOD//wAAAAAmAAAAZAAAABYAAABMAAAAAAAAAAAAAAAEAAAAAAAAAAEAAACAgIAKAAAAACgAAAAoAAAAZAAAAGQAAAAAAAAAzMzMAAAAAABQAAAAUAAAAGQAAABkAAAAAAAAABcAAAAUAAAAAAAAAAAAAAD/fwAA/38AAAAAAAAJAAAABAAAANw7IAEMAAAAEAAAAAAAAAAAAAAAAAAAAAAAAAAeAAAAaAAAAAAAAAAAAAAAAAAAAAAAAAAAAAAAECcAABAnAAAAAAAAAAAAAAAAAAAAAAAAAAAAAAAAAAAAAAAAAAAAABQAAAAAAAAAwMD/AAAAAABkAAAAMgAAAAAAAABkAAAAAAAAAH9/fwAKAAAAIgAAABgAAAAAAAAAAAAAAAAAAAAAAAAAAAAAAAAAAAAkAAAAJAAAAAAAAAAHAAAAAAAAAAAAAAAAAAAAAAAAAAAAAAAAAAAAf39/ACUAAABYAAAAAAAAAAAAAAAAAAAAAAAAAAAAAAAAAAAAAAAAAAAAAAAAAAAAAAAAAAAAAAA/AAAAAAAAAKCGAQAAAAAAAAAAAAAAAAAMAAAAAQAAAAAAAAAAAAAAAAAAAB8AAABUAAAAAAAABQAAAAEAAAAAAAAAAAAAAAAAAAAAAAAAAAAAAAAAAAAAAAAAAAAAAAJ/f38AAAAAA8zMzADAwP8Af39/AAAAAAAAAAAAAAAAAAAAAAAAAAAAIQAAABgAAAAUAAAAHSYAAHEJAABARwAAYQ0AABAAAAAmAAAACAAAAIGAAAAAAAAAMAAAABQAAAAAAAAAAAD//wAAAQAAAP//AAABAA=="/>
               </a:ext>
             </a:extLst>
           </p:cNvSpPr>
@@ -1781,7 +1781,7 @@
             <a:spLocks noGrp="1" noChangeArrowheads="1"/>
             <a:extLst>
               <a:ext uri="smNativeData">
-                <pr:smNativeData xmlns:pr="smNativeData" xmlns="smNativeData" val="SMDATA_17_MUmAYRMAAAAlAAAAZAAAAA8BAAAAkAAAAEgAAACQAAAASAAAAAAAAAAAAAAAAAAAAAEAAABQAAAAAAAAAAAA4D8AAAAAAADgPwAAAAAAAOA/AAAAAAAA4D8AAAAAAADgPwAAAAAAAOA/AAAAAAAA4D8AAAAAAADgPwAAAAAAAOA/AAAAAAAA4D8CAAAAjAAAAAAAAAAAAAAAu+DjDP///wgAAAAAAAAAAAAAAAAAAAAAAAAAAAAAAAAAAAAAZAAAAAEAAABAAAAAAAAAAAAAAAAAAAAAAAAAAAAAAAAAAAAAAAAAAAAAAAAAAAAAAAAAAAAAAAAAAAAAAAAAAAAAAAAAAAAAAAAAAAAAAAAAAAAAAAAAAAAAAAAAAAAAFAAAADwAAAAAAAAAAAAAAAAAAAkUAAAAAQAAABQAAAAUAAAAFAAAAAEAAAAAAAAAZAAAAGQAAAAAAAAAZAAAAGQAAAAVAAAAYAAAAAAAAAAAAAAADwAAACADAAAAAAAAAAAAAAEAAACgMgAAVgcAAKr4//8BAAAAf39/AAEAAABkAAAAAAAAABQAAABAHwAAAAAAACYAAAAAAAAAwOD//wAAAAAmAAAAZAAAABYAAABMAAAAAAAAAAAAAAAEAAAAAAAAAAEAAACAgIAKAAAAACgAAAAoAAAAZAAAAGQAAAAAAAAAzMzMAAAAAABQAAAAUAAAAGQAAABkAAAAAAAAABcAAAAUAAAAAAAAAAAAAAD/fwAA/38AAAAAAAAJAAAABAAAANw7IAEMAAAAEAAAAAAAAAAAAAAAAAAAAAAAAAAeAAAAaAAAAAAAAAAAAAAAAAAAAAAAAAAAAAAAECcAABAnAAAAAAAAAAAAAAAAAAAAAAAAAAAAAAAAAAAAAAAAAAAAABQAAAAAAAAAwMD/AAAAAABkAAAAMgAAAAAAAABkAAAAAAAAAH9/fwAKAAAAIgAAABgAAAAAAAAAAAAAAAAAAAAAAAAAAAAAAAAAAAAkAAAAJAAAAAAAAAAHAAAAAAAAAAAAAAAAAAAAAAAAAAAAAAAAAAAAf39/ACUAAABYAAAAAAAAAAAAAAAAAAAAAAAAAAAAAAAAAAAAAAAAAAAAAAAAAAAAAAAAAAAAAAA/AAAAAAAAAKCGAQAAAAAAAAAAAAAAAAAMAAAAAQAAAAAAAAAAAAAAAAAAAB8AAABUAAAAAAAABQAAAAEAAAAAAAAAAAAAAAAAAAAAAAAAAAAAAAAAAAAAAAAAAAAAAAJ/f38AAAAAA8zMzADAwP8Af39/AAAAAAAAAAAAAAAAAAAAAAAAAAAAIQAAABgAAAAUAAAAHSYAAGENAABARwAAsCUAABAAAAAmAAAACAAAAAGAAAAAAAAAMAAAABQAAAAAAAAAAAD//wAAAQAAAP//AAABAA=="/>
+                <pr:smNativeData xmlns:pr="smNativeData" xmlns="smNativeData" val="SMDATA_17_WnaBYRMAAAAlAAAAZAAAAA8BAAAAkAAAAEgAAACQAAAASAAAAAAAAAAAAAAAAAAAAAEAAABQAAAAAAAAAAAA4D8AAAAAAADgPwAAAAAAAOA/AAAAAAAA4D8AAAAAAADgPwAAAAAAAOA/AAAAAAAA4D8AAAAAAADgPwAAAAAAAOA/AAAAAAAA4D8CAAAAjAAAAAAAAAAAAAAAu+DjDP///wgAAAAAAAAAAAAAAAAAAAAAAAAAAAAAAAAAAAAAZAAAAAEAAABAAAAAAAAAAAAAAAAAAAAAAAAAAAAAAAAAAAAAAAAAAAAAAAAAAAAAAAAAAAAAAAAAAAAAAAAAAAAAAAAAAAAAAAAAAAAAAAAAAAAAAAAAAAAAAAAAAAAAFAAAADwAAAAAAAAAAAAAAAAAAAkUAAAAAQAAABQAAAAUAAAAFAAAAAEAAAAAAAAAZAAAAGQAAAAAAAAAZAAAAGQAAAAVAAAAYAAAAAAAAAAAAAAADwAAACADAAAAAAAAAAAAAAEAAACgMgAAVgcAAKr4//8BAAAAf39/AAEAAABkAAAAAAAAABQAAABAHwAAAAAAACYAAAAAAAAAwOD//wAAAAAmAAAAZAAAABYAAABMAAAAAAAAAAAAAAAEAAAAAAAAAAEAAACAgIAKAAAAACgAAAAoAAAAZAAAAGQAAAAAAAAAzMzMAAAAAABQAAAAUAAAAGQAAABkAAAAAAAAABcAAAAUAAAAAAAAAAAAAAD/fwAA/38AAAAAAAAJAAAABAAAANw7IAEMAAAAEAAAAAAAAAAAAAAAAAAAAAAAAAAeAAAAaAAAAAAAAAAAAAAAAAAAAAAAAAAAAAAAECcAABAnAAAAAAAAAAAAAAAAAAAAAAAAAAAAAAAAAAAAAAAAAAAAABQAAAAAAAAAwMD/AAAAAABkAAAAMgAAAAAAAABkAAAAAAAAAH9/fwAKAAAAIgAAABgAAAAAAAAAAAAAAAAAAAAAAAAAAAAAAAAAAAAkAAAAJAAAAAAAAAAHAAAAAAAAAAAAAAAAAAAAAAAAAAAAAAAAAAAAf39/ACUAAABYAAAAAAAAAAAAAAAAAAAAAAAAAAAAAAAAAAAAAAAAAAAAAAAAAAAAAAAAAAAAAAA/AAAAAAAAAKCGAQAAAAAAAAAAAAAAAAAMAAAAAQAAAAAAAAAAAAAAAAAAAB8AAABUAAAAAAAABQAAAAEAAAAAAAAAAAAAAAAAAAAAAAAAAAAAAAAAAAAAAAAAAAAAAAJ/f38AAAAAA8zMzADAwP8Af39/AAAAAAAAAAAAAAAAAAAAAAAAAAAAIQAAABgAAAAUAAAAHSYAAGENAABARwAAsCUAABAAAAAmAAAACAAAAAGAAAAAAAAAMAAAABQAAAAAAAAAAAD//wAAAQAAAP//AAABAA=="/>
               </a:ext>
             </a:extLst>
           </p:cNvSpPr>
@@ -1865,7 +1865,7 @@
             <a:spLocks noGrp="1" noChangeArrowheads="1"/>
             <a:extLst>
               <a:ext uri="smNativeData">
-                <pr:smNativeData xmlns:pr="smNativeData" xmlns="smNativeData" val="SMDATA_17_MUmAYRMAAAAlAAAAZAAAAA8BAAAAkAAAAEgAAACQAAAASAAAAAAAAAABAAAAAAAAAAEAAABQAAAAAAAAAAAA4D8AAAAAAADgPwAAAAAAAOA/AAAAAAAA4D8AAAAAAADgPwAAAAAAAOA/AAAAAAAA4D8AAAAAAADgPwAAAAAAAOA/AAAAAAAA4D8CAAAAjAAAAAAAAAAAAAAAu+DjDP///wgAAAAAAAAAAAAAAAAAAAAAAAAAAAAAAAAAAAAAZAAAAAEAAABAAAAAAAAAAAAAAAAAAAAAAAAAAAAAAAAAAAAAAAAAAAAAAAAAAAAAAAAAAAAAAAAAAAAAAAAAAAAAAAAAAAAAAAAAAAAAAAAAAAAAAAAAAAAAAAAAAAAAFAAAADwAAAAAAAAAAAAAAAAAAAkUAAAAAQAAABQAAAAUAAAAFAAAAAEAAAAAAAAAZAAAAGQAAAAAAAAAZAAAAGQAAAAVAAAAYAAAAAAAAAAAAAAADwAAACADAAAAAAAAAAAAAAEAAACgMgAAVgcAAKr4//8BAAAAf39/AAEAAABkAAAAAAAAABQAAABAHwAAAAAAACYAAAAAAAAAwOD//wAAAAAmAAAAZAAAABYAAABMAAAAAAAAAAAAAAAEAAAAAAAAAAEAAACAgIAKAAAAACgAAAAoAAAAZAAAAGQAAAAAAAAAzMzMAAAAAABQAAAAUAAAAGQAAABkAAAAAAAAABcAAAAUAAAAAAAAAAAAAAD/fwAA/38AAAAAAAAJAAAABAAAANw7IAEMAAAAEAAAAAAAAAAAAAAAAAAAAAAAAAAeAAAAaAAAAAAAAAAAAAAAAAAAAAAAAAAAAAAAECcAABAnAAAAAAAAAAAAAAAAAAAAAAAAAAAAAAAAAAAAAAAAAAAAABQAAAAAAAAAwMD/AAAAAABkAAAAMgAAAAAAAABkAAAAAAAAAH9/fwAKAAAAIgAAABgAAAAAAAAAAAAAAAAAAAAAAAAAAAAAAAAAAAAkAAAAJAAAAAAAAAAHAAAAAAAAAAAAAAAAAAAAAAAAAAAAAAAAAAAAf39/ACUAAABYAAAAAAAAAAAAAAAAAAAAAAAAAAAAAAAAAAAAAAAAAAAAAAAAAAAAAAAAAAAAAAA/AAAAAAAAAKCGAQAAAAAAAAAAAAAAAAAMAAAAAQAAAAAAAAAAAAAAAAAAAB8AAABUAAAAAAAABQAAAAEAAAAAAAAAAAAAAAAAAAAAAAAAAAAAAAAAAAAAAAAAAAAAAAJ/f38AAAAAA8zMzADAwP8Af39/AAAAAAAAAAAAAAAAAAAAAAAAAAAAIQAAABgAAAAUAAAAwAMAABsnAAA/FQAAWSkAABAAAAAmAAAACAAAAAAAAAAAAAAAMAAAABQAAAAAAAAAAAD//wAAAQAAAP//AAABAA=="/>
+                <pr:smNativeData xmlns:pr="smNativeData" xmlns="smNativeData" val="SMDATA_17_WnaBYRMAAAAlAAAAZAAAAA8BAAAAkAAAAEgAAACQAAAASAAAAAAAAAABAAAAAAAAAAEAAABQAAAAAAAAAAAA4D8AAAAAAADgPwAAAAAAAOA/AAAAAAAA4D8AAAAAAADgPwAAAAAAAOA/AAAAAAAA4D8AAAAAAADgPwAAAAAAAOA/AAAAAAAA4D8CAAAAjAAAAAAAAAAAAAAAu+DjDP///wgAAAAAAAAAAAAAAAAAAAAAAAAAAAAAAAAAAAAAZAAAAAEAAABAAAAAAAAAAAAAAAAAAAAAAAAAAAAAAAAAAAAAAAAAAAAAAAAAAAAAAAAAAAAAAAAAAAAAAAAAAAAAAAAAAAAAAAAAAAAAAAAAAAAAAAAAAAAAAAAAAAAAFAAAADwAAAAAAAAAAAAAAAAAAAkUAAAAAQAAABQAAAAUAAAAFAAAAAEAAAAAAAAAZAAAAGQAAAAAAAAAZAAAAGQAAAAVAAAAYAAAAAAAAAAAAAAADwAAACADAAAAAAAAAAAAAAEAAACgMgAAVgcAAKr4//8BAAAAf39/AAEAAABkAAAAAAAAABQAAABAHwAAAAAAACYAAAAAAAAAwOD//wAAAAAmAAAAZAAAABYAAABMAAAAAAAAAAAAAAAEAAAAAAAAAAEAAACAgIAKAAAAACgAAAAoAAAAZAAAAGQAAAAAAAAAzMzMAAAAAABQAAAAUAAAAGQAAABkAAAAAAAAABcAAAAUAAAAAAAAAAAAAAD/fwAA/38AAAAAAAAJAAAABAAAANw7IAEMAAAAEAAAAAAAAAAAAAAAAAAAAAAAAAAeAAAAaAAAAAAAAAAAAAAAAAAAAAAAAAAAAAAAECcAABAnAAAAAAAAAAAAAAAAAAAAAAAAAAAAAAAAAAAAAAAAAAAAABQAAAAAAAAAwMD/AAAAAABkAAAAMgAAAAAAAABkAAAAAAAAAH9/fwAKAAAAIgAAABgAAAAAAAAAAAAAAAAAAAAAAAAAAAAAAAAAAAAkAAAAJAAAAAAAAAAHAAAAAAAAAAAAAAAAAAAAAAAAAAAAAAAAAAAAf39/ACUAAABYAAAAAAAAAAAAAAAAAAAAAAAAAAAAAAAAAAAAAAAAAAAAAAAAAAAAAAAAAAAAAAA/AAAAAAAAAKCGAQAAAAAAAAAAAAAAAAAMAAAAAQAAAAAAAAAAAAAAAAAAAB8AAABUAAAAAAAABQAAAAEAAAAAAAAAAAAAAAAAAAAAAAAAAAAAAAAAAAAAAAAAAAAAAAJ/f38AAAAAA8zMzADAwP8Af39/AAAAAAAAAAAAAAAAAAAAAAAAAAAAIQAAABgAAAAUAAAAwAMAABsnAAA/FQAAWSkAABAAAAAmAAAACAAAAAAAAAAAAAAAMAAAABQAAAAAAAAAAAD//wAAAQAAAP//AAABAA=="/>
               </a:ext>
             </a:extLst>
           </p:cNvSpPr>
@@ -1879,7 +1879,7 @@
           <a:lstStyle/>
           <a:p>
             <a:pPr/>
-            <a:fld id="{7EB7CA02-4C93-E23C-DD0F-BA6984412BEF}" type="datetime1">
+            <a:fld id="{12FF08BF-F1FF-AAFE-B147-07AB46094752}" type="datetime1">
               <a:t/>
             </a:fld>
           </a:p>
@@ -1892,7 +1892,7 @@
             <a:spLocks noGrp="1" noChangeArrowheads="1"/>
             <a:extLst>
               <a:ext uri="smNativeData">
-                <pr:smNativeData xmlns:pr="smNativeData" xmlns="smNativeData" val="SMDATA_17_MUmAYRMAAAAlAAAAZAAAAA8BAAAAkAAAAEgAAACQAAAASAAAAAAAAAABAAAAAAAAAAEAAABQAAAAAAAAAAAA4D8AAAAAAADgPwAAAAAAAOA/AAAAAAAA4D8AAAAAAADgPwAAAAAAAOA/AAAAAAAA4D8AAAAAAADgPwAAAAAAAOA/AAAAAAAA4D8CAAAAjAAAAAAAAAAAAAAAu+DjDP///wgAAAAAAAAAAAAAAAAAAAAAAAAAAAAAAAAAAAAAZAAAAAEAAABAAAAAAAAAAAAAAAAAAAAAAAAAAAAAAAAAAAAAAAAAAAAAAAAAAAAAAAAAAAAAAAAAAAAAAAAAAAAAAAAAAAAAAAAAAAAAAAAAAAAAAAAAAAAAAAAAAAAAFAAAADwAAAAAAAAAAAAAAAAAAAkUAAAAAQAAABQAAAAUAAAAFAAAAAEAAAAAAAAAZAAAAGQAAAAAAAAAZAAAAGQAAAAVAAAAYAAAAAAAAAAAAAAADwAAACADAAAAAAAAAAAAAAEAAACgMgAAVgcAAKr4//8BAAAAf39/AAEAAABkAAAAAAAAABQAAABAHwAAAAAAACYAAAAAAAAAwOD//wAAAAAmAAAAZAAAABYAAABMAAAAAAAAAAAAAAAEAAAAAAAAAAEAAACAgIAKAAAAACgAAAAoAAAAZAAAAGQAAAAAAAAAzMzMAAAAAABQAAAAUAAAAGQAAABkAAAAAAAAABcAAAAUAAAAAAAAAAAAAAD/fwAA/38AAAAAAAAJAAAABAAAANw7IAEMAAAAEAAAAAAAAAAAAAAAAAAAAAAAAAAeAAAAaAAAAAAAAAAAAAAAAAAAAAAAAAAAAAAAECcAABAnAAAAAAAAAAAAAAAAAAAAAAAAAAAAAAAAAAAAAAAAAAAAABQAAAAAAAAAwMD/AAAAAABkAAAAMgAAAAAAAABkAAAAAAAAAH9/fwAKAAAAIgAAABgAAAAAAAAAAAAAAAAAAAAAAAAAAAAAAAAAAAAkAAAAJAAAAAAAAAAHAAAAAAAAAAAAAAAAAAAAAAAAAAAAAAAAAAAAf39/ACUAAABYAAAAAAAAAAAAAAAAAAAAAAAAAAAAAAAAAAAAAAAAAAAAAAAAAAAAAAAAAAAAAAA/AAAAAAAAAKCGAQAAAAAAAAAAAAAAAAAMAAAAAQAAAAAAAAAAAAAAAAAAAB8AAABUAAAAAAAABQAAAAEAAAAAAAAAAAAAAAAAAAAAAAAAAAAAAAAAAAAAAAAAAAAAAAJ/f38AAAAAA8zMzADAwP8Af39/AAAAAAAAAAAAAAAAAAAAAAAAAAAAIQAAABgAAAAUAAAAoRkAABsnAABfMQAAWSkAABAAAAAmAAAACAAAAAAAAAAAAAAAMAAAABQAAAAAAAAAAAD//wAAAQAAAP//AAABAA=="/>
+                <pr:smNativeData xmlns:pr="smNativeData" xmlns="smNativeData" val="SMDATA_17_WnaBYRMAAAAlAAAAZAAAAA8BAAAAkAAAAEgAAACQAAAASAAAAAAAAAABAAAAAAAAAAEAAABQAAAAAAAAAAAA4D8AAAAAAADgPwAAAAAAAOA/AAAAAAAA4D8AAAAAAADgPwAAAAAAAOA/AAAAAAAA4D8AAAAAAADgPwAAAAAAAOA/AAAAAAAA4D8CAAAAjAAAAAAAAAAAAAAAu+DjDP///wgAAAAAAAAAAAAAAAAAAAAAAAAAAAAAAAAAAAAAZAAAAAEAAABAAAAAAAAAAAAAAAAAAAAAAAAAAAAAAAAAAAAAAAAAAAAAAAAAAAAAAAAAAAAAAAAAAAAAAAAAAAAAAAAAAAAAAAAAAAAAAAAAAAAAAAAAAAAAAAAAAAAAFAAAADwAAAAAAAAAAAAAAAAAAAkUAAAAAQAAABQAAAAUAAAAFAAAAAEAAAAAAAAAZAAAAGQAAAAAAAAAZAAAAGQAAAAVAAAAYAAAAAAAAAAAAAAADwAAACADAAAAAAAAAAAAAAEAAACgMgAAVgcAAKr4//8BAAAAf39/AAEAAABkAAAAAAAAABQAAABAHwAAAAAAACYAAAAAAAAAwOD//wAAAAAmAAAAZAAAABYAAABMAAAAAAAAAAAAAAAEAAAAAAAAAAEAAACAgIAKAAAAACgAAAAoAAAAZAAAAGQAAAAAAAAAzMzMAAAAAABQAAAAUAAAAGQAAABkAAAAAAAAABcAAAAUAAAAAAAAAAAAAAD/fwAA/38AAAAAAAAJAAAABAAAANw7IAEMAAAAEAAAAAAAAAAAAAAAAAAAAAAAAAAeAAAAaAAAAAAAAAAAAAAAAAAAAAAAAAAAAAAAECcAABAnAAAAAAAAAAAAAAAAAAAAAAAAAAAAAAAAAAAAAAAAAAAAABQAAAAAAAAAwMD/AAAAAABkAAAAMgAAAAAAAABkAAAAAAAAAH9/fwAKAAAAIgAAABgAAAAAAAAAAAAAAAAAAAAAAAAAAAAAAAAAAAAkAAAAJAAAAAAAAAAHAAAAAAAAAAAAAAAAAAAAAAAAAAAAAAAAAAAAf39/ACUAAABYAAAAAAAAAAAAAAAAAAAAAAAAAAAAAAAAAAAAAAAAAAAAAAAAAAAAAAAAAAAAAAA/AAAAAAAAAKCGAQAAAAAAAAAAAAAAAAAMAAAAAQAAAAAAAAAAAAAAAAAAAB8AAABUAAAAAAAABQAAAAEAAAAAAAAAAAAAAAAAAAAAAAAAAAAAAAAAAAAAAAAAAAAAAAJ/f38AAAAAA8zMzADAwP8Af39/AAAAAAAAAAAAAAAAAAAAAAAAAAAAIQAAABgAAAAUAAAAoRkAABsnAABfMQAAWSkAABAAAAAmAAAACAAAAAAAAAAAAAAAMAAAABQAAAAAAAAAAAD//wAAAQAAAP//AAABAA=="/>
               </a:ext>
             </a:extLst>
           </p:cNvSpPr>
@@ -1916,7 +1916,7 @@
             <a:spLocks noGrp="1" noChangeArrowheads="1"/>
             <a:extLst>
               <a:ext uri="smNativeData">
-                <pr:smNativeData xmlns:pr="smNativeData" xmlns="smNativeData" val="SMDATA_17_MUmAYRMAAAAlAAAAZAAAAA8BAAAAkAAAAEgAAACQAAAASAAAAAAAAAABAAAAAAAAAAEAAABQAAAAAAAAAAAA4D8AAAAAAADgPwAAAAAAAOA/AAAAAAAA4D8AAAAAAADgPwAAAAAAAOA/AAAAAAAA4D8AAAAAAADgPwAAAAAAAOA/AAAAAAAA4D8CAAAAjAAAAAAAAAAAAAAAu+DjDP///wgAAAAAAAAAAAAAAAAAAAAAAAAAAAAAAAAAAAAAZAAAAAEAAABAAAAAAAAAAAAAAAAAAAAAAAAAAAAAAAAAAAAAAAAAAAAAAAAAAAAAAAAAAAAAAAAAAAAAAAAAAAAAAAAAAAAAAAAAAAAAAAAAAAAAAAAAAAAAAAAAAAAAFAAAADwAAAAAAAAAAAAAAAAAAAkUAAAAAQAAABQAAAAUAAAAFAAAAAEAAAAAAAAAZAAAAGQAAAAAAAAAZAAAAGQAAAAVAAAAYAAAAAAAAAAAAAAADwAAACADAAAAAAAAAAAAAAEAAACgMgAAVgcAAKr4//8BAAAAf39/AAEAAABkAAAAAAAAABQAAABAHwAAAAAAACYAAAAAAAAAwOD//wAAAAAmAAAAZAAAABYAAABMAAAAAAAAAAAAAAAEAAAAAAAAAAEAAACAgIAKAAAAACgAAAAoAAAAZAAAAGQAAAAAAAAAzMzMAAAAAABQAAAAUAAAAGQAAABkAAAAAAAAABcAAAAUAAAAAAAAAAAAAAD/fwAA/38AAAAAAAAJAAAABAAAANw7IAEMAAAAEAAAAAAAAAAAAAAAAAAAAAAAAAAeAAAAaAAAAAAAAAAAAAAAAAAAAAAAAAAAAAAAECcAABAnAAAAAAAAAAAAAAAAAAAAAAAAAAAAAAAAAAAAAAAAAAAAABQAAAAAAAAAwMD/AAAAAABkAAAAMgAAAAAAAABkAAAAAAAAAH9/fwAKAAAAIgAAABgAAAAAAAAAAAAAAAAAAAAAAAAAAAAAAAAAAAAkAAAAJAAAAAAAAAAHAAAAAAAAAAAAAAAAAAAAAAAAAAAAAAAAAAAAf39/ACUAAABYAAAAAAAAAAAAAAAAAAAAAAAAAAAAAAAAAAAAAAAAAAAAAAAAAAAAAAAAAAAAAAA/AAAAAAAAAKCGAQAAAAAAAAAAAAAAAAAMAAAAAQAAAAAAAAAAAAAAAAAAAB8AAABUAAAAAAAABQAAAAEAAAAAAAAAAAAAAAAAAAAAAAAAAAAAAAAAAAAAAAAAAAAAAAJ/f38AAAAAA8zMzADAwP8Af39/AAAAAAAAAAAAAAAAAAAAAAAAAAAAIQAAABgAAAAUAAAAwTUAABsnAABARwAAWSkAABAAAAAmAAAACAAAAAAAAAAAAAAAMAAAABQAAAAAAAAAAAD//wAAAQAAAP//AAABAA=="/>
+                <pr:smNativeData xmlns:pr="smNativeData" xmlns="smNativeData" val="SMDATA_17_WnaBYRMAAAAlAAAAZAAAAA8BAAAAkAAAAEgAAACQAAAASAAAAAAAAAABAAAAAAAAAAEAAABQAAAAAAAAAAAA4D8AAAAAAADgPwAAAAAAAOA/AAAAAAAA4D8AAAAAAADgPwAAAAAAAOA/AAAAAAAA4D8AAAAAAADgPwAAAAAAAOA/AAAAAAAA4D8CAAAAjAAAAAAAAAAAAAAAu+DjDP///wgAAAAAAAAAAAAAAAAAAAAAAAAAAAAAAAAAAAAAZAAAAAEAAABAAAAAAAAAAAAAAAAAAAAAAAAAAAAAAAAAAAAAAAAAAAAAAAAAAAAAAAAAAAAAAAAAAAAAAAAAAAAAAAAAAAAAAAAAAAAAAAAAAAAAAAAAAAAAAAAAAAAAFAAAADwAAAAAAAAAAAAAAAAAAAkUAAAAAQAAABQAAAAUAAAAFAAAAAEAAAAAAAAAZAAAAGQAAAAAAAAAZAAAAGQAAAAVAAAAYAAAAAAAAAAAAAAADwAAACADAAAAAAAAAAAAAAEAAACgMgAAVgcAAKr4//8BAAAAf39/AAEAAABkAAAAAAAAABQAAABAHwAAAAAAACYAAAAAAAAAwOD//wAAAAAmAAAAZAAAABYAAABMAAAAAAAAAAAAAAAEAAAAAAAAAAEAAACAgIAKAAAAACgAAAAoAAAAZAAAAGQAAAAAAAAAzMzMAAAAAABQAAAAUAAAAGQAAABkAAAAAAAAABcAAAAUAAAAAAAAAAAAAAD/fwAA/38AAAAAAAAJAAAABAAAANw7IAEMAAAAEAAAAAAAAAAAAAAAAAAAAAAAAAAeAAAAaAAAAAAAAAAAAAAAAAAAAAAAAAAAAAAAECcAABAnAAAAAAAAAAAAAAAAAAAAAAAAAAAAAAAAAAAAAAAAAAAAABQAAAAAAAAAwMD/AAAAAABkAAAAMgAAAAAAAABkAAAAAAAAAH9/fwAKAAAAIgAAABgAAAAAAAAAAAAAAAAAAAAAAAAAAAAAAAAAAAAkAAAAJAAAAAAAAAAHAAAAAAAAAAAAAAAAAAAAAAAAAAAAAAAAAAAAf39/ACUAAABYAAAAAAAAAAAAAAAAAAAAAAAAAAAAAAAAAAAAAAAAAAAAAAAAAAAAAAAAAAAAAAA/AAAAAAAAAKCGAQAAAAAAAAAAAAAAAAAMAAAAAQAAAAAAAAAAAAAAAAAAAB8AAABUAAAAAAAABQAAAAEAAAAAAAAAAAAAAAAAAAAAAAAAAAAAAAAAAAAAAAAAAAAAAAJ/f38AAAAAA8zMzADAwP8Af39/AAAAAAAAAAAAAAAAAAAAAAAAAAAAIQAAABgAAAAUAAAAwTUAABsnAABARwAAWSkAABAAAAAmAAAACAAAAAAAAAAAAAAAMAAAABQAAAAAAAAAAAD//wAAAQAAAP//AAABAA=="/>
               </a:ext>
             </a:extLst>
           </p:cNvSpPr>
@@ -1930,7 +1930,7 @@
           <a:lstStyle/>
           <a:p>
             <a:pPr/>
-            <a:fld id="{77B0D30E-409A-E525-D408-B6709D4622E3}" type="slidenum">
+            <a:fld id="{050DAFBB-F5E8-5859-A6B5-030CE1FB5056}" type="slidenum">
               <a:t/>
             </a:fld>
           </a:p>
@@ -1969,7 +1969,7 @@
             <a:spLocks noGrp="1" noChangeArrowheads="1"/>
             <a:extLst>
               <a:ext uri="smNativeData">
-                <pr:smNativeData xmlns:pr="smNativeData" xmlns="smNativeData" val="SMDATA_17_MUmAYRMAAAAlAAAAZAAAAA8BAAAAkAAAAEgAAACQAAAASAAAAAAAAAABAAAAAAAAAAEAAABQAAAAAAAAAAAA4D8AAAAAAADgPwAAAAAAAOA/AAAAAAAA4D8AAAAAAADgPwAAAAAAAOA/AAAAAAAA4D8AAAAAAADgPwAAAAAAAOA/AAAAAAAA4D8CAAAAjAAAAAAAAAAAAAAAu+DjDP///wgAAAAAAAAAAAAAAAAAAAAAAAAAAAAAAAAAAAAAZAAAAAEAAABAAAAAAAAAAAAAAAAAAAAAAAAAAAAAAAAAAAAAAAAAAAAAAAAAAAAAAAAAAAAAAAAAAAAAAAAAAAAAAAAAAAAAAAAAAAAAAAAAAAAAAAAAAAAAAAAAAAAAFAAAADwAAAAAAAAAAAAAAAAAAAkUAAAAAQAAABQAAAAUAAAAFAAAAAEAAAAAAAAAZAAAAGQAAAAAAAAAZAAAAGQAAAAVAAAAYAAAAAAAAAAAAAAADwAAACADAAAAAAAAAAAAAAEAAACgMgAAVgcAAKr4//8BAAAAf39/AAEAAABkAAAAAAAAABQAAABAHwAAAAAAACYAAAAAAAAAwOD//wAAAAAmAAAAZAAAABYAAABMAAAAAAAAAAAAAAAEAAAAAAAAAAEAAACAgIAKAAAAACgAAAAoAAAAZAAAAGQAAAAAAAAAzMzMAAAAAABQAAAAUAAAAGQAAABkAAAAAAAAABcAAAAUAAAAAAAAAAAAAAD/fwAA/38AAAAAAAAJAAAABAAAANw7IAEMAAAAEAAAAAAAAAAAAAAAAAAAAAAAAAAeAAAAaAAAAAAAAAAAAAAAAAAAAAAAAAAAAAAAECcAABAnAAAAAAAAAAAAAAAAAAAAAAAAAAAAAAAAAAAAAAAAAAAAABQAAAAAAAAAwMD/AAAAAABkAAAAMgAAAAAAAABkAAAAAAAAAH9/fwAKAAAAIgAAABgAAAAAAAAAAAAAAAAAAAAAAAAAAAAAAAAAAAAkAAAAJAAAAAAAAAAHAAAAAAAAAAAAAAAAAAAAAAAAAAAAAAAAAAAAf39/ACUAAABYAAAAAAAAAAAAAAAAAAAAAAAAAAAAAAAAAAAAAAAAAAAAAAAAAAAAAAAAAAAAAAA/AAAAAAAAAKCGAQAAAAAAAAAAAAAAAAAMAAAAAQAAAAAAAAAAAAAAAAAAAB8AAABUAAAAAAAABQAAAAEAAAAAAAAAAAAAAAAAAAAAAAAAAAAAAAAAAAAAAAAAAAAAAAJ/f38AAAAAA8zMzADAwP8Af39/AAAAAAAAAAAAAAAAAAAAAAAAAAAAIQAAABgAAAAUAAAAwAMAALABAABARwAAuAgAABAAAAAmAAAACAAAAAAAAAAAAAAAMAAAABQAAAAAAAAAAAD//wAAAQAAAP//AAABAA=="/>
+                <pr:smNativeData xmlns:pr="smNativeData" xmlns="smNativeData" val="SMDATA_17_WnaBYRMAAAAlAAAAZAAAAA8BAAAAkAAAAEgAAACQAAAASAAAAAAAAAABAAAAAAAAAAEAAABQAAAAAAAAAAAA4D8AAAAAAADgPwAAAAAAAOA/AAAAAAAA4D8AAAAAAADgPwAAAAAAAOA/AAAAAAAA4D8AAAAAAADgPwAAAAAAAOA/AAAAAAAA4D8CAAAAjAAAAAAAAAAAAAAAu+DjDP///wgAAAAAAAAAAAAAAAAAAAAAAAAAAAAAAAAAAAAAZAAAAAEAAABAAAAAAAAAAAAAAAAAAAAAAAAAAAAAAAAAAAAAAAAAAAAAAAAAAAAAAAAAAAAAAAAAAAAAAAAAAAAAAAAAAAAAAAAAAAAAAAAAAAAAAAAAAAAAAAAAAAAAFAAAADwAAAAAAAAAAAAAAAAAAAkUAAAAAQAAABQAAAAUAAAAFAAAAAEAAAAAAAAAZAAAAGQAAAAAAAAAZAAAAGQAAAAVAAAAYAAAAAAAAAAAAAAADwAAACADAAAAAAAAAAAAAAEAAACgMgAAVgcAAKr4//8BAAAAf39/AAEAAABkAAAAAAAAABQAAABAHwAAAAAAACYAAAAAAAAAwOD//wAAAAAmAAAAZAAAABYAAABMAAAAAAAAAAAAAAAEAAAAAAAAAAEAAACAgIAKAAAAACgAAAAoAAAAZAAAAGQAAAAAAAAAzMzMAAAAAABQAAAAUAAAAGQAAABkAAAAAAAAABcAAAAUAAAAAAAAAAAAAAD/fwAA/38AAAAAAAAJAAAABAAAANw7IAEMAAAAEAAAAAAAAAAAAAAAAAAAAAAAAAAeAAAAaAAAAAAAAAAAAAAAAAAAAAAAAAAAAAAAECcAABAnAAAAAAAAAAAAAAAAAAAAAAAAAAAAAAAAAAAAAAAAAAAAABQAAAAAAAAAwMD/AAAAAABkAAAAMgAAAAAAAABkAAAAAAAAAH9/fwAKAAAAIgAAABgAAAAAAAAAAAAAAAAAAAAAAAAAAAAAAAAAAAAkAAAAJAAAAAAAAAAHAAAAAAAAAAAAAAAAAAAAAAAAAAAAAAAAAAAAf39/ACUAAABYAAAAAAAAAAAAAAAAAAAAAAAAAAAAAAAAAAAAAAAAAAAAAAAAAAAAAAAAAAAAAAA/AAAAAAAAAKCGAQAAAAAAAAAAAAAAAAAMAAAAAQAAAAAAAAAAAAAAAAAAAB8AAABUAAAAAAAABQAAAAEAAAAAAAAAAAAAAAAAAAAAAAAAAAAAAAAAAAAAAAAAAAAAAAJ/f38AAAAAA8zMzADAwP8Af39/AAAAAAAAAAAAAAAAAAAAAAAAAAAAIQAAABgAAAAUAAAAwAMAALABAABARwAAuAgAABAAAAAmAAAACAAAAAAAAAAAAAAAMAAAABQAAAAAAAAAAAD//wAAAQAAAP//AAABAA=="/>
               </a:ext>
             </a:extLst>
           </p:cNvSpPr>
@@ -1996,7 +1996,7 @@
             <a:spLocks noGrp="1" noChangeArrowheads="1"/>
             <a:extLst>
               <a:ext uri="smNativeData">
-                <pr:smNativeData xmlns:pr="smNativeData" xmlns="smNativeData" val="SMDATA_17_MUmAYRMAAAAlAAAAZAAAAA8BAAAAkAAAAEgAAACQAAAASAAAAAAAAAABAAAAAAAAAAEAAABQAAAAAAAAAAAA4D8AAAAAAADgPwAAAAAAAOA/AAAAAAAA4D8AAAAAAADgPwAAAAAAAOA/AAAAAAAA4D8AAAAAAADgPwAAAAAAAOA/AAAAAAAA4D8CAAAAjAAAAAAAAAAAAAAAu+DjDP///wgAAAAAAAAAAAAAAAAAAAAAAAAAAAAAAAAAAAAAZAAAAAEAAABAAAAAAAAAAAAAAAAAAAAAAAAAAAAAAAAAAAAAAAAAAAAAAAAAAAAAAAAAAAAAAAAAAAAAAAAAAAAAAAAAAAAAAAAAAAAAAAAAAAAAAAAAAAAAAAAAAAAAFAAAADwAAAAAAAAAAAAAAAAAAAkUAAAAAQAAABQAAAAUAAAAFAAAAAEAAAAAAAAAZAAAAGQAAAAAAAAAZAAAAGQAAAAVAAAAYAAAAAAAAAAAAAAADwAAACADAAAAAAAAAAAAAAEAAACgMgAAVgcAAKr4//8BAAAAf39/AAEAAABkAAAAAAAAABQAAABAHwAAAAAAACYAAAAAAAAAwOD//wAAAAAmAAAAZAAAABYAAABMAAAAAAAAAAAAAAAEAAAAAAAAAAEAAACAgIAKAAAAACgAAAAoAAAAZAAAAGQAAAAAAAAAzMzMAAAAAABQAAAAUAAAAGQAAABkAAAAAAAAABcAAAAUAAAAAAAAAAAAAAD/fwAA/38AAAAAAAAJAAAABAAAANw7IAEMAAAAEAAAAAAAAAAAAAAAAAAAAAAAAAAeAAAAaAAAAAAAAAAAAAAAAAAAAAAAAAAAAAAAECcAABAnAAAAAAAAAAAAAAAAAAAAAAAAAAAAAAAAAAAAAAAAAAAAABQAAAAAAAAAwMD/AAAAAABkAAAAMgAAAAAAAABkAAAAAAAAAH9/fwAKAAAAIgAAABgAAAAAAAAAAAAAAAAAAAAAAAAAAAAAAAAAAAAkAAAAJAAAAAAAAAAHAAAAAAAAAAAAAAAAAAAAAAAAAAAAAAAAAAAAf39/ACUAAABYAAAAAAAAAAAAAAAAAAAAAAAAAAAAAAAAAAAAAAAAAAAAAAAAAAAAAAAAAAAAAAA/AAAAAAAAAKCGAQAAAAAAAAAAAAAAAAAMAAAAAQAAAAAAAAAAAAAAAAAAAB8AAABUAAAAAAAABQAAAAEAAAAAAAAAAAAAAAAAAAAAAAAAAAAAAAAAAAAAAAAAAAAAAAJ/f38AAAAAA8zMzADAwP8Af39/AAAAAAAAAAAAAAAAAAAAAAAAAAAAIQAAABgAAAAUAAAAwAMAABsnAAA/FQAAWSkAABAAAAAmAAAACAAAAAAAAAAAAAAAMAAAABQAAAAAAAAAAAD//wAAAQAAAP//AAABAA=="/>
+                <pr:smNativeData xmlns:pr="smNativeData" xmlns="smNativeData" val="SMDATA_17_WnaBYRMAAAAlAAAAZAAAAA8BAAAAkAAAAEgAAACQAAAASAAAAAAAAAABAAAAAAAAAAEAAABQAAAAAAAAAAAA4D8AAAAAAADgPwAAAAAAAOA/AAAAAAAA4D8AAAAAAADgPwAAAAAAAOA/AAAAAAAA4D8AAAAAAADgPwAAAAAAAOA/AAAAAAAA4D8CAAAAjAAAAAAAAAAAAAAAu+DjDP///wgAAAAAAAAAAAAAAAAAAAAAAAAAAAAAAAAAAAAAZAAAAAEAAABAAAAAAAAAAAAAAAAAAAAAAAAAAAAAAAAAAAAAAAAAAAAAAAAAAAAAAAAAAAAAAAAAAAAAAAAAAAAAAAAAAAAAAAAAAAAAAAAAAAAAAAAAAAAAAAAAAAAAFAAAADwAAAAAAAAAAAAAAAAAAAkUAAAAAQAAABQAAAAUAAAAFAAAAAEAAAAAAAAAZAAAAGQAAAAAAAAAZAAAAGQAAAAVAAAAYAAAAAAAAAAAAAAADwAAACADAAAAAAAAAAAAAAEAAACgMgAAVgcAAKr4//8BAAAAf39/AAEAAABkAAAAAAAAABQAAABAHwAAAAAAACYAAAAAAAAAwOD//wAAAAAmAAAAZAAAABYAAABMAAAAAAAAAAAAAAAEAAAAAAAAAAEAAACAgIAKAAAAACgAAAAoAAAAZAAAAGQAAAAAAAAAzMzMAAAAAABQAAAAUAAAAGQAAABkAAAAAAAAABcAAAAUAAAAAAAAAAAAAAD/fwAA/38AAAAAAAAJAAAABAAAANw7IAEMAAAAEAAAAAAAAAAAAAAAAAAAAAAAAAAeAAAAaAAAAAAAAAAAAAAAAAAAAAAAAAAAAAAAECcAABAnAAAAAAAAAAAAAAAAAAAAAAAAAAAAAAAAAAAAAAAAAAAAABQAAAAAAAAAwMD/AAAAAABkAAAAMgAAAAAAAABkAAAAAAAAAH9/fwAKAAAAIgAAABgAAAAAAAAAAAAAAAAAAAAAAAAAAAAAAAAAAAAkAAAAJAAAAAAAAAAHAAAAAAAAAAAAAAAAAAAAAAAAAAAAAAAAAAAAf39/ACUAAABYAAAAAAAAAAAAAAAAAAAAAAAAAAAAAAAAAAAAAAAAAAAAAAAAAAAAAAAAAAAAAAA/AAAAAAAAAKCGAQAAAAAAAAAAAAAAAAAMAAAAAQAAAAAAAAAAAAAAAAAAAB8AAABUAAAAAAAABQAAAAEAAAAAAAAAAAAAAAAAAAAAAAAAAAAAAAAAAAAAAAAAAAAAAAJ/f38AAAAAA8zMzADAwP8Af39/AAAAAAAAAAAAAAAAAAAAAAAAAAAAIQAAABgAAAAUAAAAwAMAABsnAAA/FQAAWSkAABAAAAAmAAAACAAAAAAAAAAAAAAAMAAAABQAAAAAAAAAAAD//wAAAQAAAP//AAABAA=="/>
               </a:ext>
             </a:extLst>
           </p:cNvSpPr>
@@ -2010,7 +2010,7 @@
           <a:lstStyle/>
           <a:p>
             <a:pPr/>
-            <a:fld id="{21E75E1D-53CC-B2A8-825F-A5FD101174F0}" type="datetime1">
+            <a:fld id="{50A19971-3FBD-F46F-F319-C93AD757059C}" type="datetime1">
               <a:t/>
             </a:fld>
           </a:p>
@@ -2023,7 +2023,7 @@
             <a:spLocks noGrp="1" noChangeArrowheads="1"/>
             <a:extLst>
               <a:ext uri="smNativeData">
-                <pr:smNativeData xmlns:pr="smNativeData" xmlns="smNativeData" val="SMDATA_17_MUmAYRMAAAAlAAAAZAAAAA8BAAAAkAAAAEgAAACQAAAASAAAAAAAAAABAAAAAAAAAAEAAABQAAAAAAAAAAAA4D8AAAAAAADgPwAAAAAAAOA/AAAAAAAA4D8AAAAAAADgPwAAAAAAAOA/AAAAAAAA4D8AAAAAAADgPwAAAAAAAOA/AAAAAAAA4D8CAAAAjAAAAAAAAAAAAAAAu+DjDP///wgAAAAAAAAAAAAAAAAAAAAAAAAAAAAAAAAAAAAAZAAAAAEAAABAAAAAAAAAAAAAAAAAAAAAAAAAAAAAAAAAAAAAAAAAAAAAAAAAAAAAAAAAAAAAAAAAAAAAAAAAAAAAAAAAAAAAAAAAAAAAAAAAAAAAAAAAAAAAAAAAAAAAFAAAADwAAAAAAAAAAAAAAAAAAAkUAAAAAQAAABQAAAAUAAAAFAAAAAEAAAAAAAAAZAAAAGQAAAAAAAAAZAAAAGQAAAAVAAAAYAAAAAAAAAAAAAAADwAAACADAAAAAAAAAAAAAAEAAACgMgAAVgcAAKr4//8BAAAAf39/AAEAAABkAAAAAAAAABQAAABAHwAAAAAAACYAAAAAAAAAwOD//wAAAAAmAAAAZAAAABYAAABMAAAAAAAAAAAAAAAEAAAAAAAAAAEAAACAgIAKAAAAACgAAAAoAAAAZAAAAGQAAAAAAAAAzMzMAAAAAABQAAAAUAAAAGQAAABkAAAAAAAAABcAAAAUAAAAAAAAAAAAAAD/fwAA/38AAAAAAAAJAAAABAAAANw7IAEMAAAAEAAAAAAAAAAAAAAAAAAAAAAAAAAeAAAAaAAAAAAAAAAAAAAAAAAAAAAAAAAAAAAAECcAABAnAAAAAAAAAAAAAAAAAAAAAAAAAAAAAAAAAAAAAAAAAAAAABQAAAAAAAAAwMD/AAAAAABkAAAAMgAAAAAAAABkAAAAAAAAAH9/fwAKAAAAIgAAABgAAAAAAAAAAAAAAAAAAAAAAAAAAAAAAAAAAAAkAAAAJAAAAAAAAAAHAAAAAAAAAAAAAAAAAAAAAAAAAAAAAAAAAAAAf39/ACUAAABYAAAAAAAAAAAAAAAAAAAAAAAAAAAAAAAAAAAAAAAAAAAAAAAAAAAAAAAAAAAAAAA/AAAAAAAAAKCGAQAAAAAAAAAAAAAAAAAMAAAAAQAAAAAAAAAAAAAAAAAAAB8AAABUAAAAAAAABQAAAAEAAAAAAAAAAAAAAAAAAAAAAAAAAAAAAAAAAAAAAAAAAAAAAAJ/f38AAAAAA8zMzADAwP8Af39/AAAAAAAAAAAAAAAAAAAAAAAAAAAAIQAAABgAAAAUAAAAoRkAABsnAABfMQAAWSkAABAAAAAmAAAACAAAAAAAAAAAAAAAMAAAABQAAAAAAAAAAAD//wAAAQAAAP//AAABAA=="/>
+                <pr:smNativeData xmlns:pr="smNativeData" xmlns="smNativeData" val="SMDATA_17_WnaBYRMAAAAlAAAAZAAAAA8BAAAAkAAAAEgAAACQAAAASAAAAAAAAAABAAAAAAAAAAEAAABQAAAAAAAAAAAA4D8AAAAAAADgPwAAAAAAAOA/AAAAAAAA4D8AAAAAAADgPwAAAAAAAOA/AAAAAAAA4D8AAAAAAADgPwAAAAAAAOA/AAAAAAAA4D8CAAAAjAAAAAAAAAAAAAAAu+DjDP///wgAAAAAAAAAAAAAAAAAAAAAAAAAAAAAAAAAAAAAZAAAAAEAAABAAAAAAAAAAAAAAAAAAAAAAAAAAAAAAAAAAAAAAAAAAAAAAAAAAAAAAAAAAAAAAAAAAAAAAAAAAAAAAAAAAAAAAAAAAAAAAAAAAAAAAAAAAAAAAAAAAAAAFAAAADwAAAAAAAAAAAAAAAAAAAkUAAAAAQAAABQAAAAUAAAAFAAAAAEAAAAAAAAAZAAAAGQAAAAAAAAAZAAAAGQAAAAVAAAAYAAAAAAAAAAAAAAADwAAACADAAAAAAAAAAAAAAEAAACgMgAAVgcAAKr4//8BAAAAf39/AAEAAABkAAAAAAAAABQAAABAHwAAAAAAACYAAAAAAAAAwOD//wAAAAAmAAAAZAAAABYAAABMAAAAAAAAAAAAAAAEAAAAAAAAAAEAAACAgIAKAAAAACgAAAAoAAAAZAAAAGQAAAAAAAAAzMzMAAAAAABQAAAAUAAAAGQAAABkAAAAAAAAABcAAAAUAAAAAAAAAAAAAAD/fwAA/38AAAAAAAAJAAAABAAAANw7IAEMAAAAEAAAAAAAAAAAAAAAAAAAAAAAAAAeAAAAaAAAAAAAAAAAAAAAAAAAAAAAAAAAAAAAECcAABAnAAAAAAAAAAAAAAAAAAAAAAAAAAAAAAAAAAAAAAAAAAAAABQAAAAAAAAAwMD/AAAAAABkAAAAMgAAAAAAAABkAAAAAAAAAH9/fwAKAAAAIgAAABgAAAAAAAAAAAAAAAAAAAAAAAAAAAAAAAAAAAAkAAAAJAAAAAAAAAAHAAAAAAAAAAAAAAAAAAAAAAAAAAAAAAAAAAAAf39/ACUAAABYAAAAAAAAAAAAAAAAAAAAAAAAAAAAAAAAAAAAAAAAAAAAAAAAAAAAAAAAAAAAAAA/AAAAAAAAAKCGAQAAAAAAAAAAAAAAAAAMAAAAAQAAAAAAAAAAAAAAAAAAAB8AAABUAAAAAAAABQAAAAEAAAAAAAAAAAAAAAAAAAAAAAAAAAAAAAAAAAAAAAAAAAAAAAJ/f38AAAAAA8zMzADAwP8Af39/AAAAAAAAAAAAAAAAAAAAAAAAAAAAIQAAABgAAAAUAAAAoRkAABsnAABfMQAAWSkAABAAAAAmAAAACAAAAAAAAAAAAAAAMAAAABQAAAAAAAAAAAD//wAAAQAAAP//AAABAA=="/>
               </a:ext>
             </a:extLst>
           </p:cNvSpPr>
@@ -2047,7 +2047,7 @@
             <a:spLocks noGrp="1" noChangeArrowheads="1"/>
             <a:extLst>
               <a:ext uri="smNativeData">
-                <pr:smNativeData xmlns:pr="smNativeData" xmlns="smNativeData" val="SMDATA_17_MUmAYRMAAAAlAAAAZAAAAA8BAAAAkAAAAEgAAACQAAAASAAAAAAAAAABAAAAAAAAAAEAAABQAAAAAAAAAAAA4D8AAAAAAADgPwAAAAAAAOA/AAAAAAAA4D8AAAAAAADgPwAAAAAAAOA/AAAAAAAA4D8AAAAAAADgPwAAAAAAAOA/AAAAAAAA4D8CAAAAjAAAAAAAAAAAAAAAu+DjDP///wgAAAAAAAAAAAAAAAAAAAAAAAAAAAAAAAAAAAAAZAAAAAEAAABAAAAAAAAAAAAAAAAAAAAAAAAAAAAAAAAAAAAAAAAAAAAAAAAAAAAAAAAAAAAAAAAAAAAAAAAAAAAAAAAAAAAAAAAAAAAAAAAAAAAAAAAAAAAAAAAAAAAAFAAAADwAAAAAAAAAAAAAAAAAAAkUAAAAAQAAABQAAAAUAAAAFAAAAAEAAAAAAAAAZAAAAGQAAAAAAAAAZAAAAGQAAAAVAAAAYAAAAAAAAAAAAAAADwAAACADAAAAAAAAAAAAAAEAAACgMgAAVgcAAKr4//8BAAAAf39/AAEAAABkAAAAAAAAABQAAABAHwAAAAAAACYAAAAAAAAAwOD//wAAAAAmAAAAZAAAABYAAABMAAAAAAAAAAAAAAAEAAAAAAAAAAEAAACAgIAKAAAAACgAAAAoAAAAZAAAAGQAAAAAAAAAzMzMAAAAAABQAAAAUAAAAGQAAABkAAAAAAAAABcAAAAUAAAAAAAAAAAAAAD/fwAA/38AAAAAAAAJAAAABAAAANw7IAEMAAAAEAAAAAAAAAAAAAAAAAAAAAAAAAAeAAAAaAAAAAAAAAAAAAAAAAAAAAAAAAAAAAAAECcAABAnAAAAAAAAAAAAAAAAAAAAAAAAAAAAAAAAAAAAAAAAAAAAABQAAAAAAAAAwMD/AAAAAABkAAAAMgAAAAAAAABkAAAAAAAAAH9/fwAKAAAAIgAAABgAAAAAAAAAAAAAAAAAAAAAAAAAAAAAAAAAAAAkAAAAJAAAAAAAAAAHAAAAAAAAAAAAAAAAAAAAAAAAAAAAAAAAAAAAf39/ACUAAABYAAAAAAAAAAAAAAAAAAAAAAAAAAAAAAAAAAAAAAAAAAAAAAAAAAAAAAAAAAAAAAA/AAAAAAAAAKCGAQAAAAAAAAAAAAAAAAAMAAAAAQAAAAAAAAAAAAAAAAAAAB8AAABUAAAAAAAABQAAAAEAAAAAAAAAAAAAAAAAAAAAAAAAAAAAAAAAAAAAAAAAAAAAAAJ/f38AAAAAA8zMzADAwP8Af39/AAAAAAAAAAAAAAAAAAAAAAAAAAAAIQAAABgAAAAUAAAAwTUAABsnAABARwAAWSkAABAAAAAmAAAACAAAAAAAAAAAAAAAMAAAABQAAAAAAAAAAAD//wAAAQAAAP//AAABAA=="/>
+                <pr:smNativeData xmlns:pr="smNativeData" xmlns="smNativeData" val="SMDATA_17_WnaBYRMAAAAlAAAAZAAAAA8BAAAAkAAAAEgAAACQAAAASAAAAAAAAAABAAAAAAAAAAEAAABQAAAAAAAAAAAA4D8AAAAAAADgPwAAAAAAAOA/AAAAAAAA4D8AAAAAAADgPwAAAAAAAOA/AAAAAAAA4D8AAAAAAADgPwAAAAAAAOA/AAAAAAAA4D8CAAAAjAAAAAAAAAAAAAAAu+DjDP///wgAAAAAAAAAAAAAAAAAAAAAAAAAAAAAAAAAAAAAZAAAAAEAAABAAAAAAAAAAAAAAAAAAAAAAAAAAAAAAAAAAAAAAAAAAAAAAAAAAAAAAAAAAAAAAAAAAAAAAAAAAAAAAAAAAAAAAAAAAAAAAAAAAAAAAAAAAAAAAAAAAAAAFAAAADwAAAAAAAAAAAAAAAAAAAkUAAAAAQAAABQAAAAUAAAAFAAAAAEAAAAAAAAAZAAAAGQAAAAAAAAAZAAAAGQAAAAVAAAAYAAAAAAAAAAAAAAADwAAACADAAAAAAAAAAAAAAEAAACgMgAAVgcAAKr4//8BAAAAf39/AAEAAABkAAAAAAAAABQAAABAHwAAAAAAACYAAAAAAAAAwOD//wAAAAAmAAAAZAAAABYAAABMAAAAAAAAAAAAAAAEAAAAAAAAAAEAAACAgIAKAAAAACgAAAAoAAAAZAAAAGQAAAAAAAAAzMzMAAAAAABQAAAAUAAAAGQAAABkAAAAAAAAABcAAAAUAAAAAAAAAAAAAAD/fwAA/38AAAAAAAAJAAAABAAAANw7IAEMAAAAEAAAAAAAAAAAAAAAAAAAAAAAAAAeAAAAaAAAAAAAAAAAAAAAAAAAAAAAAAAAAAAAECcAABAnAAAAAAAAAAAAAAAAAAAAAAAAAAAAAAAAAAAAAAAAAAAAABQAAAAAAAAAwMD/AAAAAABkAAAAMgAAAAAAAABkAAAAAAAAAH9/fwAKAAAAIgAAABgAAAAAAAAAAAAAAAAAAAAAAAAAAAAAAAAAAAAkAAAAJAAAAAAAAAAHAAAAAAAAAAAAAAAAAAAAAAAAAAAAAAAAAAAAf39/ACUAAABYAAAAAAAAAAAAAAAAAAAAAAAAAAAAAAAAAAAAAAAAAAAAAAAAAAAAAAAAAAAAAAA/AAAAAAAAAKCGAQAAAAAAAAAAAAAAAAAMAAAAAQAAAAAAAAAAAAAAAAAAAB8AAABUAAAAAAAABQAAAAEAAAAAAAAAAAAAAAAAAAAAAAAAAAAAAAAAAAAAAAAAAAAAAAJ/f38AAAAAA8zMzADAwP8Af39/AAAAAAAAAAAAAAAAAAAAAAAAAAAAIQAAABgAAAAUAAAAwTUAABsnAABARwAAWSkAABAAAAAmAAAACAAAAAAAAAAAAAAAMAAAABQAAAAAAAAAAAD//wAAAQAAAP//AAABAA=="/>
               </a:ext>
             </a:extLst>
           </p:cNvSpPr>
@@ -2061,7 +2061,7 @@
           <a:lstStyle/>
           <a:p>
             <a:pPr/>
-            <a:fld id="{0C48A71C-52E1-1D51-AFF0-A404E9BE59F1}" type="slidenum">
+            <a:fld id="{72BFDA7A-349F-EA2C-D107-C27994492797}" type="slidenum">
               <a:t/>
             </a:fld>
           </a:p>
@@ -2100,7 +2100,7 @@
             <a:spLocks noGrp="1" noChangeArrowheads="1"/>
             <a:extLst>
               <a:ext uri="smNativeData">
-                <pr:smNativeData xmlns:pr="smNativeData" xmlns="smNativeData" val="SMDATA_17_MUmAYRMAAAAlAAAAZAAAAA8BAAAAkAAAAEgAAACQAAAASAAAAAAAAAABAAAAAAAAAAEAAABQAAAAAAAAAAAA4D8AAAAAAADgPwAAAAAAAOA/AAAAAAAA4D8AAAAAAADgPwAAAAAAAOA/AAAAAAAA4D8AAAAAAADgPwAAAAAAAOA/AAAAAAAA4D8CAAAAjAAAAAAAAAAAAAAAu+DjDP///wgAAAAAAAAAAAAAAAAAAAAAAAAAAAAAAAAAAAAAZAAAAAEAAABAAAAAAAAAAAAAAAAAAAAAAAAAAAAAAAAAAAAAAAAAAAAAAAAAAAAAAAAAAAAAAAAAAAAAAAAAAAAAAAAAAAAAAAAAAAAAAAAAAAAAAAAAAAAAAAAAAAAAFAAAADwAAAAAAAAAAAAAAAAAAAkUAAAAAQAAABQAAAAUAAAAFAAAAAEAAAAAAAAAZAAAAGQAAAAAAAAAZAAAAGQAAAAVAAAAYAAAAAAAAAAAAAAADwAAACADAAAAAAAAAAAAAAEAAACgMgAAVgcAAKr4//8BAAAAf39/AAEAAABkAAAAAAAAABQAAABAHwAAAAAAACYAAAAAAAAAwOD//wAAAAAmAAAAZAAAABYAAABMAAAAAAAAAAAAAAAEAAAAAAAAAAEAAACAgIAKAAAAACgAAAAoAAAAZAAAAGQAAAAAAAAAzMzMAAAAAABQAAAAUAAAAGQAAABkAAAAAAAAABcAAAAUAAAAAAAAAAAAAAD/fwAA/38AAAAAAAAJAAAABAAAANw7IAEMAAAAEAAAAAAAAAAAAAAAAAAAAAAAAAAeAAAAaAAAAAAAAAAAAAAAAAAAAAAAAAAAAAAAECcAABAnAAAAAAAAAAAAAAAAAAAAAAAAAAAAAAAAAAAAAAAAAAAAABQAAAAAAAAAwMD/AAAAAABkAAAAMgAAAAAAAABkAAAAAAAAAH9/fwAKAAAAIgAAABgAAAAAAAAAAAAAAAAAAAAAAAAAAAAAAAAAAAAkAAAAJAAAAAAAAAAHAAAAAAAAAAAAAAAAAAAAAAAAAAAAAAAAAAAAf39/ACUAAABYAAAAAAAAAAAAAAAAAAAAAAAAAAAAAAAAAAAAAAAAAAAAAAAAAAAAAAAAAAAAAAA/AAAAAAAAAKCGAQAAAAAAAAAAAAAAAAAMAAAAAQAAAAAAAAAAAAAAAAAAAB8AAABUAAAAAAAABQAAAAEAAAAAAAAAAAAAAAAAAAAAAAAAAAAAAAAAAAAAAAAAAAAAAAJ/f38AAAAAA8zMzADAwP8Af39/AAAAAAAAAAAAAAAAAAAAAAAAAAAAIQAAABgAAAAUAAAAwAMAABsnAAA/FQAAWSkAABAAAAAmAAAACAAAAAAAAAAAAAAAMAAAABQAAAAAAAAAAAD//wAAAQAAAP//AAABAA=="/>
+                <pr:smNativeData xmlns:pr="smNativeData" xmlns="smNativeData" val="SMDATA_17_WnaBYRMAAAAlAAAAZAAAAA8BAAAAkAAAAEgAAACQAAAASAAAAAAAAAABAAAAAAAAAAEAAABQAAAAAAAAAAAA4D8AAAAAAADgPwAAAAAAAOA/AAAAAAAA4D8AAAAAAADgPwAAAAAAAOA/AAAAAAAA4D8AAAAAAADgPwAAAAAAAOA/AAAAAAAA4D8CAAAAjAAAAAAAAAAAAAAAu+DjDP///wgAAAAAAAAAAAAAAAAAAAAAAAAAAAAAAAAAAAAAZAAAAAEAAABAAAAAAAAAAAAAAAAAAAAAAAAAAAAAAAAAAAAAAAAAAAAAAAAAAAAAAAAAAAAAAAAAAAAAAAAAAAAAAAAAAAAAAAAAAAAAAAAAAAAAAAAAAAAAAAAAAAAAFAAAADwAAAAAAAAAAAAAAAAAAAkUAAAAAQAAABQAAAAUAAAAFAAAAAEAAAAAAAAAZAAAAGQAAAAAAAAAZAAAAGQAAAAVAAAAYAAAAAAAAAAAAAAADwAAACADAAAAAAAAAAAAAAEAAACgMgAAVgcAAKr4//8BAAAAf39/AAEAAABkAAAAAAAAABQAAABAHwAAAAAAACYAAAAAAAAAwOD//wAAAAAmAAAAZAAAABYAAABMAAAAAAAAAAAAAAAEAAAAAAAAAAEAAACAgIAKAAAAACgAAAAoAAAAZAAAAGQAAAAAAAAAzMzMAAAAAABQAAAAUAAAAGQAAABkAAAAAAAAABcAAAAUAAAAAAAAAAAAAAD/fwAA/38AAAAAAAAJAAAABAAAANw7IAEMAAAAEAAAAAAAAAAAAAAAAAAAAAAAAAAeAAAAaAAAAAAAAAAAAAAAAAAAAAAAAAAAAAAAECcAABAnAAAAAAAAAAAAAAAAAAAAAAAAAAAAAAAAAAAAAAAAAAAAABQAAAAAAAAAwMD/AAAAAABkAAAAMgAAAAAAAABkAAAAAAAAAH9/fwAKAAAAIgAAABgAAAAAAAAAAAAAAAAAAAAAAAAAAAAAAAAAAAAkAAAAJAAAAAAAAAAHAAAAAAAAAAAAAAAAAAAAAAAAAAAAAAAAAAAAf39/ACUAAABYAAAAAAAAAAAAAAAAAAAAAAAAAAAAAAAAAAAAAAAAAAAAAAAAAAAAAAAAAAAAAAA/AAAAAAAAAKCGAQAAAAAAAAAAAAAAAAAMAAAAAQAAAAAAAAAAAAAAAAAAAB8AAABUAAAAAAAABQAAAAEAAAAAAAAAAAAAAAAAAAAAAAAAAAAAAAAAAAAAAAAAAAAAAAJ/f38AAAAAA8zMzADAwP8Af39/AAAAAAAAAAAAAAAAAAAAAAAAAAAAIQAAABgAAAAUAAAAwAMAABsnAAA/FQAAWSkAABAAAAAmAAAACAAAAAAAAAAAAAAAMAAAABQAAAAAAAAAAAD//wAAAQAAAP//AAABAA=="/>
               </a:ext>
             </a:extLst>
           </p:cNvSpPr>
@@ -2114,7 +2114,7 @@
           <a:lstStyle/>
           <a:p>
             <a:pPr/>
-            <a:fld id="{041D8813-5DE9-487E-A7A5-AB2BC6EB51FE}" type="datetime1">
+            <a:fld id="{2524DDC5-8BC8-712B-869C-7D7E93D27028}" type="datetime1">
               <a:t/>
             </a:fld>
           </a:p>
@@ -2127,7 +2127,7 @@
             <a:spLocks noGrp="1" noChangeArrowheads="1"/>
             <a:extLst>
               <a:ext uri="smNativeData">
-                <pr:smNativeData xmlns:pr="smNativeData" xmlns="smNativeData" val="SMDATA_17_MUmAYRMAAAAlAAAAZAAAAA8BAAAAkAAAAEgAAACQAAAASAAAAAAAAAABAAAAAAAAAAEAAABQAAAAAAAAAAAA4D8AAAAAAADgPwAAAAAAAOA/AAAAAAAA4D8AAAAAAADgPwAAAAAAAOA/AAAAAAAA4D8AAAAAAADgPwAAAAAAAOA/AAAAAAAA4D8CAAAAjAAAAAAAAAAAAAAAu+DjDP///wgAAAAAAAAAAAAAAAAAAAAAAAAAAAAAAAAAAAAAZAAAAAEAAABAAAAAAAAAAAAAAAAAAAAAAAAAAAAAAAAAAAAAAAAAAAAAAAAAAAAAAAAAAAAAAAAAAAAAAAAAAAAAAAAAAAAAAAAAAAAAAAAAAAAAAAAAAAAAAAAAAAAAFAAAADwAAAAAAAAAAAAAAAAAAAkUAAAAAQAAABQAAAAUAAAAFAAAAAEAAAAAAAAAZAAAAGQAAAAAAAAAZAAAAGQAAAAVAAAAYAAAAAAAAAAAAAAADwAAACADAAAAAAAAAAAAAAEAAACgMgAAVgcAAKr4//8BAAAAf39/AAEAAABkAAAAAAAAABQAAABAHwAAAAAAACYAAAAAAAAAwOD//wAAAAAmAAAAZAAAABYAAABMAAAAAAAAAAAAAAAEAAAAAAAAAAEAAACAgIAKAAAAACgAAAAoAAAAZAAAAGQAAAAAAAAAzMzMAAAAAABQAAAAUAAAAGQAAABkAAAAAAAAABcAAAAUAAAAAAAAAAAAAAD/fwAA/38AAAAAAAAJAAAABAAAAAAAAAAMAAAAEAAAAAAAAAAAAAAAAAAAAAAAAAAeAAAAaAAAAAAAAAAAAAAAAAAAAAAAAAAAAAAAECcAABAnAAAAAAAAAAAAAAAAAAAAAAAAAAAAAAAAAAAAAAAAAAAAABQAAAAAAAAAwMD/AAAAAABkAAAAMgAAAAAAAABkAAAAAAAAAH9/fwAKAAAAIgAAABgAAAAAAAAAAAAAAAAAAAAAAAAAAAAAAAAAAAAkAAAAJAAAAAAAAAAHAAAAAAAAAAAAAAAAAAAAAAAAAAAAAAAAAAAAf39/ACUAAABYAAAAAAAAAAAAAAAAAAAAAAAAAAAAAAAAAAAAAAAAAAAAAAAAAAAAAAAAAAAAAAA/AAAAAAAAAKCGAQAAAAAAAAAAAAAAAAAMAAAAAQAAAAAAAAAAAAAAAAAAAB8AAABUAAAAAAAABQAAAAEAAAAAAAAAAAAAAAAAAAAAAAAAAAAAAAAAAAAAAAAAAAAAAAJ/f38AAAAAA8zMzADAwP8Af39/AAAAAAAAAAAAAAAAAAAAAAAAAAAAIQAAABgAAAAUAAAAoRkAABsnAABfMQAAWSkAABAAAAAmAAAACAAAAAAAAAAAAAAAMAAAABQAAAAAAAAAAAD//wAAAQAAAP//AAABAA=="/>
+                <pr:smNativeData xmlns:pr="smNativeData" xmlns="smNativeData" val="SMDATA_17_WnaBYRMAAAAlAAAAZAAAAA8BAAAAkAAAAEgAAACQAAAASAAAAAAAAAABAAAAAAAAAAEAAABQAAAAAAAAAAAA4D8AAAAAAADgPwAAAAAAAOA/AAAAAAAA4D8AAAAAAADgPwAAAAAAAOA/AAAAAAAA4D8AAAAAAADgPwAAAAAAAOA/AAAAAAAA4D8CAAAAjAAAAAAAAAAAAAAAu+DjDP///wgAAAAAAAAAAAAAAAAAAAAAAAAAAAAAAAAAAAAAZAAAAAEAAABAAAAAAAAAAAAAAAAAAAAAAAAAAAAAAAAAAAAAAAAAAAAAAAAAAAAAAAAAAAAAAAAAAAAAAAAAAAAAAAAAAAAAAAAAAAAAAAAAAAAAAAAAAAAAAAAAAAAAFAAAADwAAAAAAAAAAAAAAAAAAAkUAAAAAQAAABQAAAAUAAAAFAAAAAEAAAAAAAAAZAAAAGQAAAAAAAAAZAAAAGQAAAAVAAAAYAAAAAAAAAAAAAAADwAAACADAAAAAAAAAAAAAAEAAACgMgAAVgcAAKr4//8BAAAAf39/AAEAAABkAAAAAAAAABQAAABAHwAAAAAAACYAAAAAAAAAwOD//wAAAAAmAAAAZAAAABYAAABMAAAAAAAAAAAAAAAEAAAAAAAAAAEAAACAgIAKAAAAACgAAAAoAAAAZAAAAGQAAAAAAAAAzMzMAAAAAABQAAAAUAAAAGQAAABkAAAAAAAAABcAAAAUAAAAAAAAAAAAAAD/fwAA/38AAAAAAAAJAAAABAAAAAAAAAAMAAAAEAAAAAAAAAAAAAAAAAAAAAAAAAAeAAAAaAAAAAAAAAAAAAAAAAAAAAAAAAAAAAAAECcAABAnAAAAAAAAAAAAAAAAAAAAAAAAAAAAAAAAAAAAAAAAAAAAABQAAAAAAAAAwMD/AAAAAABkAAAAMgAAAAAAAABkAAAAAAAAAH9/fwAKAAAAIgAAABgAAAAAAAAAAAAAAAAAAAAAAAAAAAAAAAAAAAAkAAAAJAAAAAAAAAAHAAAAAAAAAAAAAAAAAAAAAAAAAAAAAAAAAAAAf39/ACUAAABYAAAAAAAAAAAAAAAAAAAAAAAAAAAAAAAAAAAAAAAAAAAAAAAAAAAAAAAAAAAAAAA/AAAAAAAAAKCGAQAAAAAAAAAAAAAAAAAMAAAAAQAAAAAAAAAAAAAAAAAAAB8AAABUAAAAAAAABQAAAAEAAAAAAAAAAAAAAAAAAAAAAAAAAAAAAAAAAAAAAAAAAAAAAAJ/f38AAAAAA8zMzADAwP8Af39/AAAAAAAAAAAAAAAAAAAAAAAAAAAAIQAAABgAAAAUAAAAoRkAABsnAABfMQAAWSkAABAAAAAmAAAACAAAAAAAAAAAAAAAMAAAABQAAAAAAAAAAAD//wAAAQAAAP//AAABAA=="/>
               </a:ext>
             </a:extLst>
           </p:cNvSpPr>
@@ -2151,7 +2151,7 @@
             <a:spLocks noGrp="1" noChangeArrowheads="1"/>
             <a:extLst>
               <a:ext uri="smNativeData">
-                <pr:smNativeData xmlns:pr="smNativeData" xmlns="smNativeData" val="SMDATA_17_MUmAYRMAAAAlAAAAZAAAAA8BAAAAkAAAAEgAAACQAAAASAAAAAAAAAABAAAAAAAAAAEAAABQAAAAAAAAAAAA4D8AAAAAAADgPwAAAAAAAOA/AAAAAAAA4D8AAAAAAADgPwAAAAAAAOA/AAAAAAAA4D8AAAAAAADgPwAAAAAAAOA/AAAAAAAA4D8CAAAAjAAAAAAAAAAAAAAAu+DjDP///wgAAAAAAAAAAAAAAAAAAAAAAAAAAAAAAAAAAAAAZAAAAAEAAABAAAAAAAAAAAAAAAAAAAAAAAAAAAAAAAAAAAAAAAAAAAAAAAAAAAAAAAAAAAAAAAAAAAAAAAAAAAAAAAAAAAAAAAAAAAAAAAAAAAAAAAAAAAAAAAAAAAAAFAAAADwAAAAAAAAAAAAAAAAAAAkUAAAAAQAAABQAAAAUAAAAFAAAAAEAAAAAAAAAZAAAAGQAAAAAAAAAZAAAAGQAAAAVAAAAYAAAAAAAAAAAAAAADwAAACADAAAAAAAAAAAAAAEAAACgMgAAVgcAAKr4//8BAAAAf39/AAEAAABkAAAAAAAAABQAAABAHwAAAAAAACYAAAAAAAAAwOD//wAAAAAmAAAAZAAAABYAAABMAAAAAAAAAAAAAAAEAAAAAAAAAAEAAACAgIAKAAAAACgAAAAoAAAAZAAAAGQAAAAAAAAAzMzMAAAAAABQAAAAUAAAAGQAAABkAAAAAAAAABcAAAAUAAAAAAAAAAAAAAD/fwAA/38AAAAAAAAJAAAABAAAAAAAAAAMAAAAEAAAAAAAAAAAAAAAAAAAAAAAAAAeAAAAaAAAAAAAAAAAAAAAAAAAAAAAAAAAAAAAECcAABAnAAAAAAAAAAAAAAAAAAAAAAAAAAAAAAAAAAAAAAAAAAAAABQAAAAAAAAAwMD/AAAAAABkAAAAMgAAAAAAAABkAAAAAAAAAH9/fwAKAAAAIgAAABgAAAAAAAAAAAAAAAAAAAAAAAAAAAAAAAAAAAAkAAAAJAAAAAAAAAAHAAAAAAAAAAAAAAAAAAAAAAAAAAAAAAAAAAAAf39/ACUAAABYAAAAAAAAAAAAAAAAAAAAAAAAAAAAAAAAAAAAAAAAAAAAAAAAAAAAAAAAAAAAAAA/AAAAAAAAAKCGAQAAAAAAAAAAAAAAAAAMAAAAAQAAAAAAAAAAAAAAAAAAAB8AAABUAAAAAAAABQAAAAEAAAAAAAAAAAAAAAAAAAAAAAAAAAAAAAAAAAAAAAAAAAAAAAJ/f38AAAAAA8zMzADAwP8Af39/AAAAAAAAAAAAAAAAAAAAAAAAAAAAIQAAABgAAAAUAAAAwTUAABsnAABARwAAWSkAABAAAAAmAAAACAAAAAAAAAAAAAAAMAAAABQAAAAAAAAAAAD//wAAAQAAAP//AAABAA=="/>
+                <pr:smNativeData xmlns:pr="smNativeData" xmlns="smNativeData" val="SMDATA_17_WnaBYRMAAAAlAAAAZAAAAA8BAAAAkAAAAEgAAACQAAAASAAAAAAAAAABAAAAAAAAAAEAAABQAAAAAAAAAAAA4D8AAAAAAADgPwAAAAAAAOA/AAAAAAAA4D8AAAAAAADgPwAAAAAAAOA/AAAAAAAA4D8AAAAAAADgPwAAAAAAAOA/AAAAAAAA4D8CAAAAjAAAAAAAAAAAAAAAu+DjDP///wgAAAAAAAAAAAAAAAAAAAAAAAAAAAAAAAAAAAAAZAAAAAEAAABAAAAAAAAAAAAAAAAAAAAAAAAAAAAAAAAAAAAAAAAAAAAAAAAAAAAAAAAAAAAAAAAAAAAAAAAAAAAAAAAAAAAAAAAAAAAAAAAAAAAAAAAAAAAAAAAAAAAAFAAAADwAAAAAAAAAAAAAAAAAAAkUAAAAAQAAABQAAAAUAAAAFAAAAAEAAAAAAAAAZAAAAGQAAAAAAAAAZAAAAGQAAAAVAAAAYAAAAAAAAAAAAAAADwAAACADAAAAAAAAAAAAAAEAAACgMgAAVgcAAKr4//8BAAAAf39/AAEAAABkAAAAAAAAABQAAABAHwAAAAAAACYAAAAAAAAAwOD//wAAAAAmAAAAZAAAABYAAABMAAAAAAAAAAAAAAAEAAAAAAAAAAEAAACAgIAKAAAAACgAAAAoAAAAZAAAAGQAAAAAAAAAzMzMAAAAAABQAAAAUAAAAGQAAABkAAAAAAAAABcAAAAUAAAAAAAAAAAAAAD/fwAA/38AAAAAAAAJAAAABAAAAAAAAAAMAAAAEAAAAAAAAAAAAAAAAAAAAAAAAAAeAAAAaAAAAAAAAAAAAAAAAAAAAAAAAAAAAAAAECcAABAnAAAAAAAAAAAAAAAAAAAAAAAAAAAAAAAAAAAAAAAAAAAAABQAAAAAAAAAwMD/AAAAAABkAAAAMgAAAAAAAABkAAAAAAAAAH9/fwAKAAAAIgAAABgAAAAAAAAAAAAAAAAAAAAAAAAAAAAAAAAAAAAkAAAAJAAAAAAAAAAHAAAAAAAAAAAAAAAAAAAAAAAAAAAAAAAAAAAAf39/ACUAAABYAAAAAAAAAAAAAAAAAAAAAAAAAAAAAAAAAAAAAAAAAAAAAAAAAAAAAAAAAAAAAAA/AAAAAAAAAKCGAQAAAAAAAAAAAAAAAAAMAAAAAQAAAAAAAAAAAAAAAAAAAB8AAABUAAAAAAAABQAAAAEAAAAAAAAAAAAAAAAAAAAAAAAAAAAAAAAAAAAAAAAAAAAAAAJ/f38AAAAAA8zMzADAwP8Af39/AAAAAAAAAAAAAAAAAAAAAAAAAAAAIQAAABgAAAAUAAAAwTUAABsnAABARwAAWSkAABAAAAAmAAAACAAAAAAAAAAAAAAAMAAAABQAAAAAAAAAAAD//wAAAQAAAP//AAABAA=="/>
               </a:ext>
             </a:extLst>
           </p:cNvSpPr>
@@ -2165,7 +2165,7 @@
           <a:lstStyle/>
           <a:p>
             <a:pPr/>
-            <a:fld id="{1A9BD2F1-BFF7-CE24-B923-49719C6D4F1C}" type="slidenum">
+            <a:fld id="{07A566AE-E0EA-F090-A41D-16C528535243}" type="slidenum">
               <a:t/>
             </a:fld>
           </a:p>
@@ -2204,7 +2204,7 @@
             <a:spLocks noGrp="1" noChangeArrowheads="1"/>
             <a:extLst>
               <a:ext uri="smNativeData">
-                <pr:smNativeData xmlns:pr="smNativeData" xmlns="smNativeData" val="SMDATA_17_MUmAYRMAAAAlAAAAZAAAAA8BAAAAkAAAAEgAAACQAAAASAAAAAAAAAACAAAAAAAAAAEAAABQAAAAAAAAAAAA4D8AAAAAAADgPwAAAAAAAOA/AAAAAAAA4D8AAAAAAADgPwAAAAAAAOA/AAAAAAAA4D8AAAAAAADgPwAAAAAAAOA/AAAAAAAA4D8CAAAAjAAAAAAAAAAAAAAAu+DjDP///wgAAAAAAAAAAAAAAAAAAAAAAAAAAAAAAAAAAAAAZAAAAAEAAABAAAAAAAAAAAAAAAAAAAAAAAAAAAAAAAAAAAAAAAAAAAAAAAAAAAAAAAAAAAAAAAAAAAAAAAAAAAAAAAAAAAAAAAAAAAAAAAAAAAAAAAAAAAAAAAAAAAAAFAAAADwAAAAAAAAAAAAAAAAAAAkUAAAAAQAAABQAAAAUAAAAFAAAAAEAAAAAAAAAZAAAAGQAAAAAAAAAZAAAAGQAAAAVAAAAYAAAAAAAAAAAAAAADwAAACADAAAAAAAAAAAAAAEAAACgMgAAVgcAAKr4//8BAAAAf39/AAEAAABkAAAAAAAAABQAAABAHwAAAAAAACYAAAAAAAAAwOD//wAAAAAmAAAAZAAAABYAAABMAAAAAAAAAAAAAAAEAAAAAAAAAAEAAACAgIAKAAAAACgAAAAoAAAAZAAAAGQAAAAAAAAAzMzMAAAAAABQAAAAUAAAAGQAAABkAAAAAAAAABcAAAAUAAAAAAAAAAAAAAD/fwAA/38AAAAAAAAJAAAABAAAAAAAAAAMAAAAEAAAAAAAAAAAAAAAAAAAAAAAAAAeAAAAaAAAAAAAAAAAAAAAAAAAAAAAAAAAAAAAECcAABAnAAAAAAAAAAAAAAAAAAAAAAAAAAAAAAAAAAAAAAAAAAAAABQAAAAAAAAAwMD/AAAAAABkAAAAMgAAAAAAAABkAAAAAAAAAH9/fwAKAAAAIgAAABgAAAAAAAAAAAAAAAAAAAAAAAAAAAAAAAAAAAAkAAAAJAAAAAAAAAAHAAAAAAAAAAAAAAAAAAAAAAAAAAAAAAAAAAAAf39/ACUAAABYAAAAAAAAAAAAAAAAAAAAAAAAAAAAAAAAAAAAAAAAAAAAAAAAAAAAAAAAAAAAAAA/AAAAAAAAAKCGAQAAAAAAAAAAAAAAAAAMAAAAAQAAAAAAAAAAAAAAAAAAAB8AAABUAAAAAAAABQAAAAEAAAAAAAAAAAAAAAAAAAAAAAAAAAAAAAAAAAAAAAAAAAAAAAJ/f38AAAAAA8zMzADAwP8Af39/AAAAAAAAAAAAAAAAAAAAAAAAAAAAIQAAABgAAAAUAAAAwAMAAK4BAABtHAAA1AgAABAAAAAmAAAACAAAAIGAAAAAAAAAMAAAABQAAAAAAAAAAAD//wAAAQAAAP//AAABAA=="/>
+                <pr:smNativeData xmlns:pr="smNativeData" xmlns="smNativeData" val="SMDATA_17_WnaBYRMAAAAlAAAAZAAAAA8BAAAAkAAAAEgAAACQAAAASAAAAAAAAAACAAAAAAAAAAEAAABQAAAAAAAAAAAA4D8AAAAAAADgPwAAAAAAAOA/AAAAAAAA4D8AAAAAAADgPwAAAAAAAOA/AAAAAAAA4D8AAAAAAADgPwAAAAAAAOA/AAAAAAAA4D8CAAAAjAAAAAAAAAAAAAAAu+DjDP///wgAAAAAAAAAAAAAAAAAAAAAAAAAAAAAAAAAAAAAZAAAAAEAAABAAAAAAAAAAAAAAAAAAAAAAAAAAAAAAAAAAAAAAAAAAAAAAAAAAAAAAAAAAAAAAAAAAAAAAAAAAAAAAAAAAAAAAAAAAAAAAAAAAAAAAAAAAAAAAAAAAAAAFAAAADwAAAAAAAAAAAAAAAAAAAkUAAAAAQAAABQAAAAUAAAAFAAAAAEAAAAAAAAAZAAAAGQAAAAAAAAAZAAAAGQAAAAVAAAAYAAAAAAAAAAAAAAADwAAACADAAAAAAAAAAAAAAEAAACgMgAAVgcAAKr4//8BAAAAf39/AAEAAABkAAAAAAAAABQAAABAHwAAAAAAACYAAAAAAAAAwOD//wAAAAAmAAAAZAAAABYAAABMAAAAAAAAAAAAAAAEAAAAAAAAAAEAAACAgIAKAAAAACgAAAAoAAAAZAAAAGQAAAAAAAAAzMzMAAAAAABQAAAAUAAAAGQAAABkAAAAAAAAABcAAAAUAAAAAAAAAAAAAAD/fwAA/38AAAAAAAAJAAAABAAAAAAAAAAMAAAAEAAAAAAAAAAAAAAAAAAAAAAAAAAeAAAAaAAAAAAAAAAAAAAAAAAAAAAAAAAAAAAAECcAABAnAAAAAAAAAAAAAAAAAAAAAAAAAAAAAAAAAAAAAAAAAAAAABQAAAAAAAAAwMD/AAAAAABkAAAAMgAAAAAAAABkAAAAAAAAAH9/fwAKAAAAIgAAABgAAAAAAAAAAAAAAAAAAAAAAAAAAAAAAAAAAAAkAAAAJAAAAAAAAAAHAAAAAAAAAAAAAAAAAAAAAAAAAAAAAAAAAAAAf39/ACUAAABYAAAAAAAAAAAAAAAAAAAAAAAAAAAAAAAAAAAAAAAAAAAAAAAAAAAAAAAAAAAAAAA/AAAAAAAAAKCGAQAAAAAAAAAAAAAAAAAMAAAAAQAAAAAAAAAAAAAAAAAAAB8AAABUAAAAAAAABQAAAAEAAAAAAAAAAAAAAAAAAAAAAAAAAAAAAAAAAAAAAAAAAAAAAAJ/f38AAAAAA8zMzADAwP8Af39/AAAAAAAAAAAAAAAAAAAAAAAAAAAAIQAAABgAAAAUAAAAwAMAAK4BAABtHAAA1AgAABAAAAAmAAAACAAAAIGAAAAAAAAAMAAAABQAAAAAAAAAAAD//wAAAQAAAP//AAABAA=="/>
               </a:ext>
             </a:extLst>
           </p:cNvSpPr>
@@ -2244,7 +2244,7 @@
             <a:spLocks noGrp="1" noChangeArrowheads="1"/>
             <a:extLst>
               <a:ext uri="smNativeData">
-                <pr:smNativeData xmlns:pr="smNativeData" xmlns="smNativeData" val="SMDATA_17_MUmAYRMAAAAlAAAAZAAAAA8BAAAAkAAAAEgAAACQAAAASAAAAAAAAAAAAAAAAAAAAAEAAABQAAAAAAAAAAAA4D8AAAAAAADgPwAAAAAAAOA/AAAAAAAA4D8AAAAAAADgPwAAAAAAAOA/AAAAAAAA4D8AAAAAAADgPwAAAAAAAOA/AAAAAAAA4D8CAAAAjAAAAAAAAAAAAAAAu+DjDP///wgAAAAAAAAAAAAAAAAAAAAAAAAAAAAAAAAAAAAAZAAAAAEAAABAAAAAAAAAAAAAAAAAAAAAAAAAAAAAAAAAAAAAAAAAAAAAAAAAAAAAAAAAAAAAAAAAAAAAAAAAAAAAAAAAAAAAAAAAAAAAAAAAAAAAAAAAAAAAAAAAAAAAFAAAADwAAAAAAAAAAAAAAAAAAAkUAAAAAQAAABQAAAAUAAAAFAAAAAEAAAAAAAAAZAAAAGQAAAAAAAAAZAAAAGQAAAAVAAAAYAAAAAAAAAAAAAAADwAAACADAAAAAAAAAAAAAAEAAACgMgAAVgcAAKr4//8BAAAAf39/AAEAAABkAAAAAAAAABQAAABAHwAAAAAAACYAAAAAAAAAwOD//wAAAAAmAAAAZAAAABYAAABMAAAAAAAAAAAAAAAEAAAAAAAAAAEAAACAgIAKAAAAACgAAAAoAAAAZAAAAGQAAAAAAAAAzMzMAAAAAABQAAAAUAAAAGQAAABkAAAAAAAAABcAAAAUAAAAAAAAAAAAAAD/fwAA/38AAAAAAAAJAAAABAAAAAAAAAAMAAAAEAAAAAAAAAAAAAAAAAAAAAAAAAAeAAAAaAAAAAAAAAAAAAAAAAAAAAAAAAAAAAAAECcAABAnAAAAAAAAAAAAAAAAAAAAAAAAAAAAAAAAAAAAAAAAAAAAABQAAAAAAAAAwMD/AAAAAABkAAAAMgAAAAAAAABkAAAAAAAAAH9/fwAKAAAAIgAAABgAAAAAAAAAAAAAAAAAAAAAAAAAAAAAAAAAAAAkAAAAJAAAAAAAAAAHAAAAAAAAAAAAAAAAAAAAAAAAAAAAAAAAAAAAf39/ACUAAABYAAAAAAAAAAAAAAAAAAAAAAAAAAAAAAAAAAAAAAAAAAAAAAAAAAAAAAAAAAAAAAA/AAAAAAAAAKCGAQAAAAAAAAAAAAAAAAAMAAAAAQAAAAAAAAAAAAAAAAAAAB8AAABUAAAAAAAABQAAAAEAAAAAAAAAAAAAAAAAAAAAAAAAAAAAAAAAAAAAAAAAAAAAAAJ/f38AAAAAA8zMzADAwP8Af39/AAAAAAAAAAAAAAAAAAAAAAAAAAAAIQAAABgAAAAUAAAAUx0AAK4BAABARwAAsCUAABAAAAAmAAAACAAAAAGAAAAAAAAAMAAAABQAAAAAAAAAAAD//wAAAQAAAP//AAABAA=="/>
+                <pr:smNativeData xmlns:pr="smNativeData" xmlns="smNativeData" val="SMDATA_17_WnaBYRMAAAAlAAAAZAAAAA8BAAAAkAAAAEgAAACQAAAASAAAAAAAAAAAAAAAAAAAAAEAAABQAAAAAAAAAAAA4D8AAAAAAADgPwAAAAAAAOA/AAAAAAAA4D8AAAAAAADgPwAAAAAAAOA/AAAAAAAA4D8AAAAAAADgPwAAAAAAAOA/AAAAAAAA4D8CAAAAjAAAAAAAAAAAAAAAu+DjDP///wgAAAAAAAAAAAAAAAAAAAAAAAAAAAAAAAAAAAAAZAAAAAEAAABAAAAAAAAAAAAAAAAAAAAAAAAAAAAAAAAAAAAAAAAAAAAAAAAAAAAAAAAAAAAAAAAAAAAAAAAAAAAAAAAAAAAAAAAAAAAAAAAAAAAAAAAAAAAAAAAAAAAAFAAAADwAAAAAAAAAAAAAAAAAAAkUAAAAAQAAABQAAAAUAAAAFAAAAAEAAAAAAAAAZAAAAGQAAAAAAAAAZAAAAGQAAAAVAAAAYAAAAAAAAAAAAAAADwAAACADAAAAAAAAAAAAAAEAAACgMgAAVgcAAKr4//8BAAAAf39/AAEAAABkAAAAAAAAABQAAABAHwAAAAAAACYAAAAAAAAAwOD//wAAAAAmAAAAZAAAABYAAABMAAAAAAAAAAAAAAAEAAAAAAAAAAEAAACAgIAKAAAAACgAAAAoAAAAZAAAAGQAAAAAAAAAzMzMAAAAAABQAAAAUAAAAGQAAABkAAAAAAAAABcAAAAUAAAAAAAAAAAAAAD/fwAA/38AAAAAAAAJAAAABAAAAAAAAAAMAAAAEAAAAAAAAAAAAAAAAAAAAAAAAAAeAAAAaAAAAAAAAAAAAAAAAAAAAAAAAAAAAAAAECcAABAnAAAAAAAAAAAAAAAAAAAAAAAAAAAAAAAAAAAAAAAAAAAAABQAAAAAAAAAwMD/AAAAAABkAAAAMgAAAAAAAABkAAAAAAAAAH9/fwAKAAAAIgAAABgAAAAAAAAAAAAAAAAAAAAAAAAAAAAAAAAAAAAkAAAAJAAAAAAAAAAHAAAAAAAAAAAAAAAAAAAAAAAAAAAAAAAAAAAAf39/ACUAAABYAAAAAAAAAAAAAAAAAAAAAAAAAAAAAAAAAAAAAAAAAAAAAAAAAAAAAAAAAAAAAAA/AAAAAAAAAKCGAQAAAAAAAAAAAAAAAAAMAAAAAQAAAAAAAAAAAAAAAAAAAB8AAABUAAAAAAAABQAAAAEAAAAAAAAAAAAAAAAAAAAAAAAAAAAAAAAAAAAAAAAAAAAAAAJ/f38AAAAAA8zMzADAwP8Af39/AAAAAAAAAAAAAAAAAAAAAAAAAAAAIQAAABgAAAAUAAAAUx0AAK4BAABARwAAsCUAABAAAAAmAAAACAAAAAGAAAAAAAAAMAAAABQAAAAAAAAAAAD//wAAAQAAAP//AAABAA=="/>
               </a:ext>
             </a:extLst>
           </p:cNvSpPr>
@@ -2328,7 +2328,7 @@
             <a:spLocks noGrp="1" noChangeArrowheads="1"/>
             <a:extLst>
               <a:ext uri="smNativeData">
-                <pr:smNativeData xmlns:pr="smNativeData" xmlns="smNativeData" val="SMDATA_17_MUmAYRMAAAAlAAAAZAAAAA8BAAAAkAAAAEgAAACQAAAASAAAAAAAAAAAAAAAAAAAAAEAAABQAAAAAAAAAAAA4D8AAAAAAADgPwAAAAAAAOA/AAAAAAAA4D8AAAAAAADgPwAAAAAAAOA/AAAAAAAA4D8AAAAAAADgPwAAAAAAAOA/AAAAAAAA4D8CAAAAjAAAAAAAAAAAAAAAu+DjDP///wgAAAAAAAAAAAAAAAAAAAAAAAAAAAAAAAAAAAAAZAAAAAEAAABAAAAAAAAAAAAAAAAAAAAAAAAAAAAAAAAAAAAAAAAAAAAAAAAAAAAAAAAAAAAAAAAAAAAAAAAAAAAAAAAAAAAAAAAAAAAAAAAAAAAAAAAAAAAAAAAAAAAAFAAAADwAAAAAAAAAAAAAAAAAAAkUAAAAAQAAABQAAAAUAAAAFAAAAAEAAAAAAAAAZAAAAGQAAAAAAAAAZAAAAGQAAAAVAAAAYAAAAAAAAAAAAAAADwAAACADAAAAAAAAAAAAAAEAAACgMgAAVgcAAKr4//8BAAAAf39/AAEAAABkAAAAAAAAABQAAABAHwAAAAAAACYAAAAAAAAAwOD//wAAAAAmAAAAZAAAABYAAABMAAAAAAAAAAAAAAAEAAAAAAAAAAEAAACAgIAKAAAAACgAAAAoAAAAZAAAAGQAAAAAAAAAzMzMAAAAAABQAAAAUAAAAGQAAABkAAAAAAAAABcAAAAUAAAAAAAAAAAAAAD/fwAA/38AAAAAAAAJAAAABAAAAAAAAAAMAAAAEAAAAAAAAAAAAAAAAAAAAAAAAAAeAAAAaAAAAAAAAAAAAAAAAAAAAAAAAAAAAAAAECcAABAnAAAAAAAAAAAAAAAAAAAAAAAAAAAAAAAAAAAAAAAAAAAAABQAAAAAAAAAwMD/AAAAAABkAAAAMgAAAAAAAABkAAAAAAAAAH9/fwAKAAAAIgAAABgAAAAAAAAAAAAAAAAAAAAAAAAAAAAAAAAAAAAkAAAAJAAAAAAAAAAHAAAAAAAAAAAAAAAAAAAAAAAAAAAAAAAAAAAAf39/ACUAAABYAAAAAAAAAAAAAAAAAAAAAAAAAAAAAAAAAAAAAAAAAAAAAAAAAAAAAAAAAAAAAAA/AAAAAAAAAKCGAQAAAAAAAAAAAAAAAAAMAAAAAQAAAAAAAAAAAAAAAAAAAB8AAABUAAAAAAAABQAAAAEAAAAAAAAAAAAAAAAAAAAAAAAAAAAAAAAAAAAAAAAAAAAAAAJ/f38AAAAAA8zMzADAwP8Af39/AAAAAAAAAAAAAAAAAAAAAAAAAAAAIQAAABgAAAAUAAAAwAMAANQIAABtHAAAsCUAABAAAAAmAAAACAAAAAGAAAAAAAAAMAAAABQAAAAAAAAAAAD//wAAAQAAAP//AAABAA=="/>
+                <pr:smNativeData xmlns:pr="smNativeData" xmlns="smNativeData" val="SMDATA_17_WnaBYRMAAAAlAAAAZAAAAA8BAAAAkAAAAEgAAACQAAAASAAAAAAAAAAAAAAAAAAAAAEAAABQAAAAAAAAAAAA4D8AAAAAAADgPwAAAAAAAOA/AAAAAAAA4D8AAAAAAADgPwAAAAAAAOA/AAAAAAAA4D8AAAAAAADgPwAAAAAAAOA/AAAAAAAA4D8CAAAAjAAAAAAAAAAAAAAAu+DjDP///wgAAAAAAAAAAAAAAAAAAAAAAAAAAAAAAAAAAAAAZAAAAAEAAABAAAAAAAAAAAAAAAAAAAAAAAAAAAAAAAAAAAAAAAAAAAAAAAAAAAAAAAAAAAAAAAAAAAAAAAAAAAAAAAAAAAAAAAAAAAAAAAAAAAAAAAAAAAAAAAAAAAAAFAAAADwAAAAAAAAAAAAAAAAAAAkUAAAAAQAAABQAAAAUAAAAFAAAAAEAAAAAAAAAZAAAAGQAAAAAAAAAZAAAAGQAAAAVAAAAYAAAAAAAAAAAAAAADwAAACADAAAAAAAAAAAAAAEAAACgMgAAVgcAAKr4//8BAAAAf39/AAEAAABkAAAAAAAAABQAAABAHwAAAAAAACYAAAAAAAAAwOD//wAAAAAmAAAAZAAAABYAAABMAAAAAAAAAAAAAAAEAAAAAAAAAAEAAACAgIAKAAAAACgAAAAoAAAAZAAAAGQAAAAAAAAAzMzMAAAAAABQAAAAUAAAAGQAAABkAAAAAAAAABcAAAAUAAAAAAAAAAAAAAD/fwAA/38AAAAAAAAJAAAABAAAAAAAAAAMAAAAEAAAAAAAAAAAAAAAAAAAAAAAAAAeAAAAaAAAAAAAAAAAAAAAAAAAAAAAAAAAAAAAECcAABAnAAAAAAAAAAAAAAAAAAAAAAAAAAAAAAAAAAAAAAAAAAAAABQAAAAAAAAAwMD/AAAAAABkAAAAMgAAAAAAAABkAAAAAAAAAH9/fwAKAAAAIgAAABgAAAAAAAAAAAAAAAAAAAAAAAAAAAAAAAAAAAAkAAAAJAAAAAAAAAAHAAAAAAAAAAAAAAAAAAAAAAAAAAAAAAAAAAAAf39/ACUAAABYAAAAAAAAAAAAAAAAAAAAAAAAAAAAAAAAAAAAAAAAAAAAAAAAAAAAAAAAAAAAAAA/AAAAAAAAAKCGAQAAAAAAAAAAAAAAAAAMAAAAAQAAAAAAAAAAAAAAAAAAAB8AAABUAAAAAAAABQAAAAEAAAAAAAAAAAAAAAAAAAAAAAAAAAAAAAAAAAAAAAAAAAAAAAJ/f38AAAAAA8zMzADAwP8Af39/AAAAAAAAAAAAAAAAAAAAAAAAAAAAIQAAABgAAAAUAAAAwAMAANQIAABtHAAAsCUAABAAAAAmAAAACAAAAAGAAAAAAAAAMAAAABQAAAAAAAAAAAD//wAAAQAAAP//AAABAA=="/>
               </a:ext>
             </a:extLst>
           </p:cNvSpPr>
@@ -2397,7 +2397,7 @@
             <a:spLocks noGrp="1" noChangeArrowheads="1"/>
             <a:extLst>
               <a:ext uri="smNativeData">
-                <pr:smNativeData xmlns:pr="smNativeData" xmlns="smNativeData" val="SMDATA_17_MUmAYRMAAAAlAAAAZAAAAA8BAAAAkAAAAEgAAACQAAAASAAAAAAAAAABAAAAAAAAAAEAAABQAAAAAAAAAAAA4D8AAAAAAADgPwAAAAAAAOA/AAAAAAAA4D8AAAAAAADgPwAAAAAAAOA/AAAAAAAA4D8AAAAAAADgPwAAAAAAAOA/AAAAAAAA4D8CAAAAjAAAAAAAAAAAAAAAu+DjDP///wgAAAAAAAAAAAAAAAAAAAAAAAAAAAAAAAAAAAAAZAAAAAEAAABAAAAAAAAAAAAAAAAAAAAAAAAAAAAAAAAAAAAAAAAAAAAAAAAAAAAAAAAAAAAAAAAAAAAAAAAAAAAAAAAAAAAAAAAAAAAAAAAAAAAAAAAAAAAAAAAAAAAAFAAAADwAAAAAAAAAAAAAAAAAAAkUAAAAAQAAABQAAAAUAAAAFAAAAAEAAAAAAAAAZAAAAGQAAAAAAAAAZAAAAGQAAAAVAAAAYAAAAAAAAAAAAAAADwAAACADAAAAAAAAAAAAAAEAAACgMgAAVgcAAKr4//8BAAAAf39/AAEAAABkAAAAAAAAABQAAABAHwAAAAAAACYAAAAAAAAAwOD//wAAAAAmAAAAZAAAABYAAABMAAAAAAAAAAAAAAAEAAAAAAAAAAEAAACAgIAKAAAAACgAAAAoAAAAZAAAAGQAAAAAAAAAzMzMAAAAAABQAAAAUAAAAGQAAABkAAAAAAAAABcAAAAUAAAAAAAAAAAAAAD/fwAA/38AAAAAAAAJAAAABAAAAAAAAAAMAAAAEAAAAAAAAAAAAAAAAAAAAAAAAAAeAAAAaAAAAAAAAAAAAAAAAAAAAAAAAAAAAAAAECcAABAnAAAAAAAAAAAAAAAAAAAAAAAAAAAAAAAAAAAAAAAAAAAAABQAAAAAAAAAwMD/AAAAAABkAAAAMgAAAAAAAABkAAAAAAAAAH9/fwAKAAAAIgAAABgAAAAAAAAAAAAAAAAAAAAAAAAAAAAAAAAAAAAkAAAAJAAAAAAAAAAHAAAAAAAAAAAAAAAAAAAAAAAAAAAAAAAAAAAAf39/ACUAAABYAAAAAAAAAAAAAAAAAAAAAAAAAAAAAAAAAAAAAAAAAAAAAAAAAAAAAAAAAAAAAAA/AAAAAAAAAKCGAQAAAAAAAAAAAAAAAAAMAAAAAQAAAAAAAAAAAAAAAAAAAB8AAABUAAAAAAAABQAAAAEAAAAAAAAAAAAAAAAAAAAAAAAAAAAAAAAAAAAAAAAAAAAAAAJ/f38AAAAAA8zMzADAwP8Af39/AAAAAAAAAAAAAAAAAAAAAAAAAAAAIQAAABgAAAAUAAAAwAMAABsnAAA/FQAAWSkAABAAAAAmAAAACAAAAAAAAAAAAAAAMAAAABQAAAAAAAAAAAD//wAAAQAAAP//AAABAA=="/>
+                <pr:smNativeData xmlns:pr="smNativeData" xmlns="smNativeData" val="SMDATA_17_WnaBYRMAAAAlAAAAZAAAAA8BAAAAkAAAAEgAAACQAAAASAAAAAAAAAABAAAAAAAAAAEAAABQAAAAAAAAAAAA4D8AAAAAAADgPwAAAAAAAOA/AAAAAAAA4D8AAAAAAADgPwAAAAAAAOA/AAAAAAAA4D8AAAAAAADgPwAAAAAAAOA/AAAAAAAA4D8CAAAAjAAAAAAAAAAAAAAAu+DjDP///wgAAAAAAAAAAAAAAAAAAAAAAAAAAAAAAAAAAAAAZAAAAAEAAABAAAAAAAAAAAAAAAAAAAAAAAAAAAAAAAAAAAAAAAAAAAAAAAAAAAAAAAAAAAAAAAAAAAAAAAAAAAAAAAAAAAAAAAAAAAAAAAAAAAAAAAAAAAAAAAAAAAAAFAAAADwAAAAAAAAAAAAAAAAAAAkUAAAAAQAAABQAAAAUAAAAFAAAAAEAAAAAAAAAZAAAAGQAAAAAAAAAZAAAAGQAAAAVAAAAYAAAAAAAAAAAAAAADwAAACADAAAAAAAAAAAAAAEAAACgMgAAVgcAAKr4//8BAAAAf39/AAEAAABkAAAAAAAAABQAAABAHwAAAAAAACYAAAAAAAAAwOD//wAAAAAmAAAAZAAAABYAAABMAAAAAAAAAAAAAAAEAAAAAAAAAAEAAACAgIAKAAAAACgAAAAoAAAAZAAAAGQAAAAAAAAAzMzMAAAAAABQAAAAUAAAAGQAAABkAAAAAAAAABcAAAAUAAAAAAAAAAAAAAD/fwAA/38AAAAAAAAJAAAABAAAAAAAAAAMAAAAEAAAAAAAAAAAAAAAAAAAAAAAAAAeAAAAaAAAAAAAAAAAAAAAAAAAAAAAAAAAAAAAECcAABAnAAAAAAAAAAAAAAAAAAAAAAAAAAAAAAAAAAAAAAAAAAAAABQAAAAAAAAAwMD/AAAAAABkAAAAMgAAAAAAAABkAAAAAAAAAH9/fwAKAAAAIgAAABgAAAAAAAAAAAAAAAAAAAAAAAAAAAAAAAAAAAAkAAAAJAAAAAAAAAAHAAAAAAAAAAAAAAAAAAAAAAAAAAAAAAAAAAAAf39/ACUAAABYAAAAAAAAAAAAAAAAAAAAAAAAAAAAAAAAAAAAAAAAAAAAAAAAAAAAAAAAAAAAAAA/AAAAAAAAAKCGAQAAAAAAAAAAAAAAAAAMAAAAAQAAAAAAAAAAAAAAAAAAAB8AAABUAAAAAAAABQAAAAEAAAAAAAAAAAAAAAAAAAAAAAAAAAAAAAAAAAAAAAAAAAAAAAJ/f38AAAAAA8zMzADAwP8Af39/AAAAAAAAAAAAAAAAAAAAAAAAAAAAIQAAABgAAAAUAAAAwAMAABsnAAA/FQAAWSkAABAAAAAmAAAACAAAAAAAAAAAAAAAMAAAABQAAAAAAAAAAAD//wAAAQAAAP//AAABAA=="/>
               </a:ext>
             </a:extLst>
           </p:cNvSpPr>
@@ -2411,7 +2411,7 @@
           <a:lstStyle/>
           <a:p>
             <a:pPr/>
-            <a:fld id="{5F0EEB5F-11B2-5B1D-FCB6-E748A5F80AB2}" type="datetime1">
+            <a:fld id="{3CEDA34A-04D1-B855-9F55-F200ED1B69A7}" type="datetime1">
               <a:t/>
             </a:fld>
           </a:p>
@@ -2424,7 +2424,7 @@
             <a:spLocks noGrp="1" noChangeArrowheads="1"/>
             <a:extLst>
               <a:ext uri="smNativeData">
-                <pr:smNativeData xmlns:pr="smNativeData" xmlns="smNativeData" val="SMDATA_17_MUmAYRMAAAAlAAAAZAAAAA8BAAAAkAAAAEgAAACQAAAASAAAAAAAAAABAAAAAAAAAAEAAABQAAAAAAAAAAAA4D8AAAAAAADgPwAAAAAAAOA/AAAAAAAA4D8AAAAAAADgPwAAAAAAAOA/AAAAAAAA4D8AAAAAAADgPwAAAAAAAOA/AAAAAAAA4D8CAAAAjAAAAAAAAAAAAAAAu+DjDP///wgAAAAAAAAAAAAAAAAAAAAAAAAAAAAAAAAAAAAAZAAAAAEAAABAAAAAAAAAAAAAAAAAAAAAAAAAAAAAAAAAAAAAAAAAAAAAAAAAAAAAAAAAAAAAAAAAAAAAAAAAAAAAAAAAAAAAAAAAAAAAAAAAAAAAAAAAAAAAAAAAAAAAFAAAADwAAAAAAAAAAAAAAAAAAAkUAAAAAQAAABQAAAAUAAAAFAAAAAEAAAAAAAAAZAAAAGQAAAAAAAAAZAAAAGQAAAAVAAAAYAAAAAAAAAAAAAAADwAAACADAAAAAAAAAAAAAAEAAACgMgAAVgcAAKr4//8BAAAAf39/AAEAAABkAAAAAAAAABQAAABAHwAAAAAAACYAAAAAAAAAwOD//wAAAAAmAAAAZAAAABYAAABMAAAAAAAAAAAAAAAEAAAAAAAAAAEAAACAgIAKAAAAACgAAAAoAAAAZAAAAGQAAAAAAAAAzMzMAAAAAABQAAAAUAAAAGQAAABkAAAAAAAAABcAAAAUAAAAAAAAAAAAAAD/fwAA/38AAAAAAAAJAAAABAAAAHNwY0IMAAAAEAAAAAAAAAAAAAAAAAAAAAAAAAAeAAAAaAAAAAAAAAAAAAAAAAAAAAAAAAAAAAAAECcAABAnAAAAAAAAAAAAAAAAAAAAAAAAAAAAAAAAAAAAAAAAAAAAABQAAAAAAAAAwMD/AAAAAABkAAAAMgAAAAAAAABkAAAAAAAAAH9/fwAKAAAAIgAAABgAAAAAAAAAAAAAAAAAAAAAAAAAAAAAAAAAAAAkAAAAJAAAAAAAAAAHAAAAAAAAAAAAAAAAAAAAAAAAAAAAAAAAAAAAf39/ACUAAABYAAAAAAAAAAAAAAAAAAAAAAAAAAAAAAAAAAAAAAAAAAAAAAAAAAAAAAAAAAAAAAA/AAAAAAAAAKCGAQAAAAAAAAAAAAAAAAAMAAAAAQAAAAAAAAAAAAAAAAAAAB8AAABUAAAAAAAABQAAAAEAAAAAAAAAAAAAAAAAAAAAAAAAAAAAAAAAAAAAAAAAAAAAAAJ/f38AAAAAA8zMzADAwP8Af39/AAAAAAAAAAAAAAAAAAAAAAAAAAAAIQAAABgAAAAUAAAAoRkAABsnAABfMQAAWSkAABAAAAAmAAAACAAAAAAAAAAAAAAAMAAAABQAAAAAAAAAAAD//wAAAQAAAP//AAABAA=="/>
+                <pr:smNativeData xmlns:pr="smNativeData" xmlns="smNativeData" val="SMDATA_17_WnaBYRMAAAAlAAAAZAAAAA8BAAAAkAAAAEgAAACQAAAASAAAAAAAAAABAAAAAAAAAAEAAABQAAAAAAAAAAAA4D8AAAAAAADgPwAAAAAAAOA/AAAAAAAA4D8AAAAAAADgPwAAAAAAAOA/AAAAAAAA4D8AAAAAAADgPwAAAAAAAOA/AAAAAAAA4D8CAAAAjAAAAAAAAAAAAAAAu+DjDP///wgAAAAAAAAAAAAAAAAAAAAAAAAAAAAAAAAAAAAAZAAAAAEAAABAAAAAAAAAAAAAAAAAAAAAAAAAAAAAAAAAAAAAAAAAAAAAAAAAAAAAAAAAAAAAAAAAAAAAAAAAAAAAAAAAAAAAAAAAAAAAAAAAAAAAAAAAAAAAAAAAAAAAFAAAADwAAAAAAAAAAAAAAAAAAAkUAAAAAQAAABQAAAAUAAAAFAAAAAEAAAAAAAAAZAAAAGQAAAAAAAAAZAAAAGQAAAAVAAAAYAAAAAAAAAAAAAAADwAAACADAAAAAAAAAAAAAAEAAACgMgAAVgcAAKr4//8BAAAAf39/AAEAAABkAAAAAAAAABQAAABAHwAAAAAAACYAAAAAAAAAwOD//wAAAAAmAAAAZAAAABYAAABMAAAAAAAAAAAAAAAEAAAAAAAAAAEAAACAgIAKAAAAACgAAAAoAAAAZAAAAGQAAAAAAAAAzMzMAAAAAABQAAAAUAAAAGQAAABkAAAAAAAAABcAAAAUAAAAAAAAAAAAAAD/fwAA/38AAAAAAAAJAAAABAAAAHNwY0IMAAAAEAAAAAAAAAAAAAAAAAAAAAAAAAAeAAAAaAAAAAAAAAAAAAAAAAAAAAAAAAAAAAAAECcAABAnAAAAAAAAAAAAAAAAAAAAAAAAAAAAAAAAAAAAAAAAAAAAABQAAAAAAAAAwMD/AAAAAABkAAAAMgAAAAAAAABkAAAAAAAAAH9/fwAKAAAAIgAAABgAAAAAAAAAAAAAAAAAAAAAAAAAAAAAAAAAAAAkAAAAJAAAAAAAAAAHAAAAAAAAAAAAAAAAAAAAAAAAAAAAAAAAAAAAf39/ACUAAABYAAAAAAAAAAAAAAAAAAAAAAAAAAAAAAAAAAAAAAAAAAAAAAAAAAAAAAAAAAAAAAA/AAAAAAAAAKCGAQAAAAAAAAAAAAAAAAAMAAAAAQAAAAAAAAAAAAAAAAAAAB8AAABUAAAAAAAABQAAAAEAAAAAAAAAAAAAAAAAAAAAAAAAAAAAAAAAAAAAAAAAAAAAAAJ/f38AAAAAA8zMzADAwP8Af39/AAAAAAAAAAAAAAAAAAAAAAAAAAAAIQAAABgAAAAUAAAAoRkAABsnAABfMQAAWSkAABAAAAAmAAAACAAAAAAAAAAAAAAAMAAAABQAAAAAAAAAAAD//wAAAQAAAP//AAABAA=="/>
               </a:ext>
             </a:extLst>
           </p:cNvSpPr>
@@ -2448,7 +2448,7 @@
             <a:spLocks noGrp="1" noChangeArrowheads="1"/>
             <a:extLst>
               <a:ext uri="smNativeData">
-                <pr:smNativeData xmlns:pr="smNativeData" xmlns="smNativeData" val="SMDATA_17_MUmAYRMAAAAlAAAAZAAAAA8BAAAAkAAAAEgAAACQAAAASAAAAAAAAAABAAAAAAAAAAEAAABQAAAAAAAAAAAA4D8AAAAAAADgPwAAAAAAAOA/AAAAAAAA4D8AAAAAAADgPwAAAAAAAOA/AAAAAAAA4D8AAAAAAADgPwAAAAAAAOA/AAAAAAAA4D8CAAAAjAAAAAAAAAAAAAAAu+DjDP///wgAAAAAAAAAAAAAAAAAAAAAAAAAAAAAAAAAAAAAZAAAAAEAAABAAAAAAAAAAAAAAAAAAAAAAAAAAAAAAAAAAAAAAAAAAAAAAAAAAAAAAAAAAAAAAAAAAAAAAAAAAAAAAAAAAAAAAAAAAAAAAAAAAAAAAAAAAAAAAAAAAAAAFAAAADwAAAAAAAAAAAAAAAAAAAkUAAAAAQAAABQAAAAUAAAAFAAAAAEAAAAAAAAAZAAAAGQAAAAAAAAAZAAAAGQAAAAVAAAAYAAAAAAAAAAAAAAADwAAACADAAAAAAAAAAAAAAEAAACgMgAAVgcAAKr4//8BAAAAf39/AAEAAABkAAAAAAAAABQAAABAHwAAAAAAACYAAAAAAAAAwOD//wAAAAAmAAAAZAAAABYAAABMAAAAAAAAAAAAAAAEAAAAAAAAAAEAAACAgIAKAAAAACgAAAAoAAAAZAAAAGQAAAAAAAAAzMzMAAAAAABQAAAAUAAAAGQAAABkAAAAAAAAABcAAAAUAAAAAAAAAAAAAAD/fwAA/38AAAAAAAAJAAAABAAAAAAAAAAMAAAAEAAAAAAAAAAAAAAAAAAAAAAAAAAeAAAAaAAAAAAAAAAAAAAAAAAAAAAAAAAAAAAAECcAABAnAAAAAAAAAAAAAAAAAAAAAAAAAAAAAAAAAAAAAAAAAAAAABQAAAAAAAAAwMD/AAAAAABkAAAAMgAAAAAAAABkAAAAAAAAAH9/fwAKAAAAIgAAABgAAAAAAAAAAAAAAAAAAAAAAAAAAAAAAAAAAAAkAAAAJAAAAAAAAAAHAAAAAAAAAAAAAAAAAAAAAAAAAAAAAAAAAAAAf39/ACUAAABYAAAAAAAAAAAAAAAAAAAAAAAAAAAAAAAAAAAAAAAAAAAAAAAAAAAAAAAAAAAAAAA/AAAAAAAAAKCGAQAAAAAAAAAAAAAAAAAMAAAAAQAAAAAAAAAAAAAAAAAAAB8AAABUAAAAAAAABQAAAAEAAAAAAAAAAAAAAAAAAAAAAAAAAAAAAAAAAAAAAAAAAAAAAAJ/f38AAAAAA8zMzADAwP8Af39/AAAAAAAAAAAAAAAAAAAAAAAAAAAAIQAAABgAAAAUAAAAwTUAABsnAABARwAAWSkAABAAAAAmAAAACAAAAAAAAAAAAAAAMAAAABQAAAAAAAAAAAD//wAAAQAAAP//AAABAA=="/>
+                <pr:smNativeData xmlns:pr="smNativeData" xmlns="smNativeData" val="SMDATA_17_WnaBYRMAAAAlAAAAZAAAAA8BAAAAkAAAAEgAAACQAAAASAAAAAAAAAABAAAAAAAAAAEAAABQAAAAAAAAAAAA4D8AAAAAAADgPwAAAAAAAOA/AAAAAAAA4D8AAAAAAADgPwAAAAAAAOA/AAAAAAAA4D8AAAAAAADgPwAAAAAAAOA/AAAAAAAA4D8CAAAAjAAAAAAAAAAAAAAAu+DjDP///wgAAAAAAAAAAAAAAAAAAAAAAAAAAAAAAAAAAAAAZAAAAAEAAABAAAAAAAAAAAAAAAAAAAAAAAAAAAAAAAAAAAAAAAAAAAAAAAAAAAAAAAAAAAAAAAAAAAAAAAAAAAAAAAAAAAAAAAAAAAAAAAAAAAAAAAAAAAAAAAAAAAAAFAAAADwAAAAAAAAAAAAAAAAAAAkUAAAAAQAAABQAAAAUAAAAFAAAAAEAAAAAAAAAZAAAAGQAAAAAAAAAZAAAAGQAAAAVAAAAYAAAAAAAAAAAAAAADwAAACADAAAAAAAAAAAAAAEAAACgMgAAVgcAAKr4//8BAAAAf39/AAEAAABkAAAAAAAAABQAAABAHwAAAAAAACYAAAAAAAAAwOD//wAAAAAmAAAAZAAAABYAAABMAAAAAAAAAAAAAAAEAAAAAAAAAAEAAACAgIAKAAAAACgAAAAoAAAAZAAAAGQAAAAAAAAAzMzMAAAAAABQAAAAUAAAAGQAAABkAAAAAAAAABcAAAAUAAAAAAAAAAAAAAD/fwAA/38AAAAAAAAJAAAABAAAAAAAAAAMAAAAEAAAAAAAAAAAAAAAAAAAAAAAAAAeAAAAaAAAAAAAAAAAAAAAAAAAAAAAAAAAAAAAECcAABAnAAAAAAAAAAAAAAAAAAAAAAAAAAAAAAAAAAAAAAAAAAAAABQAAAAAAAAAwMD/AAAAAABkAAAAMgAAAAAAAABkAAAAAAAAAH9/fwAKAAAAIgAAABgAAAAAAAAAAAAAAAAAAAAAAAAAAAAAAAAAAAAkAAAAJAAAAAAAAAAHAAAAAAAAAAAAAAAAAAAAAAAAAAAAAAAAAAAAf39/ACUAAABYAAAAAAAAAAAAAAAAAAAAAAAAAAAAAAAAAAAAAAAAAAAAAAAAAAAAAAAAAAAAAAA/AAAAAAAAAKCGAQAAAAAAAAAAAAAAAAAMAAAAAQAAAAAAAAAAAAAAAAAAAB8AAABUAAAAAAAABQAAAAEAAAAAAAAAAAAAAAAAAAAAAAAAAAAAAAAAAAAAAAAAAAAAAAJ/f38AAAAAA8zMzADAwP8Af39/AAAAAAAAAAAAAAAAAAAAAAAAAAAAIQAAABgAAAAUAAAAwTUAABsnAABARwAAWSkAABAAAAAmAAAACAAAAAAAAAAAAAAAMAAAABQAAAAAAAAAAAD//wAAAQAAAP//AAABAA=="/>
               </a:ext>
             </a:extLst>
           </p:cNvSpPr>
@@ -2462,7 +2462,7 @@
           <a:lstStyle/>
           <a:p>
             <a:pPr/>
-            <a:fld id="{6B6626A4-EA86-33D0-C8DE-1C8568903E49}" type="slidenum">
+            <a:fld id="{73C8E1DC-929E-9D17-D070-6442AF3E2631}" type="slidenum">
               <a:t/>
             </a:fld>
           </a:p>
@@ -2501,7 +2501,7 @@
             <a:spLocks noGrp="1" noChangeArrowheads="1"/>
             <a:extLst>
               <a:ext uri="smNativeData">
-                <pr:smNativeData xmlns:pr="smNativeData" xmlns="smNativeData" val="SMDATA_17_MUmAYRMAAAAlAAAAZAAAAA8BAAAAkAAAAEgAAACQAAAASAAAAAAAAAACAAAAAAAAAAEAAABQAAAAAAAAAAAA4D8AAAAAAADgPwAAAAAAAOA/AAAAAAAA4D8AAAAAAADgPwAAAAAAAOA/AAAAAAAA4D8AAAAAAADgPwAAAAAAAOA/AAAAAAAA4D8CAAAAjAAAAAAAAAAAAAAAu+DjDP///wgAAAAAAAAAAAAAAAAAAAAAAAAAAAAAAAAAAAAAZAAAAAEAAABAAAAAAAAAAAAAAAAAAAAAAAAAAAAAAAAAAAAAAAAAAAAAAAAAAAAAAAAAAAAAAAAAAAAAAAAAAAAAAAAAAAAAAAAAAAAAAAAAAAAAAAAAAAAAAAAAAAAAFAAAADwAAAAAAAAAAAAAAAAAAAkUAAAAAQAAABQAAAAUAAAAFAAAAAEAAAAAAAAAZAAAAGQAAAAAAAAAZAAAAGQAAAAVAAAAYAAAAAAAAAAAAAAADwAAACADAAAAAAAAAAAAAAEAAACgMgAAVgcAAKr4//8BAAAAf39/AAEAAABkAAAAAAAAABQAAABAHwAAAAAAACYAAAAAAAAAwOD//wAAAAAmAAAAZAAAABYAAABMAAAAAAAAAAAAAAAEAAAAAAAAAAEAAACAgIAKAAAAACgAAAAoAAAAZAAAAGQAAAAAAAAAzMzMAAAAAABQAAAAUAAAAGQAAABkAAAAAAAAABcAAAAUAAAAAAAAAAAAAAD/fwAA/38AAAAAAAAJAAAABAAAAAAAAAAMAAAAEAAAAAAAAAAAAAAAAAAAAAAAAAAeAAAAaAAAAAAAAAAAAAAAAAAAAAAAAAAAAAAAECcAABAnAAAAAAAAAAAAAAAAAAAAAAAAAAAAAAAAAAAAAAAAAAAAABQAAAAAAAAAwMD/AAAAAABkAAAAMgAAAAAAAABkAAAAAAAAAH9/fwAKAAAAIgAAABgAAAAAAAAAAAAAAAAAAAAAAAAAAAAAAAAAAAAkAAAAJAAAAAAAAAAHAAAAAAAAAAAAAAAAAAAAAAAAAAAAAAAAAAAAf39/ACUAAABYAAAAAAAAAAAAAAAAAAAAAAAAAAAAAAAAAAAAAAAAAAAAAAAAAAAAAAAAAAAAAAA/AAAAAAAAAKCGAQAAAAAAAAAAAAAAAAAMAAAAAQAAAAAAAAAAAAAAAAAAAB8AAABUAAAAAAAABQAAAAEAAAAAAAAAAAAAAAAAAAAAAAAAAAAAAAAAAAAAAAAAAAAAAAJ/f38AAAAAA8zMzADAwP8Af39/AAAAAAAAAAAAAAAAAAAAAAAAAAAAIQAAABgAAAAUAAAAsw4AAIgdAACzOwAABCEAABAAAAAmAAAACAAAAIGAAAAAAAAAMAAAABQAAAAAAAAAAAD//wAAAQAAAP//AAABAA=="/>
+                <pr:smNativeData xmlns:pr="smNativeData" xmlns="smNativeData" val="SMDATA_17_WnaBYRMAAAAlAAAAZAAAAA8BAAAAkAAAAEgAAACQAAAASAAAAAAAAAACAAAAAAAAAAEAAABQAAAAAAAAAAAA4D8AAAAAAADgPwAAAAAAAOA/AAAAAAAA4D8AAAAAAADgPwAAAAAAAOA/AAAAAAAA4D8AAAAAAADgPwAAAAAAAOA/AAAAAAAA4D8CAAAAjAAAAAAAAAAAAAAAu+DjDP///wgAAAAAAAAAAAAAAAAAAAAAAAAAAAAAAAAAAAAAZAAAAAEAAABAAAAAAAAAAAAAAAAAAAAAAAAAAAAAAAAAAAAAAAAAAAAAAAAAAAAAAAAAAAAAAAAAAAAAAAAAAAAAAAAAAAAAAAAAAAAAAAAAAAAAAAAAAAAAAAAAAAAAFAAAADwAAAAAAAAAAAAAAAAAAAkUAAAAAQAAABQAAAAUAAAAFAAAAAEAAAAAAAAAZAAAAGQAAAAAAAAAZAAAAGQAAAAVAAAAYAAAAAAAAAAAAAAADwAAACADAAAAAAAAAAAAAAEAAACgMgAAVgcAAKr4//8BAAAAf39/AAEAAABkAAAAAAAAABQAAABAHwAAAAAAACYAAAAAAAAAwOD//wAAAAAmAAAAZAAAABYAAABMAAAAAAAAAAAAAAAEAAAAAAAAAAEAAACAgIAKAAAAACgAAAAoAAAAZAAAAGQAAAAAAAAAzMzMAAAAAABQAAAAUAAAAGQAAABkAAAAAAAAABcAAAAUAAAAAAAAAAAAAAD/fwAA/38AAAAAAAAJAAAABAAAAAAAAAAMAAAAEAAAAAAAAAAAAAAAAAAAAAAAAAAeAAAAaAAAAAAAAAAAAAAAAAAAAAAAAAAAAAAAECcAABAnAAAAAAAAAAAAAAAAAAAAAAAAAAAAAAAAAAAAAAAAAAAAABQAAAAAAAAAwMD/AAAAAABkAAAAMgAAAAAAAABkAAAAAAAAAH9/fwAKAAAAIgAAABgAAAAAAAAAAAAAAAAAAAAAAAAAAAAAAAAAAAAkAAAAJAAAAAAAAAAHAAAAAAAAAAAAAAAAAAAAAAAAAAAAAAAAAAAAf39/ACUAAABYAAAAAAAAAAAAAAAAAAAAAAAAAAAAAAAAAAAAAAAAAAAAAAAAAAAAAAAAAAAAAAA/AAAAAAAAAKCGAQAAAAAAAAAAAAAAAAAMAAAAAQAAAAAAAAAAAAAAAAAAAB8AAABUAAAAAAAABQAAAAEAAAAAAAAAAAAAAAAAAAAAAAAAAAAAAAAAAAAAAAAAAAAAAAJ/f38AAAAAA8zMzADAwP8Af39/AAAAAAAAAAAAAAAAAAAAAAAAAAAAIQAAABgAAAAUAAAAsw4AAIgdAACzOwAABCEAABAAAAAmAAAACAAAAIGAAAAAAAAAMAAAABQAAAAAAAAAAAD//wAAAQAAAP//AAABAA=="/>
               </a:ext>
             </a:extLst>
           </p:cNvSpPr>
@@ -2541,7 +2541,7 @@
             <a:spLocks noGrp="1" noChangeArrowheads="1"/>
             <a:extLst>
               <a:ext uri="smNativeData">
-                <pr:smNativeData xmlns:pr="smNativeData" xmlns="smNativeData" val="SMDATA_17_MUmAYRMAAAAlAAAAZAAAAA8BAAAAkAAAAEgAAACQAAAASAAAAAAAAAAAAAAAAAAAAAEAAABQAAAAAAAAAAAA4D8AAAAAAADgPwAAAAAAAOA/AAAAAAAA4D8AAAAAAADgPwAAAAAAAOA/AAAAAAAA4D8AAAAAAADgPwAAAAAAAOA/AAAAAAAA4D8CAAAAjAAAAAAAAAAAAAAAu+DjDP///wgAAAAAAAAAAAAAAAAAAAAAAAAAAAAAAAAAAAAAZAAAAAEAAABAAAAAAAAAAAAAAAAAAAAAAAAAAAAAAAAAAAAAAAAAAAAAAAAAAAAAAAAAAAAAAAAAAAAAAAAAAAAAAAAAAAAAAAAAAAAAAAAAAAAAAAAAAAAAAAAAAAAAFAAAADwAAAAAAAAAAAAAAAAAAAkUAAAAAQAAABQAAAAUAAAAFAAAAAEAAAAAAAAAZAAAAGQAAAAAAAAAZAAAAGQAAAAVAAAAYAAAAAAAAAAAAAAADwAAACADAAAAAAAAAAAAAAEAAACgMgAAVgcAAKr4//8BAAAAf39/AAEAAABkAAAAAAAAABQAAABAHwAAAAAAACYAAAAAAAAAwOD//wAAAAAmAAAAZAAAABYAAABMAAAAAAAAAAAAAAAEAAAAAAAAAAEAAACAgIAKAAAAACgAAAAoAAAAZAAAAGQAAAAAAAAAzMzMAAAAAABQAAAAUAAAAGQAAABkAAAAAAAAABcAAAAUAAAAAAAAAAAAAAD/fwAA/38AAAAAAAAJAAAABAAAAAAAAAAMAAAAEAAAAAAAAAAAAAAAAAAAAAAAAAAeAAAAaAAAAAAAAAAAAAAAAAAAAAAAAAAAAAAAECcAABAnAAAAAAAAAAAAAAAAAAAAAAAAAAAAAAAAAAAAAAAAAAAAABQAAAAAAAAAwMD/AAAAAABkAAAAMgAAAAAAAABkAAAAAAAAAH9/fwAKAAAAIgAAABgAAAAAAAAAAAAAAAAAAAAAAAAAAAAAAAAAAAAkAAAAJAAAAAAAAAAHAAAAAAAAAAAAAAAAAAAAAAAAAAAAAAAAAAAAf39/ACUAAABYAAAAAAAAAAAAAAAAAAAAAAAAAAAAAAAAAAAAAAAAAAAAAAAAAAAAAAAAAAAAAAA/AAAAAAAAAKCGAQAAAAAAAAAAAAAAAAAMAAAAAQAAAAAAAAAAAAAAAAAAAB8AAABUAAAAAAAABQAAAAEAAAAAAAAAAAAAAAAAAAAAAAAAAAAAAAAAAAAAAAAAAAAAAAJ/f38AAAAAA8zMzADAwP8Af39/AAAAAAAAAAAAAAAAAAAAAAAAAAAAIQAAABgAAAAUAAAAsw4AAMYDAACzOwAAFh0AABAAAAAmAAAACAAAAAGAAAAAAAAAMAAAABQAAAAAAAAAAAD//wAAAQAAAP//AAABAA=="/>
+                <pr:smNativeData xmlns:pr="smNativeData" xmlns="smNativeData" val="SMDATA_17_WnaBYRMAAAAlAAAAZAAAAA8BAAAAkAAAAEgAAACQAAAASAAAAAAAAAAAAAAAAAAAAAEAAABQAAAAAAAAAAAA4D8AAAAAAADgPwAAAAAAAOA/AAAAAAAA4D8AAAAAAADgPwAAAAAAAOA/AAAAAAAA4D8AAAAAAADgPwAAAAAAAOA/AAAAAAAA4D8CAAAAjAAAAAAAAAAAAAAAu+DjDP///wgAAAAAAAAAAAAAAAAAAAAAAAAAAAAAAAAAAAAAZAAAAAEAAABAAAAAAAAAAAAAAAAAAAAAAAAAAAAAAAAAAAAAAAAAAAAAAAAAAAAAAAAAAAAAAAAAAAAAAAAAAAAAAAAAAAAAAAAAAAAAAAAAAAAAAAAAAAAAAAAAAAAAFAAAADwAAAAAAAAAAAAAAAAAAAkUAAAAAQAAABQAAAAUAAAAFAAAAAEAAAAAAAAAZAAAAGQAAAAAAAAAZAAAAGQAAAAVAAAAYAAAAAAAAAAAAAAADwAAACADAAAAAAAAAAAAAAEAAACgMgAAVgcAAKr4//8BAAAAf39/AAEAAABkAAAAAAAAABQAAABAHwAAAAAAACYAAAAAAAAAwOD//wAAAAAmAAAAZAAAABYAAABMAAAAAAAAAAAAAAAEAAAAAAAAAAEAAACAgIAKAAAAACgAAAAoAAAAZAAAAGQAAAAAAAAAzMzMAAAAAABQAAAAUAAAAGQAAABkAAAAAAAAABcAAAAUAAAAAAAAAAAAAAD/fwAA/38AAAAAAAAJAAAABAAAAAAAAAAMAAAAEAAAAAAAAAAAAAAAAAAAAAAAAAAeAAAAaAAAAAAAAAAAAAAAAAAAAAAAAAAAAAAAECcAABAnAAAAAAAAAAAAAAAAAAAAAAAAAAAAAAAAAAAAAAAAAAAAABQAAAAAAAAAwMD/AAAAAABkAAAAMgAAAAAAAABkAAAAAAAAAH9/fwAKAAAAIgAAABgAAAAAAAAAAAAAAAAAAAAAAAAAAAAAAAAAAAAkAAAAJAAAAAAAAAAHAAAAAAAAAAAAAAAAAAAAAAAAAAAAAAAAAAAAf39/ACUAAABYAAAAAAAAAAAAAAAAAAAAAAAAAAAAAAAAAAAAAAAAAAAAAAAAAAAAAAAAAAAAAAA/AAAAAAAAAKCGAQAAAAAAAAAAAAAAAAAMAAAAAQAAAAAAAAAAAAAAAAAAAB8AAABUAAAAAAAABQAAAAEAAAAAAAAAAAAAAAAAAAAAAAAAAAAAAAAAAAAAAAAAAAAAAAJ/f38AAAAAA8zMzADAwP8Af39/AAAAAAAAAAAAAAAAAAAAAAAAAAAAIQAAABgAAAAUAAAAsw4AAMYDAACzOwAAFh0AABAAAAAmAAAACAAAAAGAAAAAAAAAMAAAABQAAAAAAAAAAAD//wAAAQAAAP//AAABAA=="/>
               </a:ext>
             </a:extLst>
           </p:cNvSpPr>
@@ -2610,7 +2610,7 @@
             <a:spLocks noGrp="1" noChangeArrowheads="1"/>
             <a:extLst>
               <a:ext uri="smNativeData">
-                <pr:smNativeData xmlns:pr="smNativeData" xmlns="smNativeData" val="SMDATA_17_MUmAYRMAAAAlAAAAZAAAAA8BAAAAkAAAAEgAAACQAAAASAAAAAAAAAAAAAAAAAAAAAEAAABQAAAAAAAAAAAA4D8AAAAAAADgPwAAAAAAAOA/AAAAAAAA4D8AAAAAAADgPwAAAAAAAOA/AAAAAAAA4D8AAAAAAADgPwAAAAAAAOA/AAAAAAAA4D8CAAAAjAAAAAAAAAAAAAAAu+DjDP///wgAAAAAAAAAAAAAAAAAAAAAAAAAAAAAAAAAAAAAZAAAAAEAAABAAAAAAAAAAAAAAAAAAAAAAAAAAAAAAAAAAAAAAAAAAAAAAAAAAAAAAAAAAAAAAAAAAAAAAAAAAAAAAAAAAAAAAAAAAAAAAAAAAAAAAAAAAAAAAAAAAAAAFAAAADwAAAAAAAAAAAAAAAAAAAkUAAAAAQAAABQAAAAUAAAAFAAAAAEAAAAAAAAAZAAAAGQAAAAAAAAAZAAAAGQAAAAVAAAAYAAAAAAAAAAAAAAADwAAACADAAAAAAAAAAAAAAEAAACgMgAAVgcAAKr4//8BAAAAf39/AAEAAABkAAAAAAAAABQAAABAHwAAAAAAACYAAAAAAAAAwOD//wAAAAAmAAAAZAAAABYAAABMAAAAAAAAAAAAAAAEAAAAAAAAAAEAAACAgIAKAAAAACgAAAAoAAAAZAAAAGQAAAAAAAAAzMzMAAAAAABQAAAAUAAAAGQAAABkAAAAAAAAABcAAAAUAAAAAAAAAAAAAAD/fwAA/38AAAAAAAAJAAAABAAAAAAAAAAMAAAAEAAAAAAAAAAAAAAAAAAAAAAAAAAeAAAAaAAAAAAAAAAAAAAAAAAAAAAAAAAAAAAAECcAABAnAAAAAAAAAAAAAAAAAAAAAAAAAAAAAAAAAAAAAAAAAAAAABQAAAAAAAAAwMD/AAAAAABkAAAAMgAAAAAAAABkAAAAAAAAAH9/fwAKAAAAIgAAABgAAAAAAAAAAAAAAAAAAAAAAAAAAAAAAAAAAAAkAAAAJAAAAAAAAAAHAAAAAAAAAAAAAAAAAAAAAAAAAAAAAAAAAAAAf39/ACUAAABYAAAAAAAAAAAAAAAAAAAAAAAAAAAAAAAAAAAAAAAAAAAAAAAAAAAAAAAAAAAAAAA/AAAAAAAAAKCGAQAAAAAAAAAAAAAAAAAMAAAAAQAAAAAAAAAAAAAAAAAAAB8AAABUAAAAAAAABQAAAAEAAAAAAAAAAAAAAAAAAAAAAAAAAAAAAAAAAAAAAAAAAAAAAAJ/f38AAAAAA8zMzADAwP8Af39/AAAAAAAAAAAAAAAAAAAAAAAAAAAAIQAAABgAAAAUAAAAsw4AAAQhAACzOwAA+CUAABAAAAAmAAAACAAAAAGAAAAAAAAAMAAAABQAAAAAAAAAAAD//wAAAQAAAP//AAABAA=="/>
+                <pr:smNativeData xmlns:pr="smNativeData" xmlns="smNativeData" val="SMDATA_17_WnaBYRMAAAAlAAAAZAAAAA8BAAAAkAAAAEgAAACQAAAASAAAAAAAAAAAAAAAAAAAAAEAAABQAAAAAAAAAAAA4D8AAAAAAADgPwAAAAAAAOA/AAAAAAAA4D8AAAAAAADgPwAAAAAAAOA/AAAAAAAA4D8AAAAAAADgPwAAAAAAAOA/AAAAAAAA4D8CAAAAjAAAAAAAAAAAAAAAu+DjDP///wgAAAAAAAAAAAAAAAAAAAAAAAAAAAAAAAAAAAAAZAAAAAEAAABAAAAAAAAAAAAAAAAAAAAAAAAAAAAAAAAAAAAAAAAAAAAAAAAAAAAAAAAAAAAAAAAAAAAAAAAAAAAAAAAAAAAAAAAAAAAAAAAAAAAAAAAAAAAAAAAAAAAAFAAAADwAAAAAAAAAAAAAAAAAAAkUAAAAAQAAABQAAAAUAAAAFAAAAAEAAAAAAAAAZAAAAGQAAAAAAAAAZAAAAGQAAAAVAAAAYAAAAAAAAAAAAAAADwAAACADAAAAAAAAAAAAAAEAAACgMgAAVgcAAKr4//8BAAAAf39/AAEAAABkAAAAAAAAABQAAABAHwAAAAAAACYAAAAAAAAAwOD//wAAAAAmAAAAZAAAABYAAABMAAAAAAAAAAAAAAAEAAAAAAAAAAEAAACAgIAKAAAAACgAAAAoAAAAZAAAAGQAAAAAAAAAzMzMAAAAAABQAAAAUAAAAGQAAABkAAAAAAAAABcAAAAUAAAAAAAAAAAAAAD/fwAA/38AAAAAAAAJAAAABAAAAAAAAAAMAAAAEAAAAAAAAAAAAAAAAAAAAAAAAAAeAAAAaAAAAAAAAAAAAAAAAAAAAAAAAAAAAAAAECcAABAnAAAAAAAAAAAAAAAAAAAAAAAAAAAAAAAAAAAAAAAAAAAAABQAAAAAAAAAwMD/AAAAAABkAAAAMgAAAAAAAABkAAAAAAAAAH9/fwAKAAAAIgAAABgAAAAAAAAAAAAAAAAAAAAAAAAAAAAAAAAAAAAkAAAAJAAAAAAAAAAHAAAAAAAAAAAAAAAAAAAAAAAAAAAAAAAAAAAAf39/ACUAAABYAAAAAAAAAAAAAAAAAAAAAAAAAAAAAAAAAAAAAAAAAAAAAAAAAAAAAAAAAAAAAAA/AAAAAAAAAKCGAQAAAAAAAAAAAAAAAAAMAAAAAQAAAAAAAAAAAAAAAAAAAB8AAABUAAAAAAAABQAAAAEAAAAAAAAAAAAAAAAAAAAAAAAAAAAAAAAAAAAAAAAAAAAAAAJ/f38AAAAAA8zMzADAwP8Af39/AAAAAAAAAAAAAAAAAAAAAAAAAAAAIQAAABgAAAAUAAAAsw4AAAQhAACzOwAA+CUAABAAAAAmAAAACAAAAAGAAAAAAAAAMAAAABQAAAAAAAAAAAD//wAAAQAAAP//AAABAA=="/>
               </a:ext>
             </a:extLst>
           </p:cNvSpPr>
@@ -2679,7 +2679,7 @@
             <a:spLocks noGrp="1" noChangeArrowheads="1"/>
             <a:extLst>
               <a:ext uri="smNativeData">
-                <pr:smNativeData xmlns:pr="smNativeData" xmlns="smNativeData" val="SMDATA_17_MUmAYRMAAAAlAAAAZAAAAA8BAAAAkAAAAEgAAACQAAAASAAAAAAAAAABAAAAAAAAAAEAAABQAAAAAAAAAAAA4D8AAAAAAADgPwAAAAAAAOA/AAAAAAAA4D8AAAAAAADgPwAAAAAAAOA/AAAAAAAA4D8AAAAAAADgPwAAAAAAAOA/AAAAAAAA4D8CAAAAjAAAAAAAAAAAAAAAu+DjDP///wgAAAAAAAAAAAAAAAAAAAAAAAAAAAAAAAAAAAAAZAAAAAEAAABAAAAAAAAAAAAAAAAAAAAAAAAAAAAAAAAAAAAAAAAAAAAAAAAAAAAAAAAAAAAAAAAAAAAAAAAAAAAAAAAAAAAAAAAAAAAAAAAAAAAAAAAAAAAAAAAAAAAAFAAAADwAAAAAAAAAAAAAAAAAAAkUAAAAAQAAABQAAAAUAAAAFAAAAAEAAAAAAAAAZAAAAGQAAAAAAAAAZAAAAGQAAAAVAAAAYAAAAAAAAAAAAAAADwAAACADAAAAAAAAAAAAAAEAAACgMgAAVgcAAKr4//8BAAAAf39/AAEAAABkAAAAAAAAABQAAABAHwAAAAAAACYAAAAAAAAAwOD//wAAAAAmAAAAZAAAABYAAABMAAAAAAAAAAAAAAAEAAAAAAAAAAEAAACAgIAKAAAAACgAAAAoAAAAZAAAAGQAAAAAAAAAzMzMAAAAAABQAAAAUAAAAGQAAABkAAAAAAAAABcAAAAUAAAAAAAAAAAAAAD/fwAA/38AAAAAAAAJAAAABAAAAAAAAAAMAAAAEAAAAAAAAAAAAAAAAAAAAAAAAAAeAAAAaAAAAAAAAAAAAAAAAAAAAAAAAAAAAAAAECcAABAnAAAAAAAAAAAAAAAAAAAAAAAAAAAAAAAAAAAAAAAAAAAAABQAAAAAAAAAwMD/AAAAAABkAAAAMgAAAAAAAABkAAAAAAAAAH9/fwAKAAAAIgAAABgAAAAAAAAAAAAAAAAAAAAAAAAAAAAAAAAAAAAkAAAAJAAAAAAAAAAHAAAAAAAAAAAAAAAAAAAAAAAAAAAAAAAAAAAAf39/ACUAAABYAAAAAAAAAAAAAAAAAAAAAAAAAAAAAAAAAAAAAAAAAAAAAAAAAAAAAAAAAAAAAAA/AAAAAAAAAKCGAQAAAAAAAAAAAAAAAAAMAAAAAQAAAAAAAAAAAAAAAAAAAB8AAABUAAAAAAAABQAAAAEAAAAAAAAAAAAAAAAAAAAAAAAAAAAAAAAAAAAAAAAAAAAAAAJ/f38AAAAAA8zMzADAwP8Af39/AAAAAAAAAAAAAAAAAAAAAAAAAAAAIQAAABgAAAAUAAAAwAMAABsnAAA/FQAAWSkAABAAAAAmAAAACAAAAAAAAAAAAAAAMAAAABQAAAAAAAAAAAD//wAAAQAAAP//AAABAA=="/>
+                <pr:smNativeData xmlns:pr="smNativeData" xmlns="smNativeData" val="SMDATA_17_WnaBYRMAAAAlAAAAZAAAAA8BAAAAkAAAAEgAAACQAAAASAAAAAAAAAABAAAAAAAAAAEAAABQAAAAAAAAAAAA4D8AAAAAAADgPwAAAAAAAOA/AAAAAAAA4D8AAAAAAADgPwAAAAAAAOA/AAAAAAAA4D8AAAAAAADgPwAAAAAAAOA/AAAAAAAA4D8CAAAAjAAAAAAAAAAAAAAAu+DjDP///wgAAAAAAAAAAAAAAAAAAAAAAAAAAAAAAAAAAAAAZAAAAAEAAABAAAAAAAAAAAAAAAAAAAAAAAAAAAAAAAAAAAAAAAAAAAAAAAAAAAAAAAAAAAAAAAAAAAAAAAAAAAAAAAAAAAAAAAAAAAAAAAAAAAAAAAAAAAAAAAAAAAAAFAAAADwAAAAAAAAAAAAAAAAAAAkUAAAAAQAAABQAAAAUAAAAFAAAAAEAAAAAAAAAZAAAAGQAAAAAAAAAZAAAAGQAAAAVAAAAYAAAAAAAAAAAAAAADwAAACADAAAAAAAAAAAAAAEAAACgMgAAVgcAAKr4//8BAAAAf39/AAEAAABkAAAAAAAAABQAAABAHwAAAAAAACYAAAAAAAAAwOD//wAAAAAmAAAAZAAAABYAAABMAAAAAAAAAAAAAAAEAAAAAAAAAAEAAACAgIAKAAAAACgAAAAoAAAAZAAAAGQAAAAAAAAAzMzMAAAAAABQAAAAUAAAAGQAAABkAAAAAAAAABcAAAAUAAAAAAAAAAAAAAD/fwAA/38AAAAAAAAJAAAABAAAAAAAAAAMAAAAEAAAAAAAAAAAAAAAAAAAAAAAAAAeAAAAaAAAAAAAAAAAAAAAAAAAAAAAAAAAAAAAECcAABAnAAAAAAAAAAAAAAAAAAAAAAAAAAAAAAAAAAAAAAAAAAAAABQAAAAAAAAAwMD/AAAAAABkAAAAMgAAAAAAAABkAAAAAAAAAH9/fwAKAAAAIgAAABgAAAAAAAAAAAAAAAAAAAAAAAAAAAAAAAAAAAAkAAAAJAAAAAAAAAAHAAAAAAAAAAAAAAAAAAAAAAAAAAAAAAAAAAAAf39/ACUAAABYAAAAAAAAAAAAAAAAAAAAAAAAAAAAAAAAAAAAAAAAAAAAAAAAAAAAAAAAAAAAAAA/AAAAAAAAAKCGAQAAAAAAAAAAAAAAAAAMAAAAAQAAAAAAAAAAAAAAAAAAAB8AAABUAAAAAAAABQAAAAEAAAAAAAAAAAAAAAAAAAAAAAAAAAAAAAAAAAAAAAAAAAAAAAJ/f38AAAAAA8zMzADAwP8Af39/AAAAAAAAAAAAAAAAAAAAAAAAAAAAIQAAABgAAAAUAAAAwAMAABsnAAA/FQAAWSkAABAAAAAmAAAACAAAAAAAAAAAAAAAMAAAABQAAAAAAAAAAAD//wAAAQAAAP//AAABAA=="/>
               </a:ext>
             </a:extLst>
           </p:cNvSpPr>
@@ -2693,7 +2693,7 @@
           <a:lstStyle/>
           <a:p>
             <a:pPr/>
-            <a:fld id="{24A181BE-F0C9-F477-8719-0622CF577153}" type="datetime1">
+            <a:fld id="{3A22FBA5-EBD7-770D-999A-1D58B5D46F48}" type="datetime1">
               <a:t/>
             </a:fld>
           </a:p>
@@ -2706,7 +2706,7 @@
             <a:spLocks noGrp="1" noChangeArrowheads="1"/>
             <a:extLst>
               <a:ext uri="smNativeData">
-                <pr:smNativeData xmlns:pr="smNativeData" xmlns="smNativeData" val="SMDATA_17_MUmAYRMAAAAlAAAAZAAAAA8BAAAAkAAAAEgAAACQAAAASAAAAAAAAAABAAAAAAAAAAEAAABQAAAAAAAAAAAA4D8AAAAAAADgPwAAAAAAAOA/AAAAAAAA4D8AAAAAAADgPwAAAAAAAOA/AAAAAAAA4D8AAAAAAADgPwAAAAAAAOA/AAAAAAAA4D8CAAAAjAAAAAAAAAAAAAAAu+DjDP///wgAAAAAAAAAAAAAAAAAAAAAAAAAAAAAAAAAAAAAZAAAAAEAAABAAAAAAAAAAAAAAAAAAAAAAAAAAAAAAAAAAAAAAAAAAAAAAAAAAAAAAAAAAAAAAAAAAAAAAAAAAAAAAAAAAAAAAAAAAAAAAAAAAAAAAAAAAAAAAAAAAAAAFAAAADwAAAAAAAAAAAAAAAAAAAkUAAAAAQAAABQAAAAUAAAAFAAAAAEAAAAAAAAAZAAAAGQAAAAAAAAAZAAAAGQAAAAVAAAAYAAAAAAAAAAAAAAADwAAACADAAAAAAAAAAAAAAEAAACgMgAAVgcAAKr4//8BAAAAf39/AAEAAABkAAAAAAAAABQAAABAHwAAAAAAACYAAAAAAAAAwOD//wAAAAAmAAAAZAAAABYAAABMAAAAAAAAAAAAAAAEAAAAAAAAAAEAAACAgIAKAAAAACgAAAAoAAAAZAAAAGQAAAAAAAAAzMzMAAAAAABQAAAAUAAAAGQAAABkAAAAAAAAABcAAAAUAAAAAAAAAAAAAAD/fwAA/38AAAAAAAAJAAAABAAAAAAAAAAMAAAAEAAAAAAAAAAAAAAAAAAAAAAAAAAeAAAAaAAAAAAAAAAAAAAAAAAAAAAAAAAAAAAAECcAABAnAAAAAAAAAAAAAAAAAAAAAAAAAAAAAAAAAAAAAAAAAAAAABQAAAAAAAAAwMD/AAAAAABkAAAAMgAAAAAAAABkAAAAAAAAAH9/fwAKAAAAIgAAABgAAAAAAAAAAAAAAAAAAAAAAAAAAAAAAAAAAAAkAAAAJAAAAAAAAAAHAAAAAAAAAAAAAAAAAAAAAAAAAAAAAAAAAAAAf39/ACUAAABYAAAAAAAAAAAAAAAAAAAAAAAAAAAAAAAAAAAAAAAAAAAAAAAAAAAAAAAAAAAAAAA/AAAAAAAAAKCGAQAAAAAAAAAAAAAAAAAMAAAAAQAAAAAAAAAAAAAAAAAAAB8AAABUAAAAAAAABQAAAAEAAAAAAAAAAAAAAAAAAAAAAAAAAAAAAAAAAAAAAAAAAAAAAAJ/f38AAAAAA8zMzADAwP8Af39/AAAAAAAAAAAAAAAAAAAAAAAAAAAAIQAAABgAAAAUAAAAoRkAABsnAABfMQAAWSkAABAAAAAmAAAACAAAAAAAAAAAAAAAMAAAABQAAAAAAAAAAAD//wAAAQAAAP//AAABAA=="/>
+                <pr:smNativeData xmlns:pr="smNativeData" xmlns="smNativeData" val="SMDATA_17_WnaBYRMAAAAlAAAAZAAAAA8BAAAAkAAAAEgAAACQAAAASAAAAAAAAAABAAAAAAAAAAEAAABQAAAAAAAAAAAA4D8AAAAAAADgPwAAAAAAAOA/AAAAAAAA4D8AAAAAAADgPwAAAAAAAOA/AAAAAAAA4D8AAAAAAADgPwAAAAAAAOA/AAAAAAAA4D8CAAAAjAAAAAAAAAAAAAAAu+DjDP///wgAAAAAAAAAAAAAAAAAAAAAAAAAAAAAAAAAAAAAZAAAAAEAAABAAAAAAAAAAAAAAAAAAAAAAAAAAAAAAAAAAAAAAAAAAAAAAAAAAAAAAAAAAAAAAAAAAAAAAAAAAAAAAAAAAAAAAAAAAAAAAAAAAAAAAAAAAAAAAAAAAAAAFAAAADwAAAAAAAAAAAAAAAAAAAkUAAAAAQAAABQAAAAUAAAAFAAAAAEAAAAAAAAAZAAAAGQAAAAAAAAAZAAAAGQAAAAVAAAAYAAAAAAAAAAAAAAADwAAACADAAAAAAAAAAAAAAEAAACgMgAAVgcAAKr4//8BAAAAf39/AAEAAABkAAAAAAAAABQAAABAHwAAAAAAACYAAAAAAAAAwOD//wAAAAAmAAAAZAAAABYAAABMAAAAAAAAAAAAAAAEAAAAAAAAAAEAAACAgIAKAAAAACgAAAAoAAAAZAAAAGQAAAAAAAAAzMzMAAAAAABQAAAAUAAAAGQAAABkAAAAAAAAABcAAAAUAAAAAAAAAAAAAAD/fwAA/38AAAAAAAAJAAAABAAAAAAAAAAMAAAAEAAAAAAAAAAAAAAAAAAAAAAAAAAeAAAAaAAAAAAAAAAAAAAAAAAAAAAAAAAAAAAAECcAABAnAAAAAAAAAAAAAAAAAAAAAAAAAAAAAAAAAAAAAAAAAAAAABQAAAAAAAAAwMD/AAAAAABkAAAAMgAAAAAAAABkAAAAAAAAAH9/fwAKAAAAIgAAABgAAAAAAAAAAAAAAAAAAAAAAAAAAAAAAAAAAAAkAAAAJAAAAAAAAAAHAAAAAAAAAAAAAAAAAAAAAAAAAAAAAAAAAAAAf39/ACUAAABYAAAAAAAAAAAAAAAAAAAAAAAAAAAAAAAAAAAAAAAAAAAAAAAAAAAAAAAAAAAAAAA/AAAAAAAAAKCGAQAAAAAAAAAAAAAAAAAMAAAAAQAAAAAAAAAAAAAAAAAAAB8AAABUAAAAAAAABQAAAAEAAAAAAAAAAAAAAAAAAAAAAAAAAAAAAAAAAAAAAAAAAAAAAAJ/f38AAAAAA8zMzADAwP8Af39/AAAAAAAAAAAAAAAAAAAAAAAAAAAAIQAAABgAAAAUAAAAoRkAABsnAABfMQAAWSkAABAAAAAmAAAACAAAAAAAAAAAAAAAMAAAABQAAAAAAAAAAAD//wAAAQAAAP//AAABAA=="/>
               </a:ext>
             </a:extLst>
           </p:cNvSpPr>
@@ -2730,7 +2730,7 @@
             <a:spLocks noGrp="1" noChangeArrowheads="1"/>
             <a:extLst>
               <a:ext uri="smNativeData">
-                <pr:smNativeData xmlns:pr="smNativeData" xmlns="smNativeData" val="SMDATA_17_MUmAYRMAAAAlAAAAZAAAAA8BAAAAkAAAAEgAAACQAAAASAAAAAAAAAABAAAAAAAAAAEAAABQAAAAAAAAAAAA4D8AAAAAAADgPwAAAAAAAOA/AAAAAAAA4D8AAAAAAADgPwAAAAAAAOA/AAAAAAAA4D8AAAAAAADgPwAAAAAAAOA/AAAAAAAA4D8CAAAAjAAAAAAAAAAAAAAAu+DjDP///wgAAAAAAAAAAAAAAAAAAAAAAAAAAAAAAAAAAAAAZAAAAAEAAABAAAAAAAAAAAAAAAAAAAAAAAAAAAAAAAAAAAAAAAAAAAAAAAAAAAAAAAAAAAAAAAAAAAAAAAAAAAAAAAAAAAAAAAAAAAAAAAAAAAAAAAAAAAAAAAAAAAAAFAAAADwAAAAAAAAAAAAAAAAAAAkUAAAAAQAAABQAAAAUAAAAFAAAAAEAAAAAAAAAZAAAAGQAAAAAAAAAZAAAAGQAAAAVAAAAYAAAAAAAAAAAAAAADwAAACADAAAAAAAAAAAAAAEAAACgMgAAVgcAAKr4//8BAAAAf39/AAEAAABkAAAAAAAAABQAAABAHwAAAAAAACYAAAAAAAAAwOD//wAAAAAmAAAAZAAAABYAAABMAAAAAAAAAAAAAAAEAAAAAAAAAAEAAACAgIAKAAAAACgAAAAoAAAAZAAAAGQAAAAAAAAAzMzMAAAAAABQAAAAUAAAAGQAAABkAAAAAAAAABcAAAAUAAAAAAAAAAAAAAD/fwAA/38AAAAAAAAJAAAABAAAAAAAAAAMAAAAEAAAAAAAAAAAAAAAAAAAAAAAAAAeAAAAaAAAAAAAAAAAAAAAAAAAAAAAAAAAAAAAECcAABAnAAAAAAAAAAAAAAAAAAAAAAAAAAAAAAAAAAAAAAAAAAAAABQAAAAAAAAAwMD/AAAAAABkAAAAMgAAAAAAAABkAAAAAAAAAH9/fwAKAAAAIgAAABgAAAAAAAAAAAAAAAAAAAAAAAAAAAAAAAAAAAAkAAAAJAAAAAAAAAAHAAAAAAAAAAAAAAAAAAAAAAAAAAAAAAAAAAAAf39/ACUAAABYAAAAAAAAAAAAAAAAAAAAAAAAAAAAAAAAAAAAAAAAAAAAAAAAAAAAAAAAAAAAAAA/AAAAAAAAAKCGAQAAAAAAAAAAAAAAAAAMAAAAAQAAAAAAAAAAAAAAAAAAAB8AAABUAAAAAAAABQAAAAEAAAAAAAAAAAAAAAAAAAAAAAAAAAAAAAAAAAAAAAAAAAAAAAJ/f38AAAAAA8zMzADAwP8Af39/AAAAAAAAAAAAAAAAAAAAAAAAAAAAIQAAABgAAAAUAAAAwTUAABsnAABARwAAWSkAABAAAAAmAAAACAAAAAAAAAAAAAAAMAAAABQAAAAAAAAAAAD//wAAAQAAAP//AAABAA=="/>
+                <pr:smNativeData xmlns:pr="smNativeData" xmlns="smNativeData" val="SMDATA_17_WnaBYRMAAAAlAAAAZAAAAA8BAAAAkAAAAEgAAACQAAAASAAAAAAAAAABAAAAAAAAAAEAAABQAAAAAAAAAAAA4D8AAAAAAADgPwAAAAAAAOA/AAAAAAAA4D8AAAAAAADgPwAAAAAAAOA/AAAAAAAA4D8AAAAAAADgPwAAAAAAAOA/AAAAAAAA4D8CAAAAjAAAAAAAAAAAAAAAu+DjDP///wgAAAAAAAAAAAAAAAAAAAAAAAAAAAAAAAAAAAAAZAAAAAEAAABAAAAAAAAAAAAAAAAAAAAAAAAAAAAAAAAAAAAAAAAAAAAAAAAAAAAAAAAAAAAAAAAAAAAAAAAAAAAAAAAAAAAAAAAAAAAAAAAAAAAAAAAAAAAAAAAAAAAAFAAAADwAAAAAAAAAAAAAAAAAAAkUAAAAAQAAABQAAAAUAAAAFAAAAAEAAAAAAAAAZAAAAGQAAAAAAAAAZAAAAGQAAAAVAAAAYAAAAAAAAAAAAAAADwAAACADAAAAAAAAAAAAAAEAAACgMgAAVgcAAKr4//8BAAAAf39/AAEAAABkAAAAAAAAABQAAABAHwAAAAAAACYAAAAAAAAAwOD//wAAAAAmAAAAZAAAABYAAABMAAAAAAAAAAAAAAAEAAAAAAAAAAEAAACAgIAKAAAAACgAAAAoAAAAZAAAAGQAAAAAAAAAzMzMAAAAAABQAAAAUAAAAGQAAABkAAAAAAAAABcAAAAUAAAAAAAAAAAAAAD/fwAA/38AAAAAAAAJAAAABAAAAAAAAAAMAAAAEAAAAAAAAAAAAAAAAAAAAAAAAAAeAAAAaAAAAAAAAAAAAAAAAAAAAAAAAAAAAAAAECcAABAnAAAAAAAAAAAAAAAAAAAAAAAAAAAAAAAAAAAAAAAAAAAAABQAAAAAAAAAwMD/AAAAAABkAAAAMgAAAAAAAABkAAAAAAAAAH9/fwAKAAAAIgAAABgAAAAAAAAAAAAAAAAAAAAAAAAAAAAAAAAAAAAkAAAAJAAAAAAAAAAHAAAAAAAAAAAAAAAAAAAAAAAAAAAAAAAAAAAAf39/ACUAAABYAAAAAAAAAAAAAAAAAAAAAAAAAAAAAAAAAAAAAAAAAAAAAAAAAAAAAAAAAAAAAAA/AAAAAAAAAKCGAQAAAAAAAAAAAAAAAAAMAAAAAQAAAAAAAAAAAAAAAAAAAB8AAABUAAAAAAAABQAAAAEAAAAAAAAAAAAAAAAAAAAAAAAAAAAAAAAAAAAAAAAAAAAAAAJ/f38AAAAAA8zMzADAwP8Af39/AAAAAAAAAAAAAAAAAAAAAAAAAAAAIQAAABgAAAAUAAAAwTUAABsnAABARwAAWSkAABAAAAAmAAAACAAAAAAAAAAAAAAAMAAAABQAAAAAAAAAAAD//wAAAQAAAP//AAABAA=="/>
               </a:ext>
             </a:extLst>
           </p:cNvSpPr>
@@ -2744,7 +2744,7 @@
           <a:lstStyle/>
           <a:p>
             <a:pPr/>
-            <a:fld id="{3DE0B52F-61D0-B543-9E58-9716FB1668C2}" type="slidenum">
+            <a:fld id="{6DC1C615-5B80-9430-CE79-AD65883738F8}" type="slidenum">
               <a:t/>
             </a:fld>
           </a:p>
@@ -2791,7 +2791,7 @@
             <a:spLocks noGrp="1" noChangeArrowheads="1"/>
             <a:extLst>
               <a:ext uri="smNativeData">
-                <pr:smNativeData xmlns:pr="smNativeData" xmlns="smNativeData" val="SMDATA_17_MUmAYRMAAAAlAAAAZAAAAA8BAAAAkAAAAEgAAACQAAAASAAAAAAAAAABAAAAAAAAAAEAAABQAAAAAAAAAAAA4D8AAAAAAADgPwAAAAAAAOA/AAAAAAAA4D8AAAAAAADgPwAAAAAAAOA/AAAAAAAA4D8AAAAAAADgPwAAAAAAAOA/AAAAAAAA4D8CAAAAjAAAAAAAAAAAAAAAu+DjDP///wgAAAAAAAAAAAAAAAAAAAAAAAAAAAAAAAAAAAAAZAAAAAEAAABAAAAAAAAAAAAAAAAAAAAAAAAAAAAAAAAAAAAAAAAAAAAAAAAAAAAAAAAAAAAAAAAAAAAAAAAAAAAAAAAAAAAAAAAAAAAAAAAAAAAAAAAAAAAAAAAAAAAAFAAAADwAAAAAAAAAAAAAAAAAAAkUAAAAAQAAABQAAAAUAAAAFAAAAAEAAAAAAAAAZAAAAGQAAAAAAAAAZAAAAGQAAAAVAAAAYAAAAAAAAAAAAAAADwAAACADAAAAAAAAAAAAAAEAAACgMgAAVgcAAKr4//8BAAAAf39/AAEAAABkAAAAAAAAABQAAABAHwAAAAAAACYAAAAAAAAAwOD//wAAAAAmAAAAZAAAABYAAABMAAAAAAAAAAAAAAAEAAAAAAAAAAEAAACAgIAKAAAAACgAAAAoAAAAZAAAAGQAAAAAAAAAzMzMAAAAAABQAAAAUAAAAGQAAABkAAAAAAAAABcAAAAUAAAAAAAAAAAAAAD/fwAA/38AAAAAAAAJAAAABAAAAHsAfAAMAAAAEAAAAAAAAAAAAAAAAAAAAAAAAAAeAAAAaAAAAAAAAAAAAAAAAAAAAAAAAAAAAAAAECcAABAnAAAAAAAAAAAAAAAAAAAAAAAAAAAAAAAAAAAAAAAAAAAAABQAAAAAAAAAwMD/AAAAAABkAAAAMgAAAAAAAABkAAAAAAAAAH9/fwAKAAAAIgAAABgAAAAAAAAAAAAAAAAAAAAAAAAAAAAAAAAAAAAkAAAAJAAAAAAAAAAHAAAAAAAAAAAAAAAAAAAAAAAAAAAAAAAAAAAAf39/ACUAAABYAAAAAAAAAAAAAAAAAAAAAAAAAAAAAAAAAAAAAAAAAAAAAAAAAAAAAAAAAAAAAAA/AAAAAAAAAKCGAQAAAAAAAAAAAAAAAAAMAAAAAQAAAAAAAAAAAAAAAAAAAB8AAABUAAAAAAAABQAAAAEAAAAAAAAAAAAAAAAAAAAAAAAAAAAAAAAAAAAAAAAAAAAAAAJ/f38AAAAAA8zMzADAwP8Af39/AAAAAAAAAAAAAAAAAAAAAAAAAAAAIQAAABgAAAAUAAAAwAMAALABAABARwAAuAgAABAAAAAmAAAACAAAAP//////////MAAAABQAAAAAAAAAAAD//wAAAQAAAP//AAABAA=="/>
+                <pr:smNativeData xmlns:pr="smNativeData" xmlns="smNativeData" val="SMDATA_17_WnaBYRMAAAAlAAAAZAAAAA8BAAAAkAAAAEgAAACQAAAASAAAAAAAAAABAAAAAAAAAAEAAABQAAAAAAAAAAAA4D8AAAAAAADgPwAAAAAAAOA/AAAAAAAA4D8AAAAAAADgPwAAAAAAAOA/AAAAAAAA4D8AAAAAAADgPwAAAAAAAOA/AAAAAAAA4D8CAAAAjAAAAAAAAAAAAAAAu+DjDP///wgAAAAAAAAAAAAAAAAAAAAAAAAAAAAAAAAAAAAAZAAAAAEAAABAAAAAAAAAAAAAAAAAAAAAAAAAAAAAAAAAAAAAAAAAAAAAAAAAAAAAAAAAAAAAAAAAAAAAAAAAAAAAAAAAAAAAAAAAAAAAAAAAAAAAAAAAAAAAAAAAAAAAFAAAADwAAAAAAAAAAAAAAAAAAAkUAAAAAQAAABQAAAAUAAAAFAAAAAEAAAAAAAAAZAAAAGQAAAAAAAAAZAAAAGQAAAAVAAAAYAAAAAAAAAAAAAAADwAAACADAAAAAAAAAAAAAAEAAACgMgAAVgcAAKr4//8BAAAAf39/AAEAAABkAAAAAAAAABQAAABAHwAAAAAAACYAAAAAAAAAwOD//wAAAAAmAAAAZAAAABYAAABMAAAAAAAAAAAAAAAEAAAAAAAAAAEAAACAgIAKAAAAACgAAAAoAAAAZAAAAGQAAAAAAAAAzMzMAAAAAABQAAAAUAAAAGQAAABkAAAAAAAAABcAAAAUAAAAAAAAAAAAAAD/fwAA/38AAAAAAAAJAAAABAAAAHsAfAAMAAAAEAAAAAAAAAAAAAAAAAAAAAAAAAAeAAAAaAAAAAAAAAAAAAAAAAAAAAAAAAAAAAAAECcAABAnAAAAAAAAAAAAAAAAAAAAAAAAAAAAAAAAAAAAAAAAAAAAABQAAAAAAAAAwMD/AAAAAABkAAAAMgAAAAAAAABkAAAAAAAAAH9/fwAKAAAAIgAAABgAAAAAAAAAAAAAAAAAAAAAAAAAAAAAAAAAAAAkAAAAJAAAAAAAAAAHAAAAAAAAAAAAAAAAAAAAAAAAAAAAAAAAAAAAf39/ACUAAABYAAAAAAAAAAAAAAAAAAAAAAAAAAAAAAAAAAAAAAAAAAAAAAAAAAAAAAAAAAAAAAA/AAAAAAAAAKCGAQAAAAAAAAAAAAAAAAAMAAAAAQAAAAAAAAAAAAAAAAAAAB8AAABUAAAAAAAABQAAAAEAAAAAAAAAAAAAAAAAAAAAAAAAAAAAAAAAAAAAAAAAAAAAAAJ/f38AAAAAA8zMzADAwP8Af39/AAAAAAAAAAAAAAAAAAAAAAAAAAAAIQAAABgAAAAUAAAAwAMAALABAABARwAAuAgAABAAAAAmAAAACAAAAP//////////MAAAABQAAAAAAAAAAAD//wAAAQAAAP//AAABAA=="/>
               </a:ext>
             </a:extLst>
           </p:cNvSpPr>
@@ -2835,7 +2835,7 @@
             <a:spLocks noGrp="1" noChangeArrowheads="1"/>
             <a:extLst>
               <a:ext uri="smNativeData">
-                <pr:smNativeData xmlns:pr="smNativeData" xmlns="smNativeData" val="SMDATA_17_MUmAYRMAAAAlAAAAZAAAAA8BAAAAkAAAAEgAAACQAAAASAAAAAAAAAAAAAAAAAAAAAEAAABQAAAAAAAAAAAA4D8AAAAAAADgPwAAAAAAAOA/AAAAAAAA4D8AAAAAAADgPwAAAAAAAOA/AAAAAAAA4D8AAAAAAADgPwAAAAAAAOA/AAAAAAAA4D8CAAAAjAAAAAAAAAAAAAAAu+DjDP///wgAAAAAAAAAAAAAAAAAAAAAAAAAAAAAAAAAAAAAZAAAAAEAAABAAAAAAAAAAAAAAAAAAAAAAAAAAAAAAAAAAAAAAAAAAAAAAAAAAAAAAAAAAAAAAAAAAAAAAAAAAAAAAAAAAAAAAAAAAAAAAAAAAAAAAAAAAAAAAAAAAAAAFAAAADwAAAAAAAAAAAAAAAAAAAkUAAAAAQAAABQAAAAUAAAAFAAAAAEAAAAAAAAAZAAAAGQAAAAAAAAAZAAAAGQAAAAVAAAAYAAAAAAAAAAAAAAADwAAACADAAAAAAAAAAAAAAEAAACgMgAAVgcAAKr4//8BAAAAf39/AAEAAABkAAAAAAAAABQAAABAHwAAAAAAACYAAAAAAAAAwOD//wAAAAAmAAAAZAAAABYAAABMAAAAAAAAAAAAAAAEAAAAAAAAAAEAAACAgIAKAAAAACgAAAAoAAAAZAAAAGQAAAAAAAAAzMzMAAAAAABQAAAAUAAAAGQAAABkAAAAAAAAABcAAAAUAAAAAAAAAAAAAAD/fwAA/38AAAAAAAAJAAAABAAAAHsAfAAMAAAAEAAAAAAAAAAAAAAAAAAAAAAAAAAeAAAAaAAAAAAAAAAAAAAAAAAAAAAAAAAAAAAAECcAABAnAAAAAAAAAAAAAAAAAAAAAAAAAAAAAAAAAAAAAAAAAAAAABQAAAAAAAAAwMD/AAAAAABkAAAAMgAAAAAAAABkAAAAAAAAAH9/fwAKAAAAIgAAABgAAAAAAAAAAAAAAAAAAAAAAAAAAAAAAAAAAAAkAAAAJAAAAAAAAAAHAAAAAAAAAAAAAAAAAAAAAAAAAAAAAAAAAAAAf39/ACUAAABYAAAAAAAAAAAAAAAAAAAAAAAAAAAAAAAAAAAAAAAAAAAAAAAAAAAAAAAAAAAAAAA/AAAAAAAAAKCGAQAAAAAAAAAAAAAAAAAMAAAAAQAAAAAAAAAAAAAAAAAAAB8AAABUAAAAAAAABQAAAAEAAAAAAAAAAAAAAAAAAAAAAAAAAAAAAAAAAAAAAAAAAAAAAAJ/f38AAAAAA8zMzADAwP8Af39/AAAAAAAAAAAAAAAAAAAAAAAAAAAAIQAAABgAAAAUAAAAwAMAANgJAABARwAAsCUAABAAAAAmAAAACAAAAP//////////MAAAABQAAAAAAAAAAAD//wAAAQAAAP//AAABAA=="/>
+                <pr:smNativeData xmlns:pr="smNativeData" xmlns="smNativeData" val="SMDATA_17_WnaBYRMAAAAlAAAAZAAAAA8BAAAAkAAAAEgAAACQAAAASAAAAAAAAAAAAAAAAAAAAAEAAABQAAAAAAAAAAAA4D8AAAAAAADgPwAAAAAAAOA/AAAAAAAA4D8AAAAAAADgPwAAAAAAAOA/AAAAAAAA4D8AAAAAAADgPwAAAAAAAOA/AAAAAAAA4D8CAAAAjAAAAAAAAAAAAAAAu+DjDP///wgAAAAAAAAAAAAAAAAAAAAAAAAAAAAAAAAAAAAAZAAAAAEAAABAAAAAAAAAAAAAAAAAAAAAAAAAAAAAAAAAAAAAAAAAAAAAAAAAAAAAAAAAAAAAAAAAAAAAAAAAAAAAAAAAAAAAAAAAAAAAAAAAAAAAAAAAAAAAAAAAAAAAFAAAADwAAAAAAAAAAAAAAAAAAAkUAAAAAQAAABQAAAAUAAAAFAAAAAEAAAAAAAAAZAAAAGQAAAAAAAAAZAAAAGQAAAAVAAAAYAAAAAAAAAAAAAAADwAAACADAAAAAAAAAAAAAAEAAACgMgAAVgcAAKr4//8BAAAAf39/AAEAAABkAAAAAAAAABQAAABAHwAAAAAAACYAAAAAAAAAwOD//wAAAAAmAAAAZAAAABYAAABMAAAAAAAAAAAAAAAEAAAAAAAAAAEAAACAgIAKAAAAACgAAAAoAAAAZAAAAGQAAAAAAAAAzMzMAAAAAABQAAAAUAAAAGQAAABkAAAAAAAAABcAAAAUAAAAAAAAAAAAAAD/fwAA/38AAAAAAAAJAAAABAAAAHsAfAAMAAAAEAAAAAAAAAAAAAAAAAAAAAAAAAAeAAAAaAAAAAAAAAAAAAAAAAAAAAAAAAAAAAAAECcAABAnAAAAAAAAAAAAAAAAAAAAAAAAAAAAAAAAAAAAAAAAAAAAABQAAAAAAAAAwMD/AAAAAABkAAAAMgAAAAAAAABkAAAAAAAAAH9/fwAKAAAAIgAAABgAAAAAAAAAAAAAAAAAAAAAAAAAAAAAAAAAAAAkAAAAJAAAAAAAAAAHAAAAAAAAAAAAAAAAAAAAAAAAAAAAAAAAAAAAf39/ACUAAABYAAAAAAAAAAAAAAAAAAAAAAAAAAAAAAAAAAAAAAAAAAAAAAAAAAAAAAAAAAAAAAA/AAAAAAAAAKCGAQAAAAAAAAAAAAAAAAAMAAAAAQAAAAAAAAAAAAAAAAAAAB8AAABUAAAAAAAABQAAAAEAAAAAAAAAAAAAAAAAAAAAAAAAAAAAAAAAAAAAAAAAAAAAAAJ/f38AAAAAA8zMzADAwP8Af39/AAAAAAAAAAAAAAAAAAAAAAAAAAAAIQAAABgAAAAUAAAAwAMAANgJAABARwAAsCUAABAAAAAmAAAACAAAAP//////////MAAAABQAAAAAAAAAAAD//wAAAQAAAP//AAABAA=="/>
               </a:ext>
             </a:extLst>
           </p:cNvSpPr>
@@ -2903,7 +2903,7 @@
             <a:spLocks noGrp="1" noChangeArrowheads="1"/>
             <a:extLst>
               <a:ext uri="smNativeData">
-                <pr:smNativeData xmlns:pr="smNativeData" xmlns="smNativeData" val="SMDATA_17_MUmAYRMAAAAlAAAAZAAAAA8BAAAAkAAAAEgAAACQAAAASAAAAAAAAAABAAAAAAAAAAEAAABQAAAAAAAAAAAA4D8AAAAAAADgPwAAAAAAAOA/AAAAAAAA4D8AAAAAAADgPwAAAAAAAOA/AAAAAAAA4D8AAAAAAADgPwAAAAAAAOA/AAAAAAAA4D8CAAAAjAAAAAAAAAAAAAAAu+DjDP///wgAAAAAAAAAAAAAAAAAAAAAAAAAAAAAAAAAAAAAZAAAAAEAAABAAAAAAAAAAAAAAAAAAAAAAAAAAAAAAAAAAAAAAAAAAAAAAAAAAAAAAAAAAAAAAAAAAAAAAAAAAAAAAAAAAAAAAAAAAAAAAAAAAAAAAAAAAAAAAAAAAAAAFAAAADwAAAAAAAAAAAAAAAAAAAkUAAAAAQAAABQAAAAUAAAAFAAAAAEAAAAAAAAAZAAAAGQAAAAAAAAAZAAAAGQAAAAVAAAAYAAAAAAAAAAAAAAADwAAACADAAAAAAAAAAAAAAEAAACgMgAAVgcAAKr4//8BAAAAf39/AAEAAABkAAAAAAAAABQAAABAHwAAAAAAACYAAAAAAAAAwOD//wAAAAAmAAAAZAAAABYAAABMAAAAAAAAAAAAAAAEAAAAAAAAAAEAAACAgIAKAAAAACgAAAAoAAAAZAAAAGQAAAAAAAAAzMzMAAAAAABQAAAAUAAAAGQAAABkAAAAAAAAABcAAAAUAAAAAAAAAAAAAAD/fwAA/38AAAAAAAAJAAAABAAAAHsAfAAMAAAAEAAAAAAAAAAAAAAAAAAAAAAAAAAeAAAAaAAAAAAAAAAAAAAAAAAAAAAAAAAAAAAAECcAABAnAAAAAAAAAAAAAAAAAAAAAAAAAAAAAAAAAAAAAAAAAAAAABQAAAAAAAAAwMD/AAAAAABkAAAAMgAAAAAAAABkAAAAAAAAAH9/fwAKAAAAIgAAABgAAAAAAAAAAAAAAAAAAAAAAAAAAAAAAAAAAAAkAAAAJAAAAAAAAAAHAAAAAAAAAAAAAAAAAAAAAAAAAAAAAAAAAAAAf39/ACUAAABYAAAAAAAAAAAAAAAAAAAAAAAAAAAAAAAAAAAAAAAAAAAAAAAAAAAAAAAAAAAAAAA/AAAAAAAAAKCGAQAAAAAAAAAAAAAAAAAMAAAAAQAAAAAAAAAAAAAAAAAAAB8AAABUAAAAAAAABQAAAAEAAAAAAAAAAAAAAAAAAAAAAAAAAAAAAAAAAAAAAAAAAAAAAAJ/f38AAAAAA8zMzADAwP8Af39/AAAAAAAAAAAAAAAAAAAAAAAAAAAAIQAAABgAAAAUAAAAwAMAABsnAAA/FQAAWSkAABAAAAAmAAAACAAAAP//////////MAAAABQAAAAAAAAAAAD//wAAAQAAAP//AAABAA=="/>
+                <pr:smNativeData xmlns:pr="smNativeData" xmlns="smNativeData" val="SMDATA_17_WnaBYRMAAAAlAAAAZAAAAA8BAAAAkAAAAEgAAACQAAAASAAAAAAAAAABAAAAAAAAAAEAAABQAAAAAAAAAAAA4D8AAAAAAADgPwAAAAAAAOA/AAAAAAAA4D8AAAAAAADgPwAAAAAAAOA/AAAAAAAA4D8AAAAAAADgPwAAAAAAAOA/AAAAAAAA4D8CAAAAjAAAAAAAAAAAAAAAu+DjDP///wgAAAAAAAAAAAAAAAAAAAAAAAAAAAAAAAAAAAAAZAAAAAEAAABAAAAAAAAAAAAAAAAAAAAAAAAAAAAAAAAAAAAAAAAAAAAAAAAAAAAAAAAAAAAAAAAAAAAAAAAAAAAAAAAAAAAAAAAAAAAAAAAAAAAAAAAAAAAAAAAAAAAAFAAAADwAAAAAAAAAAAAAAAAAAAkUAAAAAQAAABQAAAAUAAAAFAAAAAEAAAAAAAAAZAAAAGQAAAAAAAAAZAAAAGQAAAAVAAAAYAAAAAAAAAAAAAAADwAAACADAAAAAAAAAAAAAAEAAACgMgAAVgcAAKr4//8BAAAAf39/AAEAAABkAAAAAAAAABQAAABAHwAAAAAAACYAAAAAAAAAwOD//wAAAAAmAAAAZAAAABYAAABMAAAAAAAAAAAAAAAEAAAAAAAAAAEAAACAgIAKAAAAACgAAAAoAAAAZAAAAGQAAAAAAAAAzMzMAAAAAABQAAAAUAAAAGQAAABkAAAAAAAAABcAAAAUAAAAAAAAAAAAAAD/fwAA/38AAAAAAAAJAAAABAAAAHsAfAAMAAAAEAAAAAAAAAAAAAAAAAAAAAAAAAAeAAAAaAAAAAAAAAAAAAAAAAAAAAAAAAAAAAAAECcAABAnAAAAAAAAAAAAAAAAAAAAAAAAAAAAAAAAAAAAAAAAAAAAABQAAAAAAAAAwMD/AAAAAABkAAAAMgAAAAAAAABkAAAAAAAAAH9/fwAKAAAAIgAAABgAAAAAAAAAAAAAAAAAAAAAAAAAAAAAAAAAAAAkAAAAJAAAAAAAAAAHAAAAAAAAAAAAAAAAAAAAAAAAAAAAAAAAAAAAf39/ACUAAABYAAAAAAAAAAAAAAAAAAAAAAAAAAAAAAAAAAAAAAAAAAAAAAAAAAAAAAAAAAAAAAA/AAAAAAAAAKCGAQAAAAAAAAAAAAAAAAAMAAAAAQAAAAAAAAAAAAAAAAAAAB8AAABUAAAAAAAABQAAAAEAAAAAAAAAAAAAAAAAAAAAAAAAAAAAAAAAAAAAAAAAAAAAAAJ/f38AAAAAA8zMzADAwP8Af39/AAAAAAAAAAAAAAAAAAAAAAAAAAAAIQAAABgAAAAUAAAAwAMAABsnAAA/FQAAWSkAABAAAAAmAAAACAAAAP//////////MAAAABQAAAAAAAAAAAD//wAAAQAAAP//AAABAA=="/>
               </a:ext>
             </a:extLst>
           </p:cNvSpPr>
@@ -2938,7 +2938,7 @@
           </a:lstStyle>
           <a:p>
             <a:pPr/>
-            <a:fld id="{02B3B0E1-AFEF-E646-A10B-5913FE45570C}" type="datetime1">
+            <a:fld id="{7C394551-1F91-6CB3-DF81-E9E60BCF29BC}" type="datetime1">
               <a:t/>
             </a:fld>
           </a:p>
@@ -2951,7 +2951,7 @@
             <a:spLocks noGrp="1" noChangeArrowheads="1"/>
             <a:extLst>
               <a:ext uri="smNativeData">
-                <pr:smNativeData xmlns:pr="smNativeData" xmlns="smNativeData" val="SMDATA_17_MUmAYRMAAAAlAAAAZAAAAA8BAAAAkAAAAEgAAACQAAAASAAAAAAAAAABAAAAAAAAAAEAAABQAAAAAAAAAAAA4D8AAAAAAADgPwAAAAAAAOA/AAAAAAAA4D8AAAAAAADgPwAAAAAAAOA/AAAAAAAA4D8AAAAAAADgPwAAAAAAAOA/AAAAAAAA4D8CAAAAjAAAAAAAAAAAAAAAu+DjDP///wgAAAAAAAAAAAAAAAAAAAAAAAAAAAAAAAAAAAAAZAAAAAEAAABAAAAAAAAAAAAAAAAAAAAAAAAAAAAAAAAAAAAAAAAAAAAAAAAAAAAAAAAAAAAAAAAAAAAAAAAAAAAAAAAAAAAAAAAAAAAAAAAAAAAAAAAAAAAAAAAAAAAAFAAAADwAAAAAAAAAAAAAAAAAAAkUAAAAAQAAABQAAAAUAAAAFAAAAAEAAAAAAAAAZAAAAGQAAAAAAAAAZAAAAGQAAAAVAAAAYAAAAAAAAAAAAAAADwAAACADAAAAAAAAAAAAAAEAAACgMgAAVgcAAKr4//8BAAAAf39/AAEAAABkAAAAAAAAABQAAABAHwAAAAAAACYAAAAAAAAAwOD//wAAAAAmAAAAZAAAABYAAABMAAAAAAAAAAAAAAAEAAAAAAAAAAEAAACAgIAKAAAAACgAAAAoAAAAZAAAAGQAAAAAAAAAzMzMAAAAAABQAAAAUAAAAGQAAABkAAAAAAAAABcAAAAUAAAAAAAAAAAAAAD/fwAA/38AAAAAAAAJAAAABAAAAAAAAAAMAAAAEAAAAAAAAAAAAAAAAAAAAAAAAAAeAAAAaAAAAAAAAAAAAAAAAAAAAAAAAAAAAAAAECcAABAnAAAAAAAAAAAAAAAAAAAAAAAAAAAAAAAAAAAAAAAAAAAAABQAAAAAAAAAwMD/AAAAAABkAAAAMgAAAAAAAABkAAAAAAAAAH9/fwAKAAAAIgAAABgAAAAAAAAAAAAAAAAAAAAAAAAAAAAAAAAAAAAkAAAAJAAAAAAAAAAHAAAAAAAAAAAAAAAAAAAAAAAAAAAAAAAAAAAAf39/ACUAAABYAAAAAAAAAAAAAAAAAAAAAAAAAAAAAAAAAAAAAAAAAAAAAAAAAAAAAAAAAAAAAAA/AAAAAAAAAKCGAQAAAAAAAAAAAAAAAAAMAAAAAQAAAAAAAAAAAAAAAAAAAB8AAABUAAAAAAAABQAAAAEAAAAAAAAAAAAAAAAAAAAAAAAAAAAAAAAAAAAAAAAAAAAAAAJ/f38AAAAAA8zMzADAwP8Af39/AAAAAAAAAAAAAAAAAAAAAAAAAAAAIQAAABgAAAAUAAAAoRkAABsnAABfMQAAWSkAABAAAAAmAAAACAAAAP//////////MAAAABQAAAAAAAAAAAD//wAAAQAAAP//AAABAA=="/>
+                <pr:smNativeData xmlns:pr="smNativeData" xmlns="smNativeData" val="SMDATA_17_WnaBYRMAAAAlAAAAZAAAAA8BAAAAkAAAAEgAAACQAAAASAAAAAAAAAABAAAAAAAAAAEAAABQAAAAAAAAAAAA4D8AAAAAAADgPwAAAAAAAOA/AAAAAAAA4D8AAAAAAADgPwAAAAAAAOA/AAAAAAAA4D8AAAAAAADgPwAAAAAAAOA/AAAAAAAA4D8CAAAAjAAAAAAAAAAAAAAAu+DjDP///wgAAAAAAAAAAAAAAAAAAAAAAAAAAAAAAAAAAAAAZAAAAAEAAABAAAAAAAAAAAAAAAAAAAAAAAAAAAAAAAAAAAAAAAAAAAAAAAAAAAAAAAAAAAAAAAAAAAAAAAAAAAAAAAAAAAAAAAAAAAAAAAAAAAAAAAAAAAAAAAAAAAAAFAAAADwAAAAAAAAAAAAAAAAAAAkUAAAAAQAAABQAAAAUAAAAFAAAAAEAAAAAAAAAZAAAAGQAAAAAAAAAZAAAAGQAAAAVAAAAYAAAAAAAAAAAAAAADwAAACADAAAAAAAAAAAAAAEAAACgMgAAVgcAAKr4//8BAAAAf39/AAEAAABkAAAAAAAAABQAAABAHwAAAAAAACYAAAAAAAAAwOD//wAAAAAmAAAAZAAAABYAAABMAAAAAAAAAAAAAAAEAAAAAAAAAAEAAACAgIAKAAAAACgAAAAoAAAAZAAAAGQAAAAAAAAAzMzMAAAAAABQAAAAUAAAAGQAAABkAAAAAAAAABcAAAAUAAAAAAAAAAAAAAD/fwAA/38AAAAAAAAJAAAABAAAAAAAAAAMAAAAEAAAAAAAAAAAAAAAAAAAAAAAAAAeAAAAaAAAAAAAAAAAAAAAAAAAAAAAAAAAAAAAECcAABAnAAAAAAAAAAAAAAAAAAAAAAAAAAAAAAAAAAAAAAAAAAAAABQAAAAAAAAAwMD/AAAAAABkAAAAMgAAAAAAAABkAAAAAAAAAH9/fwAKAAAAIgAAABgAAAAAAAAAAAAAAAAAAAAAAAAAAAAAAAAAAAAkAAAAJAAAAAAAAAAHAAAAAAAAAAAAAAAAAAAAAAAAAAAAAAAAAAAAf39/ACUAAABYAAAAAAAAAAAAAAAAAAAAAAAAAAAAAAAAAAAAAAAAAAAAAAAAAAAAAAAAAAAAAAA/AAAAAAAAAKCGAQAAAAAAAAAAAAAAAAAMAAAAAQAAAAAAAAAAAAAAAAAAAB8AAABUAAAAAAAABQAAAAEAAAAAAAAAAAAAAAAAAAAAAAAAAAAAAAAAAAAAAAAAAAAAAAJ/f38AAAAAA8zMzADAwP8Af39/AAAAAAAAAAAAAAAAAAAAAAAAAAAAIQAAABgAAAAUAAAAoRkAABsnAABfMQAAWSkAABAAAAAmAAAACAAAAP//////////MAAAABQAAAAAAAAAAAD//wAAAQAAAP//AAABAA=="/>
               </a:ext>
             </a:extLst>
           </p:cNvSpPr>
@@ -2996,7 +2996,7 @@
             <a:spLocks noGrp="1" noChangeArrowheads="1"/>
             <a:extLst>
               <a:ext uri="smNativeData">
-                <pr:smNativeData xmlns:pr="smNativeData" xmlns="smNativeData" val="SMDATA_17_MUmAYRMAAAAlAAAAZAAAAA8BAAAAkAAAAEgAAACQAAAASAAAAAAAAAABAAAAAAAAAAEAAABQAAAAAAAAAAAA4D8AAAAAAADgPwAAAAAAAOA/AAAAAAAA4D8AAAAAAADgPwAAAAAAAOA/AAAAAAAA4D8AAAAAAADgPwAAAAAAAOA/AAAAAAAA4D8CAAAAjAAAAAAAAAAAAAAAu+DjDP///wgAAAAAAAAAAAAAAAAAAAAAAAAAAAAAAAAAAAAAZAAAAAEAAABAAAAAAAAAAAAAAAAAAAAAAAAAAAAAAAAAAAAAAAAAAAAAAAAAAAAAAAAAAAAAAAAAAAAAAAAAAAAAAAAAAAAAAAAAAAAAAAAAAAAAAAAAAAAAAAAAAAAAFAAAADwAAAAAAAAAAAAAAAAAAAkUAAAAAQAAABQAAAAUAAAAFAAAAAEAAAAAAAAAZAAAAGQAAAAAAAAAZAAAAGQAAAAVAAAAYAAAAAAAAAAAAAAADwAAACADAAAAAAAAAAAAAAEAAACgMgAAVgcAAKr4//8BAAAAf39/AAEAAABkAAAAAAAAABQAAABAHwAAAAAAACYAAAAAAAAAwOD//wAAAAAmAAAAZAAAABYAAABMAAAAAAAAAAAAAAAEAAAAAAAAAAEAAACAgIAKAAAAACgAAAAoAAAAZAAAAGQAAAAAAAAAzMzMAAAAAABQAAAAUAAAAGQAAABkAAAAAAAAABcAAAAUAAAAAAAAAAAAAAD/fwAA/38AAAAAAAAJAAAABAAAAP////8MAAAAEAAAAAAAAAAAAAAAAAAAAAAAAAAeAAAAaAAAAAAAAAAAAAAAAAAAAAAAAAAAAAAAECcAABAnAAAAAAAAAAAAAAAAAAAAAAAAAAAAAAAAAAAAAAAAAAAAABQAAAAAAAAAwMD/AAAAAABkAAAAMgAAAAAAAABkAAAAAAAAAH9/fwAKAAAAIgAAABgAAAAAAAAAAAAAAAAAAAAAAAAAAAAAAAAAAAAkAAAAJAAAAAAAAAAHAAAAAAAAAAAAAAAAAAAAAAAAAAAAAAAAAAAAf39/ACUAAABYAAAAAAAAAAAAAAAAAAAAAAAAAAAAAAAAAAAAAAAAAAAAAAAAAAAAAAAAAAAAAAA/AAAAAAAAAKCGAQAAAAAAAAAAAAAAAAAMAAAAAQAAAAAAAAAAAAAAAAAAAB8AAABUAAAAAAAABQAAAAEAAAAAAAAAAAAAAAAAAAAAAAAAAAAAAAAAAAAAAAAAAAAAAAJ/f38AAAAAA8zMzADAwP8Af39/AAAAAAAAAAAAAAAAAAAAAAAAAAAAIQAAABgAAAAUAAAAwTUAABsnAABARwAAWSkAABAAAAAmAAAACAAAAP//////////MAAAABQAAAAAAAAAAAD//wAAAQAAAP//AAABAA=="/>
+                <pr:smNativeData xmlns:pr="smNativeData" xmlns="smNativeData" val="SMDATA_17_WnaBYRMAAAAlAAAAZAAAAA8BAAAAkAAAAEgAAACQAAAASAAAAAAAAAABAAAAAAAAAAEAAABQAAAAAAAAAAAA4D8AAAAAAADgPwAAAAAAAOA/AAAAAAAA4D8AAAAAAADgPwAAAAAAAOA/AAAAAAAA4D8AAAAAAADgPwAAAAAAAOA/AAAAAAAA4D8CAAAAjAAAAAAAAAAAAAAAu+DjDP///wgAAAAAAAAAAAAAAAAAAAAAAAAAAAAAAAAAAAAAZAAAAAEAAABAAAAAAAAAAAAAAAAAAAAAAAAAAAAAAAAAAAAAAAAAAAAAAAAAAAAAAAAAAAAAAAAAAAAAAAAAAAAAAAAAAAAAAAAAAAAAAAAAAAAAAAAAAAAAAAAAAAAAFAAAADwAAAAAAAAAAAAAAAAAAAkUAAAAAQAAABQAAAAUAAAAFAAAAAEAAAAAAAAAZAAAAGQAAAAAAAAAZAAAAGQAAAAVAAAAYAAAAAAAAAAAAAAADwAAACADAAAAAAAAAAAAAAEAAACgMgAAVgcAAKr4//8BAAAAf39/AAEAAABkAAAAAAAAABQAAABAHwAAAAAAACYAAAAAAAAAwOD//wAAAAAmAAAAZAAAABYAAABMAAAAAAAAAAAAAAAEAAAAAAAAAAEAAACAgIAKAAAAACgAAAAoAAAAZAAAAGQAAAAAAAAAzMzMAAAAAABQAAAAUAAAAGQAAABkAAAAAAAAABcAAAAUAAAAAAAAAAAAAAD/fwAA/38AAAAAAAAJAAAABAAAAP////8MAAAAEAAAAAAAAAAAAAAAAAAAAAAAAAAeAAAAaAAAAAAAAAAAAAAAAAAAAAAAAAAAAAAAECcAABAnAAAAAAAAAAAAAAAAAAAAAAAAAAAAAAAAAAAAAAAAAAAAABQAAAAAAAAAwMD/AAAAAABkAAAAMgAAAAAAAABkAAAAAAAAAH9/fwAKAAAAIgAAABgAAAAAAAAAAAAAAAAAAAAAAAAAAAAAAAAAAAAkAAAAJAAAAAAAAAAHAAAAAAAAAAAAAAAAAAAAAAAAAAAAAAAAAAAAf39/ACUAAABYAAAAAAAAAAAAAAAAAAAAAAAAAAAAAAAAAAAAAAAAAAAAAAAAAAAAAAAAAAAAAAA/AAAAAAAAAKCGAQAAAAAAAAAAAAAAAAAMAAAAAQAAAAAAAAAAAAAAAAAAAB8AAABUAAAAAAAABQAAAAEAAAAAAAAAAAAAAAAAAAAAAAAAAAAAAAAAAAAAAAAAAAAAAAJ/f38AAAAAA8zMzADAwP8Af39/AAAAAAAAAAAAAAAAAAAAAAAAAAAAIQAAABgAAAAUAAAAwTUAABsnAABARwAAWSkAABAAAAAmAAAACAAAAP//////////MAAAABQAAAAAAAAAAAD//wAAAQAAAP//AAABAA=="/>
               </a:ext>
             </a:extLst>
           </p:cNvSpPr>
@@ -3031,7 +3031,7 @@
           </a:lstStyle>
           <a:p>
             <a:pPr/>
-            <a:fld id="{78D1240C-4295-84D2-DB69-B4876A272DE1}" type="slidenum">
+            <a:fld id="{13B36E11-5FFE-E698-B00B-A9CD204546FC}" type="slidenum">
               <a:t/>
             </a:fld>
           </a:p>
@@ -3709,7 +3709,7 @@
           <p:cNvPicPr>
             <a:extLst>
               <a:ext uri="smNativeData">
-                <pr:smNativeData xmlns:pr="smNativeData" xmlns="smNativeData" val="SMDATA_19_MUmAYRMAAAAlAAAAEQAAAA8BAAAAkAAAAEgAAACQAAAASAAAAAAAAAAAAAAAAAAAAAEAAABQAAAAAAAAAAAA4D8AAAAAAADgPwAAAAAAAOA/AAAAAAAA4D8AAAAAAADgPwAAAAAAAOA/AAAAAAAA4D8AAAAAAADgPwAAAAAAAOA/AAAAAAAA4D8CAAAAjAAAAAAAAAAAAAAAu+DjDP///wgAAAAAAAAAAAAAAAAAAAAAAAAAAAAAAAAAAAAAZAAAAAEAAABAAAAAAAAAAAAAAAAAAAAAAAAAAAAAAAAAAAAAAAAAAAAAAAAAAAAAAAAAAAAAAAAAAAAAAAAAAAAAAAAAAAAAAAAAAAAAAAAAAAAAAAAAAAAAAAAAAAAAFAAAADwAAAAAAAAAAAAAAAAAAAkUAAAAAQAAABQAAAAUAAAAFAAAAAEAAAAAAAAAZAAAAGQAAAAAAAAAZAAAAGQAAAAVAAAAYAAAAAAAAAAAAAAADwAAACADAAAAAAAAAAAAAAEAAACgMgAAVgcAAKr4//8BAAAAf39/AAEAAABkAAAAAAAAABQAAABAHwAAAAAAACYAAAAAAAAAwOD//wAAAAAmAAAAZAAAABYAAABMAAAAAAAAAAAAAAAEAAAAAAAAAAEAAACAgIAKAAAAACgAAAAoAAAAZAAAAGQAAAAAAAAAzMzMAAAAAABQAAAAUAAAAGQAAABkAAAAAAAAAAcAAAA4AAAAAAAAAAAAAAAAAAAA////AAAAAAAAAAAAAAAAAAAAAAAAAAAAAAAAAAAAAABkAAAAZAAAAAAAAAAjAAAABAAAAGQAAAAXAAAAFAAAAAAAAAAAAAAA/38AAP9/AAAAAAAACQAAAAQAAAAAAAAADAAAABAAAAAAAAAAAAAAAAAAAAAAAAAAHgAAAGgAAAAAAAAAAAAAAAAAAAAAAAAAAAAAABAnAAAQJwAAAAAAAAAAAAAAAAAAAAAAAAAAAAAAAAAAAAAAAAAAAAAUAAAAAAAAAMDA/wAAAAAAZAAAADIAAAAAAAAAZAAAAAAAAAB/f38ACgAAACIAAAAYAAAAAAAAAAAAAAAAAAAAAAAAAAAAAAAAAAAAJAAAACQAAAAAAAAABwAAAAAAAAAAAAAAAAAAAAAAAAAAAAAAAAAAAH9/fwAlAAAAWAAAAAAAAAAAAAAAAAAAAAAAAAAAAAAAAAAAAAAAAAAAAAAAAAAAAAAAAAAAAAAAPwAAAAAAAACghgEAAAAAAAAAAAAAAAAADAAAAAEAAAAAAAAAAAAAAAAAAAAfAAAAVAAAALvg4wX///8BAAAAAAAAAAAAAAAAAAAAAAAAAAAAAAAAAAAAAAAAAAAAAAACf39/AICAgAPMzMwAwMD/AH9/fwAAAAAAAAAAAAAAAAD///8AAAAAACEAAAAYAAAAFAAAAKgAAAAuBgAAz0wAAAENAAAQAAAAJgAAAAgAAAD//////////zAAAAAUAAAAAAAAAAAA//8AAAEAAAD//wAAAQA="/>
+                <pr:smNativeData xmlns:pr="smNativeData" xmlns="smNativeData" val="SMDATA_19_WnaBYRMAAAAlAAAAEQAAAA8BAAAAkAAAAEgAAACQAAAASAAAAAAAAAAAAAAAAAAAAAEAAABQAAAAAAAAAAAA4D8AAAAAAADgPwAAAAAAAOA/AAAAAAAA4D8AAAAAAADgPwAAAAAAAOA/AAAAAAAA4D8AAAAAAADgPwAAAAAAAOA/AAAAAAAA4D8CAAAAjAAAAAAAAAAAAAAAu+DjDP///wgAAAAAAAAAAAAAAAAAAAAAAAAAAAAAAAAAAAAAZAAAAAEAAABAAAAAAAAAAAAAAAAAAAAAAAAAAAAAAAAAAAAAAAAAAAAAAAAAAAAAAAAAAAAAAAAAAAAAAAAAAAAAAAAAAAAAAAAAAAAAAAAAAAAAAAAAAAAAAAAAAAAAFAAAADwAAAAAAAAAAAAAAAAAAAkUAAAAAQAAABQAAAAUAAAAFAAAAAEAAAAAAAAAZAAAAGQAAAAAAAAAZAAAAGQAAAAVAAAAYAAAAAAAAAAAAAAADwAAACADAAAAAAAAAAAAAAEAAACgMgAAVgcAAKr4//8BAAAAf39/AAEAAABkAAAAAAAAABQAAABAHwAAAAAAACYAAAAAAAAAwOD//wAAAAAmAAAAZAAAABYAAABMAAAAAAAAAAAAAAAEAAAAAAAAAAEAAACAgIAKAAAAACgAAAAoAAAAZAAAAGQAAAAAAAAAzMzMAAAAAABQAAAAUAAAAGQAAABkAAAAAAAAAAcAAAA4AAAAAAAAAAAAAAAAAAAA////AAAAAAAAAAAAAAAAAAAAAAAAAAAAAAAAAAAAAABkAAAAZAAAAAAAAAAjAAAABAAAAGQAAAAXAAAAFAAAAAAAAAAAAAAA/38AAP9/AAAAAAAACQAAAAQAAAAAAAAADAAAABAAAAAAAAAAAAAAAAAAAAAAAAAAHgAAAGgAAAAAAAAAAAAAAAAAAAAAAAAAAAAAABAnAAAQJwAAAAAAAAAAAAAAAAAAAAAAAAAAAAAAAAAAAAAAAAAAAAAUAAAAAAAAAMDA/wAAAAAAZAAAADIAAAAAAAAAZAAAAAAAAAB/f38ACgAAACIAAAAYAAAAAAAAAAAAAAAAAAAAAAAAAAAAAAAAAAAAJAAAACQAAAAAAAAABwAAAAAAAAAAAAAAAAAAAAAAAAAAAAAAAAAAAH9/fwAlAAAAWAAAAAAAAAAAAAAAAAAAAAAAAAAAAAAAAAAAAAAAAAAAAAAAAAAAAAAAAAAAAAAAPwAAAAAAAACghgEAAAAAAAAAAAAAAAAADAAAAAEAAAAAAAAAAAAAAAAAAAAfAAAAVAAAALvg4wX///8BAAAAAAAAAAAAAAAAAAAAAAAAAAAAAAAAAAAAAAAAAAAAAAACf39/AICAgAPMzMwAwMD/AH9/fwAAAAAAAAAAAAAAAAD///8AAAAAACEAAAAYAAAAFAAAAKgAAAAuBgAAz0wAAAENAAAQAAAAJgAAAAgAAAD//////////zAAAAAUAAAAAAAAAAAA//8AAAEAAAD//wAAAQA="/>
               </a:ext>
             </a:extLst>
           </p:cNvPicPr>
@@ -3742,7 +3742,7 @@
           <p:cNvSpPr txBox="1">
             <a:extLst>
               <a:ext uri="smNativeData">
-                <pr:smNativeData xmlns:pr="smNativeData" xmlns="smNativeData" val="SMDATA_17_MUmAYRMAAAAlAAAAEgAAAE8BAAAAkAAAAEgAAACQAAAASAAAAAAAAAAAAAAAAAAAAAEAAABQAAAAAAAAAAAA4D8AAAAAAADgPwAAAAAAAOA/AAAAAAAA4D8AAAAAAADgPwAAAAAAAOA/AAAAAAAA4D8AAAAAAADgPwAAAAAAAOA/AAAAAAAA4D8CAAAAjAAAAAAAAAAAAAAAu+DjDP///wgAAAAAAAAAAAAAAAAAAAAAAAAAAAAAAAAAAAAAZAAAAAEAAABAAAAAAAAAAAAAAAAAAAAAAAAAAAAAAAAAAAAAAAAAAAAAAAAAAAAAAAAAAAAAAAAAAAAAAAAAAAAAAAAAAAAAAAAAAAAAAAAAAAAAAAAAAAAAAAAAAAAAFAAAADwAAAAAAAAAAAAAAAAAAAkUAAAAAQAAABQAAAAUAAAAFAAAAAEAAAAAAAAAZAAAAGQAAAAAAAAAZAAAAGQAAAAVAAAAYAAAAAAAAAAAAAAADwAAACADAAAAAAAAAAAAAAEAAACgMgAAVgcAAKr4//8BAAAAf39/AAEAAABkAAAAAAAAABQAAABAHwAAAAAAACYAAAAAAAAAwOD//wAAAAAmAAAAZAAAABYAAABMAAAAAAAAAAAAAAAEAAAAAAAAAAEAAACAgIAKAAAAACgAAAAoAAAAZAAAAGQAAAAAAAAAzMzMAAAAAABQAAAAUAAAAGQAAABkAAAAAAAAABcAAAAUAAAAAAAAABcDAAD/fwAA/38AAAAAAAAJAAAABAAAAAAAAAAMAAAAEAAAAAAAAAAAAAAAAAAAAAAAAAAeAAAAaAAAAAAAAAAAAAAAAAAAAAAAAAAAAAAAECcAABAnAAAAAAAAAAAAAAAAAAAAAAAAAAAAAAAAAAAAAAAAAAAAABQAAAAAAAAAwMD/AAAAAABkAAAAMgAAAAAAAABkAAAAAAAAAH9/fwAKAAAAIgAAABgAAAAAAAAAAAAAAAAAAAAAAAAAAAAAAAAAAAAkAAAAJAAAAAAAAAAHAAAAAAAAAAAAAAAAAAAAAAAAAAAAAAAAAAAAf39/ACUAAABYAAAAAAAAAAAAAAAAAAAAAAAAAAAAAAAAAAAAAAAAAAAAAAAAAAAAAAAAAAAAAAA/AAAAAAAAAKCGAQAAAAAAAAAAAAAAAAAMAAAAAQAAAAAAAAAAAAAAAAAAAB8AAABUAAAAu+DjBf///wEAAAAAAAAAAAAAAAAAAAAAAAAAAAAAAAAAAAAAAAAAAAAAAAJ/f38AgICAA8zMzADAwP8Af39/AAAAAAAAAAAAAAAAAAAAAAAAAAAAIQAAABgAAAAUAAAAUAcAALkMAAADTwAAoQ8AABAgAAAmAAAACAAAAP//////////MAAAABQAAAAAAAAAAAD//wAAAQAAAP//AAABAA=="/>
+                <pr:smNativeData xmlns:pr="smNativeData" xmlns="smNativeData" val="SMDATA_17_WnaBYRMAAAAlAAAAEgAAAE8BAAAAkAAAAEgAAACQAAAASAAAAAAAAAAAAAAAAAAAAAEAAABQAAAAAAAAAAAA4D8AAAAAAADgPwAAAAAAAOA/AAAAAAAA4D8AAAAAAADgPwAAAAAAAOA/AAAAAAAA4D8AAAAAAADgPwAAAAAAAOA/AAAAAAAA4D8CAAAAjAAAAAAAAAAAAAAAu+DjDP///wgAAAAAAAAAAAAAAAAAAAAAAAAAAAAAAAAAAAAAZAAAAAEAAABAAAAAAAAAAAAAAAAAAAAAAAAAAAAAAAAAAAAAAAAAAAAAAAAAAAAAAAAAAAAAAAAAAAAAAAAAAAAAAAAAAAAAAAAAAAAAAAAAAAAAAAAAAAAAAAAAAAAAFAAAADwAAAAAAAAAAAAAAAAAAAkUAAAAAQAAABQAAAAUAAAAFAAAAAEAAAAAAAAAZAAAAGQAAAAAAAAAZAAAAGQAAAAVAAAAYAAAAAAAAAAAAAAADwAAACADAAAAAAAAAAAAAAEAAACgMgAAVgcAAKr4//8BAAAAf39/AAEAAABkAAAAAAAAABQAAABAHwAAAAAAACYAAAAAAAAAwOD//wAAAAAmAAAAZAAAABYAAABMAAAAAAAAAAAAAAAEAAAAAAAAAAEAAACAgIAKAAAAACgAAAAoAAAAZAAAAGQAAAAAAAAAzMzMAAAAAABQAAAAUAAAAGQAAABkAAAAAAAAABcAAAAUAAAAAAAAABcDAAD/fwAA/38AAAAAAAAJAAAABAAAAAAAAAAMAAAAEAAAAAAAAAAAAAAAAAAAAAAAAAAeAAAAaAAAAAAAAAAAAAAAAAAAAAAAAAAAAAAAECcAABAnAAAAAAAAAAAAAAAAAAAAAAAAAAAAAAAAAAAAAAAAAAAAABQAAAAAAAAAwMD/AAAAAABkAAAAMgAAAAAAAABkAAAAAAAAAH9/fwAKAAAAIgAAABgAAAAAAAAAAAAAAAAAAAAAAAAAAAAAAAAAAAAkAAAAJAAAAAAAAAAHAAAAAAAAAAAAAAAAAAAAAAAAAAAAAAAAAAAAf39/ACUAAABYAAAAAAAAAAAAAAAAAAAAAAAAAAAAAAAAAAAAAAAAAAAAAAAAAAAAAAAAAAAAAAA/AAAAAAAAAKCGAQAAAAAAAAAAAAAAAAAMAAAAAQAAAAAAAAAAAAAAAAAAAB8AAABUAAAAu+DjBf///wEAAAAAAAAAAAAAAAAAAAAAAAAAAAAAAAAAAAAAAAAAAAAAAAJ/f38AgICAA8zMzADAwP8Af39/AAAAAAAAAAAAAAAAAAAAAAAAAAAAIQAAABgAAAAUAAAAUAcAALkMAAADTwAAoQ8AABAgAAAmAAAACAAAAP//////////MAAAABQAAAAAAAAAAAD//wAAAQAAAP//AAABAA=="/>
               </a:ext>
             </a:extLst>
           </p:cNvSpPr>
@@ -3767,7 +3767,7 @@
           <a:lstStyle/>
           <a:p>
             <a:pPr>
-              <a:defRPr sz="2500" spc="3">
+              <a:defRPr sz="2500">
                 <a:latin typeface="Liberation Mono" pitchFamily="1" charset="0"/>
                 <a:ea typeface="Liberation Mono" pitchFamily="1" charset="0"/>
                 <a:cs typeface="Liberation Mono" pitchFamily="1" charset="0"/>
@@ -3785,7 +3785,7 @@
           <p:cNvSpPr txBox="1">
             <a:extLst>
               <a:ext uri="smNativeData">
-                <pr:smNativeData xmlns:pr="smNativeData" xmlns="smNativeData" val="SMDATA_17_MUmAYRMAAAAlAAAAEgAAAE8BAAAAkAAAAEgAAACQAAAASAAAAAAAAAAAAAAAAAAAAAEAAABQAAAAAAAAAAAA4D8AAAAAAADgPwAAAAAAAOA/AAAAAAAA4D8AAAAAAADgPwAAAAAAAOA/AAAAAAAA4D8AAAAAAADgPwAAAAAAAOA/AAAAAAAA4D8CAAAAjAAAAAAAAAAAAAAAu+DjDP///wgAAAAAAAAAAAAAAAAAAAAAAAAAAAAAAAAAAAAAZAAAAAEAAABAAAAAAAAAAAAAAAAAAAAAAAAAAAAAAAAAAAAAAAAAAAAAAAAAAAAAAAAAAAAAAAAAAAAAAAAAAAAAAAAAAAAAAAAAAAAAAAAAAAAAAAAAAAAAAAAAAAAAFAAAADwAAAAAAAAAAAAAAAAAAAkUAAAAAQAAABQAAAAUAAAAFAAAAAEAAAAAAAAAZAAAAGQAAAAAAAAAZAAAAGQAAAAVAAAAYAAAAAAAAAAAAAAADwAAACADAAAAAAAAAAAAAAEAAACgMgAAVgcAAKr4//8BAAAAf39/AAEAAABkAAAAAAAAABQAAABAHwAAAAAAACYAAAAAAAAAwOD//wAAAAAmAAAAZAAAABYAAABMAAAAAAAAAAAAAAAEAAAAAAAAAAEAAACAgIAKAAAAACgAAAAoAAAAZAAAAGQAAAAAAAAAzMzMAAAAAABQAAAAUAAAAGQAAABkAAAAAAAAABcAAAAUAAAAAAAAABcDAAD/fwAA/38AAAAAAAAJAAAABAAAAA/ECtcMAAAAEAAAAAAAAAAAAAAAAAAAAAAAAAAeAAAAaAAAAAAAAAAAAAAAAAAAAAAAAAAAAAAAECcAABAnAAAAAAAAAAAAAAAAAAAAAAAAAAAAAAAAAAAAAAAAAAAAABQAAAAAAAAAwMD/AAAAAABkAAAAMgAAAAAAAABkAAAAAAAAAH9/fwAKAAAAIgAAABgAAAAAAAAAAAAAAAAAAAAAAAAAAAAAAAAAAAAkAAAAJAAAAAAAAAAHAAAAAAAAAAAAAAAAAAAAAAAAAAAAAAAAAAAAf39/ACUAAABYAAAAAAAAAAAAAAAAAAAAAAAAAAAAAAAAAAAAAAAAAAAAAAAAAAAAAAAAAAAAAAA/AAAAAAAAAKCGAQAAAAAAAAAAAAAAAAAMAAAAAQAAAAAAAAAAAAAAAAAAAB8AAABUAAAAu+DjBf///wEAAAAAAAAAAAAAAAAAAAAAAAAAAAAAAAAAAAAAAAAAAAAAAAJ/f38AgICAA8zMzADAwP8Af39/AAAAAAAAAAAAAAAAAAAAAAAAAAAAIQAAABgAAAAUAAAAUAcAADASAAADTwAAGBUAABAgAAAmAAAACAAAAP//////////MAAAABQAAAAAAAAAAAD//wAAAQAAAP//AAABAA=="/>
+                <pr:smNativeData xmlns:pr="smNativeData" xmlns="smNativeData" val="SMDATA_17_WnaBYRMAAAAlAAAAEgAAAE8BAAAAkAAAAEgAAACQAAAASAAAAAAAAAAAAAAAAAAAAAEAAABQAAAAAAAAAAAA4D8AAAAAAADgPwAAAAAAAOA/AAAAAAAA4D8AAAAAAADgPwAAAAAAAOA/AAAAAAAA4D8AAAAAAADgPwAAAAAAAOA/AAAAAAAA4D8CAAAAjAAAAAAAAAAAAAAAu+DjDP///wgAAAAAAAAAAAAAAAAAAAAAAAAAAAAAAAAAAAAAZAAAAAEAAABAAAAAAAAAAAAAAAAAAAAAAAAAAAAAAAAAAAAAAAAAAAAAAAAAAAAAAAAAAAAAAAAAAAAAAAAAAAAAAAAAAAAAAAAAAAAAAAAAAAAAAAAAAAAAAAAAAAAAFAAAADwAAAAAAAAAAAAAAAAAAAkUAAAAAQAAABQAAAAUAAAAFAAAAAEAAAAAAAAAZAAAAGQAAAAAAAAAZAAAAGQAAAAVAAAAYAAAAAAAAAAAAAAADwAAACADAAAAAAAAAAAAAAEAAACgMgAAVgcAAKr4//8BAAAAf39/AAEAAABkAAAAAAAAABQAAABAHwAAAAAAACYAAAAAAAAAwOD//wAAAAAmAAAAZAAAABYAAABMAAAAAAAAAAAAAAAEAAAAAAAAAAEAAACAgIAKAAAAACgAAAAoAAAAZAAAAGQAAAAAAAAAzMzMAAAAAABQAAAAUAAAAGQAAABkAAAAAAAAABcAAAAUAAAAAAAAABcDAAD/fwAA/38AAAAAAAAJAAAABAAAAA/ECtcMAAAAEAAAAAAAAAAAAAAAAAAAAAAAAAAeAAAAaAAAAAAAAAAAAAAAAAAAAAAAAAAAAAAAECcAABAnAAAAAAAAAAAAAAAAAAAAAAAAAAAAAAAAAAAAAAAAAAAAABQAAAAAAAAAwMD/AAAAAABkAAAAMgAAAAAAAABkAAAAAAAAAH9/fwAKAAAAIgAAABgAAAAAAAAAAAAAAAAAAAAAAAAAAAAAAAAAAAAkAAAAJAAAAAAAAAAHAAAAAAAAAAAAAAAAAAAAAAAAAAAAAAAAAAAAf39/ACUAAABYAAAAAAAAAAAAAAAAAAAAAAAAAAAAAAAAAAAAAAAAAAAAAAAAAAAAAAAAAAAAAAA/AAAAAAAAAKCGAQAAAAAAAAAAAAAAAAAMAAAAAQAAAAAAAAAAAAAAAAAAAB8AAABUAAAAu+DjBf///wEAAAAAAAAAAAAAAAAAAAAAAAAAAAAAAAAAAAAAAAAAAAAAAAJ/f38AgICAA8zMzADAwP8Af39/AAAAAAAAAAAAAAAAAAAAAAAAAAAAIQAAABgAAAAUAAAAUAcAADASAAADTwAAGBUAABAgAAAmAAAACAAAAP//////////MAAAABQAAAAAAAAAAAD//wAAAQAAAP//AAABAA=="/>
               </a:ext>
             </a:extLst>
           </p:cNvSpPr>
@@ -3810,7 +3810,7 @@
           <a:lstStyle/>
           <a:p>
             <a:pPr>
-              <a:defRPr sz="2500" spc="3">
+              <a:defRPr sz="2500">
                 <a:latin typeface="Liberation Mono" pitchFamily="1" charset="0"/>
                 <a:ea typeface="Liberation Mono" pitchFamily="1" charset="0"/>
                 <a:cs typeface="Liberation Mono" pitchFamily="1" charset="0"/>
@@ -3860,7 +3860,7 @@
           <p:cNvSpPr>
             <a:extLst>
               <a:ext uri="smNativeData">
-                <pr:smNativeData xmlns:pr="smNativeData" xmlns="smNativeData" val="SMDATA_17_MUmAYRMAAAAlAAAAggAAAA8BAAAAkAAAAEgAAACQAAAASAAAAAAAAAAAAAAAAAAAAAEAAABQAAAAHoXrUbge5T8AAAAAAADgPwAAAAAAAOA/AAAAAAAA4D8AAAAAAADgPwAAAAAAAOA/AAAAAAAA4D8AAAAAAADgPwAAAAAAAOA/AAAAAAAA4D8CAAAAjAAAAAAAAAAAAAAAu+DjDP///wgAAAAAAAAAAAAAAAAAAAAAAAAAAAAAAAAAAAAAZAAAAAEAAABAAAAAAAAAAAAAAAAAAAAAAAAAAAAAAAAAAAAAAAAAAAAAAAAAAAAAAAAAAAAAAAAAAAAAAAAAAAAAAAAAAAAAAAAAAAAAAAAAAAAAAAAAAAAAAAAAAAAAFAAAADwAAAABAAAAAAAAAAAAAAkoAAAAAQAAABQAAAAUAAAAFAAAAAEAAAAAAAAAZAAAAGQAAAAAAAAAZAAAAGQAAAAVAAAAYAAAAAAAAAAAAAAADwAAACADAAAAAAAAAAAAAAEAAACgMgAAVgcAAKr4//8BAAAAf39/AAEAAABkAAAAAAAAABQAAABAHwAAAAAAACYAAAAAAAAAwOD//wAAAAAmAAAAZAAAABYAAABMAAAAAAAAAAAAAAAEAAAAAAAAAAEAAACAgIAKAAAAACgAAAAoAAAAZAAAAGQAAAAAAAAAzMzMAAAAAABQAAAAUAAAAGQAAABkAAAAAAAAABcAAAAUAAAAAAAAAAAAAAD/fwAA/38AAAAAAAAJAAAABAAAAKCA1gUMAAAAEAAAAAAAAAAAAAAAAAAAAAAAAAAeAAAAaAAAAAAAAAAAAAAAAAAAAAAAAAAAAAAAECcAABAnAAAAAAAAAAAAAAAAAAAAAAAAAAAAAAAAAAAAAAAAAAAAABQAAAAAAAAAwMD/AAAAAABkAAAAMgAAAAAAAABkAAAAAAAAAH9/fwAKAAAAIgAAABgAAAAAAAAAAAAAAAAAAAAAAAAAAAAAAAAAAAAkAAAAJAAAAAAAAAAHAAAAAAAAAAAAAAAAAAAAAAAAAAAAAAAAAAAAf39/ACUAAABYAAAAAAAAAAAAAAAAAAAAAAAAAAAAAAAAAAAAAAAAAAAAAAAAAAAAAAAAAAAAAAA/AAAAAAAAAKCGAQAAAAAAAAAAAAAAAAAMAAAAAQAAAAAAAAAAAAAAAAAAAB8AAABUAAAAu+DjBf///wEAAAAAAAAAAAAAAAAAAAAAAAAAAAAAAAAAAAAAAAAAAAAAAAJ/f38AgICAA8zMzADAwP8Af39/AAAAAAAAAAAAAAAAAAAAAAAAAAAAIQAAABgAAAAUAAAAzy4AABgVAACROAAAaxYAABAAAAAmAAAACAAAAP//////////MAAAABQAAAAAAAAAAAD//wAAAQAAAP//AAABAA=="/>
+                <pr:smNativeData xmlns:pr="smNativeData" xmlns="smNativeData" val="SMDATA_17_WnaBYRMAAAAlAAAAggAAAA8BAAAAkAAAAEgAAACQAAAASAAAAAAAAAAAAAAAAAAAAAEAAABQAAAAHoXrUbge5T8AAAAAAADgPwAAAAAAAOA/AAAAAAAA4D8AAAAAAADgPwAAAAAAAOA/AAAAAAAA4D8AAAAAAADgPwAAAAAAAOA/AAAAAAAA4D8CAAAAjAAAAAAAAAAAAAAAu+DjDP///wgAAAAAAAAAAAAAAAAAAAAAAAAAAAAAAAAAAAAAZAAAAAEAAABAAAAAAAAAAAAAAAAAAAAAAAAAAAAAAAAAAAAAAAAAAAAAAAAAAAAAAAAAAAAAAAAAAAAAAAAAAAAAAAAAAAAAAAAAAAAAAAAAAAAAAAAAAAAAAAAAAAAAFAAAADwAAAABAAAAAAAAAAAAAAkoAAAAAQAAABQAAAAUAAAAFAAAAAEAAAAAAAAAZAAAAGQAAAAAAAAAZAAAAGQAAAAVAAAAYAAAAAAAAAAAAAAADwAAACADAAAAAAAAAAAAAAEAAACgMgAAVgcAAKr4//8BAAAAf39/AAEAAABkAAAAAAAAABQAAABAHwAAAAAAACYAAAAAAAAAwOD//wAAAAAmAAAAZAAAABYAAABMAAAAAAAAAAAAAAAEAAAAAAAAAAEAAACAgIAKAAAAACgAAAAoAAAAZAAAAGQAAAAAAAAAzMzMAAAAAABQAAAAUAAAAGQAAABkAAAAAAAAABcAAAAUAAAAAAAAAAAAAAD/fwAA/38AAAAAAAAJAAAABAAAAKCA1gUMAAAAEAAAAAAAAAAAAAAAAAAAAAAAAAAeAAAAaAAAAAAAAAAAAAAAAAAAAAAAAAAAAAAAECcAABAnAAAAAAAAAAAAAAAAAAAAAAAAAAAAAAAAAAAAAAAAAAAAABQAAAAAAAAAwMD/AAAAAABkAAAAMgAAAAAAAABkAAAAAAAAAH9/fwAKAAAAIgAAABgAAAAAAAAAAAAAAAAAAAAAAAAAAAAAAAAAAAAkAAAAJAAAAAAAAAAHAAAAAAAAAAAAAAAAAAAAAAAAAAAAAAAAAAAAf39/ACUAAABYAAAAAAAAAAAAAAAAAAAAAAAAAAAAAAAAAAAAAAAAAAAAAAAAAAAAAAAAAAAAAAA/AAAAAAAAAKCGAQAAAAAAAAAAAAAAAAAMAAAAAQAAAAAAAAAAAAAAAAAAAB8AAABUAAAAu+DjBf///wEAAAAAAAAAAAAAAAAAAAAAAAAAAAAAAAAAAAAAAAAAAAAAAAJ/f38AgICAA8zMzADAwP8Af39/AAAAAAAAAAAAAAAAAAAAAAAAAAAAIQAAABgAAAAUAAAAzy4AABgVAACROAAAaxYAABAAAAAmAAAACAAAAP//////////MAAAABQAAAAAAAAAAAD//wAAAQAAAP//AAABAA=="/>
               </a:ext>
             </a:extLst>
           </p:cNvSpPr>
@@ -3896,7 +3896,7 @@
             <a:stCxn id="5" idx="1"/>
             <a:extLst>
               <a:ext uri="smNativeData">
-                <pr:smNativeData xmlns:pr="smNativeData" xmlns="smNativeData" val="SMDATA_17_MUmAYRMAAAAlAAAADgAAAA8BAAAAkAAAAEgAAACQAAAASAAAAAAAAAAAAAAAAAAAAAEAAABQAAAAAAAAAAAA4D8AAAAAAADgPwAAAAAAAOA/AAAAAAAA4D8AAAAAAADgPwAAAAAAAOA/AAAAAAAA4D8AAAAAAADgPwAAAAAAAOA/AAAAAAAA4D8CAAAAjAAAAAAAAAAAAAAAu+DjDP///wgAAAAAAAAAAAAAAAAAAAAAAAAAAAAAAAAAAAAAZAAAAAEAAABAAAAAAAAAAAAAAAAAAAAAAAAAAAAAAAAAAAAAAAAAAAAAAAAAAAAAAAAAAAAAAAAAAAAAAAAAAAAAAAAAAAAAAAAAAAAAAAAAAAAAAAAAAAAAAAAAAAAAFAAAADwAAAABAAAAAAAAAAAAAAkoAAAAAQAAABQAAAAUAAAAFAAAAAEAAAAAAAAAZAAAAGQAAAAAAAAAZAAAAGQAAAAVAAAAYAAAAAAAAAAAAAAADwAAACADAAAAAAAAAAAAAAEAAACgMgAAVgcAAKr4//8BAAAAf39/AAEAAABkAAAAAAAAABQAAABAHwAAAAAAACYAAAAAAAAAwOD//wAAAAAmAAAAZAAAABYAAABMAAAAAAAAAAAAAAAEAAAAAAAAAAEAAACAgIAKAAAAACgAAAAoAAAAZAAAAGQAAAAAAAAAzMzMAAAAAABQAAAAUAAAAGQAAABkAAAAAAAAABcAAAAUAAAAAAAAAAAAAAD/fwAA/38AAAAAAAAJAAAABAAAAMCS1gUMAAAAEAAAAAAAAAAAAAAAAAAAAAAAAAAeAAAAaAAAAAAAAAAAAAAAAAAAAAAAAAAAAAAAECcAABAnAAAAAAAAAAAAAAAAAAAAAAAAAAAAAAAAAAAAAAAAAAAAABQAAAAAAAAAwMD/AAAAAABkAAAAMgAAAAAAAABkAAAAAAAAAH9/fwAKAAAAIgAAABgAAAAAAAAAAAAAAAAAAAAAAAAAAAAAAAAAAAAkAAAAJAAAAAAAAAAHAAAAAAAAAAAAAAAAAAAAAAAAAAAAAAAAAAAAf39/ACUAAABYAAAAAAAAAAAAAAAAAAAAAAAAAAAAAAAAAAAAAAAAAAAAAAAAAAAAAAAAAAAAAAA/AAAAAAAAAKCGAQAAAAAAAAAAAAAAAAAMAAAAAQAAAAAAAAAAAAAAAAAAAB8AAABUAAAAu+DjBf///wEAAAAAAAAAAAAAAAAAAAAAAAAAAAAAAAAAAAAAAAAAAAAAAAJ/f38AgICAA8zMzADAwP8Af39/AAAAAAAAAAAAAAAAAAAAAAAAAAAAIQAAABgAAAAUAAAAsDMAAGsWAACwMwAAURgAABAAAAAmAAAACAAAAP//////////MAAAABQAAAAAAAAAAAD//wAAAQAAAP//AAABAA=="/>
+                <pr:smNativeData xmlns:pr="smNativeData" xmlns="smNativeData" val="SMDATA_17_WnaBYRMAAAAlAAAADgAAAA8BAAAAkAAAAEgAAACQAAAASAAAAAAAAAAAAAAAAAAAAAEAAABQAAAAAAAAAAAA4D8AAAAAAADgPwAAAAAAAOA/AAAAAAAA4D8AAAAAAADgPwAAAAAAAOA/AAAAAAAA4D8AAAAAAADgPwAAAAAAAOA/AAAAAAAA4D8CAAAAjAAAAAAAAAAAAAAAu+DjDP///wgAAAAAAAAAAAAAAAAAAAAAAAAAAAAAAAAAAAAAZAAAAAEAAABAAAAAAAAAAAAAAAAAAAAAAAAAAAAAAAAAAAAAAAAAAAAAAAAAAAAAAAAAAAAAAAAAAAAAAAAAAAAAAAAAAAAAAAAAAAAAAAAAAAAAAAAAAAAAAAAAAAAAFAAAADwAAAABAAAAAAAAAAAAAAkoAAAAAQAAABQAAAAUAAAAFAAAAAEAAAAAAAAAZAAAAGQAAAAAAAAAZAAAAGQAAAAVAAAAYAAAAAAAAAAAAAAADwAAACADAAAAAAAAAAAAAAEAAACgMgAAVgcAAKr4//8BAAAAf39/AAEAAABkAAAAAAAAABQAAABAHwAAAAAAACYAAAAAAAAAwOD//wAAAAAmAAAAZAAAABYAAABMAAAAAAAAAAAAAAAEAAAAAAAAAAEAAACAgIAKAAAAACgAAAAoAAAAZAAAAGQAAAAAAAAAzMzMAAAAAABQAAAAUAAAAGQAAABkAAAAAAAAABcAAAAUAAAAAAAAAAAAAAD/fwAA/38AAAAAAAAJAAAABAAAAMCS1gUMAAAAEAAAAAAAAAAAAAAAAAAAAAAAAAAeAAAAaAAAAAAAAAAAAAAAAAAAAAAAAAAAAAAAECcAABAnAAAAAAAAAAAAAAAAAAAAAAAAAAAAAAAAAAAAAAAAAAAAABQAAAAAAAAAwMD/AAAAAABkAAAAMgAAAAAAAABkAAAAAAAAAH9/fwAKAAAAIgAAABgAAAAAAAAAAAAAAAAAAAAAAAAAAAAAAAAAAAAkAAAAJAAAAAAAAAAHAAAAAAAAAAAAAAAAAAAAAAAAAAAAAAAAAAAAf39/ACUAAABYAAAAAAAAAAAAAAAAAAAAAAAAAAAAAAAAAAAAAAAAAAAAAAAAAAAAAAAAAAAAAAA/AAAAAAAAAKCGAQAAAAAAAAAAAAAAAAAMAAAAAQAAAAAAAAAAAAAAAAAAAB8AAABUAAAAu+DjBf///wEAAAAAAAAAAAAAAAAAAAAAAAAAAAAAAAAAAAAAAAAAAAAAAAJ/f38AgICAA8zMzADAwP8Af39/AAAAAAAAAAAAAAAAAAAAAAAAAAAAIQAAABgAAAAUAAAApjMAAGsWAACwMwAAWxgAABAAAAAmAAAACAAAAP//////////MAAAABQAAAAAAAAAAAD//wAAAQAAAP//AAABAA=="/>
               </a:ext>
             </a:extLst>
           </p:cNvCxnSpPr>
@@ -3904,8 +3904,8 @@
         </p:nvCxnSpPr>
         <p:spPr>
           <a:xfrm rot="5400000">
-            <a:off x="8248015" y="3798570"/>
-            <a:ext cx="308610" cy="12700"/>
+            <a:off x="8241665" y="3798570"/>
+            <a:ext cx="314960" cy="6350"/>
           </a:xfrm>
           <a:prstGeom prst="bentConnector2">
             <a:avLst/>
@@ -3928,7 +3928,7 @@
           <p:cNvSpPr txBox="1">
             <a:extLst>
               <a:ext uri="smNativeData">
-                <pr:smNativeData xmlns:pr="smNativeData" xmlns="smNativeData" val="SMDATA_17_MUmAYRMAAAAlAAAAEgAAAE8BAAAAkAAAAEgAAACQAAAASAAAAAAAAAAAAAAAAAAAAAEAAABQAAAAAAAAAAAA4D8AAAAAAADgPwAAAAAAAOA/AAAAAAAA4D8AAAAAAADgPwAAAAAAAOA/AAAAAAAA4D8AAAAAAADgPwAAAAAAAOA/AAAAAAAA4D8CAAAAjAAAAAAAAAAAAAAAu+DjDP///wgAAAAAAAAAAAAAAAAAAAAAAAAAAAAAAAAAAAAAZAAAAAEAAABAAAAAAAAAAAAAAAAAAAAAAAAAAAAAAAAAAAAAAAAAAAAAAAAAAAAAAAAAAAAAAAAAAAAAAAAAAAAAAAAAAAAAAAAAAAAAAAAAAAAAAAAAAAAAAAAAAAAAFAAAADwAAAAAAAAAAAAAAAAAAAkUAAAAAQAAABQAAAAUAAAAFAAAAAEAAAAAAAAAZAAAAGQAAAAAAAAAZAAAAGQAAAAVAAAAYAAAAAAAAAAAAAAADwAAACADAAAAAAAAAAAAAAEAAACgMgAAVgcAAKr4//8BAAAAf39/AAEAAABkAAAAAAAAABQAAABAHwAAAAAAACYAAAAAAAAAwOD//wAAAAAmAAAAZAAAABYAAABMAAAAAAAAAAAAAAAEAAAAAAAAAAEAAACAgIAKAAAAACgAAAAoAAAAZAAAAGQAAAAAAAAAzMzMAAAAAABQAAAAUAAAAGQAAABkAAAAAAAAABcAAAAUAAAAAAAAAMQBAAD/fwAA/38AAAAAAAAJAAAABAAAAAAAAAAMAAAAEAAAAAAAAAAAAAAAAAAAAAAAAAAeAAAAaAAAAAAAAAAAAAAAAAAAAAAAAAAAAAAAECcAABAnAAAAAAAAAAAAAAAAAAAAAAAAAAAAAAAAAAAAAAAAAAAAABQAAAAAAAAAwMD/AAAAAABkAAAAMgAAAAAAAABkAAAAAAAAAH9/fwAKAAAAIgAAABgAAAAAAAAAAAAAAAAAAAAAAAAAAAAAAAAAAAAkAAAAJAAAAAAAAAAHAAAAAAAAAAAAAAAAAAAAAAAAAAAAAAAAAAAAf39/ACUAAABYAAAAAAAAAAAAAAAAAAAAAAAAAAAAAAAAAAAAAAAAAAAAAAAAAAAAAAAAAAAAAAA/AAAAAAAAAKCGAQAAAAAAAAAAAAAAAAAMAAAAAQAAAAAAAAAAAAAAAAAAAB8AAABUAAAAu+DjBf///wEAAAAAAAAAAAAAAAAAAAAAAAAAAAAAAAAAAAAAAAAAAAAAAAJ/f38AgICAA8zMzADAwP8Af39/AAAAAAAAAAAAAAAAAAAAAAAAAAAAIQAAABgAAAAUAAAA2jUAAOkWAACCRwAA0RkAABAgAAAmAAAACAAAAP//////////MAAAABQAAAAAAAAAAAD//wAAAQAAAP//AAABAA=="/>
+                <pr:smNativeData xmlns:pr="smNativeData" xmlns="smNativeData" val="SMDATA_17_WnaBYRMAAAAlAAAAEgAAAE8BAAAAkAAAAEgAAACQAAAASAAAAAAAAAAAAAAAAAAAAAEAAABQAAAAAAAAAAAA4D8AAAAAAADgPwAAAAAAAOA/AAAAAAAA4D8AAAAAAADgPwAAAAAAAOA/AAAAAAAA4D8AAAAAAADgPwAAAAAAAOA/AAAAAAAA4D8CAAAAjAAAAAAAAAAAAAAAu+DjDP///wgAAAAAAAAAAAAAAAAAAAAAAAAAAAAAAAAAAAAAZAAAAAEAAABAAAAAAAAAAAAAAAAAAAAAAAAAAAAAAAAAAAAAAAAAAAAAAAAAAAAAAAAAAAAAAAAAAAAAAAAAAAAAAAAAAAAAAAAAAAAAAAAAAAAAAAAAAAAAAAAAAAAAFAAAADwAAAAAAAAAAAAAAAAAAAkUAAAAAQAAABQAAAAUAAAAFAAAAAEAAAAAAAAAZAAAAGQAAAAAAAAAZAAAAGQAAAAVAAAAYAAAAAAAAAAAAAAADwAAACADAAAAAAAAAAAAAAEAAACgMgAAVgcAAKr4//8BAAAAf39/AAEAAABkAAAAAAAAABQAAABAHwAAAAAAACYAAAAAAAAAwOD//wAAAAAmAAAAZAAAABYAAABMAAAAAAAAAAAAAAAEAAAAAAAAAAEAAACAgIAKAAAAACgAAAAoAAAAZAAAAGQAAAAAAAAAzMzMAAAAAABQAAAAUAAAAGQAAABkAAAAAAAAABcAAAAUAAAAAAAAAMQBAAD/fwAA/38AAAAAAAAJAAAABAAAAAAAAAAMAAAAEAAAAAAAAAAAAAAAAAAAAAAAAAAeAAAAaAAAAAAAAAAAAAAAAAAAAAAAAAAAAAAAECcAABAnAAAAAAAAAAAAAAAAAAAAAAAAAAAAAAAAAAAAAAAAAAAAABQAAAAAAAAAwMD/AAAAAABkAAAAMgAAAAAAAABkAAAAAAAAAH9/fwAKAAAAIgAAABgAAAAAAAAAAAAAAAAAAAAAAAAAAAAAAAAAAAAkAAAAJAAAAAAAAAAHAAAAAAAAAAAAAAAAAAAAAAAAAAAAAAAAAAAAf39/ACUAAABYAAAAAAAAAAAAAAAAAAAAAAAAAAAAAAAAAAAAAAAAAAAAAAAAAAAAAAAAAAAAAAA/AAAAAAAAAKCGAQAAAAAAAAAAAAAAAAAMAAAAAQAAAAAAAAAAAAAAAAAAAB8AAABUAAAAu+DjBf///wEAAAAAAAAAAAAAAAAAAAAAAAAAAAAAAAAAAAAAAAAAAAAAAAJ/f38AgICAA8zMzADAwP8Af39/AAAAAAAAAAAAAAAAAAAAAAAAAAAAIQAAABgAAAAUAAAA2jUAAOkWAACCRwAA0RkAABAgAAAmAAAACAAAAP//////////MAAAABQAAAAAAAAAAAD//wAAAQAAAP//AAABAA=="/>
               </a:ext>
             </a:extLst>
           </p:cNvSpPr>
@@ -3979,7 +3979,7 @@
           <p:cNvSpPr txBox="1">
             <a:extLst>
               <a:ext uri="smNativeData">
-                <pr:smNativeData xmlns:pr="smNativeData" xmlns="smNativeData" val="SMDATA_17_MUmAYRMAAAAlAAAAEgAAAE8BAAAAkAAAAEgAAACQAAAASAAAAAAAAAAAAAAAAAAAAAEAAABQAAAAAAAAAAAA4D8AAAAAAADgPwAAAAAAAOA/AAAAAAAA4D8AAAAAAADgPwAAAAAAAOA/AAAAAAAA4D8AAAAAAADgPwAAAAAAAOA/AAAAAAAA4D8CAAAAjAAAAAAAAAAAAAAAu+DjDP///wgAAAAAAAAAAAAAAAAAAAAAAAAAAAAAAAAAAAAAZAAAAAEAAABAAAAAAAAAAAAAAAAAAAAAAAAAAAAAAAAAAAAAAAAAAAAAAAAAAAAAAAAAAAAAAAAAAAAAAAAAAAAAAAAAAAAAAAAAAAAAAAAAAAAAAAAAAAAAAAAAAAAAFAAAADwAAAAAAAAAAAAAAAAAAAkUAAAAAQAAABQAAAAUAAAAFAAAAAEAAAAAAAAAZAAAAGQAAAAAAAAAZAAAAGQAAAAVAAAAYAAAAAAAAAAAAAAADwAAACADAAAAAAAAAAAAAAEAAACgMgAAVgcAAKr4//8BAAAAf39/AAEAAABkAAAAAAAAABQAAABAHwAAAAAAACYAAAAAAAAAwOD//wAAAAAmAAAAZAAAABYAAABMAAAAAAAAAAAAAAAEAAAAAAAAAAEAAACAgIAKAAAAACgAAAAoAAAAZAAAAGQAAAAAAAAAzMzMAAAAAABQAAAAUAAAAGQAAABkAAAAAAAAABcAAAAUAAAAAAAAAMQBAAD/fwAA/38AAAAAAAAJAAAABAAAAAAAAAAMAAAAEAAAAAAAAAAAAAAAAAAAAAAAAAAeAAAAaAAAAAAAAAAAAAAAAAAAAAAAAAAAAAAAECcAABAnAAAAAAAAAAAAAAAAAAAAAAAAAAAAAAAAAAAAAAAAAAAAABQAAAAAAAAAwMD/AAAAAABkAAAAMgAAAAAAAABkAAAAAAAAAH9/fwAKAAAAIgAAABgAAAAAAAAAAAAAAAAAAAAAAAAAAAAAAAAAAAAkAAAAJAAAAAAAAAAHAAAAAAAAAAAAAAAAAAAAAAAAAAAAAAAAAAAAf39/ACUAAABYAAAAAAAAAAAAAAAAAAAAAAAAAAAAAAAAAAAAAAAAAAAAAAAAAAAAAAAAAAAAAAA/AAAAAAAAAKCGAQAAAAAAAAAAAAAAAAAMAAAAAQAAAAAAAAAAAAAAAAAAAB8AAABUAAAAu+DjBf///wEAAAAAAAAAAAAAAAAAAAAAAAAAAAAAAAAAAAAAAAAAAAAAAAJ/f38AgICAA8zMzADAwP8Af39/AAAAAAAAAAAAAAAAAAAAAAAAAAAAIQAAABgAAAAUAAAApTMAACQbAACwSQAAFB8AABAgAAAmAAAACAAAAP//////////MAAAABQAAAAAAAAAAAD//wAAAQAAAP//AAABAA=="/>
+                <pr:smNativeData xmlns:pr="smNativeData" xmlns="smNativeData" val="SMDATA_17_WnaBYRMAAAAlAAAAEgAAAE8BAAAAkAAAAEgAAACQAAAASAAAAAAAAAAAAAAAAAAAAAEAAABQAAAAAAAAAAAA4D8AAAAAAADgPwAAAAAAAOA/AAAAAAAA4D8AAAAAAADgPwAAAAAAAOA/AAAAAAAA4D8AAAAAAADgPwAAAAAAAOA/AAAAAAAA4D8CAAAAjAAAAAAAAAAAAAAAu+DjDP///wgAAAAAAAAAAAAAAAAAAAAAAAAAAAAAAAAAAAAAZAAAAAEAAABAAAAAAAAAAAAAAAAAAAAAAAAAAAAAAAAAAAAAAAAAAAAAAAAAAAAAAAAAAAAAAAAAAAAAAAAAAAAAAAAAAAAAAAAAAAAAAAAAAAAAAAAAAAAAAAAAAAAAFAAAADwAAAAAAAAAAAAAAAAAAAkUAAAAAQAAABQAAAAUAAAAFAAAAAEAAAAAAAAAZAAAAGQAAAAAAAAAZAAAAGQAAAAVAAAAYAAAAAAAAAAAAAAADwAAACADAAAAAAAAAAAAAAEAAACgMgAAVgcAAKr4//8BAAAAf39/AAEAAABkAAAAAAAAABQAAABAHwAAAAAAACYAAAAAAAAAwOD//wAAAAAmAAAAZAAAABYAAABMAAAAAAAAAAAAAAAEAAAAAAAAAAEAAACAgIAKAAAAACgAAAAoAAAAZAAAAGQAAAAAAAAAzMzMAAAAAABQAAAAUAAAAGQAAABkAAAAAAAAABcAAAAUAAAAAAAAAMQBAAD/fwAA/38AAAAAAAAJAAAABAAAAAAAAAAMAAAAEAAAAAAAAAAAAAAAAAAAAAAAAAAeAAAAaAAAAAAAAAAAAAAAAAAAAAAAAAAAAAAAECcAABAnAAAAAAAAAAAAAAAAAAAAAAAAAAAAAAAAAAAAAAAAAAAAABQAAAAAAAAAwMD/AAAAAABkAAAAMgAAAAAAAABkAAAAAAAAAH9/fwAKAAAAIgAAABgAAAAAAAAAAAAAAAAAAAAAAAAAAAAAAAAAAAAkAAAAJAAAAAAAAAAHAAAAAAAAAAAAAAAAAAAAAAAAAAAAAAAAAAAAf39/ACUAAABYAAAAAAAAAAAAAAAAAAAAAAAAAAAAAAAAAAAAAAAAAAAAAAAAAAAAAAAAAAAAAAA/AAAAAAAAAKCGAQAAAAAAAAAAAAAAAAAMAAAAAQAAAAAAAAAAAAAAAAAAAB8AAABUAAAAu+DjBf///wEAAAAAAAAAAAAAAAAAAAAAAAAAAAAAAAAAAAAAAAAAAAAAAAJ/f38AgICAA8zMzADAwP8Af39/AAAAAAAAAAAAAAAAAAAAAAAAAAAAIQAAABgAAAAUAAAApTMAACQbAACwSQAAFB8AABAgAAAmAAAACAAAAP//////////MAAAABQAAAAAAAAAAAD//wAAAQAAAP//AAABAA=="/>
               </a:ext>
             </a:extLst>
           </p:cNvSpPr>
@@ -4022,7 +4022,7 @@
           <p:cNvSpPr>
             <a:extLst>
               <a:ext uri="smNativeData">
-                <pr:smNativeData xmlns:pr="smNativeData" xmlns="smNativeData" val="SMDATA_17_MUmAYRMAAAAlAAAAggAAAA8BAAAAkAAAAEgAAACQAAAASAAAAAAAAAAAAAAAAAAAAAEAAABQAAAAND1GVkzU6D8AAAAAAADgPwAAAAAAAOA/AAAAAAAA4D8AAAAAAADgPwAAAAAAAOA/AAAAAAAA4D8AAAAAAADgPwAAAAAAAOA/AAAAAAAA4D8CAAAAjAAAAAAAAAAAAAAAu+DjDP///wgAAAAAAAAAAAAAAAAAAAAAAAAAAAAAAAAAAAAAZAAAAAEAAABAAAAAAAAAAAAAAAAAAAAAAAAAAAAAAAAAAAAAAAAAAAAAAAAAAAAAAAAAAAAAAAAAAAAAAAAAAAAAAAAAAAAAAAAAAAAAAAAAAAAAAAAAAAAAAAAAAAAAFAAAADwAAAABAAAAAAAAAAAAAAkoAAAAAQAAABQAAAAUAAAAFAAAAAEAAAAAAAAAZAAAAGQAAAAAAAAAZAAAAGQAAAAVAAAAYAAAAAAAAAAAAAAADwAAACADAAAAAAAAAAAAAAEAAACgMgAAVgcAAKr4//8BAAAAf39/AAEAAABkAAAAAAAAABQAAABAHwAAAAAAACYAAAAAAAAAwOD//wAAAAAmAAAAZAAAABYAAABMAAAAAAAAAAAAAAAEAAAAAAAAAAEAAACAgIAKAAAAACgAAAAoAAAAZAAAAGQAAAAAAAAAzMzMAAAAAABQAAAAUAAAAGQAAABkAAAAAAAAABcAAAAUAAAAAAAAAAAAAAD/fwAA/38AAAAAAAAJAAAABAAAAMCS1gUMAAAAEAAAAAAAAAAAAAAAAAAAAAAAAAAeAAAAaAAAAAAAAAAAAAAAAAAAAAAAAAAAAAAAECcAABAnAAAAAAAAAAAAAAAAAAAAAAAAAAAAAAAAAAAAAAAAAAAAABQAAAAAAAAAwMD/AAAAAABkAAAAMgAAAAAAAABkAAAAAAAAAH9/fwAKAAAAIgAAABgAAAAAAAAAAAAAAAAAAAAAAAAAAAAAAAAAAAAkAAAAJAAAAAAAAAAHAAAAAAAAAAAAAAAAAAAAAAAAAAAAAAAAAAAAf39/ACUAAABYAAAAAAAAAAAAAAAAAAAAAAAAAAAAAAAAAAAAAAAAAAAAAAAAAAAAAAAAAAAAAAA/AAAAAAAAAKCGAQAAAAAAAAAAAAAAAAAMAAAAAQAAAAAAAAAAAAAAAAAAAB8AAABUAAAAu+DjBf///wEAAAAAAAAAAAAAAAAAAAAAAAAAAAAAAAAAAAAAAAAAAAAAAAJ/f38AgICAA8zMzADAwP8Af39/AAAAAAAAAAAAAAAAAAAAAAAAAAAAIQAAABgAAAAUAAAA2jUAANEZAABvRQAAJBsAABAAAAAmAAAACAAAAP//////////MAAAABQAAAAAAAAAAAD//wAAAQAAAP//AAABAA=="/>
+                <pr:smNativeData xmlns:pr="smNativeData" xmlns="smNativeData" val="SMDATA_17_WnaBYRMAAAAlAAAAggAAAA8BAAAAkAAAAEgAAACQAAAASAAAAAAAAAAAAAAAAAAAAAEAAABQAAAAND1GVkzU6D8AAAAAAADgPwAAAAAAAOA/AAAAAAAA4D8AAAAAAADgPwAAAAAAAOA/AAAAAAAA4D8AAAAAAADgPwAAAAAAAOA/AAAAAAAA4D8CAAAAjAAAAAAAAAAAAAAAu+DjDP///wgAAAAAAAAAAAAAAAAAAAAAAAAAAAAAAAAAAAAAZAAAAAEAAABAAAAAAAAAAAAAAAAAAAAAAAAAAAAAAAAAAAAAAAAAAAAAAAAAAAAAAAAAAAAAAAAAAAAAAAAAAAAAAAAAAAAAAAAAAAAAAAAAAAAAAAAAAAAAAAAAAAAAFAAAADwAAAABAAAAAAAAAAAAAAkoAAAAAQAAABQAAAAUAAAAFAAAAAEAAAAAAAAAZAAAAGQAAAAAAAAAZAAAAGQAAAAVAAAAYAAAAAAAAAAAAAAADwAAACADAAAAAAAAAAAAAAEAAACgMgAAVgcAAKr4//8BAAAAf39/AAEAAABkAAAAAAAAABQAAABAHwAAAAAAACYAAAAAAAAAwOD//wAAAAAmAAAAZAAAABYAAABMAAAAAAAAAAAAAAAEAAAAAAAAAAEAAACAgIAKAAAAACgAAAAoAAAAZAAAAGQAAAAAAAAAzMzMAAAAAABQAAAAUAAAAGQAAABkAAAAAAAAABcAAAAUAAAAAAAAAAAAAAD/fwAA/38AAAAAAAAJAAAABAAAAMCS1gUMAAAAEAAAAAAAAAAAAAAAAAAAAAAAAAAeAAAAaAAAAAAAAAAAAAAAAAAAAAAAAAAAAAAAECcAABAnAAAAAAAAAAAAAAAAAAAAAAAAAAAAAAAAAAAAAAAAAAAAABQAAAAAAAAAwMD/AAAAAABkAAAAMgAAAAAAAABkAAAAAAAAAH9/fwAKAAAAIgAAABgAAAAAAAAAAAAAAAAAAAAAAAAAAAAAAAAAAAAkAAAAJAAAAAAAAAAHAAAAAAAAAAAAAAAAAAAAAAAAAAAAAAAAAAAAf39/ACUAAABYAAAAAAAAAAAAAAAAAAAAAAAAAAAAAAAAAAAAAAAAAAAAAAAAAAAAAAAAAAAAAAA/AAAAAAAAAKCGAQAAAAAAAAAAAAAAAAAMAAAAAQAAAAAAAAAAAAAAAAAAAB8AAABUAAAAu+DjBf///wEAAAAAAAAAAAAAAAAAAAAAAAAAAAAAAAAAAAAAAAAAAAAAAAJ/f38AgICAA8zMzADAwP8Af39/AAAAAAAAAAAAAAAAAAAAAAAAAAAAIQAAABgAAAAUAAAA2jUAANEZAABvRQAAJBsAABAAAAAmAAAACAAAAP//////////MAAAABQAAAAAAAAAAAD//wAAAQAAAP//AAABAA=="/>
               </a:ext>
             </a:extLst>
           </p:cNvSpPr>
@@ -4057,7 +4057,7 @@
           <p:cNvSpPr>
             <a:extLst>
               <a:ext uri="smNativeData">
-                <pr:smNativeData xmlns:pr="smNativeData" xmlns="smNativeData" val="SMDATA_17_MUmAYRMAAAAlAAAAggAAAA8BAAAAkAAAAEgAAACQAAAASAAAAAAAAAAAAAAAAAAAAAEAAABQAAAAHoXrUbge5T8AAAAAAADgPwAAAAAAAOA/AAAAAAAA4D8AAAAAAADgPwAAAAAAAOA/AAAAAAAA4D8AAAAAAADgPwAAAAAAAOA/AAAAAAAA4D8CAAAAjAAAAAAAAAAAAAAAu+DjDP///wgAAAAAAAAAAAAAAAAAAAAAAAAAAAAAAAAAAAAAZAAAAAEAAABAAAAAAAAAAAAAAAAAAAAAAAAAAAAAAAAAAAAAAAAAAAAAAAAAAAAAAAAAAAAAAAAAAAAAAAAAAAAAAAAAAAAAAAAAAAAAAAAAAAAAAAAAAAAAAAAAAAAAFAAAADwAAAABAAAAAAAAAAAAAAkoAAAAAQAAABQAAAAUAAAAFAAAAAEAAAAAAAAAZAAAAGQAAAAAAAAAZAAAAGQAAAAVAAAAYAAAAAAAAAAAAAAADwAAACADAAAAAAAAAAAAAAEAAACgMgAAVgcAAKr4//8BAAAAf39/AAEAAABkAAAAAAAAABQAAABAHwAAAAAAACYAAAAAAAAAwOD//wAAAAAmAAAAZAAAABYAAABMAAAAAAAAAAAAAAAEAAAAAAAAAAEAAACAgIAKAAAAACgAAAAoAAAAZAAAAGQAAAAAAAAAzMzMAAAAAABQAAAAUAAAAGQAAABkAAAAAAAAABcAAAAUAAAAAAAAAAAAAAD/fwAA/38AAAAAAAAJAAAABAAAADBp1gUMAAAAEAAAAAAAAAAAAAAAAAAAAAAAAAAeAAAAaAAAAAAAAAAAAAAAAAAAAAAAAAAAAAAAECcAABAnAAAAAAAAAAAAAAAAAAAAAAAAAAAAAAAAAAAAAAAAAAAAABQAAAAAAAAAwMD/AAAAAABkAAAAMgAAAAAAAABkAAAAAAAAAH9/fwAKAAAAIgAAABgAAAAAAAAAAAAAAAAAAAAAAAAAAAAAAAAAAAAkAAAAJAAAAAAAAAAHAAAAAAAAAAAAAAAAAAAAAAAAAAAAAAAAAAAAf39/ACUAAABYAAAAAAAAAAAAAAAAAAAAAAAAAAAAAAAAAAAAAAAAAAAAAAAAAAAAAAAAAAAAAAA/AAAAAAAAAKCGAQAAAAAAAAAAAAAAAAAMAAAAAQAAAAAAAAAAAAAAAAAAAB8AAABUAAAAu+DjBf///wEAAAAAAAAAAAAAAAAAAAAAAAAAAAAAAAAAAAAAAAAAAAAAAAJ/f38AgICAA8zMzADAwP8Af39/AAAAAAAAAAAAAAAAAAAAAAAAAAAAIQAAABgAAAAUAAAAoCIAABgVAACpLQAAaxYAABAAAAAmAAAACAAAAP//////////MAAAABQAAAAAAAAAAAD//wAAAQAAAP//AAABAA=="/>
+                <pr:smNativeData xmlns:pr="smNativeData" xmlns="smNativeData" val="SMDATA_17_WnaBYRMAAAAlAAAAggAAAA8BAAAAkAAAAEgAAACQAAAASAAAAAAAAAAAAAAAAAAAAAEAAABQAAAAHoXrUbge5T8AAAAAAADgPwAAAAAAAOA/AAAAAAAA4D8AAAAAAADgPwAAAAAAAOA/AAAAAAAA4D8AAAAAAADgPwAAAAAAAOA/AAAAAAAA4D8CAAAAjAAAAAAAAAAAAAAAu+DjDP///wgAAAAAAAAAAAAAAAAAAAAAAAAAAAAAAAAAAAAAZAAAAAEAAABAAAAAAAAAAAAAAAAAAAAAAAAAAAAAAAAAAAAAAAAAAAAAAAAAAAAAAAAAAAAAAAAAAAAAAAAAAAAAAAAAAAAAAAAAAAAAAAAAAAAAAAAAAAAAAAAAAAAAFAAAADwAAAABAAAAAAAAAAAAAAkoAAAAAQAAABQAAAAUAAAAFAAAAAEAAAAAAAAAZAAAAGQAAAAAAAAAZAAAAGQAAAAVAAAAYAAAAAAAAAAAAAAADwAAACADAAAAAAAAAAAAAAEAAACgMgAAVgcAAKr4//8BAAAAf39/AAEAAABkAAAAAAAAABQAAABAHwAAAAAAACYAAAAAAAAAwOD//wAAAAAmAAAAZAAAABYAAABMAAAAAAAAAAAAAAAEAAAAAAAAAAEAAACAgIAKAAAAACgAAAAoAAAAZAAAAGQAAAAAAAAAzMzMAAAAAABQAAAAUAAAAGQAAABkAAAAAAAAABcAAAAUAAAAAAAAAAAAAAD/fwAA/38AAAAAAAAJAAAABAAAADBp1gUMAAAAEAAAAAAAAAAAAAAAAAAAAAAAAAAeAAAAaAAAAAAAAAAAAAAAAAAAAAAAAAAAAAAAECcAABAnAAAAAAAAAAAAAAAAAAAAAAAAAAAAAAAAAAAAAAAAAAAAABQAAAAAAAAAwMD/AAAAAABkAAAAMgAAAAAAAABkAAAAAAAAAH9/fwAKAAAAIgAAABgAAAAAAAAAAAAAAAAAAAAAAAAAAAAAAAAAAAAkAAAAJAAAAAAAAAAHAAAAAAAAAAAAAAAAAAAAAAAAAAAAAAAAAAAAf39/ACUAAABYAAAAAAAAAAAAAAAAAAAAAAAAAAAAAAAAAAAAAAAAAAAAAAAAAAAAAAAAAAAAAAA/AAAAAAAAAKCGAQAAAAAAAAAAAAAAAAAMAAAAAQAAAAAAAAAAAAAAAAAAAB8AAABUAAAAu+DjBf///wEAAAAAAAAAAAAAAAAAAAAAAAAAAAAAAAAAAAAAAAAAAAAAAAJ/f38AgICAA8zMzADAwP8Af39/AAAAAAAAAAAAAAAAAAAAAAAAAAAAIQAAABgAAAAUAAAAoCIAABgVAACpLQAAaxYAABAAAAAmAAAACAAAAP//////////MAAAABQAAAAAAAAAAAD//wAAAQAAAP//AAABAA=="/>
               </a:ext>
             </a:extLst>
           </p:cNvSpPr>
@@ -4092,7 +4092,7 @@
           <p:cNvSpPr txBox="1">
             <a:extLst>
               <a:ext uri="smNativeData">
-                <pr:smNativeData xmlns:pr="smNativeData" xmlns="smNativeData" val="SMDATA_17_MUmAYRMAAAAlAAAAEgAAAE8BAAAAkAAAAEgAAACQAAAASAAAAAAAAAAAAAAAAAAAAAEAAABQAAAAAAAAAAAA4D8AAAAAAADgPwAAAAAAAOA/AAAAAAAA4D8AAAAAAADgPwAAAAAAAOA/AAAAAAAA4D8AAAAAAADgPwAAAAAAAOA/AAAAAAAA4D8CAAAAjAAAAAAAAAAAAAAAu+DjDP///wgAAAAAAAAAAAAAAAAAAAAAAAAAAAAAAAAAAAAAZAAAAAEAAABAAAAAAAAAAAAAAAAAAAAAAAAAAAAAAAAAAAAAAAAAAAAAAAAAAAAAAAAAAAAAAAAAAAAAAAAAAAAAAAAAAAAAAAAAAAAAAAAAAAAAAAAAAAAAAAAAAAAAFAAAADwAAAAAAAAAAAAAAAAAAAkUAAAAAQAAABQAAAAUAAAAFAAAAAEAAAAAAAAAZAAAAGQAAAAAAAAAZAAAAGQAAAAVAAAAYAAAAAAAAAAAAAAADwAAACADAAAAAAAAAAAAAAEAAACgMgAAVgcAAKr4//8BAAAAf39/AAEAAABkAAAAAAAAABQAAABAHwAAAAAAACYAAAAAAAAAwOD//wAAAAAmAAAAZAAAABYAAABMAAAAAAAAAAAAAAAEAAAAAAAAAAEAAACAgIAKAAAAACgAAAAoAAAAZAAAAGQAAAAAAAAAzMzMAAAAAABQAAAAUAAAAGQAAABkAAAAAAAAABcAAAAUAAAAAAAAAMQBAAD/fwAA/38AAAAAAAAJAAAABAAAAKCA1gUMAAAAEAAAAAAAAAAAAAAAAAAAAAAAAAAeAAAAaAAAAAAAAAAAAAAAAAAAAAAAAAAAAAAAECcAABAnAAAAAAAAAAAAAAAAAAAAAAAAAAAAAAAAAAAAAAAAAAAAABQAAAAAAAAAwMD/AAAAAABkAAAAMgAAAAAAAABkAAAAAAAAAH9/fwAKAAAAIgAAABgAAAAAAAAAAAAAAAAAAAAAAAAAAAAAAAAAAAAkAAAAJAAAAAAAAAAHAAAAAAAAAAAAAAAAAAAAAAAAAAAAAAAAAAAAf39/ACUAAABYAAAAAAAAAAAAAAAAAAAAAAAAAAAAAAAAAAAAAAAAAAAAAAAAAAAAAAAAAAAAAAA/AAAAAAAAAKCGAQAAAAAAAAAAAAAAAAAMAAAAAQAAAAAAAAAAAAAAAAAAAB8AAABUAAAAu+DjBf///wEAAAAAAAAAAAAAAAAAAAAAAAAAAAAAAAAAAAAAAAAAAAAAAAJ/f38AgICAA8zMzADAwP8Af39/AAAAAAAAAAAAAAAAAAAAAAAAAAAAIQAAABgAAAAUAAAAYCoAAIYfAAAfPwAAbiIAABAgAAAmAAAACAAAAP//////////MAAAABQAAAAAAAAAAAD//wAAAQAAAP//AAABAA=="/>
+                <pr:smNativeData xmlns:pr="smNativeData" xmlns="smNativeData" val="SMDATA_17_WnaBYRMAAAAlAAAAEgAAAE8BAAAAkAAAAEgAAACQAAAASAAAAAAAAAAAAAAAAAAAAAEAAABQAAAAAAAAAAAA4D8AAAAAAADgPwAAAAAAAOA/AAAAAAAA4D8AAAAAAADgPwAAAAAAAOA/AAAAAAAA4D8AAAAAAADgPwAAAAAAAOA/AAAAAAAA4D8CAAAAjAAAAAAAAAAAAAAAu+DjDP///wgAAAAAAAAAAAAAAAAAAAAAAAAAAAAAAAAAAAAAZAAAAAEAAABAAAAAAAAAAAAAAAAAAAAAAAAAAAAAAAAAAAAAAAAAAAAAAAAAAAAAAAAAAAAAAAAAAAAAAAAAAAAAAAAAAAAAAAAAAAAAAAAAAAAAAAAAAAAAAAAAAAAAFAAAADwAAAAAAAAAAAAAAAAAAAkUAAAAAQAAABQAAAAUAAAAFAAAAAEAAAAAAAAAZAAAAGQAAAAAAAAAZAAAAGQAAAAVAAAAYAAAAAAAAAAAAAAADwAAACADAAAAAAAAAAAAAAEAAACgMgAAVgcAAKr4//8BAAAAf39/AAEAAABkAAAAAAAAABQAAABAHwAAAAAAACYAAAAAAAAAwOD//wAAAAAmAAAAZAAAABYAAABMAAAAAAAAAAAAAAAEAAAAAAAAAAEAAACAgIAKAAAAACgAAAAoAAAAZAAAAGQAAAAAAAAAzMzMAAAAAABQAAAAUAAAAGQAAABkAAAAAAAAABcAAAAUAAAAAAAAAMQBAAD/fwAA/38AAAAAAAAJAAAABAAAAKCA1gUMAAAAEAAAAAAAAAAAAAAAAAAAAAAAAAAeAAAAaAAAAAAAAAAAAAAAAAAAAAAAAAAAAAAAECcAABAnAAAAAAAAAAAAAAAAAAAAAAAAAAAAAAAAAAAAAAAAAAAAABQAAAAAAAAAwMD/AAAAAABkAAAAMgAAAAAAAABkAAAAAAAAAH9/fwAKAAAAIgAAABgAAAAAAAAAAAAAAAAAAAAAAAAAAAAAAAAAAAAkAAAAJAAAAAAAAAAHAAAAAAAAAAAAAAAAAAAAAAAAAAAAAAAAAAAAf39/ACUAAABYAAAAAAAAAAAAAAAAAAAAAAAAAAAAAAAAAAAAAAAAAAAAAAAAAAAAAAAAAAAAAAA/AAAAAAAAAKCGAQAAAAAAAAAAAAAAAAAMAAAAAQAAAAAAAAAAAAAAAAAAAB8AAABUAAAAu+DjBf///wEAAAAAAAAAAAAAAAAAAAAAAAAAAAAAAAAAAAAAAAAAAAAAAAJ/f38AgICAA8zMzADAwP8Af39/AAAAAAAAAAAAAAAAAAAAAAAAAAAAIQAAABgAAAAUAAAAYCoAAIYfAAAfPwAAbiIAABAgAAAmAAAACAAAAP//////////MAAAABQAAAAAAAAAAAD//wAAAQAAAP//AAABAA=="/>
               </a:ext>
             </a:extLst>
           </p:cNvSpPr>
@@ -4145,7 +4145,7 @@
             <a:endCxn id="10" idx="1"/>
             <a:extLst>
               <a:ext uri="smNativeData">
-                <pr:smNativeData xmlns:pr="smNativeData" xmlns="smNativeData" val="SMDATA_17_MUmAYRMAAAAlAAAADgAAAA8BAAAAkAAAAEgAAACQAAAASAAAAAAAAAAAAAAAAAAAAAEAAABQAAAAAAAAAAAA4D8AAAAAAADgPwAAAAAAAOA/AAAAAAAA4D8AAAAAAADgPwAAAAAAAOA/AAAAAAAA4D8AAAAAAADgPwAAAAAAAOA/AAAAAAAA4D8CAAAAjAAAAAAAAAAAAAAAu+DjDP///wgAAAAAAAAAAAAAAAAAAAAAAAAAAAAAAAAAAAAAZAAAAAEAAABAAAAAAAAAAAAAAAAAAAAAAAAAAAAAAAAAAAAAAAAAAAAAAAAAAAAAAAAAAAAAAAAAAAAAAAAAAAAAAAAAAAAAAAAAAAAAAAAAAAAAAAAAAAAAAAAAAAAAFAAAADwAAAABAAAAAAAAAAAAAAkoAAAAAQAAABQAAAAUAAAAFAAAAAEAAAAAAAAAZAAAAGQAAAAAAAAAZAAAAGQAAAAVAAAAYAAAAAAAAAAAAAAADwAAACADAAAAAAAAAAAAAAEAAACgMgAAVgcAAKr4//8BAAAAf39/AAEAAABkAAAAAAAAABQAAABAHwAAAAAAACYAAAAAAAAAwOD//wAAAAAmAAAAZAAAABYAAABMAAAAAAAAAAAAAAAEAAAAAAAAAAEAAACAgIAKAAAAACgAAAAoAAAAZAAAAGQAAAAAAAAAzMzMAAAAAABQAAAAUAAAAGQAAABkAAAAAAAAABcAAAAUAAAAAAAAAAAAAAD/fwAA/38AAAAAAAAJAAAABAAAAAAAAAAMAAAAEAAAAAAAAAAAAAAAAAAAAAAAAAAeAAAAaAAAAAAAAAAAAAAAAAAAAAAAAAAAAAAAECcAABAnAAAAAAAAAAAAAAAAAAAAAAAAAAAAAAAAAAAAAAAAAAAAABQAAAAAAAAAwMD/AAAAAABkAAAAMgAAAAAAAABkAAAAAAAAAH9/fwAKAAAAIgAAABgAAAAAAAAAAAAAAAAAAAAAAAAAAAAAAAAAAAAkAAAAJAAAAAAAAAAHAAAAAAAAAAAAAAAAAAAAAAAAAAAAAAAAAAAAf39/ACUAAABYAAAAAAAAAAAAAAAAAAAAAAAAAAAAAAAAAAAAAAAAAAAAAAAAAAAAAAAAAAAAAAA/AAAAAAAAAKCGAQAAAAAAAAAAAAAAAAAMAAAAAQAAAAAAAAAAAAAAAAAAAB8AAABUAAAAu+DjBf///wEAAAAAAAAAAAAAAAAAAAAAAAAAAAAAAAAAAAAAAAAAAAAAAAJ/f38AgICAA8zMzADAwP8Af39/AAAAAAAAAAAAAAAAAAAAAAAAAAAAIQAAABgAAAAUAAAAJCgAAGsWAAClPQAAJBsAABAAAAAmAAAACAAAAP//////////MAAAABQAAAAAAAAAAAD//wAAAQAAAP//AAABAA=="/>
+                <pr:smNativeData xmlns:pr="smNativeData" xmlns="smNativeData" val="SMDATA_17_WnaBYRMAAAAlAAAADgAAAA8BAAAAkAAAAEgAAACQAAAASAAAAAAAAAAAAAAAAAAAAAEAAABQAAAAAAAAAAAA4D8AAAAAAADgPwAAAAAAAOA/AAAAAAAA4D8AAAAAAADgPwAAAAAAAOA/AAAAAAAA4D8AAAAAAADgPwAAAAAAAOA/AAAAAAAA4D8CAAAAjAAAAAAAAAAAAAAAu+DjDP///wgAAAAAAAAAAAAAAAAAAAAAAAAAAAAAAAAAAAAAZAAAAAEAAABAAAAAAAAAAAAAAAAAAAAAAAAAAAAAAAAAAAAAAAAAAAAAAAAAAAAAAAAAAAAAAAAAAAAAAAAAAAAAAAAAAAAAAAAAAAAAAAAAAAAAAAAAAAAAAAAAAAAAFAAAADwAAAABAAAAAAAAAAAAAAkoAAAAAQAAABQAAAAUAAAAFAAAAAEAAAAAAAAAZAAAAGQAAAAAAAAAZAAAAGQAAAAVAAAAYAAAAAAAAAAAAAAADwAAACADAAAAAAAAAAAAAAEAAACgMgAAVgcAAKr4//8BAAAAf39/AAEAAABkAAAAAAAAABQAAABAHwAAAAAAACYAAAAAAAAAwOD//wAAAAAmAAAAZAAAABYAAABMAAAAAAAAAAAAAAAEAAAAAAAAAAEAAACAgIAKAAAAACgAAAAoAAAAZAAAAGQAAAAAAAAAzMzMAAAAAABQAAAAUAAAAGQAAABkAAAAAAAAABcAAAAUAAAAAAAAAAAAAAD/fwAA/38AAAAAAAAJAAAABAAAAAAAAAAMAAAAEAAAAAAAAAAAAAAAAAAAAAAAAAAeAAAAaAAAAAAAAAAAAAAAAAAAAAAAAAAAAAAAECcAABAnAAAAAAAAAAAAAAAAAAAAAAAAAAAAAAAAAAAAAAAAAAAAABQAAAAAAAAAwMD/AAAAAABkAAAAMgAAAAAAAABkAAAAAAAAAH9/fwAKAAAAIgAAABgAAAAAAAAAAAAAAAAAAAAAAAAAAAAAAAAAAAAkAAAAJAAAAAAAAAAHAAAAAAAAAAAAAAAAAAAAAAAAAAAAAAAAAAAAf39/ACUAAABYAAAAAAAAAAAAAAAAAAAAAAAAAAAAAAAAAAAAAAAAAAAAAAAAAAAAAAAAAAAAAAA/AAAAAAAAAKCGAQAAAAAAAAAAAAAAAAAMAAAAAQAAAAAAAAAAAAAAAAAAAB8AAABUAAAAu+DjBf///wEAAAAAAAAAAAAAAAAAAAAAAAAAAAAAAAAAAAAAAAAAAAAAAAJ/f38AgICAA8zMzADAwP8Af39/AAAAAAAAAAAAAAAAAAAAAAAAAAAAIQAAABgAAAAUAAAAJCgAAGsWAAClPQAAJBsAABAAAAAmAAAACAAAAP//////////MAAAABQAAAAAAAAAAAD//wAAAQAAAP//AAABAA=="/>
               </a:ext>
             </a:extLst>
           </p:cNvCxnSpPr>
@@ -4177,7 +4177,7 @@
           <p:cNvSpPr>
             <a:extLst>
               <a:ext uri="smNativeData">
-                <pr:smNativeData xmlns:pr="smNativeData" xmlns="smNativeData" val="SMDATA_17_MUmAYRMAAAAlAAAAggAAAA8BAAAAkAAAAEgAAACQAAAASAAAAAAAAAAAAAAAAAAAAAEAAABQAAAAQKUua7iN6j8AAAAAAADgPwAAAAAAAOA/AAAAAAAA4D8AAAAAAADgPwAAAAAAAOA/AAAAAAAA4D8AAAAAAADgPwAAAAAAAOA/AAAAAAAA4D8CAAAAjAAAAAAAAAAAAAAAu+DjDP///wgAAAAAAAAAAAAAAAAAAAAAAAAAAAAAAAAAAAAAZAAAAAEAAABAAAAAAAAAAAAAAAAAAAAAAAAAAAAAAAAAAAAAAAAAAAAAAAAAAAAAAAAAAAAAAAAAAAAAAAAAAAAAAAAAAAAAAAAAAAAAAAAAAAAAAAAAAAAAAAAAAAAAFAAAADwAAAABAAAAAAAAAAAAAAkoAAAAAQAAABQAAAAUAAAAFAAAAAEAAAAAAAAAZAAAAGQAAAAAAAAAZAAAAGQAAAAVAAAAYAAAAAAAAAAAAAAADwAAACADAAAAAAAAAAAAAAEAAACgMgAAVgcAAKr4//8BAAAAf39/AAEAAABkAAAAAAAAABQAAABAHwAAAAAAACYAAAAAAAAAwOD//wAAAAAmAAAAZAAAABYAAABMAAAAAAAAAAAAAAAEAAAAAAAAAAEAAACAgIAKAAAAACgAAAAoAAAAZAAAAGQAAAAAAAAAzMzMAAAAAABQAAAAUAAAAGQAAABkAAAAAAAAABcAAAAUAAAAAAAAAAAAAAD/fwAA/38AAAAAAAAJAAAABAAAAFDn1gUMAAAAEAAAAAAAAAAAAAAAAAAAAAAAAAAeAAAAaAAAAAAAAAAAAAAAAAAAAAAAAAAAAAAAECcAABAnAAAAAAAAAAAAAAAAAAAAAAAAAAAAAAAAAAAAAAAAAAAAABQAAAAAAAAAwMD/AAAAAABkAAAAMgAAAAAAAABkAAAAAAAAAH9/fwAKAAAAIgAAABgAAAAAAAAAAAAAAAAAAAAAAAAAAAAAAAAAAAAkAAAAJAAAAAAAAAAHAAAAAAAAAAAAAAAAAAAAAAAAAAAAAAAAAAAAf39/ACUAAABYAAAAAAAAAAAAAAAAAAAAAAAAAAAAAAAAAAAAAAAAAAAAAAAAAAAAAAAAAAAAAAA/AAAAAAAAAKCGAQAAAAAAAAAAAAAAAAAMAAAAAQAAAAAAAAAAAAAAAAAAAB8AAABUAAAAu+DjBf///wEAAAAAAAAAAAAAAAAAAAAAAAAAAAAAAAAAAAAAAAAAAAAAAAJ/f38AgICAA8zMzADAwP8Af39/AAAAAAAAAAAAAAAAAAAAAAAAAAAAIQAAABgAAAAUAAAAYCoAAG4iAABWPgAAwSMAABAAAAAmAAAACAAAAP//////////MAAAABQAAAAAAAAAAAD//wAAAQAAAP//AAABAA=="/>
+                <pr:smNativeData xmlns:pr="smNativeData" xmlns="smNativeData" val="SMDATA_17_WnaBYRMAAAAlAAAAggAAAA8BAAAAkAAAAEgAAACQAAAASAAAAAAAAAAAAAAAAAAAAAEAAABQAAAAQKUua7iN6j8AAAAAAADgPwAAAAAAAOA/AAAAAAAA4D8AAAAAAADgPwAAAAAAAOA/AAAAAAAA4D8AAAAAAADgPwAAAAAAAOA/AAAAAAAA4D8CAAAAjAAAAAAAAAAAAAAAu+DjDP///wgAAAAAAAAAAAAAAAAAAAAAAAAAAAAAAAAAAAAAZAAAAAEAAABAAAAAAAAAAAAAAAAAAAAAAAAAAAAAAAAAAAAAAAAAAAAAAAAAAAAAAAAAAAAAAAAAAAAAAAAAAAAAAAAAAAAAAAAAAAAAAAAAAAAAAAAAAAAAAAAAAAAAFAAAADwAAAABAAAAAAAAAAAAAAkoAAAAAQAAABQAAAAUAAAAFAAAAAEAAAAAAAAAZAAAAGQAAAAAAAAAZAAAAGQAAAAVAAAAYAAAAAAAAAAAAAAADwAAACADAAAAAAAAAAAAAAEAAACgMgAAVgcAAKr4//8BAAAAf39/AAEAAABkAAAAAAAAABQAAABAHwAAAAAAACYAAAAAAAAAwOD//wAAAAAmAAAAZAAAABYAAABMAAAAAAAAAAAAAAAEAAAAAAAAAAEAAACAgIAKAAAAACgAAAAoAAAAZAAAAGQAAAAAAAAAzMzMAAAAAABQAAAAUAAAAGQAAABkAAAAAAAAABcAAAAUAAAAAAAAAAAAAAD/fwAA/38AAAAAAAAJAAAABAAAAFDn1gUMAAAAEAAAAAAAAAAAAAAAAAAAAAAAAAAeAAAAaAAAAAAAAAAAAAAAAAAAAAAAAAAAAAAAECcAABAnAAAAAAAAAAAAAAAAAAAAAAAAAAAAAAAAAAAAAAAAAAAAABQAAAAAAAAAwMD/AAAAAABkAAAAMgAAAAAAAABkAAAAAAAAAH9/fwAKAAAAIgAAABgAAAAAAAAAAAAAAAAAAAAAAAAAAAAAAAAAAAAkAAAAJAAAAAAAAAAHAAAAAAAAAAAAAAAAAAAAAAAAAAAAAAAAAAAAf39/ACUAAABYAAAAAAAAAAAAAAAAAAAAAAAAAAAAAAAAAAAAAAAAAAAAAAAAAAAAAAAAAAAAAAA/AAAAAAAAAKCGAQAAAAAAAAAAAAAAAAAMAAAAAQAAAAAAAAAAAAAAAAAAAB8AAABUAAAAu+DjBf///wEAAAAAAAAAAAAAAAAAAAAAAAAAAAAAAAAAAAAAAAAAAAAAAAJ/f38AgICAA8zMzADAwP8Af39/AAAAAAAAAAAAAAAAAAAAAAAAAAAAIQAAABgAAAAUAAAAYCoAAG4iAABWPgAAwSMAABAAAAAmAAAACAAAAP//////////MAAAABQAAAAAAAAAAAD//wAAAQAAAP//AAABAA=="/>
               </a:ext>
             </a:extLst>
           </p:cNvSpPr>
@@ -4212,7 +4212,7 @@
           <p:cNvSpPr txBox="1">
             <a:extLst>
               <a:ext uri="smNativeData">
-                <pr:smNativeData xmlns:pr="smNativeData" xmlns="smNativeData" val="SMDATA_17_MUmAYRMAAAAlAAAAEgAAAE8BAAAAkAAAAEgAAACQAAAASAAAAAAAAAAAAAAAAAAAAAEAAABQAAAAAAAAAAAA4D8AAAAAAADgPwAAAAAAAOA/AAAAAAAA4D8AAAAAAADgPwAAAAAAAOA/AAAAAAAA4D8AAAAAAADgPwAAAAAAAOA/AAAAAAAA4D8CAAAAjAAAAAAAAAAAAAAAu+DjDP///wgAAAAAAAAAAAAAAAAAAAAAAAAAAAAAAAAAAAAAZAAAAAEAAABAAAAAAAAAAAAAAAAAAAAAAAAAAAAAAAAAAAAAAAAAAAAAAAAAAAAAAAAAAAAAAAAAAAAAAAAAAAAAAAAAAAAAAAAAAAAAAAAAAAAAAAAAAAAAAAAAAAAAFAAAADwAAAAAAAAAAAAAAAAAAAkUAAAAAQAAABQAAAAUAAAAFAAAAAEAAAAAAAAAZAAAAGQAAAAAAAAAZAAAAGQAAAAVAAAAYAAAAAAAAAAAAAAADwAAACADAAAAAAAAAAAAAAEAAACgMgAAVgcAAKr4//8BAAAAf39/AAEAAABkAAAAAAAAABQAAABAHwAAAAAAACYAAAAAAAAAwOD//wAAAAAmAAAAZAAAABYAAABMAAAAAAAAAAAAAAAEAAAAAAAAAAEAAACAgIAKAAAAACgAAAAoAAAAZAAAAGQAAAAAAAAAzMzMAAAAAABQAAAAUAAAAGQAAABkAAAAAAAAABcAAAAUAAAAAAAAAMQBAAD/fwAA/38AAAAAAAAJAAAABAAAAJyRKUYMAAAAEAAAAAAAAAAAAAAAAAAAAAAAAAAeAAAAaAAAAAAAAAAAAAAAAAAAAAAAAAAAAAAAECcAABAnAAAAAAAAAAAAAAAAAAAAAAAAAAAAAAAAAAAAAAAAAAAAABQAAAAAAAAAwMD/AAAAAABkAAAAMgAAAAAAAABkAAAAAAAAAH9/fwAKAAAAIgAAABgAAAAAAAAAAAAAAAAAAAAAAAAAAAAAAAAAAAAkAAAAJAAAAAAAAAAHAAAAAAAAAAAAAAAAAAAAAAAAAAAAAAAAAAAAf39/ACUAAABYAAAAAAAAAAAAAAAAAAAAAAAAAAAAAAAAAAAAAAAAAAAAAAAAAAAAAAAAAAAAAAA/AAAAAAAAAKCGAQAAAAAAAAAAAAAAAAAMAAAAAQAAAAAAAAAAAAAAAAAAAB8AAABUAAAAu+DjBf///wEAAAAAAAAAAAAAAAAAAAAAAAAAAAAAAAAAAAAAAAAAAAAAAAJ/f38AgICAA8zMzADAwP8Af39/AAAAAAAAAAAAAAAAAAAAAAAAAAAAIQAAABgAAAAUAAAA2yMAAMEjAADcRAAAsScAABAgAAAmAAAACAAAAP//////////MAAAABQAAAAAAAAAAAD//wAAAQAAAP//AAABAA=="/>
+                <pr:smNativeData xmlns:pr="smNativeData" xmlns="smNativeData" val="SMDATA_17_WnaBYRMAAAAlAAAAEgAAAE8BAAAAkAAAAEgAAACQAAAASAAAAAAAAAAAAAAAAAAAAAEAAABQAAAAAAAAAAAA4D8AAAAAAADgPwAAAAAAAOA/AAAAAAAA4D8AAAAAAADgPwAAAAAAAOA/AAAAAAAA4D8AAAAAAADgPwAAAAAAAOA/AAAAAAAA4D8CAAAAjAAAAAAAAAAAAAAAu+DjDP///wgAAAAAAAAAAAAAAAAAAAAAAAAAAAAAAAAAAAAAZAAAAAEAAABAAAAAAAAAAAAAAAAAAAAAAAAAAAAAAAAAAAAAAAAAAAAAAAAAAAAAAAAAAAAAAAAAAAAAAAAAAAAAAAAAAAAAAAAAAAAAAAAAAAAAAAAAAAAAAAAAAAAAFAAAADwAAAAAAAAAAAAAAAAAAAkUAAAAAQAAABQAAAAUAAAAFAAAAAEAAAAAAAAAZAAAAGQAAAAAAAAAZAAAAGQAAAAVAAAAYAAAAAAAAAAAAAAADwAAACADAAAAAAAAAAAAAAEAAACgMgAAVgcAAKr4//8BAAAAf39/AAEAAABkAAAAAAAAABQAAABAHwAAAAAAACYAAAAAAAAAwOD//wAAAAAmAAAAZAAAABYAAABMAAAAAAAAAAAAAAAEAAAAAAAAAAEAAACAgIAKAAAAACgAAAAoAAAAZAAAAGQAAAAAAAAAzMzMAAAAAABQAAAAUAAAAGQAAABkAAAAAAAAABcAAAAUAAAAAAAAAMQBAAD/fwAA/38AAAAAAAAJAAAABAAAAJyRKUYMAAAAEAAAAAAAAAAAAAAAAAAAAAAAAAAeAAAAaAAAAAAAAAAAAAAAAAAAAAAAAAAAAAAAECcAABAnAAAAAAAAAAAAAAAAAAAAAAAAAAAAAAAAAAAAAAAAAAAAABQAAAAAAAAAwMD/AAAAAABkAAAAMgAAAAAAAABkAAAAAAAAAH9/fwAKAAAAIgAAABgAAAAAAAAAAAAAAAAAAAAAAAAAAAAAAAAAAAAkAAAAJAAAAAAAAAAHAAAAAAAAAAAAAAAAAAAAAAAAAAAAAAAAAAAAf39/ACUAAABYAAAAAAAAAAAAAAAAAAAAAAAAAAAAAAAAAAAAAAAAAAAAAAAAAAAAAAAAAAAAAAA/AAAAAAAAAKCGAQAAAAAAAAAAAAAAAAAMAAAAAQAAAAAAAAAAAAAAAAAAAB8AAABUAAAAu+DjBf///wEAAAAAAAAAAAAAAAAAAAAAAAAAAAAAAAAAAAAAAAAAAAAAAAJ/f38AgICAA8zMzADAwP8Af39/AAAAAAAAAAAAAAAAAAAAAAAAAAAAIQAAABgAAAAUAAAA2yMAAMEjAADcRAAAsScAABAgAAAmAAAACAAAAP//////////MAAAABQAAAAAAAAAAAD//wAAAQAAAP//AAABAA=="/>
               </a:ext>
             </a:extLst>
           </p:cNvSpPr>
@@ -4287,7 +4287,7 @@
           <p:cNvSpPr txBox="1">
             <a:extLst>
               <a:ext uri="smNativeData">
-                <pr:smNativeData xmlns:pr="smNativeData" xmlns="smNativeData" val="SMDATA_17_MUmAYRMAAAAlAAAAEgAAAE8BAAAAkAAAAEgAAACQAAAASAAAAAAAAAAAAAAAAAAAAAEAAABQAAAAAAAAAAAA4D8AAAAAAADgPwAAAAAAAOA/AAAAAAAA4D8AAAAAAADgPwAAAAAAAOA/AAAAAAAA4D8AAAAAAADgPwAAAAAAAOA/AAAAAAAA4D8CAAAAjAAAAAAAAAAAAAAAu+DjDP///wgAAAAAAAAAAAAAAAAAAAAAAAAAAAAAAAAAAAAAZAAAAAEAAABAAAAAAAAAAAAAAAAAAAAAAAAAAAAAAAAAAAAAAAAAAAAAAAAAAAAAAAAAAAAAAAAAAAAAAAAAAAAAAAAAAAAAAAAAAAAAAAAAAAAAAAAAAAAAAAAAAAAAFAAAADwAAAAAAAAAAAAAAAAAAAkUAAAAAQAAABQAAAAUAAAAFAAAAAEAAAAAAAAAZAAAAGQAAAAAAAAAZAAAAGQAAAAVAAAAYAAAAAAAAAAAAAAADwAAACADAAAAAAAAAAAAAAEAAACgMgAAVgcAAKr4//8BAAAAf39/AAEAAABkAAAAAAAAABQAAABAHwAAAAAAACYAAAAAAAAAwOD//wAAAAAmAAAAZAAAABYAAABMAAAAAAAAAAAAAAAEAAAAAAAAAAEAAACAgIAKAAAAACgAAAAoAAAAZAAAAGQAAAAAAAAAzMzMAAAAAABQAAAAUAAAAGQAAABkAAAAAAAAABcAAAAUAAAAAAAAABcDAAD/fwAA/38AAAAAAAAJAAAABAAAAAAAAAAMAAAAEAAAAAAAAAAAAAAAAAAAAAAAAAAeAAAAaAAAAAAAAAAAAAAAAAAAAAAAAAAAAAAAECcAABAnAAAAAAAAAAAAAAAAAAAAAAAAAAAAAAAAAAAAAAAAAAAAABQAAAAAAAAAwMD/AAAAAABkAAAAMgAAAAAAAABkAAAAAAAAAH9/fwAKAAAAIgAAABgAAAAAAAAAAAAAAAAAAAAAAAAAAAAAAAAAAAAkAAAAJAAAAAAAAAAHAAAAAAAAAAAAAAAAAAAAAAAAAAAAAAAAAAAAf39/ACUAAABYAAAAAAAAAAAAAAAAAAAAAAAAAAAAAAAAAAAAAAAAAAAAAAAAAAAAAAAAAAAAAAA/AAAAAAAAAKCGAQAAAAAAAAAAAAAAAAAMAAAAAQAAAAAAAAAAAAAAAAAAAB8AAABUAAAAu+DjBf///wEAAAAAAAAAAAAAAAAAAAAAAAAAAAAAAAAAAAAAAAAAAAAAAAJ/f38AgICAA8zMzADAwP8Af39/AAAAAAAAAAAAAAAAAAAAAAAAAAAAIQAAABgAAAAUAAAAUAcAALkMAAADTwAAoQ8AABAgAAAmAAAACAAAAP//////////MAAAABQAAAAAAAAAAAD//wAAAQAAAP//AAABAA=="/>
+                <pr:smNativeData xmlns:pr="smNativeData" xmlns="smNativeData" val="SMDATA_17_WnaBYRMAAAAlAAAAEgAAAE8BAAAAkAAAAEgAAACQAAAASAAAAAAAAAAAAAAAAAAAAAEAAABQAAAAAAAAAAAA4D8AAAAAAADgPwAAAAAAAOA/AAAAAAAA4D8AAAAAAADgPwAAAAAAAOA/AAAAAAAA4D8AAAAAAADgPwAAAAAAAOA/AAAAAAAA4D8CAAAAjAAAAAAAAAAAAAAAu+DjDP///wgAAAAAAAAAAAAAAAAAAAAAAAAAAAAAAAAAAAAAZAAAAAEAAABAAAAAAAAAAAAAAAAAAAAAAAAAAAAAAAAAAAAAAAAAAAAAAAAAAAAAAAAAAAAAAAAAAAAAAAAAAAAAAAAAAAAAAAAAAAAAAAAAAAAAAAAAAAAAAAAAAAAAFAAAADwAAAAAAAAAAAAAAAAAAAkUAAAAAQAAABQAAAAUAAAAFAAAAAEAAAAAAAAAZAAAAGQAAAAAAAAAZAAAAGQAAAAVAAAAYAAAAAAAAAAAAAAADwAAACADAAAAAAAAAAAAAAEAAACgMgAAVgcAAKr4//8BAAAAf39/AAEAAABkAAAAAAAAABQAAABAHwAAAAAAACYAAAAAAAAAwOD//wAAAAAmAAAAZAAAABYAAABMAAAAAAAAAAAAAAAEAAAAAAAAAAEAAACAgIAKAAAAACgAAAAoAAAAZAAAAGQAAAAAAAAAzMzMAAAAAABQAAAAUAAAAGQAAABkAAAAAAAAABcAAAAUAAAAAAAAABcDAAD/fwAA/38AAAAAAAAJAAAABAAAAAAAAAAMAAAAEAAAAAAAAAAAAAAAAAAAAAAAAAAeAAAAaAAAAAAAAAAAAAAAAAAAAAAAAAAAAAAAECcAABAnAAAAAAAAAAAAAAAAAAAAAAAAAAAAAAAAAAAAAAAAAAAAABQAAAAAAAAAwMD/AAAAAABkAAAAMgAAAAAAAABkAAAAAAAAAH9/fwAKAAAAIgAAABgAAAAAAAAAAAAAAAAAAAAAAAAAAAAAAAAAAAAkAAAAJAAAAAAAAAAHAAAAAAAAAAAAAAAAAAAAAAAAAAAAAAAAAAAAf39/ACUAAABYAAAAAAAAAAAAAAAAAAAAAAAAAAAAAAAAAAAAAAAAAAAAAAAAAAAAAAAAAAAAAAA/AAAAAAAAAKCGAQAAAAAAAAAAAAAAAAAMAAAAAQAAAAAAAAAAAAAAAAAAAB8AAABUAAAAu+DjBf///wEAAAAAAAAAAAAAAAAAAAAAAAAAAAAAAAAAAAAAAAAAAAAAAAJ/f38AgICAA8zMzADAwP8Af39/AAAAAAAAAAAAAAAAAAAAAAAAAAAAIQAAABgAAAAUAAAAUAcAALkMAAADTwAAoQ8AABAgAAAmAAAACAAAAP//////////MAAAABQAAAAAAAAAAAD//wAAAQAAAP//AAABAA=="/>
               </a:ext>
             </a:extLst>
           </p:cNvSpPr>
@@ -4312,7 +4312,7 @@
           <a:lstStyle/>
           <a:p>
             <a:pPr>
-              <a:defRPr sz="2500" spc="3">
+              <a:defRPr sz="2500">
                 <a:latin typeface="Liberation Mono" pitchFamily="1" charset="0"/>
                 <a:ea typeface="Liberation Mono" pitchFamily="1" charset="0"/>
                 <a:cs typeface="Liberation Mono" pitchFamily="1" charset="0"/>
@@ -4330,7 +4330,7 @@
           <p:cNvSpPr txBox="1">
             <a:extLst>
               <a:ext uri="smNativeData">
-                <pr:smNativeData xmlns:pr="smNativeData" xmlns="smNativeData" val="SMDATA_17_MUmAYRMAAAAlAAAAEgAAAE8BAAAAkAAAAEgAAACQAAAASAAAAAAAAAAAAAAAAAAAAAEAAABQAAAAAAAAAAAA4D8AAAAAAADgPwAAAAAAAOA/AAAAAAAA4D8AAAAAAADgPwAAAAAAAOA/AAAAAAAA4D8AAAAAAADgPwAAAAAAAOA/AAAAAAAA4D8CAAAAjAAAAAAAAAAAAAAAu+DjDP///wgAAAAAAAAAAAAAAAAAAAAAAAAAAAAAAAAAAAAAZAAAAAEAAABAAAAAAAAAAAAAAAAAAAAAAAAAAAAAAAAAAAAAAAAAAAAAAAAAAAAAAAAAAAAAAAAAAAAAAAAAAAAAAAAAAAAAAAAAAAAAAAAAAAAAAAAAAAAAAAAAAAAAFAAAADwAAAAAAAAAAAAAAAAAAAkUAAAAAQAAABQAAAAUAAAAFAAAAAEAAAAAAAAAZAAAAGQAAAAAAAAAZAAAAGQAAAAVAAAAYAAAAAAAAAAAAAAADwAAACADAAAAAAAAAAAAAAEAAACgMgAAVgcAAKr4//8BAAAAf39/AAEAAABkAAAAAAAAABQAAABAHwAAAAAAACYAAAAAAAAAwOD//wAAAAAmAAAAZAAAABYAAABMAAAAAAAAAAAAAAAEAAAAAAAAAAEAAACAgIAKAAAAACgAAAAoAAAAZAAAAGQAAAAAAAAAzMzMAAAAAABQAAAAUAAAAGQAAABkAAAAAAAAABcAAAAUAAAAAAAAABcDAAD/fwAA/38AAAAAAAAJAAAABAAAAAAAAAAMAAAAEAAAAAAAAAAAAAAAAAAAAAAAAAAeAAAAaAAAAAAAAAAAAAAAAAAAAAAAAAAAAAAAECcAABAnAAAAAAAAAAAAAAAAAAAAAAAAAAAAAAAAAAAAAAAAAAAAABQAAAAAAAAAwMD/AAAAAABkAAAAMgAAAAAAAABkAAAAAAAAAH9/fwAKAAAAIgAAABgAAAAAAAAAAAAAAAAAAAAAAAAAAAAAAAAAAAAkAAAAJAAAAAAAAAAHAAAAAAAAAAAAAAAAAAAAAAAAAAAAAAAAAAAAf39/ACUAAABYAAAAAAAAAAAAAAAAAAAAAAAAAAAAAAAAAAAAAAAAAAAAAAAAAAAAAAAAAAAAAAA/AAAAAAAAAKCGAQAAAAAAAAAAAAAAAAAMAAAAAQAAAAAAAAAAAAAAAAAAAB8AAABUAAAAu+DjBf///wEAAAAAAAAAAAAAAAAAAAAAAAAAAAAAAAAAAAAAAAAAAAAAAAJ/f38AgICAA8zMzADAwP8Af39/AAAAAAAAAAAAAAAAAAAAAAAAAAAAIQAAABgAAAAUAAAAUAcAADASAAADTwAAGBUAABAgAAAmAAAACAAAAP//////////MAAAABQAAAAAAAAAAAD//wAAAQAAAP//AAABAA=="/>
+                <pr:smNativeData xmlns:pr="smNativeData" xmlns="smNativeData" val="SMDATA_17_WnaBYRMAAAAlAAAAEgAAAE8BAAAAkAAAAEgAAACQAAAASAAAAAAAAAAAAAAAAAAAAAEAAABQAAAAAAAAAAAA4D8AAAAAAADgPwAAAAAAAOA/AAAAAAAA4D8AAAAAAADgPwAAAAAAAOA/AAAAAAAA4D8AAAAAAADgPwAAAAAAAOA/AAAAAAAA4D8CAAAAjAAAAAAAAAAAAAAAu+DjDP///wgAAAAAAAAAAAAAAAAAAAAAAAAAAAAAAAAAAAAAZAAAAAEAAABAAAAAAAAAAAAAAAAAAAAAAAAAAAAAAAAAAAAAAAAAAAAAAAAAAAAAAAAAAAAAAAAAAAAAAAAAAAAAAAAAAAAAAAAAAAAAAAAAAAAAAAAAAAAAAAAAAAAAFAAAADwAAAAAAAAAAAAAAAAAAAkUAAAAAQAAABQAAAAUAAAAFAAAAAEAAAAAAAAAZAAAAGQAAAAAAAAAZAAAAGQAAAAVAAAAYAAAAAAAAAAAAAAADwAAACADAAAAAAAAAAAAAAEAAACgMgAAVgcAAKr4//8BAAAAf39/AAEAAABkAAAAAAAAABQAAABAHwAAAAAAACYAAAAAAAAAwOD//wAAAAAmAAAAZAAAABYAAABMAAAAAAAAAAAAAAAEAAAAAAAAAAEAAACAgIAKAAAAACgAAAAoAAAAZAAAAGQAAAAAAAAAzMzMAAAAAABQAAAAUAAAAGQAAABkAAAAAAAAABcAAAAUAAAAAAAAABcDAAD/fwAA/38AAAAAAAAJAAAABAAAAAAAAAAMAAAAEAAAAAAAAAAAAAAAAAAAAAAAAAAeAAAAaAAAAAAAAAAAAAAAAAAAAAAAAAAAAAAAECcAABAnAAAAAAAAAAAAAAAAAAAAAAAAAAAAAAAAAAAAAAAAAAAAABQAAAAAAAAAwMD/AAAAAABkAAAAMgAAAAAAAABkAAAAAAAAAH9/fwAKAAAAIgAAABgAAAAAAAAAAAAAAAAAAAAAAAAAAAAAAAAAAAAkAAAAJAAAAAAAAAAHAAAAAAAAAAAAAAAAAAAAAAAAAAAAAAAAAAAAf39/ACUAAABYAAAAAAAAAAAAAAAAAAAAAAAAAAAAAAAAAAAAAAAAAAAAAAAAAAAAAAAAAAAAAAA/AAAAAAAAAKCGAQAAAAAAAAAAAAAAAAAMAAAAAQAAAAAAAAAAAAAAAAAAAB8AAABUAAAAu+DjBf///wEAAAAAAAAAAAAAAAAAAAAAAAAAAAAAAAAAAAAAAAAAAAAAAAJ/f38AgICAA8zMzADAwP8Af39/AAAAAAAAAAAAAAAAAAAAAAAAAAAAIQAAABgAAAAUAAAAUAcAADASAAADTwAAGBUAABAgAAAmAAAACAAAAP//////////MAAAABQAAAAAAAAAAAD//wAAAQAAAP//AAABAA=="/>
               </a:ext>
             </a:extLst>
           </p:cNvSpPr>
@@ -4355,7 +4355,7 @@
           <a:lstStyle/>
           <a:p>
             <a:pPr>
-              <a:defRPr sz="2500" spc="3">
+              <a:defRPr sz="2500">
                 <a:latin typeface="Liberation Mono" pitchFamily="1" charset="0"/>
                 <a:ea typeface="Liberation Mono" pitchFamily="1" charset="0"/>
                 <a:cs typeface="Liberation Mono" pitchFamily="1" charset="0"/>
@@ -4405,7 +4405,7 @@
           <p:cNvSpPr>
             <a:extLst>
               <a:ext uri="smNativeData">
-                <pr:smNativeData xmlns:pr="smNativeData" xmlns="smNativeData" val="SMDATA_17_MUmAYRMAAAAlAAAAggAAAA8BAAAAkAAAAEgAAACQAAAASAAAAAAAAAAAAAAAAAAAAAEAAABQAAAAHoXrUbge5T8AAAAAAADgPwAAAAAAAOA/AAAAAAAA4D8AAAAAAADgPwAAAAAAAOA/AAAAAAAA4D8AAAAAAADgPwAAAAAAAOA/AAAAAAAA4D8CAAAAjAAAAAAAAAAAAAAAu+DjDP///wgAAAAAAAAAAAAAAAAAAAAAAAAAAAAAAAAAAAAAZAAAAAEAAABAAAAAAAAAAAAAAAAAAAAAAAAAAAAAAAAAAAAAAAAAAAAAAAAAAAAAAAAAAAAAAAAAAAAAAAAAAAAAAAAAAAAAAAAAAAAAAAAAAAAAAAAAAAAAAAAAAAAAFAAAADwAAAABAAAAAAAAAAAAAAkoAAAAAQAAABQAAAAUAAAAFAAAAAEAAAAAAAAAZAAAAGQAAAAAAAAAZAAAAGQAAAAVAAAAYAAAAAAAAAAAAAAADwAAACADAAAAAAAAAAAAAAEAAACgMgAAVgcAAKr4//8BAAAAf39/AAEAAABkAAAAAAAAABQAAABAHwAAAAAAACYAAAAAAAAAwOD//wAAAAAmAAAAZAAAABYAAABMAAAAAAAAAAAAAAAEAAAAAAAAAAEAAACAgIAKAAAAACgAAAAoAAAAZAAAAGQAAAAAAAAAzMzMAAAAAABQAAAAUAAAAGQAAABkAAAAAAAAABcAAAAUAAAAAAAAAAAAAAD/fwAA/38AAAAAAAAJAAAABAAAAFDVLAQMAAAAEAAAAAAAAAAAAAAAAAAAAAAAAAAeAAAAaAAAAAAAAAAAAAAAAAAAAAAAAAAAAAAAECcAABAnAAAAAAAAAAAAAAAAAAAAAAAAAAAAAAAAAAAAAAAAAAAAABQAAAAAAAAAwMD/AAAAAABkAAAAMgAAAAAAAABkAAAAAAAAAH9/fwAKAAAAIgAAABgAAAAAAAAAAAAAAAAAAAAAAAAAAAAAAAAAAAAkAAAAJAAAAAAAAAAHAAAAAAAAAAAAAAAAAAAAAAAAAAAAAAAAAAAAf39/ACUAAABYAAAAAAAAAAAAAAAAAAAAAAAAAAAAAAAAAAAAAAAAAAAAAAAAAAAAAAAAAAAAAAA/AAAAAAAAAKCGAQAAAAAAAAAAAAAAAAAMAAAAAQAAAAAAAAAAAAAAAAAAAB8AAABUAAAAu+DjBf///wEAAAAAAAAAAAAAAAAAAAAAAAAAAAAAAAAAAAAAAAAAAAAAAAJ/f38AgICAA8zMzADAwP8Af39/AAAAAAAAAAAAAAAAAAAAAAAAAAAAIQAAABgAAAAUAAAAzy4AABgVAACfOAAAaxYAABAAAAAmAAAACAAAAP//////////MAAAABQAAAAAAAAAAAD//wAAAQAAAP//AAABAA=="/>
+                <pr:smNativeData xmlns:pr="smNativeData" xmlns="smNativeData" val="SMDATA_17_WnaBYRMAAAAlAAAAggAAAA8BAAAAkAAAAEgAAACQAAAASAAAAAAAAAAAAAAAAAAAAAEAAABQAAAAHoXrUbge5T8AAAAAAADgPwAAAAAAAOA/AAAAAAAA4D8AAAAAAADgPwAAAAAAAOA/AAAAAAAA4D8AAAAAAADgPwAAAAAAAOA/AAAAAAAA4D8CAAAAjAAAAAAAAAAAAAAAu+DjDP///wgAAAAAAAAAAAAAAAAAAAAAAAAAAAAAAAAAAAAAZAAAAAEAAABAAAAAAAAAAAAAAAAAAAAAAAAAAAAAAAAAAAAAAAAAAAAAAAAAAAAAAAAAAAAAAAAAAAAAAAAAAAAAAAAAAAAAAAAAAAAAAAAAAAAAAAAAAAAAAAAAAAAAFAAAADwAAAABAAAAAAAAAAAAAAkoAAAAAQAAABQAAAAUAAAAFAAAAAEAAAAAAAAAZAAAAGQAAAAAAAAAZAAAAGQAAAAVAAAAYAAAAAAAAAAAAAAADwAAACADAAAAAAAAAAAAAAEAAACgMgAAVgcAAKr4//8BAAAAf39/AAEAAABkAAAAAAAAABQAAABAHwAAAAAAACYAAAAAAAAAwOD//wAAAAAmAAAAZAAAABYAAABMAAAAAAAAAAAAAAAEAAAAAAAAAAEAAACAgIAKAAAAACgAAAAoAAAAZAAAAGQAAAAAAAAAzMzMAAAAAABQAAAAUAAAAGQAAABkAAAAAAAAABcAAAAUAAAAAAAAAAAAAAD/fwAA/38AAAAAAAAJAAAABAAAAFDVLAQMAAAAEAAAAAAAAAAAAAAAAAAAAAAAAAAeAAAAaAAAAAAAAAAAAAAAAAAAAAAAAAAAAAAAECcAABAnAAAAAAAAAAAAAAAAAAAAAAAAAAAAAAAAAAAAAAAAAAAAABQAAAAAAAAAwMD/AAAAAABkAAAAMgAAAAAAAABkAAAAAAAAAH9/fwAKAAAAIgAAABgAAAAAAAAAAAAAAAAAAAAAAAAAAAAAAAAAAAAkAAAAJAAAAAAAAAAHAAAAAAAAAAAAAAAAAAAAAAAAAAAAAAAAAAAAf39/ACUAAABYAAAAAAAAAAAAAAAAAAAAAAAAAAAAAAAAAAAAAAAAAAAAAAAAAAAAAAAAAAAAAAA/AAAAAAAAAKCGAQAAAAAAAAAAAAAAAAAMAAAAAQAAAAAAAAAAAAAAAAAAAB8AAABUAAAAu+DjBf///wEAAAAAAAAAAAAAAAAAAAAAAAAAAAAAAAAAAAAAAAAAAAAAAAJ/f38AgICAA8zMzADAwP8Af39/AAAAAAAAAAAAAAAAAAAAAAAAAAAAIQAAABgAAAAUAAAAzy4AABgVAACfOAAAaxYAABAAAAAmAAAACAAAAP//////////MAAAABQAAAAAAAAAAAD//wAAAQAAAP//AAABAA=="/>
               </a:ext>
             </a:extLst>
           </p:cNvSpPr>
@@ -4441,7 +4441,7 @@
             <a:stCxn id="4" idx="1"/>
             <a:extLst>
               <a:ext uri="smNativeData">
-                <pr:smNativeData xmlns:pr="smNativeData" xmlns="smNativeData" val="SMDATA_17_MUmAYRMAAAAlAAAADgAAAA8BAAAAkAAAAEgAAACQAAAASAAAAAAAAAAAAAAAAAAAAAEAAABQAAAAAAAAAAAA4D8AAAAAAADgPwAAAAAAAOA/AAAAAAAA4D8AAAAAAADgPwAAAAAAAOA/AAAAAAAA4D8AAAAAAADgPwAAAAAAAOA/AAAAAAAA4D8CAAAAjAAAAAAAAAAAAAAAu+DjDP///wgAAAAAAAAAAAAAAAAAAAAAAAAAAAAAAAAAAAAAZAAAAAEAAABAAAAAAAAAAAAAAAAAAAAAAAAAAAAAAAAAAAAAAAAAAAAAAAAAAAAAAAAAAAAAAAAAAAAAAAAAAAAAAAAAAAAAAAAAAAAAAAAAAAAAAAAAAAAAAAAAAAAAFAAAADwAAAABAAAAAAAAAAAAAAkoAAAAAQAAABQAAAAUAAAAFAAAAAEAAAAAAAAAZAAAAGQAAAAAAAAAZAAAAGQAAAAVAAAAYAAAAAAAAAAAAAAADwAAACADAAAAAAAAAAAAAAEAAACgMgAAVgcAAKr4//8BAAAAf39/AAEAAABkAAAAAAAAABQAAABAHwAAAAAAACYAAAAAAAAAwOD//wAAAAAmAAAAZAAAABYAAABMAAAAAAAAAAAAAAAEAAAAAAAAAAEAAACAgIAKAAAAACgAAAAoAAAAZAAAAGQAAAAAAAAAzMzMAAAAAABQAAAAUAAAAGQAAABkAAAAAAAAABcAAAAUAAAAAAAAAAAAAAD/fwAA/38AAAAAAAAJAAAABAAAAHAP8wwMAAAAEAAAAAAAAAAAAAAAAAAAAAAAAAAeAAAAaAAAAAAAAAAAAAAAAAAAAAAAAAAAAAAAECcAABAnAAAAAAAAAAAAAAAAAAAAAAAAAAAAAAAAAAAAAAAAAAAAABQAAAAAAAAAwMD/AAAAAABkAAAAMgAAAAAAAABkAAAAAAAAAH9/fwAKAAAAIgAAABgAAAAAAAAAAAAAAAAAAAAAAAAAAAAAAAAAAAAkAAAAJAAAAAAAAAAHAAAAAAAAAAAAAAAAAAAAAAAAAAAAAAAAAAAAf39/ACUAAABYAAAAAAAAAAAAAAAAAAAAAAAAAAAAAAAAAAAAAAAAAAAAAAAAAAAAAAAAAAAAAAA/AAAAAAAAAKCGAQAAAAAAAAAAAAAAAAAMAAAAAQAAAAAAAAAAAAAAAAAAAB8AAABUAAAAu+DjBf///wEAAAAAAAAAAAAAAAAAAAAAAAAAAAAAAAAAAAAAAAAAAAAAAAJ/f38AgICAA8zMzADAwP8Af39/AAAAAAAAAAAAAAAAAAAAAAAAAAAAIQAAABgAAAAUAAAAtzMAAGsWAAC3MwAAURgAABAAAAAmAAAACAAAAP//////////MAAAABQAAAAAAAAAAAD//wAAAQAAAP//AAABAA=="/>
+                <pr:smNativeData xmlns:pr="smNativeData" xmlns="smNativeData" val="SMDATA_17_WnaBYRMAAAAlAAAADgAAAA8BAAAAkAAAAEgAAACQAAAASAAAAAAAAAAAAAAAAAAAAAEAAABQAAAAAAAAAAAA4D8AAAAAAADgPwAAAAAAAOA/AAAAAAAA4D8AAAAAAADgPwAAAAAAAOA/AAAAAAAA4D8AAAAAAADgPwAAAAAAAOA/AAAAAAAA4D8CAAAAjAAAAAAAAAAAAAAAu+DjDP///wgAAAAAAAAAAAAAAAAAAAAAAAAAAAAAAAAAAAAAZAAAAAEAAABAAAAAAAAAAAAAAAAAAAAAAAAAAAAAAAAAAAAAAAAAAAAAAAAAAAAAAAAAAAAAAAAAAAAAAAAAAAAAAAAAAAAAAAAAAAAAAAAAAAAAAAAAAAAAAAAAAAAAFAAAADwAAAABAAAAAAAAAAAAAAkoAAAAAQAAABQAAAAUAAAAFAAAAAEAAAAAAAAAZAAAAGQAAAAAAAAAZAAAAGQAAAAVAAAAYAAAAAAAAAAAAAAADwAAACADAAAAAAAAAAAAAAEAAACgMgAAVgcAAKr4//8BAAAAf39/AAEAAABkAAAAAAAAABQAAABAHwAAAAAAACYAAAAAAAAAwOD//wAAAAAmAAAAZAAAABYAAABMAAAAAAAAAAAAAAAEAAAAAAAAAAEAAACAgIAKAAAAACgAAAAoAAAAZAAAAGQAAAAAAAAAzMzMAAAAAABQAAAAUAAAAGQAAABkAAAAAAAAABcAAAAUAAAAAAAAAAAAAAD/fwAA/38AAAAAAAAJAAAABAAAAHAP8wwMAAAAEAAAAAAAAAAAAAAAAAAAAAAAAAAeAAAAaAAAAAAAAAAAAAAAAAAAAAAAAAAAAAAAECcAABAnAAAAAAAAAAAAAAAAAAAAAAAAAAAAAAAAAAAAAAAAAAAAABQAAAAAAAAAwMD/AAAAAABkAAAAMgAAAAAAAABkAAAAAAAAAH9/fwAKAAAAIgAAABgAAAAAAAAAAAAAAAAAAAAAAAAAAAAAAAAAAAAkAAAAJAAAAAAAAAAHAAAAAAAAAAAAAAAAAAAAAAAAAAAAAAAAAAAAf39/ACUAAABYAAAAAAAAAAAAAAAAAAAAAAAAAAAAAAAAAAAAAAAAAAAAAAAAAAAAAAAAAAAAAAA/AAAAAAAAAKCGAQAAAAAAAAAAAAAAAAAMAAAAAQAAAAAAAAAAAAAAAAAAAB8AAABUAAAAu+DjBf///wEAAAAAAAAAAAAAAAAAAAAAAAAAAAAAAAAAAAAAAAAAAAAAAAJ/f38AgICAA8zMzADAwP8Af39/AAAAAAAAAAAAAAAAAAAAAAAAAAAAIQAAABgAAAAUAAAArTMAAGsWAAC3MwAAWxgAABAAAAAmAAAACAAAAP//////////MAAAABQAAAAAAAAAAAD//wAAAQAAAP//AAABAA=="/>
               </a:ext>
             </a:extLst>
           </p:cNvCxnSpPr>
@@ -4449,8 +4449,8 @@
         </p:nvCxnSpPr>
         <p:spPr>
           <a:xfrm rot="5400000">
-            <a:off x="8252460" y="3798570"/>
-            <a:ext cx="308610" cy="12700"/>
+            <a:off x="8246110" y="3798570"/>
+            <a:ext cx="314960" cy="6350"/>
           </a:xfrm>
           <a:prstGeom prst="bentConnector2">
             <a:avLst/>
@@ -4473,7 +4473,7 @@
           <p:cNvSpPr txBox="1">
             <a:extLst>
               <a:ext uri="smNativeData">
-                <pr:smNativeData xmlns:pr="smNativeData" xmlns="smNativeData" val="SMDATA_17_MUmAYRMAAAAlAAAAEgAAAE8BAAAAkAAAAEgAAACQAAAASAAAAAAAAAAAAAAAAAAAAAEAAABQAAAAAAAAAAAA4D8AAAAAAADgPwAAAAAAAOA/AAAAAAAA4D8AAAAAAADgPwAAAAAAAOA/AAAAAAAA4D8AAAAAAADgPwAAAAAAAOA/AAAAAAAA4D8CAAAAjAAAAAAAAAAAAAAAu+DjDP///wgAAAAAAAAAAAAAAAAAAAAAAAAAAAAAAAAAAAAAZAAAAAEAAABAAAAAAAAAAAAAAAAAAAAAAAAAAAAAAAAAAAAAAAAAAAAAAAAAAAAAAAAAAAAAAAAAAAAAAAAAAAAAAAAAAAAAAAAAAAAAAAAAAAAAAAAAAAAAAAAAAAAAFAAAADwAAAAAAAAAAAAAAAAAAAkUAAAAAQAAABQAAAAUAAAAFAAAAAEAAAAAAAAAZAAAAGQAAAAAAAAAZAAAAGQAAAAVAAAAYAAAAAAAAAAAAAAADwAAACADAAAAAAAAAAAAAAEAAACgMgAAVgcAAKr4//8BAAAAf39/AAEAAABkAAAAAAAAABQAAABAHwAAAAAAACYAAAAAAAAAwOD//wAAAAAmAAAAZAAAABYAAABMAAAAAAAAAAAAAAAEAAAAAAAAAAEAAACAgIAKAAAAACgAAAAoAAAAZAAAAGQAAAAAAAAAzMzMAAAAAABQAAAAUAAAAGQAAABkAAAAAAAAABcAAAAUAAAAAAAAAMQBAAD/fwAA/38AAAAAAAAJAAAABAAAAAAAAAAMAAAAEAAAAAAAAAAAAAAAAAAAAAAAAAAeAAAAaAAAAAAAAAAAAAAAAAAAAAAAAAAAAAAAECcAABAnAAAAAAAAAAAAAAAAAAAAAAAAAAAAAAAAAAAAAAAAAAAAABQAAAAAAAAAwMD/AAAAAABkAAAAMgAAAAAAAABkAAAAAAAAAH9/fwAKAAAAIgAAABgAAAAAAAAAAAAAAAAAAAAAAAAAAAAAAAAAAAAkAAAAJAAAAAAAAAAHAAAAAAAAAAAAAAAAAAAAAAAAAAAAAAAAAAAAf39/ACUAAABYAAAAAAAAAAAAAAAAAAAAAAAAAAAAAAAAAAAAAAAAAAAAAAAAAAAAAAAAAAAAAAA/AAAAAAAAAKCGAQAAAAAAAAAAAAAAAAAMAAAAAQAAAAAAAAAAAAAAAAAAAB8AAABUAAAAu+DjBf///wEAAAAAAAAAAAAAAAAAAAAAAAAAAAAAAAAAAAAAAAAAAAAAAAJ/f38AgICAA8zMzADAwP8Af39/AAAAAAAAAAAAAAAAAAAAAAAAAAAAIQAAABgAAAAUAAAA2jUAAOkWAACCRwAA0RkAABAgAAAmAAAACAAAAP//////////MAAAABQAAAAAAAAAAAD//wAAAQAAAP//AAABAA=="/>
+                <pr:smNativeData xmlns:pr="smNativeData" xmlns="smNativeData" val="SMDATA_17_WnaBYRMAAAAlAAAAEgAAAE8BAAAAkAAAAEgAAACQAAAASAAAAAAAAAAAAAAAAAAAAAEAAABQAAAAAAAAAAAA4D8AAAAAAADgPwAAAAAAAOA/AAAAAAAA4D8AAAAAAADgPwAAAAAAAOA/AAAAAAAA4D8AAAAAAADgPwAAAAAAAOA/AAAAAAAA4D8CAAAAjAAAAAAAAAAAAAAAu+DjDP///wgAAAAAAAAAAAAAAAAAAAAAAAAAAAAAAAAAAAAAZAAAAAEAAABAAAAAAAAAAAAAAAAAAAAAAAAAAAAAAAAAAAAAAAAAAAAAAAAAAAAAAAAAAAAAAAAAAAAAAAAAAAAAAAAAAAAAAAAAAAAAAAAAAAAAAAAAAAAAAAAAAAAAFAAAADwAAAAAAAAAAAAAAAAAAAkUAAAAAQAAABQAAAAUAAAAFAAAAAEAAAAAAAAAZAAAAGQAAAAAAAAAZAAAAGQAAAAVAAAAYAAAAAAAAAAAAAAADwAAACADAAAAAAAAAAAAAAEAAACgMgAAVgcAAKr4//8BAAAAf39/AAEAAABkAAAAAAAAABQAAABAHwAAAAAAACYAAAAAAAAAwOD//wAAAAAmAAAAZAAAABYAAABMAAAAAAAAAAAAAAAEAAAAAAAAAAEAAACAgIAKAAAAACgAAAAoAAAAZAAAAGQAAAAAAAAAzMzMAAAAAABQAAAAUAAAAGQAAABkAAAAAAAAABcAAAAUAAAAAAAAAMQBAAD/fwAA/38AAAAAAAAJAAAABAAAAAAAAAAMAAAAEAAAAAAAAAAAAAAAAAAAAAAAAAAeAAAAaAAAAAAAAAAAAAAAAAAAAAAAAAAAAAAAECcAABAnAAAAAAAAAAAAAAAAAAAAAAAAAAAAAAAAAAAAAAAAAAAAABQAAAAAAAAAwMD/AAAAAABkAAAAMgAAAAAAAABkAAAAAAAAAH9/fwAKAAAAIgAAABgAAAAAAAAAAAAAAAAAAAAAAAAAAAAAAAAAAAAkAAAAJAAAAAAAAAAHAAAAAAAAAAAAAAAAAAAAAAAAAAAAAAAAAAAAf39/ACUAAABYAAAAAAAAAAAAAAAAAAAAAAAAAAAAAAAAAAAAAAAAAAAAAAAAAAAAAAAAAAAAAAA/AAAAAAAAAKCGAQAAAAAAAAAAAAAAAAAMAAAAAQAAAAAAAAAAAAAAAAAAAB8AAABUAAAAu+DjBf///wEAAAAAAAAAAAAAAAAAAAAAAAAAAAAAAAAAAAAAAAAAAAAAAAJ/f38AgICAA8zMzADAwP8Af39/AAAAAAAAAAAAAAAAAAAAAAAAAAAAIQAAABgAAAAUAAAA2jUAAOkWAACCRwAA0RkAABAgAAAmAAAACAAAAP//////////MAAAABQAAAAAAAAAAAD//wAAAQAAAP//AAABAA=="/>
               </a:ext>
             </a:extLst>
           </p:cNvSpPr>
@@ -4524,7 +4524,7 @@
           <p:cNvSpPr txBox="1">
             <a:extLst>
               <a:ext uri="smNativeData">
-                <pr:smNativeData xmlns:pr="smNativeData" xmlns="smNativeData" val="SMDATA_17_MUmAYRMAAAAlAAAAEgAAAE8BAAAAkAAAAEgAAACQAAAASAAAAAAAAAAAAAAAAAAAAAEAAABQAAAAAAAAAAAA4D8AAAAAAADgPwAAAAAAAOA/AAAAAAAA4D8AAAAAAADgPwAAAAAAAOA/AAAAAAAA4D8AAAAAAADgPwAAAAAAAOA/AAAAAAAA4D8CAAAAjAAAAAAAAAAAAAAAu+DjDP///wgAAAAAAAAAAAAAAAAAAAAAAAAAAAAAAAAAAAAAZAAAAAEAAABAAAAAAAAAAAAAAAAAAAAAAAAAAAAAAAAAAAAAAAAAAAAAAAAAAAAAAAAAAAAAAAAAAAAAAAAAAAAAAAAAAAAAAAAAAAAAAAAAAAAAAAAAAAAAAAAAAAAAFAAAADwAAAAAAAAAAAAAAAAAAAkUAAAAAQAAABQAAAAUAAAAFAAAAAEAAAAAAAAAZAAAAGQAAAAAAAAAZAAAAGQAAAAVAAAAYAAAAAAAAAAAAAAADwAAACADAAAAAAAAAAAAAAEAAACgMgAAVgcAAKr4//8BAAAAf39/AAEAAABkAAAAAAAAABQAAABAHwAAAAAAACYAAAAAAAAAwOD//wAAAAAmAAAAZAAAABYAAABMAAAAAAAAAAAAAAAEAAAAAAAAAAEAAACAgIAKAAAAACgAAAAoAAAAZAAAAGQAAAAAAAAAzMzMAAAAAABQAAAAUAAAAGQAAABkAAAAAAAAABcAAAAUAAAAAAAAAMQBAAD/fwAA/38AAAAAAAAJAAAABAAAAMBAHLgMAAAAEAAAAAAAAAAAAAAAAAAAAAAAAAAeAAAAaAAAAAAAAAAAAAAAAAAAAAAAAAAAAAAAECcAABAnAAAAAAAAAAAAAAAAAAAAAAAAAAAAAAAAAAAAAAAAAAAAABQAAAAAAAAAwMD/AAAAAABkAAAAMgAAAAAAAABkAAAAAAAAAH9/fwAKAAAAIgAAABgAAAAAAAAAAAAAAAAAAAAAAAAAAAAAAAAAAAAkAAAAJAAAAAAAAAAHAAAAAAAAAAAAAAAAAAAAAAAAAAAAAAAAAAAAf39/ACUAAABYAAAAAAAAAAAAAAAAAAAAAAAAAAAAAAAAAAAAAAAAAAAAAAAAAAAAAAAAAAAAAAA/AAAAAAAAAKCGAQAAAAAAAAAAAAAAAAAMAAAAAQAAAAAAAAAAAAAAAAAAAB8AAABUAAAAu+DjBf///wEAAAAAAAAAAAAAAAAAAAAAAAAAAAAAAAAAAAAAAAAAAAAAAAJ/f38AgICAA8zMzADAwP8Af39/AAAAAAAAAAAAAAAAAAAAAAAAAAAAIQAAABgAAAAUAAAApTMAACQbAACwSQAAFB8AABAgAAAmAAAACAAAAP//////////MAAAABQAAAAAAAAAAAD//wAAAQAAAP//AAABAA=="/>
+                <pr:smNativeData xmlns:pr="smNativeData" xmlns="smNativeData" val="SMDATA_17_WnaBYRMAAAAlAAAAEgAAAE8BAAAAkAAAAEgAAACQAAAASAAAAAAAAAAAAAAAAAAAAAEAAABQAAAAAAAAAAAA4D8AAAAAAADgPwAAAAAAAOA/AAAAAAAA4D8AAAAAAADgPwAAAAAAAOA/AAAAAAAA4D8AAAAAAADgPwAAAAAAAOA/AAAAAAAA4D8CAAAAjAAAAAAAAAAAAAAAu+DjDP///wgAAAAAAAAAAAAAAAAAAAAAAAAAAAAAAAAAAAAAZAAAAAEAAABAAAAAAAAAAAAAAAAAAAAAAAAAAAAAAAAAAAAAAAAAAAAAAAAAAAAAAAAAAAAAAAAAAAAAAAAAAAAAAAAAAAAAAAAAAAAAAAAAAAAAAAAAAAAAAAAAAAAAFAAAADwAAAAAAAAAAAAAAAAAAAkUAAAAAQAAABQAAAAUAAAAFAAAAAEAAAAAAAAAZAAAAGQAAAAAAAAAZAAAAGQAAAAVAAAAYAAAAAAAAAAAAAAADwAAACADAAAAAAAAAAAAAAEAAACgMgAAVgcAAKr4//8BAAAAf39/AAEAAABkAAAAAAAAABQAAABAHwAAAAAAACYAAAAAAAAAwOD//wAAAAAmAAAAZAAAABYAAABMAAAAAAAAAAAAAAAEAAAAAAAAAAEAAACAgIAKAAAAACgAAAAoAAAAZAAAAGQAAAAAAAAAzMzMAAAAAABQAAAAUAAAAGQAAABkAAAAAAAAABcAAAAUAAAAAAAAAMQBAAD/fwAA/38AAAAAAAAJAAAABAAAAMBAHLgMAAAAEAAAAAAAAAAAAAAAAAAAAAAAAAAeAAAAaAAAAAAAAAAAAAAAAAAAAAAAAAAAAAAAECcAABAnAAAAAAAAAAAAAAAAAAAAAAAAAAAAAAAAAAAAAAAAAAAAABQAAAAAAAAAwMD/AAAAAABkAAAAMgAAAAAAAABkAAAAAAAAAH9/fwAKAAAAIgAAABgAAAAAAAAAAAAAAAAAAAAAAAAAAAAAAAAAAAAkAAAAJAAAAAAAAAAHAAAAAAAAAAAAAAAAAAAAAAAAAAAAAAAAAAAAf39/ACUAAABYAAAAAAAAAAAAAAAAAAAAAAAAAAAAAAAAAAAAAAAAAAAAAAAAAAAAAAAAAAAAAAA/AAAAAAAAAKCGAQAAAAAAAAAAAAAAAAAMAAAAAQAAAAAAAAAAAAAAAAAAAB8AAABUAAAAu+DjBf///wEAAAAAAAAAAAAAAAAAAAAAAAAAAAAAAAAAAAAAAAAAAAAAAAJ/f38AgICAA8zMzADAwP8Af39/AAAAAAAAAAAAAAAAAAAAAAAAAAAAIQAAABgAAAAUAAAApTMAACQbAACwSQAAFB8AABAgAAAmAAAACAAAAP//////////MAAAABQAAAAAAAAAAAD//wAAAQAAAP//AAABAA=="/>
               </a:ext>
             </a:extLst>
           </p:cNvSpPr>
@@ -4567,7 +4567,7 @@
           <p:cNvSpPr>
             <a:extLst>
               <a:ext uri="smNativeData">
-                <pr:smNativeData xmlns:pr="smNativeData" xmlns="smNativeData" val="SMDATA_17_MUmAYRMAAAAlAAAAggAAAA8BAAAAkAAAAEgAAACQAAAASAAAAAAAAAAAAAAAAAAAAAEAAABQAAAAND1GVkzU6D8AAAAAAADgPwAAAAAAAOA/AAAAAAAA4D8AAAAAAADgPwAAAAAAAOA/AAAAAAAA4D8AAAAAAADgPwAAAAAAAOA/AAAAAAAA4D8CAAAAjAAAAAAAAAAAAAAAu+DjDP///wgAAAAAAAAAAAAAAAAAAAAAAAAAAAAAAAAAAAAAZAAAAAEAAABAAAAAAAAAAAAAAAAAAAAAAAAAAAAAAAAAAAAAAAAAAAAAAAAAAAAAAAAAAAAAAAAAAAAAAAAAAAAAAAAAAAAAAAAAAAAAAAAAAAAAAAAAAAAAAAAAAAAAFAAAADwAAAABAAAAAAAAAAAAAAkoAAAAAQAAABQAAAAUAAAAFAAAAAEAAAAAAAAAZAAAAGQAAAAAAAAAZAAAAGQAAAAVAAAAYAAAAAAAAAAAAAAADwAAACADAAAAAAAAAAAAAAEAAACgMgAAVgcAAKr4//8BAAAAf39/AAEAAABkAAAAAAAAABQAAABAHwAAAAAAACYAAAAAAAAAwOD//wAAAAAmAAAAZAAAABYAAABMAAAAAAAAAAAAAAAEAAAAAAAAAAEAAACAgIAKAAAAACgAAAAoAAAAZAAAAGQAAAAAAAAAzMzMAAAAAABQAAAAUAAAAGQAAABkAAAAAAAAABcAAAAUAAAAAAAAAAAAAAD/fwAA/38AAAAAAAAJAAAABAAAADUwIiAMAAAAEAAAAAAAAAAAAAAAAAAAAAAAAAAeAAAAaAAAAAAAAAAAAAAAAAAAAAAAAAAAAAAAECcAABAnAAAAAAAAAAAAAAAAAAAAAAAAAAAAAAAAAAAAAAAAAAAAABQAAAAAAAAAwMD/AAAAAABkAAAAMgAAAAAAAABkAAAAAAAAAH9/fwAKAAAAIgAAABgAAAAAAAAAAAAAAAAAAAAAAAAAAAAAAAAAAAAkAAAAJAAAAAAAAAAHAAAAAAAAAAAAAAAAAAAAAAAAAAAAAAAAAAAAf39/ACUAAABYAAAAAAAAAAAAAAAAAAAAAAAAAAAAAAAAAAAAAAAAAAAAAAAAAAAAAAAAAAAAAAA/AAAAAAAAAKCGAQAAAAAAAAAAAAAAAAAMAAAAAQAAAAAAAAAAAAAAAAAAAB8AAABUAAAAu+DjBf///wEAAAAAAAAAAAAAAAAAAAAAAAAAAAAAAAAAAAAAAAAAAAAAAAJ/f38AgICAA8zMzADAwP8Af39/AAAAAAAAAAAAAAAAAAAAAAAAAAAAIQAAABgAAAAUAAAA2jUAANEZAABvRQAAJBsAABAAAAAmAAAACAAAAP//////////MAAAABQAAAAAAAAAAAD//wAAAQAAAP//AAABAA=="/>
+                <pr:smNativeData xmlns:pr="smNativeData" xmlns="smNativeData" val="SMDATA_17_WnaBYRMAAAAlAAAAggAAAA8BAAAAkAAAAEgAAACQAAAASAAAAAAAAAAAAAAAAAAAAAEAAABQAAAAND1GVkzU6D8AAAAAAADgPwAAAAAAAOA/AAAAAAAA4D8AAAAAAADgPwAAAAAAAOA/AAAAAAAA4D8AAAAAAADgPwAAAAAAAOA/AAAAAAAA4D8CAAAAjAAAAAAAAAAAAAAAu+DjDP///wgAAAAAAAAAAAAAAAAAAAAAAAAAAAAAAAAAAAAAZAAAAAEAAABAAAAAAAAAAAAAAAAAAAAAAAAAAAAAAAAAAAAAAAAAAAAAAAAAAAAAAAAAAAAAAAAAAAAAAAAAAAAAAAAAAAAAAAAAAAAAAAAAAAAAAAAAAAAAAAAAAAAAFAAAADwAAAABAAAAAAAAAAAAAAkoAAAAAQAAABQAAAAUAAAAFAAAAAEAAAAAAAAAZAAAAGQAAAAAAAAAZAAAAGQAAAAVAAAAYAAAAAAAAAAAAAAADwAAACADAAAAAAAAAAAAAAEAAACgMgAAVgcAAKr4//8BAAAAf39/AAEAAABkAAAAAAAAABQAAABAHwAAAAAAACYAAAAAAAAAwOD//wAAAAAmAAAAZAAAABYAAABMAAAAAAAAAAAAAAAEAAAAAAAAAAEAAACAgIAKAAAAACgAAAAoAAAAZAAAAGQAAAAAAAAAzMzMAAAAAABQAAAAUAAAAGQAAABkAAAAAAAAABcAAAAUAAAAAAAAAAAAAAD/fwAA/38AAAAAAAAJAAAABAAAADUwIiAMAAAAEAAAAAAAAAAAAAAAAAAAAAAAAAAeAAAAaAAAAAAAAAAAAAAAAAAAAAAAAAAAAAAAECcAABAnAAAAAAAAAAAAAAAAAAAAAAAAAAAAAAAAAAAAAAAAAAAAABQAAAAAAAAAwMD/AAAAAABkAAAAMgAAAAAAAABkAAAAAAAAAH9/fwAKAAAAIgAAABgAAAAAAAAAAAAAAAAAAAAAAAAAAAAAAAAAAAAkAAAAJAAAAAAAAAAHAAAAAAAAAAAAAAAAAAAAAAAAAAAAAAAAAAAAf39/ACUAAABYAAAAAAAAAAAAAAAAAAAAAAAAAAAAAAAAAAAAAAAAAAAAAAAAAAAAAAAAAAAAAAA/AAAAAAAAAKCGAQAAAAAAAAAAAAAAAAAMAAAAAQAAAAAAAAAAAAAAAAAAAB8AAABUAAAAu+DjBf///wEAAAAAAAAAAAAAAAAAAAAAAAAAAAAAAAAAAAAAAAAAAAAAAAJ/f38AgICAA8zMzADAwP8Af39/AAAAAAAAAAAAAAAAAAAAAAAAAAAAIQAAABgAAAAUAAAA2jUAANEZAABvRQAAJBsAABAAAAAmAAAACAAAAP//////////MAAAABQAAAAAAAAAAAD//wAAAQAAAP//AAABAA=="/>
               </a:ext>
             </a:extLst>
           </p:cNvSpPr>
@@ -4602,7 +4602,7 @@
           <p:cNvSpPr>
             <a:extLst>
               <a:ext uri="smNativeData">
-                <pr:smNativeData xmlns:pr="smNativeData" xmlns="smNativeData" val="SMDATA_17_MUmAYRMAAAAlAAAAggAAAA8BAAAAkAAAAEgAAACQAAAASAAAAAAAAAAAAAAAAAAAAAEAAABQAAAAHoXrUbge5T8AAAAAAADgPwAAAAAAAOA/AAAAAAAA4D8AAAAAAADgPwAAAAAAAOA/AAAAAAAA4D8AAAAAAADgPwAAAAAAAOA/AAAAAAAA4D8CAAAAjAAAAAAAAAAAAAAAu+DjDP///wgAAAAAAAAAAAAAAAAAAAAAAAAAAAAAAAAAAAAAZAAAAAEAAABAAAAAAAAAAAAAAAAAAAAAAAAAAAAAAAAAAAAAAAAAAAAAAAAAAAAAAAAAAAAAAAAAAAAAAAAAAAAAAAAAAAAAAAAAAAAAAAAAAAAAAAAAAAAAAAAAAAAAFAAAADwAAAABAAAAAAAAAAAAAAkoAAAAAQAAABQAAAAUAAAAFAAAAAEAAAAAAAAAZAAAAGQAAAAAAAAAZAAAAGQAAAAVAAAAYAAAAAAAAAAAAAAADwAAACADAAAAAAAAAAAAAAEAAACgMgAAVgcAAKr4//8BAAAAf39/AAEAAABkAAAAAAAAABQAAABAHwAAAAAAACYAAAAAAAAAwOD//wAAAAAmAAAAZAAAABYAAABMAAAAAAAAAAAAAAAEAAAAAAAAAAEAAACAgIAKAAAAACgAAAAoAAAAZAAAAGQAAAAAAAAAzMzMAAAAAABQAAAAUAAAAGQAAABkAAAAAAAAABcAAAAUAAAAAAAAAAAAAAD/fwAA/38AAAAAAAAJAAAABAAAAAAAAAAMAAAAEAAAAAAAAAAAAAAAAAAAAAAAAAAeAAAAaAAAAAAAAAAAAAAAAAAAAAAAAAAAAAAAECcAABAnAAAAAAAAAAAAAAAAAAAAAAAAAAAAAAAAAAAAAAAAAAAAABQAAAAAAAAAwMD/AAAAAABkAAAAMgAAAAAAAABkAAAAAAAAAH9/fwAKAAAAIgAAABgAAAAAAAAAAAAAAAAAAAAAAAAAAAAAAAAAAAAkAAAAJAAAAAAAAAAHAAAAAAAAAAAAAAAAAAAAAAAAAAAAAAAAAAAAf39/ACUAAABYAAAAAAAAAAAAAAAAAAAAAAAAAAAAAAAAAAAAAAAAAAAAAAAAAAAAAAAAAAAAAAA/AAAAAAAAAKCGAQAAAAAAAAAAAAAAAAAMAAAAAQAAAAAAAAAAAAAAAAAAAB8AAABUAAAAu+DjBf///wEAAAAAAAAAAAAAAAAAAAAAAAAAAAAAAAAAAAAAAAAAAAAAAAJ/f38AgICAA8zMzADAwP8Af39/AAAAAAAAAAAAAAAAAAAAAAAAAAAAIQAAABgAAAAUAAAAoCIAABgVAACpLQAAaxYAABAAAAAmAAAACAAAAP//////////MAAAABQAAAAAAAAAAAD//wAAAQAAAP//AAABAA=="/>
+                <pr:smNativeData xmlns:pr="smNativeData" xmlns="smNativeData" val="SMDATA_17_WnaBYRMAAAAlAAAAggAAAA8BAAAAkAAAAEgAAACQAAAASAAAAAAAAAAAAAAAAAAAAAEAAABQAAAAHoXrUbge5T8AAAAAAADgPwAAAAAAAOA/AAAAAAAA4D8AAAAAAADgPwAAAAAAAOA/AAAAAAAA4D8AAAAAAADgPwAAAAAAAOA/AAAAAAAA4D8CAAAAjAAAAAAAAAAAAAAAu+DjDP///wgAAAAAAAAAAAAAAAAAAAAAAAAAAAAAAAAAAAAAZAAAAAEAAABAAAAAAAAAAAAAAAAAAAAAAAAAAAAAAAAAAAAAAAAAAAAAAAAAAAAAAAAAAAAAAAAAAAAAAAAAAAAAAAAAAAAAAAAAAAAAAAAAAAAAAAAAAAAAAAAAAAAAFAAAADwAAAABAAAAAAAAAAAAAAkoAAAAAQAAABQAAAAUAAAAFAAAAAEAAAAAAAAAZAAAAGQAAAAAAAAAZAAAAGQAAAAVAAAAYAAAAAAAAAAAAAAADwAAACADAAAAAAAAAAAAAAEAAACgMgAAVgcAAKr4//8BAAAAf39/AAEAAABkAAAAAAAAABQAAABAHwAAAAAAACYAAAAAAAAAwOD//wAAAAAmAAAAZAAAABYAAABMAAAAAAAAAAAAAAAEAAAAAAAAAAEAAACAgIAKAAAAACgAAAAoAAAAZAAAAGQAAAAAAAAAzMzMAAAAAABQAAAAUAAAAGQAAABkAAAAAAAAABcAAAAUAAAAAAAAAAAAAAD/fwAA/38AAAAAAAAJAAAABAAAAAAAAAAMAAAAEAAAAAAAAAAAAAAAAAAAAAAAAAAeAAAAaAAAAAAAAAAAAAAAAAAAAAAAAAAAAAAAECcAABAnAAAAAAAAAAAAAAAAAAAAAAAAAAAAAAAAAAAAAAAAAAAAABQAAAAAAAAAwMD/AAAAAABkAAAAMgAAAAAAAABkAAAAAAAAAH9/fwAKAAAAIgAAABgAAAAAAAAAAAAAAAAAAAAAAAAAAAAAAAAAAAAkAAAAJAAAAAAAAAAHAAAAAAAAAAAAAAAAAAAAAAAAAAAAAAAAAAAAf39/ACUAAABYAAAAAAAAAAAAAAAAAAAAAAAAAAAAAAAAAAAAAAAAAAAAAAAAAAAAAAAAAAAAAAA/AAAAAAAAAKCGAQAAAAAAAAAAAAAAAAAMAAAAAQAAAAAAAAAAAAAAAAAAAB8AAABUAAAAu+DjBf///wEAAAAAAAAAAAAAAAAAAAAAAAAAAAAAAAAAAAAAAAAAAAAAAAJ/f38AgICAA8zMzADAwP8Af39/AAAAAAAAAAAAAAAAAAAAAAAAAAAAIQAAABgAAAAUAAAAoCIAABgVAACpLQAAaxYAABAAAAAmAAAACAAAAP//////////MAAAABQAAAAAAAAAAAD//wAAAQAAAP//AAABAA=="/>
               </a:ext>
             </a:extLst>
           </p:cNvSpPr>
@@ -4637,7 +4637,7 @@
           <p:cNvSpPr txBox="1">
             <a:extLst>
               <a:ext uri="smNativeData">
-                <pr:smNativeData xmlns:pr="smNativeData" xmlns="smNativeData" val="SMDATA_17_MUmAYRMAAAAlAAAAEgAAAE8BAAAAkAAAAEgAAACQAAAASAAAAAAAAAAAAAAAAAAAAAEAAABQAAAAAAAAAAAA4D8AAAAAAADgPwAAAAAAAOA/AAAAAAAA4D8AAAAAAADgPwAAAAAAAOA/AAAAAAAA4D8AAAAAAADgPwAAAAAAAOA/AAAAAAAA4D8CAAAAjAAAAAAAAAAAAAAAu+DjDP///wgAAAAAAAAAAAAAAAAAAAAAAAAAAAAAAAAAAAAAZAAAAAEAAABAAAAAAAAAAAAAAAAAAAAAAAAAAAAAAAAAAAAAAAAAAAAAAAAAAAAAAAAAAAAAAAAAAAAAAAAAAAAAAAAAAAAAAAAAAAAAAAAAAAAAAAAAAAAAAAAAAAAAFAAAADwAAAAAAAAAAAAAAAAAAAkUAAAAAQAAABQAAAAUAAAAFAAAAAEAAAAAAAAAZAAAAGQAAAAAAAAAZAAAAGQAAAAVAAAAYAAAAAAAAAAAAAAADwAAACADAAAAAAAAAAAAAAEAAACgMgAAVgcAAKr4//8BAAAAf39/AAEAAABkAAAAAAAAABQAAABAHwAAAAAAACYAAAAAAAAAwOD//wAAAAAmAAAAZAAAABYAAABMAAAAAAAAAAAAAAAEAAAAAAAAAAEAAACAgIAKAAAAACgAAAAoAAAAZAAAAGQAAAAAAAAAzMzMAAAAAABQAAAAUAAAAGQAAABkAAAAAAAAABcAAAAUAAAAAAAAAMQBAAD/fwAA/38AAAAAAAAJAAAABAAAAAAtAAAMAAAAEAAAAAAAAAAAAAAAAAAAAAAAAAAeAAAAaAAAAAAAAAAAAAAAAAAAAAAAAAAAAAAAECcAABAnAAAAAAAAAAAAAAAAAAAAAAAAAAAAAAAAAAAAAAAAAAAAABQAAAAAAAAAwMD/AAAAAABkAAAAMgAAAAAAAABkAAAAAAAAAH9/fwAKAAAAIgAAABgAAAAAAAAAAAAAAAAAAAAAAAAAAAAAAAAAAAAkAAAAJAAAAAAAAAAHAAAAAAAAAAAAAAAAAAAAAAAAAAAAAAAAAAAAf39/ACUAAABYAAAAAAAAAAAAAAAAAAAAAAAAAAAAAAAAAAAAAAAAAAAAAAAAAAAAAAAAAAAAAAA/AAAAAAAAAKCGAQAAAAAAAAAAAAAAAAAMAAAAAQAAAAAAAAAAAAAAAAAAAB8AAABUAAAAu+DjBf///wEAAAAAAAAAAAAAAAAAAAAAAAAAAAAAAAAAAAAAAAAAAAAAAAJ/f38AgICAA8zMzADAwP8Af39/AAAAAAAAAAAAAAAAAAAAAAAAAAAAIQAAABgAAAAUAAAAYCoAAIYfAAAfPwAAbiIAABAgAAAmAAAACAAAAP//////////MAAAABQAAAAAAAAAAAD//wAAAQAAAP//AAABAA=="/>
+                <pr:smNativeData xmlns:pr="smNativeData" xmlns="smNativeData" val="SMDATA_17_WnaBYRMAAAAlAAAAEgAAAE8BAAAAkAAAAEgAAACQAAAASAAAAAAAAAAAAAAAAAAAAAEAAABQAAAAAAAAAAAA4D8AAAAAAADgPwAAAAAAAOA/AAAAAAAA4D8AAAAAAADgPwAAAAAAAOA/AAAAAAAA4D8AAAAAAADgPwAAAAAAAOA/AAAAAAAA4D8CAAAAjAAAAAAAAAAAAAAAu+DjDP///wgAAAAAAAAAAAAAAAAAAAAAAAAAAAAAAAAAAAAAZAAAAAEAAABAAAAAAAAAAAAAAAAAAAAAAAAAAAAAAAAAAAAAAAAAAAAAAAAAAAAAAAAAAAAAAAAAAAAAAAAAAAAAAAAAAAAAAAAAAAAAAAAAAAAAAAAAAAAAAAAAAAAAFAAAADwAAAAAAAAAAAAAAAAAAAkUAAAAAQAAABQAAAAUAAAAFAAAAAEAAAAAAAAAZAAAAGQAAAAAAAAAZAAAAGQAAAAVAAAAYAAAAAAAAAAAAAAADwAAACADAAAAAAAAAAAAAAEAAACgMgAAVgcAAKr4//8BAAAAf39/AAEAAABkAAAAAAAAABQAAABAHwAAAAAAACYAAAAAAAAAwOD//wAAAAAmAAAAZAAAABYAAABMAAAAAAAAAAAAAAAEAAAAAAAAAAEAAACAgIAKAAAAACgAAAAoAAAAZAAAAGQAAAAAAAAAzMzMAAAAAABQAAAAUAAAAGQAAABkAAAAAAAAABcAAAAUAAAAAAAAAMQBAAD/fwAA/38AAAAAAAAJAAAABAAAAAAtAAAMAAAAEAAAAAAAAAAAAAAAAAAAAAAAAAAeAAAAaAAAAAAAAAAAAAAAAAAAAAAAAAAAAAAAECcAABAnAAAAAAAAAAAAAAAAAAAAAAAAAAAAAAAAAAAAAAAAAAAAABQAAAAAAAAAwMD/AAAAAABkAAAAMgAAAAAAAABkAAAAAAAAAH9/fwAKAAAAIgAAABgAAAAAAAAAAAAAAAAAAAAAAAAAAAAAAAAAAAAkAAAAJAAAAAAAAAAHAAAAAAAAAAAAAAAAAAAAAAAAAAAAAAAAAAAAf39/ACUAAABYAAAAAAAAAAAAAAAAAAAAAAAAAAAAAAAAAAAAAAAAAAAAAAAAAAAAAAAAAAAAAAA/AAAAAAAAAKCGAQAAAAAAAAAAAAAAAAAMAAAAAQAAAAAAAAAAAAAAAAAAAB8AAABUAAAAu+DjBf///wEAAAAAAAAAAAAAAAAAAAAAAAAAAAAAAAAAAAAAAAAAAAAAAAJ/f38AgICAA8zMzADAwP8Af39/AAAAAAAAAAAAAAAAAAAAAAAAAAAAIQAAABgAAAAUAAAAYCoAAIYfAAAfPwAAbiIAABAgAAAmAAAACAAAAP//////////MAAAABQAAAAAAAAAAAD//wAAAQAAAP//AAABAA=="/>
               </a:ext>
             </a:extLst>
           </p:cNvSpPr>
@@ -4690,7 +4690,7 @@
             <a:endCxn id="10" idx="1"/>
             <a:extLst>
               <a:ext uri="smNativeData">
-                <pr:smNativeData xmlns:pr="smNativeData" xmlns="smNativeData" val="SMDATA_17_MUmAYRMAAAAlAAAADgAAAA8BAAAAkAAAAEgAAACQAAAASAAAAAAAAAAAAAAAAAAAAAEAAABQAAAAAAAAAAAA4D8AAAAAAADgPwAAAAAAAOA/AAAAAAAA4D8AAAAAAADgPwAAAAAAAOA/AAAAAAAA4D8AAAAAAADgPwAAAAAAAOA/AAAAAAAA4D8CAAAAjAAAAAAAAAAAAAAAu+DjDP///wgAAAAAAAAAAAAAAAAAAAAAAAAAAAAAAAAAAAAAZAAAAAEAAABAAAAAAAAAAAAAAAAAAAAAAAAAAAAAAAAAAAAAAAAAAAAAAAAAAAAAAAAAAAAAAAAAAAAAAAAAAAAAAAAAAAAAAAAAAAAAAAAAAAAAAAAAAAAAAAAAAAAAFAAAADwAAAABAAAAAAAAAAAAAAkoAAAAAQAAABQAAAAUAAAAFAAAAAEAAAAAAAAAZAAAAGQAAAAAAAAAZAAAAGQAAAAVAAAAYAAAAAAAAAAAAAAADwAAACADAAAAAAAAAAAAAAEAAACgMgAAVgcAAKr4//8BAAAAf39/AAEAAABkAAAAAAAAABQAAABAHwAAAAAAACYAAAAAAAAAwOD//wAAAAAmAAAAZAAAABYAAABMAAAAAAAAAAAAAAAEAAAAAAAAAAEAAACAgIAKAAAAACgAAAAoAAAAZAAAAGQAAAAAAAAAzMzMAAAAAABQAAAAUAAAAGQAAABkAAAAAAAAABcAAAAUAAAAAAAAAAAAAAD/fwAA/38AAAAAAAAJAAAABAAAADBONgAMAAAAEAAAAAAAAAAAAAAAAAAAAAAAAAAeAAAAaAAAAAAAAAAAAAAAAAAAAAAAAAAAAAAAECcAABAnAAAAAAAAAAAAAAAAAAAAAAAAAAAAAAAAAAAAAAAAAAAAABQAAAAAAAAAwMD/AAAAAABkAAAAMgAAAAAAAABkAAAAAAAAAH9/fwAKAAAAIgAAABgAAAAAAAAAAAAAAAAAAAAAAAAAAAAAAAAAAAAkAAAAJAAAAAAAAAAHAAAAAAAAAAAAAAAAAAAAAAAAAAAAAAAAAAAAf39/ACUAAABYAAAAAAAAAAAAAAAAAAAAAAAAAAAAAAAAAAAAAAAAAAAAAAAAAAAAAAAAAAAAAAA/AAAAAAAAAKCGAQAAAAAAAAAAAAAAAAAMAAAAAQAAAAAAAAAAAAAAAAAAAB8AAABUAAAAu+DjBf///wEAAAAAAAAAAAAAAAAAAAAAAAAAAAAAAAAAAAAAAAAAAAAAAAJ/f38AgICAA8zMzADAwP8Af39/AAAAAAAAAAAAAAAAAAAAAAAAAAAAIQAAABgAAAAUAAAAJCgAAGsWAABgKgAA+iAAABAAAAAmAAAACAAAAP//////////MAAAABQAAAAAAAAAAAD//wAAAQAAAP//AAABAA=="/>
+                <pr:smNativeData xmlns:pr="smNativeData" xmlns="smNativeData" val="SMDATA_17_WnaBYRMAAAAlAAAADgAAAA8BAAAAkAAAAEgAAACQAAAASAAAAAAAAAAAAAAAAAAAAAEAAABQAAAAAAAAAAAA4D8AAAAAAADgPwAAAAAAAOA/AAAAAAAA4D8AAAAAAADgPwAAAAAAAOA/AAAAAAAA4D8AAAAAAADgPwAAAAAAAOA/AAAAAAAA4D8CAAAAjAAAAAAAAAAAAAAAu+DjDP///wgAAAAAAAAAAAAAAAAAAAAAAAAAAAAAAAAAAAAAZAAAAAEAAABAAAAAAAAAAAAAAAAAAAAAAAAAAAAAAAAAAAAAAAAAAAAAAAAAAAAAAAAAAAAAAAAAAAAAAAAAAAAAAAAAAAAAAAAAAAAAAAAAAAAAAAAAAAAAAAAAAAAAFAAAADwAAAABAAAAAAAAAAAAAAkoAAAAAQAAABQAAAAUAAAAFAAAAAEAAAAAAAAAZAAAAGQAAAAAAAAAZAAAAGQAAAAVAAAAYAAAAAAAAAAAAAAADwAAACADAAAAAAAAAAAAAAEAAACgMgAAVgcAAKr4//8BAAAAf39/AAEAAABkAAAAAAAAABQAAABAHwAAAAAAACYAAAAAAAAAwOD//wAAAAAmAAAAZAAAABYAAABMAAAAAAAAAAAAAAAEAAAAAAAAAAEAAACAgIAKAAAAACgAAAAoAAAAZAAAAGQAAAAAAAAAzMzMAAAAAABQAAAAUAAAAGQAAABkAAAAAAAAABcAAAAUAAAAAAAAAAAAAAD/fwAA/38AAAAAAAAJAAAABAAAADBONgAMAAAAEAAAAAAAAAAAAAAAAAAAAAAAAAAeAAAAaAAAAAAAAAAAAAAAAAAAAAAAAAAAAAAAECcAABAnAAAAAAAAAAAAAAAAAAAAAAAAAAAAAAAAAAAAAAAAAAAAABQAAAAAAAAAwMD/AAAAAABkAAAAMgAAAAAAAABkAAAAAAAAAH9/fwAKAAAAIgAAABgAAAAAAAAAAAAAAAAAAAAAAAAAAAAAAAAAAAAkAAAAJAAAAAAAAAAHAAAAAAAAAAAAAAAAAAAAAAAAAAAAAAAAAAAAf39/ACUAAABYAAAAAAAAAAAAAAAAAAAAAAAAAAAAAAAAAAAAAAAAAAAAAAAAAAAAAAAAAAAAAAA/AAAAAAAAAKCGAQAAAAAAAAAAAAAAAAAMAAAAAQAAAAAAAAAAAAAAAAAAAB8AAABUAAAAu+DjBf///wEAAAAAAAAAAAAAAAAAAAAAAAAAAAAAAAAAAAAAAAAAAAAAAAJ/f38AgICAA8zMzADAwP8Af39/AAAAAAAAAAAAAAAAAAAAAAAAAAAAIQAAABgAAAAUAAAAJCgAAGsWAABgKgAA+iAAABAAAAAmAAAACAAAAP//////////MAAAABQAAAAAAAAAAAD//wAAAQAAAP//AAABAA=="/>
               </a:ext>
             </a:extLst>
           </p:cNvCxnSpPr>
@@ -4722,7 +4722,7 @@
           <p:cNvSpPr>
             <a:extLst>
               <a:ext uri="smNativeData">
-                <pr:smNativeData xmlns:pr="smNativeData" xmlns="smNativeData" val="SMDATA_17_MUmAYRMAAAAlAAAAggAAAA8BAAAAkAAAAEgAAACQAAAASAAAAAAAAAAAAAAAAAAAAAEAAABQAAAAQKUua7iN6j8AAAAAAADgPwAAAAAAAOA/AAAAAAAA4D8AAAAAAADgPwAAAAAAAOA/AAAAAAAA4D8AAAAAAADgPwAAAAAAAOA/AAAAAAAA4D8CAAAAjAAAAAAAAAAAAAAAu+DjDP///wgAAAAAAAAAAAAAAAAAAAAAAAAAAAAAAAAAAAAAZAAAAAEAAABAAAAAAAAAAAAAAAAAAAAAAAAAAAAAAAAAAAAAAAAAAAAAAAAAAAAAAAAAAAAAAAAAAAAAAAAAAAAAAAAAAAAAAAAAAAAAAAAAAAAAAAAAAAAAAAAAAAAAFAAAADwAAAABAAAAAAAAAAAAAAkoAAAAAQAAABQAAAAUAAAAFAAAAAEAAAAAAAAAZAAAAGQAAAAAAAAAZAAAAGQAAAAVAAAAYAAAAAAAAAAAAAAADwAAACADAAAAAAAAAAAAAAEAAACgMgAAVgcAAKr4//8BAAAAf39/AAEAAABkAAAAAAAAABQAAABAHwAAAAAAACYAAAAAAAAAwOD//wAAAAAmAAAAZAAAABYAAABMAAAAAAAAAAAAAAAEAAAAAAAAAAEAAACAgIAKAAAAACgAAAAoAAAAZAAAAGQAAAAAAAAAzMzMAAAAAABQAAAAUAAAAGQAAABkAAAAAAAAABcAAAAUAAAAAAAAAAAAAAD/fwAA/38AAAAAAAAJAAAABAAAAFDn1gUMAAAAEAAAAAAAAAAAAAAAAAAAAAAAAAAeAAAAaAAAAAAAAAAAAAAAAAAAAAAAAAAAAAAAECcAABAnAAAAAAAAAAAAAAAAAAAAAAAAAAAAAAAAAAAAAAAAAAAAABQAAAAAAAAAwMD/AAAAAABkAAAAMgAAAAAAAABkAAAAAAAAAH9/fwAKAAAAIgAAABgAAAAAAAAAAAAAAAAAAAAAAAAAAAAAAAAAAAAkAAAAJAAAAAAAAAAHAAAAAAAAAAAAAAAAAAAAAAAAAAAAAAAAAAAAf39/ACUAAABYAAAAAAAAAAAAAAAAAAAAAAAAAAAAAAAAAAAAAAAAAAAAAAAAAAAAAAAAAAAAAAA/AAAAAAAAAKCGAQAAAAAAAAAAAAAAAAAMAAAAAQAAAAAAAAAAAAAAAAAAAB8AAABUAAAAu+DjBf///wEAAAAAAAAAAAAAAAAAAAAAAAAAAAAAAAAAAAAAAAAAAAAAAAJ/f38AgICAA8zMzADAwP8Af39/AAAAAAAAAAAAAAAAAAAAAAAAAAAAIQAAABgAAAAUAAAAYCoAAG4iAABWPgAAwSMAABAAAAAmAAAACAAAAP//////////MAAAABQAAAAAAAAAAAD//wAAAQAAAP//AAABAA=="/>
+                <pr:smNativeData xmlns:pr="smNativeData" xmlns="smNativeData" val="SMDATA_17_WnaBYRMAAAAlAAAAggAAAA8BAAAAkAAAAEgAAACQAAAASAAAAAAAAAAAAAAAAAAAAAEAAABQAAAAQKUua7iN6j8AAAAAAADgPwAAAAAAAOA/AAAAAAAA4D8AAAAAAADgPwAAAAAAAOA/AAAAAAAA4D8AAAAAAADgPwAAAAAAAOA/AAAAAAAA4D8CAAAAjAAAAAAAAAAAAAAAu+DjDP///wgAAAAAAAAAAAAAAAAAAAAAAAAAAAAAAAAAAAAAZAAAAAEAAABAAAAAAAAAAAAAAAAAAAAAAAAAAAAAAAAAAAAAAAAAAAAAAAAAAAAAAAAAAAAAAAAAAAAAAAAAAAAAAAAAAAAAAAAAAAAAAAAAAAAAAAAAAAAAAAAAAAAAFAAAADwAAAABAAAAAAAAAAAAAAkoAAAAAQAAABQAAAAUAAAAFAAAAAEAAAAAAAAAZAAAAGQAAAAAAAAAZAAAAGQAAAAVAAAAYAAAAAAAAAAAAAAADwAAACADAAAAAAAAAAAAAAEAAACgMgAAVgcAAKr4//8BAAAAf39/AAEAAABkAAAAAAAAABQAAABAHwAAAAAAACYAAAAAAAAAwOD//wAAAAAmAAAAZAAAABYAAABMAAAAAAAAAAAAAAAEAAAAAAAAAAEAAACAgIAKAAAAACgAAAAoAAAAZAAAAGQAAAAAAAAAzMzMAAAAAABQAAAAUAAAAGQAAABkAAAAAAAAABcAAAAUAAAAAAAAAAAAAAD/fwAA/38AAAAAAAAJAAAABAAAAFDn1gUMAAAAEAAAAAAAAAAAAAAAAAAAAAAAAAAeAAAAaAAAAAAAAAAAAAAAAAAAAAAAAAAAAAAAECcAABAnAAAAAAAAAAAAAAAAAAAAAAAAAAAAAAAAAAAAAAAAAAAAABQAAAAAAAAAwMD/AAAAAABkAAAAMgAAAAAAAABkAAAAAAAAAH9/fwAKAAAAIgAAABgAAAAAAAAAAAAAAAAAAAAAAAAAAAAAAAAAAAAkAAAAJAAAAAAAAAAHAAAAAAAAAAAAAAAAAAAAAAAAAAAAAAAAAAAAf39/ACUAAABYAAAAAAAAAAAAAAAAAAAAAAAAAAAAAAAAAAAAAAAAAAAAAAAAAAAAAAAAAAAAAAA/AAAAAAAAAKCGAQAAAAAAAAAAAAAAAAAMAAAAAQAAAAAAAAAAAAAAAAAAAB8AAABUAAAAu+DjBf///wEAAAAAAAAAAAAAAAAAAAAAAAAAAAAAAAAAAAAAAAAAAAAAAAJ/f38AgICAA8zMzADAwP8Af39/AAAAAAAAAAAAAAAAAAAAAAAAAAAAIQAAABgAAAAUAAAAYCoAAG4iAABWPgAAwSMAABAAAAAmAAAACAAAAP//////////MAAAABQAAAAAAAAAAAD//wAAAQAAAP//AAABAA=="/>
               </a:ext>
             </a:extLst>
           </p:cNvSpPr>
@@ -4757,7 +4757,7 @@
           <p:cNvSpPr txBox="1">
             <a:extLst>
               <a:ext uri="smNativeData">
-                <pr:smNativeData xmlns:pr="smNativeData" xmlns="smNativeData" val="SMDATA_17_MUmAYRMAAAAlAAAAEgAAAE8BAAAAkAAAAEgAAACQAAAASAAAAAAAAAAAAAAAAAAAAAEAAABQAAAAAAAAAAAA4D8AAAAAAADgPwAAAAAAAOA/AAAAAAAA4D8AAAAAAADgPwAAAAAAAOA/AAAAAAAA4D8AAAAAAADgPwAAAAAAAOA/AAAAAAAA4D8CAAAAjAAAAAAAAAAAAAAAu+DjDP///wgAAAAAAAAAAAAAAAAAAAAAAAAAAAAAAAAAAAAAZAAAAAEAAABAAAAAAAAAAAAAAAAAAAAAAAAAAAAAAAAAAAAAAAAAAAAAAAAAAAAAAAAAAAAAAAAAAAAAAAAAAAAAAAAAAAAAAAAAAAAAAAAAAAAAAAAAAAAAAAAAAAAAFAAAADwAAAAAAAAAAAAAAAAAAAkUAAAAAQAAABQAAAAUAAAAFAAAAAEAAAAAAAAAZAAAAGQAAAAAAAAAZAAAAGQAAAAVAAAAYAAAAAAAAAAAAAAADwAAACADAAAAAAAAAAAAAAEAAACgMgAAVgcAAKr4//8BAAAAf39/AAEAAABkAAAAAAAAABQAAABAHwAAAAAAACYAAAAAAAAAwOD//wAAAAAmAAAAZAAAABYAAABMAAAAAAAAAAAAAAAEAAAAAAAAAAEAAACAgIAKAAAAACgAAAAoAAAAZAAAAGQAAAAAAAAAzMzMAAAAAABQAAAAUAAAAGQAAABkAAAAAAAAABcAAAAUAAAAAAAAAMQBAAD/fwAA/38AAAAAAAAJAAAABAAAAJyRKUYMAAAAEAAAAAAAAAAAAAAAAAAAAAAAAAAeAAAAaAAAAAAAAAAAAAAAAAAAAAAAAAAAAAAAECcAABAnAAAAAAAAAAAAAAAAAAAAAAAAAAAAAAAAAAAAAAAAAAAAABQAAAAAAAAAwMD/AAAAAABkAAAAMgAAAAAAAABkAAAAAAAAAH9/fwAKAAAAIgAAABgAAAAAAAAAAAAAAAAAAAAAAAAAAAAAAAAAAAAkAAAAJAAAAAAAAAAHAAAAAAAAAAAAAAAAAAAAAAAAAAAAAAAAAAAAf39/ACUAAABYAAAAAAAAAAAAAAAAAAAAAAAAAAAAAAAAAAAAAAAAAAAAAAAAAAAAAAAAAAAAAAA/AAAAAAAAAKCGAQAAAAAAAAAAAAAAAAAMAAAAAQAAAAAAAAAAAAAAAAAAAB8AAABUAAAAu+DjBf///wEAAAAAAAAAAAAAAAAAAAAAAAAAAAAAAAAAAAAAAAAAAAAAAAJ/f38AgICAA8zMzADAwP8Af39/AAAAAAAAAAAAAAAAAAAAAAAAAAAAIQAAABgAAAAUAAAA2yMAAMEjAADcRAAAsScAABAgAAAmAAAACAAAAP//////////MAAAABQAAAAAAAAAAAD//wAAAQAAAP//AAABAA=="/>
+                <pr:smNativeData xmlns:pr="smNativeData" xmlns="smNativeData" val="SMDATA_17_WnaBYRMAAAAlAAAAEgAAAE8BAAAAkAAAAEgAAACQAAAASAAAAAAAAAAAAAAAAAAAAAEAAABQAAAAAAAAAAAA4D8AAAAAAADgPwAAAAAAAOA/AAAAAAAA4D8AAAAAAADgPwAAAAAAAOA/AAAAAAAA4D8AAAAAAADgPwAAAAAAAOA/AAAAAAAA4D8CAAAAjAAAAAAAAAAAAAAAu+DjDP///wgAAAAAAAAAAAAAAAAAAAAAAAAAAAAAAAAAAAAAZAAAAAEAAABAAAAAAAAAAAAAAAAAAAAAAAAAAAAAAAAAAAAAAAAAAAAAAAAAAAAAAAAAAAAAAAAAAAAAAAAAAAAAAAAAAAAAAAAAAAAAAAAAAAAAAAAAAAAAAAAAAAAAFAAAADwAAAAAAAAAAAAAAAAAAAkUAAAAAQAAABQAAAAUAAAAFAAAAAEAAAAAAAAAZAAAAGQAAAAAAAAAZAAAAGQAAAAVAAAAYAAAAAAAAAAAAAAADwAAACADAAAAAAAAAAAAAAEAAACgMgAAVgcAAKr4//8BAAAAf39/AAEAAABkAAAAAAAAABQAAABAHwAAAAAAACYAAAAAAAAAwOD//wAAAAAmAAAAZAAAABYAAABMAAAAAAAAAAAAAAAEAAAAAAAAAAEAAACAgIAKAAAAACgAAAAoAAAAZAAAAGQAAAAAAAAAzMzMAAAAAABQAAAAUAAAAGQAAABkAAAAAAAAABcAAAAUAAAAAAAAAMQBAAD/fwAA/38AAAAAAAAJAAAABAAAAJyRKUYMAAAAEAAAAAAAAAAAAAAAAAAAAAAAAAAeAAAAaAAAAAAAAAAAAAAAAAAAAAAAAAAAAAAAECcAABAnAAAAAAAAAAAAAAAAAAAAAAAAAAAAAAAAAAAAAAAAAAAAABQAAAAAAAAAwMD/AAAAAABkAAAAMgAAAAAAAABkAAAAAAAAAH9/fwAKAAAAIgAAABgAAAAAAAAAAAAAAAAAAAAAAAAAAAAAAAAAAAAkAAAAJAAAAAAAAAAHAAAAAAAAAAAAAAAAAAAAAAAAAAAAAAAAAAAAf39/ACUAAABYAAAAAAAAAAAAAAAAAAAAAAAAAAAAAAAAAAAAAAAAAAAAAAAAAAAAAAAAAAAAAAA/AAAAAAAAAKCGAQAAAAAAAAAAAAAAAAAMAAAAAQAAAAAAAAAAAAAAAAAAAB8AAABUAAAAu+DjBf///wEAAAAAAAAAAAAAAAAAAAAAAAAAAAAAAAAAAAAAAAAAAAAAAAJ/f38AgICAA8zMzADAwP8Af39/AAAAAAAAAAAAAAAAAAAAAAAAAAAAIQAAABgAAAAUAAAA2yMAAMEjAADcRAAAsScAABAgAAAmAAAACAAAAP//////////MAAAABQAAAAAAAAAAAD//wAAAQAAAP//AAABAA=="/>
               </a:ext>
             </a:extLst>
           </p:cNvSpPr>
@@ -4800,7 +4800,7 @@
           <p:cNvPicPr>
             <a:extLst>
               <a:ext uri="smNativeData">
-                <pr:smNativeData xmlns:pr="smNativeData" xmlns="smNativeData" val="SMDATA_19_MUmAYRMAAAAlAAAAEQAAAA8BAAAAkAAAAEgAAACQAAAASAAAAAAAAAAAAAAAAAAAAAEAAABQAAAAAAAAAAAA4D8AAAAAAADgPwAAAAAAAOA/AAAAAAAA4D8AAAAAAADgPwAAAAAAAOA/AAAAAAAA4D8AAAAAAADgPwAAAAAAAOA/AAAAAAAA4D8CAAAAjAAAAAAAAAAAAAAAu+DjDP///wgAAAAAAAAAAAAAAAAAAAAAAAAAAAAAAAAAAAAAZAAAAAEAAABAAAAAAAAAAAAAAAAAAAAAAAAAAAAAAAAAAAAAAAAAAAAAAAAAAAAAAAAAAAAAAAAAAAAAAAAAAAAAAAAAAAAAAAAAAAAAAAAAAAAAAAAAAAAAAAAAAAAAFAAAADwAAAAAAAAAAAAAAAAAAAkUAAAAAQAAABQAAAAUAAAAFAAAAAEAAAAAAAAAZAAAAGQAAAAAAAAAZAAAAGQAAAAVAAAAYAAAAAAAAAAAAAAADwAAACADAAAAAAAAAAAAAAEAAACgMgAAVgcAAKr4//8BAAAAf39/AAEAAABkAAAAAAAAABQAAABAHwAAAAAAACYAAAAAAAAAwOD//wAAAAAmAAAAZAAAABYAAABMAAAAAAAAAAAAAAAEAAAAAAAAAAEAAACAgIAKAAAAACgAAAAoAAAAZAAAAGQAAAAAAAAAzMzMAAAAAABQAAAAUAAAAGQAAABkAAAAAAAAAAcAAAA4AAAAAAAAAAAAAAAAAAAA////AAAAAAAAAAAAAAAAAAAAAAAAAAAAAAAAAAAAAABkAAAAZAAAAAAAAAAjAAAABAAAAGQAAAAXAAAAFAAAAAAAAAAAAAAA/38AAP9/AAAAAAAACQAAAAQAAAAAAAAADAAAABAAAAAAAAAAAAAAAAAAAAAAAAAAHgAAAGgAAAAAAAAAAAAAAAAAAAAAAAAAAAAAABAnAAAQJwAAAAAAAAAAAAAAAAAAAAAAAAAAAAAAAAAAAAAAAAAAAAAUAAAAAAAAAMDA/wAAAAAAZAAAADIAAAAAAAAAZAAAAAAAAAB/f38ACgAAACIAAAAYAAAAAAAAAAAAAAAAAAAAAAAAAAAAAAAAAAAAJAAAACQAAAAAAAAABwAAAAAAAAAAAAAAAAAAAAAAAAAAAAAAAAAAAH9/fwAlAAAAWAAAAAAAAAAAAAAAAAAAAAAAAAAAAAAAAAAAAAAAAAAAAAAAAAAAAAAAAAAAAAAAPwAAAAAAAACghgEAAAAAAAAAAAAAAAAADAAAAAEAAAAAAAAAAAAAAAAAAAAfAAAAVAAAALvg4wX///8BAAAAAAAAAAAAAAAAAAAAAAAAAAAAAAAAAAAAAAAAAAAAAAACf39/AICAgAPMzMwAwMD/AH9/fwAAAAAAAAAAAAAAAAD///8AAAAAACEAAAAYAAAAFAAAAMACAAAuBgAAVEwAAAENAAAQAAAAJgAAAAgAAAD//////////zAAAAAUAAAAAAAAAAAA//8AAAEAAAD//wAAAQA="/>
+                <pr:smNativeData xmlns:pr="smNativeData" xmlns="smNativeData" val="SMDATA_19_WnaBYRMAAAAlAAAAEQAAAA8BAAAAkAAAAEgAAACQAAAASAAAAAAAAAAAAAAAAAAAAAEAAABQAAAAAAAAAAAA4D8AAAAAAADgPwAAAAAAAOA/AAAAAAAA4D8AAAAAAADgPwAAAAAAAOA/AAAAAAAA4D8AAAAAAADgPwAAAAAAAOA/AAAAAAAA4D8CAAAAjAAAAAAAAAAAAAAAu+DjDP///wgAAAAAAAAAAAAAAAAAAAAAAAAAAAAAAAAAAAAAZAAAAAEAAABAAAAAAAAAAAAAAAAAAAAAAAAAAAAAAAAAAAAAAAAAAAAAAAAAAAAAAAAAAAAAAAAAAAAAAAAAAAAAAAAAAAAAAAAAAAAAAAAAAAAAAAAAAAAAAAAAAAAAFAAAADwAAAAAAAAAAAAAAAAAAAkUAAAAAQAAABQAAAAUAAAAFAAAAAEAAAAAAAAAZAAAAGQAAAAAAAAAZAAAAGQAAAAVAAAAYAAAAAAAAAAAAAAADwAAACADAAAAAAAAAAAAAAEAAACgMgAAVgcAAKr4//8BAAAAf39/AAEAAABkAAAAAAAAABQAAABAHwAAAAAAACYAAAAAAAAAwOD//wAAAAAmAAAAZAAAABYAAABMAAAAAAAAAAAAAAAEAAAAAAAAAAEAAACAgIAKAAAAACgAAAAoAAAAZAAAAGQAAAAAAAAAzMzMAAAAAABQAAAAUAAAAGQAAABkAAAAAAAAAAcAAAA4AAAAAAAAAAAAAAAAAAAA////AAAAAAAAAAAAAAAAAAAAAAAAAAAAAAAAAAAAAABkAAAAZAAAAAAAAAAjAAAABAAAAGQAAAAXAAAAFAAAAAAAAAAAAAAA/38AAP9/AAAAAAAACQAAAAQAAAAAAAAADAAAABAAAAAAAAAAAAAAAAAAAAAAAAAAHgAAAGgAAAAAAAAAAAAAAAAAAAAAAAAAAAAAABAnAAAQJwAAAAAAAAAAAAAAAAAAAAAAAAAAAAAAAAAAAAAAAAAAAAAUAAAAAAAAAMDA/wAAAAAAZAAAADIAAAAAAAAAZAAAAAAAAAB/f38ACgAAACIAAAAYAAAAAAAAAAAAAAAAAAAAAAAAAAAAAAAAAAAAJAAAACQAAAAAAAAABwAAAAAAAAAAAAAAAAAAAAAAAAAAAAAAAAAAAH9/fwAlAAAAWAAAAAAAAAAAAAAAAAAAAAAAAAAAAAAAAAAAAAAAAAAAAAAAAAAAAAAAAAAAAAAAPwAAAAAAAACghgEAAAAAAAAAAAAAAAAADAAAAAEAAAAAAAAAAAAAAAAAAAAfAAAAVAAAALvg4wX///8BAAAAAAAAAAAAAAAAAAAAAAAAAAAAAAAAAAAAAAAAAAAAAAACf39/AICAgAPMzMwAwMD/AH9/fwAAAAAAAAAAAAAAAAD///8AAAAAACEAAAAYAAAAFAAAAMACAAAuBgAAVEwAAAENAAAQAAAAJgAAAAgAAAD//////////zAAAAAUAAAAAAAAAAAA//8AAAEAAAD//wAAAQA="/>
               </a:ext>
             </a:extLst>
           </p:cNvPicPr>
@@ -4865,7 +4865,7 @@
           <p:cNvSpPr txBox="1">
             <a:extLst>
               <a:ext uri="smNativeData">
-                <pr:smNativeData xmlns:pr="smNativeData" xmlns="smNativeData" val="SMDATA_17_MUmAYRMAAAAlAAAAEgAAAE8BAAAAkAAAAEgAAACQAAAASAAAAAAAAAAAAAAAAAAAAAEAAABQAAAAAAAAAAAA4D8AAAAAAADgPwAAAAAAAOA/AAAAAAAA4D8AAAAAAADgPwAAAAAAAOA/AAAAAAAA4D8AAAAAAADgPwAAAAAAAOA/AAAAAAAA4D8CAAAAjAAAAAAAAAAAAAAAu+DjDP///wgAAAAAAAAAAAAAAAAAAAAAAAAAAAAAAAAAAAAAZAAAAAEAAABAAAAAAAAAAAAAAAAAAAAAAAAAAAAAAAAAAAAAAAAAAAAAAAAAAAAAAAAAAAAAAAAAAAAAAAAAAAAAAAAAAAAAAAAAAAAAAAAAAAAAAAAAAAAAAAAAAAAAFAAAADwAAAAAAAAAAAAAAAAAAAkUAAAAAQAAABQAAAAUAAAAFAAAAAEAAAAAAAAAZAAAAGQAAAAAAAAAZAAAAGQAAAAVAAAAYAAAAAAAAAAAAAAADwAAACADAAAAAAAAAAAAAAEAAACgMgAAVgcAAKr4//8BAAAAf39/AAEAAABkAAAAAAAAABQAAABAHwAAAAAAACYAAAAAAAAAwOD//wAAAAAmAAAAZAAAABYAAABMAAAAAAAAAAAAAAAEAAAAAAAAAAEAAACAgIAKAAAAACgAAAAoAAAAZAAAAGQAAAAAAAAAzMzMAAAAAABQAAAAUAAAAGQAAABkAAAAAAAAABcAAAAUAAAAAAAAABcDAAD/fwAA/38AAAAAAAAJAAAABAAAAAAAAAAMAAAAEAAAAAAAAAAAAAAAAAAAAAAAAAAeAAAAaAAAAAAAAAAAAAAAAAAAAAAAAAAAAAAAECcAABAnAAAAAAAAAAAAAAAAAAAAAAAAAAAAAAAAAAAAAAAAAAAAABQAAAAAAAAAwMD/AAAAAABkAAAAMgAAAAAAAABkAAAAAAAAAH9/fwAKAAAAIgAAABgAAAAAAAAAAAAAAAAAAAAAAAAAAAAAAAAAAAAkAAAAJAAAAAAAAAAHAAAAAAAAAAAAAAAAAAAAAAAAAAAAAAAAAAAAf39/ACUAAABYAAAAAAAAAAAAAAAAAAAAAAAAAAAAAAAAAAAAAAAAAAAAAAAAAAAAAAAAAAAAAAA/AAAAAAAAAKCGAQAAAAAAAAAAAAAAAAAMAAAAAQAAAAAAAAAAAAAAAAAAAB8AAABUAAAAu+DjBf///wEAAAAAAAAAAAAAAAAAAAAAAAAAAAAAAAAAAAAAAAAAAAAAAAJ/f38AgICAA8zMzADAwP8Af39/AAAAAAAAAAAAAAAAAAAAAAAAAAAAIQAAABgAAAAUAAAANAQAAFgIAADnSwAAQAsAABAgAAAmAAAACAAAAP//////////MAAAABQAAAAAAAAAAAD//wAAAQAAAP//AAABAA=="/>
+                <pr:smNativeData xmlns:pr="smNativeData" xmlns="smNativeData" val="SMDATA_17_WnaBYRMAAAAlAAAAEgAAAE8BAAAAkAAAAEgAAACQAAAASAAAAAAAAAAAAAAAAAAAAAEAAABQAAAAAAAAAAAA4D8AAAAAAADgPwAAAAAAAOA/AAAAAAAA4D8AAAAAAADgPwAAAAAAAOA/AAAAAAAA4D8AAAAAAADgPwAAAAAAAOA/AAAAAAAA4D8CAAAAjAAAAAAAAAAAAAAAu+DjDP///wgAAAAAAAAAAAAAAAAAAAAAAAAAAAAAAAAAAAAAZAAAAAEAAABAAAAAAAAAAAAAAAAAAAAAAAAAAAAAAAAAAAAAAAAAAAAAAAAAAAAAAAAAAAAAAAAAAAAAAAAAAAAAAAAAAAAAAAAAAAAAAAAAAAAAAAAAAAAAAAAAAAAAFAAAADwAAAAAAAAAAAAAAAAAAAkUAAAAAQAAABQAAAAUAAAAFAAAAAEAAAAAAAAAZAAAAGQAAAAAAAAAZAAAAGQAAAAVAAAAYAAAAAAAAAAAAAAADwAAACADAAAAAAAAAAAAAAEAAACgMgAAVgcAAKr4//8BAAAAf39/AAEAAABkAAAAAAAAABQAAABAHwAAAAAAACYAAAAAAAAAwOD//wAAAAAmAAAAZAAAABYAAABMAAAAAAAAAAAAAAAEAAAAAAAAAAEAAACAgIAKAAAAACgAAAAoAAAAZAAAAGQAAAAAAAAAzMzMAAAAAABQAAAAUAAAAGQAAABkAAAAAAAAABcAAAAUAAAAAAAAABcDAAD/fwAA/38AAAAAAAAJAAAABAAAAAAAAAAMAAAAEAAAAAAAAAAAAAAAAAAAAAAAAAAeAAAAaAAAAAAAAAAAAAAAAAAAAAAAAAAAAAAAECcAABAnAAAAAAAAAAAAAAAAAAAAAAAAAAAAAAAAAAAAAAAAAAAAABQAAAAAAAAAwMD/AAAAAABkAAAAMgAAAAAAAABkAAAAAAAAAH9/fwAKAAAAIgAAABgAAAAAAAAAAAAAAAAAAAAAAAAAAAAAAAAAAAAkAAAAJAAAAAAAAAAHAAAAAAAAAAAAAAAAAAAAAAAAAAAAAAAAAAAAf39/ACUAAABYAAAAAAAAAAAAAAAAAAAAAAAAAAAAAAAAAAAAAAAAAAAAAAAAAAAAAAAAAAAAAAA/AAAAAAAAAKCGAQAAAAAAAAAAAAAAAAAMAAAAAQAAAAAAAAAAAAAAAAAAAB8AAABUAAAAu+DjBf///wEAAAAAAAAAAAAAAAAAAAAAAAAAAAAAAAAAAAAAAAAAAAAAAAJ/f38AgICAA8zMzADAwP8Af39/AAAAAAAAAAAAAAAAAAAAAAAAAAAAIQAAABgAAAAUAAAANAQAAFgIAADnSwAAQAsAABAgAAAmAAAACAAAAP//////////MAAAABQAAAAAAAAAAAD//wAAAQAAAP//AAABAA=="/>
               </a:ext>
             </a:extLst>
           </p:cNvSpPr>
@@ -4908,7 +4908,7 @@
           <p:cNvSpPr txBox="1">
             <a:extLst>
               <a:ext uri="smNativeData">
-                <pr:smNativeData xmlns:pr="smNativeData" xmlns="smNativeData" val="SMDATA_17_MUmAYRMAAAAlAAAAEgAAAE8BAAAAkAAAAEgAAACQAAAASAAAAAAAAAAAAAAAAAAAAAEAAABQAAAAAAAAAAAA4D8AAAAAAADgPwAAAAAAAOA/AAAAAAAA4D8AAAAAAADgPwAAAAAAAOA/AAAAAAAA4D8AAAAAAADgPwAAAAAAAOA/AAAAAAAA4D8CAAAAjAAAAAAAAAAAAAAAu+DjDP///wgAAAAAAAAAAAAAAAAAAAAAAAAAAAAAAAAAAAAAZAAAAAEAAABAAAAAAAAAAAAAAAAAAAAAAAAAAAAAAAAAAAAAAAAAAAAAAAAAAAAAAAAAAAAAAAAAAAAAAAAAAAAAAAAAAAAAAAAAAAAAAAAAAAAAAAAAAAAAAAAAAAAAFAAAADwAAAAAAAAAAAAAAAAAAAkUAAAAAQAAABQAAAAUAAAAFAAAAAEAAAAAAAAAZAAAAGQAAAAAAAAAZAAAAGQAAAAVAAAAYAAAAAAAAAAAAAAADwAAACADAAAAAAAAAAAAAAEAAACgMgAAVgcAAKr4//8BAAAAf39/AAEAAABkAAAAAAAAABQAAABAHwAAAAAAACYAAAAAAAAAwOD//wAAAAAmAAAAZAAAABYAAABMAAAAAAAAAAAAAAAEAAAAAAAAAAEAAACAgIAKAAAAACgAAAAoAAAAZAAAAGQAAAAAAAAAzMzMAAAAAABQAAAAUAAAAGQAAABkAAAAAAAAABcAAAAUAAAAAAAAABcDAAD/fwAA/38AAAAAAAAJAAAABAAAAAAAAAAMAAAAEAAAAAAAAAAAAAAAAAAAAAAAAAAeAAAAaAAAAAAAAAAAAAAAAAAAAAAAAAAAAAAAECcAABAnAAAAAAAAAAAAAAAAAAAAAAAAAAAAAAAAAAAAAAAAAAAAABQAAAAAAAAAwMD/AAAAAABkAAAAMgAAAAAAAABkAAAAAAAAAH9/fwAKAAAAIgAAABgAAAAAAAAAAAAAAAAAAAAAAAAAAAAAAAAAAAAkAAAAJAAAAAAAAAAHAAAAAAAAAAAAAAAAAAAAAAAAAAAAAAAAAAAAf39/ACUAAABYAAAAAAAAAAAAAAAAAAAAAAAAAAAAAAAAAAAAAAAAAAAAAAAAAAAAAAAAAAAAAAA/AAAAAAAAAKCGAQAAAAAAAAAAAAAAAAAMAAAAAQAAAAAAAAAAAAAAAAAAAB8AAABUAAAAu+DjBf///wEAAAAAAAAAAAAAAAAAAAAAAAAAAAAAAAAAAAAAAAAAAAAAAAJ/f38AgICAA8zMzADAwP8Af39/AAAAAAAAAAAAAAAAAAAAAAAAAAAAIQAAABgAAAAUAAAAUAcAADASAAADTwAAGBUAABAgAAAmAAAACAAAAP//////////MAAAABQAAAAAAAAAAAD//wAAAQAAAP//AAABAA=="/>
+                <pr:smNativeData xmlns:pr="smNativeData" xmlns="smNativeData" val="SMDATA_17_WnaBYRMAAAAlAAAAEgAAAE8BAAAAkAAAAEgAAACQAAAASAAAAAAAAAAAAAAAAAAAAAEAAABQAAAAAAAAAAAA4D8AAAAAAADgPwAAAAAAAOA/AAAAAAAA4D8AAAAAAADgPwAAAAAAAOA/AAAAAAAA4D8AAAAAAADgPwAAAAAAAOA/AAAAAAAA4D8CAAAAjAAAAAAAAAAAAAAAu+DjDP///wgAAAAAAAAAAAAAAAAAAAAAAAAAAAAAAAAAAAAAZAAAAAEAAABAAAAAAAAAAAAAAAAAAAAAAAAAAAAAAAAAAAAAAAAAAAAAAAAAAAAAAAAAAAAAAAAAAAAAAAAAAAAAAAAAAAAAAAAAAAAAAAAAAAAAAAAAAAAAAAAAAAAAFAAAADwAAAAAAAAAAAAAAAAAAAkUAAAAAQAAABQAAAAUAAAAFAAAAAEAAAAAAAAAZAAAAGQAAAAAAAAAZAAAAGQAAAAVAAAAYAAAAAAAAAAAAAAADwAAACADAAAAAAAAAAAAAAEAAACgMgAAVgcAAKr4//8BAAAAf39/AAEAAABkAAAAAAAAABQAAABAHwAAAAAAACYAAAAAAAAAwOD//wAAAAAmAAAAZAAAABYAAABMAAAAAAAAAAAAAAAEAAAAAAAAAAEAAACAgIAKAAAAACgAAAAoAAAAZAAAAGQAAAAAAAAAzMzMAAAAAABQAAAAUAAAAGQAAABkAAAAAAAAABcAAAAUAAAAAAAAABcDAAD/fwAA/38AAAAAAAAJAAAABAAAAAAAAAAMAAAAEAAAAAAAAAAAAAAAAAAAAAAAAAAeAAAAaAAAAAAAAAAAAAAAAAAAAAAAAAAAAAAAECcAABAnAAAAAAAAAAAAAAAAAAAAAAAAAAAAAAAAAAAAAAAAAAAAABQAAAAAAAAAwMD/AAAAAABkAAAAMgAAAAAAAABkAAAAAAAAAH9/fwAKAAAAIgAAABgAAAAAAAAAAAAAAAAAAAAAAAAAAAAAAAAAAAAkAAAAJAAAAAAAAAAHAAAAAAAAAAAAAAAAAAAAAAAAAAAAAAAAAAAAf39/ACUAAABYAAAAAAAAAAAAAAAAAAAAAAAAAAAAAAAAAAAAAAAAAAAAAAAAAAAAAAAAAAAAAAA/AAAAAAAAAKCGAQAAAAAAAAAAAAAAAAAMAAAAAQAAAAAAAAAAAAAAAAAAAB8AAABUAAAAu+DjBf///wEAAAAAAAAAAAAAAAAAAAAAAAAAAAAAAAAAAAAAAAAAAAAAAAJ/f38AgICAA8zMzADAwP8Af39/AAAAAAAAAAAAAAAAAAAAAAAAAAAAIQAAABgAAAAUAAAAUAcAADASAAADTwAAGBUAABAgAAAmAAAACAAAAP//////////MAAAABQAAAAAAAAAAAD//wAAAQAAAP//AAABAA=="/>
               </a:ext>
             </a:extLst>
           </p:cNvSpPr>
@@ -4933,7 +4933,7 @@
           <a:lstStyle/>
           <a:p>
             <a:pPr>
-              <a:defRPr sz="2500" spc="3">
+              <a:defRPr sz="2500">
                 <a:latin typeface="Liberation Mono" pitchFamily="1" charset="0"/>
                 <a:ea typeface="Liberation Mono" pitchFamily="1" charset="0"/>
                 <a:cs typeface="Liberation Mono" pitchFamily="1" charset="0"/>
@@ -4984,7 +4984,7 @@
           <p:cNvSpPr>
             <a:extLst>
               <a:ext uri="smNativeData">
-                <pr:smNativeData xmlns:pr="smNativeData" xmlns="smNativeData" val="SMDATA_17_MUmAYRMAAAAlAAAAggAAAA8BAAAAkAAAAEgAAACQAAAASAAAAAAAAAAAAAAAAAAAAAEAAABQAAAAHoXrUbge5T8AAAAAAADgPwAAAAAAAOA/AAAAAAAA4D8AAAAAAADgPwAAAAAAAOA/AAAAAAAA4D8AAAAAAADgPwAAAAAAAOA/AAAAAAAA4D8CAAAAjAAAAAAAAAAAAAAAu+DjDP///wgAAAAAAAAAAAAAAAAAAAAAAAAAAAAAAAAAAAAAZAAAAAEAAABAAAAAAAAAAAAAAAAAAAAAAAAAAAAAAAAAAAAAAAAAAAAAAAAAAAAAAAAAAAAAAAAAAAAAAAAAAAAAAAAAAAAAAAAAAAAAAAAAAAAAAAAAAAAAAAAAAAAAFAAAADwAAAABAAAAAAAAAAAAAAkoAAAAAQAAABQAAAAUAAAAFAAAAAEAAAAAAAAAZAAAAGQAAAAAAAAAZAAAAGQAAAAVAAAAYAAAAAAAAAAAAAAADwAAACADAAAAAAAAAAAAAAEAAACgMgAAVgcAAKr4//8BAAAAf39/AAEAAABkAAAAAAAAABQAAABAHwAAAAAAACYAAAAAAAAAwOD//wAAAAAmAAAAZAAAABYAAABMAAAAAAAAAAAAAAAEAAAAAAAAAAEAAACAgIAKAAAAACgAAAAoAAAAZAAAAGQAAAAAAAAAzMzMAAAAAABQAAAAUAAAAGQAAABkAAAAAAAAABcAAAAUAAAAAAAAAAAAAAD/fwAA/38AAAAAAAAJAAAABAAAAAAAAAAMAAAAEAAAAAAAAAAAAAAAAAAAAAAAAAAeAAAAaAAAAAAAAAAAAAAAAAAAAAAAAAAAAAAAECcAABAnAAAAAAAAAAAAAAAAAAAAAAAAAAAAAAAAAAAAAAAAAAAAABQAAAAAAAAAwMD/AAAAAABkAAAAMgAAAAAAAABkAAAAAAAAAH9/fwAKAAAAIgAAABgAAAAAAAAAAAAAAAAAAAAAAAAAAAAAAAAAAAAkAAAAJAAAAAAAAAAHAAAAAAAAAAAAAAAAAAAAAAAAAAAAAAAAAAAAf39/ACUAAABYAAAAAAAAAAAAAAAAAAAAAAAAAAAAAAAAAAAAAAAAAAAAAAAAAAAAAAAAAAAAAAA/AAAAAAAAAKCGAQAAAAAAAAAAAAAAAAAMAAAAAQAAAAAAAAAAAAAAAAAAAB8AAABUAAAAu+DjBf///wEAAAAAAAAAAAAAAAAAAAAAAAAAAAAAAAAAAAAAAAAAAAAAAAJ/f38AgICAA8zMzADAwP8Af39/AAAAAAAAAAAAAAAAAAAAAAAAAAAAIQAAABgAAAAUAAAAzy4AABgVAACfOAAAaxYAABAAAAAmAAAACAAAAP//////////MAAAABQAAAAAAAAAAAD//wAAAQAAAP//AAABAA=="/>
+                <pr:smNativeData xmlns:pr="smNativeData" xmlns="smNativeData" val="SMDATA_17_WnaBYRMAAAAlAAAAggAAAA8BAAAAkAAAAEgAAACQAAAASAAAAAAAAAAAAAAAAAAAAAEAAABQAAAAHoXrUbge5T8AAAAAAADgPwAAAAAAAOA/AAAAAAAA4D8AAAAAAADgPwAAAAAAAOA/AAAAAAAA4D8AAAAAAADgPwAAAAAAAOA/AAAAAAAA4D8CAAAAjAAAAAAAAAAAAAAAu+DjDP///wgAAAAAAAAAAAAAAAAAAAAAAAAAAAAAAAAAAAAAZAAAAAEAAABAAAAAAAAAAAAAAAAAAAAAAAAAAAAAAAAAAAAAAAAAAAAAAAAAAAAAAAAAAAAAAAAAAAAAAAAAAAAAAAAAAAAAAAAAAAAAAAAAAAAAAAAAAAAAAAAAAAAAFAAAADwAAAABAAAAAAAAAAAAAAkoAAAAAQAAABQAAAAUAAAAFAAAAAEAAAAAAAAAZAAAAGQAAAAAAAAAZAAAAGQAAAAVAAAAYAAAAAAAAAAAAAAADwAAACADAAAAAAAAAAAAAAEAAACgMgAAVgcAAKr4//8BAAAAf39/AAEAAABkAAAAAAAAABQAAABAHwAAAAAAACYAAAAAAAAAwOD//wAAAAAmAAAAZAAAABYAAABMAAAAAAAAAAAAAAAEAAAAAAAAAAEAAACAgIAKAAAAACgAAAAoAAAAZAAAAGQAAAAAAAAAzMzMAAAAAABQAAAAUAAAAGQAAABkAAAAAAAAABcAAAAUAAAAAAAAAAAAAAD/fwAA/38AAAAAAAAJAAAABAAAAAAAAAAMAAAAEAAAAAAAAAAAAAAAAAAAAAAAAAAeAAAAaAAAAAAAAAAAAAAAAAAAAAAAAAAAAAAAECcAABAnAAAAAAAAAAAAAAAAAAAAAAAAAAAAAAAAAAAAAAAAAAAAABQAAAAAAAAAwMD/AAAAAABkAAAAMgAAAAAAAABkAAAAAAAAAH9/fwAKAAAAIgAAABgAAAAAAAAAAAAAAAAAAAAAAAAAAAAAAAAAAAAkAAAAJAAAAAAAAAAHAAAAAAAAAAAAAAAAAAAAAAAAAAAAAAAAAAAAf39/ACUAAABYAAAAAAAAAAAAAAAAAAAAAAAAAAAAAAAAAAAAAAAAAAAAAAAAAAAAAAAAAAAAAAA/AAAAAAAAAKCGAQAAAAAAAAAAAAAAAAAMAAAAAQAAAAAAAAAAAAAAAAAAAB8AAABUAAAAu+DjBf///wEAAAAAAAAAAAAAAAAAAAAAAAAAAAAAAAAAAAAAAAAAAAAAAAJ/f38AgICAA8zMzADAwP8Af39/AAAAAAAAAAAAAAAAAAAAAAAAAAAAIQAAABgAAAAUAAAAzy4AABgVAACfOAAAaxYAABAAAAAmAAAACAAAAP//////////MAAAABQAAAAAAAAAAAD//wAAAQAAAP//AAABAA=="/>
               </a:ext>
             </a:extLst>
           </p:cNvSpPr>
@@ -5020,7 +5020,7 @@
             <a:stCxn id="4" idx="1"/>
             <a:extLst>
               <a:ext uri="smNativeData">
-                <pr:smNativeData xmlns:pr="smNativeData" xmlns="smNativeData" val="SMDATA_17_MUmAYRMAAAAlAAAADgAAAA8BAAAAkAAAAEgAAACQAAAASAAAAAAAAAAAAAAAAAAAAAEAAABQAAAAAAAAAAAA4D8AAAAAAADgPwAAAAAAAOA/AAAAAAAA4D8AAAAAAADgPwAAAAAAAOA/AAAAAAAA4D8AAAAAAADgPwAAAAAAAOA/AAAAAAAA4D8CAAAAjAAAAAAAAAAAAAAAu+DjDP///wgAAAAAAAAAAAAAAAAAAAAAAAAAAAAAAAAAAAAAZAAAAAEAAABAAAAAAAAAAAAAAAAAAAAAAAAAAAAAAAAAAAAAAAAAAAAAAAAAAAAAAAAAAAAAAAAAAAAAAAAAAAAAAAAAAAAAAAAAAAAAAAAAAAAAAAAAAAAAAAAAAAAAFAAAADwAAAABAAAAAAAAAAAAAAkoAAAAAQAAABQAAAAUAAAAFAAAAAEAAAAAAAAAZAAAAGQAAAAAAAAAZAAAAGQAAAAVAAAAYAAAAAAAAAAAAAAADwAAACADAAAAAAAAAAAAAAEAAACgMgAAVgcAAKr4//8BAAAAf39/AAEAAABkAAAAAAAAABQAAABAHwAAAAAAACYAAAAAAAAAwOD//wAAAAAmAAAAZAAAABYAAABMAAAAAAAAAAAAAAAEAAAAAAAAAAEAAACAgIAKAAAAACgAAAAoAAAAZAAAAGQAAAAAAAAAzMzMAAAAAABQAAAAUAAAAGQAAABkAAAAAAAAABcAAAAUAAAAAAAAAAAAAAD/fwAA/38AAAAAAAAJAAAABAAAAHCYWQYMAAAAEAAAAAAAAAAAAAAAAAAAAAAAAAAeAAAAaAAAAAAAAAAAAAAAAAAAAAAAAAAAAAAAECcAABAnAAAAAAAAAAAAAAAAAAAAAAAAAAAAAAAAAAAAAAAAAAAAABQAAAAAAAAAwMD/AAAAAABkAAAAMgAAAAAAAABkAAAAAAAAAH9/fwAKAAAAIgAAABgAAAAAAAAAAAAAAAAAAAAAAAAAAAAAAAAAAAAkAAAAJAAAAAAAAAAHAAAAAAAAAAAAAAAAAAAAAAAAAAAAAAAAAAAAf39/ACUAAABYAAAAAAAAAAAAAAAAAAAAAAAAAAAAAAAAAAAAAAAAAAAAAAAAAAAAAAAAAAAAAAA/AAAAAAAAAKCGAQAAAAAAAAAAAAAAAAAMAAAAAQAAAAAAAAAAAAAAAAAAAB8AAABUAAAAu+DjBf///wEAAAAAAAAAAAAAAAAAAAAAAAAAAAAAAAAAAAAAAAAAAAAAAAJ/f38AgICAA8zMzADAwP8Af39/AAAAAAAAAAAAAAAAAAAAAAAAAAAAIQAAABgAAAAUAAAAtzMAAGsWAAC3MwAAURgAABAAAAAmAAAACAAAAP//////////MAAAABQAAAAAAAAAAAD//wAAAQAAAP//AAABAA=="/>
+                <pr:smNativeData xmlns:pr="smNativeData" xmlns="smNativeData" val="SMDATA_17_WnaBYRMAAAAlAAAADgAAAA8BAAAAkAAAAEgAAACQAAAASAAAAAAAAAAAAAAAAAAAAAEAAABQAAAAAAAAAAAA4D8AAAAAAADgPwAAAAAAAOA/AAAAAAAA4D8AAAAAAADgPwAAAAAAAOA/AAAAAAAA4D8AAAAAAADgPwAAAAAAAOA/AAAAAAAA4D8CAAAAjAAAAAAAAAAAAAAAu+DjDP///wgAAAAAAAAAAAAAAAAAAAAAAAAAAAAAAAAAAAAAZAAAAAEAAABAAAAAAAAAAAAAAAAAAAAAAAAAAAAAAAAAAAAAAAAAAAAAAAAAAAAAAAAAAAAAAAAAAAAAAAAAAAAAAAAAAAAAAAAAAAAAAAAAAAAAAAAAAAAAAAAAAAAAFAAAADwAAAABAAAAAAAAAAAAAAkoAAAAAQAAABQAAAAUAAAAFAAAAAEAAAAAAAAAZAAAAGQAAAAAAAAAZAAAAGQAAAAVAAAAYAAAAAAAAAAAAAAADwAAACADAAAAAAAAAAAAAAEAAACgMgAAVgcAAKr4//8BAAAAf39/AAEAAABkAAAAAAAAABQAAABAHwAAAAAAACYAAAAAAAAAwOD//wAAAAAmAAAAZAAAABYAAABMAAAAAAAAAAAAAAAEAAAAAAAAAAEAAACAgIAKAAAAACgAAAAoAAAAZAAAAGQAAAAAAAAAzMzMAAAAAABQAAAAUAAAAGQAAABkAAAAAAAAABcAAAAUAAAAAAAAAAAAAAD/fwAA/38AAAAAAAAJAAAABAAAAHCYWQYMAAAAEAAAAAAAAAAAAAAAAAAAAAAAAAAeAAAAaAAAAAAAAAAAAAAAAAAAAAAAAAAAAAAAECcAABAnAAAAAAAAAAAAAAAAAAAAAAAAAAAAAAAAAAAAAAAAAAAAABQAAAAAAAAAwMD/AAAAAABkAAAAMgAAAAAAAABkAAAAAAAAAH9/fwAKAAAAIgAAABgAAAAAAAAAAAAAAAAAAAAAAAAAAAAAAAAAAAAkAAAAJAAAAAAAAAAHAAAAAAAAAAAAAAAAAAAAAAAAAAAAAAAAAAAAf39/ACUAAABYAAAAAAAAAAAAAAAAAAAAAAAAAAAAAAAAAAAAAAAAAAAAAAAAAAAAAAAAAAAAAAA/AAAAAAAAAKCGAQAAAAAAAAAAAAAAAAAMAAAAAQAAAAAAAAAAAAAAAAAAAB8AAABUAAAAu+DjBf///wEAAAAAAAAAAAAAAAAAAAAAAAAAAAAAAAAAAAAAAAAAAAAAAAJ/f38AgICAA8zMzADAwP8Af39/AAAAAAAAAAAAAAAAAAAAAAAAAAAAIQAAABgAAAAUAAAArTMAAGsWAAC3MwAAWxgAABAAAAAmAAAACAAAAP//////////MAAAABQAAAAAAAAAAAD//wAAAQAAAP//AAABAA=="/>
               </a:ext>
             </a:extLst>
           </p:cNvCxnSpPr>
@@ -5028,8 +5028,8 @@
         </p:nvCxnSpPr>
         <p:spPr>
           <a:xfrm rot="5400000">
-            <a:off x="8252460" y="3798570"/>
-            <a:ext cx="308610" cy="12700"/>
+            <a:off x="8246110" y="3798570"/>
+            <a:ext cx="314960" cy="6350"/>
           </a:xfrm>
           <a:prstGeom prst="bentConnector2">
             <a:avLst/>
@@ -5052,7 +5052,7 @@
           <p:cNvSpPr txBox="1">
             <a:extLst>
               <a:ext uri="smNativeData">
-                <pr:smNativeData xmlns:pr="smNativeData" xmlns="smNativeData" val="SMDATA_17_MUmAYRMAAAAlAAAAEgAAAE8BAAAAkAAAAEgAAACQAAAASAAAAAAAAAAAAAAAAAAAAAEAAABQAAAAAAAAAAAA4D8AAAAAAADgPwAAAAAAAOA/AAAAAAAA4D8AAAAAAADgPwAAAAAAAOA/AAAAAAAA4D8AAAAAAADgPwAAAAAAAOA/AAAAAAAA4D8CAAAAjAAAAAAAAAAAAAAAu+DjDP///wgAAAAAAAAAAAAAAAAAAAAAAAAAAAAAAAAAAAAAZAAAAAEAAABAAAAAAAAAAAAAAAAAAAAAAAAAAAAAAAAAAAAAAAAAAAAAAAAAAAAAAAAAAAAAAAAAAAAAAAAAAAAAAAAAAAAAAAAAAAAAAAAAAAAAAAAAAAAAAAAAAAAAFAAAADwAAAAAAAAAAAAAAAAAAAkUAAAAAQAAABQAAAAUAAAAFAAAAAEAAAAAAAAAZAAAAGQAAAAAAAAAZAAAAGQAAAAVAAAAYAAAAAAAAAAAAAAADwAAACADAAAAAAAAAAAAAAEAAACgMgAAVgcAAKr4//8BAAAAf39/AAEAAABkAAAAAAAAABQAAABAHwAAAAAAACYAAAAAAAAAwOD//wAAAAAmAAAAZAAAABYAAABMAAAAAAAAAAAAAAAEAAAAAAAAAAEAAACAgIAKAAAAACgAAAAoAAAAZAAAAGQAAAAAAAAAzMzMAAAAAABQAAAAUAAAAGQAAABkAAAAAAAAABcAAAAUAAAAAAAAAMQBAAD/fwAA/38AAAAAAAAJAAAABAAAAGWu3P8MAAAAEAAAAAAAAAAAAAAAAAAAAAAAAAAeAAAAaAAAAAAAAAAAAAAAAAAAAAAAAAAAAAAAECcAABAnAAAAAAAAAAAAAAAAAAAAAAAAAAAAAAAAAAAAAAAAAAAAABQAAAAAAAAAwMD/AAAAAABkAAAAMgAAAAAAAABkAAAAAAAAAH9/fwAKAAAAIgAAABgAAAAAAAAAAAAAAAAAAAAAAAAAAAAAAAAAAAAkAAAAJAAAAAAAAAAHAAAAAAAAAAAAAAAAAAAAAAAAAAAAAAAAAAAAf39/ACUAAABYAAAAAAAAAAAAAAAAAAAAAAAAAAAAAAAAAAAAAAAAAAAAAAAAAAAAAAAAAAAAAAA/AAAAAAAAAKCGAQAAAAAAAAAAAAAAAAAMAAAAAQAAAAAAAAAAAAAAAAAAAB8AAABUAAAAu+DjBf///wEAAAAAAAAAAAAAAAAAAAAAAAAAAAAAAAAAAAAAAAAAAAAAAAJ/f38AgICAA8zMzADAwP8Af39/AAAAAAAAAAAAAAAAAAAAAAAAAAAAIQAAABgAAAAUAAAA2jUAAOkWAACCRwAA0RkAABAgAAAmAAAACAAAAP//////////MAAAABQAAAAAAAAAAAD//wAAAQAAAP//AAABAA=="/>
+                <pr:smNativeData xmlns:pr="smNativeData" xmlns="smNativeData" val="SMDATA_17_WnaBYRMAAAAlAAAAEgAAAE8BAAAAkAAAAEgAAACQAAAASAAAAAAAAAAAAAAAAAAAAAEAAABQAAAAAAAAAAAA4D8AAAAAAADgPwAAAAAAAOA/AAAAAAAA4D8AAAAAAADgPwAAAAAAAOA/AAAAAAAA4D8AAAAAAADgPwAAAAAAAOA/AAAAAAAA4D8CAAAAjAAAAAAAAAAAAAAAu+DjDP///wgAAAAAAAAAAAAAAAAAAAAAAAAAAAAAAAAAAAAAZAAAAAEAAABAAAAAAAAAAAAAAAAAAAAAAAAAAAAAAAAAAAAAAAAAAAAAAAAAAAAAAAAAAAAAAAAAAAAAAAAAAAAAAAAAAAAAAAAAAAAAAAAAAAAAAAAAAAAAAAAAAAAAFAAAADwAAAAAAAAAAAAAAAAAAAkUAAAAAQAAABQAAAAUAAAAFAAAAAEAAAAAAAAAZAAAAGQAAAAAAAAAZAAAAGQAAAAVAAAAYAAAAAAAAAAAAAAADwAAACADAAAAAAAAAAAAAAEAAACgMgAAVgcAAKr4//8BAAAAf39/AAEAAABkAAAAAAAAABQAAABAHwAAAAAAACYAAAAAAAAAwOD//wAAAAAmAAAAZAAAABYAAABMAAAAAAAAAAAAAAAEAAAAAAAAAAEAAACAgIAKAAAAACgAAAAoAAAAZAAAAGQAAAAAAAAAzMzMAAAAAABQAAAAUAAAAGQAAABkAAAAAAAAABcAAAAUAAAAAAAAAMQBAAD/fwAA/38AAAAAAAAJAAAABAAAAGWu3P8MAAAAEAAAAAAAAAAAAAAAAAAAAAAAAAAeAAAAaAAAAAAAAAAAAAAAAAAAAAAAAAAAAAAAECcAABAnAAAAAAAAAAAAAAAAAAAAAAAAAAAAAAAAAAAAAAAAAAAAABQAAAAAAAAAwMD/AAAAAABkAAAAMgAAAAAAAABkAAAAAAAAAH9/fwAKAAAAIgAAABgAAAAAAAAAAAAAAAAAAAAAAAAAAAAAAAAAAAAkAAAAJAAAAAAAAAAHAAAAAAAAAAAAAAAAAAAAAAAAAAAAAAAAAAAAf39/ACUAAABYAAAAAAAAAAAAAAAAAAAAAAAAAAAAAAAAAAAAAAAAAAAAAAAAAAAAAAAAAAAAAAA/AAAAAAAAAKCGAQAAAAAAAAAAAAAAAAAMAAAAAQAAAAAAAAAAAAAAAAAAAB8AAABUAAAAu+DjBf///wEAAAAAAAAAAAAAAAAAAAAAAAAAAAAAAAAAAAAAAAAAAAAAAAJ/f38AgICAA8zMzADAwP8Af39/AAAAAAAAAAAAAAAAAAAAAAAAAAAAIQAAABgAAAAUAAAA2jUAAOkWAACCRwAA0RkAABAgAAAmAAAACAAAAP//////////MAAAABQAAAAAAAAAAAD//wAAAQAAAP//AAABAA=="/>
               </a:ext>
             </a:extLst>
           </p:cNvSpPr>
@@ -5103,7 +5103,7 @@
           <p:cNvSpPr txBox="1">
             <a:extLst>
               <a:ext uri="smNativeData">
-                <pr:smNativeData xmlns:pr="smNativeData" xmlns="smNativeData" val="SMDATA_17_MUmAYRMAAAAlAAAAEgAAAE8BAAAAkAAAAEgAAACQAAAASAAAAAAAAAAAAAAAAAAAAAEAAABQAAAAAAAAAAAA4D8AAAAAAADgPwAAAAAAAOA/AAAAAAAA4D8AAAAAAADgPwAAAAAAAOA/AAAAAAAA4D8AAAAAAADgPwAAAAAAAOA/AAAAAAAA4D8CAAAAjAAAAAAAAAAAAAAAu+DjDP///wgAAAAAAAAAAAAAAAAAAAAAAAAAAAAAAAAAAAAAZAAAAAEAAABAAAAAAAAAAAAAAAAAAAAAAAAAAAAAAAAAAAAAAAAAAAAAAAAAAAAAAAAAAAAAAAAAAAAAAAAAAAAAAAAAAAAAAAAAAAAAAAAAAAAAAAAAAAAAAAAAAAAAFAAAADwAAAAAAAAAAAAAAAAAAAkUAAAAAQAAABQAAAAUAAAAFAAAAAEAAAAAAAAAZAAAAGQAAAAAAAAAZAAAAGQAAAAVAAAAYAAAAAAAAAAAAAAADwAAACADAAAAAAAAAAAAAAEAAACgMgAAVgcAAKr4//8BAAAAf39/AAEAAABkAAAAAAAAABQAAABAHwAAAAAAACYAAAAAAAAAwOD//wAAAAAmAAAAZAAAABYAAABMAAAAAAAAAAAAAAAEAAAAAAAAAAEAAACAgIAKAAAAACgAAAAoAAAAZAAAAGQAAAAAAAAAzMzMAAAAAABQAAAAUAAAAGQAAABkAAAAAAAAABcAAAAUAAAAAAAAAMQBAAD/fwAA/38AAAAAAAAJAAAABAAAAAAAAAAMAAAAEAAAAAAAAAAAAAAAAAAAAAAAAAAeAAAAaAAAAAAAAAAAAAAAAAAAAAAAAAAAAAAAECcAABAnAAAAAAAAAAAAAAAAAAAAAAAAAAAAAAAAAAAAAAAAAAAAABQAAAAAAAAAwMD/AAAAAABkAAAAMgAAAAAAAABkAAAAAAAAAH9/fwAKAAAAIgAAABgAAAAAAAAAAAAAAAAAAAAAAAAAAAAAAAAAAAAkAAAAJAAAAAAAAAAHAAAAAAAAAAAAAAAAAAAAAAAAAAAAAAAAAAAAf39/ACUAAABYAAAAAAAAAAAAAAAAAAAAAAAAAAAAAAAAAAAAAAAAAAAAAAAAAAAAAAAAAAAAAAA/AAAAAAAAAKCGAQAAAAAAAAAAAAAAAAAMAAAAAQAAAAAAAAAAAAAAAAAAAB8AAABUAAAAu+DjBf///wEAAAAAAAAAAAAAAAAAAAAAAAAAAAAAAAAAAAAAAAAAAAAAAAJ/f38AgICAA8zMzADAwP8Af39/AAAAAAAAAAAAAAAAAAAAAAAAAAAAIQAAABgAAAAUAAAApTMAACQbAACwSQAAFB8AABAgAAAmAAAACAAAAP//////////MAAAABQAAAAAAAAAAAD//wAAAQAAAP//AAABAA=="/>
+                <pr:smNativeData xmlns:pr="smNativeData" xmlns="smNativeData" val="SMDATA_17_WnaBYRMAAAAlAAAAEgAAAE8BAAAAkAAAAEgAAACQAAAASAAAAAAAAAAAAAAAAAAAAAEAAABQAAAAAAAAAAAA4D8AAAAAAADgPwAAAAAAAOA/AAAAAAAA4D8AAAAAAADgPwAAAAAAAOA/AAAAAAAA4D8AAAAAAADgPwAAAAAAAOA/AAAAAAAA4D8CAAAAjAAAAAAAAAAAAAAAu+DjDP///wgAAAAAAAAAAAAAAAAAAAAAAAAAAAAAAAAAAAAAZAAAAAEAAABAAAAAAAAAAAAAAAAAAAAAAAAAAAAAAAAAAAAAAAAAAAAAAAAAAAAAAAAAAAAAAAAAAAAAAAAAAAAAAAAAAAAAAAAAAAAAAAAAAAAAAAAAAAAAAAAAAAAAFAAAADwAAAAAAAAAAAAAAAAAAAkUAAAAAQAAABQAAAAUAAAAFAAAAAEAAAAAAAAAZAAAAGQAAAAAAAAAZAAAAGQAAAAVAAAAYAAAAAAAAAAAAAAADwAAACADAAAAAAAAAAAAAAEAAACgMgAAVgcAAKr4//8BAAAAf39/AAEAAABkAAAAAAAAABQAAABAHwAAAAAAACYAAAAAAAAAwOD//wAAAAAmAAAAZAAAABYAAABMAAAAAAAAAAAAAAAEAAAAAAAAAAEAAACAgIAKAAAAACgAAAAoAAAAZAAAAGQAAAAAAAAAzMzMAAAAAABQAAAAUAAAAGQAAABkAAAAAAAAABcAAAAUAAAAAAAAAMQBAAD/fwAA/38AAAAAAAAJAAAABAAAAAAAAAAMAAAAEAAAAAAAAAAAAAAAAAAAAAAAAAAeAAAAaAAAAAAAAAAAAAAAAAAAAAAAAAAAAAAAECcAABAnAAAAAAAAAAAAAAAAAAAAAAAAAAAAAAAAAAAAAAAAAAAAABQAAAAAAAAAwMD/AAAAAABkAAAAMgAAAAAAAABkAAAAAAAAAH9/fwAKAAAAIgAAABgAAAAAAAAAAAAAAAAAAAAAAAAAAAAAAAAAAAAkAAAAJAAAAAAAAAAHAAAAAAAAAAAAAAAAAAAAAAAAAAAAAAAAAAAAf39/ACUAAABYAAAAAAAAAAAAAAAAAAAAAAAAAAAAAAAAAAAAAAAAAAAAAAAAAAAAAAAAAAAAAAA/AAAAAAAAAKCGAQAAAAAAAAAAAAAAAAAMAAAAAQAAAAAAAAAAAAAAAAAAAB8AAABUAAAAu+DjBf///wEAAAAAAAAAAAAAAAAAAAAAAAAAAAAAAAAAAAAAAAAAAAAAAAJ/f38AgICAA8zMzADAwP8Af39/AAAAAAAAAAAAAAAAAAAAAAAAAAAAIQAAABgAAAAUAAAApTMAACQbAACwSQAAFB8AABAgAAAmAAAACAAAAP//////////MAAAABQAAAAAAAAAAAD//wAAAQAAAP//AAABAA=="/>
               </a:ext>
             </a:extLst>
           </p:cNvSpPr>
@@ -5146,7 +5146,7 @@
           <p:cNvSpPr>
             <a:extLst>
               <a:ext uri="smNativeData">
-                <pr:smNativeData xmlns:pr="smNativeData" xmlns="smNativeData" val="SMDATA_17_MUmAYRMAAAAlAAAAggAAAA8BAAAAkAAAAEgAAACQAAAASAAAAAAAAAAAAAAAAAAAAAEAAABQAAAAND1GVkzU6D8AAAAAAADgPwAAAAAAAOA/AAAAAAAA4D8AAAAAAADgPwAAAAAAAOA/AAAAAAAA4D8AAAAAAADgPwAAAAAAAOA/AAAAAAAA4D8CAAAAjAAAAAAAAAAAAAAAu+DjDP///wgAAAAAAAAAAAAAAAAAAAAAAAAAAAAAAAAAAAAAZAAAAAEAAABAAAAAAAAAAAAAAAAAAAAAAAAAAAAAAAAAAAAAAAAAAAAAAAAAAAAAAAAAAAAAAAAAAAAAAAAAAAAAAAAAAAAAAAAAAAAAAAAAAAAAAAAAAAAAAAAAAAAAFAAAADwAAAABAAAAAAAAAAAAAAkoAAAAAQAAABQAAAAUAAAAFAAAAAEAAAAAAAAAZAAAAGQAAAAAAAAAZAAAAGQAAAAVAAAAYAAAAAAAAAAAAAAADwAAACADAAAAAAAAAAAAAAEAAACgMgAAVgcAAKr4//8BAAAAf39/AAEAAABkAAAAAAAAABQAAABAHwAAAAAAACYAAAAAAAAAwOD//wAAAAAmAAAAZAAAABYAAABMAAAAAAAAAAAAAAAEAAAAAAAAAAEAAACAgIAKAAAAACgAAAAoAAAAZAAAAGQAAAAAAAAAzMzMAAAAAABQAAAAUAAAAGQAAABkAAAAAAAAABcAAAAUAAAAAAAAAAAAAAD/fwAA/38AAAAAAAAJAAAABAAAAHAgRgwMAAAAEAAAAAAAAAAAAAAAAAAAAAAAAAAeAAAAaAAAAAAAAAAAAAAAAAAAAAAAAAAAAAAAECcAABAnAAAAAAAAAAAAAAAAAAAAAAAAAAAAAAAAAAAAAAAAAAAAABQAAAAAAAAAwMD/AAAAAABkAAAAMgAAAAAAAABkAAAAAAAAAH9/fwAKAAAAIgAAABgAAAAAAAAAAAAAAAAAAAAAAAAAAAAAAAAAAAAkAAAAJAAAAAAAAAAHAAAAAAAAAAAAAAAAAAAAAAAAAAAAAAAAAAAAf39/ACUAAABYAAAAAAAAAAAAAAAAAAAAAAAAAAAAAAAAAAAAAAAAAAAAAAAAAAAAAAAAAAAAAAA/AAAAAAAAAKCGAQAAAAAAAAAAAAAAAAAMAAAAAQAAAAAAAAAAAAAAAAAAAB8AAABUAAAAu+DjBf///wEAAAAAAAAAAAAAAAAAAAAAAAAAAAAAAAAAAAAAAAAAAAAAAAJ/f38AgICAA8zMzADAwP8Af39/AAAAAAAAAAAAAAAAAAAAAAAAAAAAIQAAABgAAAAUAAAA2jUAANEZAABvRQAAJBsAABAAAAAmAAAACAAAAP//////////MAAAABQAAAAAAAAAAAD//wAAAQAAAP//AAABAA=="/>
+                <pr:smNativeData xmlns:pr="smNativeData" xmlns="smNativeData" val="SMDATA_17_WnaBYRMAAAAlAAAAggAAAA8BAAAAkAAAAEgAAACQAAAASAAAAAAAAAAAAAAAAAAAAAEAAABQAAAAND1GVkzU6D8AAAAAAADgPwAAAAAAAOA/AAAAAAAA4D8AAAAAAADgPwAAAAAAAOA/AAAAAAAA4D8AAAAAAADgPwAAAAAAAOA/AAAAAAAA4D8CAAAAjAAAAAAAAAAAAAAAu+DjDP///wgAAAAAAAAAAAAAAAAAAAAAAAAAAAAAAAAAAAAAZAAAAAEAAABAAAAAAAAAAAAAAAAAAAAAAAAAAAAAAAAAAAAAAAAAAAAAAAAAAAAAAAAAAAAAAAAAAAAAAAAAAAAAAAAAAAAAAAAAAAAAAAAAAAAAAAAAAAAAAAAAAAAAFAAAADwAAAABAAAAAAAAAAAAAAkoAAAAAQAAABQAAAAUAAAAFAAAAAEAAAAAAAAAZAAAAGQAAAAAAAAAZAAAAGQAAAAVAAAAYAAAAAAAAAAAAAAADwAAACADAAAAAAAAAAAAAAEAAACgMgAAVgcAAKr4//8BAAAAf39/AAEAAABkAAAAAAAAABQAAABAHwAAAAAAACYAAAAAAAAAwOD//wAAAAAmAAAAZAAAABYAAABMAAAAAAAAAAAAAAAEAAAAAAAAAAEAAACAgIAKAAAAACgAAAAoAAAAZAAAAGQAAAAAAAAAzMzMAAAAAABQAAAAUAAAAGQAAABkAAAAAAAAABcAAAAUAAAAAAAAAAAAAAD/fwAA/38AAAAAAAAJAAAABAAAAHAgRgwMAAAAEAAAAAAAAAAAAAAAAAAAAAAAAAAeAAAAaAAAAAAAAAAAAAAAAAAAAAAAAAAAAAAAECcAABAnAAAAAAAAAAAAAAAAAAAAAAAAAAAAAAAAAAAAAAAAAAAAABQAAAAAAAAAwMD/AAAAAABkAAAAMgAAAAAAAABkAAAAAAAAAH9/fwAKAAAAIgAAABgAAAAAAAAAAAAAAAAAAAAAAAAAAAAAAAAAAAAkAAAAJAAAAAAAAAAHAAAAAAAAAAAAAAAAAAAAAAAAAAAAAAAAAAAAf39/ACUAAABYAAAAAAAAAAAAAAAAAAAAAAAAAAAAAAAAAAAAAAAAAAAAAAAAAAAAAAAAAAAAAAA/AAAAAAAAAKCGAQAAAAAAAAAAAAAAAAAMAAAAAQAAAAAAAAAAAAAAAAAAAB8AAABUAAAAu+DjBf///wEAAAAAAAAAAAAAAAAAAAAAAAAAAAAAAAAAAAAAAAAAAAAAAAJ/f38AgICAA8zMzADAwP8Af39/AAAAAAAAAAAAAAAAAAAAAAAAAAAAIQAAABgAAAAUAAAA2jUAANEZAABvRQAAJBsAABAAAAAmAAAACAAAAP//////////MAAAABQAAAAAAAAAAAD//wAAAQAAAP//AAABAA=="/>
               </a:ext>
             </a:extLst>
           </p:cNvSpPr>
@@ -5181,7 +5181,7 @@
           <p:cNvSpPr>
             <a:extLst>
               <a:ext uri="smNativeData">
-                <pr:smNativeData xmlns:pr="smNativeData" xmlns="smNativeData" val="SMDATA_17_MUmAYRMAAAAlAAAAggAAAA8BAAAAkAAAAEgAAACQAAAASAAAAAAAAAAAAAAAAAAAAAEAAABQAAAAHoXrUbge5T8AAAAAAADgPwAAAAAAAOA/AAAAAAAA4D8AAAAAAADgPwAAAAAAAOA/AAAAAAAA4D8AAAAAAADgPwAAAAAAAOA/AAAAAAAA4D8CAAAAjAAAAAAAAAAAAAAAu+DjDP///wgAAAAAAAAAAAAAAAAAAAAAAAAAAAAAAAAAAAAAZAAAAAEAAABAAAAAAAAAAAAAAAAAAAAAAAAAAAAAAAAAAAAAAAAAAAAAAAAAAAAAAAAAAAAAAAAAAAAAAAAAAAAAAAAAAAAAAAAAAAAAAAAAAAAAAAAAAAAAAAAAAAAAFAAAADwAAAABAAAAAAAAAAAAAAkoAAAAAQAAABQAAAAUAAAAFAAAAAEAAAAAAAAAZAAAAGQAAAAAAAAAZAAAAGQAAAAVAAAAYAAAAAAAAAAAAAAADwAAACADAAAAAAAAAAAAAAEAAACgMgAAVgcAAKr4//8BAAAAf39/AAEAAABkAAAAAAAAABQAAABAHwAAAAAAACYAAAAAAAAAwOD//wAAAAAmAAAAZAAAABYAAABMAAAAAAAAAAAAAAAEAAAAAAAAAAEAAACAgIAKAAAAACgAAAAoAAAAZAAAAGQAAAAAAAAAzMzMAAAAAABQAAAAUAAAAGQAAABkAAAAAAAAABcAAAAUAAAAAAAAAAAAAAD/fwAA/38AAAAAAAAJAAAABAAAAHAgRgwMAAAAEAAAAAAAAAAAAAAAAAAAAAAAAAAeAAAAaAAAAAAAAAAAAAAAAAAAAAAAAAAAAAAAECcAABAnAAAAAAAAAAAAAAAAAAAAAAAAAAAAAAAAAAAAAAAAAAAAABQAAAAAAAAAwMD/AAAAAABkAAAAMgAAAAAAAABkAAAAAAAAAH9/fwAKAAAAIgAAABgAAAAAAAAAAAAAAAAAAAAAAAAAAAAAAAAAAAAkAAAAJAAAAAAAAAAHAAAAAAAAAAAAAAAAAAAAAAAAAAAAAAAAAAAAf39/ACUAAABYAAAAAAAAAAAAAAAAAAAAAAAAAAAAAAAAAAAAAAAAAAAAAAAAAAAAAAAAAAAAAAA/AAAAAAAAAKCGAQAAAAAAAAAAAAAAAAAMAAAAAQAAAAAAAAAAAAAAAAAAAB8AAABUAAAAu+DjBf///wEAAAAAAAAAAAAAAAAAAAAAAAAAAAAAAAAAAAAAAAAAAAAAAAJ/f38AgICAA8zMzADAwP8Af39/AAAAAAAAAAAAAAAAAAAAAAAAAAAAIQAAABgAAAAUAAAAoCIAABgVAACpLQAAaxYAABAAAAAmAAAACAAAAP//////////MAAAABQAAAAAAAAAAAD//wAAAQAAAP//AAABAA=="/>
+                <pr:smNativeData xmlns:pr="smNativeData" xmlns="smNativeData" val="SMDATA_17_WnaBYRMAAAAlAAAAggAAAA8BAAAAkAAAAEgAAACQAAAASAAAAAAAAAAAAAAAAAAAAAEAAABQAAAAHoXrUbge5T8AAAAAAADgPwAAAAAAAOA/AAAAAAAA4D8AAAAAAADgPwAAAAAAAOA/AAAAAAAA4D8AAAAAAADgPwAAAAAAAOA/AAAAAAAA4D8CAAAAjAAAAAAAAAAAAAAAu+DjDP///wgAAAAAAAAAAAAAAAAAAAAAAAAAAAAAAAAAAAAAZAAAAAEAAABAAAAAAAAAAAAAAAAAAAAAAAAAAAAAAAAAAAAAAAAAAAAAAAAAAAAAAAAAAAAAAAAAAAAAAAAAAAAAAAAAAAAAAAAAAAAAAAAAAAAAAAAAAAAAAAAAAAAAFAAAADwAAAABAAAAAAAAAAAAAAkoAAAAAQAAABQAAAAUAAAAFAAAAAEAAAAAAAAAZAAAAGQAAAAAAAAAZAAAAGQAAAAVAAAAYAAAAAAAAAAAAAAADwAAACADAAAAAAAAAAAAAAEAAACgMgAAVgcAAKr4//8BAAAAf39/AAEAAABkAAAAAAAAABQAAABAHwAAAAAAACYAAAAAAAAAwOD//wAAAAAmAAAAZAAAABYAAABMAAAAAAAAAAAAAAAEAAAAAAAAAAEAAACAgIAKAAAAACgAAAAoAAAAZAAAAGQAAAAAAAAAzMzMAAAAAABQAAAAUAAAAGQAAABkAAAAAAAAABcAAAAUAAAAAAAAAAAAAAD/fwAA/38AAAAAAAAJAAAABAAAAHAgRgwMAAAAEAAAAAAAAAAAAAAAAAAAAAAAAAAeAAAAaAAAAAAAAAAAAAAAAAAAAAAAAAAAAAAAECcAABAnAAAAAAAAAAAAAAAAAAAAAAAAAAAAAAAAAAAAAAAAAAAAABQAAAAAAAAAwMD/AAAAAABkAAAAMgAAAAAAAABkAAAAAAAAAH9/fwAKAAAAIgAAABgAAAAAAAAAAAAAAAAAAAAAAAAAAAAAAAAAAAAkAAAAJAAAAAAAAAAHAAAAAAAAAAAAAAAAAAAAAAAAAAAAAAAAAAAAf39/ACUAAABYAAAAAAAAAAAAAAAAAAAAAAAAAAAAAAAAAAAAAAAAAAAAAAAAAAAAAAAAAAAAAAA/AAAAAAAAAKCGAQAAAAAAAAAAAAAAAAAMAAAAAQAAAAAAAAAAAAAAAAAAAB8AAABUAAAAu+DjBf///wEAAAAAAAAAAAAAAAAAAAAAAAAAAAAAAAAAAAAAAAAAAAAAAAJ/f38AgICAA8zMzADAwP8Af39/AAAAAAAAAAAAAAAAAAAAAAAAAAAAIQAAABgAAAAUAAAAoCIAABgVAACpLQAAaxYAABAAAAAmAAAACAAAAP//////////MAAAABQAAAAAAAAAAAD//wAAAQAAAP//AAABAA=="/>
               </a:ext>
             </a:extLst>
           </p:cNvSpPr>
@@ -5216,7 +5216,7 @@
           <p:cNvSpPr txBox="1">
             <a:extLst>
               <a:ext uri="smNativeData">
-                <pr:smNativeData xmlns:pr="smNativeData" xmlns="smNativeData" val="SMDATA_17_MUmAYRMAAAAlAAAAEgAAAE8BAAAAkAAAAEgAAACQAAAASAAAAAAAAAAAAAAAAAAAAAEAAABQAAAAAAAAAAAA4D8AAAAAAADgPwAAAAAAAOA/AAAAAAAA4D8AAAAAAADgPwAAAAAAAOA/AAAAAAAA4D8AAAAAAADgPwAAAAAAAOA/AAAAAAAA4D8CAAAAjAAAAAAAAAAAAAAAu+DjDP///wgAAAAAAAAAAAAAAAAAAAAAAAAAAAAAAAAAAAAAZAAAAAEAAABAAAAAAAAAAAAAAAAAAAAAAAAAAAAAAAAAAAAAAAAAAAAAAAAAAAAAAAAAAAAAAAAAAAAAAAAAAAAAAAAAAAAAAAAAAAAAAAAAAAAAAAAAAAAAAAAAAAAAFAAAADwAAAAAAAAAAAAAAAAAAAkUAAAAAQAAABQAAAAUAAAAFAAAAAEAAAAAAAAAZAAAAGQAAAAAAAAAZAAAAGQAAAAVAAAAYAAAAAAAAAAAAAAADwAAACADAAAAAAAAAAAAAAEAAACgMgAAVgcAAKr4//8BAAAAf39/AAEAAABkAAAAAAAAABQAAABAHwAAAAAAACYAAAAAAAAAwOD//wAAAAAmAAAAZAAAABYAAABMAAAAAAAAAAAAAAAEAAAAAAAAAAEAAACAgIAKAAAAACgAAAAoAAAAZAAAAGQAAAAAAAAAzMzMAAAAAABQAAAAUAAAAGQAAABkAAAAAAAAABcAAAAUAAAAAAAAAMQBAAD/fwAA/38AAAAAAAAJAAAABAAAAAAAAAAMAAAAEAAAAAAAAAAAAAAAAAAAAAAAAAAeAAAAaAAAAAAAAAAAAAAAAAAAAAAAAAAAAAAAECcAABAnAAAAAAAAAAAAAAAAAAAAAAAAAAAAAAAAAAAAAAAAAAAAABQAAAAAAAAAwMD/AAAAAABkAAAAMgAAAAAAAABkAAAAAAAAAH9/fwAKAAAAIgAAABgAAAAAAAAAAAAAAAAAAAAAAAAAAAAAAAAAAAAkAAAAJAAAAAAAAAAHAAAAAAAAAAAAAAAAAAAAAAAAAAAAAAAAAAAAf39/ACUAAABYAAAAAAAAAAAAAAAAAAAAAAAAAAAAAAAAAAAAAAAAAAAAAAAAAAAAAAAAAAAAAAA/AAAAAAAAAKCGAQAAAAAAAAAAAAAAAAAMAAAAAQAAAAAAAAAAAAAAAAAAAB8AAABUAAAAu+DjBf///wEAAAAAAAAAAAAAAAAAAAAAAAAAAAAAAAAAAAAAAAAAAAAAAAJ/f38AgICAA8zMzADAwP8Af39/AAAAAAAAAAAAAAAAAAAAAAAAAAAAIQAAABgAAAAUAAAAYCoAAIYfAAAfPwAAbiIAABAgAAAmAAAACAAAAP//////////MAAAABQAAAAAAAAAAAD//wAAAQAAAP//AAABAA=="/>
+                <pr:smNativeData xmlns:pr="smNativeData" xmlns="smNativeData" val="SMDATA_17_WnaBYRMAAAAlAAAAEgAAAE8BAAAAkAAAAEgAAACQAAAASAAAAAAAAAAAAAAAAAAAAAEAAABQAAAAAAAAAAAA4D8AAAAAAADgPwAAAAAAAOA/AAAAAAAA4D8AAAAAAADgPwAAAAAAAOA/AAAAAAAA4D8AAAAAAADgPwAAAAAAAOA/AAAAAAAA4D8CAAAAjAAAAAAAAAAAAAAAu+DjDP///wgAAAAAAAAAAAAAAAAAAAAAAAAAAAAAAAAAAAAAZAAAAAEAAABAAAAAAAAAAAAAAAAAAAAAAAAAAAAAAAAAAAAAAAAAAAAAAAAAAAAAAAAAAAAAAAAAAAAAAAAAAAAAAAAAAAAAAAAAAAAAAAAAAAAAAAAAAAAAAAAAAAAAFAAAADwAAAAAAAAAAAAAAAAAAAkUAAAAAQAAABQAAAAUAAAAFAAAAAEAAAAAAAAAZAAAAGQAAAAAAAAAZAAAAGQAAAAVAAAAYAAAAAAAAAAAAAAADwAAACADAAAAAAAAAAAAAAEAAACgMgAAVgcAAKr4//8BAAAAf39/AAEAAABkAAAAAAAAABQAAABAHwAAAAAAACYAAAAAAAAAwOD//wAAAAAmAAAAZAAAABYAAABMAAAAAAAAAAAAAAAEAAAAAAAAAAEAAACAgIAKAAAAACgAAAAoAAAAZAAAAGQAAAAAAAAAzMzMAAAAAABQAAAAUAAAAGQAAABkAAAAAAAAABcAAAAUAAAAAAAAAMQBAAD/fwAA/38AAAAAAAAJAAAABAAAAAAAAAAMAAAAEAAAAAAAAAAAAAAAAAAAAAAAAAAeAAAAaAAAAAAAAAAAAAAAAAAAAAAAAAAAAAAAECcAABAnAAAAAAAAAAAAAAAAAAAAAAAAAAAAAAAAAAAAAAAAAAAAABQAAAAAAAAAwMD/AAAAAABkAAAAMgAAAAAAAABkAAAAAAAAAH9/fwAKAAAAIgAAABgAAAAAAAAAAAAAAAAAAAAAAAAAAAAAAAAAAAAkAAAAJAAAAAAAAAAHAAAAAAAAAAAAAAAAAAAAAAAAAAAAAAAAAAAAf39/ACUAAABYAAAAAAAAAAAAAAAAAAAAAAAAAAAAAAAAAAAAAAAAAAAAAAAAAAAAAAAAAAAAAAA/AAAAAAAAAKCGAQAAAAAAAAAAAAAAAAAMAAAAAQAAAAAAAAAAAAAAAAAAAB8AAABUAAAAu+DjBf///wEAAAAAAAAAAAAAAAAAAAAAAAAAAAAAAAAAAAAAAAAAAAAAAAJ/f38AgICAA8zMzADAwP8Af39/AAAAAAAAAAAAAAAAAAAAAAAAAAAAIQAAABgAAAAUAAAAYCoAAIYfAAAfPwAAbiIAABAgAAAmAAAACAAAAP//////////MAAAABQAAAAAAAAAAAD//wAAAQAAAP//AAABAA=="/>
               </a:ext>
             </a:extLst>
           </p:cNvSpPr>
@@ -5269,7 +5269,7 @@
             <a:endCxn id="10" idx="1"/>
             <a:extLst>
               <a:ext uri="smNativeData">
-                <pr:smNativeData xmlns:pr="smNativeData" xmlns="smNativeData" val="SMDATA_17_MUmAYRMAAAAlAAAADgAAAA8BAAAAkAAAAEgAAACQAAAASAAAAAAAAAAAAAAAAAAAAAEAAABQAAAAAAAAAAAA4D8AAAAAAADgPwAAAAAAAOA/AAAAAAAA4D8AAAAAAADgPwAAAAAAAOA/AAAAAAAA4D8AAAAAAADgPwAAAAAAAOA/AAAAAAAA4D8CAAAAjAAAAAAAAAAAAAAAu+DjDP///wgAAAAAAAAAAAAAAAAAAAAAAAAAAAAAAAAAAAAAZAAAAAEAAABAAAAAAAAAAAAAAAAAAAAAAAAAAAAAAAAAAAAAAAAAAAAAAAAAAAAAAAAAAAAAAAAAAAAAAAAAAAAAAAAAAAAAAAAAAAAAAAAAAAAAAAAAAAAAAAAAAAAAFAAAADwAAAABAAAAAAAAAAAAAAkoAAAAAQAAABQAAAAUAAAAFAAAAAEAAAAAAAAAZAAAAGQAAAAAAAAAZAAAAGQAAAAVAAAAYAAAAAAAAAAAAAAADwAAACADAAAAAAAAAAAAAAEAAACgMgAAVgcAAKr4//8BAAAAf39/AAEAAABkAAAAAAAAABQAAABAHwAAAAAAACYAAAAAAAAAwOD//wAAAAAmAAAAZAAAABYAAABMAAAAAAAAAAAAAAAEAAAAAAAAAAEAAACAgIAKAAAAACgAAAAoAAAAZAAAAGQAAAAAAAAAzMzMAAAAAABQAAAAUAAAAGQAAABkAAAAAAAAABcAAAAUAAAAAAAAAAAAAAD/fwAA/38AAAAAAAAJAAAABAAAABwAzwEMAAAAEAAAAAAAAAAAAAAAAAAAAAAAAAAeAAAAaAAAAAAAAAAAAAAAAAAAAAAAAAAAAAAAECcAABAnAAAAAAAAAAAAAAAAAAAAAAAAAAAAAAAAAAAAAAAAAAAAABQAAAAAAAAAwMD/AAAAAABkAAAAMgAAAAAAAABkAAAAAAAAAH9/fwAKAAAAIgAAABgAAAAAAAAAAAAAAAAAAAAAAAAAAAAAAAAAAAAkAAAAJAAAAAAAAAAHAAAAAAAAAAAAAAAAAAAAAAAAAAAAAAAAAAAAf39/ACUAAABYAAAAAAAAAAAAAAAAAAAAAAAAAAAAAAAAAAAAAAAAAAAAAAAAAAAAAAAAAAAAAAA/AAAAAAAAAKCGAQAAAAAAAAAAAAAAAAAMAAAAAQAAAAAAAAAAAAAAAAAAAB8AAABUAAAAu+DjBf///wEAAAAAAAAAAAAAAAAAAAAAAAAAAAAAAAAAAAAAAAAAAAAAAAJ/f38AgICAA8zMzADAwP8Af39/AAAAAAAAAAAAAAAAAAAAAAAAAAAAIQAAABgAAAAUAAAAJCgAAGsWAABgKgAA+iAAABAAAAAmAAAACAAAAP//////////MAAAABQAAAAAAAAAAAD//wAAAQAAAP//AAABAA=="/>
+                <pr:smNativeData xmlns:pr="smNativeData" xmlns="smNativeData" val="SMDATA_17_WnaBYRMAAAAlAAAADgAAAA8BAAAAkAAAAEgAAACQAAAASAAAAAAAAAAAAAAAAAAAAAEAAABQAAAAAAAAAAAA4D8AAAAAAADgPwAAAAAAAOA/AAAAAAAA4D8AAAAAAADgPwAAAAAAAOA/AAAAAAAA4D8AAAAAAADgPwAAAAAAAOA/AAAAAAAA4D8CAAAAjAAAAAAAAAAAAAAAu+DjDP///wgAAAAAAAAAAAAAAAAAAAAAAAAAAAAAAAAAAAAAZAAAAAEAAABAAAAAAAAAAAAAAAAAAAAAAAAAAAAAAAAAAAAAAAAAAAAAAAAAAAAAAAAAAAAAAAAAAAAAAAAAAAAAAAAAAAAAAAAAAAAAAAAAAAAAAAAAAAAAAAAAAAAAFAAAADwAAAABAAAAAAAAAAAAAAkoAAAAAQAAABQAAAAUAAAAFAAAAAEAAAAAAAAAZAAAAGQAAAAAAAAAZAAAAGQAAAAVAAAAYAAAAAAAAAAAAAAADwAAACADAAAAAAAAAAAAAAEAAACgMgAAVgcAAKr4//8BAAAAf39/AAEAAABkAAAAAAAAABQAAABAHwAAAAAAACYAAAAAAAAAwOD//wAAAAAmAAAAZAAAABYAAABMAAAAAAAAAAAAAAAEAAAAAAAAAAEAAACAgIAKAAAAACgAAAAoAAAAZAAAAGQAAAAAAAAAzMzMAAAAAABQAAAAUAAAAGQAAABkAAAAAAAAABcAAAAUAAAAAAAAAAAAAAD/fwAA/38AAAAAAAAJAAAABAAAABwAzwEMAAAAEAAAAAAAAAAAAAAAAAAAAAAAAAAeAAAAaAAAAAAAAAAAAAAAAAAAAAAAAAAAAAAAECcAABAnAAAAAAAAAAAAAAAAAAAAAAAAAAAAAAAAAAAAAAAAAAAAABQAAAAAAAAAwMD/AAAAAABkAAAAMgAAAAAAAABkAAAAAAAAAH9/fwAKAAAAIgAAABgAAAAAAAAAAAAAAAAAAAAAAAAAAAAAAAAAAAAkAAAAJAAAAAAAAAAHAAAAAAAAAAAAAAAAAAAAAAAAAAAAAAAAAAAAf39/ACUAAABYAAAAAAAAAAAAAAAAAAAAAAAAAAAAAAAAAAAAAAAAAAAAAAAAAAAAAAAAAAAAAAA/AAAAAAAAAKCGAQAAAAAAAAAAAAAAAAAMAAAAAQAAAAAAAAAAAAAAAAAAAB8AAABUAAAAu+DjBf///wEAAAAAAAAAAAAAAAAAAAAAAAAAAAAAAAAAAAAAAAAAAAAAAAJ/f38AgICAA8zMzADAwP8Af39/AAAAAAAAAAAAAAAAAAAAAAAAAAAAIQAAABgAAAAUAAAAJCgAAGsWAABgKgAA+iAAABAAAAAmAAAACAAAAP//////////MAAAABQAAAAAAAAAAAD//wAAAQAAAP//AAABAA=="/>
               </a:ext>
             </a:extLst>
           </p:cNvCxnSpPr>
@@ -5301,7 +5301,7 @@
           <p:cNvSpPr>
             <a:extLst>
               <a:ext uri="smNativeData">
-                <pr:smNativeData xmlns:pr="smNativeData" xmlns="smNativeData" val="SMDATA_17_MUmAYRMAAAAlAAAAggAAAA8BAAAAkAAAAEgAAACQAAAASAAAAAAAAAAAAAAAAAAAAAEAAABQAAAAQKUua7iN6j8AAAAAAADgPwAAAAAAAOA/AAAAAAAA4D8AAAAAAADgPwAAAAAAAOA/AAAAAAAA4D8AAAAAAADgPwAAAAAAAOA/AAAAAAAA4D8CAAAAjAAAAAAAAAAAAAAAu+DjDP///wgAAAAAAAAAAAAAAAAAAAAAAAAAAAAAAAAAAAAAZAAAAAEAAABAAAAAAAAAAAAAAAAAAAAAAAAAAAAAAAAAAAAAAAAAAAAAAAAAAAAAAAAAAAAAAAAAAAAAAAAAAAAAAAAAAAAAAAAAAAAAAAAAAAAAAAAAAAAAAAAAAAAAFAAAADwAAAABAAAAAAAAAAAAAAkoAAAAAQAAABQAAAAUAAAAFAAAAAEAAAAAAAAAZAAAAGQAAAAAAAAAZAAAAGQAAAAVAAAAYAAAAAAAAAAAAAAADwAAACADAAAAAAAAAAAAAAEAAACgMgAAVgcAAKr4//8BAAAAf39/AAEAAABkAAAAAAAAABQAAABAHwAAAAAAACYAAAAAAAAAwOD//wAAAAAmAAAAZAAAABYAAABMAAAAAAAAAAAAAAAEAAAAAAAAAAEAAACAgIAKAAAAACgAAAAoAAAAZAAAAGQAAAAAAAAAzMzMAAAAAABQAAAAUAAAAGQAAABkAAAAAAAAABcAAAAUAAAAAAAAAAAAAAD/fwAA/38AAAAAAAAJAAAABAAAAAAAAAAMAAAAEAAAAAAAAAAAAAAAAAAAAAAAAAAeAAAAaAAAAAAAAAAAAAAAAAAAAAAAAAAAAAAAECcAABAnAAAAAAAAAAAAAAAAAAAAAAAAAAAAAAAAAAAAAAAAAAAAABQAAAAAAAAAwMD/AAAAAABkAAAAMgAAAAAAAABkAAAAAAAAAH9/fwAKAAAAIgAAABgAAAAAAAAAAAAAAAAAAAAAAAAAAAAAAAAAAAAkAAAAJAAAAAAAAAAHAAAAAAAAAAAAAAAAAAAAAAAAAAAAAAAAAAAAf39/ACUAAABYAAAAAAAAAAAAAAAAAAAAAAAAAAAAAAAAAAAAAAAAAAAAAAAAAAAAAAAAAAAAAAA/AAAAAAAAAKCGAQAAAAAAAAAAAAAAAAAMAAAAAQAAAAAAAAAAAAAAAAAAAB8AAABUAAAAu+DjBf///wEAAAAAAAAAAAAAAAAAAAAAAAAAAAAAAAAAAAAAAAAAAAAAAAJ/f38AgICAA8zMzADAwP8Af39/AAAAAAAAAAAAAAAAAAAAAAAAAAAAIQAAABgAAAAUAAAAYCoAAG4iAABWPgAAwSMAABAAAAAmAAAACAAAAP//////////MAAAABQAAAAAAAAAAAD//wAAAQAAAP//AAABAA=="/>
+                <pr:smNativeData xmlns:pr="smNativeData" xmlns="smNativeData" val="SMDATA_17_WnaBYRMAAAAlAAAAggAAAA8BAAAAkAAAAEgAAACQAAAASAAAAAAAAAAAAAAAAAAAAAEAAABQAAAAQKUua7iN6j8AAAAAAADgPwAAAAAAAOA/AAAAAAAA4D8AAAAAAADgPwAAAAAAAOA/AAAAAAAA4D8AAAAAAADgPwAAAAAAAOA/AAAAAAAA4D8CAAAAjAAAAAAAAAAAAAAAu+DjDP///wgAAAAAAAAAAAAAAAAAAAAAAAAAAAAAAAAAAAAAZAAAAAEAAABAAAAAAAAAAAAAAAAAAAAAAAAAAAAAAAAAAAAAAAAAAAAAAAAAAAAAAAAAAAAAAAAAAAAAAAAAAAAAAAAAAAAAAAAAAAAAAAAAAAAAAAAAAAAAAAAAAAAAFAAAADwAAAABAAAAAAAAAAAAAAkoAAAAAQAAABQAAAAUAAAAFAAAAAEAAAAAAAAAZAAAAGQAAAAAAAAAZAAAAGQAAAAVAAAAYAAAAAAAAAAAAAAADwAAACADAAAAAAAAAAAAAAEAAACgMgAAVgcAAKr4//8BAAAAf39/AAEAAABkAAAAAAAAABQAAABAHwAAAAAAACYAAAAAAAAAwOD//wAAAAAmAAAAZAAAABYAAABMAAAAAAAAAAAAAAAEAAAAAAAAAAEAAACAgIAKAAAAACgAAAAoAAAAZAAAAGQAAAAAAAAAzMzMAAAAAABQAAAAUAAAAGQAAABkAAAAAAAAABcAAAAUAAAAAAAAAAAAAAD/fwAA/38AAAAAAAAJAAAABAAAAAAAAAAMAAAAEAAAAAAAAAAAAAAAAAAAAAAAAAAeAAAAaAAAAAAAAAAAAAAAAAAAAAAAAAAAAAAAECcAABAnAAAAAAAAAAAAAAAAAAAAAAAAAAAAAAAAAAAAAAAAAAAAABQAAAAAAAAAwMD/AAAAAABkAAAAMgAAAAAAAABkAAAAAAAAAH9/fwAKAAAAIgAAABgAAAAAAAAAAAAAAAAAAAAAAAAAAAAAAAAAAAAkAAAAJAAAAAAAAAAHAAAAAAAAAAAAAAAAAAAAAAAAAAAAAAAAAAAAf39/ACUAAABYAAAAAAAAAAAAAAAAAAAAAAAAAAAAAAAAAAAAAAAAAAAAAAAAAAAAAAAAAAAAAAA/AAAAAAAAAKCGAQAAAAAAAAAAAAAAAAAMAAAAAQAAAAAAAAAAAAAAAAAAAB8AAABUAAAAu+DjBf///wEAAAAAAAAAAAAAAAAAAAAAAAAAAAAAAAAAAAAAAAAAAAAAAAJ/f38AgICAA8zMzADAwP8Af39/AAAAAAAAAAAAAAAAAAAAAAAAAAAAIQAAABgAAAAUAAAAYCoAAG4iAABWPgAAwSMAABAAAAAmAAAACAAAAP//////////MAAAABQAAAAAAAAAAAD//wAAAQAAAP//AAABAA=="/>
               </a:ext>
             </a:extLst>
           </p:cNvSpPr>
@@ -5336,7 +5336,7 @@
           <p:cNvSpPr txBox="1">
             <a:extLst>
               <a:ext uri="smNativeData">
-                <pr:smNativeData xmlns:pr="smNativeData" xmlns="smNativeData" val="SMDATA_17_MUmAYRMAAAAlAAAAEgAAAE8BAAAAkAAAAEgAAACQAAAASAAAAAAAAAAAAAAAAAAAAAEAAABQAAAAAAAAAAAA4D8AAAAAAADgPwAAAAAAAOA/AAAAAAAA4D8AAAAAAADgPwAAAAAAAOA/AAAAAAAA4D8AAAAAAADgPwAAAAAAAOA/AAAAAAAA4D8CAAAAjAAAAAAAAAAAAAAAu+DjDP///wgAAAAAAAAAAAAAAAAAAAAAAAAAAAAAAAAAAAAAZAAAAAEAAABAAAAAAAAAAAAAAAAAAAAAAAAAAAAAAAAAAAAAAAAAAAAAAAAAAAAAAAAAAAAAAAAAAAAAAAAAAAAAAAAAAAAAAAAAAAAAAAAAAAAAAAAAAAAAAAAAAAAAFAAAADwAAAAAAAAAAAAAAAAAAAkUAAAAAQAAABQAAAAUAAAAFAAAAAEAAAAAAAAAZAAAAGQAAAAAAAAAZAAAAGQAAAAVAAAAYAAAAAAAAAAAAAAADwAAACADAAAAAAAAAAAAAAEAAACgMgAAVgcAAKr4//8BAAAAf39/AAEAAABkAAAAAAAAABQAAABAHwAAAAAAACYAAAAAAAAAwOD//wAAAAAmAAAAZAAAABYAAABMAAAAAAAAAAAAAAAEAAAAAAAAAAEAAACAgIAKAAAAACgAAAAoAAAAZAAAAGQAAAAAAAAAzMzMAAAAAABQAAAAUAAAAGQAAABkAAAAAAAAABcAAAAUAAAAAAAAAMQBAAD/fwAA/38AAAAAAAAJAAAABAAAANA8lAoMAAAAEAAAAAAAAAAAAAAAAAAAAAAAAAAeAAAAaAAAAAAAAAAAAAAAAAAAAAAAAAAAAAAAECcAABAnAAAAAAAAAAAAAAAAAAAAAAAAAAAAAAAAAAAAAAAAAAAAABQAAAAAAAAAwMD/AAAAAABkAAAAMgAAAAAAAABkAAAAAAAAAH9/fwAKAAAAIgAAABgAAAAAAAAAAAAAAAAAAAAAAAAAAAAAAAAAAAAkAAAAJAAAAAAAAAAHAAAAAAAAAAAAAAAAAAAAAAAAAAAAAAAAAAAAf39/ACUAAABYAAAAAAAAAAAAAAAAAAAAAAAAAAAAAAAAAAAAAAAAAAAAAAAAAAAAAAAAAAAAAAA/AAAAAAAAAKCGAQAAAAAAAAAAAAAAAAAMAAAAAQAAAAAAAAAAAAAAAAAAAB8AAABUAAAAu+DjBf///wEAAAAAAAAAAAAAAAAAAAAAAAAAAAAAAAAAAAAAAAAAAAAAAAJ/f38AgICAA8zMzADAwP8Af39/AAAAAAAAAAAAAAAAAAAAAAAAAAAAIQAAABgAAAAUAAAA2yMAAMEjAADcRAAAsScAABAgAAAmAAAACAAAAP//////////MAAAABQAAAAAAAAAAAD//wAAAQAAAP//AAABAA=="/>
+                <pr:smNativeData xmlns:pr="smNativeData" xmlns="smNativeData" val="SMDATA_17_WnaBYRMAAAAlAAAAEgAAAE8BAAAAkAAAAEgAAACQAAAASAAAAAAAAAAAAAAAAAAAAAEAAABQAAAAAAAAAAAA4D8AAAAAAADgPwAAAAAAAOA/AAAAAAAA4D8AAAAAAADgPwAAAAAAAOA/AAAAAAAA4D8AAAAAAADgPwAAAAAAAOA/AAAAAAAA4D8CAAAAjAAAAAAAAAAAAAAAu+DjDP///wgAAAAAAAAAAAAAAAAAAAAAAAAAAAAAAAAAAAAAZAAAAAEAAABAAAAAAAAAAAAAAAAAAAAAAAAAAAAAAAAAAAAAAAAAAAAAAAAAAAAAAAAAAAAAAAAAAAAAAAAAAAAAAAAAAAAAAAAAAAAAAAAAAAAAAAAAAAAAAAAAAAAAFAAAADwAAAAAAAAAAAAAAAAAAAkUAAAAAQAAABQAAAAUAAAAFAAAAAEAAAAAAAAAZAAAAGQAAAAAAAAAZAAAAGQAAAAVAAAAYAAAAAAAAAAAAAAADwAAACADAAAAAAAAAAAAAAEAAACgMgAAVgcAAKr4//8BAAAAf39/AAEAAABkAAAAAAAAABQAAABAHwAAAAAAACYAAAAAAAAAwOD//wAAAAAmAAAAZAAAABYAAABMAAAAAAAAAAAAAAAEAAAAAAAAAAEAAACAgIAKAAAAACgAAAAoAAAAZAAAAGQAAAAAAAAAzMzMAAAAAABQAAAAUAAAAGQAAABkAAAAAAAAABcAAAAUAAAAAAAAAMQBAAD/fwAA/38AAAAAAAAJAAAABAAAANA8lAoMAAAAEAAAAAAAAAAAAAAAAAAAAAAAAAAeAAAAaAAAAAAAAAAAAAAAAAAAAAAAAAAAAAAAECcAABAnAAAAAAAAAAAAAAAAAAAAAAAAAAAAAAAAAAAAAAAAAAAAABQAAAAAAAAAwMD/AAAAAABkAAAAMgAAAAAAAABkAAAAAAAAAH9/fwAKAAAAIgAAABgAAAAAAAAAAAAAAAAAAAAAAAAAAAAAAAAAAAAkAAAAJAAAAAAAAAAHAAAAAAAAAAAAAAAAAAAAAAAAAAAAAAAAAAAAf39/ACUAAABYAAAAAAAAAAAAAAAAAAAAAAAAAAAAAAAAAAAAAAAAAAAAAAAAAAAAAAAAAAAAAAA/AAAAAAAAAKCGAQAAAAAAAAAAAAAAAAAMAAAAAQAAAAAAAAAAAAAAAAAAAB8AAABUAAAAu+DjBf///wEAAAAAAAAAAAAAAAAAAAAAAAAAAAAAAAAAAAAAAAAAAAAAAAJ/f38AgICAA8zMzADAwP8Af39/AAAAAAAAAAAAAAAAAAAAAAAAAAAAIQAAABgAAAAUAAAA2yMAAMEjAADcRAAAsScAABAgAAAmAAAACAAAAP//////////MAAAABQAAAAAAAAAAAD//wAAAQAAAP//AAABAA=="/>
               </a:ext>
             </a:extLst>
           </p:cNvSpPr>
@@ -5379,7 +5379,7 @@
           <p:cNvPicPr>
             <a:extLst>
               <a:ext uri="smNativeData">
-                <pr:smNativeData xmlns:pr="smNativeData" xmlns="smNativeData" val="SMDATA_19_MUmAYRMAAAAlAAAAEQAAAA8BAAAAkAAAAEgAAACQAAAASAAAAAAAAAAAAAAAAAAAAAEAAABQAAAAAAAAAAAA4D8AAAAAAADgPwAAAAAAAOA/AAAAAAAA4D8AAAAAAADgPwAAAAAAAOA/AAAAAAAA4D8AAAAAAADgPwAAAAAAAOA/AAAAAAAA4D8CAAAAjAAAAAAAAAAAAAAAu+DjDP///wgAAAAAAAAAAAAAAAAAAAAAAAAAAAAAAAAAAAAAZAAAAAEAAABAAAAAAAAAAAAAAAAAAAAAAAAAAAAAAAAAAAAAAAAAAAAAAAAAAAAAAAAAAAAAAAAAAAAAAAAAAAAAAAAAAAAAAAAAAAAAAAAAAAAAAAAAAAAAAAAAAAAAFAAAADwAAAAAAAAAAAAAAAAAAAkUAAAAAQAAABQAAAAUAAAAFAAAAAEAAAAAAAAAZAAAAGQAAAAAAAAAZAAAAGQAAAAVAAAAYAAAAAAAAAAAAAAADwAAACADAAAAAAAAAAAAAAEAAACgMgAAVgcAAKr4//8BAAAAf39/AAEAAABkAAAAAAAAABQAAABAHwAAAAAAACYAAAAAAAAAwOD//wAAAAAmAAAAZAAAABYAAABMAAAAAAAAAAAAAAAEAAAAAAAAAAEAAACAgIAKAAAAACgAAAAoAAAAZAAAAGQAAAAAAAAAzMzMAAAAAABQAAAAUAAAAGQAAABkAAAAAAAAAAcAAAA4AAAAAAAAAAAAAAAAAAAA////AAAAAAAAAAAAAAAAAAAAAAAAAAAAAAAAAAAAAABkAAAAZAAAAAAAAAAjAAAABAAAAGQAAAAXAAAAFAAAAAAAAAAAAAAA/38AAP9/AAAAAAAACQAAAAQAAAAAAAAADAAAABAAAAAAAAAAAAAAAAAAAAAAAAAAHgAAAGgAAAAAAAAAAAAAAAAAAAAAAAAAAAAAABAnAAAQJwAAAAAAAAAAAAAAAAAAAAAAAAAAAAAAAAAAAAAAAAAAAAAUAAAAAAAAAMDA/wAAAAAAZAAAADIAAAAAAAAAZAAAAAAAAAB/f38ACgAAACIAAAAYAAAAAAAAAAAAAAAAAAAAAAAAAAAAAAAAAAAAJAAAACQAAAAAAAAABwAAAAAAAAAAAAAAAAAAAAAAAAAAAAAAAAAAAH9/fwAlAAAAWAAAAAAAAAAAAAAAAAAAAAAAAAAAAAAAAAAAAAAAAAAAAAAAAAAAAAAAAAAAAAAAPwAAAAAAAACghgEAAAAAAAAAAAAAAAAADAAAAAEAAAAAAAAAAAAAAAAAAAAfAAAAVAAAALvg4wX///8BAAAAAAAAAAAAAAAAAAAAAAAAAAAAAAAAAAAAAAAAAAAAAAACf39/AICAgAPMzMwAwMD/AH9/fwAAAAAAAAAAAAAAAAD///8AAAAAACEAAAAYAAAAFAAAAK////8nAgAAUUsAAFgIAAAQAAAAJgAAAAgAAAD//////////zAAAAAUAAAAAAAAAAAA//8AAAEAAAD//wAAAQA="/>
+                <pr:smNativeData xmlns:pr="smNativeData" xmlns="smNativeData" val="SMDATA_19_WnaBYRMAAAAlAAAAEQAAAA8BAAAAkAAAAEgAAACQAAAASAAAAAAAAAAAAAAAAAAAAAEAAABQAAAAAAAAAAAA4D8AAAAAAADgPwAAAAAAAOA/AAAAAAAA4D8AAAAAAADgPwAAAAAAAOA/AAAAAAAA4D8AAAAAAADgPwAAAAAAAOA/AAAAAAAA4D8CAAAAjAAAAAAAAAAAAAAAu+DjDP///wgAAAAAAAAAAAAAAAAAAAAAAAAAAAAAAAAAAAAAZAAAAAEAAABAAAAAAAAAAAAAAAAAAAAAAAAAAAAAAAAAAAAAAAAAAAAAAAAAAAAAAAAAAAAAAAAAAAAAAAAAAAAAAAAAAAAAAAAAAAAAAAAAAAAAAAAAAAAAAAAAAAAAFAAAADwAAAAAAAAAAAAAAAAAAAkUAAAAAQAAABQAAAAUAAAAFAAAAAEAAAAAAAAAZAAAAGQAAAAAAAAAZAAAAGQAAAAVAAAAYAAAAAAAAAAAAAAADwAAACADAAAAAAAAAAAAAAEAAACgMgAAVgcAAKr4//8BAAAAf39/AAEAAABkAAAAAAAAABQAAABAHwAAAAAAACYAAAAAAAAAwOD//wAAAAAmAAAAZAAAABYAAABMAAAAAAAAAAAAAAAEAAAAAAAAAAEAAACAgIAKAAAAACgAAAAoAAAAZAAAAGQAAAAAAAAAzMzMAAAAAABQAAAAUAAAAGQAAABkAAAAAAAAAAcAAAA4AAAAAAAAAAAAAAAAAAAA////AAAAAAAAAAAAAAAAAAAAAAAAAAAAAAAAAAAAAABkAAAAZAAAAAAAAAAjAAAABAAAAGQAAAAXAAAAFAAAAAAAAAAAAAAA/38AAP9/AAAAAAAACQAAAAQAAAAAAAAADAAAABAAAAAAAAAAAAAAAAAAAAAAAAAAHgAAAGgAAAAAAAAAAAAAAAAAAAAAAAAAAAAAABAnAAAQJwAAAAAAAAAAAAAAAAAAAAAAAAAAAAAAAAAAAAAAAAAAAAAUAAAAAAAAAMDA/wAAAAAAZAAAADIAAAAAAAAAZAAAAAAAAAB/f38ACgAAACIAAAAYAAAAAAAAAAAAAAAAAAAAAAAAAAAAAAAAAAAAJAAAACQAAAAAAAAABwAAAAAAAAAAAAAAAAAAAAAAAAAAAAAAAAAAAH9/fwAlAAAAWAAAAAAAAAAAAAAAAAAAAAAAAAAAAAAAAAAAAAAAAAAAAAAAAAAAAAAAAAAAAAAAPwAAAAAAAACghgEAAAAAAAAAAAAAAAAADAAAAAEAAAAAAAAAAAAAAAAAAAAfAAAAVAAAALvg4wX///8BAAAAAAAAAAAAAAAAAAAAAAAAAAAAAAAAAAAAAAAAAAAAAAACf39/AICAgAPMzMwAwMD/AH9/fwAAAAAAAAAAAAAAAAD///8AAAAAACEAAAAYAAAAFAAAAK////8nAgAAUUsAAFgIAAAQAAAAJgAAAAgAAAD//////////zAAAAAUAAAAAAAAAAAA//8AAAEAAAD//wAAAQA="/>
               </a:ext>
             </a:extLst>
           </p:cNvPicPr>
@@ -5412,7 +5412,7 @@
           <p:cNvSpPr>
             <a:extLst>
               <a:ext uri="smNativeData">
-                <pr:smNativeData xmlns:pr="smNativeData" xmlns="smNativeData" val="SMDATA_17_MUmAYRMAAAAlAAAAggAAAA8BAAAAkAAAAEgAAACQAAAASAAAAAAAAAAAAAAAAAAAAAEAAABQAAAAAAAAAAAAAAAAAAAAAADgPwAAAAAAAOA/AAAAAAAA4D8AAAAAAADgPwAAAAAAAOA/AAAAAAAA4D8AAAAAAADgPwAAAAAAAOA/AAAAAAAA4D8CAAAAjAAAAAAAAAAAAAAAu+DjDP///wgAAAAAAAAAAAAAAAAAAAAAAAAAAAAAAAAAAAAAZAAAAAEAAABAAAAAAAAAAAAAAAAAAAAAAAAAAAAAAAAAAAAAAAAAAAAAAAAAAAAAAAAAAAAAAAAAAAAAAAAAAAAAAAAAAAAAAAAAAAAAAAAAAAAAAAAAAAAAAAAAAAAAFAAAADwAAAABAAAAAAAAAAAAAAkoAAAAAQAAABQAAAAUAAAAFAAAAAEAAAAAAAAAZAAAAGQAAAAAAAAAZAAAAGQAAAAVAAAAYAAAAAAAAAAAAAAADwAAACADAAAAAAAAAAAAAAEAAACgMgAAVgcAAKr4//8BAAAAf39/AAEAAABkAAAAAAAAABQAAABAHwAAAAAAACYAAAAAAAAAwOD//wAAAAAmAAAAZAAAABYAAABMAAAAAAAAAAAAAAAEAAAAAAAAAAEAAACAgIAKAAAAACgAAAAoAAAAZAAAAGQAAAAAAAAAzMzMAAAAAABQAAAAUAAAAGQAAABkAAAAAAAAABcAAAAUAAAAAAAAAAAAAAD/fwAA/38AAAAAAAAJAAAABAAAAP///ekMAAAAEAAAAAAAAAAAAAAAAAAAAAAAAAAeAAAAaAAAAAAAAAAAAAAAAAAAAAAAAAAAAAAAECcAABAnAAAAAAAAAAAAAAAAAAAAAAAAAAAAAAAAAAAAAAAAAAAAABQAAAAAAAAAwMD/AAAAAABkAAAAMgAAAAAAAABkAAAAAAAAAH9/fwAKAAAAIgAAABgAAAAAAAAAAAAAAAAAAAAAAAAAAAAAAAAAAAAkAAAAJAAAAAAAAAAHAAAAAAAAAAAAAAAAAAAAAAAAAAAAAAAAAAAAf39/ACUAAABYAAAAAAAAAAAAAAAAAAAAAAAAAAAAAAAAAAAAAAAAAAAAAAAAAAAAAAAAAAAAAAA/AAAAAAAAAKCGAQAAAAAAAAAAAAAAAAAMAAAAAQAAAAAAAAAAAAAAAAAAAB8AAABUAAAAu+DjBf///wEAAAAAAAAAAAAAAAAAAAAAAAAAAAAAAAAAAAAAAAAAAAAAAAJ/f38AgICAA8zMzADAwP8Af39/AAAAAAAAAAAAAAAAAAAAAAAAAAAAIQAAABgAAAAUAAAACxoAABgVAAClHAAAaxYAABAAAAAmAAAACAAAAP//////////MAAAABQAAAAAAAAAAAD//wAAAQAAAP//AAABAA=="/>
+                <pr:smNativeData xmlns:pr="smNativeData" xmlns="smNativeData" val="SMDATA_17_WnaBYRMAAAAlAAAAggAAAA8BAAAAkAAAAEgAAACQAAAASAAAAAAAAAAAAAAAAAAAAAEAAABQAAAAAAAAAAAAAAAAAAAAAADgPwAAAAAAAOA/AAAAAAAA4D8AAAAAAADgPwAAAAAAAOA/AAAAAAAA4D8AAAAAAADgPwAAAAAAAOA/AAAAAAAA4D8CAAAAjAAAAAAAAAAAAAAAu+DjDP///wgAAAAAAAAAAAAAAAAAAAAAAAAAAAAAAAAAAAAAZAAAAAEAAABAAAAAAAAAAAAAAAAAAAAAAAAAAAAAAAAAAAAAAAAAAAAAAAAAAAAAAAAAAAAAAAAAAAAAAAAAAAAAAAAAAAAAAAAAAAAAAAAAAAAAAAAAAAAAAAAAAAAAFAAAADwAAAABAAAAAAAAAAAAAAkoAAAAAQAAABQAAAAUAAAAFAAAAAEAAAAAAAAAZAAAAGQAAAAAAAAAZAAAAGQAAAAVAAAAYAAAAAAAAAAAAAAADwAAACADAAAAAAAAAAAAAAEAAACgMgAAVgcAAKr4//8BAAAAf39/AAEAAABkAAAAAAAAABQAAABAHwAAAAAAACYAAAAAAAAAwOD//wAAAAAmAAAAZAAAABYAAABMAAAAAAAAAAAAAAAEAAAAAAAAAAEAAACAgIAKAAAAACgAAAAoAAAAZAAAAGQAAAAAAAAAzMzMAAAAAABQAAAAUAAAAGQAAABkAAAAAAAAABcAAAAUAAAAAAAAAAAAAAD/fwAA/38AAAAAAAAJAAAABAAAAP///ekMAAAAEAAAAAAAAAAAAAAAAAAAAAAAAAAeAAAAaAAAAAAAAAAAAAAAAAAAAAAAAAAAAAAAECcAABAnAAAAAAAAAAAAAAAAAAAAAAAAAAAAAAAAAAAAAAAAAAAAABQAAAAAAAAAwMD/AAAAAABkAAAAMgAAAAAAAABkAAAAAAAAAH9/fwAKAAAAIgAAABgAAAAAAAAAAAAAAAAAAAAAAAAAAAAAAAAAAAAkAAAAJAAAAAAAAAAHAAAAAAAAAAAAAAAAAAAAAAAAAAAAAAAAAAAAf39/ACUAAABYAAAAAAAAAAAAAAAAAAAAAAAAAAAAAAAAAAAAAAAAAAAAAAAAAAAAAAAAAAAAAAA/AAAAAAAAAKCGAQAAAAAAAAAAAAAAAAAMAAAAAQAAAAAAAAAAAAAAAAAAAB8AAABUAAAAu+DjBf///wEAAAAAAAAAAAAAAAAAAAAAAAAAAAAAAAAAAAAAAAAAAAAAAAJ/f38AgICAA8zMzADAwP8Af39/AAAAAAAAAAAAAAAAAAAAAAAAAAAAIQAAABgAAAAUAAAACxoAABgVAAClHAAAaxYAABAAAAAmAAAACAAAAP//////////MAAAABQAAAAAAAAAAAD//wAAAQAAAP//AAABAA=="/>
               </a:ext>
             </a:extLst>
           </p:cNvSpPr>
@@ -5447,7 +5447,7 @@
           <p:cNvSpPr txBox="1">
             <a:extLst>
               <a:ext uri="smNativeData">
-                <pr:smNativeData xmlns:pr="smNativeData" xmlns="smNativeData" val="SMDATA_17_MUmAYRMAAAAlAAAAEgAAAE8BAAAAkAAAAEgAAACQAAAASAAAAAAAAAAAAAAAAAAAAAEAAABQAAAAAAAAAAAA4D8AAAAAAADgPwAAAAAAAOA/AAAAAAAA4D8AAAAAAADgPwAAAAAAAOA/AAAAAAAA4D8AAAAAAADgPwAAAAAAAOA/AAAAAAAA4D8CAAAAjAAAAAAAAAAAAAAAu+DjDP///wgAAAAAAAAAAAAAAAAAAAAAAAAAAAAAAAAAAAAAZAAAAAEAAABAAAAAAAAAAAAAAAAAAAAAAAAAAAAAAAAAAAAAAAAAAAAAAAAAAAAAAAAAAAAAAAAAAAAAAAAAAAAAAAAAAAAAAAAAAAAAAAAAAAAAAAAAAAAAAAAAAAAAFAAAADwAAAAAAAAAAAAAAAAAAAkUAAAAAQAAABQAAAAUAAAAFAAAAAEAAAAAAAAAZAAAAGQAAAAAAAAAZAAAAGQAAAAVAAAAYAAAAAAAAAAAAAAADwAAACADAAAAAAAAAAAAAAEAAACgMgAAVgcAAKr4//8BAAAAf39/AAEAAABkAAAAAAAAABQAAABAHwAAAAAAACYAAAAAAAAAwOD//wAAAAAmAAAAZAAAABYAAABMAAAAAAAAAAAAAAAEAAAAAAAAAAEAAACAgIAKAAAAACgAAAAoAAAAZAAAAGQAAAAAAAAAzMzMAAAAAABQAAAAUAAAAGQAAABkAAAAAAAAABcAAAAUAAAAAAAAAMQBAAD/fwAA/38AAAAAAAAJAAAABAAAAAAakAUMAAAAEAAAAAAAAAAAAAAAAAAAAAAAAAAeAAAAaAAAAAAAAAAAAAAAAAAAAAAAAAAAAAAAECcAABAnAAAAAAAAAAAAAAAAAAAAAAAAAAAAAAAAAAAAAAAAAAAAABQAAAAAAAAAwMD/AAAAAABkAAAAMgAAAAAAAABkAAAAAAAAAH9/fwAKAAAAIgAAABgAAAAAAAAAAAAAAAAAAAAAAAAAAAAAAAAAAAAkAAAAJAAAAAAAAAAHAAAAAAAAAAAAAAAAAAAAAAAAAAAAAAAAAAAAf39/ACUAAABYAAAAAAAAAAAAAAAAAAAAAAAAAAAAAAAAAAAAAAAAAAAAAAAAAAAAAAAAAAAAAAA/AAAAAAAAAKCGAQAAAAAAAAAAAAAAAAAMAAAAAQAAAAAAAAAAAAAAAAAAAB8AAABUAAAAu+DjBf///wEAAAAAAAAAAAAAAAAAAAAAAAAAAAAAAAAAAAAAAAAAAAAAAAJ/f38AgICAA8zMzADAwP8Af39/AAAAAAAAAAAAAAAAAAAAAAAAAAAAIQAAABgAAAAUAAAAYwgAAFAjAAALGgAAOCYAABAgAAAmAAAACAAAAP//////////MAAAABQAAAAAAAAAAAD//wAAAQAAAP//AAABAA=="/>
+                <pr:smNativeData xmlns:pr="smNativeData" xmlns="smNativeData" val="SMDATA_17_WnaBYRMAAAAlAAAAEgAAAE8BAAAAkAAAAEgAAACQAAAASAAAAAAAAAAAAAAAAAAAAAEAAABQAAAAAAAAAAAA4D8AAAAAAADgPwAAAAAAAOA/AAAAAAAA4D8AAAAAAADgPwAAAAAAAOA/AAAAAAAA4D8AAAAAAADgPwAAAAAAAOA/AAAAAAAA4D8CAAAAjAAAAAAAAAAAAAAAu+DjDP///wgAAAAAAAAAAAAAAAAAAAAAAAAAAAAAAAAAAAAAZAAAAAEAAABAAAAAAAAAAAAAAAAAAAAAAAAAAAAAAAAAAAAAAAAAAAAAAAAAAAAAAAAAAAAAAAAAAAAAAAAAAAAAAAAAAAAAAAAAAAAAAAAAAAAAAAAAAAAAAAAAAAAAFAAAADwAAAAAAAAAAAAAAAAAAAkUAAAAAQAAABQAAAAUAAAAFAAAAAEAAAAAAAAAZAAAAGQAAAAAAAAAZAAAAGQAAAAVAAAAYAAAAAAAAAAAAAAADwAAACADAAAAAAAAAAAAAAEAAACgMgAAVgcAAKr4//8BAAAAf39/AAEAAABkAAAAAAAAABQAAABAHwAAAAAAACYAAAAAAAAAwOD//wAAAAAmAAAAZAAAABYAAABMAAAAAAAAAAAAAAAEAAAAAAAAAAEAAACAgIAKAAAAACgAAAAoAAAAZAAAAGQAAAAAAAAAzMzMAAAAAABQAAAAUAAAAGQAAABkAAAAAAAAABcAAAAUAAAAAAAAAMQBAAD/fwAA/38AAAAAAAAJAAAABAAAAAAakAUMAAAAEAAAAAAAAAAAAAAAAAAAAAAAAAAeAAAAaAAAAAAAAAAAAAAAAAAAAAAAAAAAAAAAECcAABAnAAAAAAAAAAAAAAAAAAAAAAAAAAAAAAAAAAAAAAAAAAAAABQAAAAAAAAAwMD/AAAAAABkAAAAMgAAAAAAAABkAAAAAAAAAH9/fwAKAAAAIgAAABgAAAAAAAAAAAAAAAAAAAAAAAAAAAAAAAAAAAAkAAAAJAAAAAAAAAAHAAAAAAAAAAAAAAAAAAAAAAAAAAAAAAAAAAAAf39/ACUAAABYAAAAAAAAAAAAAAAAAAAAAAAAAAAAAAAAAAAAAAAAAAAAAAAAAAAAAAAAAAAAAAA/AAAAAAAAAKCGAQAAAAAAAAAAAAAAAAAMAAAAAQAAAAAAAAAAAAAAAAAAAB8AAABUAAAAu+DjBf///wEAAAAAAAAAAAAAAAAAAAAAAAAAAAAAAAAAAAAAAAAAAAAAAAJ/f38AgICAA8zMzADAwP8Af39/AAAAAAAAAAAAAAAAAAAAAAAAAAAAIQAAABgAAAAUAAAAYwgAAFAjAAALGgAAOCYAABAgAAAmAAAACAAAAP//////////MAAAABQAAAAAAAAAAAD//wAAAQAAAP//AAABAA=="/>
               </a:ext>
             </a:extLst>
           </p:cNvSpPr>
@@ -5500,7 +5500,7 @@
             <a:endCxn id="15" idx="2"/>
             <a:extLst>
               <a:ext uri="smNativeData">
-                <pr:smNativeData xmlns:pr="smNativeData" xmlns="smNativeData" val="SMDATA_17_MUmAYRMAAAAlAAAADgAAAA8BAAAAkAAAAEgAAACQAAAASAAAAAAAAAAAAAAAAAAAAAEAAABQAAAAAAAAAAAA4D8AAAAAAADgPwAAAAAAAOA/AAAAAAAA4D8AAAAAAADgPwAAAAAAAOA/AAAAAAAA4D8AAAAAAADgPwAAAAAAAOA/AAAAAAAA4D8CAAAAjAAAAAAAAAAAAAAAu+DjDP///wgAAAAAAAAAAAAAAAAAAAAAAAAAAAAAAAAAAAAAZAAAAAEAAABAAAAAAAAAAAAAAAAAAAAAAAAAAAAAAAAAAAAAAAAAAAAAAAAAAAAAAAAAAAAAAAAAAAAAAAAAAAAAAAAAAAAAAAAAAAAAAAAAAAAAAAAAAAAAAAAAAAAAFAAAADwAAAABAAAAAAAAAAAAAAkoAAAAAQAAABQAAAAUAAAAFAAAAAEAAAAAAAAAZAAAAGQAAAAAAAAAZAAAAGQAAAAVAAAAYAAAAAAAAAAAAAAADwAAACADAAAAAAAAAAAAAAEAAACgMgAAVgcAAKr4//8BAAAAf39/AAEAAABkAAAAAAAAABQAAABAHwAAAAAAACYAAAAAAAAAwOD//wAAAAAmAAAAZAAAABYAAABMAAAAAAAAAAAAAAAEAAAAAAAAAAEAAACAgIAKAAAAACgAAAAoAAAAZAAAAGQAAAAAAAAAzMzMAAAAAABQAAAAUAAAAGQAAABkAAAAAAAAABcAAAAUAAAAAAAAAAAAAAD/fwAA/38AAAAAAAAJAAAABAAAAAAAAAAMAAAAEAAAAAAAAAAAAAAAAAAAAAAAAAAeAAAAaAAAAAAAAAAAAAAAAAAAAAAAAAAAAAAAECcAABAnAAAAAAAAAAAAAAAAAAAAAAAAAAAAAAAAAAAAAAAAAAAAABQAAAAAAAAAwMD/AAAAAABkAAAAMgAAAAAAAABkAAAAAAAAAH9/fwAKAAAAIgAAABgAAAAAAAAAAAAAAAAAAAAAAAAAAAAAAAAAAAAkAAAAJAAAAAAAAAAHAAAAAAAAAAAAAAAAAAAAAAAAAAAAAAAAAAAAf39/ACUAAABYAAAAAAAAAAAAAAAAAAAAAAAAAAAAAAAAAAAAAAAAAAAAAAAAAAAAAAAAAAAAAAA/AAAAAAAAAKCGAQAAAAAAAAAAAAAAAAAMAAAAAQAAAAAAAAAAAAAAAAAAAB8AAABUAAAAu+DjBf///wEAAAAAAAAAAAAAAAAAAAAAAAAAAAAAAAAAAAAAAAAAAAAAAAJ/f38AgICAA8zMzADAwP8Af39/AAAAAAAAAAAAAAAAAAAAAAAAAAAAIQAAABgAAAAUAAAAr////0AFAAClHAAAGBUAABAAAAAmAAAACAAAAP//////////MAAAABQAAAAAAAAAAAD//wAAAQAAAP//AAABAA=="/>
+                <pr:smNativeData xmlns:pr="smNativeData" xmlns="smNativeData" val="SMDATA_17_WnaBYRMAAAAlAAAADgAAAA8BAAAAkAAAAEgAAACQAAAASAAAAAAAAAAAAAAAAAAAAAEAAABQAAAAAAAAAAAA4D8AAAAAAADgPwAAAAAAAOA/AAAAAAAA4D8AAAAAAADgPwAAAAAAAOA/AAAAAAAA4D8AAAAAAADgPwAAAAAAAOA/AAAAAAAA4D8CAAAAjAAAAAAAAAAAAAAAu+DjDP///wgAAAAAAAAAAAAAAAAAAAAAAAAAAAAAAAAAAAAAZAAAAAEAAABAAAAAAAAAAAAAAAAAAAAAAAAAAAAAAAAAAAAAAAAAAAAAAAAAAAAAAAAAAAAAAAAAAAAAAAAAAAAAAAAAAAAAAAAAAAAAAAAAAAAAAAAAAAAAAAAAAAAAFAAAADwAAAABAAAAAAAAAAAAAAkoAAAAAQAAABQAAAAUAAAAFAAAAAEAAAAAAAAAZAAAAGQAAAAAAAAAZAAAAGQAAAAVAAAAYAAAAAAAAAAAAAAADwAAACADAAAAAAAAAAAAAAEAAACgMgAAVgcAAKr4//8BAAAAf39/AAEAAABkAAAAAAAAABQAAABAHwAAAAAAACYAAAAAAAAAwOD//wAAAAAmAAAAZAAAABYAAABMAAAAAAAAAAAAAAAEAAAAAAAAAAEAAACAgIAKAAAAACgAAAAoAAAAZAAAAGQAAAAAAAAAzMzMAAAAAABQAAAAUAAAAGQAAABkAAAAAAAAABcAAAAUAAAAAAAAAAAAAAD/fwAA/38AAAAAAAAJAAAABAAAAAAAAAAMAAAAEAAAAAAAAAAAAAAAAAAAAAAAAAAeAAAAaAAAAAAAAAAAAAAAAAAAAAAAAAAAAAAAECcAABAnAAAAAAAAAAAAAAAAAAAAAAAAAAAAAAAAAAAAAAAAAAAAABQAAAAAAAAAwMD/AAAAAABkAAAAMgAAAAAAAABkAAAAAAAAAH9/fwAKAAAAIgAAABgAAAAAAAAAAAAAAAAAAAAAAAAAAAAAAAAAAAAkAAAAJAAAAAAAAAAHAAAAAAAAAAAAAAAAAAAAAAAAAAAAAAAAAAAAf39/ACUAAABYAAAAAAAAAAAAAAAAAAAAAAAAAAAAAAAAAAAAAAAAAAAAAAAAAAAAAAAAAAAAAAA/AAAAAAAAAKCGAQAAAAAAAAAAAAAAAAAMAAAAAQAAAAAAAAAAAAAAAAAAAB8AAABUAAAAu+DjBf///wEAAAAAAAAAAAAAAAAAAAAAAAAAAAAAAAAAAAAAAAAAAAAAAAJ/f38AgICAA8zMzADAwP8Af39/AAAAAAAAAAAAAAAAAAAAAAAAAAAAIQAAABgAAAAUAAAAr////0AFAAClHAAAGBUAABAAAAAmAAAACAAAAP//////////MAAAABQAAAAAAAAAAAD//wAAAQAAAP//AAABAA=="/>
               </a:ext>
             </a:extLst>
           </p:cNvCxnSpPr>
@@ -5564,7 +5564,7 @@
           <p:cNvSpPr txBox="1">
             <a:extLst>
               <a:ext uri="smNativeData">
-                <pr:smNativeData xmlns:pr="smNativeData" xmlns="smNativeData" val="SMDATA_17_MUmAYRMAAAAlAAAAEgAAAE8BAAAAkAAAAEgAAACQAAAASAAAAAAAAAAAAAAAAAAAAAEAAABQAAAAAAAAAAAA4D8AAAAAAADgPwAAAAAAAOA/AAAAAAAA4D8AAAAAAADgPwAAAAAAAOA/AAAAAAAA4D8AAAAAAADgPwAAAAAAAOA/AAAAAAAA4D8CAAAAjAAAAAAAAAAAAAAAu+DjDP///wgAAAAAAAAAAAAAAAAAAAAAAAAAAAAAAAAAAAAAZAAAAAEAAABAAAAAAAAAAAAAAAAAAAAAAAAAAAAAAAAAAAAAAAAAAAAAAAAAAAAAAAAAAAAAAAAAAAAAAAAAAAAAAAAAAAAAAAAAAAAAAAAAAAAAAAAAAAAAAAAAAAAAFAAAADwAAAAAAAAAAAAAAAAAAAkUAAAAAQAAABQAAAAUAAAAFAAAAAEAAAAAAAAAZAAAAGQAAAAAAAAAZAAAAGQAAAAVAAAAYAAAAAAAAAAAAAAADwAAACADAAAAAAAAAAAAAAEAAACgMgAAVgcAAKr4//8BAAAAf39/AAEAAABkAAAAAAAAABQAAABAHwAAAAAAACYAAAAAAAAAwOD//wAAAAAmAAAAZAAAABYAAABMAAAAAAAAAAAAAAAEAAAAAAAAAAEAAACAgIAKAAAAACgAAAAoAAAAZAAAAGQAAAAAAAAAzMzMAAAAAABQAAAAUAAAAGQAAABkAAAAAAAAABcAAAAUAAAAAAAAABcDAAD/fwAA/38AAAAAAAAJAAAABAAAAABerwwMAAAAEAAAAAAAAAAAAAAAAAAAAAAAAAAeAAAAaAAAAAAAAAAAAAAAAAAAAAAAAAAAAAAAECcAABAnAAAAAAAAAAAAAAAAAAAAAAAAAAAAAAAAAAAAAAAAAAAAABQAAAAAAAAAwMD/AAAAAABkAAAAMgAAAAAAAABkAAAAAAAAAH9/fwAKAAAAIgAAABgAAAAAAAAAAAAAAAAAAAAAAAAAAAAAAAAAAAAkAAAAJAAAAAAAAAAHAAAAAAAAAAAAAAAAAAAAAAAAAAAAAAAAAAAAf39/ACUAAABYAAAAAAAAAAAAAAAAAAAAAAAAAAAAAAAAAAAAAAAAAAAAAAAAAAAAAAAAAAAAAAA/AAAAAAAAAKCGAQAAAAAAAAAAAAAAAAAMAAAAAQAAAAAAAAAAAAAAAAAAAB8AAABUAAAAu+DjBf///wEAAAAAAAAAAAAAAAAAAAAAAAAAAAAAAAAAAAAAAAAAAAAAAAJ/f38AgICAA8zMzADAwP8Af39/AAAAAAAAAAAAAAAAAAAAAAAAAAAAIQAAABgAAAAUAAAAwAUAAIEHAAAaSQAAaQoAABAgAAAmAAAACAAAAP//////////MAAAABQAAAAAAAAAAAD//wAAAQAAAP//AAABAA=="/>
+                <pr:smNativeData xmlns:pr="smNativeData" xmlns="smNativeData" val="SMDATA_17_WnaBYRMAAAAlAAAAEgAAAE8BAAAAkAAAAEgAAACQAAAASAAAAAAAAAAAAAAAAAAAAAEAAABQAAAAAAAAAAAA4D8AAAAAAADgPwAAAAAAAOA/AAAAAAAA4D8AAAAAAADgPwAAAAAAAOA/AAAAAAAA4D8AAAAAAADgPwAAAAAAAOA/AAAAAAAA4D8CAAAAjAAAAAAAAAAAAAAAu+DjDP///wgAAAAAAAAAAAAAAAAAAAAAAAAAAAAAAAAAAAAAZAAAAAEAAABAAAAAAAAAAAAAAAAAAAAAAAAAAAAAAAAAAAAAAAAAAAAAAAAAAAAAAAAAAAAAAAAAAAAAAAAAAAAAAAAAAAAAAAAAAAAAAAAAAAAAAAAAAAAAAAAAAAAAFAAAADwAAAAAAAAAAAAAAAAAAAkUAAAAAQAAABQAAAAUAAAAFAAAAAEAAAAAAAAAZAAAAGQAAAAAAAAAZAAAAGQAAAAVAAAAYAAAAAAAAAAAAAAADwAAACADAAAAAAAAAAAAAAEAAACgMgAAVgcAAKr4//8BAAAAf39/AAEAAABkAAAAAAAAABQAAABAHwAAAAAAACYAAAAAAAAAwOD//wAAAAAmAAAAZAAAABYAAABMAAAAAAAAAAAAAAAEAAAAAAAAAAEAAACAgIAKAAAAACgAAAAoAAAAZAAAAGQAAAAAAAAAzMzMAAAAAABQAAAAUAAAAGQAAABkAAAAAAAAABcAAAAUAAAAAAAAABcDAAD/fwAA/38AAAAAAAAJAAAABAAAAABerwwMAAAAEAAAAAAAAAAAAAAAAAAAAAAAAAAeAAAAaAAAAAAAAAAAAAAAAAAAAAAAAAAAAAAAECcAABAnAAAAAAAAAAAAAAAAAAAAAAAAAAAAAAAAAAAAAAAAAAAAABQAAAAAAAAAwMD/AAAAAABkAAAAMgAAAAAAAABkAAAAAAAAAH9/fwAKAAAAIgAAABgAAAAAAAAAAAAAAAAAAAAAAAAAAAAAAAAAAAAkAAAAJAAAAAAAAAAHAAAAAAAAAAAAAAAAAAAAAAAAAAAAAAAAAAAAf39/ACUAAABYAAAAAAAAAAAAAAAAAAAAAAAAAAAAAAAAAAAAAAAAAAAAAAAAAAAAAAAAAAAAAAA/AAAAAAAAAKCGAQAAAAAAAAAAAAAAAAAMAAAAAQAAAAAAAAAAAAAAAAAAAB8AAABUAAAAu+DjBf///wEAAAAAAAAAAAAAAAAAAAAAAAAAAAAAAAAAAAAAAAAAAAAAAAJ/f38AgICAA8zMzADAwP8Af39/AAAAAAAAAAAAAAAAAAAAAAAAAAAAIQAAABgAAAAUAAAAwAUAAIEHAAAaSQAAaQoAABAgAAAmAAAACAAAAP//////////MAAAABQAAAAAAAAAAAD//wAAAQAAAP//AAABAA=="/>
               </a:ext>
             </a:extLst>
           </p:cNvSpPr>
@@ -5589,7 +5589,7 @@
           <a:lstStyle/>
           <a:p>
             <a:pPr>
-              <a:defRPr sz="2500" spc="-17">
+              <a:defRPr sz="2500" spc="-2">
                 <a:latin typeface="Liberation Sans" pitchFamily="1" charset="0"/>
                 <a:ea typeface="Liberation Sans" pitchFamily="1" charset="0"/>
                 <a:cs typeface="Liberation Sans" pitchFamily="1" charset="0"/>
@@ -5607,7 +5607,7 @@
           <p:cNvSpPr txBox="1">
             <a:extLst>
               <a:ext uri="smNativeData">
-                <pr:smNativeData xmlns:pr="smNativeData" xmlns="smNativeData" val="SMDATA_17_MUmAYRMAAAAlAAAAEgAAAE8BAAAAkAAAAEgAAACQAAAASAAAAAAAAAAAAAAAAAAAAAEAAABQAAAAAAAAAAAA4D8AAAAAAADgPwAAAAAAAOA/AAAAAAAA4D8AAAAAAADgPwAAAAAAAOA/AAAAAAAA4D8AAAAAAADgPwAAAAAAAOA/AAAAAAAA4D8CAAAAjAAAAAAAAAAAAAAAu+DjDP///wgAAAAAAAAAAAAAAAAAAAAAAAAAAAAAAAAAAAAAZAAAAAEAAABAAAAAAAAAAAAAAAAAAAAAAAAAAAAAAAAAAAAAAAAAAAAAAAAAAAAAAAAAAAAAAAAAAAAAAAAAAAAAAAAAAAAAAAAAAAAAAAAAAAAAAAAAAAAAAAAAAAAAFAAAADwAAAAAAAAAAAAAAAAAAAkUAAAAAQAAABQAAAAUAAAAFAAAAAEAAAAAAAAAZAAAAGQAAAAAAAAAZAAAAGQAAAAVAAAAYAAAAAAAAAAAAAAADwAAACADAAAAAAAAAAAAAAEAAACgMgAAVgcAAKr4//8BAAAAf39/AAEAAABkAAAAAAAAABQAAABAHwAAAAAAACYAAAAAAAAAwOD//wAAAAAmAAAAZAAAABYAAABMAAAAAAAAAAAAAAAEAAAAAAAAAAEAAACAgIAKAAAAACgAAAAoAAAAZAAAAGQAAAAAAAAAzMzMAAAAAABQAAAAUAAAAGQAAABkAAAAAAAAABcAAAAUAAAAAAAAABcDAAD/fwAA/38AAAAAAAAJAAAABAAAACDzOA0MAAAAEAAAAAAAAAAAAAAAAAAAAAAAAAAeAAAAaAAAAAAAAAAAAAAAAAAAAAAAAAAAAAAAECcAABAnAAAAAAAAAAAAAAAAAAAAAAAAAAAAAAAAAAAAAAAAAAAAABQAAAAAAAAAwMD/AAAAAABkAAAAMgAAAAAAAABkAAAAAAAAAH9/fwAKAAAAIgAAABgAAAAAAAAAAAAAAAAAAAAAAAAAAAAAAAAAAAAkAAAAJAAAAAAAAAAHAAAAAAAAAAAAAAAAAAAAAAAAAAAAAAAAAAAAf39/ACUAAABYAAAAAAAAAAAAAAAAAAAAAAAAAAAAAAAAAAAAAAAAAAAAAAAAAAAAAAAAAAAAAAA/AAAAAAAAAKCGAQAAAAAAAAAAAAAAAAAMAAAAAQAAAAAAAAAAAAAAAAAAAB8AAABUAAAAu+DjBf///wEAAAAAAAAAAAAAAAAAAAAAAAAAAAAAAAAAAAAAAAAAAAAAAAJ/f38AgICAA8zMzADAwP8Af39/AAAAAAAAAAAAAAAAAAAAAAAAAAAAIQAAABgAAAAUAAAAUAcAAK8UAABWPgAAlxcAABAgAAAmAAAACAAAAP//////////MAAAABQAAAAAAAAAAAD//wAAAQAAAP//AAABAA=="/>
+                <pr:smNativeData xmlns:pr="smNativeData" xmlns="smNativeData" val="SMDATA_17_WnaBYRMAAAAlAAAAEgAAAE8BAAAAkAAAAEgAAACQAAAASAAAAAAAAAAAAAAAAAAAAAEAAABQAAAAAAAAAAAA4D8AAAAAAADgPwAAAAAAAOA/AAAAAAAA4D8AAAAAAADgPwAAAAAAAOA/AAAAAAAA4D8AAAAAAADgPwAAAAAAAOA/AAAAAAAA4D8CAAAAjAAAAAAAAAAAAAAAu+DjDP///wgAAAAAAAAAAAAAAAAAAAAAAAAAAAAAAAAAAAAAZAAAAAEAAABAAAAAAAAAAAAAAAAAAAAAAAAAAAAAAAAAAAAAAAAAAAAAAAAAAAAAAAAAAAAAAAAAAAAAAAAAAAAAAAAAAAAAAAAAAAAAAAAAAAAAAAAAAAAAAAAAAAAAFAAAADwAAAAAAAAAAAAAAAAAAAkUAAAAAQAAABQAAAAUAAAAFAAAAAEAAAAAAAAAZAAAAGQAAAAAAAAAZAAAAGQAAAAVAAAAYAAAAAAAAAAAAAAADwAAACADAAAAAAAAAAAAAAEAAACgMgAAVgcAAKr4//8BAAAAf39/AAEAAABkAAAAAAAAABQAAABAHwAAAAAAACYAAAAAAAAAwOD//wAAAAAmAAAAZAAAABYAAABMAAAAAAAAAAAAAAAEAAAAAAAAAAEAAACAgIAKAAAAACgAAAAoAAAAZAAAAGQAAAAAAAAAzMzMAAAAAABQAAAAUAAAAGQAAABkAAAAAAAAABcAAAAUAAAAAAAAABcDAAD/fwAA/38AAAAAAAAJAAAABAAAACDzOA0MAAAAEAAAAAAAAAAAAAAAAAAAAAAAAAAeAAAAaAAAAAAAAAAAAAAAAAAAAAAAAAAAAAAAECcAABAnAAAAAAAAAAAAAAAAAAAAAAAAAAAAAAAAAAAAAAAAAAAAABQAAAAAAAAAwMD/AAAAAABkAAAAMgAAAAAAAABkAAAAAAAAAH9/fwAKAAAAIgAAABgAAAAAAAAAAAAAAAAAAAAAAAAAAAAAAAAAAAAkAAAAJAAAAAAAAAAHAAAAAAAAAAAAAAAAAAAAAAAAAAAAAAAAAAAAf39/ACUAAABYAAAAAAAAAAAAAAAAAAAAAAAAAAAAAAAAAAAAAAAAAAAAAAAAAAAAAAAAAAAAAAA/AAAAAAAAAKCGAQAAAAAAAAAAAAAAAAAMAAAAAQAAAAAAAAAAAAAAAAAAAB8AAABUAAAAu+DjBf///wEAAAAAAAAAAAAAAAAAAAAAAAAAAAAAAAAAAAAAAAAAAAAAAAJ/f38AgICAA8zMzADAwP8Af39/AAAAAAAAAAAAAAAAAAAAAAAAAAAAIQAAABgAAAAUAAAAUAcAAK8UAABWPgAAlxcAABAgAAAmAAAACAAAAP//////////MAAAABQAAAAAAAAAAAD//wAAAQAAAP//AAABAA=="/>
               </a:ext>
             </a:extLst>
           </p:cNvSpPr>
@@ -5632,7 +5632,7 @@
           <a:lstStyle/>
           <a:p>
             <a:pPr>
-              <a:defRPr sz="2500" spc="3">
+              <a:defRPr sz="2500">
                 <a:latin typeface="Liberation Mono" pitchFamily="1" charset="0"/>
                 <a:ea typeface="Liberation Mono" pitchFamily="1" charset="0"/>
                 <a:cs typeface="Liberation Mono" pitchFamily="1" charset="0"/>
@@ -5694,7 +5694,7 @@
           <p:cNvSpPr>
             <a:extLst>
               <a:ext uri="smNativeData">
-                <pr:smNativeData xmlns:pr="smNativeData" xmlns="smNativeData" val="SMDATA_17_MUmAYRMAAAAlAAAAggAAAA8BAAAAkAAAAEgAAACQAAAASAAAAAAAAAAAAAAAAAAAAAEAAABQAAAAHoXrUbge5T8AAAAAAADgPwAAAAAAAOA/AAAAAAAA4D8AAAAAAADgPwAAAAAAAOA/AAAAAAAA4D8AAAAAAADgPwAAAAAAAOA/AAAAAAAA4D8CAAAAjAAAAAAAAAAAAAAAu+DjDP///wgAAAAAAAAAAAAAAAAAAAAAAAAAAAAAAAAAAAAAZAAAAAEAAABAAAAAAAAAAAAAAAAAAAAAAAAAAAAAAAAAAAAAAAAAAAAAAAAAAAAAAAAAAAAAAAAAAAAAAAAAAAAAAAAAAAAAAAAAAAAAAAAAAAAAAAAAAAAAAAAAAAAAFAAAADwAAAABAAAAAAAAAFiE0wAoAAAAAQAAABQAAAAUAAAAFAAAAAEAAAAAAAAAZAAAAGQAAAAAAAAAZAAAAGQAAAAVAAAAYAAAAAAAAAAAAAAADwAAACADAAAAAAAAAAAAAAEAAACgMgAAVgcAAKr4//8BAAAAf39/AAEAAABkAAAAAAAAABQAAABAHwAAAAAAACYAAAAAAAAAwOD//wAAAAAmAAAAZAAAABYAAABMAAAAAAAAAAAAAAAEAAAAAAAAAAEAAACAgIAKAAAAACgAAAAoAAAAZAAAAGQAAAAAAAAAzMzMAAAAAABQAAAAUAAAAGQAAABkAAAAAAAAABcAAAAUAAAAAAAAAAAAAAD/fwAA/38AAAAAAAAJAAAABAAAACAlZwMMAAAAEAAAAAAAAAAAAAAAAAAAAAAAAAAeAAAAaAAAAAAAAAAAAAAAAAAAAAAAAAAAAAAAECcAABAnAAAAAAAAAAAAAAAAAAAAAAAAAAAAAAAAAAAAAAAAAAAAABQAAAAAAAAAwMD/AAAAAABkAAAAMgAAAAAAAABkAAAAAAAAAH9/fwAKAAAAIgAAABgAAAAAAAAAAAAAAAAAAAAAAAAAAAAAAAAAAAAkAAAAJAAAAAAAAAAHAAAAAAAAAAAAAAAAAAAAAAAAAAAAAAAAAAAAf39/ACUAAABYAAAAAAAAAAAAAAAAAAAAAAAAAAAAAAAAAAAAAAAAAAAAAAAAAAAAAAAAAAAAAAA/AAAAAAAAAKCGAQAAAAAAAAAAAAAAAAAMAAAAAQAAAAAAAAAAAAAAAAAAAB8AAABUAAAAu+DjBf///wEAAAAAAAAAAAAAAAAAAAAAAAAAAAAAAAAAAAAAAAAAAFiE0wB/f38AgICAA8zMzADAwP8Af39/AAAAAAAAAAAAAAAAAAAAAAAAAAAAIQAAABgAAAAUAAAAzy4AAM8WAACfOAAAIhgAABAAAAAmAAAACAAAAP//////////MAAAABQAAAAAAAAAAAD//wAAAQAAAP//AAABAA=="/>
+                <pr:smNativeData xmlns:pr="smNativeData" xmlns="smNativeData" val="SMDATA_17_WnaBYRMAAAAlAAAAggAAAA8BAAAAkAAAAEgAAACQAAAASAAAAAAAAAAAAAAAAAAAAAEAAABQAAAAHoXrUbge5T8AAAAAAADgPwAAAAAAAOA/AAAAAAAA4D8AAAAAAADgPwAAAAAAAOA/AAAAAAAA4D8AAAAAAADgPwAAAAAAAOA/AAAAAAAA4D8CAAAAjAAAAAAAAAAAAAAAu+DjDP///wgAAAAAAAAAAAAAAAAAAAAAAAAAAAAAAAAAAAAAZAAAAAEAAABAAAAAAAAAAAAAAAAAAAAAAAAAAAAAAAAAAAAAAAAAAAAAAAAAAAAAAAAAAAAAAAAAAAAAAAAAAAAAAAAAAAAAAAAAAAAAAAAAAAAAAAAAAAAAAAAAAAAAFAAAADwAAAABAAAAAAAAAFiE0wAoAAAAAQAAABQAAAAUAAAAFAAAAAEAAAAAAAAAZAAAAGQAAAAAAAAAZAAAAGQAAAAVAAAAYAAAAAAAAAAAAAAADwAAACADAAAAAAAAAAAAAAEAAACgMgAAVgcAAKr4//8BAAAAf39/AAEAAABkAAAAAAAAABQAAABAHwAAAAAAACYAAAAAAAAAwOD//wAAAAAmAAAAZAAAABYAAABMAAAAAAAAAAAAAAAEAAAAAAAAAAEAAACAgIAKAAAAACgAAAAoAAAAZAAAAGQAAAAAAAAAzMzMAAAAAABQAAAAUAAAAGQAAABkAAAAAAAAABcAAAAUAAAAAAAAAAAAAAD/fwAA/38AAAAAAAAJAAAABAAAACAlZwMMAAAAEAAAAAAAAAAAAAAAAAAAAAAAAAAeAAAAaAAAAAAAAAAAAAAAAAAAAAAAAAAAAAAAECcAABAnAAAAAAAAAAAAAAAAAAAAAAAAAAAAAAAAAAAAAAAAAAAAABQAAAAAAAAAwMD/AAAAAABkAAAAMgAAAAAAAABkAAAAAAAAAH9/fwAKAAAAIgAAABgAAAAAAAAAAAAAAAAAAAAAAAAAAAAAAAAAAAAkAAAAJAAAAAAAAAAHAAAAAAAAAAAAAAAAAAAAAAAAAAAAAAAAAAAAf39/ACUAAABYAAAAAAAAAAAAAAAAAAAAAAAAAAAAAAAAAAAAAAAAAAAAAAAAAAAAAAAAAAAAAAA/AAAAAAAAAKCGAQAAAAAAAAAAAAAAAAAMAAAAAQAAAAAAAAAAAAAAAAAAAB8AAABUAAAAu+DjBf///wEAAAAAAAAAAAAAAAAAAAAAAAAAAAAAAAAAAAAAAAAAAFiE0wB/f38AgICAA8zMzADAwP8Af39/AAAAAAAAAAAAAAAAAAAAAAAAAAAAIQAAABgAAAAUAAAAzy4AAM8WAACfOAAAIhgAABAAAAAmAAAACAAAAP//////////MAAAABQAAAAAAAAAAAD//wAAAQAAAP//AAABAA=="/>
               </a:ext>
             </a:extLst>
           </p:cNvSpPr>
@@ -5730,7 +5730,7 @@
             <a:stCxn id="4" idx="1"/>
             <a:extLst>
               <a:ext uri="smNativeData">
-                <pr:smNativeData xmlns:pr="smNativeData" xmlns="smNativeData" val="SMDATA_17_MUmAYRMAAAAlAAAADgAAAA8BAAAAkAAAAEgAAACQAAAASAAAAAAAAAAAAAAAAAAAAAEAAABQAAAAAAAAAAAA4D8AAAAAAADgPwAAAAAAAOA/AAAAAAAA4D8AAAAAAADgPwAAAAAAAOA/AAAAAAAA4D8AAAAAAADgPwAAAAAAAOA/AAAAAAAA4D8CAAAAjAAAAAAAAAAAAAAAu+DjDP///wgAAAAAAAAAAAAAAAAAAAAAAAAAAAAAAAAAAAAAZAAAAAEAAABAAAAAAAAAAAAAAAAAAAAAAAAAAAAAAAAAAAAAAAAAAAAAAAAAAAAAAAAAAAAAAAAAAAAAAAAAAAAAAAAAAAAAAAAAAAAAAAAAAAAAAAAAAAAAAAAAAAAAFAAAADwAAAABAAAAAAAAAFiE0wAoAAAAAQAAABQAAAAUAAAAFAAAAAEAAAAAAAAAZAAAAGQAAAAAAAAAZAAAAGQAAAAVAAAAYAAAAAAAAAAAAAAADwAAACADAAAAAAAAAAAAAAEAAACgMgAAVgcAAKr4//8BAAAAf39/AAEAAABkAAAAAAAAABQAAABAHwAAAAAAACYAAAAAAAAAwOD//wAAAAAmAAAAZAAAABYAAABMAAAAAAAAAAAAAAAEAAAAAAAAAAEAAACAgIAKAAAAACgAAAAoAAAAZAAAAGQAAAAAAAAAzMzMAAAAAABQAAAAUAAAAGQAAABkAAAAAAAAABcAAAAUAAAAAAAAAAAAAAD/fwAA/38AAAAAAAAJAAAABAAAAAAAAAAMAAAAEAAAAAAAAAAAAAAAAAAAAAAAAAAeAAAAaAAAAAAAAAAAAAAAAAAAAAAAAAAAAAAAECcAABAnAAAAAAAAAAAAAAAAAAAAAAAAAAAAAAAAAAAAAAAAAAAAABQAAAAAAAAAwMD/AAAAAABkAAAAMgAAAAAAAABkAAAAAAAAAH9/fwAKAAAAIgAAABgAAAAAAAAAAAAAAAAAAAAAAAAAAAAAAAAAAAAkAAAAJAAAAAAAAAAHAAAAAAAAAAAAAAAAAAAAAAAAAAAAAAAAAAAAf39/ACUAAABYAAAAAAAAAAAAAAAAAAAAAAAAAAAAAAAAAAAAAAAAAAAAAAAAAAAAAAAAAAAAAAA/AAAAAAAAAKCGAQAAAAAAAAAAAAAAAAAMAAAAAQAAAAAAAAAAAAAAAAAAAB8AAABUAAAAu+DjBf///wEAAAAAAAAAAAAAAAAAAAAAAAAAAAAAAAAAAAAAAAAAAFiE0wB/f38AgICAA8zMzADAwP8Af39/AAAAAAAAAAAAAAAAAAAAAAAAAAAAIQAAABgAAAAUAAAAtzMAACIYAAC3MwAAbBoAABAAAAAmAAAACAAAAP//////////MAAAABQAAAAAAAAAAAD//wAAAQAAAP//AAABAA=="/>
+                <pr:smNativeData xmlns:pr="smNativeData" xmlns="smNativeData" val="SMDATA_17_WnaBYRMAAAAlAAAADgAAAA8BAAAAkAAAAEgAAACQAAAASAAAAAAAAAAAAAAAAAAAAAEAAABQAAAAAAAAAAAA4D8AAAAAAADgPwAAAAAAAOA/AAAAAAAA4D8AAAAAAADgPwAAAAAAAOA/AAAAAAAA4D8AAAAAAADgPwAAAAAAAOA/AAAAAAAA4D8CAAAAjAAAAAAAAAAAAAAAu+DjDP///wgAAAAAAAAAAAAAAAAAAAAAAAAAAAAAAAAAAAAAZAAAAAEAAABAAAAAAAAAAAAAAAAAAAAAAAAAAAAAAAAAAAAAAAAAAAAAAAAAAAAAAAAAAAAAAAAAAAAAAAAAAAAAAAAAAAAAAAAAAAAAAAAAAAAAAAAAAAAAAAAAAAAAFAAAADwAAAABAAAAAAAAAFiE0wAoAAAAAQAAABQAAAAUAAAAFAAAAAEAAAAAAAAAZAAAAGQAAAAAAAAAZAAAAGQAAAAVAAAAYAAAAAAAAAAAAAAADwAAACADAAAAAAAAAAAAAAEAAACgMgAAVgcAAKr4//8BAAAAf39/AAEAAABkAAAAAAAAABQAAABAHwAAAAAAACYAAAAAAAAAwOD//wAAAAAmAAAAZAAAABYAAABMAAAAAAAAAAAAAAAEAAAAAAAAAAEAAACAgIAKAAAAACgAAAAoAAAAZAAAAGQAAAAAAAAAzMzMAAAAAABQAAAAUAAAAGQAAABkAAAAAAAAABcAAAAUAAAAAAAAAAAAAAD/fwAA/38AAAAAAAAJAAAABAAAAAAAAAAMAAAAEAAAAAAAAAAAAAAAAAAAAAAAAAAeAAAAaAAAAAAAAAAAAAAAAAAAAAAAAAAAAAAAECcAABAnAAAAAAAAAAAAAAAAAAAAAAAAAAAAAAAAAAAAAAAAAAAAABQAAAAAAAAAwMD/AAAAAABkAAAAMgAAAAAAAABkAAAAAAAAAH9/fwAKAAAAIgAAABgAAAAAAAAAAAAAAAAAAAAAAAAAAAAAAAAAAAAkAAAAJAAAAAAAAAAHAAAAAAAAAAAAAAAAAAAAAAAAAAAAAAAAAAAAf39/ACUAAABYAAAAAAAAAAAAAAAAAAAAAAAAAAAAAAAAAAAAAAAAAAAAAAAAAAAAAAAAAAAAAAA/AAAAAAAAAKCGAQAAAAAAAAAAAAAAAAAMAAAAAQAAAAAAAAAAAAAAAAAAAB8AAABUAAAAu+DjBf///wEAAAAAAAAAAAAAAAAAAAAAAAAAAAAAAAAAAAAAAAAAAFiE0wB/f38AgICAA8zMzADAwP8Af39/AAAAAAAAAAAAAAAAAAAAAAAAAAAAIQAAABgAAAAUAAAArTMAACIYAAC3MwAAdhoAABAAAAAmAAAACAAAAP//////////MAAAABQAAAAAAAAAAAD//wAAAQAAAP//AAABAA=="/>
               </a:ext>
             </a:extLst>
           </p:cNvCxnSpPr>
@@ -5738,8 +5738,8 @@
         </p:nvCxnSpPr>
         <p:spPr>
           <a:xfrm rot="5400000">
-            <a:off x="8220710" y="4109085"/>
-            <a:ext cx="372110" cy="12700"/>
+            <a:off x="8214360" y="4109085"/>
+            <a:ext cx="378460" cy="6350"/>
           </a:xfrm>
           <a:prstGeom prst="bentConnector2">
             <a:avLst/>
@@ -5762,7 +5762,7 @@
           <p:cNvSpPr txBox="1">
             <a:extLst>
               <a:ext uri="smNativeData">
-                <pr:smNativeData xmlns:pr="smNativeData" xmlns="smNativeData" val="SMDATA_17_MUmAYRMAAAAlAAAAEgAAAE8BAAAAkAAAAEgAAACQAAAASAAAAAAAAAAAAAAAAAAAAAEAAABQAAAAAAAAAAAA4D8AAAAAAADgPwAAAAAAAOA/AAAAAAAA4D8AAAAAAADgPwAAAAAAAOA/AAAAAAAA4D8AAAAAAADgPwAAAAAAAOA/AAAAAAAA4D8CAAAAjAAAAAAAAAAAAAAAu+DjDP///wgAAAAAAAAAAAAAAAAAAAAAAAAAAAAAAAAAAAAAZAAAAAEAAABAAAAAAAAAAAAAAAAAAAAAAAAAAAAAAAAAAAAAAAAAAAAAAAAAAAAAAAAAAAAAAAAAAAAAAAAAAAAAAAAAAAAAAAAAAAAAAAAAAAAAAAAAAAAAAAAAAAAAFAAAADwAAAAAAAAAAAAAAAAAAAkUAAAAAQAAABQAAAAUAAAAFAAAAAEAAAAAAAAAZAAAAGQAAAAAAAAAZAAAAGQAAAAVAAAAYAAAAAAAAAAAAAAADwAAACADAAAAAAAAAAAAAAEAAACgMgAAVgcAAKr4//8BAAAAf39/AAEAAABkAAAAAAAAABQAAABAHwAAAAAAACYAAAAAAAAAwOD//wAAAAAmAAAAZAAAABYAAABMAAAAAAAAAAAAAAAEAAAAAAAAAAEAAACAgIAKAAAAACgAAAAoAAAAZAAAAGQAAAAAAAAAzMzMAAAAAABQAAAAUAAAAGQAAABkAAAAAAAAABcAAAAUAAAAAAAAAMQBAAD/fwAA/38AAAAAAAAJAAAABAAAAAA8fgMMAAAAEAAAAAAAAAAAAAAAAAAAAAAAAAAeAAAAaAAAAAAAAAAAAAAAAAAAAAAAAAAAAAAAECcAABAnAAAAAAAAAAAAAAAAAAAAAAAAAAAAAAAAAAAAAAAAAAAAABQAAAAAAAAAwMD/AAAAAABkAAAAMgAAAAAAAABkAAAAAAAAAH9/fwAKAAAAIgAAABgAAAAAAAAAAAAAAAAAAAAAAAAAAAAAAAAAAAAkAAAAJAAAAAAAAAAHAAAAAAAAAAAAAAAAAAAAAAAAAAAAAAAAAAAAf39/ACUAAABYAAAAAAAAAAAAAAAAAAAAAAAAAAAAAAAAAAAAAAAAAAAAAAAAAAAAAAAAAAAAAAA/AAAAAAAAAKCGAQAAAAAAAAAAAAAAAAAMAAAAAQAAAAAAAAAAAAAAAAAAAB8AAABUAAAAu+DjBf///wEAAAAAAAAAAAAAAAAAAAAAAAAAAAAAAAAAAAAAAAAAAAAAAAJ/f38AgICAA8zMzADAwP8Af39/AAAAAAAAAAAAAAAAAAAAAAAAAAAAIQAAABgAAAAUAAAA2jUAAAQZAACCRwAA7BsAABAgAAAmAAAACAAAAP//////////MAAAABQAAAAAAAAAAAD//wAAAQAAAP//AAABAA=="/>
+                <pr:smNativeData xmlns:pr="smNativeData" xmlns="smNativeData" val="SMDATA_17_WnaBYRMAAAAlAAAAEgAAAE8BAAAAkAAAAEgAAACQAAAASAAAAAAAAAAAAAAAAAAAAAEAAABQAAAAAAAAAAAA4D8AAAAAAADgPwAAAAAAAOA/AAAAAAAA4D8AAAAAAADgPwAAAAAAAOA/AAAAAAAA4D8AAAAAAADgPwAAAAAAAOA/AAAAAAAA4D8CAAAAjAAAAAAAAAAAAAAAu+DjDP///wgAAAAAAAAAAAAAAAAAAAAAAAAAAAAAAAAAAAAAZAAAAAEAAABAAAAAAAAAAAAAAAAAAAAAAAAAAAAAAAAAAAAAAAAAAAAAAAAAAAAAAAAAAAAAAAAAAAAAAAAAAAAAAAAAAAAAAAAAAAAAAAAAAAAAAAAAAAAAAAAAAAAAFAAAADwAAAAAAAAAAAAAAAAAAAkUAAAAAQAAABQAAAAUAAAAFAAAAAEAAAAAAAAAZAAAAGQAAAAAAAAAZAAAAGQAAAAVAAAAYAAAAAAAAAAAAAAADwAAACADAAAAAAAAAAAAAAEAAACgMgAAVgcAAKr4//8BAAAAf39/AAEAAABkAAAAAAAAABQAAABAHwAAAAAAACYAAAAAAAAAwOD//wAAAAAmAAAAZAAAABYAAABMAAAAAAAAAAAAAAAEAAAAAAAAAAEAAACAgIAKAAAAACgAAAAoAAAAZAAAAGQAAAAAAAAAzMzMAAAAAABQAAAAUAAAAGQAAABkAAAAAAAAABcAAAAUAAAAAAAAAMQBAAD/fwAA/38AAAAAAAAJAAAABAAAAAA8fgMMAAAAEAAAAAAAAAAAAAAAAAAAAAAAAAAeAAAAaAAAAAAAAAAAAAAAAAAAAAAAAAAAAAAAECcAABAnAAAAAAAAAAAAAAAAAAAAAAAAAAAAAAAAAAAAAAAAAAAAABQAAAAAAAAAwMD/AAAAAABkAAAAMgAAAAAAAABkAAAAAAAAAH9/fwAKAAAAIgAAABgAAAAAAAAAAAAAAAAAAAAAAAAAAAAAAAAAAAAkAAAAJAAAAAAAAAAHAAAAAAAAAAAAAAAAAAAAAAAAAAAAAAAAAAAAf39/ACUAAABYAAAAAAAAAAAAAAAAAAAAAAAAAAAAAAAAAAAAAAAAAAAAAAAAAAAAAAAAAAAAAAA/AAAAAAAAAKCGAQAAAAAAAAAAAAAAAAAMAAAAAQAAAAAAAAAAAAAAAAAAAB8AAABUAAAAu+DjBf///wEAAAAAAAAAAAAAAAAAAAAAAAAAAAAAAAAAAAAAAAAAAAAAAAJ/f38AgICAA8zMzADAwP8Af39/AAAAAAAAAAAAAAAAAAAAAAAAAAAAIQAAABgAAAAUAAAA2jUAAAQZAACCRwAA7BsAABAgAAAmAAAACAAAAP//////////MAAAABQAAAAAAAAAAAD//wAAAQAAAP//AAABAA=="/>
               </a:ext>
             </a:extLst>
           </p:cNvSpPr>
@@ -5813,7 +5813,7 @@
           <p:cNvSpPr txBox="1">
             <a:extLst>
               <a:ext uri="smNativeData">
-                <pr:smNativeData xmlns:pr="smNativeData" xmlns="smNativeData" val="SMDATA_17_MUmAYRMAAAAlAAAAEgAAAE8BAAAAkAAAAEgAAACQAAAASAAAAAAAAAAAAAAAAAAAAAEAAABQAAAAAAAAAAAA4D8AAAAAAADgPwAAAAAAAOA/AAAAAAAA4D8AAAAAAADgPwAAAAAAAOA/AAAAAAAA4D8AAAAAAADgPwAAAAAAAOA/AAAAAAAA4D8CAAAAjAAAAAAAAAAAAAAAu+DjDP///wgAAAAAAAAAAAAAAAAAAAAAAAAAAAAAAAAAAAAAZAAAAAEAAABAAAAAAAAAAAAAAAAAAAAAAAAAAAAAAAAAAAAAAAAAAAAAAAAAAAAAAAAAAAAAAAAAAAAAAAAAAAAAAAAAAAAAAAAAAAAAAAAAAAAAAAAAAAAAAAAAAAAAFAAAADwAAAAAAAAAAAAAAAAAAAkUAAAAAQAAABQAAAAUAAAAFAAAAAEAAAAAAAAAZAAAAGQAAAAAAAAAZAAAAGQAAAAVAAAAYAAAAAAAAAAAAAAADwAAACADAAAAAAAAAAAAAAEAAACgMgAAVgcAAKr4//8BAAAAf39/AAEAAABkAAAAAAAAABQAAABAHwAAAAAAACYAAAAAAAAAwOD//wAAAAAmAAAAZAAAABYAAABMAAAAAAAAAAAAAAAEAAAAAAAAAAEAAACAgIAKAAAAACgAAAAoAAAAZAAAAGQAAAAAAAAAzMzMAAAAAABQAAAAUAAAAGQAAABkAAAAAAAAABcAAAAUAAAAAAAAAMQBAAD/fwAA/38AAAAAAAAJAAAABAAAAAAAAAAMAAAAEAAAAAAAAAAAAAAAAAAAAAAAAAAeAAAAaAAAAAAAAAAAAAAAAAAAAAAAAAAAAAAAECcAABAnAAAAAAAAAAAAAAAAAAAAAAAAAAAAAAAAAAAAAAAAAAAAABQAAAAAAAAAwMD/AAAAAABkAAAAMgAAAAAAAABkAAAAAAAAAH9/fwAKAAAAIgAAABgAAAAAAAAAAAAAAAAAAAAAAAAAAAAAAAAAAAAkAAAAJAAAAAAAAAAHAAAAAAAAAAAAAAAAAAAAAAAAAAAAAAAAAAAAf39/ACUAAABYAAAAAAAAAAAAAAAAAAAAAAAAAAAAAAAAAAAAAAAAAAAAAAAAAAAAAAAAAAAAAAA/AAAAAAAAAKCGAQAAAAAAAAAAAAAAAAAMAAAAAQAAAAAAAAAAAAAAAAAAAB8AAABUAAAAu+DjBf///wEAAAAAAAAAAAAAAAAAAAAAAAAAAAAAAAAAAAAAAAAAAAAAAAJ/f38AgICAA8zMzADAwP8Af39/AAAAAAAAAAAAAAAAAAAAAAAAAAAAIQAAABgAAAAUAAAApTMAAD8dAACwSQAALyEAABAgAAAmAAAACAAAAP//////////MAAAABQAAAAAAAAAAAD//wAAAQAAAP//AAABAA=="/>
+                <pr:smNativeData xmlns:pr="smNativeData" xmlns="smNativeData" val="SMDATA_17_WnaBYRMAAAAlAAAAEgAAAE8BAAAAkAAAAEgAAACQAAAASAAAAAAAAAAAAAAAAAAAAAEAAABQAAAAAAAAAAAA4D8AAAAAAADgPwAAAAAAAOA/AAAAAAAA4D8AAAAAAADgPwAAAAAAAOA/AAAAAAAA4D8AAAAAAADgPwAAAAAAAOA/AAAAAAAA4D8CAAAAjAAAAAAAAAAAAAAAu+DjDP///wgAAAAAAAAAAAAAAAAAAAAAAAAAAAAAAAAAAAAAZAAAAAEAAABAAAAAAAAAAAAAAAAAAAAAAAAAAAAAAAAAAAAAAAAAAAAAAAAAAAAAAAAAAAAAAAAAAAAAAAAAAAAAAAAAAAAAAAAAAAAAAAAAAAAAAAAAAAAAAAAAAAAAFAAAADwAAAAAAAAAAAAAAAAAAAkUAAAAAQAAABQAAAAUAAAAFAAAAAEAAAAAAAAAZAAAAGQAAAAAAAAAZAAAAGQAAAAVAAAAYAAAAAAAAAAAAAAADwAAACADAAAAAAAAAAAAAAEAAACgMgAAVgcAAKr4//8BAAAAf39/AAEAAABkAAAAAAAAABQAAABAHwAAAAAAACYAAAAAAAAAwOD//wAAAAAmAAAAZAAAABYAAABMAAAAAAAAAAAAAAAEAAAAAAAAAAEAAACAgIAKAAAAACgAAAAoAAAAZAAAAGQAAAAAAAAAzMzMAAAAAABQAAAAUAAAAGQAAABkAAAAAAAAABcAAAAUAAAAAAAAAMQBAAD/fwAA/38AAAAAAAAJAAAABAAAAAAAAAAMAAAAEAAAAAAAAAAAAAAAAAAAAAAAAAAeAAAAaAAAAAAAAAAAAAAAAAAAAAAAAAAAAAAAECcAABAnAAAAAAAAAAAAAAAAAAAAAAAAAAAAAAAAAAAAAAAAAAAAABQAAAAAAAAAwMD/AAAAAABkAAAAMgAAAAAAAABkAAAAAAAAAH9/fwAKAAAAIgAAABgAAAAAAAAAAAAAAAAAAAAAAAAAAAAAAAAAAAAkAAAAJAAAAAAAAAAHAAAAAAAAAAAAAAAAAAAAAAAAAAAAAAAAAAAAf39/ACUAAABYAAAAAAAAAAAAAAAAAAAAAAAAAAAAAAAAAAAAAAAAAAAAAAAAAAAAAAAAAAAAAAA/AAAAAAAAAKCGAQAAAAAAAAAAAAAAAAAMAAAAAQAAAAAAAAAAAAAAAAAAAB8AAABUAAAAu+DjBf///wEAAAAAAAAAAAAAAAAAAAAAAAAAAAAAAAAAAAAAAAAAAAAAAAJ/f38AgICAA8zMzADAwP8Af39/AAAAAAAAAAAAAAAAAAAAAAAAAAAAIQAAABgAAAAUAAAApTMAAD8dAACwSQAALyEAABAgAAAmAAAACAAAAP//////////MAAAABQAAAAAAAAAAAD//wAAAQAAAP//AAABAA=="/>
               </a:ext>
             </a:extLst>
           </p:cNvSpPr>
@@ -5856,7 +5856,7 @@
           <p:cNvSpPr>
             <a:extLst>
               <a:ext uri="smNativeData">
-                <pr:smNativeData xmlns:pr="smNativeData" xmlns="smNativeData" val="SMDATA_17_MUmAYRMAAAAlAAAAggAAAA8BAAAAkAAAAEgAAACQAAAASAAAAAAAAAAAAAAAAAAAAAEAAABQAAAAND1GVkzU6D8AAAAAAADgPwAAAAAAAOA/AAAAAAAA4D8AAAAAAADgPwAAAAAAAOA/AAAAAAAA4D8AAAAAAADgPwAAAAAAAOA/AAAAAAAA4D8CAAAAjAAAAAAAAAAAAAAAu+DjDP///wgAAAAAAAAAAAAAAAAAAAAAAAAAAAAAAAAAAAAAZAAAAAEAAABAAAAAAAAAAAAAAAAAAAAAAAAAAAAAAAAAAAAAAAAAAAAAAAAAAAAAAAAAAAAAAAAAAAAAAAAAAAAAAAAAAAAAAAAAAAAAAAAAAAAAAAAAAAAAAAAAAAAAFAAAADwAAAABAAAAAAAAAAAAAAkoAAAAAQAAABQAAAAUAAAAFAAAAAEAAAAAAAAAZAAAAGQAAAAAAAAAZAAAAGQAAAAVAAAAYAAAAAAAAAAAAAAADwAAACADAAAAAAAAAAAAAAEAAACgMgAAVgcAAKr4//8BAAAAf39/AAEAAABkAAAAAAAAABQAAABAHwAAAAAAACYAAAAAAAAAwOD//wAAAAAmAAAAZAAAABYAAABMAAAAAAAAAAAAAAAEAAAAAAAAAAEAAACAgIAKAAAAACgAAAAoAAAAZAAAAGQAAAAAAAAAzMzMAAAAAABQAAAAUAAAAGQAAABkAAAAAAAAABcAAAAUAAAAAAAAAAAAAAD/fwAA/38AAAAAAAAJAAAABAAAAAAAABEMAAAAEAAAAAAAAAAAAAAAAAAAAAAAAAAeAAAAaAAAAAAAAAAAAAAAAAAAAAAAAAAAAAAAECcAABAnAAAAAAAAAAAAAAAAAAAAAAAAAAAAAAAAAAAAAAAAAAAAABQAAAAAAAAAwMD/AAAAAABkAAAAMgAAAAAAAABkAAAAAAAAAH9/fwAKAAAAIgAAABgAAAAAAAAAAAAAAAAAAAAAAAAAAAAAAAAAAAAkAAAAJAAAAAAAAAAHAAAAAAAAAAAAAAAAAAAAAAAAAAAAAAAAAAAAf39/ACUAAABYAAAAAAAAAAAAAAAAAAAAAAAAAAAAAAAAAAAAAAAAAAAAAAAAAAAAAAAAAAAAAAA/AAAAAAAAAKCGAQAAAAAAAAAAAAAAAAAMAAAAAQAAAAAAAAAAAAAAAAAAAB8AAABUAAAAu+DjBf///wEAAAAAAAAAAAAAAAAAAAAAAAAAAAAAAAAAAAAAAAAAAAAAAAJ/f38AgICAA8zMzADAwP8Af39/AAAAAAAAAAAAAAAAAAAAAAAAAAAAIQAAABgAAAAUAAAA2jUAAOwbAABvRQAAPx0AABAAAAAmAAAACAAAAP//////////MAAAABQAAAAAAAAAAAD//wAAAQAAAP//AAABAA=="/>
+                <pr:smNativeData xmlns:pr="smNativeData" xmlns="smNativeData" val="SMDATA_17_WnaBYRMAAAAlAAAAggAAAA8BAAAAkAAAAEgAAACQAAAASAAAAAAAAAAAAAAAAAAAAAEAAABQAAAAND1GVkzU6D8AAAAAAADgPwAAAAAAAOA/AAAAAAAA4D8AAAAAAADgPwAAAAAAAOA/AAAAAAAA4D8AAAAAAADgPwAAAAAAAOA/AAAAAAAA4D8CAAAAjAAAAAAAAAAAAAAAu+DjDP///wgAAAAAAAAAAAAAAAAAAAAAAAAAAAAAAAAAAAAAZAAAAAEAAABAAAAAAAAAAAAAAAAAAAAAAAAAAAAAAAAAAAAAAAAAAAAAAAAAAAAAAAAAAAAAAAAAAAAAAAAAAAAAAAAAAAAAAAAAAAAAAAAAAAAAAAAAAAAAAAAAAAAAFAAAADwAAAABAAAAAAAAAAAAAAkoAAAAAQAAABQAAAAUAAAAFAAAAAEAAAAAAAAAZAAAAGQAAAAAAAAAZAAAAGQAAAAVAAAAYAAAAAAAAAAAAAAADwAAACADAAAAAAAAAAAAAAEAAACgMgAAVgcAAKr4//8BAAAAf39/AAEAAABkAAAAAAAAABQAAABAHwAAAAAAACYAAAAAAAAAwOD//wAAAAAmAAAAZAAAABYAAABMAAAAAAAAAAAAAAAEAAAAAAAAAAEAAACAgIAKAAAAACgAAAAoAAAAZAAAAGQAAAAAAAAAzMzMAAAAAABQAAAAUAAAAGQAAABkAAAAAAAAABcAAAAUAAAAAAAAAAAAAAD/fwAA/38AAAAAAAAJAAAABAAAAAAAABEMAAAAEAAAAAAAAAAAAAAAAAAAAAAAAAAeAAAAaAAAAAAAAAAAAAAAAAAAAAAAAAAAAAAAECcAABAnAAAAAAAAAAAAAAAAAAAAAAAAAAAAAAAAAAAAAAAAAAAAABQAAAAAAAAAwMD/AAAAAABkAAAAMgAAAAAAAABkAAAAAAAAAH9/fwAKAAAAIgAAABgAAAAAAAAAAAAAAAAAAAAAAAAAAAAAAAAAAAAkAAAAJAAAAAAAAAAHAAAAAAAAAAAAAAAAAAAAAAAAAAAAAAAAAAAAf39/ACUAAABYAAAAAAAAAAAAAAAAAAAAAAAAAAAAAAAAAAAAAAAAAAAAAAAAAAAAAAAAAAAAAAA/AAAAAAAAAKCGAQAAAAAAAAAAAAAAAAAMAAAAAQAAAAAAAAAAAAAAAAAAAB8AAABUAAAAu+DjBf///wEAAAAAAAAAAAAAAAAAAAAAAAAAAAAAAAAAAAAAAAAAAAAAAAJ/f38AgICAA8zMzADAwP8Af39/AAAAAAAAAAAAAAAAAAAAAAAAAAAAIQAAABgAAAAUAAAA2jUAAOwbAABvRQAAPx0AABAAAAAmAAAACAAAAP//////////MAAAABQAAAAAAAAAAAD//wAAAQAAAP//AAABAA=="/>
               </a:ext>
             </a:extLst>
           </p:cNvSpPr>
@@ -5891,7 +5891,7 @@
           <p:cNvSpPr>
             <a:extLst>
               <a:ext uri="smNativeData">
-                <pr:smNativeData xmlns:pr="smNativeData" xmlns="smNativeData" val="SMDATA_17_MUmAYRMAAAAlAAAAggAAAA8BAAAAkAAAAEgAAACQAAAASAAAAAAAAAAAAAAAAAAAAAEAAABQAAAAlDCbuv0Z6j8AAAAAAADgPwAAAAAAAOA/AAAAAAAA4D8AAAAAAADgPwAAAAAAAOA/AAAAAAAA4D8AAAAAAADgPwAAAAAAAOA/AAAAAAAA4D8CAAAAjAAAAAAAAAAAAAAAu+DjDP///wgAAAAAAAAAAAAAAAAAAAAAAAAAAAAAAAAAAAAAZAAAAAEAAABAAAAAAAAAAAAAAAAAAAAAAAAAAAAAAAAAAAAAAAAAAAAAAAAAAAAAAAAAAAAAAAAAAAAAAAAAAAAAAAAAAAAAAAAAAAAAAAAAAAAAAAAAAAAAAAAAAAAAFAAAADwAAAABAAAAAAAAAFiE0wAoAAAAAQAAABQAAAAUAAAAFAAAAAEAAAAAAAAAZAAAAGQAAAAAAAAAZAAAAGQAAAAVAAAAYAAAAAAAAAAAAAAADwAAACADAAAAAAAAAAAAAAEAAACgMgAAVgcAAKr4//8BAAAAf39/AAEAAABkAAAAAAAAABQAAABAHwAAAAAAACYAAAAAAAAAwOD//wAAAAAmAAAAZAAAABYAAABMAAAAAAAAAAAAAAAEAAAAAAAAAAEAAACAgIAKAAAAACgAAAAoAAAAZAAAAGQAAAAAAAAAzMzMAAAAAABQAAAAUAAAAGQAAABkAAAAAAAAABcAAAAUAAAAAAAAAAAAAAD/fwAA/38AAAAAAAAJAAAABAAAAAAAAAAMAAAAEAAAAAAAAAAAAAAAAAAAAAAAAAAeAAAAaAAAAAAAAAAAAAAAAAAAAAAAAAAAAAAAECcAABAnAAAAAAAAAAAAAAAAAAAAAAAAAAAAAAAAAAAAAAAAAAAAABQAAAAAAAAAwMD/AAAAAABkAAAAMgAAAAAAAABkAAAAAAAAAH9/fwAKAAAAIgAAABgAAAAAAAAAAAAAAAAAAAAAAAAAAAAAAAAAAAAkAAAAJAAAAAAAAAAHAAAAAAAAAAAAAAAAAAAAAAAAAAAAAAAAAAAAf39/ACUAAABYAAAAAAAAAAAAAAAAAAAAAAAAAAAAAAAAAAAAAAAAAAAAAAAAAAAAAAAAAAAAAAA/AAAAAAAAAKCGAQAAAAAAAAAAAAAAAAAMAAAAAQAAAAAAAAAAAAAAAAAAAB8AAABUAAAAu+DjBf///wEAAAAAAAAAAAAAAAAAAAAAAAAAAAAAAAAAAAAAAAAAAFiE0wB/f38AgICAA8zMzADAwP8Af39/AAAAAAAAAAAAAAAAAAAAAAAAAAAAIQAAABgAAAAUAAAAzx0AAM8WAACpLQAAIhgAABAAAAAmAAAACAAAAP//////////MAAAABQAAAAAAAAAAAD//wAAAQAAAP//AAABAA=="/>
+                <pr:smNativeData xmlns:pr="smNativeData" xmlns="smNativeData" val="SMDATA_17_WnaBYRMAAAAlAAAAggAAAA8BAAAAkAAAAEgAAACQAAAASAAAAAAAAAAAAAAAAAAAAAEAAABQAAAAlDCbuv0Z6j8AAAAAAADgPwAAAAAAAOA/AAAAAAAA4D8AAAAAAADgPwAAAAAAAOA/AAAAAAAA4D8AAAAAAADgPwAAAAAAAOA/AAAAAAAA4D8CAAAAjAAAAAAAAAAAAAAAu+DjDP///wgAAAAAAAAAAAAAAAAAAAAAAAAAAAAAAAAAAAAAZAAAAAEAAABAAAAAAAAAAAAAAAAAAAAAAAAAAAAAAAAAAAAAAAAAAAAAAAAAAAAAAAAAAAAAAAAAAAAAAAAAAAAAAAAAAAAAAAAAAAAAAAAAAAAAAAAAAAAAAAAAAAAAFAAAADwAAAABAAAAAAAAAFiE0wAoAAAAAQAAABQAAAAUAAAAFAAAAAEAAAAAAAAAZAAAAGQAAAAAAAAAZAAAAGQAAAAVAAAAYAAAAAAAAAAAAAAADwAAACADAAAAAAAAAAAAAAEAAACgMgAAVgcAAKr4//8BAAAAf39/AAEAAABkAAAAAAAAABQAAABAHwAAAAAAACYAAAAAAAAAwOD//wAAAAAmAAAAZAAAABYAAABMAAAAAAAAAAAAAAAEAAAAAAAAAAEAAACAgIAKAAAAACgAAAAoAAAAZAAAAGQAAAAAAAAAzMzMAAAAAABQAAAAUAAAAGQAAABkAAAAAAAAABcAAAAUAAAAAAAAAAAAAAD/fwAA/38AAAAAAAAJAAAABAAAAAAAAAAMAAAAEAAAAAAAAAAAAAAAAAAAAAAAAAAeAAAAaAAAAAAAAAAAAAAAAAAAAAAAAAAAAAAAECcAABAnAAAAAAAAAAAAAAAAAAAAAAAAAAAAAAAAAAAAAAAAAAAAABQAAAAAAAAAwMD/AAAAAABkAAAAMgAAAAAAAABkAAAAAAAAAH9/fwAKAAAAIgAAABgAAAAAAAAAAAAAAAAAAAAAAAAAAAAAAAAAAAAkAAAAJAAAAAAAAAAHAAAAAAAAAAAAAAAAAAAAAAAAAAAAAAAAAAAAf39/ACUAAABYAAAAAAAAAAAAAAAAAAAAAAAAAAAAAAAAAAAAAAAAAAAAAAAAAAAAAAAAAAAAAAA/AAAAAAAAAKCGAQAAAAAAAAAAAAAAAAAMAAAAAQAAAAAAAAAAAAAAAAAAAB8AAABUAAAAu+DjBf///wEAAAAAAAAAAAAAAAAAAAAAAAAAAAAAAAAAAAAAAAAAAFiE0wB/f38AgICAA8zMzADAwP8Af39/AAAAAAAAAAAAAAAAAAAAAAAAAAAAIQAAABgAAAAUAAAAzx0AAM8WAACpLQAAIhgAABAAAAAmAAAACAAAAP//////////MAAAABQAAAAAAAAAAAD//wAAAQAAAP//AAABAA=="/>
               </a:ext>
             </a:extLst>
           </p:cNvSpPr>
@@ -5926,7 +5926,7 @@
           <p:cNvSpPr txBox="1">
             <a:extLst>
               <a:ext uri="smNativeData">
-                <pr:smNativeData xmlns:pr="smNativeData" xmlns="smNativeData" val="SMDATA_17_MUmAYRMAAAAlAAAAEgAAAE8BAAAAkAAAAEgAAACQAAAASAAAAAAAAAAAAAAAAAAAAAEAAABQAAAAAAAAAAAA4D8AAAAAAADgPwAAAAAAAOA/AAAAAAAA4D8AAAAAAADgPwAAAAAAAOA/AAAAAAAA4D8AAAAAAADgPwAAAAAAAOA/AAAAAAAA4D8CAAAAjAAAAAAAAAAAAAAAu+DjDP///wgAAAAAAAAAAAAAAAAAAAAAAAAAAAAAAAAAAAAAZAAAAAEAAABAAAAAAAAAAAAAAAAAAAAAAAAAAAAAAAAAAAAAAAAAAAAAAAAAAAAAAAAAAAAAAAAAAAAAAAAAAAAAAAAAAAAAAAAAAAAAAAAAAAAAAAAAAAAAAAAAAAAAFAAAADwAAAAAAAAAAAAAAAAAAAkUAAAAAQAAABQAAAAUAAAAFAAAAAEAAAAAAAAAZAAAAGQAAAAAAAAAZAAAAGQAAAAVAAAAYAAAAAAAAAAAAAAADwAAACADAAAAAAAAAAAAAAEAAACgMgAAVgcAAKr4//8BAAAAf39/AAEAAABkAAAAAAAAABQAAABAHwAAAAAAACYAAAAAAAAAwOD//wAAAAAmAAAAZAAAABYAAABMAAAAAAAAAAAAAAAEAAAAAAAAAAEAAACAgIAKAAAAACgAAAAoAAAAZAAAAGQAAAAAAAAAzMzMAAAAAABQAAAAUAAAAGQAAABkAAAAAAAAABcAAAAUAAAAAAAAAMQBAAD/fwAA/38AAAAAAAAJAAAABAAAAAAAAAAMAAAAEAAAAAAAAAAAAAAAAAAAAAAAAAAeAAAAaAAAAAAAAAAAAAAAAAAAAAAAAAAAAAAAECcAABAnAAAAAAAAAAAAAAAAAAAAAAAAAAAAAAAAAAAAAAAAAAAAABQAAAAAAAAAwMD/AAAAAABkAAAAMgAAAAAAAABkAAAAAAAAAH9/fwAKAAAAIgAAABgAAAAAAAAAAAAAAAAAAAAAAAAAAAAAAAAAAAAkAAAAJAAAAAAAAAAHAAAAAAAAAAAAAAAAAAAAAAAAAAAAAAAAAAAAf39/ACUAAABYAAAAAAAAAAAAAAAAAAAAAAAAAAAAAAAAAAAAAAAAAAAAAAAAAAAAAAAAAAAAAAA/AAAAAAAAAKCGAQAAAAAAAAAAAAAAAAAMAAAAAQAAAAAAAAAAAAAAAAAAAB8AAABUAAAAu+DjBf///wEAAAAAAAAAAAAAAAAAAAAAAAAAAAAAAAAAAAAAAAAAAAAAAAJ/f38AgICAA8zMzADAwP8Af39/AAAAAAAAAAAAAAAAAAAAAAAAAAAAIQAAABgAAAAUAAAAYCoAAKEhAADjQAAAiSQAABAgAAAmAAAACAAAAP//////////MAAAABQAAAAAAAAAAAD//wAAAQAAAP//AAABAA=="/>
+                <pr:smNativeData xmlns:pr="smNativeData" xmlns="smNativeData" val="SMDATA_17_WnaBYRMAAAAlAAAAEgAAAE8BAAAAkAAAAEgAAACQAAAASAAAAAAAAAAAAAAAAAAAAAEAAABQAAAAAAAAAAAA4D8AAAAAAADgPwAAAAAAAOA/AAAAAAAA4D8AAAAAAADgPwAAAAAAAOA/AAAAAAAA4D8AAAAAAADgPwAAAAAAAOA/AAAAAAAA4D8CAAAAjAAAAAAAAAAAAAAAu+DjDP///wgAAAAAAAAAAAAAAAAAAAAAAAAAAAAAAAAAAAAAZAAAAAEAAABAAAAAAAAAAAAAAAAAAAAAAAAAAAAAAAAAAAAAAAAAAAAAAAAAAAAAAAAAAAAAAAAAAAAAAAAAAAAAAAAAAAAAAAAAAAAAAAAAAAAAAAAAAAAAAAAAAAAAFAAAADwAAAAAAAAAAAAAAAAAAAkUAAAAAQAAABQAAAAUAAAAFAAAAAEAAAAAAAAAZAAAAGQAAAAAAAAAZAAAAGQAAAAVAAAAYAAAAAAAAAAAAAAADwAAACADAAAAAAAAAAAAAAEAAACgMgAAVgcAAKr4//8BAAAAf39/AAEAAABkAAAAAAAAABQAAABAHwAAAAAAACYAAAAAAAAAwOD//wAAAAAmAAAAZAAAABYAAABMAAAAAAAAAAAAAAAEAAAAAAAAAAEAAACAgIAKAAAAACgAAAAoAAAAZAAAAGQAAAAAAAAAzMzMAAAAAABQAAAAUAAAAGQAAABkAAAAAAAAABcAAAAUAAAAAAAAAMQBAAD/fwAA/38AAAAAAAAJAAAABAAAAAAAAAAMAAAAEAAAAAAAAAAAAAAAAAAAAAAAAAAeAAAAaAAAAAAAAAAAAAAAAAAAAAAAAAAAAAAAECcAABAnAAAAAAAAAAAAAAAAAAAAAAAAAAAAAAAAAAAAAAAAAAAAABQAAAAAAAAAwMD/AAAAAABkAAAAMgAAAAAAAABkAAAAAAAAAH9/fwAKAAAAIgAAABgAAAAAAAAAAAAAAAAAAAAAAAAAAAAAAAAAAAAkAAAAJAAAAAAAAAAHAAAAAAAAAAAAAAAAAAAAAAAAAAAAAAAAAAAAf39/ACUAAABYAAAAAAAAAAAAAAAAAAAAAAAAAAAAAAAAAAAAAAAAAAAAAAAAAAAAAAAAAAAAAAA/AAAAAAAAAKCGAQAAAAAAAAAAAAAAAAAMAAAAAQAAAAAAAAAAAAAAAAAAAB8AAABUAAAAu+DjBf///wEAAAAAAAAAAAAAAAAAAAAAAAAAAAAAAAAAAAAAAAAAAAAAAAJ/f38AgICAA8zMzADAwP8Af39/AAAAAAAAAAAAAAAAAAAAAAAAAAAAIQAAABgAAAAUAAAAYCoAAKEhAADjQAAAiSQAABAgAAAmAAAACAAAAP//////////MAAAABQAAAAAAAAAAAD//wAAAQAAAP//AAABAA=="/>
               </a:ext>
             </a:extLst>
           </p:cNvSpPr>
@@ -5978,7 +5978,7 @@
             <a:stCxn id="9" idx="1"/>
             <a:extLst>
               <a:ext uri="smNativeData">
-                <pr:smNativeData xmlns:pr="smNativeData" xmlns="smNativeData" val="SMDATA_17_MUmAYRMAAAAlAAAADgAAAA8BAAAAkAAAAEgAAACQAAAASAAAAAAAAAAAAAAAAAAAAAEAAABQAAAAAAAAAAAA4D8AAAAAAADgPwAAAAAAAOA/AAAAAAAA4D8AAAAAAADgPwAAAAAAAOA/AAAAAAAA4D8AAAAAAADgPwAAAAAAAOA/AAAAAAAA4D8CAAAAjAAAAAAAAAAAAAAAu+DjDP///wgAAAAAAAAAAAAAAAAAAAAAAAAAAAAAAAAAAAAAZAAAAAEAAABAAAAAAAAAAAAAAAAAAAAAAAAAAAAAAAAAAAAAAAAAAAAAAAAAAAAAAAAAAAAAAAAAAAAAAAAAAAAAAAAAAAAAAAAAAAAAAAAAAAAAAAAAAAAAAAAAAAAAFAAAADwAAAABAAAAAAAAAFiE0wAoAAAAAQAAABQAAAAUAAAAFAAAAAEAAAAAAAAAZAAAAGQAAAAAAAAAZAAAAGQAAAAVAAAAYAAAAAAAAAAAAAAADwAAACADAAAAAAAAAAAAAAEAAACgMgAAVgcAAKr4//8BAAAAf39/AAEAAABkAAAAAAAAABQAAABAHwAAAAAAACYAAAAAAAAAwOD//wAAAAAmAAAAZAAAABYAAABMAAAAAAAAAAAAAAAEAAAAAAAAAAEAAACAgIAKAAAAACgAAAAoAAAAZAAAAGQAAAAAAAAAzMzMAAAAAABQAAAAUAAAAGQAAABkAAAAAAAAABcAAAAUAAAAAAAAAAAAAAD/fwAA/38AAAAAAAAJAAAABAAAAAAAAAAMAAAAEAAAAAAAAAAAAAAAAAAAAAAAAAAeAAAAaAAAAAAAAAAAAAAAAAAAAAAAAAAAAAAAECcAABAnAAAAAAAAAAAAAAAAAAAAAAAAAAAAAAAAAAAAAAAAAAAAABQAAAAAAAAAwMD/AAAAAABkAAAAMgAAAAAAAABkAAAAAAAAAH9/fwAKAAAAIgAAABgAAAAAAAAAAAAAAAAAAAAAAAAAAAAAAAAAAAAkAAAAJAAAAAAAAAAHAAAAAAAAAAAAAAAAAAAAAAAAAAAAAAAAAAAAf39/ACUAAABYAAAAAAAAAAAAAAAAAAAAAAAAAAAAAAAAAAAAAAAAAAAAAAAAAAAAAAAAAAAAAAA/AAAAAAAAAKCGAQAAAAAAAAAAAAAAAAAMAAAAAQAAAAAAAAAAAAAAAAAAAB8AAABUAAAAu+DjBf///wEAAAAAAAAAAAAAAAAAAAAAAAAAAAAAAAAAAAAAAAAAAFiE0wB/f38AgICAA8zMzADAwP8Af39/AAAAAAAAAAAAAAAAAAAAAAAAAAAAIQAAABgAAAAUAAAAvCUAACIYAAC8JQAAFSMAABAAAAAmAAAACAAAAP//////////MAAAABQAAAAAAAAAAAD//wAAAQAAAP//AAABAA=="/>
+                <pr:smNativeData xmlns:pr="smNativeData" xmlns="smNativeData" val="SMDATA_17_WnaBYRMAAAAlAAAADgAAAA8BAAAAkAAAAEgAAACQAAAASAAAAAAAAAAAAAAAAAAAAAEAAABQAAAAAAAAAAAA4D8AAAAAAADgPwAAAAAAAOA/AAAAAAAA4D8AAAAAAADgPwAAAAAAAOA/AAAAAAAA4D8AAAAAAADgPwAAAAAAAOA/AAAAAAAA4D8CAAAAjAAAAAAAAAAAAAAAu+DjDP///wgAAAAAAAAAAAAAAAAAAAAAAAAAAAAAAAAAAAAAZAAAAAEAAABAAAAAAAAAAAAAAAAAAAAAAAAAAAAAAAAAAAAAAAAAAAAAAAAAAAAAAAAAAAAAAAAAAAAAAAAAAAAAAAAAAAAAAAAAAAAAAAAAAAAAAAAAAAAAAAAAAAAAFAAAADwAAAABAAAAAAAAAFiE0wAoAAAAAQAAABQAAAAUAAAAFAAAAAEAAAAAAAAAZAAAAGQAAAAAAAAAZAAAAGQAAAAVAAAAYAAAAAAAAAAAAAAADwAAACADAAAAAAAAAAAAAAEAAACgMgAAVgcAAKr4//8BAAAAf39/AAEAAABkAAAAAAAAABQAAABAHwAAAAAAACYAAAAAAAAAwOD//wAAAAAmAAAAZAAAABYAAABMAAAAAAAAAAAAAAAEAAAAAAAAAAEAAACAgIAKAAAAACgAAAAoAAAAZAAAAGQAAAAAAAAAzMzMAAAAAABQAAAAUAAAAGQAAABkAAAAAAAAABcAAAAUAAAAAAAAAAAAAAD/fwAA/38AAAAAAAAJAAAABAAAAAAAAAAMAAAAEAAAAAAAAAAAAAAAAAAAAAAAAAAeAAAAaAAAAAAAAAAAAAAAAAAAAAAAAAAAAAAAECcAABAnAAAAAAAAAAAAAAAAAAAAAAAAAAAAAAAAAAAAAAAAAAAAABQAAAAAAAAAwMD/AAAAAABkAAAAMgAAAAAAAABkAAAAAAAAAH9/fwAKAAAAIgAAABgAAAAAAAAAAAAAAAAAAAAAAAAAAAAAAAAAAAAkAAAAJAAAAAAAAAAHAAAAAAAAAAAAAAAAAAAAAAAAAAAAAAAAAAAAf39/ACUAAABYAAAAAAAAAAAAAAAAAAAAAAAAAAAAAAAAAAAAAAAAAAAAAAAAAAAAAAAAAAAAAAA/AAAAAAAAAKCGAQAAAAAAAAAAAAAAAAAMAAAAAQAAAAAAAAAAAAAAAAAAAB8AAABUAAAAu+DjBf///wEAAAAAAAAAAAAAAAAAAAAAAAAAAAAAAAAAAAAAAAAAAFiE0wB/f38AgICAA8zMzADAwP8Af39/AAAAAAAAAAAAAAAAAAAAAAAAAAAAIQAAABgAAAAUAAAAsiUAACIYAAC8JQAAHyMAABAAAAAmAAAACAAAAP//////////MAAAABQAAAAAAAAAAAD//wAAAQAAAP//AAABAA=="/>
               </a:ext>
             </a:extLst>
           </p:cNvCxnSpPr>
@@ -5986,8 +5986,8 @@
         </p:nvCxnSpPr>
         <p:spPr>
           <a:xfrm rot="5400000">
-            <a:off x="5244465" y="4812665"/>
-            <a:ext cx="1779905" cy="12700"/>
+            <a:off x="5238115" y="4812665"/>
+            <a:ext cx="1786255" cy="6350"/>
           </a:xfrm>
           <a:prstGeom prst="bentConnector2">
             <a:avLst/>
@@ -6010,7 +6010,7 @@
           <p:cNvSpPr>
             <a:extLst>
               <a:ext uri="smNativeData">
-                <pr:smNativeData xmlns:pr="smNativeData" xmlns="smNativeData" val="SMDATA_17_MUmAYRMAAAAlAAAAggAAAA8BAAAAkAAAAEgAAACQAAAASAAAAAAAAAAAAAAAAAAAAAEAAABQAAAAQKUua7iN6j8AAAAAAADgPwAAAAAAAOA/AAAAAAAA4D8AAAAAAADgPwAAAAAAAOA/AAAAAAAA4D8AAAAAAADgPwAAAAAAAOA/AAAAAAAA4D8CAAAAjAAAAAAAAAAAAAAAu+DjDP///wgAAAAAAAAAAAAAAAAAAAAAAAAAAAAAAAAAAAAAZAAAAAEAAABAAAAAAAAAAAAAAAAAAAAAAAAAAAAAAAAAAAAAAAAAAAAAAAAAAAAAAAAAAAAAAAAAAAAAAAAAAAAAAAAAAAAAAAAAAAAAAAAAAAAAAAAAAAAAAAAAAAAAFAAAADwAAAABAAAAAAAAAFiE0wAoAAAAAQAAABQAAAAUAAAAFAAAAAEAAAAAAAAAZAAAAGQAAAAAAAAAZAAAAGQAAAAVAAAAYAAAAAAAAAAAAAAADwAAACADAAAAAAAAAAAAAAEAAACgMgAAVgcAAKr4//8BAAAAf39/AAEAAABkAAAAAAAAABQAAABAHwAAAAAAACYAAAAAAAAAwOD//wAAAAAmAAAAZAAAABYAAABMAAAAAAAAAAAAAAAEAAAAAAAAAAEAAACAgIAKAAAAACgAAAAoAAAAZAAAAGQAAAAAAAAAzMzMAAAAAABQAAAAUAAAAGQAAABkAAAAAAAAABcAAAAUAAAAAAAAAAAAAAD/fwAA/38AAAAAAAAJAAAABAAAAAAAABEMAAAAEAAAAAAAAAAAAAAAAAAAAAAAAAAeAAAAaAAAAAAAAAAAAAAAAAAAAAAAAAAAAAAAECcAABAnAAAAAAAAAAAAAAAAAAAAAAAAAAAAAAAAAAAAAAAAAAAAABQAAAAAAAAAwMD/AAAAAABkAAAAMgAAAAAAAABkAAAAAAAAAH9/fwAKAAAAIgAAABgAAAAAAAAAAAAAAAAAAAAAAAAAAAAAAAAAAAAkAAAAJAAAAAAAAAAHAAAAAAAAAAAAAAAAAAAAAAAAAAAAAAAAAAAAf39/ACUAAABYAAAAAAAAAAAAAAAAAAAAAAAAAAAAAAAAAAAAAAAAAAAAAAAAAAAAAAAAAAAAAAA/AAAAAAAAAKCGAQAAAAAAAAAAAAAAAAAMAAAAAQAAAAAAAAAAAAAAAAAAAB8AAABUAAAAu+DjBf///wEAAAAAAAAAAAAAAAAAAAAAAAAAAAAAAAAAAAAAAAAAAFiE0wB/f38AgICAA8zMzADAwP8Af39/AAAAAAAAAAAAAAAAAAAAAAAAAAAAIQAAABgAAAAUAAAAYCoAAIkkAAAqPwAA3CUAABAAAAAmAAAACAAAAP//////////MAAAABQAAAAAAAAAAAD//wAAAQAAAP//AAABAA=="/>
+                <pr:smNativeData xmlns:pr="smNativeData" xmlns="smNativeData" val="SMDATA_17_WnaBYRMAAAAlAAAAggAAAA8BAAAAkAAAAEgAAACQAAAASAAAAAAAAAAAAAAAAAAAAAEAAABQAAAAQKUua7iN6j8AAAAAAADgPwAAAAAAAOA/AAAAAAAA4D8AAAAAAADgPwAAAAAAAOA/AAAAAAAA4D8AAAAAAADgPwAAAAAAAOA/AAAAAAAA4D8CAAAAjAAAAAAAAAAAAAAAu+DjDP///wgAAAAAAAAAAAAAAAAAAAAAAAAAAAAAAAAAAAAAZAAAAAEAAABAAAAAAAAAAAAAAAAAAAAAAAAAAAAAAAAAAAAAAAAAAAAAAAAAAAAAAAAAAAAAAAAAAAAAAAAAAAAAAAAAAAAAAAAAAAAAAAAAAAAAAAAAAAAAAAAAAAAAFAAAADwAAAABAAAAAAAAAFiE0wAoAAAAAQAAABQAAAAUAAAAFAAAAAEAAAAAAAAAZAAAAGQAAAAAAAAAZAAAAGQAAAAVAAAAYAAAAAAAAAAAAAAADwAAACADAAAAAAAAAAAAAAEAAACgMgAAVgcAAKr4//8BAAAAf39/AAEAAABkAAAAAAAAABQAAABAHwAAAAAAACYAAAAAAAAAwOD//wAAAAAmAAAAZAAAABYAAABMAAAAAAAAAAAAAAAEAAAAAAAAAAEAAACAgIAKAAAAACgAAAAoAAAAZAAAAGQAAAAAAAAAzMzMAAAAAABQAAAAUAAAAGQAAABkAAAAAAAAABcAAAAUAAAAAAAAAAAAAAD/fwAA/38AAAAAAAAJAAAABAAAAAAAABEMAAAAEAAAAAAAAAAAAAAAAAAAAAAAAAAeAAAAaAAAAAAAAAAAAAAAAAAAAAAAAAAAAAAAECcAABAnAAAAAAAAAAAAAAAAAAAAAAAAAAAAAAAAAAAAAAAAAAAAABQAAAAAAAAAwMD/AAAAAABkAAAAMgAAAAAAAABkAAAAAAAAAH9/fwAKAAAAIgAAABgAAAAAAAAAAAAAAAAAAAAAAAAAAAAAAAAAAAAkAAAAJAAAAAAAAAAHAAAAAAAAAAAAAAAAAAAAAAAAAAAAAAAAAAAAf39/ACUAAABYAAAAAAAAAAAAAAAAAAAAAAAAAAAAAAAAAAAAAAAAAAAAAAAAAAAAAAAAAAAAAAA/AAAAAAAAAKCGAQAAAAAAAAAAAAAAAAAMAAAAAQAAAAAAAAAAAAAAAAAAAB8AAABUAAAAu+DjBf///wEAAAAAAAAAAAAAAAAAAAAAAAAAAAAAAAAAAAAAAAAAAFiE0wB/f38AgICAA8zMzADAwP8Af39/AAAAAAAAAAAAAAAAAAAAAAAAAAAAIQAAABgAAAAUAAAAYCoAAIkkAAAqPwAA3CUAABAAAAAmAAAACAAAAP//////////MAAAABQAAAAAAAAAAAD//wAAAQAAAP//AAABAA=="/>
               </a:ext>
             </a:extLst>
           </p:cNvSpPr>
@@ -6045,7 +6045,7 @@
           <p:cNvSpPr txBox="1">
             <a:extLst>
               <a:ext uri="smNativeData">
-                <pr:smNativeData xmlns:pr="smNativeData" xmlns="smNativeData" val="SMDATA_17_MUmAYRMAAAAlAAAAEgAAAE8BAAAAkAAAAEgAAACQAAAASAAAAAAAAAAAAAAAAAAAAAEAAABQAAAAAAAAAAAA4D8AAAAAAADgPwAAAAAAAOA/AAAAAAAA4D8AAAAAAADgPwAAAAAAAOA/AAAAAAAA4D8AAAAAAADgPwAAAAAAAOA/AAAAAAAA4D8CAAAAjAAAAAAAAAAAAAAAu+DjDP///wgAAAAAAAAAAAAAAAAAAAAAAAAAAAAAAAAAAAAAZAAAAAEAAABAAAAAAAAAAAAAAAAAAAAAAAAAAAAAAAAAAAAAAAAAAAAAAAAAAAAAAAAAAAAAAAAAAAAAAAAAAAAAAAAAAAAAAAAAAAAAAAAAAAAAAAAAAAAAAAAAAAAAFAAAADwAAAAAAAAAAAAAAAAAAAkUAAAAAQAAABQAAAAUAAAAFAAAAAEAAAAAAAAAZAAAAGQAAAAAAAAAZAAAAGQAAAAVAAAAYAAAAAAAAAAAAAAADwAAACADAAAAAAAAAAAAAAEAAACgMgAAVgcAAKr4//8BAAAAf39/AAEAAABkAAAAAAAAABQAAABAHwAAAAAAACYAAAAAAAAAwOD//wAAAAAmAAAAZAAAABYAAABMAAAAAAAAAAAAAAAEAAAAAAAAAAEAAACAgIAKAAAAACgAAAAoAAAAZAAAAGQAAAAAAAAAzMzMAAAAAABQAAAAUAAAAGQAAABkAAAAAAAAABcAAAAUAAAAAAAAAMQBAAD/fwAA/38AAAAAAAAJAAAABAAAAAAAAAAMAAAAEAAAAAAAAAAAAAAAAAAAAAAAAAAeAAAAaAAAAAAAAAAAAAAAAAAAAAAAAAAAAAAAECcAABAnAAAAAAAAAAAAAAAAAAAAAAAAAAAAAAAAAAAAAAAAAAAAABQAAAAAAAAAwMD/AAAAAABkAAAAMgAAAAAAAABkAAAAAAAAAH9/fwAKAAAAIgAAABgAAAAAAAAAAAAAAAAAAAAAAAAAAAAAAAAAAAAkAAAAJAAAAAAAAAAHAAAAAAAAAAAAAAAAAAAAAAAAAAAAAAAAAAAAf39/ACUAAABYAAAAAAAAAAAAAAAAAAAAAAAAAAAAAAAAAAAAAAAAAAAAAAAAAAAAAAAAAAAAAAA/AAAAAAAAAKCGAQAAAAAAAAAAAAAAAAAMAAAAAQAAAAAAAAAAAAAAAAAAAB8AAABUAAAAu+DjBf///wEAAAAAAAAAAAAAAAAAAAAAAAAAAAAAAAAAAAAAAAAAAAAAAAJ/f38AgICAA8zMzADAwP8Af39/AAAAAAAAAAAAAAAAAAAAAAAAAAAAIQAAABgAAAAUAAAA2yMAANwlAADcRAAAzCkAABAgAAAmAAAACAAAAP//////////MAAAABQAAAAAAAAAAAD//wAAAQAAAP//AAABAA=="/>
+                <pr:smNativeData xmlns:pr="smNativeData" xmlns="smNativeData" val="SMDATA_17_WnaBYRMAAAAlAAAAEgAAAE8BAAAAkAAAAEgAAACQAAAASAAAAAAAAAAAAAAAAAAAAAEAAABQAAAAAAAAAAAA4D8AAAAAAADgPwAAAAAAAOA/AAAAAAAA4D8AAAAAAADgPwAAAAAAAOA/AAAAAAAA4D8AAAAAAADgPwAAAAAAAOA/AAAAAAAA4D8CAAAAjAAAAAAAAAAAAAAAu+DjDP///wgAAAAAAAAAAAAAAAAAAAAAAAAAAAAAAAAAAAAAZAAAAAEAAABAAAAAAAAAAAAAAAAAAAAAAAAAAAAAAAAAAAAAAAAAAAAAAAAAAAAAAAAAAAAAAAAAAAAAAAAAAAAAAAAAAAAAAAAAAAAAAAAAAAAAAAAAAAAAAAAAAAAAFAAAADwAAAAAAAAAAAAAAAAAAAkUAAAAAQAAABQAAAAUAAAAFAAAAAEAAAAAAAAAZAAAAGQAAAAAAAAAZAAAAGQAAAAVAAAAYAAAAAAAAAAAAAAADwAAACADAAAAAAAAAAAAAAEAAACgMgAAVgcAAKr4//8BAAAAf39/AAEAAABkAAAAAAAAABQAAABAHwAAAAAAACYAAAAAAAAAwOD//wAAAAAmAAAAZAAAABYAAABMAAAAAAAAAAAAAAAEAAAAAAAAAAEAAACAgIAKAAAAACgAAAAoAAAAZAAAAGQAAAAAAAAAzMzMAAAAAABQAAAAUAAAAGQAAABkAAAAAAAAABcAAAAUAAAAAAAAAMQBAAD/fwAA/38AAAAAAAAJAAAABAAAAAAAAAAMAAAAEAAAAAAAAAAAAAAAAAAAAAAAAAAeAAAAaAAAAAAAAAAAAAAAAAAAAAAAAAAAAAAAECcAABAnAAAAAAAAAAAAAAAAAAAAAAAAAAAAAAAAAAAAAAAAAAAAABQAAAAAAAAAwMD/AAAAAABkAAAAMgAAAAAAAABkAAAAAAAAAH9/fwAKAAAAIgAAABgAAAAAAAAAAAAAAAAAAAAAAAAAAAAAAAAAAAAkAAAAJAAAAAAAAAAHAAAAAAAAAAAAAAAAAAAAAAAAAAAAAAAAAAAAf39/ACUAAABYAAAAAAAAAAAAAAAAAAAAAAAAAAAAAAAAAAAAAAAAAAAAAAAAAAAAAAAAAAAAAAA/AAAAAAAAAKCGAQAAAAAAAAAAAAAAAAAMAAAAAQAAAAAAAAAAAAAAAAAAAB8AAABUAAAAu+DjBf///wEAAAAAAAAAAAAAAAAAAAAAAAAAAAAAAAAAAAAAAAAAAAAAAAJ/f38AgICAA8zMzADAwP8Af39/AAAAAAAAAAAAAAAAAAAAAAAAAAAAIQAAABgAAAAUAAAA2yMAANwlAADcRAAAzCkAABAgAAAmAAAACAAAAP//////////MAAAABQAAAAAAAAAAAD//wAAAQAAAP//AAABAA=="/>
               </a:ext>
             </a:extLst>
           </p:cNvSpPr>
@@ -6088,7 +6088,7 @@
           <p:cNvSpPr>
             <a:extLst>
               <a:ext uri="smNativeData">
-                <pr:smNativeData xmlns:pr="smNativeData" xmlns="smNativeData" val="SMDATA_17_MUmAYRMAAAAlAAAAggAAAA8BAAAAkAAAAEgAAACQAAAASAAAAAAAAAAAAAAAAAAAAAEAAABQAAAAAAAAAAAAAAAAAAAAAADgPwAAAAAAAOA/AAAAAAAA4D8AAAAAAADgPwAAAAAAAOA/AAAAAAAA4D8AAAAAAADgPwAAAAAAAOA/AAAAAAAA4D8CAAAAjAAAAAAAAAAAAAAAu+DjDP///wgAAAAAAAAAAAAAAAAAAAAAAAAAAAAAAAAAAAAAZAAAAAEAAABAAAAAAAAAAAAAAAAAAAAAAAAAAAAAAAAAAAAAAAAAAAAAAAAAAAAAAAAAAAAAAAAAAAAAAAAAAAAAAAAAAAAAAAAAAAAAAAAAAAAAAAAAAAAAAAAAAAAAFAAAADwAAAABAAAAAAAAAFiE0wAoAAAAAQAAABQAAAAUAAAAFAAAAAEAAAAAAAAAZAAAAGQAAAAAAAAAZAAAAGQAAAAVAAAAYAAAAAAAAAAAAAAADwAAACADAAAAAAAAAAAAAAEAAACgMgAAVgcAAKr4//8BAAAAf39/AAEAAABkAAAAAAAAABQAAABAHwAAAAAAACYAAAAAAAAAwOD//wAAAAAmAAAAZAAAABYAAABMAAAAAAAAAAAAAAAEAAAAAAAAAAEAAACAgIAKAAAAACgAAAAoAAAAZAAAAGQAAAAAAAAAzMzMAAAAAABQAAAAUAAAAGQAAABkAAAAAAAAABcAAAAUAAAAAAAAAAAAAAD/fwAA/38AAAAAAAAJAAAABAAAAAAAAAAMAAAAEAAAAAAAAAAAAAAAAAAAAAAAAAAeAAAAaAAAAAAAAAAAAAAAAAAAAAAAAAAAAAAAECcAABAnAAAAAAAAAAAAAAAAAAAAAAAAAAAAAAAAAAAAAAAAAAAAABQAAAAAAAAAwMD/AAAAAABkAAAAMgAAAAAAAABkAAAAAAAAAH9/fwAKAAAAIgAAABgAAAAAAAAAAAAAAAAAAAAAAAAAAAAAAAAAAAAkAAAAJAAAAAAAAAAHAAAAAAAAAAAAAAAAAAAAAAAAAAAAAAAAAAAAf39/ACUAAABYAAAAAAAAAAAAAAAAAAAAAAAAAAAAAAAAAAAAAAAAAAAAAAAAAAAAAAAAAAAAAAA/AAAAAAAAAKCGAQAAAAAAAAAAAAAAAAAMAAAAAQAAAAAAAAAAAAAAAAAAAB8AAABUAAAAu+DjBf///wEAAAAAAAAAAAAAAAAAAAAAAAAAAAAAAAAAAAAAAAAAAFiE0wB/f38AgICAA8zMzADAwP8Af39/AAAAAAAAAAAAAAAAAAAAAAAAAAAAIQAAABgAAAAUAAAACxoAAM8WAAClHAAAIhgAABAAAAAmAAAACAAAAP//////////MAAAABQAAAAAAAAAAAD//wAAAQAAAP//AAABAA=="/>
+                <pr:smNativeData xmlns:pr="smNativeData" xmlns="smNativeData" val="SMDATA_17_WnaBYRMAAAAlAAAAggAAAA8BAAAAkAAAAEgAAACQAAAASAAAAAAAAAAAAAAAAAAAAAEAAABQAAAAAAAAAAAAAAAAAAAAAADgPwAAAAAAAOA/AAAAAAAA4D8AAAAAAADgPwAAAAAAAOA/AAAAAAAA4D8AAAAAAADgPwAAAAAAAOA/AAAAAAAA4D8CAAAAjAAAAAAAAAAAAAAAu+DjDP///wgAAAAAAAAAAAAAAAAAAAAAAAAAAAAAAAAAAAAAZAAAAAEAAABAAAAAAAAAAAAAAAAAAAAAAAAAAAAAAAAAAAAAAAAAAAAAAAAAAAAAAAAAAAAAAAAAAAAAAAAAAAAAAAAAAAAAAAAAAAAAAAAAAAAAAAAAAAAAAAAAAAAAFAAAADwAAAABAAAAAAAAAFiE0wAoAAAAAQAAABQAAAAUAAAAFAAAAAEAAAAAAAAAZAAAAGQAAAAAAAAAZAAAAGQAAAAVAAAAYAAAAAAAAAAAAAAADwAAACADAAAAAAAAAAAAAAEAAACgMgAAVgcAAKr4//8BAAAAf39/AAEAAABkAAAAAAAAABQAAABAHwAAAAAAACYAAAAAAAAAwOD//wAAAAAmAAAAZAAAABYAAABMAAAAAAAAAAAAAAAEAAAAAAAAAAEAAACAgIAKAAAAACgAAAAoAAAAZAAAAGQAAAAAAAAAzMzMAAAAAABQAAAAUAAAAGQAAABkAAAAAAAAABcAAAAUAAAAAAAAAAAAAAD/fwAA/38AAAAAAAAJAAAABAAAAAAAAAAMAAAAEAAAAAAAAAAAAAAAAAAAAAAAAAAeAAAAaAAAAAAAAAAAAAAAAAAAAAAAAAAAAAAAECcAABAnAAAAAAAAAAAAAAAAAAAAAAAAAAAAAAAAAAAAAAAAAAAAABQAAAAAAAAAwMD/AAAAAABkAAAAMgAAAAAAAABkAAAAAAAAAH9/fwAKAAAAIgAAABgAAAAAAAAAAAAAAAAAAAAAAAAAAAAAAAAAAAAkAAAAJAAAAAAAAAAHAAAAAAAAAAAAAAAAAAAAAAAAAAAAAAAAAAAAf39/ACUAAABYAAAAAAAAAAAAAAAAAAAAAAAAAAAAAAAAAAAAAAAAAAAAAAAAAAAAAAAAAAAAAAA/AAAAAAAAAKCGAQAAAAAAAAAAAAAAAAAMAAAAAQAAAAAAAAAAAAAAAAAAAB8AAABUAAAAu+DjBf///wEAAAAAAAAAAAAAAAAAAAAAAAAAAAAAAAAAAAAAAAAAAFiE0wB/f38AgICAA8zMzADAwP8Af39/AAAAAAAAAAAAAAAAAAAAAAAAAAAAIQAAABgAAAAUAAAACxoAAM8WAAClHAAAIhgAABAAAAAmAAAACAAAAP//////////MAAAABQAAAAAAAAAAAD//wAAAQAAAP//AAABAA=="/>
               </a:ext>
             </a:extLst>
           </p:cNvSpPr>
@@ -6123,7 +6123,7 @@
           <p:cNvSpPr txBox="1">
             <a:extLst>
               <a:ext uri="smNativeData">
-                <pr:smNativeData xmlns:pr="smNativeData" xmlns="smNativeData" val="SMDATA_17_MUmAYRMAAAAlAAAAEgAAAE8BAAAAkAAAAEgAAACQAAAASAAAAAAAAAAAAAAAAAAAAAEAAABQAAAAAAAAAAAA4D8AAAAAAADgPwAAAAAAAOA/AAAAAAAA4D8AAAAAAADgPwAAAAAAAOA/AAAAAAAA4D8AAAAAAADgPwAAAAAAAOA/AAAAAAAA4D8CAAAAjAAAAAAAAAAAAAAAu+DjDP///wgAAAAAAAAAAAAAAAAAAAAAAAAAAAAAAAAAAAAAZAAAAAEAAABAAAAAAAAAAAAAAAAAAAAAAAAAAAAAAAAAAAAAAAAAAAAAAAAAAAAAAAAAAAAAAAAAAAAAAAAAAAAAAAAAAAAAAAAAAAAAAAAAAAAAAAAAAAAAAAAAAAAAFAAAADwAAAAAAAAAAAAAAAAAAAkUAAAAAQAAABQAAAAUAAAAFAAAAAEAAAAAAAAAZAAAAGQAAAAAAAAAZAAAAGQAAAAVAAAAYAAAAAAAAAAAAAAADwAAACADAAAAAAAAAAAAAAEAAACgMgAAVgcAAKr4//8BAAAAf39/AAEAAABkAAAAAAAAABQAAABAHwAAAAAAACYAAAAAAAAAwOD//wAAAAAmAAAAZAAAABYAAABMAAAAAAAAAAAAAAAEAAAAAAAAAAEAAACAgIAKAAAAACgAAAAoAAAAZAAAAGQAAAAAAAAAzMzMAAAAAABQAAAAUAAAAGQAAABkAAAAAAAAABcAAAAUAAAAAAAAAMQBAAD/fwAA/38AAAAAAAAJAAAABAAAAAAAAAAMAAAAEAAAAAAAAAAAAAAAAAAAAAAAAAAeAAAAaAAAAAAAAAAAAAAAAAAAAAAAAAAAAAAAECcAABAnAAAAAAAAAAAAAAAAAAAAAAAAAAAAAAAAAAAAAAAAAAAAABQAAAAAAAAAwMD/AAAAAABkAAAAMgAAAAAAAABkAAAAAAAAAH9/fwAKAAAAIgAAABgAAAAAAAAAAAAAAAAAAAAAAAAAAAAAAAAAAAAkAAAAJAAAAAAAAAAHAAAAAAAAAAAAAAAAAAAAAAAAAAAAAAAAAAAAf39/ACUAAABYAAAAAAAAAAAAAAAAAAAAAAAAAAAAAAAAAAAAAAAAAAAAAAAAAAAAAAAAAAAAAAA/AAAAAAAAAKCGAQAAAAAAAAAAAAAAAAAMAAAAAQAAAAAAAAAAAAAAAAAAAB8AAABUAAAAu+DjBf///wEAAAAAAAAAAAAAAAAAAAAAAAAAAAAAAAAAAAAAAAAAAAAAAAJ/f38AgICAA8zMzADAwP8Af39/AAAAAAAAAAAAAAAAAAAAAAAAAAAAIQAAABgAAAAUAAAAYwgAAGslAAALGgAAUygAABAgAAAmAAAACAAAAP//////////MAAAABQAAAAAAAAAAAD//wAAAQAAAP//AAABAA=="/>
+                <pr:smNativeData xmlns:pr="smNativeData" xmlns="smNativeData" val="SMDATA_17_WnaBYRMAAAAlAAAAEgAAAE8BAAAAkAAAAEgAAACQAAAASAAAAAAAAAAAAAAAAAAAAAEAAABQAAAAAAAAAAAA4D8AAAAAAADgPwAAAAAAAOA/AAAAAAAA4D8AAAAAAADgPwAAAAAAAOA/AAAAAAAA4D8AAAAAAADgPwAAAAAAAOA/AAAAAAAA4D8CAAAAjAAAAAAAAAAAAAAAu+DjDP///wgAAAAAAAAAAAAAAAAAAAAAAAAAAAAAAAAAAAAAZAAAAAEAAABAAAAAAAAAAAAAAAAAAAAAAAAAAAAAAAAAAAAAAAAAAAAAAAAAAAAAAAAAAAAAAAAAAAAAAAAAAAAAAAAAAAAAAAAAAAAAAAAAAAAAAAAAAAAAAAAAAAAAFAAAADwAAAAAAAAAAAAAAAAAAAkUAAAAAQAAABQAAAAUAAAAFAAAAAEAAAAAAAAAZAAAAGQAAAAAAAAAZAAAAGQAAAAVAAAAYAAAAAAAAAAAAAAADwAAACADAAAAAAAAAAAAAAEAAACgMgAAVgcAAKr4//8BAAAAf39/AAEAAABkAAAAAAAAABQAAABAHwAAAAAAACYAAAAAAAAAwOD//wAAAAAmAAAAZAAAABYAAABMAAAAAAAAAAAAAAAEAAAAAAAAAAEAAACAgIAKAAAAACgAAAAoAAAAZAAAAGQAAAAAAAAAzMzMAAAAAABQAAAAUAAAAGQAAABkAAAAAAAAABcAAAAUAAAAAAAAAMQBAAD/fwAA/38AAAAAAAAJAAAABAAAAAAAAAAMAAAAEAAAAAAAAAAAAAAAAAAAAAAAAAAeAAAAaAAAAAAAAAAAAAAAAAAAAAAAAAAAAAAAECcAABAnAAAAAAAAAAAAAAAAAAAAAAAAAAAAAAAAAAAAAAAAAAAAABQAAAAAAAAAwMD/AAAAAABkAAAAMgAAAAAAAABkAAAAAAAAAH9/fwAKAAAAIgAAABgAAAAAAAAAAAAAAAAAAAAAAAAAAAAAAAAAAAAkAAAAJAAAAAAAAAAHAAAAAAAAAAAAAAAAAAAAAAAAAAAAAAAAAAAAf39/ACUAAABYAAAAAAAAAAAAAAAAAAAAAAAAAAAAAAAAAAAAAAAAAAAAAAAAAAAAAAAAAAAAAAA/AAAAAAAAAKCGAQAAAAAAAAAAAAAAAAAMAAAAAQAAAAAAAAAAAAAAAAAAAB8AAABUAAAAu+DjBf///wEAAAAAAAAAAAAAAAAAAAAAAAAAAAAAAAAAAAAAAAAAAAAAAAJ/f38AgICAA8zMzADAwP8Af39/AAAAAAAAAAAAAAAAAAAAAAAAAAAAIQAAABgAAAAUAAAAYwgAAGslAAALGgAAUygAABAgAAAmAAAACAAAAP//////////MAAAABQAAAAAAAAAAAD//wAAAQAAAP//AAABAA=="/>
               </a:ext>
             </a:extLst>
           </p:cNvSpPr>
@@ -6176,7 +6176,7 @@
             <a:endCxn id="15" idx="3"/>
             <a:extLst>
               <a:ext uri="smNativeData">
-                <pr:smNativeData xmlns:pr="smNativeData" xmlns="smNativeData" val="SMDATA_17_MUmAYRMAAAAlAAAADgAAAA8BAAAAkAAAAEgAAACQAAAASAAAAAAAAAAAAAAAAAAAAAEAAABQAAAAAAAAAAAA4D8AAAAAAADgPwAAAAAAAOA/AAAAAAAA4D8AAAAAAADgPwAAAAAAAOA/AAAAAAAA4D8AAAAAAADgPwAAAAAAAOA/AAAAAAAA4D8CAAAAjAAAAAAAAAAAAAAAu+DjDP///wgAAAAAAAAAAAAAAAAAAAAAAAAAAAAAAAAAAAAAZAAAAAEAAABAAAAAAAAAAAAAAAAAAAAAAAAAAAAAAAAAAAAAAAAAAAAAAAAAAAAAAAAAAAAAAAAAAAAAAAAAAAAAAAAAAAAAAAAAAAAAAAAAAAAAAAAAAAAAAAAAAAAAFAAAADwAAAABAAAAAAAAAFiE0wAoAAAAAQAAABQAAAAUAAAAFAAAAAEAAAAAAAAAZAAAAGQAAAAAAAAAZAAAAGQAAAAVAAAAYAAAAAAAAAAAAAAADwAAACADAAAAAAAAAAAAAAEAAACgMgAAVgcAAKr4//8BAAAAf39/AAEAAABkAAAAAAAAABQAAABAHwAAAAAAACYAAAAAAAAAwOD//wAAAAAmAAAAZAAAABYAAABMAAAAAAAAAAAAAAAEAAAAAAAAAAEAAACAgIAKAAAAACgAAAAoAAAAZAAAAGQAAAAAAAAAzMzMAAAAAABQAAAAUAAAAGQAAABkAAAAAAAAABcAAAAUAAAAAAAAAAAAAAD/fwAA/38AAAAAAAAJAAAABAAAACjuTkYMAAAAEAAAAAAAAAAAAAAAAAAAAAAAAAAeAAAAaAAAAAAAAAAAAAAAAAAAAAAAAAAAAAAAECcAABAnAAAAAAAAAAAAAAAAAAAAAAAAAAAAAAAAAAAAAAAAAAAAABQAAAAAAAAAwMD/AAAAAABkAAAAMgAAAAAAAABkAAAAAAAAAH9/fwAKAAAAIgAAABgAAAAAAAAAAAAAAAAAAAAAAAAAAAAAAAAAAAAkAAAAJAAAAAAAAAAHAAAAAAAAAAAAAAAAAAAAAAAAAAAAAAAAAAAAf39/ACUAAABYAAAAAAAAAAAAAAAAAAAAAAAAAAAAAAAAAAAAAAAAAAAAAAAAAAAAAAAAAAAAAAA/AAAAAAAAAKCGAQAAAAAAAAAAAAAAAAAMAAAAAQAAAAAAAAAAAAAAAAAAAB8AAABUAAAAu+DjBf///wEAAAAAAAAAAAAAAAAAAAAAAAAAAAAAAAAAAAAAAAAAAFiE0wB/f38AgICAA8zMzADAwP8Af39/AAAAAAAAAAAAAAAAAAAAAAAAAAAAIQAAABgAAAAUAAAACxoAACIYAABYGwAA3yYAABAAAAAmAAAACAAAAP//////////MAAAABQAAAAAAAAAAAD//wAAAQAAAP//AAABAA=="/>
+                <pr:smNativeData xmlns:pr="smNativeData" xmlns="smNativeData" val="SMDATA_17_WnaBYRMAAAAlAAAADgAAAA8BAAAAkAAAAEgAAACQAAAASAAAAAAAAAAAAAAAAAAAAAEAAABQAAAAAAAAAAAA4D8AAAAAAADgPwAAAAAAAOA/AAAAAAAA4D8AAAAAAADgPwAAAAAAAOA/AAAAAAAA4D8AAAAAAADgPwAAAAAAAOA/AAAAAAAA4D8CAAAAjAAAAAAAAAAAAAAAu+DjDP///wgAAAAAAAAAAAAAAAAAAAAAAAAAAAAAAAAAAAAAZAAAAAEAAABAAAAAAAAAAAAAAAAAAAAAAAAAAAAAAAAAAAAAAAAAAAAAAAAAAAAAAAAAAAAAAAAAAAAAAAAAAAAAAAAAAAAAAAAAAAAAAAAAAAAAAAAAAAAAAAAAAAAAFAAAADwAAAABAAAAAAAAAFiE0wAoAAAAAQAAABQAAAAUAAAAFAAAAAEAAAAAAAAAZAAAAGQAAAAAAAAAZAAAAGQAAAAVAAAAYAAAAAAAAAAAAAAADwAAACADAAAAAAAAAAAAAAEAAACgMgAAVgcAAKr4//8BAAAAf39/AAEAAABkAAAAAAAAABQAAABAHwAAAAAAACYAAAAAAAAAwOD//wAAAAAmAAAAZAAAABYAAABMAAAAAAAAAAAAAAAEAAAAAAAAAAEAAACAgIAKAAAAACgAAAAoAAAAZAAAAGQAAAAAAAAAzMzMAAAAAABQAAAAUAAAAGQAAABkAAAAAAAAABcAAAAUAAAAAAAAAAAAAAD/fwAA/38AAAAAAAAJAAAABAAAACjuTkYMAAAAEAAAAAAAAAAAAAAAAAAAAAAAAAAeAAAAaAAAAAAAAAAAAAAAAAAAAAAAAAAAAAAAECcAABAnAAAAAAAAAAAAAAAAAAAAAAAAAAAAAAAAAAAAAAAAAAAAABQAAAAAAAAAwMD/AAAAAABkAAAAMgAAAAAAAABkAAAAAAAAAH9/fwAKAAAAIgAAABgAAAAAAAAAAAAAAAAAAAAAAAAAAAAAAAAAAAAkAAAAJAAAAAAAAAAHAAAAAAAAAAAAAAAAAAAAAAAAAAAAAAAAAAAAf39/ACUAAABYAAAAAAAAAAAAAAAAAAAAAAAAAAAAAAAAAAAAAAAAAAAAAAAAAAAAAAAAAAAAAAA/AAAAAAAAAKCGAQAAAAAAAAAAAAAAAAAMAAAAAQAAAAAAAAAAAAAAAAAAAB8AAABUAAAAu+DjBf///wEAAAAAAAAAAAAAAAAAAAAAAAAAAAAAAAAAAAAAAAAAAFiE0wB/f38AgICAA8zMzADAwP8Af39/AAAAAAAAAAAAAAAAAAAAAAAAAAAAIQAAABgAAAAUAAAACxoAACIYAABYGwAA3yYAABAAAAAmAAAACAAAAP//////////MAAAABQAAAAAAAAAAAD//wAAAQAAAP//AAABAA=="/>
               </a:ext>
             </a:extLst>
           </p:cNvCxnSpPr>
@@ -6208,7 +6208,7 @@
           <p:cNvSpPr txBox="1">
             <a:extLst>
               <a:ext uri="smNativeData">
-                <pr:smNativeData xmlns:pr="smNativeData" xmlns="smNativeData" val="SMDATA_17_MUmAYRMAAAAlAAAAEgAAAE8BAAAAkAAAAEgAAACQAAAASAAAAAAAAAAAAAAAAAAAAAEAAABQAAAAAAAAAAAA4D8AAAAAAADgPwAAAAAAAOA/AAAAAAAA4D8AAAAAAADgPwAAAAAAAOA/AAAAAAAA4D8AAAAAAADgPwAAAAAAAOA/AAAAAAAA4D8CAAAAjAAAAAAAAAAAAAAAu+DjDP///wgAAAAAAAAAAAAAAAAAAAAAAAAAAAAAAAAAAAAAZAAAAAEAAABAAAAAAAAAAAAAAAAAAAAAAAAAAAAAAAAAAAAAAAAAAAAAAAAAAAAAAAAAAAAAAAAAAAAAAAAAAAAAAAAAAAAAAAAAAAAAAAAAAAAAAAAAAAAAAAAAAAAAFAAAADwAAAAAAAAAAAAAAAAAAAkUAAAAAQAAABQAAAAUAAAAFAAAAAEAAAAAAAAAZAAAAGQAAAAAAAAAZAAAAGQAAAAVAAAAYAAAAAAAAAAAAAAADwAAACADAAAAAAAAAAAAAAEAAACgMgAAVgcAAKr4//8BAAAAf39/AAEAAABkAAAAAAAAABQAAABAHwAAAAAAACYAAAAAAAAAwOD//wAAAAAmAAAAZAAAABYAAABMAAAAAAAAAAAAAAAEAAAAAAAAAAEAAACAgIAKAAAAACgAAAAoAAAAZAAAAGQAAAAAAAAAzMzMAAAAAABQAAAAUAAAAGQAAABkAAAAAAAAABcAAAAUAAAAAAAAABcDAAD/fwAA/38AAAAAAAAJAAAABAAAACDzOA0MAAAAEAAAAAAAAAAAAAAAAAAAAAAAAAAeAAAAaAAAAAAAAAAAAAAAAAAAAAAAAAAAAAAAECcAABAnAAAAAAAAAAAAAAAAAAAAAAAAAAAAAAAAAAAAAAAAAAAAABQAAAAAAAAAwMD/AAAAAABkAAAAMgAAAAAAAABkAAAAAAAAAH9/fwAKAAAAIgAAABgAAAAAAAAAAAAAAAAAAAAAAAAAAAAAAAAAAAAkAAAAJAAAAAAAAAAHAAAAAAAAAAAAAAAAAAAAAAAAAAAAAAAAAAAAf39/ACUAAABYAAAAAAAAAAAAAAAAAAAAAAAAAAAAAAAAAAAAAAAAAAAAAAAAAAAAAAAAAAAAAAA/AAAAAAAAAKCGAQAAAAAAAAAAAAAAAAAMAAAAAQAAAAAAAAAAAAAAAAAAAB8AAABUAAAAu+DjBf///wEAAAAAAAAAAAAAAAAAAAAAAAAAAAAAAAAAAAAAAAAAAAAAAAJ/f38AgICAA8zMzADAwP8Af39/AAAAAAAAAAAAAAAAAAAAAAAAAAAAIQAAABgAAAAUAAAAUAcAAFwMAABWPgAARA8AABAgAAAmAAAACAAAAP//////////MAAAABQAAAAAAAAAAAD//wAAAQAAAP//AAABAA=="/>
+                <pr:smNativeData xmlns:pr="smNativeData" xmlns="smNativeData" val="SMDATA_17_WnaBYRMAAAAlAAAAEgAAAE8BAAAAkAAAAEgAAACQAAAASAAAAAAAAAAAAAAAAAAAAAEAAABQAAAAAAAAAAAA4D8AAAAAAADgPwAAAAAAAOA/AAAAAAAA4D8AAAAAAADgPwAAAAAAAOA/AAAAAAAA4D8AAAAAAADgPwAAAAAAAOA/AAAAAAAA4D8CAAAAjAAAAAAAAAAAAAAAu+DjDP///wgAAAAAAAAAAAAAAAAAAAAAAAAAAAAAAAAAAAAAZAAAAAEAAABAAAAAAAAAAAAAAAAAAAAAAAAAAAAAAAAAAAAAAAAAAAAAAAAAAAAAAAAAAAAAAAAAAAAAAAAAAAAAAAAAAAAAAAAAAAAAAAAAAAAAAAAAAAAAAAAAAAAAFAAAADwAAAAAAAAAAAAAAAAAAAkUAAAAAQAAABQAAAAUAAAAFAAAAAEAAAAAAAAAZAAAAGQAAAAAAAAAZAAAAGQAAAAVAAAAYAAAAAAAAAAAAAAADwAAACADAAAAAAAAAAAAAAEAAACgMgAAVgcAAKr4//8BAAAAf39/AAEAAABkAAAAAAAAABQAAABAHwAAAAAAACYAAAAAAAAAwOD//wAAAAAmAAAAZAAAABYAAABMAAAAAAAAAAAAAAAEAAAAAAAAAAEAAACAgIAKAAAAACgAAAAoAAAAZAAAAGQAAAAAAAAAzMzMAAAAAABQAAAAUAAAAGQAAABkAAAAAAAAABcAAAAUAAAAAAAAABcDAAD/fwAA/38AAAAAAAAJAAAABAAAACDzOA0MAAAAEAAAAAAAAAAAAAAAAAAAAAAAAAAeAAAAaAAAAAAAAAAAAAAAAAAAAAAAAAAAAAAAECcAABAnAAAAAAAAAAAAAAAAAAAAAAAAAAAAAAAAAAAAAAAAAAAAABQAAAAAAAAAwMD/AAAAAABkAAAAMgAAAAAAAABkAAAAAAAAAH9/fwAKAAAAIgAAABgAAAAAAAAAAAAAAAAAAAAAAAAAAAAAAAAAAAAkAAAAJAAAAAAAAAAHAAAAAAAAAAAAAAAAAAAAAAAAAAAAAAAAAAAAf39/ACUAAABYAAAAAAAAAAAAAAAAAAAAAAAAAAAAAAAAAAAAAAAAAAAAAAAAAAAAAAAAAAAAAAA/AAAAAAAAAKCGAQAAAAAAAAAAAAAAAAAMAAAAAQAAAAAAAAAAAAAAAAAAAB8AAABUAAAAu+DjBf///wEAAAAAAAAAAAAAAAAAAAAAAAAAAAAAAAAAAAAAAAAAAAAAAAJ/f38AgICAA8zMzADAwP8Af39/AAAAAAAAAAAAAAAAAAAAAAAAAAAAIQAAABgAAAAUAAAAUAcAAFwMAABWPgAARA8AABAgAAAmAAAACAAAAP//////////MAAAABQAAAAAAAAAAAD//wAAAQAAAP//AAABAA=="/>
               </a:ext>
             </a:extLst>
           </p:cNvSpPr>
@@ -6233,7 +6233,7 @@
           <a:lstStyle/>
           <a:p>
             <a:pPr>
-              <a:defRPr sz="2500" spc="3">
+              <a:defRPr sz="2500">
                 <a:latin typeface="Liberation Mono" pitchFamily="1" charset="0"/>
                 <a:ea typeface="Liberation Mono" pitchFamily="1" charset="0"/>
                 <a:cs typeface="Liberation Mono" pitchFamily="1" charset="0"/>
@@ -6251,7 +6251,7 @@
           <p:cNvSpPr>
             <a:extLst>
               <a:ext uri="smNativeData">
-                <pr:smNativeData xmlns:pr="smNativeData" xmlns="smNativeData" val="SMDATA_17_MUmAYRMAAAAlAAAAggAAAA8BAAAAkAAAAEgAAACQAAAASAAAAAAAAAAAAAAAAAAAAAEAAABQAAAAHoXrUbge5T8AAAAAAADgPwAAAAAAAOA/AAAAAAAA4D8AAAAAAADgPwAAAAAAAOA/AAAAAAAA4D8AAAAAAADgPwAAAAAAAOA/AAAAAAAA4D8CAAAAjAAAAAAAAAAAAAAAu+DjDP///wgAAAAAAAAAAAAAAAAAAAAAAAAAAAAAAAAAAAAAZAAAAAEAAABAAAAAAAAAAAAAAAAAAAAAAAAAAAAAAAAAAAAAAAAAAAAAAAAAAAAAAAAAAAAAAAAAAAAAAAAAAAAAAAAAAAAAAAAAAAAAAAAAAAAAAAAAAAAAAAAAAAAAFAAAADwAAAABAAAAAAAAAFiE0wAoAAAAAQAAABQAAAAUAAAAFAAAAAEAAAAAAAAAZAAAAGQAAAAAAAAAZAAAAGQAAAAVAAAAYAAAAAAAAAAAAAAADwAAACADAAAAAAAAAAAAAAEAAACgMgAAVgcAAKr4//8BAAAAf39/AAEAAABkAAAAAAAAABQAAABAHwAAAAAAACYAAAAAAAAAwOD//wAAAAAmAAAAZAAAABYAAABMAAAAAAAAAAAAAAAEAAAAAAAAAAEAAACAgIAKAAAAACgAAAAoAAAAZAAAAGQAAAAAAAAAzMzMAAAAAABQAAAAUAAAAGQAAABkAAAAAAAAABcAAAAUAAAAAAAAAAAAAAD/fwAA/38AAAAAAAAJAAAABAAAAAAARgQMAAAAEAAAAAAAAAAAAAAAAAAAAAAAAAAeAAAAaAAAAAAAAAAAAAAAAAAAAAAAAAAAAAAAECcAABAnAAAAAAAAAAAAAAAAAAAAAAAAAAAAAAAAAAAAAAAAAAAAABQAAAAAAAAAwMD/AAAAAABkAAAAMgAAAAAAAABkAAAAAAAAAH9/fwAKAAAAIgAAABgAAAAAAAAAAAAAAAAAAAAAAAAAAAAAAAAAAAAkAAAAJAAAAAAAAAAHAAAAAAAAAAAAAAAAAAAAAAAAAAAAAAAAAAAAf39/ACUAAABYAAAAAAAAAAAAAAAAAAAAAAAAAAAAAAAAAAAAAAAAAAAAAAAAAAAAAAAAAAAAAAA/AAAAAAAAAKCGAQAAAAAAAAAAAAAAAAAMAAAAAQAAAAAAAAAAAAAAAAAAAB8AAABUAAAAu+DjBf///wEAAAAAAAAAAAAAAAAAAAAAAAAAAAAAAAAAAAAAAAAAAFiE0wB/f38AgICAA8zMzADAwP8Af39/AAAAAAAAAAAAAAAAAAAAAAAAAAAAIQAAABgAAAAUAAAAiAcAAHwOAADTEQAAzw8AABAAAAAmAAAACAAAAP//////////MAAAABQAAAAAAAAAAAD//wAAAQAAAP//AAABAA=="/>
+                <pr:smNativeData xmlns:pr="smNativeData" xmlns="smNativeData" val="SMDATA_17_WnaBYRMAAAAlAAAAggAAAA8BAAAAkAAAAEgAAACQAAAASAAAAAAAAAAAAAAAAAAAAAEAAABQAAAAHoXrUbge5T8AAAAAAADgPwAAAAAAAOA/AAAAAAAA4D8AAAAAAADgPwAAAAAAAOA/AAAAAAAA4D8AAAAAAADgPwAAAAAAAOA/AAAAAAAA4D8CAAAAjAAAAAAAAAAAAAAAu+DjDP///wgAAAAAAAAAAAAAAAAAAAAAAAAAAAAAAAAAAAAAZAAAAAEAAABAAAAAAAAAAAAAAAAAAAAAAAAAAAAAAAAAAAAAAAAAAAAAAAAAAAAAAAAAAAAAAAAAAAAAAAAAAAAAAAAAAAAAAAAAAAAAAAAAAAAAAAAAAAAAAAAAAAAAFAAAADwAAAABAAAAAAAAAFiE0wAoAAAAAQAAABQAAAAUAAAAFAAAAAEAAAAAAAAAZAAAAGQAAAAAAAAAZAAAAGQAAAAVAAAAYAAAAAAAAAAAAAAADwAAACADAAAAAAAAAAAAAAEAAACgMgAAVgcAAKr4//8BAAAAf39/AAEAAABkAAAAAAAAABQAAABAHwAAAAAAACYAAAAAAAAAwOD//wAAAAAmAAAAZAAAABYAAABMAAAAAAAAAAAAAAAEAAAAAAAAAAEAAACAgIAKAAAAACgAAAAoAAAAZAAAAGQAAAAAAAAAzMzMAAAAAABQAAAAUAAAAGQAAABkAAAAAAAAABcAAAAUAAAAAAAAAAAAAAD/fwAA/38AAAAAAAAJAAAABAAAAAAARgQMAAAAEAAAAAAAAAAAAAAAAAAAAAAAAAAeAAAAaAAAAAAAAAAAAAAAAAAAAAAAAAAAAAAAECcAABAnAAAAAAAAAAAAAAAAAAAAAAAAAAAAAAAAAAAAAAAAAAAAABQAAAAAAAAAwMD/AAAAAABkAAAAMgAAAAAAAABkAAAAAAAAAH9/fwAKAAAAIgAAABgAAAAAAAAAAAAAAAAAAAAAAAAAAAAAAAAAAAAkAAAAJAAAAAAAAAAHAAAAAAAAAAAAAAAAAAAAAAAAAAAAAAAAAAAAf39/ACUAAABYAAAAAAAAAAAAAAAAAAAAAAAAAAAAAAAAAAAAAAAAAAAAAAAAAAAAAAAAAAAAAAA/AAAAAAAAAKCGAQAAAAAAAAAAAAAAAAAMAAAAAQAAAAAAAAAAAAAAAAAAAB8AAABUAAAAu+DjBf///wEAAAAAAAAAAAAAAAAAAAAAAAAAAAAAAAAAAAAAAAAAAFiE0wB/f38AgICAA8zMzADAwP8Af39/AAAAAAAAAAAAAAAAAAAAAAAAAAAAIQAAABgAAAAUAAAAiAcAAHwOAADTEQAAzw8AABAAAAAmAAAACAAAAP//////////MAAAABQAAAAAAAAAAAD//wAAAQAAAP//AAABAA=="/>
               </a:ext>
             </a:extLst>
           </p:cNvSpPr>
@@ -6286,7 +6286,7 @@
           <p:cNvSpPr>
             <a:extLst>
               <a:ext uri="smNativeData">
-                <pr:smNativeData xmlns:pr="smNativeData" xmlns="smNativeData" val="SMDATA_17_MUmAYRMAAAAlAAAAggAAAA8BAAAAkAAAAEgAAACQAAAASAAAAAAAAAAAAAAAAAAAAAEAAABQAAAAHoXrUbge5T8AAAAAAADgPwAAAAAAAOA/AAAAAAAA4D8AAAAAAADgPwAAAAAAAOA/AAAAAAAA4D8AAAAAAADgPwAAAAAAAOA/AAAAAAAA4D8CAAAAjAAAAAAAAAAAAAAAu+DjDP///wgAAAAAAAAAAAAAAAAAAAAAAAAAAAAAAAAAAAAAZAAAAAEAAABAAAAAAAAAAAAAAAAAAAAAAAAAAAAAAAAAAAAAAAAAAAAAAAAAAAAAAAAAAAAAAAAAAAAAAAAAAAAAAAAAAAAAAAAAAAAAAAAAAAAAAAAAAAAAAAAAAAAAFAAAADwAAAABAAAAAAAAAFiE0wAoAAAAAQAAABQAAAAUAAAAFAAAAAEAAAAAAAAAZAAAAGQAAAAAAAAAZAAAAGQAAAAVAAAAYAAAAAAAAAAAAAAADwAAACADAAAAAAAAAAAAAAEAAACgMgAAVgcAAKr4//8BAAAAf39/AAEAAABkAAAAAAAAABQAAABAHwAAAAAAACYAAAAAAAAAwOD//wAAAAAmAAAAZAAAABYAAABMAAAAAAAAAAAAAAAEAAAAAAAAAAEAAACAgIAKAAAAACgAAAAoAAAAZAAAAGQAAAAAAAAAzMzMAAAAAABQAAAAUAAAAGQAAABkAAAAAAAAABcAAAAUAAAAAAAAAAAAAAD/fwAA/38AAAAAAAAJAAAABAAAAAAA4AMMAAAAEAAAAAAAAAAAAAAAAAAAAAAAAAAeAAAAaAAAAAAAAAAAAAAAAAAAAAAAAAAAAAAAECcAABAnAAAAAAAAAAAAAAAAAAAAAAAAAAAAAAAAAAAAAAAAAAAAABQAAAAAAAAAwMD/AAAAAABkAAAAMgAAAAAAAABkAAAAAAAAAH9/fwAKAAAAIgAAABgAAAAAAAAAAAAAAAAAAAAAAAAAAAAAAAAAAAAkAAAAJAAAAAAAAAAHAAAAAAAAAAAAAAAAAAAAAAAAAAAAAAAAAAAAf39/ACUAAABYAAAAAAAAAAAAAAAAAAAAAAAAAAAAAAAAAAAAAAAAAAAAAAAAAAAAAAAAAAAAAAA/AAAAAAAAAKCGAQAAAAAAAAAAAAAAAAAMAAAAAQAAAAAAAAAAAAAAAAAAAB8AAABUAAAAu+DjBf///wEAAAAAAAAAAAAAAAAAAAAAAAAAAAAAAAAAAAAAAAAAAFiE0wB/f38AgICAA8zMzADAwP8Af39/AAAAAAAAAAAAAAAAAAAAAAAAAAAAIQAAABgAAAAUAAAAWhIAAHwOAAClHAAAzw8AABAAAAAmAAAACAAAAP//////////MAAAABQAAAAAAAAAAAD//wAAAQAAAP//AAABAA=="/>
+                <pr:smNativeData xmlns:pr="smNativeData" xmlns="smNativeData" val="SMDATA_17_WnaBYRMAAAAlAAAAggAAAA8BAAAAkAAAAEgAAACQAAAASAAAAAAAAAAAAAAAAAAAAAEAAABQAAAAHoXrUbge5T8AAAAAAADgPwAAAAAAAOA/AAAAAAAA4D8AAAAAAADgPwAAAAAAAOA/AAAAAAAA4D8AAAAAAADgPwAAAAAAAOA/AAAAAAAA4D8CAAAAjAAAAAAAAAAAAAAAu+DjDP///wgAAAAAAAAAAAAAAAAAAAAAAAAAAAAAAAAAAAAAZAAAAAEAAABAAAAAAAAAAAAAAAAAAAAAAAAAAAAAAAAAAAAAAAAAAAAAAAAAAAAAAAAAAAAAAAAAAAAAAAAAAAAAAAAAAAAAAAAAAAAAAAAAAAAAAAAAAAAAAAAAAAAAFAAAADwAAAABAAAAAAAAAFiE0wAoAAAAAQAAABQAAAAUAAAAFAAAAAEAAAAAAAAAZAAAAGQAAAAAAAAAZAAAAGQAAAAVAAAAYAAAAAAAAAAAAAAADwAAACADAAAAAAAAAAAAAAEAAACgMgAAVgcAAKr4//8BAAAAf39/AAEAAABkAAAAAAAAABQAAABAHwAAAAAAACYAAAAAAAAAwOD//wAAAAAmAAAAZAAAABYAAABMAAAAAAAAAAAAAAAEAAAAAAAAAAEAAACAgIAKAAAAACgAAAAoAAAAZAAAAGQAAAAAAAAAzMzMAAAAAABQAAAAUAAAAGQAAABkAAAAAAAAABcAAAAUAAAAAAAAAAAAAAD/fwAA/38AAAAAAAAJAAAABAAAAAAA4AMMAAAAEAAAAAAAAAAAAAAAAAAAAAAAAAAeAAAAaAAAAAAAAAAAAAAAAAAAAAAAAAAAAAAAECcAABAnAAAAAAAAAAAAAAAAAAAAAAAAAAAAAAAAAAAAAAAAAAAAABQAAAAAAAAAwMD/AAAAAABkAAAAMgAAAAAAAABkAAAAAAAAAH9/fwAKAAAAIgAAABgAAAAAAAAAAAAAAAAAAAAAAAAAAAAAAAAAAAAkAAAAJAAAAAAAAAAHAAAAAAAAAAAAAAAAAAAAAAAAAAAAAAAAAAAAf39/ACUAAABYAAAAAAAAAAAAAAAAAAAAAAAAAAAAAAAAAAAAAAAAAAAAAAAAAAAAAAAAAAAAAAA/AAAAAAAAAKCGAQAAAAAAAAAAAAAAAAAMAAAAAQAAAAAAAAAAAAAAAAAAAB8AAABUAAAAu+DjBf///wEAAAAAAAAAAAAAAAAAAAAAAAAAAAAAAAAAAAAAAAAAAFiE0wB/f38AgICAA8zMzADAwP8Af39/AAAAAAAAAAAAAAAAAAAAAAAAAAAAIQAAABgAAAAUAAAAWhIAAHwOAAClHAAAzw8AABAAAAAmAAAACAAAAP//////////MAAAABQAAAAAAAAAAAD//wAAAQAAAP//AAABAA=="/>
               </a:ext>
             </a:extLst>
           </p:cNvSpPr>
@@ -6321,7 +6321,7 @@
           <p:cNvSpPr>
             <a:extLst>
               <a:ext uri="smNativeData">
-                <pr:smNativeData xmlns:pr="smNativeData" xmlns="smNativeData" val="SMDATA_17_MUmAYRMAAAAlAAAAggAAAA8BAAAAkAAAAEgAAACQAAAASAAAAAAAAAAAAAAAAAAAAAEAAABQAAAAHoXrUbge5T8AAAAAAADgPwAAAAAAAOA/AAAAAAAA4D8AAAAAAADgPwAAAAAAAOA/AAAAAAAA4D8AAAAAAADgPwAAAAAAAOA/AAAAAAAA4D8CAAAAjAAAAAAAAAAAAAAAu+DjDP///wgAAAAAAAAAAAAAAAAAAAAAAAAAAAAAAAAAAAAAZAAAAAEAAABAAAAAAAAAAAAAAAAAAAAAAAAAAAAAAAAAAAAAAAAAAAAAAAAAAAAAAAAAAAAAAAAAAAAAAAAAAAAAAAAAAAAAAAAAAAAAAAAAAAAAAAAAAAAAAAAAAAAAFAAAADwAAAABAAAAAAAAAFiE0wAoAAAAAQAAABQAAAAUAAAAFAAAAAEAAAAAAAAAZAAAAGQAAAAAAAAAZAAAAGQAAAAVAAAAYAAAAAAAAAAAAAAADwAAACADAAAAAAAAAAAAAAEAAACgMgAAVgcAAKr4//8BAAAAf39/AAEAAABkAAAAAAAAABQAAABAHwAAAAAAACYAAAAAAAAAwOD//wAAAAAmAAAAZAAAABYAAABMAAAAAAAAAAAAAAAEAAAAAAAAAAEAAACAgIAKAAAAACgAAAAoAAAAZAAAAGQAAAAAAAAAzMzMAAAAAABQAAAAUAAAAGQAAABkAAAAAAAAABcAAAAUAAAAAAAAAAAAAAD/fwAA/38AAAAAAAAJAAAABAAAAAAAAAoMAAAAEAAAAAAAAAAAAAAAAAAAAAAAAAAeAAAAaAAAAAAAAAAAAAAAAAAAAAAAAAAAAAAAECcAABAnAAAAAAAAAAAAAAAAAAAAAAAAAAAAAAAAAAAAAAAAAAAAABQAAAAAAAAAwMD/AAAAAABkAAAAMgAAAAAAAABkAAAAAAAAAH9/fwAKAAAAIgAAABgAAAAAAAAAAAAAAAAAAAAAAAAAAAAAAAAAAAAkAAAAJAAAAAAAAAAHAAAAAAAAAAAAAAAAAAAAAAAAAAAAAAAAAAAAf39/ACUAAABYAAAAAAAAAAAAAAAAAAAAAAAAAAAAAAAAAAAAAAAAAAAAAAAAAAAAAAAAAAAAAAA/AAAAAAAAAKCGAQAAAAAAAAAAAAAAAAAMAAAAAQAAAAAAAAAAAAAAAAAAAB8AAABUAAAAu+DjBf///wEAAAAAAAAAAAAAAAAAAAAAAAAAAAAAAAAAAAAAAAAAAFiE0wB/f38AgICAA8zMzADAwP8Af39/AAAAAAAAAAAAAAAAAAAAAAAAAAAAIQAAABgAAAAUAAAAlx0AAHwOAADiJwAAzw8AABAAAAAmAAAACAAAAP//////////MAAAABQAAAAAAAAAAAD//wAAAQAAAP//AAABAA=="/>
+                <pr:smNativeData xmlns:pr="smNativeData" xmlns="smNativeData" val="SMDATA_17_WnaBYRMAAAAlAAAAggAAAA8BAAAAkAAAAEgAAACQAAAASAAAAAAAAAAAAAAAAAAAAAEAAABQAAAAHoXrUbge5T8AAAAAAADgPwAAAAAAAOA/AAAAAAAA4D8AAAAAAADgPwAAAAAAAOA/AAAAAAAA4D8AAAAAAADgPwAAAAAAAOA/AAAAAAAA4D8CAAAAjAAAAAAAAAAAAAAAu+DjDP///wgAAAAAAAAAAAAAAAAAAAAAAAAAAAAAAAAAAAAAZAAAAAEAAABAAAAAAAAAAAAAAAAAAAAAAAAAAAAAAAAAAAAAAAAAAAAAAAAAAAAAAAAAAAAAAAAAAAAAAAAAAAAAAAAAAAAAAAAAAAAAAAAAAAAAAAAAAAAAAAAAAAAAFAAAADwAAAABAAAAAAAAAFiE0wAoAAAAAQAAABQAAAAUAAAAFAAAAAEAAAAAAAAAZAAAAGQAAAAAAAAAZAAAAGQAAAAVAAAAYAAAAAAAAAAAAAAADwAAACADAAAAAAAAAAAAAAEAAACgMgAAVgcAAKr4//8BAAAAf39/AAEAAABkAAAAAAAAABQAAABAHwAAAAAAACYAAAAAAAAAwOD//wAAAAAmAAAAZAAAABYAAABMAAAAAAAAAAAAAAAEAAAAAAAAAAEAAACAgIAKAAAAACgAAAAoAAAAZAAAAGQAAAAAAAAAzMzMAAAAAABQAAAAUAAAAGQAAABkAAAAAAAAABcAAAAUAAAAAAAAAAAAAAD/fwAA/38AAAAAAAAJAAAABAAAAAAAAAoMAAAAEAAAAAAAAAAAAAAAAAAAAAAAAAAeAAAAaAAAAAAAAAAAAAAAAAAAAAAAAAAAAAAAECcAABAnAAAAAAAAAAAAAAAAAAAAAAAAAAAAAAAAAAAAAAAAAAAAABQAAAAAAAAAwMD/AAAAAABkAAAAMgAAAAAAAABkAAAAAAAAAH9/fwAKAAAAIgAAABgAAAAAAAAAAAAAAAAAAAAAAAAAAAAAAAAAAAAkAAAAJAAAAAAAAAAHAAAAAAAAAAAAAAAAAAAAAAAAAAAAAAAAAAAAf39/ACUAAABYAAAAAAAAAAAAAAAAAAAAAAAAAAAAAAAAAAAAAAAAAAAAAAAAAAAAAAAAAAAAAAA/AAAAAAAAAKCGAQAAAAAAAAAAAAAAAAAMAAAAAQAAAAAAAAAAAAAAAAAAAB8AAABUAAAAu+DjBf///wEAAAAAAAAAAAAAAAAAAAAAAAAAAAAAAAAAAAAAAAAAAFiE0wB/f38AgICAA8zMzADAwP8Af39/AAAAAAAAAAAAAAAAAAAAAAAAAAAAIQAAABgAAAAUAAAAlx0AAHwOAADiJwAAzw8AABAAAAAmAAAACAAAAP//////////MAAAABQAAAAAAAAAAAD//wAAAQAAAP//AAABAA=="/>
               </a:ext>
             </a:extLst>
           </p:cNvSpPr>
@@ -6356,7 +6356,7 @@
           <p:cNvSpPr>
             <a:extLst>
               <a:ext uri="smNativeData">
-                <pr:smNativeData xmlns:pr="smNativeData" xmlns="smNativeData" val="SMDATA_17_MUmAYRMAAAAlAAAAggAAAA8BAAAAkAAAAEgAAACQAAAASAAAAAAAAAAAAAAAAAAAAAEAAABQAAAAHoXrUbge5T8AAAAAAADgPwAAAAAAAOA/AAAAAAAA4D8AAAAAAADgPwAAAAAAAOA/AAAAAAAA4D8AAAAAAADgPwAAAAAAAOA/AAAAAAAA4D8CAAAAjAAAAAAAAAAAAAAAu+DjDP///wgAAAAAAAAAAAAAAAAAAAAAAAAAAAAAAAAAAAAAZAAAAAEAAABAAAAAAAAAAAAAAAAAAAAAAAAAAAAAAAAAAAAAAAAAAAAAAAAAAAAAAAAAAAAAAAAAAAAAAAAAAAAAAAAAAAAAAAAAAAAAAAAAAAAAAAAAAAAAAAAAAAAAFAAAADwAAAABAAAAAAAAAFiE0wAoAAAAAQAAABQAAAAUAAAAFAAAAAEAAAAAAAAAZAAAAGQAAAAAAAAAZAAAAGQAAAAVAAAAYAAAAAAAAAAAAAAADwAAACADAAAAAAAAAAAAAAEAAACgMgAAVgcAAKr4//8BAAAAf39/AAEAAABkAAAAAAAAABQAAABAHwAAAAAAACYAAAAAAAAAwOD//wAAAAAmAAAAZAAAABYAAABMAAAAAAAAAAAAAAAEAAAAAAAAAAEAAACAgIAKAAAAACgAAAAoAAAAZAAAAGQAAAAAAAAAzMzMAAAAAABQAAAAUAAAAGQAAABkAAAAAAAAABcAAAAUAAAAAAAAAAAAAAD/fwAA/38AAAAAAAAJAAAABAAAAEJNO0YMAAAAEAAAAAAAAAAAAAAAAAAAAAAAAAAeAAAAaAAAAAAAAAAAAAAAAAAAAAAAAAAAAAAAECcAABAnAAAAAAAAAAAAAAAAAAAAAAAAAAAAAAAAAAAAAAAAAAAAABQAAAAAAAAAwMD/AAAAAABkAAAAMgAAAAAAAABkAAAAAAAAAH9/fwAKAAAAIgAAABgAAAAAAAAAAAAAAAAAAAAAAAAAAAAAAAAAAAAkAAAAJAAAAAAAAAAHAAAAAAAAAAAAAAAAAAAAAAAAAAAAAAAAAAAAf39/ACUAAABYAAAAAAAAAAAAAAAAAAAAAAAAAAAAAAAAAAAAAAAAAAAAAAAAAAAAAAAAAAAAAAA/AAAAAAAAAKCGAQAAAAAAAAAAAAAAAAAMAAAAAQAAAAAAAAAAAAAAAAAAAB8AAABUAAAAu+DjBf///wEAAAAAAAAAAAAAAAAAAAAAAAAAAAAAAAAAAAAAAAAAAFiE0wB/f38AgICAA8zMzADAwP8Af39/AAAAAAAAAAAAAAAAAAAAAAAAAAAAIQAAABgAAAAUAAAAeCgAAHwOAADDMgAAzw8AABAAAAAmAAAACAAAAP//////////MAAAABQAAAAAAAAAAAD//wAAAQAAAP//AAABAA=="/>
+                <pr:smNativeData xmlns:pr="smNativeData" xmlns="smNativeData" val="SMDATA_17_WnaBYRMAAAAlAAAAggAAAA8BAAAAkAAAAEgAAACQAAAASAAAAAAAAAAAAAAAAAAAAAEAAABQAAAAHoXrUbge5T8AAAAAAADgPwAAAAAAAOA/AAAAAAAA4D8AAAAAAADgPwAAAAAAAOA/AAAAAAAA4D8AAAAAAADgPwAAAAAAAOA/AAAAAAAA4D8CAAAAjAAAAAAAAAAAAAAAu+DjDP///wgAAAAAAAAAAAAAAAAAAAAAAAAAAAAAAAAAAAAAZAAAAAEAAABAAAAAAAAAAAAAAAAAAAAAAAAAAAAAAAAAAAAAAAAAAAAAAAAAAAAAAAAAAAAAAAAAAAAAAAAAAAAAAAAAAAAAAAAAAAAAAAAAAAAAAAAAAAAAAAAAAAAAFAAAADwAAAABAAAAAAAAAFiE0wAoAAAAAQAAABQAAAAUAAAAFAAAAAEAAAAAAAAAZAAAAGQAAAAAAAAAZAAAAGQAAAAVAAAAYAAAAAAAAAAAAAAADwAAACADAAAAAAAAAAAAAAEAAACgMgAAVgcAAKr4//8BAAAAf39/AAEAAABkAAAAAAAAABQAAABAHwAAAAAAACYAAAAAAAAAwOD//wAAAAAmAAAAZAAAABYAAABMAAAAAAAAAAAAAAAEAAAAAAAAAAEAAACAgIAKAAAAACgAAAAoAAAAZAAAAGQAAAAAAAAAzMzMAAAAAABQAAAAUAAAAGQAAABkAAAAAAAAABcAAAAUAAAAAAAAAAAAAAD/fwAA/38AAAAAAAAJAAAABAAAAEJNO0YMAAAAEAAAAAAAAAAAAAAAAAAAAAAAAAAeAAAAaAAAAAAAAAAAAAAAAAAAAAAAAAAAAAAAECcAABAnAAAAAAAAAAAAAAAAAAAAAAAAAAAAAAAAAAAAAAAAAAAAABQAAAAAAAAAwMD/AAAAAABkAAAAMgAAAAAAAABkAAAAAAAAAH9/fwAKAAAAIgAAABgAAAAAAAAAAAAAAAAAAAAAAAAAAAAAAAAAAAAkAAAAJAAAAAAAAAAHAAAAAAAAAAAAAAAAAAAAAAAAAAAAAAAAAAAAf39/ACUAAABYAAAAAAAAAAAAAAAAAAAAAAAAAAAAAAAAAAAAAAAAAAAAAAAAAAAAAAAAAAAAAAA/AAAAAAAAAKCGAQAAAAAAAAAAAAAAAAAMAAAAAQAAAAAAAAAAAAAAAAAAAB8AAABUAAAAu+DjBf///wEAAAAAAAAAAAAAAAAAAAAAAAAAAAAAAAAAAAAAAAAAAFiE0wB/f38AgICAA8zMzADAwP8Af39/AAAAAAAAAAAAAAAAAAAAAAAAAAAAIQAAABgAAAAUAAAAeCgAAHwOAADDMgAAzw8AABAAAAAmAAAACAAAAP//////////MAAAABQAAAAAAAAAAAD//wAAAQAAAP//AAABAA=="/>
               </a:ext>
             </a:extLst>
           </p:cNvSpPr>
@@ -6391,7 +6391,7 @@
           <p:cNvSpPr>
             <a:extLst>
               <a:ext uri="smNativeData">
-                <pr:smNativeData xmlns:pr="smNativeData" xmlns="smNativeData" val="SMDATA_17_MUmAYRMAAAAlAAAAggAAAA8BAAAAkAAAAEgAAACQAAAASAAAAAAAAAAAAAAAAAAAAAEAAABQAAAAHoXrUbge5T8AAAAAAADgPwAAAAAAAOA/AAAAAAAA4D8AAAAAAADgPwAAAAAAAOA/AAAAAAAA4D8AAAAAAADgPwAAAAAAAOA/AAAAAAAA4D8CAAAAjAAAAAAAAAAAAAAAu+DjDP///wgAAAAAAAAAAAAAAAAAAAAAAAAAAAAAAAAAAAAAZAAAAAEAAABAAAAAAAAAAAAAAAAAAAAAAAAAAAAAAAAAAAAAAAAAAAAAAAAAAAAAAAAAAAAAAAAAAAAAAAAAAAAAAAAAAAAAAAAAAAAAAAAAAAAAAAAAAAAAAAAAAAAAFAAAADwAAAABAAAAAAAAAFiE0wAoAAAAAQAAABQAAAAUAAAAFAAAAAEAAAAAAAAAZAAAAGQAAAAAAAAAZAAAAGQAAAAVAAAAYAAAAAAAAAAAAAAADwAAACADAAAAAAAAAAAAAAEAAACgMgAAVgcAAKr4//8BAAAAf39/AAEAAABkAAAAAAAAABQAAABAHwAAAAAAACYAAAAAAAAAwOD//wAAAAAmAAAAZAAAABYAAABMAAAAAAAAAAAAAAAEAAAAAAAAAAEAAACAgIAKAAAAACgAAAAoAAAAZAAAAGQAAAAAAAAAzMzMAAAAAABQAAAAUAAAAGQAAABkAAAAAAAAABcAAAAUAAAAAAAAAAAAAAD/fwAA/38AAAAAAAAJAAAABAAAAAAAAAAMAAAAEAAAAAAAAAAAAAAAAAAAAAAAAAAeAAAAaAAAAAAAAAAAAAAAAAAAAAAAAAAAAAAAECcAABAnAAAAAAAAAAAAAAAAAAAAAAAAAAAAAAAAAAAAAAAAAAAAABQAAAAAAAAAwMD/AAAAAABkAAAAMgAAAAAAAABkAAAAAAAAAH9/fwAKAAAAIgAAABgAAAAAAAAAAAAAAAAAAAAAAAAAAAAAAAAAAAAkAAAAJAAAAAAAAAAHAAAAAAAAAAAAAAAAAAAAAAAAAAAAAAAAAAAAf39/ACUAAABYAAAAAAAAAAAAAAAAAAAAAAAAAAAAAAAAAAAAAAAAAAAAAAAAAAAAAAAAAAAAAAA/AAAAAAAAAKCGAQAAAAAAAAAAAAAAAAAMAAAAAQAAAAAAAAAAAAAAAAAAAB8AAABUAAAAu+DjBf///wEAAAAAAAAAAAAAAAAAAAAAAAAAAAAAAAAAAAAAAAAAAFiE0wB/f38AgICAA8zMzADAwP8Af39/AAAAAAAAAAAAAAAAAAAAAAAAAAAAIQAAABgAAAAUAAAAtzMAAHwOAAACPgAAzw8AABAAAAAmAAAACAAAAP//////////MAAAABQAAAAAAAAAAAD//wAAAQAAAP//AAABAA=="/>
+                <pr:smNativeData xmlns:pr="smNativeData" xmlns="smNativeData" val="SMDATA_17_WnaBYRMAAAAlAAAAggAAAA8BAAAAkAAAAEgAAACQAAAASAAAAAAAAAAAAAAAAAAAAAEAAABQAAAAHoXrUbge5T8AAAAAAADgPwAAAAAAAOA/AAAAAAAA4D8AAAAAAADgPwAAAAAAAOA/AAAAAAAA4D8AAAAAAADgPwAAAAAAAOA/AAAAAAAA4D8CAAAAjAAAAAAAAAAAAAAAu+DjDP///wgAAAAAAAAAAAAAAAAAAAAAAAAAAAAAAAAAAAAAZAAAAAEAAABAAAAAAAAAAAAAAAAAAAAAAAAAAAAAAAAAAAAAAAAAAAAAAAAAAAAAAAAAAAAAAAAAAAAAAAAAAAAAAAAAAAAAAAAAAAAAAAAAAAAAAAAAAAAAAAAAAAAAFAAAADwAAAABAAAAAAAAAFiE0wAoAAAAAQAAABQAAAAUAAAAFAAAAAEAAAAAAAAAZAAAAGQAAAAAAAAAZAAAAGQAAAAVAAAAYAAAAAAAAAAAAAAADwAAACADAAAAAAAAAAAAAAEAAACgMgAAVgcAAKr4//8BAAAAf39/AAEAAABkAAAAAAAAABQAAABAHwAAAAAAACYAAAAAAAAAwOD//wAAAAAmAAAAZAAAABYAAABMAAAAAAAAAAAAAAAEAAAAAAAAAAEAAACAgIAKAAAAACgAAAAoAAAAZAAAAGQAAAAAAAAAzMzMAAAAAABQAAAAUAAAAGQAAABkAAAAAAAAABcAAAAUAAAAAAAAAAAAAAD/fwAA/38AAAAAAAAJAAAABAAAAAAAAAAMAAAAEAAAAAAAAAAAAAAAAAAAAAAAAAAeAAAAaAAAAAAAAAAAAAAAAAAAAAAAAAAAAAAAECcAABAnAAAAAAAAAAAAAAAAAAAAAAAAAAAAAAAAAAAAAAAAAAAAABQAAAAAAAAAwMD/AAAAAABkAAAAMgAAAAAAAABkAAAAAAAAAH9/fwAKAAAAIgAAABgAAAAAAAAAAAAAAAAAAAAAAAAAAAAAAAAAAAAkAAAAJAAAAAAAAAAHAAAAAAAAAAAAAAAAAAAAAAAAAAAAAAAAAAAAf39/ACUAAABYAAAAAAAAAAAAAAAAAAAAAAAAAAAAAAAAAAAAAAAAAAAAAAAAAAAAAAAAAAAAAAA/AAAAAAAAAKCGAQAAAAAAAAAAAAAAAAAMAAAAAQAAAAAAAAAAAAAAAAAAAB8AAABUAAAAu+DjBf///wEAAAAAAAAAAAAAAAAAAAAAAAAAAAAAAAAAAAAAAAAAAFiE0wB/f38AgICAA8zMzADAwP8Af39/AAAAAAAAAAAAAAAAAAAAAAAAAAAAIQAAABgAAAAUAAAAtzMAAHwOAAACPgAAzw8AABAAAAAmAAAACAAAAP//////////MAAAABQAAAAAAAAAAAD//wAAAQAAAP//AAABAA=="/>
               </a:ext>
             </a:extLst>
           </p:cNvSpPr>
@@ -6426,7 +6426,7 @@
           <p:cNvSpPr txBox="1">
             <a:extLst>
               <a:ext uri="smNativeData">
-                <pr:smNativeData xmlns:pr="smNativeData" xmlns="smNativeData" val="SMDATA_17_MUmAYRMAAAAlAAAAEgAAAE8BAAAAkAAAAEgAAACQAAAASAAAAAAAAAAAAAAAAAAAAAEAAABQAAAAAAAAAAAA4D8AAAAAAADgPwAAAAAAAOA/AAAAAAAA4D8AAAAAAADgPwAAAAAAAOA/AAAAAAAA4D8AAAAAAADgPwAAAAAAAOA/AAAAAAAA4D8CAAAAjAAAAAAAAAAAAAAAu+DjDP///wgAAAAAAAAAAAAAAAAAAAAAAAAAAAAAAAAAAAAAZAAAAAEAAABAAAAAAAAAAAAAAAAAAAAAAAAAAAAAAAAAAAAAAAAAAAAAAAAAAAAAAAAAAAAAAAAAAAAAAAAAAAAAAAAAAAAAAAAAAAAAAAAAAAAAAAAAAAAAAAAAAAAAFAAAADwAAAAAAAAAAAAAAAAAAAkUAAAAAQAAABQAAAAUAAAAFAAAAAEAAAAAAAAAZAAAAGQAAAAAAAAAZAAAAGQAAAAVAAAAYAAAAAAAAAAAAAAADwAAACADAAAAAAAAAAAAAAEAAACgMgAAVgcAAKr4//8BAAAAf39/AAEAAABkAAAAAAAAABQAAABAHwAAAAAAACYAAAAAAAAAwOD//wAAAAAmAAAAZAAAABYAAABMAAAAAAAAAAAAAAAEAAAAAAAAAAEAAACAgIAKAAAAACgAAAAoAAAAZAAAAGQAAAAAAAAAzMzMAAAAAABQAAAAUAAAAGQAAABkAAAAAAAAABcAAAAUAAAAAAAAAMQBAAD/fwAA/38AAAAAAAAJAAAABAAAAM4AAAAMAAAAEAAAAAAAAAAAAAAAAAAAAAAAAAAeAAAAaAAAAAAAAAAAAAAAAAAAAAAAAAAAAAAAECcAABAnAAAAAAAAAAAAAAAAAAAAAAAAAAAAAAAAAAAAAAAAAAAAABQAAAAAAAAAwMD/AAAAAABkAAAAMgAAAAAAAABkAAAAAAAAAH9/fwAKAAAAIgAAABgAAAAAAAAAAAAAAAAAAAAAAAAAAAAAAAAAAAAkAAAAJAAAAAAAAAAHAAAAAAAAAAAAAAAAAAAAAAAAAAAAAAAAAAAAf39/ACUAAABYAAAAAAAAAAAAAAAAAAAAAAAAAAAAAAAAAAAAAAAAAAAAAAAAAAAAAAAAAAAAAAA/AAAAAAAAAKCGAQAAAAAAAAAAAAAAAAAMAAAAAQAAAAAAAAAAAAAAAAAAAB8AAABUAAAAu+DjBf///wEAAAAAAAAAAAAAAAAAAAAAAAAAAAAAAAAAAAAAAAAAAAAAAAJ/f38AgICAA8zMzADAwP8Af39/AAAAAAAAAAAAAAAAAAAAAAAAAAAAIQAAABgAAAAUAAAASgkAAEQPAAAREAAALBIAABAgAAAmAAAACAAAAP//////////MAAAABQAAAAAAAAAAAD//wAAAQAAAP//AAABAA=="/>
+                <pr:smNativeData xmlns:pr="smNativeData" xmlns="smNativeData" val="SMDATA_17_WnaBYRMAAAAlAAAAEgAAAE8BAAAAkAAAAEgAAACQAAAASAAAAAAAAAAAAAAAAAAAAAEAAABQAAAAAAAAAAAA4D8AAAAAAADgPwAAAAAAAOA/AAAAAAAA4D8AAAAAAADgPwAAAAAAAOA/AAAAAAAA4D8AAAAAAADgPwAAAAAAAOA/AAAAAAAA4D8CAAAAjAAAAAAAAAAAAAAAu+DjDP///wgAAAAAAAAAAAAAAAAAAAAAAAAAAAAAAAAAAAAAZAAAAAEAAABAAAAAAAAAAAAAAAAAAAAAAAAAAAAAAAAAAAAAAAAAAAAAAAAAAAAAAAAAAAAAAAAAAAAAAAAAAAAAAAAAAAAAAAAAAAAAAAAAAAAAAAAAAAAAAAAAAAAAFAAAADwAAAAAAAAAAAAAAAAAAAkUAAAAAQAAABQAAAAUAAAAFAAAAAEAAAAAAAAAZAAAAGQAAAAAAAAAZAAAAGQAAAAVAAAAYAAAAAAAAAAAAAAADwAAACADAAAAAAAAAAAAAAEAAACgMgAAVgcAAKr4//8BAAAAf39/AAEAAABkAAAAAAAAABQAAABAHwAAAAAAACYAAAAAAAAAwOD//wAAAAAmAAAAZAAAABYAAABMAAAAAAAAAAAAAAAEAAAAAAAAAAEAAACAgIAKAAAAACgAAAAoAAAAZAAAAGQAAAAAAAAAzMzMAAAAAABQAAAAUAAAAGQAAABkAAAAAAAAABcAAAAUAAAAAAAAAMQBAAD/fwAA/38AAAAAAAAJAAAABAAAAM4AAAAMAAAAEAAAAAAAAAAAAAAAAAAAAAAAAAAeAAAAaAAAAAAAAAAAAAAAAAAAAAAAAAAAAAAAECcAABAnAAAAAAAAAAAAAAAAAAAAAAAAAAAAAAAAAAAAAAAAAAAAABQAAAAAAAAAwMD/AAAAAABkAAAAMgAAAAAAAABkAAAAAAAAAH9/fwAKAAAAIgAAABgAAAAAAAAAAAAAAAAAAAAAAAAAAAAAAAAAAAAkAAAAJAAAAAAAAAAHAAAAAAAAAAAAAAAAAAAAAAAAAAAAAAAAAAAAf39/ACUAAABYAAAAAAAAAAAAAAAAAAAAAAAAAAAAAAAAAAAAAAAAAAAAAAAAAAAAAAAAAAAAAAA/AAAAAAAAAKCGAQAAAAAAAAAAAAAAAAAMAAAAAQAAAAAAAAAAAAAAAAAAAB8AAABUAAAAu+DjBf///wEAAAAAAAAAAAAAAAAAAAAAAAAAAAAAAAAAAAAAAAAAAAAAAAJ/f38AgICAA8zMzADAwP8Af39/AAAAAAAAAAAAAAAAAAAAAAAAAAAAIQAAABgAAAAUAAAASgkAAEQPAAAREAAALBIAABAgAAAmAAAACAAAAP//////////MAAAABQAAAAAAAAAAAD//wAAAQAAAP//AAABAA=="/>
               </a:ext>
             </a:extLst>
           </p:cNvSpPr>
@@ -6472,7 +6472,7 @@
           <p:cNvSpPr txBox="1">
             <a:extLst>
               <a:ext uri="smNativeData">
-                <pr:smNativeData xmlns:pr="smNativeData" xmlns="smNativeData" val="SMDATA_17_MUmAYRMAAAAlAAAAEgAAAE8BAAAAkAAAAEgAAACQAAAASAAAAAAAAAAAAAAAAAAAAAEAAABQAAAAAAAAAAAA4D8AAAAAAADgPwAAAAAAAOA/AAAAAAAA4D8AAAAAAADgPwAAAAAAAOA/AAAAAAAA4D8AAAAAAADgPwAAAAAAAOA/AAAAAAAA4D8CAAAAjAAAAAAAAAAAAAAAu+DjDP///wgAAAAAAAAAAAAAAAAAAAAAAAAAAAAAAAAAAAAAZAAAAAEAAABAAAAAAAAAAAAAAAAAAAAAAAAAAAAAAAAAAAAAAAAAAAAAAAAAAAAAAAAAAAAAAAAAAAAAAAAAAAAAAAAAAAAAAAAAAAAAAAAAAAAAAAAAAAAAAAAAAAAAFAAAADwAAAAAAAAAAAAAAAAAAAkUAAAAAQAAABQAAAAUAAAAFAAAAAEAAAAAAAAAZAAAAGQAAAAAAAAAZAAAAGQAAAAVAAAAYAAAAAAAAAAAAAAADwAAACADAAAAAAAAAAAAAAEAAACgMgAAVgcAAKr4//8BAAAAf39/AAEAAABkAAAAAAAAABQAAABAHwAAAAAAACYAAAAAAAAAwOD//wAAAAAmAAAAZAAAABYAAABMAAAAAAAAAAAAAAAEAAAAAAAAAAEAAACAgIAKAAAAACgAAAAoAAAAZAAAAGQAAAAAAAAAzMzMAAAAAABQAAAAUAAAAGQAAABkAAAAAAAAABcAAAAUAAAAAAAAAMQBAAD/fwAA/38AAAAAAAAJAAAABAAAAAAAAAAMAAAAEAAAAAAAAAAAAAAAAAAAAAAAAAAeAAAAaAAAAAAAAAAAAAAAAAAAAAAAAAAAAAAAECcAABAnAAAAAAAAAAAAAAAAAAAAAAAAAAAAAAAAAAAAAAAAAAAAABQAAAAAAAAAwMD/AAAAAABkAAAAMgAAAAAAAABkAAAAAAAAAH9/fwAKAAAAIgAAABgAAAAAAAAAAAAAAAAAAAAAAAAAAAAAAAAAAAAkAAAAJAAAAAAAAAAHAAAAAAAAAAAAAAAAAAAAAAAAAAAAAAAAAAAAf39/ACUAAABYAAAAAAAAAAAAAAAAAAAAAAAAAAAAAAAAAAAAAAAAAAAAAAAAAAAAAAAAAAAAAAA/AAAAAAAAAKCGAQAAAAAAAAAAAAAAAAAMAAAAAQAAAAAAAAAAAAAAAAAAAB8AAABUAAAAu+DjBf///wEAAAAAAAAAAAAAAAAAAAAAAAAAAAAAAAAAAAAAAAAAAAAAAAJ/f38AgICAA8zMzADAwP8Af39/AAAAAAAAAAAAAAAAAAAAAAAAAAAAIQAAABgAAAAUAAAAHBQAAEQPAADjGgAALBIAABAgAAAmAAAACAAAAP//////////MAAAABQAAAAAAAAAAAD//wAAAQAAAP//AAABAA=="/>
+                <pr:smNativeData xmlns:pr="smNativeData" xmlns="smNativeData" val="SMDATA_17_WnaBYRMAAAAlAAAAEgAAAE8BAAAAkAAAAEgAAACQAAAASAAAAAAAAAAAAAAAAAAAAAEAAABQAAAAAAAAAAAA4D8AAAAAAADgPwAAAAAAAOA/AAAAAAAA4D8AAAAAAADgPwAAAAAAAOA/AAAAAAAA4D8AAAAAAADgPwAAAAAAAOA/AAAAAAAA4D8CAAAAjAAAAAAAAAAAAAAAu+DjDP///wgAAAAAAAAAAAAAAAAAAAAAAAAAAAAAAAAAAAAAZAAAAAEAAABAAAAAAAAAAAAAAAAAAAAAAAAAAAAAAAAAAAAAAAAAAAAAAAAAAAAAAAAAAAAAAAAAAAAAAAAAAAAAAAAAAAAAAAAAAAAAAAAAAAAAAAAAAAAAAAAAAAAAFAAAADwAAAAAAAAAAAAAAAAAAAkUAAAAAQAAABQAAAAUAAAAFAAAAAEAAAAAAAAAZAAAAGQAAAAAAAAAZAAAAGQAAAAVAAAAYAAAAAAAAAAAAAAADwAAACADAAAAAAAAAAAAAAEAAACgMgAAVgcAAKr4//8BAAAAf39/AAEAAABkAAAAAAAAABQAAABAHwAAAAAAACYAAAAAAAAAwOD//wAAAAAmAAAAZAAAABYAAABMAAAAAAAAAAAAAAAEAAAAAAAAAAEAAACAgIAKAAAAACgAAAAoAAAAZAAAAGQAAAAAAAAAzMzMAAAAAABQAAAAUAAAAGQAAABkAAAAAAAAABcAAAAUAAAAAAAAAMQBAAD/fwAA/38AAAAAAAAJAAAABAAAAAAAAAAMAAAAEAAAAAAAAAAAAAAAAAAAAAAAAAAeAAAAaAAAAAAAAAAAAAAAAAAAAAAAAAAAAAAAECcAABAnAAAAAAAAAAAAAAAAAAAAAAAAAAAAAAAAAAAAAAAAAAAAABQAAAAAAAAAwMD/AAAAAABkAAAAMgAAAAAAAABkAAAAAAAAAH9/fwAKAAAAIgAAABgAAAAAAAAAAAAAAAAAAAAAAAAAAAAAAAAAAAAkAAAAJAAAAAAAAAAHAAAAAAAAAAAAAAAAAAAAAAAAAAAAAAAAAAAAf39/ACUAAABYAAAAAAAAAAAAAAAAAAAAAAAAAAAAAAAAAAAAAAAAAAAAAAAAAAAAAAAAAAAAAAA/AAAAAAAAAKCGAQAAAAAAAAAAAAAAAAAMAAAAAQAAAAAAAAAAAAAAAAAAAB8AAABUAAAAu+DjBf///wEAAAAAAAAAAAAAAAAAAAAAAAAAAAAAAAAAAAAAAAAAAAAAAAJ/f38AgICAA8zMzADAwP8Af39/AAAAAAAAAAAAAAAAAAAAAAAAAAAAIQAAABgAAAAUAAAAHBQAAEQPAADjGgAALBIAABAgAAAmAAAACAAAAP//////////MAAAABQAAAAAAAAAAAD//wAAAQAAAP//AAABAA=="/>
               </a:ext>
             </a:extLst>
           </p:cNvSpPr>
@@ -6518,7 +6518,7 @@
           <p:cNvSpPr txBox="1">
             <a:extLst>
               <a:ext uri="smNativeData">
-                <pr:smNativeData xmlns:pr="smNativeData" xmlns="smNativeData" val="SMDATA_17_MUmAYRMAAAAlAAAAEgAAAE8BAAAAkAAAAEgAAACQAAAASAAAAAAAAAAAAAAAAAAAAAEAAABQAAAAAAAAAAAA4D8AAAAAAADgPwAAAAAAAOA/AAAAAAAA4D8AAAAAAADgPwAAAAAAAOA/AAAAAAAA4D8AAAAAAADgPwAAAAAAAOA/AAAAAAAA4D8CAAAAjAAAAAAAAAAAAAAAu+DjDP///wgAAAAAAAAAAAAAAAAAAAAAAAAAAAAAAAAAAAAAZAAAAAEAAABAAAAAAAAAAAAAAAAAAAAAAAAAAAAAAAAAAAAAAAAAAAAAAAAAAAAAAAAAAAAAAAAAAAAAAAAAAAAAAAAAAAAAAAAAAAAAAAAAAAAAAAAAAAAAAAAAAAAAFAAAADwAAAAAAAAAAAAAAAAAAAkUAAAAAQAAABQAAAAUAAAAFAAAAAEAAAAAAAAAZAAAAGQAAAAAAAAAZAAAAGQAAAAVAAAAYAAAAAAAAAAAAAAADwAAACADAAAAAAAAAAAAAAEAAACgMgAAVgcAAKr4//8BAAAAf39/AAEAAABkAAAAAAAAABQAAABAHwAAAAAAACYAAAAAAAAAwOD//wAAAAAmAAAAZAAAABYAAABMAAAAAAAAAAAAAAAEAAAAAAAAAAEAAACAgIAKAAAAACgAAAAoAAAAZAAAAGQAAAAAAAAAzMzMAAAAAABQAAAAUAAAAGQAAABkAAAAAAAAABcAAAAUAAAAAAAAAMQBAAD/fwAA/38AAAAAAAAJAAAABAAAAAAAAAAMAAAAEAAAAAAAAAAAAAAAAAAAAAAAAAAeAAAAaAAAAAAAAAAAAAAAAAAAAAAAAAAAAAAAECcAABAnAAAAAAAAAAAAAAAAAAAAAAAAAAAAAAAAAAAAAAAAAAAAABQAAAAAAAAAwMD/AAAAAABkAAAAMgAAAAAAAABkAAAAAAAAAH9/fwAKAAAAIgAAABgAAAAAAAAAAAAAAAAAAAAAAAAAAAAAAAAAAAAkAAAAJAAAAAAAAAAHAAAAAAAAAAAAAAAAAAAAAAAAAAAAAAAAAAAAf39/ACUAAABYAAAAAAAAAAAAAAAAAAAAAAAAAAAAAAAAAAAAAAAAAAAAAAAAAAAAAAAAAAAAAAA/AAAAAAAAAKCGAQAAAAAAAAAAAAAAAAAMAAAAAQAAAAAAAAAAAAAAAAAAAB8AAABUAAAAu+DjBf///wEAAAAAAAAAAAAAAAAAAAAAAAAAAAAAAAAAAAAAAAAAAAAAAAJ/f38AgICAA8zMzADAwP8Af39/AAAAAAAAAAAAAAAAAAAAAAAAAAAAIQAAABgAAAAUAAAAWR8AAEQPAAAgJgAALBIAABAgAAAmAAAACAAAAP//////////MAAAABQAAAAAAAAAAAD//wAAAQAAAP//AAABAA=="/>
+                <pr:smNativeData xmlns:pr="smNativeData" xmlns="smNativeData" val="SMDATA_17_WnaBYRMAAAAlAAAAEgAAAE8BAAAAkAAAAEgAAACQAAAASAAAAAAAAAAAAAAAAAAAAAEAAABQAAAAAAAAAAAA4D8AAAAAAADgPwAAAAAAAOA/AAAAAAAA4D8AAAAAAADgPwAAAAAAAOA/AAAAAAAA4D8AAAAAAADgPwAAAAAAAOA/AAAAAAAA4D8CAAAAjAAAAAAAAAAAAAAAu+DjDP///wgAAAAAAAAAAAAAAAAAAAAAAAAAAAAAAAAAAAAAZAAAAAEAAABAAAAAAAAAAAAAAAAAAAAAAAAAAAAAAAAAAAAAAAAAAAAAAAAAAAAAAAAAAAAAAAAAAAAAAAAAAAAAAAAAAAAAAAAAAAAAAAAAAAAAAAAAAAAAAAAAAAAAFAAAADwAAAAAAAAAAAAAAAAAAAkUAAAAAQAAABQAAAAUAAAAFAAAAAEAAAAAAAAAZAAAAGQAAAAAAAAAZAAAAGQAAAAVAAAAYAAAAAAAAAAAAAAADwAAACADAAAAAAAAAAAAAAEAAACgMgAAVgcAAKr4//8BAAAAf39/AAEAAABkAAAAAAAAABQAAABAHwAAAAAAACYAAAAAAAAAwOD//wAAAAAmAAAAZAAAABYAAABMAAAAAAAAAAAAAAAEAAAAAAAAAAEAAACAgIAKAAAAACgAAAAoAAAAZAAAAGQAAAAAAAAAzMzMAAAAAABQAAAAUAAAAGQAAABkAAAAAAAAABcAAAAUAAAAAAAAAMQBAAD/fwAA/38AAAAAAAAJAAAABAAAAAAAAAAMAAAAEAAAAAAAAAAAAAAAAAAAAAAAAAAeAAAAaAAAAAAAAAAAAAAAAAAAAAAAAAAAAAAAECcAABAnAAAAAAAAAAAAAAAAAAAAAAAAAAAAAAAAAAAAAAAAAAAAABQAAAAAAAAAwMD/AAAAAABkAAAAMgAAAAAAAABkAAAAAAAAAH9/fwAKAAAAIgAAABgAAAAAAAAAAAAAAAAAAAAAAAAAAAAAAAAAAAAkAAAAJAAAAAAAAAAHAAAAAAAAAAAAAAAAAAAAAAAAAAAAAAAAAAAAf39/ACUAAABYAAAAAAAAAAAAAAAAAAAAAAAAAAAAAAAAAAAAAAAAAAAAAAAAAAAAAAAAAAAAAAA/AAAAAAAAAKCGAQAAAAAAAAAAAAAAAAAMAAAAAQAAAAAAAAAAAAAAAAAAAB8AAABUAAAAu+DjBf///wEAAAAAAAAAAAAAAAAAAAAAAAAAAAAAAAAAAAAAAAAAAAAAAAJ/f38AgICAA8zMzADAwP8Af39/AAAAAAAAAAAAAAAAAAAAAAAAAAAAIQAAABgAAAAUAAAAWR8AAEQPAAAgJgAALBIAABAgAAAmAAAACAAAAP//////////MAAAABQAAAAAAAAAAAD//wAAAQAAAP//AAABAA=="/>
               </a:ext>
             </a:extLst>
           </p:cNvSpPr>
@@ -6564,7 +6564,7 @@
           <p:cNvSpPr txBox="1">
             <a:extLst>
               <a:ext uri="smNativeData">
-                <pr:smNativeData xmlns:pr="smNativeData" xmlns="smNativeData" val="SMDATA_17_MUmAYRMAAAAlAAAAEgAAAE8BAAAAkAAAAEgAAACQAAAASAAAAAAAAAAAAAAAAAAAAAEAAABQAAAAAAAAAAAA4D8AAAAAAADgPwAAAAAAAOA/AAAAAAAA4D8AAAAAAADgPwAAAAAAAOA/AAAAAAAA4D8AAAAAAADgPwAAAAAAAOA/AAAAAAAA4D8CAAAAjAAAAAAAAAAAAAAAu+DjDP///wgAAAAAAAAAAAAAAAAAAAAAAAAAAAAAAAAAAAAAZAAAAAEAAABAAAAAAAAAAAAAAAAAAAAAAAAAAAAAAAAAAAAAAAAAAAAAAAAAAAAAAAAAAAAAAAAAAAAAAAAAAAAAAAAAAAAAAAAAAAAAAAAAAAAAAAAAAAAAAAAAAAAAFAAAADwAAAAAAAAAAAAAAAAAAAkUAAAAAQAAABQAAAAUAAAAFAAAAAEAAAAAAAAAZAAAAGQAAAAAAAAAZAAAAGQAAAAVAAAAYAAAAAAAAAAAAAAADwAAACADAAAAAAAAAAAAAAEAAACgMgAAVgcAAKr4//8BAAAAf39/AAEAAABkAAAAAAAAABQAAABAHwAAAAAAACYAAAAAAAAAwOD//wAAAAAmAAAAZAAAABYAAABMAAAAAAAAAAAAAAAEAAAAAAAAAAEAAACAgIAKAAAAACgAAAAoAAAAZAAAAGQAAAAAAAAAzMzMAAAAAABQAAAAUAAAAGQAAABkAAAAAAAAABcAAAAUAAAAAAAAAMQBAAD/fwAA/38AAAAAAAAJAAAABAAAAL0AAAAMAAAAEAAAAAAAAAAAAAAAAAAAAAAAAAAeAAAAaAAAAAAAAAAAAAAAAAAAAAAAAAAAAAAAECcAABAnAAAAAAAAAAAAAAAAAAAAAAAAAAAAAAAAAAAAAAAAAAAAABQAAAAAAAAAwMD/AAAAAABkAAAAMgAAAAAAAABkAAAAAAAAAH9/fwAKAAAAIgAAABgAAAAAAAAAAAAAAAAAAAAAAAAAAAAAAAAAAAAkAAAAJAAAAAAAAAAHAAAAAAAAAAAAAAAAAAAAAAAAAAAAAAAAAAAAf39/ACUAAABYAAAAAAAAAAAAAAAAAAAAAAAAAAAAAAAAAAAAAAAAAAAAAAAAAAAAAAAAAAAAAAA/AAAAAAAAAKCGAQAAAAAAAAAAAAAAAAAMAAAAAQAAAAAAAAAAAAAAAAAAAB8AAABUAAAAu+DjBf///wEAAAAAAAAAAAAAAAAAAAAAAAAAAAAAAAAAAAAAAAAAAAAAAAJ/f38AgICAA8zMzADAwP8Af39/AAAAAAAAAAAAAAAAAAAAAAAAAAAAIQAAABgAAAAUAAAAOioAAEQPAAABMQAALBIAABAgAAAmAAAACAAAAP//////////MAAAABQAAAAAAAAAAAD//wAAAQAAAP//AAABAA=="/>
+                <pr:smNativeData xmlns:pr="smNativeData" xmlns="smNativeData" val="SMDATA_17_WnaBYRMAAAAlAAAAEgAAAE8BAAAAkAAAAEgAAACQAAAASAAAAAAAAAAAAAAAAAAAAAEAAABQAAAAAAAAAAAA4D8AAAAAAADgPwAAAAAAAOA/AAAAAAAA4D8AAAAAAADgPwAAAAAAAOA/AAAAAAAA4D8AAAAAAADgPwAAAAAAAOA/AAAAAAAA4D8CAAAAjAAAAAAAAAAAAAAAu+DjDP///wgAAAAAAAAAAAAAAAAAAAAAAAAAAAAAAAAAAAAAZAAAAAEAAABAAAAAAAAAAAAAAAAAAAAAAAAAAAAAAAAAAAAAAAAAAAAAAAAAAAAAAAAAAAAAAAAAAAAAAAAAAAAAAAAAAAAAAAAAAAAAAAAAAAAAAAAAAAAAAAAAAAAAFAAAADwAAAAAAAAAAAAAAAAAAAkUAAAAAQAAABQAAAAUAAAAFAAAAAEAAAAAAAAAZAAAAGQAAAAAAAAAZAAAAGQAAAAVAAAAYAAAAAAAAAAAAAAADwAAACADAAAAAAAAAAAAAAEAAACgMgAAVgcAAKr4//8BAAAAf39/AAEAAABkAAAAAAAAABQAAABAHwAAAAAAACYAAAAAAAAAwOD//wAAAAAmAAAAZAAAABYAAABMAAAAAAAAAAAAAAAEAAAAAAAAAAEAAACAgIAKAAAAACgAAAAoAAAAZAAAAGQAAAAAAAAAzMzMAAAAAABQAAAAUAAAAGQAAABkAAAAAAAAABcAAAAUAAAAAAAAAMQBAAD/fwAA/38AAAAAAAAJAAAABAAAAL0AAAAMAAAAEAAAAAAAAAAAAAAAAAAAAAAAAAAeAAAAaAAAAAAAAAAAAAAAAAAAAAAAAAAAAAAAECcAABAnAAAAAAAAAAAAAAAAAAAAAAAAAAAAAAAAAAAAAAAAAAAAABQAAAAAAAAAwMD/AAAAAABkAAAAMgAAAAAAAABkAAAAAAAAAH9/fwAKAAAAIgAAABgAAAAAAAAAAAAAAAAAAAAAAAAAAAAAAAAAAAAkAAAAJAAAAAAAAAAHAAAAAAAAAAAAAAAAAAAAAAAAAAAAAAAAAAAAf39/ACUAAABYAAAAAAAAAAAAAAAAAAAAAAAAAAAAAAAAAAAAAAAAAAAAAAAAAAAAAAAAAAAAAAA/AAAAAAAAAKCGAQAAAAAAAAAAAAAAAAAMAAAAAQAAAAAAAAAAAAAAAAAAAB8AAABUAAAAu+DjBf///wEAAAAAAAAAAAAAAAAAAAAAAAAAAAAAAAAAAAAAAAAAAAAAAAJ/f38AgICAA8zMzADAwP8Af39/AAAAAAAAAAAAAAAAAAAAAAAAAAAAIQAAABgAAAAUAAAAOioAAEQPAAABMQAALBIAABAgAAAmAAAACAAAAP//////////MAAAABQAAAAAAAAAAAD//wAAAQAAAP//AAABAA=="/>
               </a:ext>
             </a:extLst>
           </p:cNvSpPr>
@@ -6610,7 +6610,7 @@
           <p:cNvSpPr txBox="1">
             <a:extLst>
               <a:ext uri="smNativeData">
-                <pr:smNativeData xmlns:pr="smNativeData" xmlns="smNativeData" val="SMDATA_17_MUmAYRMAAAAlAAAAEgAAAE8BAAAAkAAAAEgAAACQAAAASAAAAAAAAAAAAAAAAAAAAAEAAABQAAAAAAAAAAAA4D8AAAAAAADgPwAAAAAAAOA/AAAAAAAA4D8AAAAAAADgPwAAAAAAAOA/AAAAAAAA4D8AAAAAAADgPwAAAAAAAOA/AAAAAAAA4D8CAAAAjAAAAAAAAAAAAAAAu+DjDP///wgAAAAAAAAAAAAAAAAAAAAAAAAAAAAAAAAAAAAAZAAAAAEAAABAAAAAAAAAAAAAAAAAAAAAAAAAAAAAAAAAAAAAAAAAAAAAAAAAAAAAAAAAAAAAAAAAAAAAAAAAAAAAAAAAAAAAAAAAAAAAAAAAAAAAAAAAAAAAAAAAAAAAFAAAADwAAAAAAAAAAAAAAAAAAAkUAAAAAQAAABQAAAAUAAAAFAAAAAEAAAAAAAAAZAAAAGQAAAAAAAAAZAAAAGQAAAAVAAAAYAAAAAAAAAAAAAAADwAAACADAAAAAAAAAAAAAAEAAACgMgAAVgcAAKr4//8BAAAAf39/AAEAAABkAAAAAAAAABQAAABAHwAAAAAAACYAAAAAAAAAwOD//wAAAAAmAAAAZAAAABYAAABMAAAAAAAAAAAAAAAEAAAAAAAAAAEAAACAgIAKAAAAACgAAAAoAAAAZAAAAGQAAAAAAAAAzMzMAAAAAABQAAAAUAAAAGQAAABkAAAAAAAAABcAAAAUAAAAAAAAAMQBAAD/fwAA/38AAAAAAAAJAAAABAAAAAAAAAAMAAAAEAAAAAAAAAAAAAAAAAAAAAAAAAAeAAAAaAAAAAAAAAAAAAAAAAAAAAAAAAAAAAAAECcAABAnAAAAAAAAAAAAAAAAAAAAAAAAAAAAAAAAAAAAAAAAAAAAABQAAAAAAAAAwMD/AAAAAABkAAAAMgAAAAAAAABkAAAAAAAAAH9/fwAKAAAAIgAAABgAAAAAAAAAAAAAAAAAAAAAAAAAAAAAAAAAAAAkAAAAJAAAAAAAAAAHAAAAAAAAAAAAAAAAAAAAAAAAAAAAAAAAAAAAf39/ACUAAABYAAAAAAAAAAAAAAAAAAAAAAAAAAAAAAAAAAAAAAAAAAAAAAAAAAAAAAAAAAAAAAA/AAAAAAAAAKCGAQAAAAAAAAAAAAAAAAAMAAAAAQAAAAAAAAAAAAAAAAAAAB8AAABUAAAAu+DjBf///wEAAAAAAAAAAAAAAAAAAAAAAAAAAAAAAAAAAAAAAAAAAAAAAAJ/f38AgICAA8zMzADAwP8Af39/AAAAAAAAAAAAAAAAAAAAAAAAAAAAIQAAABgAAAAUAAAAeTUAAEQPAABAPAAALBIAABAgAAAmAAAACAAAAP//////////MAAAABQAAAAAAAAAAAD//wAAAQAAAP//AAABAA=="/>
+                <pr:smNativeData xmlns:pr="smNativeData" xmlns="smNativeData" val="SMDATA_17_WnaBYRMAAAAlAAAAEgAAAE8BAAAAkAAAAEgAAACQAAAASAAAAAAAAAAAAAAAAAAAAAEAAABQAAAAAAAAAAAA4D8AAAAAAADgPwAAAAAAAOA/AAAAAAAA4D8AAAAAAADgPwAAAAAAAOA/AAAAAAAA4D8AAAAAAADgPwAAAAAAAOA/AAAAAAAA4D8CAAAAjAAAAAAAAAAAAAAAu+DjDP///wgAAAAAAAAAAAAAAAAAAAAAAAAAAAAAAAAAAAAAZAAAAAEAAABAAAAAAAAAAAAAAAAAAAAAAAAAAAAAAAAAAAAAAAAAAAAAAAAAAAAAAAAAAAAAAAAAAAAAAAAAAAAAAAAAAAAAAAAAAAAAAAAAAAAAAAAAAAAAAAAAAAAAFAAAADwAAAAAAAAAAAAAAAAAAAkUAAAAAQAAABQAAAAUAAAAFAAAAAEAAAAAAAAAZAAAAGQAAAAAAAAAZAAAAGQAAAAVAAAAYAAAAAAAAAAAAAAADwAAACADAAAAAAAAAAAAAAEAAACgMgAAVgcAAKr4//8BAAAAf39/AAEAAABkAAAAAAAAABQAAABAHwAAAAAAACYAAAAAAAAAwOD//wAAAAAmAAAAZAAAABYAAABMAAAAAAAAAAAAAAAEAAAAAAAAAAEAAACAgIAKAAAAACgAAAAoAAAAZAAAAGQAAAAAAAAAzMzMAAAAAABQAAAAUAAAAGQAAABkAAAAAAAAABcAAAAUAAAAAAAAAMQBAAD/fwAA/38AAAAAAAAJAAAABAAAAAAAAAAMAAAAEAAAAAAAAAAAAAAAAAAAAAAAAAAeAAAAaAAAAAAAAAAAAAAAAAAAAAAAAAAAAAAAECcAABAnAAAAAAAAAAAAAAAAAAAAAAAAAAAAAAAAAAAAAAAAAAAAABQAAAAAAAAAwMD/AAAAAABkAAAAMgAAAAAAAABkAAAAAAAAAH9/fwAKAAAAIgAAABgAAAAAAAAAAAAAAAAAAAAAAAAAAAAAAAAAAAAkAAAAJAAAAAAAAAAHAAAAAAAAAAAAAAAAAAAAAAAAAAAAAAAAAAAAf39/ACUAAABYAAAAAAAAAAAAAAAAAAAAAAAAAAAAAAAAAAAAAAAAAAAAAAAAAAAAAAAAAAAAAAA/AAAAAAAAAKCGAQAAAAAAAAAAAAAAAAAMAAAAAQAAAAAAAAAAAAAAAAAAAB8AAABUAAAAu+DjBf///wEAAAAAAAAAAAAAAAAAAAAAAAAAAAAAAAAAAAAAAAAAAAAAAAJ/f38AgICAA8zMzADAwP8Af39/AAAAAAAAAAAAAAAAAAAAAAAAAAAAIQAAABgAAAAUAAAAeTUAAEQPAABAPAAALBIAABAgAAAmAAAACAAAAP//////////MAAAABQAAAAAAAAAAAD//wAAAQAAAP//AAABAA=="/>
               </a:ext>
             </a:extLst>
           </p:cNvSpPr>
@@ -6656,7 +6656,7 @@
           <p:cNvPicPr>
             <a:extLst>
               <a:ext uri="smNativeData">
-                <pr:smNativeData xmlns:pr="smNativeData" xmlns="smNativeData" val="SMDATA_19_MUmAYRMAAAAlAAAAEQAAAA8BAAAAkAAAAEgAAACQAAAASAAAAAAAAAAAAAAAAAAAAAEAAABQAAAAAAAAAAAA4D8AAAAAAADgPwAAAAAAAOA/AAAAAAAA4D8AAAAAAADgPwAAAAAAAOA/AAAAAAAA4D8AAAAAAADgPwAAAAAAAOA/AAAAAAAA4D8CAAAAjAAAAAAAAAAAAAAAu+DjDP///wgAAAAAAAAAAAAAAAAAAAAAAAAAAAAAAAAAAAAAZAAAAAEAAABAAAAAAAAAAAAAAAAAAAAAAAAAAAAAAAAAAAAAAAAAAAAAAAAAAAAAAAAAAAAAAAAAAAAAAAAAAAAAAAAAAAAAAAAAAAAAAAAAAAAAAAAAAAAAAAAAAAAAFAAAADwAAAAAAAAAAAAAAAAAAAkUAAAAAQAAABQAAAAUAAAAFAAAAAEAAAAAAAAAZAAAAGQAAAAAAAAAZAAAAGQAAAAVAAAAYAAAAAAAAAAAAAAADwAAACADAAAAAAAAAAAAAAEAAACgMgAAVgcAAKr4//8BAAAAf39/AAEAAABkAAAAAAAAABQAAABAHwAAAAAAACYAAAAAAAAAwOD//wAAAAAmAAAAZAAAABYAAABMAAAAAAAAAAAAAAAEAAAAAAAAAAEAAACAgIAKAAAAACgAAAAoAAAAZAAAAGQAAAAAAAAAzMzMAAAAAABQAAAAUAAAAGQAAABkAAAAAAAAAAcAAAA4AAAAAAAAAAAAAAAAAAAA////AAAAAAAAAAAAAAAAAAAAAAAAAAAAAAAAAAAAAABkAAAAZAAAAAAAAAAjAAAABAAAAGQAAAAXAAAAFAAAAAAAAAAAAAAA/38AAP9/AAAAAAAACQAAAAQAAAAAAAAADAAAABAAAAAAAAAAAAAAAAAAAAAAAAAAHgAAAGgAAAAAAAAAAAAAAAAAAAAAAAAAAAAAABAnAAAQJwAAAAAAAAAAAAAAAAAAAAAAAAAAAAAAAAAAAAAAAAAAAAAUAAAAAAAAAMDA/wAAAAAAZAAAADIAAAAAAAAAZAAAAAAAAAB/f38ACgAAACIAAAAYAAAAAAAAAAAAAAAAAAAAAAAAAAAAAAAAAAAAJAAAACQAAAAAAAAABwAAAAAAAAAAAAAAAAAAAAAAAAAAAAAAAAAAAH9/fwAlAAAAWAAAAAAAAAAAAAAAAAAAAAAAAAAAAAAAAAAAAAAAAAAAAAAAAAAAAAAAAAAAAAAAPwAAAAAAAACghgEAAAAAAAAAAAAAAAAADAAAAAEAAAAAAAAAAAAAAAAAAAAfAAAAVAAAALvg4wX///8BAAAAAAAAAAAAAAAAAAAAAAAAAAAAAAAAAAAAAAAAAAAAAAACf39/AICAgAPMzMwAwMD/AH9/fwAAAAAAAAAAAAAAAAD///8AAAAAACEAAAAYAAAAFAAAAL0AAABvAAAAakoAAA4HAAAQAAAAJgAAAAgAAAD//////////zAAAAAUAAAAAAAAAAAA//8AAAEAAAD//wAAAQA="/>
+                <pr:smNativeData xmlns:pr="smNativeData" xmlns="smNativeData" val="SMDATA_19_WnaBYRMAAAAlAAAAEQAAAA8BAAAAkAAAAEgAAACQAAAASAAAAAAAAAAAAAAAAAAAAAEAAABQAAAAAAAAAAAA4D8AAAAAAADgPwAAAAAAAOA/AAAAAAAA4D8AAAAAAADgPwAAAAAAAOA/AAAAAAAA4D8AAAAAAADgPwAAAAAAAOA/AAAAAAAA4D8CAAAAjAAAAAAAAAAAAAAAu+DjDP///wgAAAAAAAAAAAAAAAAAAAAAAAAAAAAAAAAAAAAAZAAAAAEAAABAAAAAAAAAAAAAAAAAAAAAAAAAAAAAAAAAAAAAAAAAAAAAAAAAAAAAAAAAAAAAAAAAAAAAAAAAAAAAAAAAAAAAAAAAAAAAAAAAAAAAAAAAAAAAAAAAAAAAFAAAADwAAAAAAAAAAAAAAAAAAAkUAAAAAQAAABQAAAAUAAAAFAAAAAEAAAAAAAAAZAAAAGQAAAAAAAAAZAAAAGQAAAAVAAAAYAAAAAAAAAAAAAAADwAAACADAAAAAAAAAAAAAAEAAACgMgAAVgcAAKr4//8BAAAAf39/AAEAAABkAAAAAAAAABQAAABAHwAAAAAAACYAAAAAAAAAwOD//wAAAAAmAAAAZAAAABYAAABMAAAAAAAAAAAAAAAEAAAAAAAAAAEAAACAgIAKAAAAACgAAAAoAAAAZAAAAGQAAAAAAAAAzMzMAAAAAABQAAAAUAAAAGQAAABkAAAAAAAAAAcAAAA4AAAAAAAAAAAAAAAAAAAA////AAAAAAAAAAAAAAAAAAAAAAAAAAAAAAAAAAAAAABkAAAAZAAAAAAAAAAjAAAABAAAAGQAAAAXAAAAFAAAAAAAAAAAAAAA/38AAP9/AAAAAAAACQAAAAQAAAAAAAAADAAAABAAAAAAAAAAAAAAAAAAAAAAAAAAHgAAAGgAAAAAAAAAAAAAAAAAAAAAAAAAAAAAABAnAAAQJwAAAAAAAAAAAAAAAAAAAAAAAAAAAAAAAAAAAAAAAAAAAAAUAAAAAAAAAMDA/wAAAAAAZAAAADIAAAAAAAAAZAAAAAAAAAB/f38ACgAAACIAAAAYAAAAAAAAAAAAAAAAAAAAAAAAAAAAAAAAAAAAJAAAACQAAAAAAAAABwAAAAAAAAAAAAAAAAAAAAAAAAAAAAAAAAAAAH9/fwAlAAAAWAAAAAAAAAAAAAAAAAAAAAAAAAAAAAAAAAAAAAAAAAAAAAAAAAAAAAAAAAAAAAAAPwAAAAAAAACghgEAAAAAAAAAAAAAAAAADAAAAAEAAAAAAAAAAAAAAAAAAAAfAAAAVAAAALvg4wX///8BAAAAAAAAAAAAAAAAAAAAAAAAAAAAAAAAAAAAAAAAAAAAAAACf39/AICAgAPMzMwAwMD/AH9/fwAAAAAAAAAAAAAAAAD///8AAAAAACEAAAAYAAAAFAAAAL0AAABvAAAAakoAAA4HAAAQAAAAJgAAAAgAAAD//////////zAAAAAUAAAAAAAAAAAA//8AAAEAAAD//wAAAQA="/>
               </a:ext>
             </a:extLst>
           </p:cNvPicPr>
@@ -6721,7 +6721,7 @@
           <p:cNvSpPr txBox="1">
             <a:extLst>
               <a:ext uri="smNativeData">
-                <pr:smNativeData xmlns:pr="smNativeData" xmlns="smNativeData" val="SMDATA_17_MUmAYRMAAAAlAAAAEgAAAE8BAAAAkAAAAEgAAACQAAAASAAAAAAAAAAAAAAAAAAAAAEAAABQAAAAAAAAAAAA4D8AAAAAAADgPwAAAAAAAOA/AAAAAAAA4D8AAAAAAADgPwAAAAAAAOA/AAAAAAAA4D8AAAAAAADgPwAAAAAAAOA/AAAAAAAA4D8CAAAAjAAAAAAAAAAAAAAAu+DjDP///wgAAAAAAAAAAAAAAAAAAAAAAAAAAAAAAAAAAAAAZAAAAAEAAABAAAAAAAAAAAAAAAAAAAAAAAAAAAAAAAAAAAAAAAAAAAAAAAAAAAAAAAAAAAAAAAAAAAAAAAAAAAAAAAAAAAAAAAAAAAAAAAAAAAAAAAAAAAAAAAAAAAAAFAAAADwAAAAAAAAAAAAAAAAAAAkUAAAAAQAAABQAAAAUAAAAFAAAAAEAAAAAAAAAZAAAAGQAAAAAAAAAZAAAAGQAAAAVAAAAYAAAAAAAAAAAAAAADwAAACADAAAAAAAAAAAAAAEAAACgMgAAVgcAAKr4//8BAAAAf39/AAEAAABkAAAAAAAAABQAAABAHwAAAAAAACYAAAAAAAAAwOD//wAAAAAmAAAAZAAAABYAAABMAAAAAAAAAAAAAAAEAAAAAAAAAAEAAACAgIAKAAAAACgAAAAoAAAAZAAAAGQAAAAAAAAAzMzMAAAAAABQAAAAUAAAAGQAAABkAAAAAAAAABcAAAAUAAAAAAAAABcDAAD/fwAA/38AAAAAAAAJAAAABAAAAAAAAAAMAAAAEAAAAAAAAAAAAAAAAAAAAAAAAAAeAAAAaAAAAAAAAAAAAAAAAAAAAAAAAAAAAAAAECcAABAnAAAAAAAAAAAAAAAAAAAAAAAAAAAAAAAAAAAAAAAAAAAAABQAAAAAAAAAwMD/AAAAAABkAAAAMgAAAAAAAABkAAAAAAAAAH9/fwAKAAAAIgAAABgAAAAAAAAAAAAAAAAAAAAAAAAAAAAAAAAAAAAkAAAAJAAAAAAAAAAHAAAAAAAAAAAAAAAAAAAAAAAAAAAAAAAAAAAAf39/ACUAAABYAAAAAAAAAAAAAAAAAAAAAAAAAAAAAAAAAAAAAAAAAAAAAAAAAAAAAAAAAAAAAAA/AAAAAAAAAKCGAQAAAAAAAAAAAAAAAAAMAAAAAQAAAAAAAAAAAAAAAAAAAB8AAABUAAAAu+DjBf///wEAAAAAAAAAAAAAAAAAAAAAAAAAAAAAAAAAAAAAAAAAAAAAAAJ/f38AgICAA8zMzADAwP8Af39/AAAAAAAAAAAAAAAAAAAAAAAAAAAAIQAAABgAAAAUAAAAVgYAAIEHAACwSQAAaQoAABAgAAAmAAAACAAAAP//////////MAAAABQAAAAAAAAAAAD//wAAAQAAAP//AAABAA=="/>
+                <pr:smNativeData xmlns:pr="smNativeData" xmlns="smNativeData" val="SMDATA_17_WnaBYRMAAAAlAAAAEgAAAE8BAAAAkAAAAEgAAACQAAAASAAAAAAAAAAAAAAAAAAAAAEAAABQAAAAAAAAAAAA4D8AAAAAAADgPwAAAAAAAOA/AAAAAAAA4D8AAAAAAADgPwAAAAAAAOA/AAAAAAAA4D8AAAAAAADgPwAAAAAAAOA/AAAAAAAA4D8CAAAAjAAAAAAAAAAAAAAAu+DjDP///wgAAAAAAAAAAAAAAAAAAAAAAAAAAAAAAAAAAAAAZAAAAAEAAABAAAAAAAAAAAAAAAAAAAAAAAAAAAAAAAAAAAAAAAAAAAAAAAAAAAAAAAAAAAAAAAAAAAAAAAAAAAAAAAAAAAAAAAAAAAAAAAAAAAAAAAAAAAAAAAAAAAAAFAAAADwAAAAAAAAAAAAAAAAAAAkUAAAAAQAAABQAAAAUAAAAFAAAAAEAAAAAAAAAZAAAAGQAAAAAAAAAZAAAAGQAAAAVAAAAYAAAAAAAAAAAAAAADwAAACADAAAAAAAAAAAAAAEAAACgMgAAVgcAAKr4//8BAAAAf39/AAEAAABkAAAAAAAAABQAAABAHwAAAAAAACYAAAAAAAAAwOD//wAAAAAmAAAAZAAAABYAAABMAAAAAAAAAAAAAAAEAAAAAAAAAAEAAACAgIAKAAAAACgAAAAoAAAAZAAAAGQAAAAAAAAAzMzMAAAAAABQAAAAUAAAAGQAAABkAAAAAAAAABcAAAAUAAAAAAAAABcDAAD/fwAA/38AAAAAAAAJAAAABAAAAAAAAAAMAAAAEAAAAAAAAAAAAAAAAAAAAAAAAAAeAAAAaAAAAAAAAAAAAAAAAAAAAAAAAAAAAAAAECcAABAnAAAAAAAAAAAAAAAAAAAAAAAAAAAAAAAAAAAAAAAAAAAAABQAAAAAAAAAwMD/AAAAAABkAAAAMgAAAAAAAABkAAAAAAAAAH9/fwAKAAAAIgAAABgAAAAAAAAAAAAAAAAAAAAAAAAAAAAAAAAAAAAkAAAAJAAAAAAAAAAHAAAAAAAAAAAAAAAAAAAAAAAAAAAAAAAAAAAAf39/ACUAAABYAAAAAAAAAAAAAAAAAAAAAAAAAAAAAAAAAAAAAAAAAAAAAAAAAAAAAAAAAAAAAAA/AAAAAAAAAKCGAQAAAAAAAAAAAAAAAAAMAAAAAQAAAAAAAAAAAAAAAAAAAB8AAABUAAAAu+DjBf///wEAAAAAAAAAAAAAAAAAAAAAAAAAAAAAAAAAAAAAAAAAAAAAAAJ/f38AgICAA8zMzADAwP8Af39/AAAAAAAAAAAAAAAAAAAAAAAAAAAAIQAAABgAAAAUAAAAVgYAAIEHAACwSQAAaQoAABAgAAAmAAAACAAAAP//////////MAAAABQAAAAAAAAAAAD//wAAAQAAAP//AAABAA=="/>
               </a:ext>
             </a:extLst>
           </p:cNvSpPr>
@@ -6746,7 +6746,7 @@
           <a:lstStyle/>
           <a:p>
             <a:pPr>
-              <a:defRPr sz="2500" spc="-83">
+              <a:defRPr sz="2500" spc="-17">
                 <a:latin typeface="Liberation Sans" pitchFamily="1" charset="0"/>
                 <a:ea typeface="Liberation Sans" pitchFamily="1" charset="0"/>
                 <a:cs typeface="Liberation Sans" pitchFamily="1" charset="0"/>
@@ -6764,7 +6764,7 @@
           <p:cNvSpPr txBox="1">
             <a:extLst>
               <a:ext uri="smNativeData">
-                <pr:smNativeData xmlns:pr="smNativeData" xmlns="smNativeData" val="SMDATA_17_MUmAYRMAAAAlAAAAEgAAAE8BAAAAkAAAAEgAAACQAAAASAAAAAAAAAAAAAAAAAAAAAEAAABQAAAAAAAAAAAA4D8AAAAAAADgPwAAAAAAAOA/AAAAAAAA4D8AAAAAAADgPwAAAAAAAOA/AAAAAAAA4D8AAAAAAADgPwAAAAAAAOA/AAAAAAAA4D8CAAAAjAAAAAAAAAAAAAAAu+DjDP///wgAAAAAAAAAAAAAAAAAAAAAAAAAAAAAAAAAAAAAZAAAAAEAAABAAAAAAAAAAAAAAAAAAAAAAAAAAAAAAAAAAAAAAAAAAAAAAAAAAAAAAAAAAAAAAAAAAAAAAAAAAAAAAAAAAAAAAAAAAAAAAAAAAAAAAAAAAAAAAAAAAAAAFAAAADwAAAAAAAAAAAAAAAAAAAkUAAAAAQAAABQAAAAUAAAAFAAAAAEAAAAAAAAAZAAAAGQAAAAAAAAAZAAAAGQAAAAVAAAAYAAAAAAAAAAAAAAADwAAACADAAAAAAAAAAAAAAEAAACgMgAAVgcAAKr4//8BAAAAf39/AAEAAABkAAAAAAAAABQAAABAHwAAAAAAACYAAAAAAAAAwOD//wAAAAAmAAAAZAAAABYAAABMAAAAAAAAAAAAAAAEAAAAAAAAAAEAAACAgIAKAAAAACgAAAAoAAAAZAAAAGQAAAAAAAAAzMzMAAAAAABQAAAAUAAAAGQAAABkAAAAAAAAABcAAAAUAAAAAAAAABcDAAD/fwAA/38AAAAAAAAJAAAABAAAAAAAAAAMAAAAEAAAAAAAAAAAAAAAAAAAAAAAAAAeAAAAaAAAAAAAAAAAAAAAAAAAAAAAAAAAAAAAECcAABAnAAAAAAAAAAAAAAAAAAAAAAAAAAAAAAAAAAAAAAAAAAAAABQAAAAAAAAAwMD/AAAAAABkAAAAMgAAAAAAAABkAAAAAAAAAH9/fwAKAAAAIgAAABgAAAAAAAAAAAAAAAAAAAAAAAAAAAAAAAAAAAAkAAAAJAAAAAAAAAAHAAAAAAAAAAAAAAAAAAAAAAAAAAAAAAAAAAAAf39/ACUAAABYAAAAAAAAAAAAAAAAAAAAAAAAAAAAAAAAAAAAAAAAAAAAAAAAAAAAAAAAAAAAAAA/AAAAAAAAAKCGAQAAAAAAAAAAAAAAAAAMAAAAAQAAAAAAAAAAAAAAAAAAAB8AAABUAAAAu+DjBf///wEAAAAAAAAAAAAAAAAAAAAAAAAAAAAAAAAAAAAAAAAAAAAAAAJ/f38AgICAA8zMzADAwP8Af39/AAAAAAAAAAAAAAAAAAAAAAAAAAAAIQAAABgAAAAUAAAAUAcAAK8UAABWPgAAlxcAABAgAAAmAAAACAAAAP//////////MAAAABQAAAAAAAAAAAD//wAAAQAAAP//AAABAA=="/>
+                <pr:smNativeData xmlns:pr="smNativeData" xmlns="smNativeData" val="SMDATA_17_WnaBYRMAAAAlAAAAEgAAAE8BAAAAkAAAAEgAAACQAAAASAAAAAAAAAAAAAAAAAAAAAEAAABQAAAAAAAAAAAA4D8AAAAAAADgPwAAAAAAAOA/AAAAAAAA4D8AAAAAAADgPwAAAAAAAOA/AAAAAAAA4D8AAAAAAADgPwAAAAAAAOA/AAAAAAAA4D8CAAAAjAAAAAAAAAAAAAAAu+DjDP///wgAAAAAAAAAAAAAAAAAAAAAAAAAAAAAAAAAAAAAZAAAAAEAAABAAAAAAAAAAAAAAAAAAAAAAAAAAAAAAAAAAAAAAAAAAAAAAAAAAAAAAAAAAAAAAAAAAAAAAAAAAAAAAAAAAAAAAAAAAAAAAAAAAAAAAAAAAAAAAAAAAAAAFAAAADwAAAAAAAAAAAAAAAAAAAkUAAAAAQAAABQAAAAUAAAAFAAAAAEAAAAAAAAAZAAAAGQAAAAAAAAAZAAAAGQAAAAVAAAAYAAAAAAAAAAAAAAADwAAACADAAAAAAAAAAAAAAEAAACgMgAAVgcAAKr4//8BAAAAf39/AAEAAABkAAAAAAAAABQAAABAHwAAAAAAACYAAAAAAAAAwOD//wAAAAAmAAAAZAAAABYAAABMAAAAAAAAAAAAAAAEAAAAAAAAAAEAAACAgIAKAAAAACgAAAAoAAAAZAAAAGQAAAAAAAAAzMzMAAAAAABQAAAAUAAAAGQAAABkAAAAAAAAABcAAAAUAAAAAAAAABcDAAD/fwAA/38AAAAAAAAJAAAABAAAAAAAAAAMAAAAEAAAAAAAAAAAAAAAAAAAAAAAAAAeAAAAaAAAAAAAAAAAAAAAAAAAAAAAAAAAAAAAECcAABAnAAAAAAAAAAAAAAAAAAAAAAAAAAAAAAAAAAAAAAAAAAAAABQAAAAAAAAAwMD/AAAAAABkAAAAMgAAAAAAAABkAAAAAAAAAH9/fwAKAAAAIgAAABgAAAAAAAAAAAAAAAAAAAAAAAAAAAAAAAAAAAAkAAAAJAAAAAAAAAAHAAAAAAAAAAAAAAAAAAAAAAAAAAAAAAAAAAAAf39/ACUAAABYAAAAAAAAAAAAAAAAAAAAAAAAAAAAAAAAAAAAAAAAAAAAAAAAAAAAAAAAAAAAAAA/AAAAAAAAAKCGAQAAAAAAAAAAAAAAAAAMAAAAAQAAAAAAAAAAAAAAAAAAAB8AAABUAAAAu+DjBf///wEAAAAAAAAAAAAAAAAAAAAAAAAAAAAAAAAAAAAAAAAAAAAAAAJ/f38AgICAA8zMzADAwP8Af39/AAAAAAAAAAAAAAAAAAAAAAAAAAAAIQAAABgAAAAUAAAAUAcAAK8UAABWPgAAlxcAABAgAAAmAAAACAAAAP//////////MAAAABQAAAAAAAAAAAD//wAAAQAAAP//AAABAA=="/>
               </a:ext>
             </a:extLst>
           </p:cNvSpPr>
@@ -6789,7 +6789,7 @@
           <a:lstStyle/>
           <a:p>
             <a:pPr>
-              <a:defRPr sz="2500" spc="3">
+              <a:defRPr sz="2500">
                 <a:latin typeface="Liberation Mono" pitchFamily="1" charset="0"/>
                 <a:ea typeface="Liberation Mono" pitchFamily="1" charset="0"/>
                 <a:cs typeface="Liberation Mono" pitchFamily="1" charset="0"/>
@@ -6851,7 +6851,7 @@
           <p:cNvSpPr>
             <a:extLst>
               <a:ext uri="smNativeData">
-                <pr:smNativeData xmlns:pr="smNativeData" xmlns="smNativeData" val="SMDATA_17_MUmAYRMAAAAlAAAAggAAAA8BAAAAkAAAAEgAAACQAAAASAAAAAAAAAAAAAAAAAAAAAEAAABQAAAAHoXrUbge5T8AAAAAAADgPwAAAAAAAOA/AAAAAAAA4D8AAAAAAADgPwAAAAAAAOA/AAAAAAAA4D8AAAAAAADgPwAAAAAAAOA/AAAAAAAA4D8CAAAAjAAAAAAAAAAAAAAAu+DjDP///wgAAAAAAAAAAAAAAAAAAAAAAAAAAAAAAAAAAAAAZAAAAAEAAABAAAAAAAAAAAAAAAAAAAAAAAAAAAAAAAAAAAAAAAAAAAAAAAAAAAAAAAAAAAAAAAAAAAAAAAAAAAAAAAAAAAAAAAAAAAAAAAAAAAAAAAAAAAAAAAAAAAAAFAAAADwAAAABAAAAAAAAAFiE0wAoAAAAAQAAABQAAAAUAAAAFAAAAAEAAAAAAAAAZAAAAGQAAAAAAAAAZAAAAGQAAAAVAAAAYAAAAAAAAAAAAAAADwAAACADAAAAAAAAAAAAAAEAAACgMgAAVgcAAKr4//8BAAAAf39/AAEAAABkAAAAAAAAABQAAABAHwAAAAAAACYAAAAAAAAAwOD//wAAAAAmAAAAZAAAABYAAABMAAAAAAAAAAAAAAAEAAAAAAAAAAEAAACAgIAKAAAAACgAAAAoAAAAZAAAAGQAAAAAAAAAzMzMAAAAAABQAAAAUAAAAGQAAABkAAAAAAAAABcAAAAUAAAAAAAAAAAAAAD/fwAA/38AAAAAAAAJAAAABAAAAAAAAAAMAAAAEAAAAAAAAAAAAAAAAAAAAAAAAAAeAAAAaAAAAAAAAAAAAAAAAAAAAAAAAAAAAAAAECcAABAnAAAAAAAAAAAAAAAAAAAAAAAAAAAAAAAAAAAAAAAAAAAAABQAAAAAAAAAwMD/AAAAAABkAAAAMgAAAAAAAABkAAAAAAAAAH9/fwAKAAAAIgAAABgAAAAAAAAAAAAAAAAAAAAAAAAAAAAAAAAAAAAkAAAAJAAAAAAAAAAHAAAAAAAAAAAAAAAAAAAAAAAAAAAAAAAAAAAAf39/ACUAAABYAAAAAAAAAAAAAAAAAAAAAAAAAAAAAAAAAAAAAAAAAAAAAAAAAAAAAAAAAAAAAAA/AAAAAAAAAKCGAQAAAAAAAAAAAAAAAAAMAAAAAQAAAAAAAAAAAAAAAAAAAB8AAABUAAAAu+DjBf///wEAAAAAAAAAAAAAAAAAAAAAAAAAAAAAAAAAAAAAAAAAAFiE0wB/f38AgICAA8zMzADAwP8Af39/AAAAAAAAAAAAAAAAAAAAAAAAAAAAIQAAABgAAAAUAAAAzy4AAM8WAACfOAAAIhgAABAAAAAmAAAACAAAAP//////////MAAAABQAAAAAAAAAAAD//wAAAQAAAP//AAABAA=="/>
+                <pr:smNativeData xmlns:pr="smNativeData" xmlns="smNativeData" val="SMDATA_17_WnaBYRMAAAAlAAAAggAAAA8BAAAAkAAAAEgAAACQAAAASAAAAAAAAAAAAAAAAAAAAAEAAABQAAAAHoXrUbge5T8AAAAAAADgPwAAAAAAAOA/AAAAAAAA4D8AAAAAAADgPwAAAAAAAOA/AAAAAAAA4D8AAAAAAADgPwAAAAAAAOA/AAAAAAAA4D8CAAAAjAAAAAAAAAAAAAAAu+DjDP///wgAAAAAAAAAAAAAAAAAAAAAAAAAAAAAAAAAAAAAZAAAAAEAAABAAAAAAAAAAAAAAAAAAAAAAAAAAAAAAAAAAAAAAAAAAAAAAAAAAAAAAAAAAAAAAAAAAAAAAAAAAAAAAAAAAAAAAAAAAAAAAAAAAAAAAAAAAAAAAAAAAAAAFAAAADwAAAABAAAAAAAAAFiE0wAoAAAAAQAAABQAAAAUAAAAFAAAAAEAAAAAAAAAZAAAAGQAAAAAAAAAZAAAAGQAAAAVAAAAYAAAAAAAAAAAAAAADwAAACADAAAAAAAAAAAAAAEAAACgMgAAVgcAAKr4//8BAAAAf39/AAEAAABkAAAAAAAAABQAAABAHwAAAAAAACYAAAAAAAAAwOD//wAAAAAmAAAAZAAAABYAAABMAAAAAAAAAAAAAAAEAAAAAAAAAAEAAACAgIAKAAAAACgAAAAoAAAAZAAAAGQAAAAAAAAAzMzMAAAAAABQAAAAUAAAAGQAAABkAAAAAAAAABcAAAAUAAAAAAAAAAAAAAD/fwAA/38AAAAAAAAJAAAABAAAAAAAAAAMAAAAEAAAAAAAAAAAAAAAAAAAAAAAAAAeAAAAaAAAAAAAAAAAAAAAAAAAAAAAAAAAAAAAECcAABAnAAAAAAAAAAAAAAAAAAAAAAAAAAAAAAAAAAAAAAAAAAAAABQAAAAAAAAAwMD/AAAAAABkAAAAMgAAAAAAAABkAAAAAAAAAH9/fwAKAAAAIgAAABgAAAAAAAAAAAAAAAAAAAAAAAAAAAAAAAAAAAAkAAAAJAAAAAAAAAAHAAAAAAAAAAAAAAAAAAAAAAAAAAAAAAAAAAAAf39/ACUAAABYAAAAAAAAAAAAAAAAAAAAAAAAAAAAAAAAAAAAAAAAAAAAAAAAAAAAAAAAAAAAAAA/AAAAAAAAAKCGAQAAAAAAAAAAAAAAAAAMAAAAAQAAAAAAAAAAAAAAAAAAAB8AAABUAAAAu+DjBf///wEAAAAAAAAAAAAAAAAAAAAAAAAAAAAAAAAAAAAAAAAAAFiE0wB/f38AgICAA8zMzADAwP8Af39/AAAAAAAAAAAAAAAAAAAAAAAAAAAAIQAAABgAAAAUAAAAzy4AAM8WAACfOAAAIhgAABAAAAAmAAAACAAAAP//////////MAAAABQAAAAAAAAAAAD//wAAAQAAAP//AAABAA=="/>
               </a:ext>
             </a:extLst>
           </p:cNvSpPr>
@@ -6887,7 +6887,7 @@
             <a:stCxn id="4" idx="1"/>
             <a:extLst>
               <a:ext uri="smNativeData">
-                <pr:smNativeData xmlns:pr="smNativeData" xmlns="smNativeData" val="SMDATA_17_MUmAYRMAAAAlAAAADgAAAA8BAAAAkAAAAEgAAACQAAAASAAAAAAAAAAAAAAAAAAAAAEAAABQAAAAAAAAAAAA4D8AAAAAAADgPwAAAAAAAOA/AAAAAAAA4D8AAAAAAADgPwAAAAAAAOA/AAAAAAAA4D8AAAAAAADgPwAAAAAAAOA/AAAAAAAA4D8CAAAAjAAAAAAAAAAAAAAAu+DjDP///wgAAAAAAAAAAAAAAAAAAAAAAAAAAAAAAAAAAAAAZAAAAAEAAABAAAAAAAAAAAAAAAAAAAAAAAAAAAAAAAAAAAAAAAAAAAAAAAAAAAAAAAAAAAAAAAAAAAAAAAAAAAAAAAAAAAAAAAAAAAAAAAAAAAAAAAAAAAAAAAAAAAAAFAAAADwAAAABAAAAAAAAAFiE0wAoAAAAAQAAABQAAAAUAAAAFAAAAAEAAAAAAAAAZAAAAGQAAAAAAAAAZAAAAGQAAAAVAAAAYAAAAAAAAAAAAAAADwAAACADAAAAAAAAAAAAAAEAAACgMgAAVgcAAKr4//8BAAAAf39/AAEAAABkAAAAAAAAABQAAABAHwAAAAAAACYAAAAAAAAAwOD//wAAAAAmAAAAZAAAABYAAABMAAAAAAAAAAAAAAAEAAAAAAAAAAEAAACAgIAKAAAAACgAAAAoAAAAZAAAAGQAAAAAAAAAzMzMAAAAAABQAAAAUAAAAGQAAABkAAAAAAAAABcAAAAUAAAAAAAAAAAAAAD/fwAA/38AAAAAAAAJAAAABAAAAAAAAAAMAAAAEAAAAAAAAAAAAAAAAAAAAAAAAAAeAAAAaAAAAAAAAAAAAAAAAAAAAAAAAAAAAAAAECcAABAnAAAAAAAAAAAAAAAAAAAAAAAAAAAAAAAAAAAAAAAAAAAAABQAAAAAAAAAwMD/AAAAAABkAAAAMgAAAAAAAABkAAAAAAAAAH9/fwAKAAAAIgAAABgAAAAAAAAAAAAAAAAAAAAAAAAAAAAAAAAAAAAkAAAAJAAAAAAAAAAHAAAAAAAAAAAAAAAAAAAAAAAAAAAAAAAAAAAAf39/ACUAAABYAAAAAAAAAAAAAAAAAAAAAAAAAAAAAAAAAAAAAAAAAAAAAAAAAAAAAAAAAAAAAAA/AAAAAAAAAKCGAQAAAAAAAAAAAAAAAAAMAAAAAQAAAAAAAAAAAAAAAAAAAB8AAABUAAAAu+DjBf///wEAAAAAAAAAAAAAAAAAAAAAAAAAAAAAAAAAAAAAAAAAAFiE0wB/f38AgICAA8zMzADAwP8Af39/AAAAAAAAAAAAAAAAAAAAAAAAAAAAIQAAABgAAAAUAAAAtzMAACIYAAC3MwAAbBoAABAAAAAmAAAACAAAAP//////////MAAAABQAAAAAAAAAAAD//wAAAQAAAP//AAABAA=="/>
+                <pr:smNativeData xmlns:pr="smNativeData" xmlns="smNativeData" val="SMDATA_17_WnaBYRMAAAAlAAAADgAAAA8BAAAAkAAAAEgAAACQAAAASAAAAAAAAAAAAAAAAAAAAAEAAABQAAAAAAAAAAAA4D8AAAAAAADgPwAAAAAAAOA/AAAAAAAA4D8AAAAAAADgPwAAAAAAAOA/AAAAAAAA4D8AAAAAAADgPwAAAAAAAOA/AAAAAAAA4D8CAAAAjAAAAAAAAAAAAAAAu+DjDP///wgAAAAAAAAAAAAAAAAAAAAAAAAAAAAAAAAAAAAAZAAAAAEAAABAAAAAAAAAAAAAAAAAAAAAAAAAAAAAAAAAAAAAAAAAAAAAAAAAAAAAAAAAAAAAAAAAAAAAAAAAAAAAAAAAAAAAAAAAAAAAAAAAAAAAAAAAAAAAAAAAAAAAFAAAADwAAAABAAAAAAAAAFiE0wAoAAAAAQAAABQAAAAUAAAAFAAAAAEAAAAAAAAAZAAAAGQAAAAAAAAAZAAAAGQAAAAVAAAAYAAAAAAAAAAAAAAADwAAACADAAAAAAAAAAAAAAEAAACgMgAAVgcAAKr4//8BAAAAf39/AAEAAABkAAAAAAAAABQAAABAHwAAAAAAACYAAAAAAAAAwOD//wAAAAAmAAAAZAAAABYAAABMAAAAAAAAAAAAAAAEAAAAAAAAAAEAAACAgIAKAAAAACgAAAAoAAAAZAAAAGQAAAAAAAAAzMzMAAAAAABQAAAAUAAAAGQAAABkAAAAAAAAABcAAAAUAAAAAAAAAAAAAAD/fwAA/38AAAAAAAAJAAAABAAAAAAAAAAMAAAAEAAAAAAAAAAAAAAAAAAAAAAAAAAeAAAAaAAAAAAAAAAAAAAAAAAAAAAAAAAAAAAAECcAABAnAAAAAAAAAAAAAAAAAAAAAAAAAAAAAAAAAAAAAAAAAAAAABQAAAAAAAAAwMD/AAAAAABkAAAAMgAAAAAAAABkAAAAAAAAAH9/fwAKAAAAIgAAABgAAAAAAAAAAAAAAAAAAAAAAAAAAAAAAAAAAAAkAAAAJAAAAAAAAAAHAAAAAAAAAAAAAAAAAAAAAAAAAAAAAAAAAAAAf39/ACUAAABYAAAAAAAAAAAAAAAAAAAAAAAAAAAAAAAAAAAAAAAAAAAAAAAAAAAAAAAAAAAAAAA/AAAAAAAAAKCGAQAAAAAAAAAAAAAAAAAMAAAAAQAAAAAAAAAAAAAAAAAAAB8AAABUAAAAu+DjBf///wEAAAAAAAAAAAAAAAAAAAAAAAAAAAAAAAAAAAAAAAAAAFiE0wB/f38AgICAA8zMzADAwP8Af39/AAAAAAAAAAAAAAAAAAAAAAAAAAAAIQAAABgAAAAUAAAArTMAACIYAAC3MwAAdhoAABAAAAAmAAAACAAAAP//////////MAAAABQAAAAAAAAAAAD//wAAAQAAAP//AAABAA=="/>
               </a:ext>
             </a:extLst>
           </p:cNvCxnSpPr>
@@ -6895,8 +6895,8 @@
         </p:nvCxnSpPr>
         <p:spPr>
           <a:xfrm rot="5400000">
-            <a:off x="8220710" y="4109085"/>
-            <a:ext cx="372110" cy="12700"/>
+            <a:off x="8214360" y="4109085"/>
+            <a:ext cx="378460" cy="6350"/>
           </a:xfrm>
           <a:prstGeom prst="bentConnector2">
             <a:avLst/>
@@ -6919,7 +6919,7 @@
           <p:cNvSpPr txBox="1">
             <a:extLst>
               <a:ext uri="smNativeData">
-                <pr:smNativeData xmlns:pr="smNativeData" xmlns="smNativeData" val="SMDATA_17_MUmAYRMAAAAlAAAAEgAAAE8BAAAAkAAAAEgAAACQAAAASAAAAAAAAAAAAAAAAAAAAAEAAABQAAAAAAAAAAAA4D8AAAAAAADgPwAAAAAAAOA/AAAAAAAA4D8AAAAAAADgPwAAAAAAAOA/AAAAAAAA4D8AAAAAAADgPwAAAAAAAOA/AAAAAAAA4D8CAAAAjAAAAAAAAAAAAAAAu+DjDP///wgAAAAAAAAAAAAAAAAAAAAAAAAAAAAAAAAAAAAAZAAAAAEAAABAAAAAAAAAAAAAAAAAAAAAAAAAAAAAAAAAAAAAAAAAAAAAAAAAAAAAAAAAAAAAAAAAAAAAAAAAAAAAAAAAAAAAAAAAAAAAAAAAAAAAAAAAAAAAAAAAAAAAFAAAADwAAAAAAAAAAAAAAAAAAAkUAAAAAQAAABQAAAAUAAAAFAAAAAEAAAAAAAAAZAAAAGQAAAAAAAAAZAAAAGQAAAAVAAAAYAAAAAAAAAAAAAAADwAAACADAAAAAAAAAAAAAAEAAACgMgAAVgcAAKr4//8BAAAAf39/AAEAAABkAAAAAAAAABQAAABAHwAAAAAAACYAAAAAAAAAwOD//wAAAAAmAAAAZAAAABYAAABMAAAAAAAAAAAAAAAEAAAAAAAAAAEAAACAgIAKAAAAACgAAAAoAAAAZAAAAGQAAAAAAAAAzMzMAAAAAABQAAAAUAAAAGQAAABkAAAAAAAAABcAAAAUAAAAAAAAAMQBAAD/fwAA/38AAAAAAAAJAAAABAAAAAAAAAAMAAAAEAAAAAAAAAAAAAAAAAAAAAAAAAAeAAAAaAAAAAAAAAAAAAAAAAAAAAAAAAAAAAAAECcAABAnAAAAAAAAAAAAAAAAAAAAAAAAAAAAAAAAAAAAAAAAAAAAABQAAAAAAAAAwMD/AAAAAABkAAAAMgAAAAAAAABkAAAAAAAAAH9/fwAKAAAAIgAAABgAAAAAAAAAAAAAAAAAAAAAAAAAAAAAAAAAAAAkAAAAJAAAAAAAAAAHAAAAAAAAAAAAAAAAAAAAAAAAAAAAAAAAAAAAf39/ACUAAABYAAAAAAAAAAAAAAAAAAAAAAAAAAAAAAAAAAAAAAAAAAAAAAAAAAAAAAAAAAAAAAA/AAAAAAAAAKCGAQAAAAAAAAAAAAAAAAAMAAAAAQAAAAAAAAAAAAAAAAAAAB8AAABUAAAAu+DjBf///wEAAAAAAAAAAAAAAAAAAAAAAAAAAAAAAAAAAAAAAAAAAAAAAAJ/f38AgICAA8zMzADAwP8Af39/AAAAAAAAAAAAAAAAAAAAAAAAAAAAIQAAABgAAAAUAAAA2jUAAAQZAACCRwAA7BsAABAgAAAmAAAACAAAAP//////////MAAAABQAAAAAAAAAAAD//wAAAQAAAP//AAABAA=="/>
+                <pr:smNativeData xmlns:pr="smNativeData" xmlns="smNativeData" val="SMDATA_17_WnaBYRMAAAAlAAAAEgAAAE8BAAAAkAAAAEgAAACQAAAASAAAAAAAAAAAAAAAAAAAAAEAAABQAAAAAAAAAAAA4D8AAAAAAADgPwAAAAAAAOA/AAAAAAAA4D8AAAAAAADgPwAAAAAAAOA/AAAAAAAA4D8AAAAAAADgPwAAAAAAAOA/AAAAAAAA4D8CAAAAjAAAAAAAAAAAAAAAu+DjDP///wgAAAAAAAAAAAAAAAAAAAAAAAAAAAAAAAAAAAAAZAAAAAEAAABAAAAAAAAAAAAAAAAAAAAAAAAAAAAAAAAAAAAAAAAAAAAAAAAAAAAAAAAAAAAAAAAAAAAAAAAAAAAAAAAAAAAAAAAAAAAAAAAAAAAAAAAAAAAAAAAAAAAAFAAAADwAAAAAAAAAAAAAAAAAAAkUAAAAAQAAABQAAAAUAAAAFAAAAAEAAAAAAAAAZAAAAGQAAAAAAAAAZAAAAGQAAAAVAAAAYAAAAAAAAAAAAAAADwAAACADAAAAAAAAAAAAAAEAAACgMgAAVgcAAKr4//8BAAAAf39/AAEAAABkAAAAAAAAABQAAABAHwAAAAAAACYAAAAAAAAAwOD//wAAAAAmAAAAZAAAABYAAABMAAAAAAAAAAAAAAAEAAAAAAAAAAEAAACAgIAKAAAAACgAAAAoAAAAZAAAAGQAAAAAAAAAzMzMAAAAAABQAAAAUAAAAGQAAABkAAAAAAAAABcAAAAUAAAAAAAAAMQBAAD/fwAA/38AAAAAAAAJAAAABAAAAAAAAAAMAAAAEAAAAAAAAAAAAAAAAAAAAAAAAAAeAAAAaAAAAAAAAAAAAAAAAAAAAAAAAAAAAAAAECcAABAnAAAAAAAAAAAAAAAAAAAAAAAAAAAAAAAAAAAAAAAAAAAAABQAAAAAAAAAwMD/AAAAAABkAAAAMgAAAAAAAABkAAAAAAAAAH9/fwAKAAAAIgAAABgAAAAAAAAAAAAAAAAAAAAAAAAAAAAAAAAAAAAkAAAAJAAAAAAAAAAHAAAAAAAAAAAAAAAAAAAAAAAAAAAAAAAAAAAAf39/ACUAAABYAAAAAAAAAAAAAAAAAAAAAAAAAAAAAAAAAAAAAAAAAAAAAAAAAAAAAAAAAAAAAAA/AAAAAAAAAKCGAQAAAAAAAAAAAAAAAAAMAAAAAQAAAAAAAAAAAAAAAAAAAB8AAABUAAAAu+DjBf///wEAAAAAAAAAAAAAAAAAAAAAAAAAAAAAAAAAAAAAAAAAAAAAAAJ/f38AgICAA8zMzADAwP8Af39/AAAAAAAAAAAAAAAAAAAAAAAAAAAAIQAAABgAAAAUAAAA2jUAAAQZAACCRwAA7BsAABAgAAAmAAAACAAAAP//////////MAAAABQAAAAAAAAAAAD//wAAAQAAAP//AAABAA=="/>
               </a:ext>
             </a:extLst>
           </p:cNvSpPr>
@@ -6970,7 +6970,7 @@
           <p:cNvSpPr txBox="1">
             <a:extLst>
               <a:ext uri="smNativeData">
-                <pr:smNativeData xmlns:pr="smNativeData" xmlns="smNativeData" val="SMDATA_17_MUmAYRMAAAAlAAAAEgAAAE8BAAAAkAAAAEgAAACQAAAASAAAAAAAAAAAAAAAAAAAAAEAAABQAAAAAAAAAAAA4D8AAAAAAADgPwAAAAAAAOA/AAAAAAAA4D8AAAAAAADgPwAAAAAAAOA/AAAAAAAA4D8AAAAAAADgPwAAAAAAAOA/AAAAAAAA4D8CAAAAjAAAAAAAAAAAAAAAu+DjDP///wgAAAAAAAAAAAAAAAAAAAAAAAAAAAAAAAAAAAAAZAAAAAEAAABAAAAAAAAAAAAAAAAAAAAAAAAAAAAAAAAAAAAAAAAAAAAAAAAAAAAAAAAAAAAAAAAAAAAAAAAAAAAAAAAAAAAAAAAAAAAAAAAAAAAAAAAAAAAAAAAAAAAAFAAAADwAAAAAAAAAAAAAAAAAAAkUAAAAAQAAABQAAAAUAAAAFAAAAAEAAAAAAAAAZAAAAGQAAAAAAAAAZAAAAGQAAAAVAAAAYAAAAAAAAAAAAAAADwAAACADAAAAAAAAAAAAAAEAAACgMgAAVgcAAKr4//8BAAAAf39/AAEAAABkAAAAAAAAABQAAABAHwAAAAAAACYAAAAAAAAAwOD//wAAAAAmAAAAZAAAABYAAABMAAAAAAAAAAAAAAAEAAAAAAAAAAEAAACAgIAKAAAAACgAAAAoAAAAZAAAAGQAAAAAAAAAzMzMAAAAAABQAAAAUAAAAGQAAABkAAAAAAAAABcAAAAUAAAAAAAAAMQBAAD/fwAA/38AAAAAAAAJAAAABAAAAAAAAAAMAAAAEAAAAAAAAAAAAAAAAAAAAAAAAAAeAAAAaAAAAAAAAAAAAAAAAAAAAAAAAAAAAAAAECcAABAnAAAAAAAAAAAAAAAAAAAAAAAAAAAAAAAAAAAAAAAAAAAAABQAAAAAAAAAwMD/AAAAAABkAAAAMgAAAAAAAABkAAAAAAAAAH9/fwAKAAAAIgAAABgAAAAAAAAAAAAAAAAAAAAAAAAAAAAAAAAAAAAkAAAAJAAAAAAAAAAHAAAAAAAAAAAAAAAAAAAAAAAAAAAAAAAAAAAAf39/ACUAAABYAAAAAAAAAAAAAAAAAAAAAAAAAAAAAAAAAAAAAAAAAAAAAAAAAAAAAAAAAAAAAAA/AAAAAAAAAKCGAQAAAAAAAAAAAAAAAAAMAAAAAQAAAAAAAAAAAAAAAAAAAB8AAABUAAAAu+DjBf///wEAAAAAAAAAAAAAAAAAAAAAAAAAAAAAAAAAAAAAAAAAAAAAAAJ/f38AgICAA8zMzADAwP8Af39/AAAAAAAAAAAAAAAAAAAAAAAAAAAAIQAAABgAAAAUAAAApTMAAD8dAACwSQAALyEAABAgAAAmAAAACAAAAP//////////MAAAABQAAAAAAAAAAAD//wAAAQAAAP//AAABAA=="/>
+                <pr:smNativeData xmlns:pr="smNativeData" xmlns="smNativeData" val="SMDATA_17_WnaBYRMAAAAlAAAAEgAAAE8BAAAAkAAAAEgAAACQAAAASAAAAAAAAAAAAAAAAAAAAAEAAABQAAAAAAAAAAAA4D8AAAAAAADgPwAAAAAAAOA/AAAAAAAA4D8AAAAAAADgPwAAAAAAAOA/AAAAAAAA4D8AAAAAAADgPwAAAAAAAOA/AAAAAAAA4D8CAAAAjAAAAAAAAAAAAAAAu+DjDP///wgAAAAAAAAAAAAAAAAAAAAAAAAAAAAAAAAAAAAAZAAAAAEAAABAAAAAAAAAAAAAAAAAAAAAAAAAAAAAAAAAAAAAAAAAAAAAAAAAAAAAAAAAAAAAAAAAAAAAAAAAAAAAAAAAAAAAAAAAAAAAAAAAAAAAAAAAAAAAAAAAAAAAFAAAADwAAAAAAAAAAAAAAAAAAAkUAAAAAQAAABQAAAAUAAAAFAAAAAEAAAAAAAAAZAAAAGQAAAAAAAAAZAAAAGQAAAAVAAAAYAAAAAAAAAAAAAAADwAAACADAAAAAAAAAAAAAAEAAACgMgAAVgcAAKr4//8BAAAAf39/AAEAAABkAAAAAAAAABQAAABAHwAAAAAAACYAAAAAAAAAwOD//wAAAAAmAAAAZAAAABYAAABMAAAAAAAAAAAAAAAEAAAAAAAAAAEAAACAgIAKAAAAACgAAAAoAAAAZAAAAGQAAAAAAAAAzMzMAAAAAABQAAAAUAAAAGQAAABkAAAAAAAAABcAAAAUAAAAAAAAAMQBAAD/fwAA/38AAAAAAAAJAAAABAAAAAAAAAAMAAAAEAAAAAAAAAAAAAAAAAAAAAAAAAAeAAAAaAAAAAAAAAAAAAAAAAAAAAAAAAAAAAAAECcAABAnAAAAAAAAAAAAAAAAAAAAAAAAAAAAAAAAAAAAAAAAAAAAABQAAAAAAAAAwMD/AAAAAABkAAAAMgAAAAAAAABkAAAAAAAAAH9/fwAKAAAAIgAAABgAAAAAAAAAAAAAAAAAAAAAAAAAAAAAAAAAAAAkAAAAJAAAAAAAAAAHAAAAAAAAAAAAAAAAAAAAAAAAAAAAAAAAAAAAf39/ACUAAABYAAAAAAAAAAAAAAAAAAAAAAAAAAAAAAAAAAAAAAAAAAAAAAAAAAAAAAAAAAAAAAA/AAAAAAAAAKCGAQAAAAAAAAAAAAAAAAAMAAAAAQAAAAAAAAAAAAAAAAAAAB8AAABUAAAAu+DjBf///wEAAAAAAAAAAAAAAAAAAAAAAAAAAAAAAAAAAAAAAAAAAAAAAAJ/f38AgICAA8zMzADAwP8Af39/AAAAAAAAAAAAAAAAAAAAAAAAAAAAIQAAABgAAAAUAAAApTMAAD8dAACwSQAALyEAABAgAAAmAAAACAAAAP//////////MAAAABQAAAAAAAAAAAD//wAAAQAAAP//AAABAA=="/>
               </a:ext>
             </a:extLst>
           </p:cNvSpPr>
@@ -7013,7 +7013,7 @@
           <p:cNvSpPr>
             <a:extLst>
               <a:ext uri="smNativeData">
-                <pr:smNativeData xmlns:pr="smNativeData" xmlns="smNativeData" val="SMDATA_17_MUmAYRMAAAAlAAAAggAAAA8BAAAAkAAAAEgAAACQAAAASAAAAAAAAAAAAAAAAAAAAAEAAABQAAAAND1GVkzU6D8AAAAAAADgPwAAAAAAAOA/AAAAAAAA4D8AAAAAAADgPwAAAAAAAOA/AAAAAAAA4D8AAAAAAADgPwAAAAAAAOA/AAAAAAAA4D8CAAAAjAAAAAAAAAAAAAAAu+DjDP///wgAAAAAAAAAAAAAAAAAAAAAAAAAAAAAAAAAAAAAZAAAAAEAAABAAAAAAAAAAAAAAAAAAAAAAAAAAAAAAAAAAAAAAAAAAAAAAAAAAAAAAAAAAAAAAAAAAAAAAAAAAAAAAAAAAAAAAAAAAAAAAAAAAAAAAAAAAAAAAAAAAAAAFAAAADwAAAABAAAAAAAAAAAAAAkoAAAAAQAAABQAAAAUAAAAFAAAAAEAAAAAAAAAZAAAAGQAAAAAAAAAZAAAAGQAAAAVAAAAYAAAAAAAAAAAAAAADwAAACADAAAAAAAAAAAAAAEAAACgMgAAVgcAAKr4//8BAAAAf39/AAEAAABkAAAAAAAAABQAAABAHwAAAAAAACYAAAAAAAAAwOD//wAAAAAmAAAAZAAAABYAAABMAAAAAAAAAAAAAAAEAAAAAAAAAAEAAACAgIAKAAAAACgAAAAoAAAAZAAAAGQAAAAAAAAAzMzMAAAAAABQAAAAUAAAAGQAAABkAAAAAAAAABcAAAAUAAAAAAAAAAAAAAD/fwAA/38AAAAAAAAJAAAABAAAAPi9ahsMAAAAEAAAAAAAAAAAAAAAAAAAAAAAAAAeAAAAaAAAAAAAAAAAAAAAAAAAAAAAAAAAAAAAECcAABAnAAAAAAAAAAAAAAAAAAAAAAAAAAAAAAAAAAAAAAAAAAAAABQAAAAAAAAAwMD/AAAAAABkAAAAMgAAAAAAAABkAAAAAAAAAH9/fwAKAAAAIgAAABgAAAAAAAAAAAAAAAAAAAAAAAAAAAAAAAAAAAAkAAAAJAAAAAAAAAAHAAAAAAAAAAAAAAAAAAAAAAAAAAAAAAAAAAAAf39/ACUAAABYAAAAAAAAAAAAAAAAAAAAAAAAAAAAAAAAAAAAAAAAAAAAAAAAAAAAAAAAAAAAAAA/AAAAAAAAAKCGAQAAAAAAAAAAAAAAAAAMAAAAAQAAAAAAAAAAAAAAAAAAAB8AAABUAAAAu+DjBf///wEAAAAAAAAAAAAAAAAAAAAAAAAAAAAAAAAAAAAAAAAAAAAAAAJ/f38AgICAA8zMzADAwP8Af39/AAAAAAAAAAAAAAAAAAAAAAAAAAAAIQAAABgAAAAUAAAA2jUAAOwbAABvRQAAPx0AABAAAAAmAAAACAAAAP//////////MAAAABQAAAAAAAAAAAD//wAAAQAAAP//AAABAA=="/>
+                <pr:smNativeData xmlns:pr="smNativeData" xmlns="smNativeData" val="SMDATA_17_WnaBYRMAAAAlAAAAggAAAA8BAAAAkAAAAEgAAACQAAAASAAAAAAAAAAAAAAAAAAAAAEAAABQAAAAND1GVkzU6D8AAAAAAADgPwAAAAAAAOA/AAAAAAAA4D8AAAAAAADgPwAAAAAAAOA/AAAAAAAA4D8AAAAAAADgPwAAAAAAAOA/AAAAAAAA4D8CAAAAjAAAAAAAAAAAAAAAu+DjDP///wgAAAAAAAAAAAAAAAAAAAAAAAAAAAAAAAAAAAAAZAAAAAEAAABAAAAAAAAAAAAAAAAAAAAAAAAAAAAAAAAAAAAAAAAAAAAAAAAAAAAAAAAAAAAAAAAAAAAAAAAAAAAAAAAAAAAAAAAAAAAAAAAAAAAAAAAAAAAAAAAAAAAAFAAAADwAAAABAAAAAAAAAAAAAAkoAAAAAQAAABQAAAAUAAAAFAAAAAEAAAAAAAAAZAAAAGQAAAAAAAAAZAAAAGQAAAAVAAAAYAAAAAAAAAAAAAAADwAAACADAAAAAAAAAAAAAAEAAACgMgAAVgcAAKr4//8BAAAAf39/AAEAAABkAAAAAAAAABQAAABAHwAAAAAAACYAAAAAAAAAwOD//wAAAAAmAAAAZAAAABYAAABMAAAAAAAAAAAAAAAEAAAAAAAAAAEAAACAgIAKAAAAACgAAAAoAAAAZAAAAGQAAAAAAAAAzMzMAAAAAABQAAAAUAAAAGQAAABkAAAAAAAAABcAAAAUAAAAAAAAAAAAAAD/fwAA/38AAAAAAAAJAAAABAAAAPi9ahsMAAAAEAAAAAAAAAAAAAAAAAAAAAAAAAAeAAAAaAAAAAAAAAAAAAAAAAAAAAAAAAAAAAAAECcAABAnAAAAAAAAAAAAAAAAAAAAAAAAAAAAAAAAAAAAAAAAAAAAABQAAAAAAAAAwMD/AAAAAABkAAAAMgAAAAAAAABkAAAAAAAAAH9/fwAKAAAAIgAAABgAAAAAAAAAAAAAAAAAAAAAAAAAAAAAAAAAAAAkAAAAJAAAAAAAAAAHAAAAAAAAAAAAAAAAAAAAAAAAAAAAAAAAAAAAf39/ACUAAABYAAAAAAAAAAAAAAAAAAAAAAAAAAAAAAAAAAAAAAAAAAAAAAAAAAAAAAAAAAAAAAA/AAAAAAAAAKCGAQAAAAAAAAAAAAAAAAAMAAAAAQAAAAAAAAAAAAAAAAAAAB8AAABUAAAAu+DjBf///wEAAAAAAAAAAAAAAAAAAAAAAAAAAAAAAAAAAAAAAAAAAAAAAAJ/f38AgICAA8zMzADAwP8Af39/AAAAAAAAAAAAAAAAAAAAAAAAAAAAIQAAABgAAAAUAAAA2jUAAOwbAABvRQAAPx0AABAAAAAmAAAACAAAAP//////////MAAAABQAAAAAAAAAAAD//wAAAQAAAP//AAABAA=="/>
               </a:ext>
             </a:extLst>
           </p:cNvSpPr>
@@ -7048,7 +7048,7 @@
           <p:cNvSpPr>
             <a:extLst>
               <a:ext uri="smNativeData">
-                <pr:smNativeData xmlns:pr="smNativeData" xmlns="smNativeData" val="SMDATA_17_MUmAYRMAAAAlAAAAggAAAA8BAAAAkAAAAEgAAACQAAAASAAAAAAAAAAAAAAAAAAAAAEAAABQAAAAlDCbuv0Z6j8AAAAAAADgPwAAAAAAAOA/AAAAAAAA4D8AAAAAAADgPwAAAAAAAOA/AAAAAAAA4D8AAAAAAADgPwAAAAAAAOA/AAAAAAAA4D8CAAAAjAAAAAAAAAAAAAAAu+DjDP///wgAAAAAAAAAAAAAAAAAAAAAAAAAAAAAAAAAAAAAZAAAAAEAAABAAAAAAAAAAAAAAAAAAAAAAAAAAAAAAAAAAAAAAAAAAAAAAAAAAAAAAAAAAAAAAAAAAAAAAAAAAAAAAAAAAAAAAAAAAAAAAAAAAAAAAAAAAAAAAAAAAAAAFAAAADwAAAABAAAAAAAAAFiE0wAoAAAAAQAAABQAAAAUAAAAFAAAAAEAAAAAAAAAZAAAAGQAAAAAAAAAZAAAAGQAAAAVAAAAYAAAAAAAAAAAAAAADwAAACADAAAAAAAAAAAAAAEAAACgMgAAVgcAAKr4//8BAAAAf39/AAEAAABkAAAAAAAAABQAAABAHwAAAAAAACYAAAAAAAAAwOD//wAAAAAmAAAAZAAAABYAAABMAAAAAAAAAAAAAAAEAAAAAAAAAAEAAACAgIAKAAAAACgAAAAoAAAAZAAAAGQAAAAAAAAAzMzMAAAAAABQAAAAUAAAAGQAAABkAAAAAAAAABcAAAAUAAAAAAAAAAAAAAD/fwAA/38AAAAAAAAJAAAABAAAAB0OAAAMAAAAEAAAAAAAAAAAAAAAAAAAAAAAAAAeAAAAaAAAAAAAAAAAAAAAAAAAAAAAAAAAAAAAECcAABAnAAAAAAAAAAAAAAAAAAAAAAAAAAAAAAAAAAAAAAAAAAAAABQAAAAAAAAAwMD/AAAAAABkAAAAMgAAAAAAAABkAAAAAAAAAH9/fwAKAAAAIgAAABgAAAAAAAAAAAAAAAAAAAAAAAAAAAAAAAAAAAAkAAAAJAAAAAAAAAAHAAAAAAAAAAAAAAAAAAAAAAAAAAAAAAAAAAAAf39/ACUAAABYAAAAAAAAAAAAAAAAAAAAAAAAAAAAAAAAAAAAAAAAAAAAAAAAAAAAAAAAAAAAAAA/AAAAAAAAAKCGAQAAAAAAAAAAAAAAAAAMAAAAAQAAAAAAAAAAAAAAAAAAAB8AAABUAAAAu+DjBf///wEAAAAAAAAAAAAAAAAAAAAAAAAAAAAAAAAAAAAAAAAAAFiE0wB/f38AgICAA8zMzADAwP8Af39/AAAAAAAAAAAAAAAAAAAAAAAAAAAAIQAAABgAAAAUAAAAzx0AAM8WAACpLQAAIhgAABAAAAAmAAAACAAAAP//////////MAAAABQAAAAAAAAAAAD//wAAAQAAAP//AAABAA=="/>
+                <pr:smNativeData xmlns:pr="smNativeData" xmlns="smNativeData" val="SMDATA_17_WnaBYRMAAAAlAAAAggAAAA8BAAAAkAAAAEgAAACQAAAASAAAAAAAAAAAAAAAAAAAAAEAAABQAAAAlDCbuv0Z6j8AAAAAAADgPwAAAAAAAOA/AAAAAAAA4D8AAAAAAADgPwAAAAAAAOA/AAAAAAAA4D8AAAAAAADgPwAAAAAAAOA/AAAAAAAA4D8CAAAAjAAAAAAAAAAAAAAAu+DjDP///wgAAAAAAAAAAAAAAAAAAAAAAAAAAAAAAAAAAAAAZAAAAAEAAABAAAAAAAAAAAAAAAAAAAAAAAAAAAAAAAAAAAAAAAAAAAAAAAAAAAAAAAAAAAAAAAAAAAAAAAAAAAAAAAAAAAAAAAAAAAAAAAAAAAAAAAAAAAAAAAAAAAAAFAAAADwAAAABAAAAAAAAAFiE0wAoAAAAAQAAABQAAAAUAAAAFAAAAAEAAAAAAAAAZAAAAGQAAAAAAAAAZAAAAGQAAAAVAAAAYAAAAAAAAAAAAAAADwAAACADAAAAAAAAAAAAAAEAAACgMgAAVgcAAKr4//8BAAAAf39/AAEAAABkAAAAAAAAABQAAABAHwAAAAAAACYAAAAAAAAAwOD//wAAAAAmAAAAZAAAABYAAABMAAAAAAAAAAAAAAAEAAAAAAAAAAEAAACAgIAKAAAAACgAAAAoAAAAZAAAAGQAAAAAAAAAzMzMAAAAAABQAAAAUAAAAGQAAABkAAAAAAAAABcAAAAUAAAAAAAAAAAAAAD/fwAA/38AAAAAAAAJAAAABAAAAB0OAAAMAAAAEAAAAAAAAAAAAAAAAAAAAAAAAAAeAAAAaAAAAAAAAAAAAAAAAAAAAAAAAAAAAAAAECcAABAnAAAAAAAAAAAAAAAAAAAAAAAAAAAAAAAAAAAAAAAAAAAAABQAAAAAAAAAwMD/AAAAAABkAAAAMgAAAAAAAABkAAAAAAAAAH9/fwAKAAAAIgAAABgAAAAAAAAAAAAAAAAAAAAAAAAAAAAAAAAAAAAkAAAAJAAAAAAAAAAHAAAAAAAAAAAAAAAAAAAAAAAAAAAAAAAAAAAAf39/ACUAAABYAAAAAAAAAAAAAAAAAAAAAAAAAAAAAAAAAAAAAAAAAAAAAAAAAAAAAAAAAAAAAAA/AAAAAAAAAKCGAQAAAAAAAAAAAAAAAAAMAAAAAQAAAAAAAAAAAAAAAAAAAB8AAABUAAAAu+DjBf///wEAAAAAAAAAAAAAAAAAAAAAAAAAAAAAAAAAAAAAAAAAAFiE0wB/f38AgICAA8zMzADAwP8Af39/AAAAAAAAAAAAAAAAAAAAAAAAAAAAIQAAABgAAAAUAAAAzx0AAM8WAACpLQAAIhgAABAAAAAmAAAACAAAAP//////////MAAAABQAAAAAAAAAAAD//wAAAQAAAP//AAABAA=="/>
               </a:ext>
             </a:extLst>
           </p:cNvSpPr>
@@ -7083,7 +7083,7 @@
           <p:cNvSpPr txBox="1">
             <a:extLst>
               <a:ext uri="smNativeData">
-                <pr:smNativeData xmlns:pr="smNativeData" xmlns="smNativeData" val="SMDATA_17_MUmAYRMAAAAlAAAAEgAAAE8BAAAAkAAAAEgAAACQAAAASAAAAAAAAAAAAAAAAAAAAAEAAABQAAAAAAAAAAAA4D8AAAAAAADgPwAAAAAAAOA/AAAAAAAA4D8AAAAAAADgPwAAAAAAAOA/AAAAAAAA4D8AAAAAAADgPwAAAAAAAOA/AAAAAAAA4D8CAAAAjAAAAAAAAAAAAAAAu+DjDP///wgAAAAAAAAAAAAAAAAAAAAAAAAAAAAAAAAAAAAAZAAAAAEAAABAAAAAAAAAAAAAAAAAAAAAAAAAAAAAAAAAAAAAAAAAAAAAAAAAAAAAAAAAAAAAAAAAAAAAAAAAAAAAAAAAAAAAAAAAAAAAAAAAAAAAAAAAAAAAAAAAAAAAFAAAADwAAAAAAAAAAAAAAAAAAAkUAAAAAQAAABQAAAAUAAAAFAAAAAEAAAAAAAAAZAAAAGQAAAAAAAAAZAAAAGQAAAAVAAAAYAAAAAAAAAAAAAAADwAAACADAAAAAAAAAAAAAAEAAACgMgAAVgcAAKr4//8BAAAAf39/AAEAAABkAAAAAAAAABQAAABAHwAAAAAAACYAAAAAAAAAwOD//wAAAAAmAAAAZAAAABYAAABMAAAAAAAAAAAAAAAEAAAAAAAAAAEAAACAgIAKAAAAACgAAAAoAAAAZAAAAGQAAAAAAAAAzMzMAAAAAABQAAAAUAAAAGQAAABkAAAAAAAAABcAAAAUAAAAAAAAAMQBAAD/fwAA/38AAAAAAAAJAAAABAAAAAAAAAAMAAAAEAAAAAAAAAAAAAAAAAAAAAAAAAAeAAAAaAAAAAAAAAAAAAAAAAAAAAAAAAAAAAAAECcAABAnAAAAAAAAAAAAAAAAAAAAAAAAAAAAAAAAAAAAAAAAAAAAABQAAAAAAAAAwMD/AAAAAABkAAAAMgAAAAAAAABkAAAAAAAAAH9/fwAKAAAAIgAAABgAAAAAAAAAAAAAAAAAAAAAAAAAAAAAAAAAAAAkAAAAJAAAAAAAAAAHAAAAAAAAAAAAAAAAAAAAAAAAAAAAAAAAAAAAf39/ACUAAABYAAAAAAAAAAAAAAAAAAAAAAAAAAAAAAAAAAAAAAAAAAAAAAAAAAAAAAAAAAAAAAA/AAAAAAAAAKCGAQAAAAAAAAAAAAAAAAAMAAAAAQAAAAAAAAAAAAAAAAAAAB8AAABUAAAAu+DjBf///wEAAAAAAAAAAAAAAAAAAAAAAAAAAAAAAAAAAAAAAAAAAAAAAAJ/f38AgICAA8zMzADAwP8Af39/AAAAAAAAAAAAAAAAAAAAAAAAAAAAIQAAABgAAAAUAAAAYCoAAKEhAABrRAAAiSQAABAgAAAmAAAACAAAAP//////////MAAAABQAAAAAAAAAAAD//wAAAQAAAP//AAABAA=="/>
+                <pr:smNativeData xmlns:pr="smNativeData" xmlns="smNativeData" val="SMDATA_17_WnaBYRMAAAAlAAAAEgAAAE8BAAAAkAAAAEgAAACQAAAASAAAAAAAAAAAAAAAAAAAAAEAAABQAAAAAAAAAAAA4D8AAAAAAADgPwAAAAAAAOA/AAAAAAAA4D8AAAAAAADgPwAAAAAAAOA/AAAAAAAA4D8AAAAAAADgPwAAAAAAAOA/AAAAAAAA4D8CAAAAjAAAAAAAAAAAAAAAu+DjDP///wgAAAAAAAAAAAAAAAAAAAAAAAAAAAAAAAAAAAAAZAAAAAEAAABAAAAAAAAAAAAAAAAAAAAAAAAAAAAAAAAAAAAAAAAAAAAAAAAAAAAAAAAAAAAAAAAAAAAAAAAAAAAAAAAAAAAAAAAAAAAAAAAAAAAAAAAAAAAAAAAAAAAAFAAAADwAAAAAAAAAAAAAAAAAAAkUAAAAAQAAABQAAAAUAAAAFAAAAAEAAAAAAAAAZAAAAGQAAAAAAAAAZAAAAGQAAAAVAAAAYAAAAAAAAAAAAAAADwAAACADAAAAAAAAAAAAAAEAAACgMgAAVgcAAKr4//8BAAAAf39/AAEAAABkAAAAAAAAABQAAABAHwAAAAAAACYAAAAAAAAAwOD//wAAAAAmAAAAZAAAABYAAABMAAAAAAAAAAAAAAAEAAAAAAAAAAEAAACAgIAKAAAAACgAAAAoAAAAZAAAAGQAAAAAAAAAzMzMAAAAAABQAAAAUAAAAGQAAABkAAAAAAAAABcAAAAUAAAAAAAAAMQBAAD/fwAA/38AAAAAAAAJAAAABAAAAAAAAAAMAAAAEAAAAAAAAAAAAAAAAAAAAAAAAAAeAAAAaAAAAAAAAAAAAAAAAAAAAAAAAAAAAAAAECcAABAnAAAAAAAAAAAAAAAAAAAAAAAAAAAAAAAAAAAAAAAAAAAAABQAAAAAAAAAwMD/AAAAAABkAAAAMgAAAAAAAABkAAAAAAAAAH9/fwAKAAAAIgAAABgAAAAAAAAAAAAAAAAAAAAAAAAAAAAAAAAAAAAkAAAAJAAAAAAAAAAHAAAAAAAAAAAAAAAAAAAAAAAAAAAAAAAAAAAAf39/ACUAAABYAAAAAAAAAAAAAAAAAAAAAAAAAAAAAAAAAAAAAAAAAAAAAAAAAAAAAAAAAAAAAAA/AAAAAAAAAKCGAQAAAAAAAAAAAAAAAAAMAAAAAQAAAAAAAAAAAAAAAAAAAB8AAABUAAAAu+DjBf///wEAAAAAAAAAAAAAAAAAAAAAAAAAAAAAAAAAAAAAAAAAAAAAAAJ/f38AgICAA8zMzADAwP8Af39/AAAAAAAAAAAAAAAAAAAAAAAAAAAAIQAAABgAAAAUAAAAYCoAAKEhAABrRAAAiSQAABAgAAAmAAAACAAAAP//////////MAAAABQAAAAAAAAAAAD//wAAAQAAAP//AAABAA=="/>
               </a:ext>
             </a:extLst>
           </p:cNvSpPr>
@@ -7135,7 +7135,7 @@
             <a:stCxn id="9" idx="1"/>
             <a:extLst>
               <a:ext uri="smNativeData">
-                <pr:smNativeData xmlns:pr="smNativeData" xmlns="smNativeData" val="SMDATA_17_MUmAYRMAAAAlAAAADgAAAA8BAAAAkAAAAEgAAACQAAAASAAAAAAAAAAAAAAAAAAAAAEAAABQAAAAAAAAAAAA4D8AAAAAAADgPwAAAAAAAOA/AAAAAAAA4D8AAAAAAADgPwAAAAAAAOA/AAAAAAAA4D8AAAAAAADgPwAAAAAAAOA/AAAAAAAA4D8CAAAAjAAAAAAAAAAAAAAAu+DjDP///wgAAAAAAAAAAAAAAAAAAAAAAAAAAAAAAAAAAAAAZAAAAAEAAABAAAAAAAAAAAAAAAAAAAAAAAAAAAAAAAAAAAAAAAAAAAAAAAAAAAAAAAAAAAAAAAAAAAAAAAAAAAAAAAAAAAAAAAAAAAAAAAAAAAAAAAAAAAAAAAAAAAAAFAAAADwAAAABAAAAAAAAAFiE0wAoAAAAAQAAABQAAAAUAAAAFAAAAAEAAAAAAAAAZAAAAGQAAAAAAAAAZAAAAGQAAAAVAAAAYAAAAAAAAAAAAAAADwAAACADAAAAAAAAAAAAAAEAAACgMgAAVgcAAKr4//8BAAAAf39/AAEAAABkAAAAAAAAABQAAABAHwAAAAAAACYAAAAAAAAAwOD//wAAAAAmAAAAZAAAABYAAABMAAAAAAAAAAAAAAAEAAAAAAAAAAEAAACAgIAKAAAAACgAAAAoAAAAZAAAAGQAAAAAAAAAzMzMAAAAAABQAAAAUAAAAGQAAABkAAAAAAAAABcAAAAUAAAAAAAAAAAAAAD/fwAA/38AAAAAAAAJAAAABAAAAAAAAAAMAAAAEAAAAAAAAAAAAAAAAAAAAAAAAAAeAAAAaAAAAAAAAAAAAAAAAAAAAAAAAAAAAAAAECcAABAnAAAAAAAAAAAAAAAAAAAAAAAAAAAAAAAAAAAAAAAAAAAAABQAAAAAAAAAwMD/AAAAAABkAAAAMgAAAAAAAABkAAAAAAAAAH9/fwAKAAAAIgAAABgAAAAAAAAAAAAAAAAAAAAAAAAAAAAAAAAAAAAkAAAAJAAAAAAAAAAHAAAAAAAAAAAAAAAAAAAAAAAAAAAAAAAAAAAAf39/ACUAAABYAAAAAAAAAAAAAAAAAAAAAAAAAAAAAAAAAAAAAAAAAAAAAAAAAAAAAAAAAAAAAAA/AAAAAAAAAKCGAQAAAAAAAAAAAAAAAAAMAAAAAQAAAAAAAAAAAAAAAAAAAB8AAABUAAAAu+DjBf///wEAAAAAAAAAAAAAAAAAAAAAAAAAAAAAAAAAAAAAAAAAAFiE0wB/f38AgICAA8zMzADAwP8Af39/AAAAAAAAAAAAAAAAAAAAAAAAAAAAIQAAABgAAAAUAAAAvCUAACIYAAC8JQAAFSMAABAAAAAmAAAACAAAAP//////////MAAAABQAAAAAAAAAAAD//wAAAQAAAP//AAABAA=="/>
+                <pr:smNativeData xmlns:pr="smNativeData" xmlns="smNativeData" val="SMDATA_17_WnaBYRMAAAAlAAAADgAAAA8BAAAAkAAAAEgAAACQAAAASAAAAAAAAAAAAAAAAAAAAAEAAABQAAAAAAAAAAAA4D8AAAAAAADgPwAAAAAAAOA/AAAAAAAA4D8AAAAAAADgPwAAAAAAAOA/AAAAAAAA4D8AAAAAAADgPwAAAAAAAOA/AAAAAAAA4D8CAAAAjAAAAAAAAAAAAAAAu+DjDP///wgAAAAAAAAAAAAAAAAAAAAAAAAAAAAAAAAAAAAAZAAAAAEAAABAAAAAAAAAAAAAAAAAAAAAAAAAAAAAAAAAAAAAAAAAAAAAAAAAAAAAAAAAAAAAAAAAAAAAAAAAAAAAAAAAAAAAAAAAAAAAAAAAAAAAAAAAAAAAAAAAAAAAFAAAADwAAAABAAAAAAAAAFiE0wAoAAAAAQAAABQAAAAUAAAAFAAAAAEAAAAAAAAAZAAAAGQAAAAAAAAAZAAAAGQAAAAVAAAAYAAAAAAAAAAAAAAADwAAACADAAAAAAAAAAAAAAEAAACgMgAAVgcAAKr4//8BAAAAf39/AAEAAABkAAAAAAAAABQAAABAHwAAAAAAACYAAAAAAAAAwOD//wAAAAAmAAAAZAAAABYAAABMAAAAAAAAAAAAAAAEAAAAAAAAAAEAAACAgIAKAAAAACgAAAAoAAAAZAAAAGQAAAAAAAAAzMzMAAAAAABQAAAAUAAAAGQAAABkAAAAAAAAABcAAAAUAAAAAAAAAAAAAAD/fwAA/38AAAAAAAAJAAAABAAAAAAAAAAMAAAAEAAAAAAAAAAAAAAAAAAAAAAAAAAeAAAAaAAAAAAAAAAAAAAAAAAAAAAAAAAAAAAAECcAABAnAAAAAAAAAAAAAAAAAAAAAAAAAAAAAAAAAAAAAAAAAAAAABQAAAAAAAAAwMD/AAAAAABkAAAAMgAAAAAAAABkAAAAAAAAAH9/fwAKAAAAIgAAABgAAAAAAAAAAAAAAAAAAAAAAAAAAAAAAAAAAAAkAAAAJAAAAAAAAAAHAAAAAAAAAAAAAAAAAAAAAAAAAAAAAAAAAAAAf39/ACUAAABYAAAAAAAAAAAAAAAAAAAAAAAAAAAAAAAAAAAAAAAAAAAAAAAAAAAAAAAAAAAAAAA/AAAAAAAAAKCGAQAAAAAAAAAAAAAAAAAMAAAAAQAAAAAAAAAAAAAAAAAAAB8AAABUAAAAu+DjBf///wEAAAAAAAAAAAAAAAAAAAAAAAAAAAAAAAAAAAAAAAAAAFiE0wB/f38AgICAA8zMzADAwP8Af39/AAAAAAAAAAAAAAAAAAAAAAAAAAAAIQAAABgAAAAUAAAAsiUAACIYAAC8JQAAHyMAABAAAAAmAAAACAAAAP//////////MAAAABQAAAAAAAAAAAD//wAAAQAAAP//AAABAA=="/>
               </a:ext>
             </a:extLst>
           </p:cNvCxnSpPr>
@@ -7143,8 +7143,8 @@
         </p:nvCxnSpPr>
         <p:spPr>
           <a:xfrm rot="5400000">
-            <a:off x="5244465" y="4812665"/>
-            <a:ext cx="1779905" cy="12700"/>
+            <a:off x="5238115" y="4812665"/>
+            <a:ext cx="1786255" cy="6350"/>
           </a:xfrm>
           <a:prstGeom prst="bentConnector2">
             <a:avLst/>
@@ -7167,7 +7167,7 @@
           <p:cNvSpPr>
             <a:extLst>
               <a:ext uri="smNativeData">
-                <pr:smNativeData xmlns:pr="smNativeData" xmlns="smNativeData" val="SMDATA_17_MUmAYRMAAAAlAAAAggAAAA8BAAAAkAAAAEgAAACQAAAASAAAAAAAAAAAAAAAAAAAAAEAAABQAAAAQKUua7iN6j8AAAAAAADgPwAAAAAAAOA/AAAAAAAA4D8AAAAAAADgPwAAAAAAAOA/AAAAAAAA4D8AAAAAAADgPwAAAAAAAOA/AAAAAAAA4D8CAAAAjAAAAAAAAAAAAAAAu+DjDP///wgAAAAAAAAAAAAAAAAAAAAAAAAAAAAAAAAAAAAAZAAAAAEAAABAAAAAAAAAAAAAAAAAAAAAAAAAAAAAAAAAAAAAAAAAAAAAAAAAAAAAAAAAAAAAAAAAAAAAAAAAAAAAAAAAAAAAAAAAAAAAAAAAAAAAAAAAAAAAAAAAAAAAFAAAADwAAAABAAAAAAAAAFiE0wAoAAAAAQAAABQAAAAUAAAAFAAAAAEAAAAAAAAAZAAAAGQAAAAAAAAAZAAAAGQAAAAVAAAAYAAAAAAAAAAAAAAADwAAACADAAAAAAAAAAAAAAEAAACgMgAAVgcAAKr4//8BAAAAf39/AAEAAABkAAAAAAAAABQAAABAHwAAAAAAACYAAAAAAAAAwOD//wAAAAAmAAAAZAAAABYAAABMAAAAAAAAAAAAAAAEAAAAAAAAAAEAAACAgIAKAAAAACgAAAAoAAAAZAAAAGQAAAAAAAAAzMzMAAAAAABQAAAAUAAAAGQAAABkAAAAAAAAABcAAAAUAAAAAAAAAAAAAAD/fwAA/38AAAAAAAAJAAAABAAAAAAAAAQMAAAAEAAAAAAAAAAAAAAAAAAAAAAAAAAeAAAAaAAAAAAAAAAAAAAAAAAAAAAAAAAAAAAAECcAABAnAAAAAAAAAAAAAAAAAAAAAAAAAAAAAAAAAAAAAAAAAAAAABQAAAAAAAAAwMD/AAAAAABkAAAAMgAAAAAAAABkAAAAAAAAAH9/fwAKAAAAIgAAABgAAAAAAAAAAAAAAAAAAAAAAAAAAAAAAAAAAAAkAAAAJAAAAAAAAAAHAAAAAAAAAAAAAAAAAAAAAAAAAAAAAAAAAAAAf39/ACUAAABYAAAAAAAAAAAAAAAAAAAAAAAAAAAAAAAAAAAAAAAAAAAAAAAAAAAAAAAAAAAAAAA/AAAAAAAAAKCGAQAAAAAAAAAAAAAAAAAMAAAAAQAAAAAAAAAAAAAAAAAAAB8AAABUAAAAu+DjBf///wEAAAAAAAAAAAAAAAAAAAAAAAAAAAAAAAAAAAAAAAAAAFiE0wB/f38AgICAA8zMzADAwP8Af39/AAAAAAAAAAAAAAAAAAAAAAAAAAAAIQAAABgAAAAUAAAAYCoAAIkkAAAqPwAA3CUAABAAAAAmAAAACAAAAP//////////MAAAABQAAAAAAAAAAAD//wAAAQAAAP//AAABAA=="/>
+                <pr:smNativeData xmlns:pr="smNativeData" xmlns="smNativeData" val="SMDATA_17_WnaBYRMAAAAlAAAAggAAAA8BAAAAkAAAAEgAAACQAAAASAAAAAAAAAAAAAAAAAAAAAEAAABQAAAAQKUua7iN6j8AAAAAAADgPwAAAAAAAOA/AAAAAAAA4D8AAAAAAADgPwAAAAAAAOA/AAAAAAAA4D8AAAAAAADgPwAAAAAAAOA/AAAAAAAA4D8CAAAAjAAAAAAAAAAAAAAAu+DjDP///wgAAAAAAAAAAAAAAAAAAAAAAAAAAAAAAAAAAAAAZAAAAAEAAABAAAAAAAAAAAAAAAAAAAAAAAAAAAAAAAAAAAAAAAAAAAAAAAAAAAAAAAAAAAAAAAAAAAAAAAAAAAAAAAAAAAAAAAAAAAAAAAAAAAAAAAAAAAAAAAAAAAAAFAAAADwAAAABAAAAAAAAAFiE0wAoAAAAAQAAABQAAAAUAAAAFAAAAAEAAAAAAAAAZAAAAGQAAAAAAAAAZAAAAGQAAAAVAAAAYAAAAAAAAAAAAAAADwAAACADAAAAAAAAAAAAAAEAAACgMgAAVgcAAKr4//8BAAAAf39/AAEAAABkAAAAAAAAABQAAABAHwAAAAAAACYAAAAAAAAAwOD//wAAAAAmAAAAZAAAABYAAABMAAAAAAAAAAAAAAAEAAAAAAAAAAEAAACAgIAKAAAAACgAAAAoAAAAZAAAAGQAAAAAAAAAzMzMAAAAAABQAAAAUAAAAGQAAABkAAAAAAAAABcAAAAUAAAAAAAAAAAAAAD/fwAA/38AAAAAAAAJAAAABAAAAAAAAAQMAAAAEAAAAAAAAAAAAAAAAAAAAAAAAAAeAAAAaAAAAAAAAAAAAAAAAAAAAAAAAAAAAAAAECcAABAnAAAAAAAAAAAAAAAAAAAAAAAAAAAAAAAAAAAAAAAAAAAAABQAAAAAAAAAwMD/AAAAAABkAAAAMgAAAAAAAABkAAAAAAAAAH9/fwAKAAAAIgAAABgAAAAAAAAAAAAAAAAAAAAAAAAAAAAAAAAAAAAkAAAAJAAAAAAAAAAHAAAAAAAAAAAAAAAAAAAAAAAAAAAAAAAAAAAAf39/ACUAAABYAAAAAAAAAAAAAAAAAAAAAAAAAAAAAAAAAAAAAAAAAAAAAAAAAAAAAAAAAAAAAAA/AAAAAAAAAKCGAQAAAAAAAAAAAAAAAAAMAAAAAQAAAAAAAAAAAAAAAAAAAB8AAABUAAAAu+DjBf///wEAAAAAAAAAAAAAAAAAAAAAAAAAAAAAAAAAAAAAAAAAAFiE0wB/f38AgICAA8zMzADAwP8Af39/AAAAAAAAAAAAAAAAAAAAAAAAAAAAIQAAABgAAAAUAAAAYCoAAIkkAAAqPwAA3CUAABAAAAAmAAAACAAAAP//////////MAAAABQAAAAAAAAAAAD//wAAAQAAAP//AAABAA=="/>
               </a:ext>
             </a:extLst>
           </p:cNvSpPr>
@@ -7202,7 +7202,7 @@
           <p:cNvSpPr txBox="1">
             <a:extLst>
               <a:ext uri="smNativeData">
-                <pr:smNativeData xmlns:pr="smNativeData" xmlns="smNativeData" val="SMDATA_17_MUmAYRMAAAAlAAAAEgAAAE8BAAAAkAAAAEgAAACQAAAASAAAAAAAAAAAAAAAAAAAAAEAAABQAAAAAAAAAAAA4D8AAAAAAADgPwAAAAAAAOA/AAAAAAAA4D8AAAAAAADgPwAAAAAAAOA/AAAAAAAA4D8AAAAAAADgPwAAAAAAAOA/AAAAAAAA4D8CAAAAjAAAAAAAAAAAAAAAu+DjDP///wgAAAAAAAAAAAAAAAAAAAAAAAAAAAAAAAAAAAAAZAAAAAEAAABAAAAAAAAAAAAAAAAAAAAAAAAAAAAAAAAAAAAAAAAAAAAAAAAAAAAAAAAAAAAAAAAAAAAAAAAAAAAAAAAAAAAAAAAAAAAAAAAAAAAAAAAAAAAAAAAAAAAAFAAAADwAAAAAAAAAAAAAAAAAAAkUAAAAAQAAABQAAAAUAAAAFAAAAAEAAAAAAAAAZAAAAGQAAAAAAAAAZAAAAGQAAAAVAAAAYAAAAAAAAAAAAAAADwAAACADAAAAAAAAAAAAAAEAAACgMgAAVgcAAKr4//8BAAAAf39/AAEAAABkAAAAAAAAABQAAABAHwAAAAAAACYAAAAAAAAAwOD//wAAAAAmAAAAZAAAABYAAABMAAAAAAAAAAAAAAAEAAAAAAAAAAEAAACAgIAKAAAAACgAAAAoAAAAZAAAAGQAAAAAAAAAzMzMAAAAAABQAAAAUAAAAGQAAABkAAAAAAAAABcAAAAUAAAAAAAAAMQBAAD/fwAA/38AAAAAAAAJAAAABAAAAKCvawoMAAAAEAAAAAAAAAAAAAAAAAAAAAAAAAAeAAAAaAAAAAAAAAAAAAAAAAAAAAAAAAAAAAAAECcAABAnAAAAAAAAAAAAAAAAAAAAAAAAAAAAAAAAAAAAAAAAAAAAABQAAAAAAAAAwMD/AAAAAABkAAAAMgAAAAAAAABkAAAAAAAAAH9/fwAKAAAAIgAAABgAAAAAAAAAAAAAAAAAAAAAAAAAAAAAAAAAAAAkAAAAJAAAAAAAAAAHAAAAAAAAAAAAAAAAAAAAAAAAAAAAAAAAAAAAf39/ACUAAABYAAAAAAAAAAAAAAAAAAAAAAAAAAAAAAAAAAAAAAAAAAAAAAAAAAAAAAAAAAAAAAA/AAAAAAAAAKCGAQAAAAAAAAAAAAAAAAAMAAAAAQAAAAAAAAAAAAAAAAAAAB8AAABUAAAAu+DjBf///wEAAAAAAAAAAAAAAAAAAAAAAAAAAAAAAAAAAAAAAAAAAAAAAAJ/f38AgICAA8zMzADAwP8Af39/AAAAAAAAAAAAAAAAAAAAAAAAAAAAIQAAABgAAAAUAAAA2yMAANwlAADcRAAAzCkAABAgAAAmAAAACAAAAP//////////MAAAABQAAAAAAAAAAAD//wAAAQAAAP//AAABAA=="/>
+                <pr:smNativeData xmlns:pr="smNativeData" xmlns="smNativeData" val="SMDATA_17_WnaBYRMAAAAlAAAAEgAAAE8BAAAAkAAAAEgAAACQAAAASAAAAAAAAAAAAAAAAAAAAAEAAABQAAAAAAAAAAAA4D8AAAAAAADgPwAAAAAAAOA/AAAAAAAA4D8AAAAAAADgPwAAAAAAAOA/AAAAAAAA4D8AAAAAAADgPwAAAAAAAOA/AAAAAAAA4D8CAAAAjAAAAAAAAAAAAAAAu+DjDP///wgAAAAAAAAAAAAAAAAAAAAAAAAAAAAAAAAAAAAAZAAAAAEAAABAAAAAAAAAAAAAAAAAAAAAAAAAAAAAAAAAAAAAAAAAAAAAAAAAAAAAAAAAAAAAAAAAAAAAAAAAAAAAAAAAAAAAAAAAAAAAAAAAAAAAAAAAAAAAAAAAAAAAFAAAADwAAAAAAAAAAAAAAAAAAAkUAAAAAQAAABQAAAAUAAAAFAAAAAEAAAAAAAAAZAAAAGQAAAAAAAAAZAAAAGQAAAAVAAAAYAAAAAAAAAAAAAAADwAAACADAAAAAAAAAAAAAAEAAACgMgAAVgcAAKr4//8BAAAAf39/AAEAAABkAAAAAAAAABQAAABAHwAAAAAAACYAAAAAAAAAwOD//wAAAAAmAAAAZAAAABYAAABMAAAAAAAAAAAAAAAEAAAAAAAAAAEAAACAgIAKAAAAACgAAAAoAAAAZAAAAGQAAAAAAAAAzMzMAAAAAABQAAAAUAAAAGQAAABkAAAAAAAAABcAAAAUAAAAAAAAAMQBAAD/fwAA/38AAAAAAAAJAAAABAAAAKCvawoMAAAAEAAAAAAAAAAAAAAAAAAAAAAAAAAeAAAAaAAAAAAAAAAAAAAAAAAAAAAAAAAAAAAAECcAABAnAAAAAAAAAAAAAAAAAAAAAAAAAAAAAAAAAAAAAAAAAAAAABQAAAAAAAAAwMD/AAAAAABkAAAAMgAAAAAAAABkAAAAAAAAAH9/fwAKAAAAIgAAABgAAAAAAAAAAAAAAAAAAAAAAAAAAAAAAAAAAAAkAAAAJAAAAAAAAAAHAAAAAAAAAAAAAAAAAAAAAAAAAAAAAAAAAAAAf39/ACUAAABYAAAAAAAAAAAAAAAAAAAAAAAAAAAAAAAAAAAAAAAAAAAAAAAAAAAAAAAAAAAAAAA/AAAAAAAAAKCGAQAAAAAAAAAAAAAAAAAMAAAAAQAAAAAAAAAAAAAAAAAAAB8AAABUAAAAu+DjBf///wEAAAAAAAAAAAAAAAAAAAAAAAAAAAAAAAAAAAAAAAAAAAAAAAJ/f38AgICAA8zMzADAwP8Af39/AAAAAAAAAAAAAAAAAAAAAAAAAAAAIQAAABgAAAAUAAAA2yMAANwlAADcRAAAzCkAABAgAAAmAAAACAAAAP//////////MAAAABQAAAAAAAAAAAD//wAAAQAAAP//AAABAA=="/>
               </a:ext>
             </a:extLst>
           </p:cNvSpPr>
@@ -7245,7 +7245,7 @@
           <p:cNvSpPr>
             <a:extLst>
               <a:ext uri="smNativeData">
-                <pr:smNativeData xmlns:pr="smNativeData" xmlns="smNativeData" val="SMDATA_17_MUmAYRMAAAAlAAAAggAAAA8BAAAAkAAAAEgAAACQAAAASAAAAAAAAAAAAAAAAAAAAAEAAABQAAAAAAAAAAAAAAAAAAAAAADgPwAAAAAAAOA/AAAAAAAA4D8AAAAAAADgPwAAAAAAAOA/AAAAAAAA4D8AAAAAAADgPwAAAAAAAOA/AAAAAAAA4D8CAAAAjAAAAAAAAAAAAAAAu+DjDP///wgAAAAAAAAAAAAAAAAAAAAAAAAAAAAAAAAAAAAAZAAAAAEAAABAAAAAAAAAAAAAAAAAAAAAAAAAAAAAAAAAAAAAAAAAAAAAAAAAAAAAAAAAAAAAAAAAAAAAAAAAAAAAAAAAAAAAAAAAAAAAAAAAAAAAAAAAAAAAAAAAAAAAFAAAADwAAAABAAAAAAAAAFiE0wAoAAAAAQAAABQAAAAUAAAAFAAAAAEAAAAAAAAAZAAAAGQAAAAAAAAAZAAAAGQAAAAVAAAAYAAAAAAAAAAAAAAADwAAACADAAAAAAAAAAAAAAEAAACgMgAAVgcAAKr4//8BAAAAf39/AAEAAABkAAAAAAAAABQAAABAHwAAAAAAACYAAAAAAAAAwOD//wAAAAAmAAAAZAAAABYAAABMAAAAAAAAAAAAAAAEAAAAAAAAAAEAAACAgIAKAAAAACgAAAAoAAAAZAAAAGQAAAAAAAAAzMzMAAAAAABQAAAAUAAAAGQAAABkAAAAAAAAABcAAAAUAAAAAAAAAAAAAAD/fwAA/38AAAAAAAAJAAAABAAAAJpHCgAMAAAAEAAAAAAAAAAAAAAAAAAAAAAAAAAeAAAAaAAAAAAAAAAAAAAAAAAAAAAAAAAAAAAAECcAABAnAAAAAAAAAAAAAAAAAAAAAAAAAAAAAAAAAAAAAAAAAAAAABQAAAAAAAAAwMD/AAAAAABkAAAAMgAAAAAAAABkAAAAAAAAAH9/fwAKAAAAIgAAABgAAAAAAAAAAAAAAAAAAAAAAAAAAAAAAAAAAAAkAAAAJAAAAAAAAAAHAAAAAAAAAAAAAAAAAAAAAAAAAAAAAAAAAAAAf39/ACUAAABYAAAAAAAAAAAAAAAAAAAAAAAAAAAAAAAAAAAAAAAAAAAAAAAAAAAAAAAAAAAAAAA/AAAAAAAAAKCGAQAAAAAAAAAAAAAAAAAMAAAAAQAAAAAAAAAAAAAAAAAAAB8AAABUAAAAu+DjBf///wEAAAAAAAAAAAAAAAAAAAAAAAAAAAAAAAAAAAAAAAAAAFiE0wB/f38AgICAA8zMzADAwP8Af39/AAAAAAAAAAAAAAAAAAAAAAAAAAAAIQAAABgAAAAUAAAACxoAAM8WAAClHAAAIhgAABAAAAAmAAAACAAAAP//////////MAAAABQAAAAAAAAAAAD//wAAAQAAAP//AAABAA=="/>
+                <pr:smNativeData xmlns:pr="smNativeData" xmlns="smNativeData" val="SMDATA_17_WnaBYRMAAAAlAAAAggAAAA8BAAAAkAAAAEgAAACQAAAASAAAAAAAAAAAAAAAAAAAAAEAAABQAAAAAAAAAAAAAAAAAAAAAADgPwAAAAAAAOA/AAAAAAAA4D8AAAAAAADgPwAAAAAAAOA/AAAAAAAA4D8AAAAAAADgPwAAAAAAAOA/AAAAAAAA4D8CAAAAjAAAAAAAAAAAAAAAu+DjDP///wgAAAAAAAAAAAAAAAAAAAAAAAAAAAAAAAAAAAAAZAAAAAEAAABAAAAAAAAAAAAAAAAAAAAAAAAAAAAAAAAAAAAAAAAAAAAAAAAAAAAAAAAAAAAAAAAAAAAAAAAAAAAAAAAAAAAAAAAAAAAAAAAAAAAAAAAAAAAAAAAAAAAAFAAAADwAAAABAAAAAAAAAFiE0wAoAAAAAQAAABQAAAAUAAAAFAAAAAEAAAAAAAAAZAAAAGQAAAAAAAAAZAAAAGQAAAAVAAAAYAAAAAAAAAAAAAAADwAAACADAAAAAAAAAAAAAAEAAACgMgAAVgcAAKr4//8BAAAAf39/AAEAAABkAAAAAAAAABQAAABAHwAAAAAAACYAAAAAAAAAwOD//wAAAAAmAAAAZAAAABYAAABMAAAAAAAAAAAAAAAEAAAAAAAAAAEAAACAgIAKAAAAACgAAAAoAAAAZAAAAGQAAAAAAAAAzMzMAAAAAABQAAAAUAAAAGQAAABkAAAAAAAAABcAAAAUAAAAAAAAAAAAAAD/fwAA/38AAAAAAAAJAAAABAAAAJpHCgAMAAAAEAAAAAAAAAAAAAAAAAAAAAAAAAAeAAAAaAAAAAAAAAAAAAAAAAAAAAAAAAAAAAAAECcAABAnAAAAAAAAAAAAAAAAAAAAAAAAAAAAAAAAAAAAAAAAAAAAABQAAAAAAAAAwMD/AAAAAABkAAAAMgAAAAAAAABkAAAAAAAAAH9/fwAKAAAAIgAAABgAAAAAAAAAAAAAAAAAAAAAAAAAAAAAAAAAAAAkAAAAJAAAAAAAAAAHAAAAAAAAAAAAAAAAAAAAAAAAAAAAAAAAAAAAf39/ACUAAABYAAAAAAAAAAAAAAAAAAAAAAAAAAAAAAAAAAAAAAAAAAAAAAAAAAAAAAAAAAAAAAA/AAAAAAAAAKCGAQAAAAAAAAAAAAAAAAAMAAAAAQAAAAAAAAAAAAAAAAAAAB8AAABUAAAAu+DjBf///wEAAAAAAAAAAAAAAAAAAAAAAAAAAAAAAAAAAAAAAAAAAFiE0wB/f38AgICAA8zMzADAwP8Af39/AAAAAAAAAAAAAAAAAAAAAAAAAAAAIQAAABgAAAAUAAAACxoAAM8WAAClHAAAIhgAABAAAAAmAAAACAAAAP//////////MAAAABQAAAAAAAAAAAD//wAAAQAAAP//AAABAA=="/>
               </a:ext>
             </a:extLst>
           </p:cNvSpPr>
@@ -7280,7 +7280,7 @@
           <p:cNvSpPr txBox="1">
             <a:extLst>
               <a:ext uri="smNativeData">
-                <pr:smNativeData xmlns:pr="smNativeData" xmlns="smNativeData" val="SMDATA_17_MUmAYRMAAAAlAAAAEgAAAE8BAAAAkAAAAEgAAACQAAAASAAAAAAAAAAAAAAAAAAAAAEAAABQAAAAAAAAAAAA4D8AAAAAAADgPwAAAAAAAOA/AAAAAAAA4D8AAAAAAADgPwAAAAAAAOA/AAAAAAAA4D8AAAAAAADgPwAAAAAAAOA/AAAAAAAA4D8CAAAAjAAAAAAAAAAAAAAAu+DjDP///wgAAAAAAAAAAAAAAAAAAAAAAAAAAAAAAAAAAAAAZAAAAAEAAABAAAAAAAAAAAAAAAAAAAAAAAAAAAAAAAAAAAAAAAAAAAAAAAAAAAAAAAAAAAAAAAAAAAAAAAAAAAAAAAAAAAAAAAAAAAAAAAAAAAAAAAAAAAAAAAAAAAAAFAAAADwAAAAAAAAAAAAAAAAAAAkUAAAAAQAAABQAAAAUAAAAFAAAAAEAAAAAAAAAZAAAAGQAAAAAAAAAZAAAAGQAAAAVAAAAYAAAAAAAAAAAAAAADwAAACADAAAAAAAAAAAAAAEAAACgMgAAVgcAAKr4//8BAAAAf39/AAEAAABkAAAAAAAAABQAAABAHwAAAAAAACYAAAAAAAAAwOD//wAAAAAmAAAAZAAAABYAAABMAAAAAAAAAAAAAAAEAAAAAAAAAAEAAACAgIAKAAAAACgAAAAoAAAAZAAAAGQAAAAAAAAAzMzMAAAAAABQAAAAUAAAAGQAAABkAAAAAAAAABcAAAAUAAAAAAAAAMQBAAD/fwAA/38AAAAAAAAJAAAABAAAAAAAAAAMAAAAEAAAAAAAAAAAAAAAAAAAAAAAAAAeAAAAaAAAAAAAAAAAAAAAAAAAAAAAAAAAAAAAECcAABAnAAAAAAAAAAAAAAAAAAAAAAAAAAAAAAAAAAAAAAAAAAAAABQAAAAAAAAAwMD/AAAAAABkAAAAMgAAAAAAAABkAAAAAAAAAH9/fwAKAAAAIgAAABgAAAAAAAAAAAAAAAAAAAAAAAAAAAAAAAAAAAAkAAAAJAAAAAAAAAAHAAAAAAAAAAAAAAAAAAAAAAAAAAAAAAAAAAAAf39/ACUAAABYAAAAAAAAAAAAAAAAAAAAAAAAAAAAAAAAAAAAAAAAAAAAAAAAAAAAAAAAAAAAAAA/AAAAAAAAAKCGAQAAAAAAAAAAAAAAAAAMAAAAAQAAAAAAAAAAAAAAAAAAAB8AAABUAAAAu+DjBf///wEAAAAAAAAAAAAAAAAAAAAAAAAAAAAAAAAAAAAAAAAAAAAAAAJ/f38AgICAA8zMzADAwP8Af39/AAAAAAAAAAAAAAAAAAAAAAAAAAAAIQAAABgAAAAUAAAAYwgAAGslAAALGgAAUygAABAgAAAmAAAACAAAAP//////////MAAAABQAAAAAAAAAAAD//wAAAQAAAP//AAABAA=="/>
+                <pr:smNativeData xmlns:pr="smNativeData" xmlns="smNativeData" val="SMDATA_17_WnaBYRMAAAAlAAAAEgAAAE8BAAAAkAAAAEgAAACQAAAASAAAAAAAAAAAAAAAAAAAAAEAAABQAAAAAAAAAAAA4D8AAAAAAADgPwAAAAAAAOA/AAAAAAAA4D8AAAAAAADgPwAAAAAAAOA/AAAAAAAA4D8AAAAAAADgPwAAAAAAAOA/AAAAAAAA4D8CAAAAjAAAAAAAAAAAAAAAu+DjDP///wgAAAAAAAAAAAAAAAAAAAAAAAAAAAAAAAAAAAAAZAAAAAEAAABAAAAAAAAAAAAAAAAAAAAAAAAAAAAAAAAAAAAAAAAAAAAAAAAAAAAAAAAAAAAAAAAAAAAAAAAAAAAAAAAAAAAAAAAAAAAAAAAAAAAAAAAAAAAAAAAAAAAAFAAAADwAAAAAAAAAAAAAAAAAAAkUAAAAAQAAABQAAAAUAAAAFAAAAAEAAAAAAAAAZAAAAGQAAAAAAAAAZAAAAGQAAAAVAAAAYAAAAAAAAAAAAAAADwAAACADAAAAAAAAAAAAAAEAAACgMgAAVgcAAKr4//8BAAAAf39/AAEAAABkAAAAAAAAABQAAABAHwAAAAAAACYAAAAAAAAAwOD//wAAAAAmAAAAZAAAABYAAABMAAAAAAAAAAAAAAAEAAAAAAAAAAEAAACAgIAKAAAAACgAAAAoAAAAZAAAAGQAAAAAAAAAzMzMAAAAAABQAAAAUAAAAGQAAABkAAAAAAAAABcAAAAUAAAAAAAAAMQBAAD/fwAA/38AAAAAAAAJAAAABAAAAAAAAAAMAAAAEAAAAAAAAAAAAAAAAAAAAAAAAAAeAAAAaAAAAAAAAAAAAAAAAAAAAAAAAAAAAAAAECcAABAnAAAAAAAAAAAAAAAAAAAAAAAAAAAAAAAAAAAAAAAAAAAAABQAAAAAAAAAwMD/AAAAAABkAAAAMgAAAAAAAABkAAAAAAAAAH9/fwAKAAAAIgAAABgAAAAAAAAAAAAAAAAAAAAAAAAAAAAAAAAAAAAkAAAAJAAAAAAAAAAHAAAAAAAAAAAAAAAAAAAAAAAAAAAAAAAAAAAAf39/ACUAAABYAAAAAAAAAAAAAAAAAAAAAAAAAAAAAAAAAAAAAAAAAAAAAAAAAAAAAAAAAAAAAAA/AAAAAAAAAKCGAQAAAAAAAAAAAAAAAAAMAAAAAQAAAAAAAAAAAAAAAAAAAB8AAABUAAAAu+DjBf///wEAAAAAAAAAAAAAAAAAAAAAAAAAAAAAAAAAAAAAAAAAAAAAAAJ/f38AgICAA8zMzADAwP8Af39/AAAAAAAAAAAAAAAAAAAAAAAAAAAAIQAAABgAAAAUAAAAYwgAAGslAAALGgAAUygAABAgAAAmAAAACAAAAP//////////MAAAABQAAAAAAAAAAAD//wAAAQAAAP//AAABAA=="/>
               </a:ext>
             </a:extLst>
           </p:cNvSpPr>
@@ -7333,7 +7333,7 @@
             <a:endCxn id="15" idx="3"/>
             <a:extLst>
               <a:ext uri="smNativeData">
-                <pr:smNativeData xmlns:pr="smNativeData" xmlns="smNativeData" val="SMDATA_17_MUmAYRMAAAAlAAAADgAAAA8BAAAAkAAAAEgAAACQAAAASAAAAAAAAAAAAAAAAAAAAAEAAABQAAAAAAAAAAAA4D8AAAAAAADgPwAAAAAAAOA/AAAAAAAA4D8AAAAAAADgPwAAAAAAAOA/AAAAAAAA4D8AAAAAAADgPwAAAAAAAOA/AAAAAAAA4D8CAAAAjAAAAAAAAAAAAAAAu+DjDP///wgAAAAAAAAAAAAAAAAAAAAAAAAAAAAAAAAAAAAAZAAAAAEAAABAAAAAAAAAAAAAAAAAAAAAAAAAAAAAAAAAAAAAAAAAAAAAAAAAAAAAAAAAAAAAAAAAAAAAAAAAAAAAAAAAAAAAAAAAAAAAAAAAAAAAAAAAAAAAAAAAAAAAFAAAADwAAAABAAAAAAAAAFiE0wAoAAAAAQAAABQAAAAUAAAAFAAAAAEAAAAAAAAAZAAAAGQAAAAAAAAAZAAAAGQAAAAVAAAAYAAAAAAAAAAAAAAADwAAACADAAAAAAAAAAAAAAEAAACgMgAAVgcAAKr4//8BAAAAf39/AAEAAABkAAAAAAAAABQAAABAHwAAAAAAACYAAAAAAAAAwOD//wAAAAAmAAAAZAAAABYAAABMAAAAAAAAAAAAAAAEAAAAAAAAAAEAAACAgIAKAAAAACgAAAAoAAAAZAAAAGQAAAAAAAAAzMzMAAAAAABQAAAAUAAAAGQAAABkAAAAAAAAABcAAAAUAAAAAAAAAAAAAAD/fwAA/38AAAAAAAAJAAAABAAAACjuTkYMAAAAEAAAAAAAAAAAAAAAAAAAAAAAAAAeAAAAaAAAAAAAAAAAAAAAAAAAAAAAAAAAAAAAECcAABAnAAAAAAAAAAAAAAAAAAAAAAAAAAAAAAAAAAAAAAAAAAAAABQAAAAAAAAAwMD/AAAAAABkAAAAMgAAAAAAAABkAAAAAAAAAH9/fwAKAAAAIgAAABgAAAAAAAAAAAAAAAAAAAAAAAAAAAAAAAAAAAAkAAAAJAAAAAAAAAAHAAAAAAAAAAAAAAAAAAAAAAAAAAAAAAAAAAAAf39/ACUAAABYAAAAAAAAAAAAAAAAAAAAAAAAAAAAAAAAAAAAAAAAAAAAAAAAAAAAAAAAAAAAAAA/AAAAAAAAAKCGAQAAAAAAAAAAAAAAAAAMAAAAAQAAAAAAAAAAAAAAAAAAAB8AAABUAAAAu+DjBf///wEAAAAAAAAAAAAAAAAAAAAAAAAAAAAAAAAAAAAAAAAAAFiE0wB/f38AgICAA8zMzADAwP8Af39/AAAAAAAAAAAAAAAAAAAAAAAAAAAAIQAAABgAAAAUAAAACxoAACIYAABYGwAA3yYAABAAAAAmAAAACAAAAP//////////MAAAABQAAAAAAAAAAAD//wAAAQAAAP//AAABAA=="/>
+                <pr:smNativeData xmlns:pr="smNativeData" xmlns="smNativeData" val="SMDATA_17_WnaBYRMAAAAlAAAADgAAAA8BAAAAkAAAAEgAAACQAAAASAAAAAAAAAAAAAAAAAAAAAEAAABQAAAAAAAAAAAA4D8AAAAAAADgPwAAAAAAAOA/AAAAAAAA4D8AAAAAAADgPwAAAAAAAOA/AAAAAAAA4D8AAAAAAADgPwAAAAAAAOA/AAAAAAAA4D8CAAAAjAAAAAAAAAAAAAAAu+DjDP///wgAAAAAAAAAAAAAAAAAAAAAAAAAAAAAAAAAAAAAZAAAAAEAAABAAAAAAAAAAAAAAAAAAAAAAAAAAAAAAAAAAAAAAAAAAAAAAAAAAAAAAAAAAAAAAAAAAAAAAAAAAAAAAAAAAAAAAAAAAAAAAAAAAAAAAAAAAAAAAAAAAAAAFAAAADwAAAABAAAAAAAAAFiE0wAoAAAAAQAAABQAAAAUAAAAFAAAAAEAAAAAAAAAZAAAAGQAAAAAAAAAZAAAAGQAAAAVAAAAYAAAAAAAAAAAAAAADwAAACADAAAAAAAAAAAAAAEAAACgMgAAVgcAAKr4//8BAAAAf39/AAEAAABkAAAAAAAAABQAAABAHwAAAAAAACYAAAAAAAAAwOD//wAAAAAmAAAAZAAAABYAAABMAAAAAAAAAAAAAAAEAAAAAAAAAAEAAACAgIAKAAAAACgAAAAoAAAAZAAAAGQAAAAAAAAAzMzMAAAAAABQAAAAUAAAAGQAAABkAAAAAAAAABcAAAAUAAAAAAAAAAAAAAD/fwAA/38AAAAAAAAJAAAABAAAACjuTkYMAAAAEAAAAAAAAAAAAAAAAAAAAAAAAAAeAAAAaAAAAAAAAAAAAAAAAAAAAAAAAAAAAAAAECcAABAnAAAAAAAAAAAAAAAAAAAAAAAAAAAAAAAAAAAAAAAAAAAAABQAAAAAAAAAwMD/AAAAAABkAAAAMgAAAAAAAABkAAAAAAAAAH9/fwAKAAAAIgAAABgAAAAAAAAAAAAAAAAAAAAAAAAAAAAAAAAAAAAkAAAAJAAAAAAAAAAHAAAAAAAAAAAAAAAAAAAAAAAAAAAAAAAAAAAAf39/ACUAAABYAAAAAAAAAAAAAAAAAAAAAAAAAAAAAAAAAAAAAAAAAAAAAAAAAAAAAAAAAAAAAAA/AAAAAAAAAKCGAQAAAAAAAAAAAAAAAAAMAAAAAQAAAAAAAAAAAAAAAAAAAB8AAABUAAAAu+DjBf///wEAAAAAAAAAAAAAAAAAAAAAAAAAAAAAAAAAAAAAAAAAAFiE0wB/f38AgICAA8zMzADAwP8Af39/AAAAAAAAAAAAAAAAAAAAAAAAAAAAIQAAABgAAAAUAAAACxoAACIYAABYGwAA3yYAABAAAAAmAAAACAAAAP//////////MAAAABQAAAAAAAAAAAD//wAAAQAAAP//AAABAA=="/>
               </a:ext>
             </a:extLst>
           </p:cNvCxnSpPr>
@@ -7365,7 +7365,7 @@
           <p:cNvSpPr txBox="1">
             <a:extLst>
               <a:ext uri="smNativeData">
-                <pr:smNativeData xmlns:pr="smNativeData" xmlns="smNativeData" val="SMDATA_17_MUmAYRMAAAAlAAAAEgAAAE8BAAAAkAAAAEgAAACQAAAASAAAAAAAAAAAAAAAAAAAAAEAAABQAAAAAAAAAAAA4D8AAAAAAADgPwAAAAAAAOA/AAAAAAAA4D8AAAAAAADgPwAAAAAAAOA/AAAAAAAA4D8AAAAAAADgPwAAAAAAAOA/AAAAAAAA4D8CAAAAjAAAAAAAAAAAAAAAu+DjDP///wgAAAAAAAAAAAAAAAAAAAAAAAAAAAAAAAAAAAAAZAAAAAEAAABAAAAAAAAAAAAAAAAAAAAAAAAAAAAAAAAAAAAAAAAAAAAAAAAAAAAAAAAAAAAAAAAAAAAAAAAAAAAAAAAAAAAAAAAAAAAAAAAAAAAAAAAAAAAAAAAAAAAAFAAAADwAAAAAAAAAAAAAAAAAAAkUAAAAAQAAABQAAAAUAAAAFAAAAAEAAAAAAAAAZAAAAGQAAAAAAAAAZAAAAGQAAAAVAAAAYAAAAAAAAAAAAAAADwAAACADAAAAAAAAAAAAAAEAAACgMgAAVgcAAKr4//8BAAAAf39/AAEAAABkAAAAAAAAABQAAABAHwAAAAAAACYAAAAAAAAAwOD//wAAAAAmAAAAZAAAABYAAABMAAAAAAAAAAAAAAAEAAAAAAAAAAEAAACAgIAKAAAAACgAAAAoAAAAZAAAAGQAAAAAAAAAzMzMAAAAAABQAAAAUAAAAGQAAABkAAAAAAAAABcAAAAUAAAAAAAAABcDAAD/fwAA/38AAAAAAAAJAAAABAAAACjuTkYMAAAAEAAAAAAAAAAAAAAAAAAAAAAAAAAeAAAAaAAAAAAAAAAAAAAAAAAAAAAAAAAAAAAAECcAABAnAAAAAAAAAAAAAAAAAAAAAAAAAAAAAAAAAAAAAAAAAAAAABQAAAAAAAAAwMD/AAAAAABkAAAAMgAAAAAAAABkAAAAAAAAAH9/fwAKAAAAIgAAABgAAAAAAAAAAAAAAAAAAAAAAAAAAAAAAAAAAAAkAAAAJAAAAAAAAAAHAAAAAAAAAAAAAAAAAAAAAAAAAAAAAAAAAAAAf39/ACUAAABYAAAAAAAAAAAAAAAAAAAAAAAAAAAAAAAAAAAAAAAAAAAAAAAAAAAAAAAAAAAAAAA/AAAAAAAAAKCGAQAAAAAAAAAAAAAAAAAMAAAAAQAAAAAAAAAAAAAAAAAAAB8AAABUAAAAu+DjBf///wEAAAAAAAAAAAAAAAAAAAAAAAAAAAAAAAAAAAAAAAAAAAAAAAJ/f38AgICAA8zMzADAwP8Af39/AAAAAAAAAAAAAAAAAAAAAAAAAAAAIQAAABgAAAAUAAAAUAcAAFwMAABWPgAARA8AABAgAAAmAAAACAAAAP//////////MAAAABQAAAAAAAAAAAD//wAAAQAAAP//AAABAA=="/>
+                <pr:smNativeData xmlns:pr="smNativeData" xmlns="smNativeData" val="SMDATA_17_WnaBYRMAAAAlAAAAEgAAAE8BAAAAkAAAAEgAAACQAAAASAAAAAAAAAAAAAAAAAAAAAEAAABQAAAAAAAAAAAA4D8AAAAAAADgPwAAAAAAAOA/AAAAAAAA4D8AAAAAAADgPwAAAAAAAOA/AAAAAAAA4D8AAAAAAADgPwAAAAAAAOA/AAAAAAAA4D8CAAAAjAAAAAAAAAAAAAAAu+DjDP///wgAAAAAAAAAAAAAAAAAAAAAAAAAAAAAAAAAAAAAZAAAAAEAAABAAAAAAAAAAAAAAAAAAAAAAAAAAAAAAAAAAAAAAAAAAAAAAAAAAAAAAAAAAAAAAAAAAAAAAAAAAAAAAAAAAAAAAAAAAAAAAAAAAAAAAAAAAAAAAAAAAAAAFAAAADwAAAAAAAAAAAAAAAAAAAkUAAAAAQAAABQAAAAUAAAAFAAAAAEAAAAAAAAAZAAAAGQAAAAAAAAAZAAAAGQAAAAVAAAAYAAAAAAAAAAAAAAADwAAACADAAAAAAAAAAAAAAEAAACgMgAAVgcAAKr4//8BAAAAf39/AAEAAABkAAAAAAAAABQAAABAHwAAAAAAACYAAAAAAAAAwOD//wAAAAAmAAAAZAAAABYAAABMAAAAAAAAAAAAAAAEAAAAAAAAAAEAAACAgIAKAAAAACgAAAAoAAAAZAAAAGQAAAAAAAAAzMzMAAAAAABQAAAAUAAAAGQAAABkAAAAAAAAABcAAAAUAAAAAAAAABcDAAD/fwAA/38AAAAAAAAJAAAABAAAACjuTkYMAAAAEAAAAAAAAAAAAAAAAAAAAAAAAAAeAAAAaAAAAAAAAAAAAAAAAAAAAAAAAAAAAAAAECcAABAnAAAAAAAAAAAAAAAAAAAAAAAAAAAAAAAAAAAAAAAAAAAAABQAAAAAAAAAwMD/AAAAAABkAAAAMgAAAAAAAABkAAAAAAAAAH9/fwAKAAAAIgAAABgAAAAAAAAAAAAAAAAAAAAAAAAAAAAAAAAAAAAkAAAAJAAAAAAAAAAHAAAAAAAAAAAAAAAAAAAAAAAAAAAAAAAAAAAAf39/ACUAAABYAAAAAAAAAAAAAAAAAAAAAAAAAAAAAAAAAAAAAAAAAAAAAAAAAAAAAAAAAAAAAAA/AAAAAAAAAKCGAQAAAAAAAAAAAAAAAAAMAAAAAQAAAAAAAAAAAAAAAAAAAB8AAABUAAAAu+DjBf///wEAAAAAAAAAAAAAAAAAAAAAAAAAAAAAAAAAAAAAAAAAAAAAAAJ/f38AgICAA8zMzADAwP8Af39/AAAAAAAAAAAAAAAAAAAAAAAAAAAAIQAAABgAAAAUAAAAUAcAAFwMAABWPgAARA8AABAgAAAmAAAACAAAAP//////////MAAAABQAAAAAAAAAAAD//wAAAQAAAP//AAABAA=="/>
               </a:ext>
             </a:extLst>
           </p:cNvSpPr>
@@ -7390,7 +7390,7 @@
           <a:lstStyle/>
           <a:p>
             <a:pPr>
-              <a:defRPr sz="2500" spc="3">
+              <a:defRPr sz="2500">
                 <a:latin typeface="Liberation Mono" pitchFamily="1" charset="0"/>
                 <a:ea typeface="Liberation Mono" pitchFamily="1" charset="0"/>
                 <a:cs typeface="Liberation Mono" pitchFamily="1" charset="0"/>
@@ -7408,7 +7408,7 @@
           <p:cNvSpPr>
             <a:extLst>
               <a:ext uri="smNativeData">
-                <pr:smNativeData xmlns:pr="smNativeData" xmlns="smNativeData" val="SMDATA_17_MUmAYRMAAAAlAAAAggAAAA8BAAAAkAAAAEgAAACQAAAASAAAAAAAAAAAAAAAAAAAAAEAAABQAAAAHoXrUbge5T8AAAAAAADgPwAAAAAAAOA/AAAAAAAA4D8AAAAAAADgPwAAAAAAAOA/AAAAAAAA4D8AAAAAAADgPwAAAAAAAOA/AAAAAAAA4D8CAAAAjAAAAAAAAAAAAAAAu+DjDP///wgAAAAAAAAAAAAAAAAAAAAAAAAAAAAAAAAAAAAAZAAAAAEAAABAAAAAAAAAAAAAAAAAAAAAAAAAAAAAAAAAAAAAAAAAAAAAAAAAAAAAAAAAAAAAAAAAAAAAAAAAAAAAAAAAAAAAAAAAAAAAAAAAAAAAAAAAAAAAAAAAAAAAFAAAADwAAAABAAAAAAAAAFiE0wAoAAAAAQAAABQAAAAUAAAAFAAAAAEAAAAAAAAAZAAAAGQAAAAAAAAAZAAAAGQAAAAVAAAAYAAAAAAAAAAAAAAADwAAACADAAAAAAAAAAAAAAEAAACgMgAAVgcAAKr4//8BAAAAf39/AAEAAABkAAAAAAAAABQAAABAHwAAAAAAACYAAAAAAAAAwOD//wAAAAAmAAAAZAAAABYAAABMAAAAAAAAAAAAAAAEAAAAAAAAAAEAAACAgIAKAAAAACgAAAAoAAAAZAAAAGQAAAAAAAAAzMzMAAAAAABQAAAAUAAAAGQAAABkAAAAAAAAABcAAAAUAAAAAAAAAAAAAAD/fwAA/38AAAAAAAAJAAAABAAAACjuTkYMAAAAEAAAAAAAAAAAAAAAAAAAAAAAAAAeAAAAaAAAAAAAAAAAAAAAAAAAAAAAAAAAAAAAECcAABAnAAAAAAAAAAAAAAAAAAAAAAAAAAAAAAAAAAAAAAAAAAAAABQAAAAAAAAAwMD/AAAAAABkAAAAMgAAAAAAAABkAAAAAAAAAH9/fwAKAAAAIgAAABgAAAAAAAAAAAAAAAAAAAAAAAAAAAAAAAAAAAAkAAAAJAAAAAAAAAAHAAAAAAAAAAAAAAAAAAAAAAAAAAAAAAAAAAAAf39/ACUAAABYAAAAAAAAAAAAAAAAAAAAAAAAAAAAAAAAAAAAAAAAAAAAAAAAAAAAAAAAAAAAAAA/AAAAAAAAAKCGAQAAAAAAAAAAAAAAAAAMAAAAAQAAAAAAAAAAAAAAAAAAAB8AAABUAAAAu+DjBf///wEAAAAAAAAAAAAAAAAAAAAAAAAAAAAAAAAAAAAAAAAAAFiE0wB/f38AgICAA8zMzADAwP8Af39/AAAAAAAAAAAAAAAAAAAAAAAAAAAAIQAAABgAAAAUAAAAiAcAAHwOAADTEQAAzw8AABAAAAAmAAAACAAAAP//////////MAAAABQAAAAAAAAAAAD//wAAAQAAAP//AAABAA=="/>
+                <pr:smNativeData xmlns:pr="smNativeData" xmlns="smNativeData" val="SMDATA_17_WnaBYRMAAAAlAAAAggAAAA8BAAAAkAAAAEgAAACQAAAASAAAAAAAAAAAAAAAAAAAAAEAAABQAAAAHoXrUbge5T8AAAAAAADgPwAAAAAAAOA/AAAAAAAA4D8AAAAAAADgPwAAAAAAAOA/AAAAAAAA4D8AAAAAAADgPwAAAAAAAOA/AAAAAAAA4D8CAAAAjAAAAAAAAAAAAAAAu+DjDP///wgAAAAAAAAAAAAAAAAAAAAAAAAAAAAAAAAAAAAAZAAAAAEAAABAAAAAAAAAAAAAAAAAAAAAAAAAAAAAAAAAAAAAAAAAAAAAAAAAAAAAAAAAAAAAAAAAAAAAAAAAAAAAAAAAAAAAAAAAAAAAAAAAAAAAAAAAAAAAAAAAAAAAFAAAADwAAAABAAAAAAAAAFiE0wAoAAAAAQAAABQAAAAUAAAAFAAAAAEAAAAAAAAAZAAAAGQAAAAAAAAAZAAAAGQAAAAVAAAAYAAAAAAAAAAAAAAADwAAACADAAAAAAAAAAAAAAEAAACgMgAAVgcAAKr4//8BAAAAf39/AAEAAABkAAAAAAAAABQAAABAHwAAAAAAACYAAAAAAAAAwOD//wAAAAAmAAAAZAAAABYAAABMAAAAAAAAAAAAAAAEAAAAAAAAAAEAAACAgIAKAAAAACgAAAAoAAAAZAAAAGQAAAAAAAAAzMzMAAAAAABQAAAAUAAAAGQAAABkAAAAAAAAABcAAAAUAAAAAAAAAAAAAAD/fwAA/38AAAAAAAAJAAAABAAAACjuTkYMAAAAEAAAAAAAAAAAAAAAAAAAAAAAAAAeAAAAaAAAAAAAAAAAAAAAAAAAAAAAAAAAAAAAECcAABAnAAAAAAAAAAAAAAAAAAAAAAAAAAAAAAAAAAAAAAAAAAAAABQAAAAAAAAAwMD/AAAAAABkAAAAMgAAAAAAAABkAAAAAAAAAH9/fwAKAAAAIgAAABgAAAAAAAAAAAAAAAAAAAAAAAAAAAAAAAAAAAAkAAAAJAAAAAAAAAAHAAAAAAAAAAAAAAAAAAAAAAAAAAAAAAAAAAAAf39/ACUAAABYAAAAAAAAAAAAAAAAAAAAAAAAAAAAAAAAAAAAAAAAAAAAAAAAAAAAAAAAAAAAAAA/AAAAAAAAAKCGAQAAAAAAAAAAAAAAAAAMAAAAAQAAAAAAAAAAAAAAAAAAAB8AAABUAAAAu+DjBf///wEAAAAAAAAAAAAAAAAAAAAAAAAAAAAAAAAAAAAAAAAAAFiE0wB/f38AgICAA8zMzADAwP8Af39/AAAAAAAAAAAAAAAAAAAAAAAAAAAAIQAAABgAAAAUAAAAiAcAAHwOAADTEQAAzw8AABAAAAAmAAAACAAAAP//////////MAAAABQAAAAAAAAAAAD//wAAAQAAAP//AAABAA=="/>
               </a:ext>
             </a:extLst>
           </p:cNvSpPr>
@@ -7443,7 +7443,7 @@
           <p:cNvSpPr>
             <a:extLst>
               <a:ext uri="smNativeData">
-                <pr:smNativeData xmlns:pr="smNativeData" xmlns="smNativeData" val="SMDATA_17_MUmAYRMAAAAlAAAAggAAAA8BAAAAkAAAAEgAAACQAAAASAAAAAAAAAAAAAAAAAAAAAEAAABQAAAAHoXrUbge5T8AAAAAAADgPwAAAAAAAOA/AAAAAAAA4D8AAAAAAADgPwAAAAAAAOA/AAAAAAAA4D8AAAAAAADgPwAAAAAAAOA/AAAAAAAA4D8CAAAAjAAAAAAAAAAAAAAAu+DjDP///wgAAAAAAAAAAAAAAAAAAAAAAAAAAAAAAAAAAAAAZAAAAAEAAABAAAAAAAAAAAAAAAAAAAAAAAAAAAAAAAAAAAAAAAAAAAAAAAAAAAAAAAAAAAAAAAAAAAAAAAAAAAAAAAAAAAAAAAAAAAAAAAAAAAAAAAAAAAAAAAAAAAAAFAAAADwAAAABAAAAAAAAAFiE0wAoAAAAAQAAABQAAAAUAAAAFAAAAAEAAAAAAAAAZAAAAGQAAAAAAAAAZAAAAGQAAAAVAAAAYAAAAAAAAAAAAAAADwAAACADAAAAAAAAAAAAAAEAAACgMgAAVgcAAKr4//8BAAAAf39/AAEAAABkAAAAAAAAABQAAABAHwAAAAAAACYAAAAAAAAAwOD//wAAAAAmAAAAZAAAABYAAABMAAAAAAAAAAAAAAAEAAAAAAAAAAEAAACAgIAKAAAAACgAAAAoAAAAZAAAAGQAAAAAAAAAzMzMAAAAAABQAAAAUAAAAGQAAABkAAAAAAAAABcAAAAUAAAAAAAAAAAAAAD/fwAA/38AAAAAAAAJAAAABAAAAC8vLy8MAAAAEAAAAAAAAAAAAAAAAAAAAAAAAAAeAAAAaAAAAAAAAAAAAAAAAAAAAAAAAAAAAAAAECcAABAnAAAAAAAAAAAAAAAAAAAAAAAAAAAAAAAAAAAAAAAAAAAAABQAAAAAAAAAwMD/AAAAAABkAAAAMgAAAAAAAABkAAAAAAAAAH9/fwAKAAAAIgAAABgAAAAAAAAAAAAAAAAAAAAAAAAAAAAAAAAAAAAkAAAAJAAAAAAAAAAHAAAAAAAAAAAAAAAAAAAAAAAAAAAAAAAAAAAAf39/ACUAAABYAAAAAAAAAAAAAAAAAAAAAAAAAAAAAAAAAAAAAAAAAAAAAAAAAAAAAAAAAAAAAAA/AAAAAAAAAKCGAQAAAAAAAAAAAAAAAAAMAAAAAQAAAAAAAAAAAAAAAAAAAB8AAABUAAAAu+DjBf///wEAAAAAAAAAAAAAAAAAAAAAAAAAAAAAAAAAAAAAAAAAAFiE0wB/f38AgICAA8zMzADAwP8Af39/AAAAAAAAAAAAAAAAAAAAAAAAAAAAIQAAABgAAAAUAAAAWhIAAHwOAAClHAAAzw8AABAAAAAmAAAACAAAAP//////////MAAAABQAAAAAAAAAAAD//wAAAQAAAP//AAABAA=="/>
+                <pr:smNativeData xmlns:pr="smNativeData" xmlns="smNativeData" val="SMDATA_17_WnaBYRMAAAAlAAAAggAAAA8BAAAAkAAAAEgAAACQAAAASAAAAAAAAAAAAAAAAAAAAAEAAABQAAAAHoXrUbge5T8AAAAAAADgPwAAAAAAAOA/AAAAAAAA4D8AAAAAAADgPwAAAAAAAOA/AAAAAAAA4D8AAAAAAADgPwAAAAAAAOA/AAAAAAAA4D8CAAAAjAAAAAAAAAAAAAAAu+DjDP///wgAAAAAAAAAAAAAAAAAAAAAAAAAAAAAAAAAAAAAZAAAAAEAAABAAAAAAAAAAAAAAAAAAAAAAAAAAAAAAAAAAAAAAAAAAAAAAAAAAAAAAAAAAAAAAAAAAAAAAAAAAAAAAAAAAAAAAAAAAAAAAAAAAAAAAAAAAAAAAAAAAAAAFAAAADwAAAABAAAAAAAAAFiE0wAoAAAAAQAAABQAAAAUAAAAFAAAAAEAAAAAAAAAZAAAAGQAAAAAAAAAZAAAAGQAAAAVAAAAYAAAAAAAAAAAAAAADwAAACADAAAAAAAAAAAAAAEAAACgMgAAVgcAAKr4//8BAAAAf39/AAEAAABkAAAAAAAAABQAAABAHwAAAAAAACYAAAAAAAAAwOD//wAAAAAmAAAAZAAAABYAAABMAAAAAAAAAAAAAAAEAAAAAAAAAAEAAACAgIAKAAAAACgAAAAoAAAAZAAAAGQAAAAAAAAAzMzMAAAAAABQAAAAUAAAAGQAAABkAAAAAAAAABcAAAAUAAAAAAAAAAAAAAD/fwAA/38AAAAAAAAJAAAABAAAAC8vLy8MAAAAEAAAAAAAAAAAAAAAAAAAAAAAAAAeAAAAaAAAAAAAAAAAAAAAAAAAAAAAAAAAAAAAECcAABAnAAAAAAAAAAAAAAAAAAAAAAAAAAAAAAAAAAAAAAAAAAAAABQAAAAAAAAAwMD/AAAAAABkAAAAMgAAAAAAAABkAAAAAAAAAH9/fwAKAAAAIgAAABgAAAAAAAAAAAAAAAAAAAAAAAAAAAAAAAAAAAAkAAAAJAAAAAAAAAAHAAAAAAAAAAAAAAAAAAAAAAAAAAAAAAAAAAAAf39/ACUAAABYAAAAAAAAAAAAAAAAAAAAAAAAAAAAAAAAAAAAAAAAAAAAAAAAAAAAAAAAAAAAAAA/AAAAAAAAAKCGAQAAAAAAAAAAAAAAAAAMAAAAAQAAAAAAAAAAAAAAAAAAAB8AAABUAAAAu+DjBf///wEAAAAAAAAAAAAAAAAAAAAAAAAAAAAAAAAAAAAAAAAAAFiE0wB/f38AgICAA8zMzADAwP8Af39/AAAAAAAAAAAAAAAAAAAAAAAAAAAAIQAAABgAAAAUAAAAWhIAAHwOAAClHAAAzw8AABAAAAAmAAAACAAAAP//////////MAAAABQAAAAAAAAAAAD//wAAAQAAAP//AAABAA=="/>
               </a:ext>
             </a:extLst>
           </p:cNvSpPr>
@@ -7478,7 +7478,7 @@
           <p:cNvSpPr>
             <a:extLst>
               <a:ext uri="smNativeData">
-                <pr:smNativeData xmlns:pr="smNativeData" xmlns="smNativeData" val="SMDATA_17_MUmAYRMAAAAlAAAAggAAAA8BAAAAkAAAAEgAAACQAAAASAAAAAAAAAAAAAAAAAAAAAEAAABQAAAAHoXrUbge5T8AAAAAAADgPwAAAAAAAOA/AAAAAAAA4D8AAAAAAADgPwAAAAAAAOA/AAAAAAAA4D8AAAAAAADgPwAAAAAAAOA/AAAAAAAA4D8CAAAAjAAAAAAAAAAAAAAAu+DjDP///wgAAAAAAAAAAAAAAAAAAAAAAAAAAAAAAAAAAAAAZAAAAAEAAABAAAAAAAAAAAAAAAAAAAAAAAAAAAAAAAAAAAAAAAAAAAAAAAAAAAAAAAAAAAAAAAAAAAAAAAAAAAAAAAAAAAAAAAAAAAAAAAAAAAAAAAAAAAAAAAAAAAAAFAAAADwAAAABAAAAAAAAAFiE0wAoAAAAAQAAABQAAAAUAAAAFAAAAAEAAAAAAAAAZAAAAGQAAAAAAAAAZAAAAGQAAAAVAAAAYAAAAAAAAAAAAAAADwAAACADAAAAAAAAAAAAAAEAAACgMgAAVgcAAKr4//8BAAAAf39/AAEAAABkAAAAAAAAABQAAABAHwAAAAAAACYAAAAAAAAAwOD//wAAAAAmAAAAZAAAABYAAABMAAAAAAAAAAAAAAAEAAAAAAAAAAEAAACAgIAKAAAAACgAAAAoAAAAZAAAAGQAAAAAAAAAzMzMAAAAAABQAAAAUAAAAGQAAABkAAAAAAAAABcAAAAUAAAAAAAAAAAAAAD/fwAA/38AAAAAAAAJAAAABAAAAAAA4AMMAAAAEAAAAAAAAAAAAAAAAAAAAAAAAAAeAAAAaAAAAAAAAAAAAAAAAAAAAAAAAAAAAAAAECcAABAnAAAAAAAAAAAAAAAAAAAAAAAAAAAAAAAAAAAAAAAAAAAAABQAAAAAAAAAwMD/AAAAAABkAAAAMgAAAAAAAABkAAAAAAAAAH9/fwAKAAAAIgAAABgAAAAAAAAAAAAAAAAAAAAAAAAAAAAAAAAAAAAkAAAAJAAAAAAAAAAHAAAAAAAAAAAAAAAAAAAAAAAAAAAAAAAAAAAAf39/ACUAAABYAAAAAAAAAAAAAAAAAAAAAAAAAAAAAAAAAAAAAAAAAAAAAAAAAAAAAAAAAAAAAAA/AAAAAAAAAKCGAQAAAAAAAAAAAAAAAAAMAAAAAQAAAAAAAAAAAAAAAAAAAB8AAABUAAAAu+DjBf///wEAAAAAAAAAAAAAAAAAAAAAAAAAAAAAAAAAAAAAAAAAAFiE0wB/f38AgICAA8zMzADAwP8Af39/AAAAAAAAAAAAAAAAAAAAAAAAAAAAIQAAABgAAAAUAAAAlx0AAHwOAADiJwAAzw8AABAAAAAmAAAACAAAAP//////////MAAAABQAAAAAAAAAAAD//wAAAQAAAP//AAABAA=="/>
+                <pr:smNativeData xmlns:pr="smNativeData" xmlns="smNativeData" val="SMDATA_17_WnaBYRMAAAAlAAAAggAAAA8BAAAAkAAAAEgAAACQAAAASAAAAAAAAAAAAAAAAAAAAAEAAABQAAAAHoXrUbge5T8AAAAAAADgPwAAAAAAAOA/AAAAAAAA4D8AAAAAAADgPwAAAAAAAOA/AAAAAAAA4D8AAAAAAADgPwAAAAAAAOA/AAAAAAAA4D8CAAAAjAAAAAAAAAAAAAAAu+DjDP///wgAAAAAAAAAAAAAAAAAAAAAAAAAAAAAAAAAAAAAZAAAAAEAAABAAAAAAAAAAAAAAAAAAAAAAAAAAAAAAAAAAAAAAAAAAAAAAAAAAAAAAAAAAAAAAAAAAAAAAAAAAAAAAAAAAAAAAAAAAAAAAAAAAAAAAAAAAAAAAAAAAAAAFAAAADwAAAABAAAAAAAAAFiE0wAoAAAAAQAAABQAAAAUAAAAFAAAAAEAAAAAAAAAZAAAAGQAAAAAAAAAZAAAAGQAAAAVAAAAYAAAAAAAAAAAAAAADwAAACADAAAAAAAAAAAAAAEAAACgMgAAVgcAAKr4//8BAAAAf39/AAEAAABkAAAAAAAAABQAAABAHwAAAAAAACYAAAAAAAAAwOD//wAAAAAmAAAAZAAAABYAAABMAAAAAAAAAAAAAAAEAAAAAAAAAAEAAACAgIAKAAAAACgAAAAoAAAAZAAAAGQAAAAAAAAAzMzMAAAAAABQAAAAUAAAAGQAAABkAAAAAAAAABcAAAAUAAAAAAAAAAAAAAD/fwAA/38AAAAAAAAJAAAABAAAAAAA4AMMAAAAEAAAAAAAAAAAAAAAAAAAAAAAAAAeAAAAaAAAAAAAAAAAAAAAAAAAAAAAAAAAAAAAECcAABAnAAAAAAAAAAAAAAAAAAAAAAAAAAAAAAAAAAAAAAAAAAAAABQAAAAAAAAAwMD/AAAAAABkAAAAMgAAAAAAAABkAAAAAAAAAH9/fwAKAAAAIgAAABgAAAAAAAAAAAAAAAAAAAAAAAAAAAAAAAAAAAAkAAAAJAAAAAAAAAAHAAAAAAAAAAAAAAAAAAAAAAAAAAAAAAAAAAAAf39/ACUAAABYAAAAAAAAAAAAAAAAAAAAAAAAAAAAAAAAAAAAAAAAAAAAAAAAAAAAAAAAAAAAAAA/AAAAAAAAAKCGAQAAAAAAAAAAAAAAAAAMAAAAAQAAAAAAAAAAAAAAAAAAAB8AAABUAAAAu+DjBf///wEAAAAAAAAAAAAAAAAAAAAAAAAAAAAAAAAAAAAAAAAAAFiE0wB/f38AgICAA8zMzADAwP8Af39/AAAAAAAAAAAAAAAAAAAAAAAAAAAAIQAAABgAAAAUAAAAlx0AAHwOAADiJwAAzw8AABAAAAAmAAAACAAAAP//////////MAAAABQAAAAAAAAAAAD//wAAAQAAAP//AAABAA=="/>
               </a:ext>
             </a:extLst>
           </p:cNvSpPr>
@@ -7513,7 +7513,7 @@
           <p:cNvSpPr>
             <a:extLst>
               <a:ext uri="smNativeData">
-                <pr:smNativeData xmlns:pr="smNativeData" xmlns="smNativeData" val="SMDATA_17_MUmAYRMAAAAlAAAAggAAAA8BAAAAkAAAAEgAAACQAAAASAAAAAAAAAAAAAAAAAAAAAEAAABQAAAAHoXrUbge5T8AAAAAAADgPwAAAAAAAOA/AAAAAAAA4D8AAAAAAADgPwAAAAAAAOA/AAAAAAAA4D8AAAAAAADgPwAAAAAAAOA/AAAAAAAA4D8CAAAAjAAAAAAAAAAAAAAAu+DjDP///wgAAAAAAAAAAAAAAAAAAAAAAAAAAAAAAAAAAAAAZAAAAAEAAABAAAAAAAAAAAAAAAAAAAAAAAAAAAAAAAAAAAAAAAAAAAAAAAAAAAAAAAAAAAAAAAAAAAAAAAAAAAAAAAAAAAAAAAAAAAAAAAAAAAAAAAAAAAAAAAAAAAAAFAAAADwAAAABAAAAAAAAAFiE0wAoAAAAAQAAABQAAAAUAAAAFAAAAAEAAAAAAAAAZAAAAGQAAAAAAAAAZAAAAGQAAAAVAAAAYAAAAAAAAAAAAAAADwAAACADAAAAAAAAAAAAAAEAAACgMgAAVgcAAKr4//8BAAAAf39/AAEAAABkAAAAAAAAABQAAABAHwAAAAAAACYAAAAAAAAAwOD//wAAAAAmAAAAZAAAABYAAABMAAAAAAAAAAAAAAAEAAAAAAAAAAEAAACAgIAKAAAAACgAAAAoAAAAZAAAAGQAAAAAAAAAzMzMAAAAAABQAAAAUAAAAGQAAABkAAAAAAAAABcAAAAUAAAAAAAAAAAAAAD/fwAA/38AAAAAAAAJAAAABAAAAAAAEgQMAAAAEAAAAAAAAAAAAAAAAAAAAAAAAAAeAAAAaAAAAAAAAAAAAAAAAAAAAAAAAAAAAAAAECcAABAnAAAAAAAAAAAAAAAAAAAAAAAAAAAAAAAAAAAAAAAAAAAAABQAAAAAAAAAwMD/AAAAAABkAAAAMgAAAAAAAABkAAAAAAAAAH9/fwAKAAAAIgAAABgAAAAAAAAAAAAAAAAAAAAAAAAAAAAAAAAAAAAkAAAAJAAAAAAAAAAHAAAAAAAAAAAAAAAAAAAAAAAAAAAAAAAAAAAAf39/ACUAAABYAAAAAAAAAAAAAAAAAAAAAAAAAAAAAAAAAAAAAAAAAAAAAAAAAAAAAAAAAAAAAAA/AAAAAAAAAKCGAQAAAAAAAAAAAAAAAAAMAAAAAQAAAAAAAAAAAAAAAAAAAB8AAABUAAAAu+DjBf///wEAAAAAAAAAAAAAAAAAAAAAAAAAAAAAAAAAAAAAAAAAAFiE0wB/f38AgICAA8zMzADAwP8Af39/AAAAAAAAAAAAAAAAAAAAAAAAAAAAIQAAABgAAAAUAAAAeCgAAHwOAADDMgAAzw8AABAAAAAmAAAACAAAAP//////////MAAAABQAAAAAAAAAAAD//wAAAQAAAP//AAABAA=="/>
+                <pr:smNativeData xmlns:pr="smNativeData" xmlns="smNativeData" val="SMDATA_17_WnaBYRMAAAAlAAAAggAAAA8BAAAAkAAAAEgAAACQAAAASAAAAAAAAAAAAAAAAAAAAAEAAABQAAAAHoXrUbge5T8AAAAAAADgPwAAAAAAAOA/AAAAAAAA4D8AAAAAAADgPwAAAAAAAOA/AAAAAAAA4D8AAAAAAADgPwAAAAAAAOA/AAAAAAAA4D8CAAAAjAAAAAAAAAAAAAAAu+DjDP///wgAAAAAAAAAAAAAAAAAAAAAAAAAAAAAAAAAAAAAZAAAAAEAAABAAAAAAAAAAAAAAAAAAAAAAAAAAAAAAAAAAAAAAAAAAAAAAAAAAAAAAAAAAAAAAAAAAAAAAAAAAAAAAAAAAAAAAAAAAAAAAAAAAAAAAAAAAAAAAAAAAAAAFAAAADwAAAABAAAAAAAAAFiE0wAoAAAAAQAAABQAAAAUAAAAFAAAAAEAAAAAAAAAZAAAAGQAAAAAAAAAZAAAAGQAAAAVAAAAYAAAAAAAAAAAAAAADwAAACADAAAAAAAAAAAAAAEAAACgMgAAVgcAAKr4//8BAAAAf39/AAEAAABkAAAAAAAAABQAAABAHwAAAAAAACYAAAAAAAAAwOD//wAAAAAmAAAAZAAAABYAAABMAAAAAAAAAAAAAAAEAAAAAAAAAAEAAACAgIAKAAAAACgAAAAoAAAAZAAAAGQAAAAAAAAAzMzMAAAAAABQAAAAUAAAAGQAAABkAAAAAAAAABcAAAAUAAAAAAAAAAAAAAD/fwAA/38AAAAAAAAJAAAABAAAAAAAEgQMAAAAEAAAAAAAAAAAAAAAAAAAAAAAAAAeAAAAaAAAAAAAAAAAAAAAAAAAAAAAAAAAAAAAECcAABAnAAAAAAAAAAAAAAAAAAAAAAAAAAAAAAAAAAAAAAAAAAAAABQAAAAAAAAAwMD/AAAAAABkAAAAMgAAAAAAAABkAAAAAAAAAH9/fwAKAAAAIgAAABgAAAAAAAAAAAAAAAAAAAAAAAAAAAAAAAAAAAAkAAAAJAAAAAAAAAAHAAAAAAAAAAAAAAAAAAAAAAAAAAAAAAAAAAAAf39/ACUAAABYAAAAAAAAAAAAAAAAAAAAAAAAAAAAAAAAAAAAAAAAAAAAAAAAAAAAAAAAAAAAAAA/AAAAAAAAAKCGAQAAAAAAAAAAAAAAAAAMAAAAAQAAAAAAAAAAAAAAAAAAAB8AAABUAAAAu+DjBf///wEAAAAAAAAAAAAAAAAAAAAAAAAAAAAAAAAAAAAAAAAAAFiE0wB/f38AgICAA8zMzADAwP8Af39/AAAAAAAAAAAAAAAAAAAAAAAAAAAAIQAAABgAAAAUAAAAeCgAAHwOAADDMgAAzw8AABAAAAAmAAAACAAAAP//////////MAAAABQAAAAAAAAAAAD//wAAAQAAAP//AAABAA=="/>
               </a:ext>
             </a:extLst>
           </p:cNvSpPr>
@@ -7548,7 +7548,7 @@
           <p:cNvSpPr>
             <a:extLst>
               <a:ext uri="smNativeData">
-                <pr:smNativeData xmlns:pr="smNativeData" xmlns="smNativeData" val="SMDATA_17_MUmAYRMAAAAlAAAAggAAAA8BAAAAkAAAAEgAAACQAAAASAAAAAAAAAAAAAAAAAAAAAEAAABQAAAAHoXrUbge5T8AAAAAAADgPwAAAAAAAOA/AAAAAAAA4D8AAAAAAADgPwAAAAAAAOA/AAAAAAAA4D8AAAAAAADgPwAAAAAAAOA/AAAAAAAA4D8CAAAAjAAAAAAAAAAAAAAAu+DjDP///wgAAAAAAAAAAAAAAAAAAAAAAAAAAAAAAAAAAAAAZAAAAAEAAABAAAAAAAAAAAAAAAAAAAAAAAAAAAAAAAAAAAAAAAAAAAAAAAAAAAAAAAAAAAAAAAAAAAAAAAAAAAAAAAAAAAAAAAAAAAAAAAAAAAAAAAAAAAAAAAAAAAAAFAAAADwAAAABAAAAAAAAAFiE0wAoAAAAAQAAABQAAAAUAAAAFAAAAAEAAAAAAAAAZAAAAGQAAAAAAAAAZAAAAGQAAAAVAAAAYAAAAAAAAAAAAAAADwAAACADAAAAAAAAAAAAAAEAAACgMgAAVgcAAKr4//8BAAAAf39/AAEAAABkAAAAAAAAABQAAABAHwAAAAAAACYAAAAAAAAAwOD//wAAAAAmAAAAZAAAABYAAABMAAAAAAAAAAAAAAAEAAAAAAAAAAEAAACAgIAKAAAAACgAAAAoAAAAZAAAAGQAAAAAAAAAzMzMAAAAAABQAAAAUAAAAGQAAABkAAAAAAAAABcAAAAUAAAAAAAAAAAAAAD/fwAA/38AAAAAAAAJAAAABAAAAAAAAAAMAAAAEAAAAAAAAAAAAAAAAAAAAAAAAAAeAAAAaAAAAAAAAAAAAAAAAAAAAAAAAAAAAAAAECcAABAnAAAAAAAAAAAAAAAAAAAAAAAAAAAAAAAAAAAAAAAAAAAAABQAAAAAAAAAwMD/AAAAAABkAAAAMgAAAAAAAABkAAAAAAAAAH9/fwAKAAAAIgAAABgAAAAAAAAAAAAAAAAAAAAAAAAAAAAAAAAAAAAkAAAAJAAAAAAAAAAHAAAAAAAAAAAAAAAAAAAAAAAAAAAAAAAAAAAAf39/ACUAAABYAAAAAAAAAAAAAAAAAAAAAAAAAAAAAAAAAAAAAAAAAAAAAAAAAAAAAAAAAAAAAAA/AAAAAAAAAKCGAQAAAAAAAAAAAAAAAAAMAAAAAQAAAAAAAAAAAAAAAAAAAB8AAABUAAAAu+DjBf///wEAAAAAAAAAAAAAAAAAAAAAAAAAAAAAAAAAAAAAAAAAAFiE0wB/f38AgICAA8zMzADAwP8Af39/AAAAAAAAAAAAAAAAAAAAAAAAAAAAIQAAABgAAAAUAAAAtzMAAHwOAAACPgAAzw8AABAAAAAmAAAACAAAAP//////////MAAAABQAAAAAAAAAAAD//wAAAQAAAP//AAABAA=="/>
+                <pr:smNativeData xmlns:pr="smNativeData" xmlns="smNativeData" val="SMDATA_17_WnaBYRMAAAAlAAAAggAAAA8BAAAAkAAAAEgAAACQAAAASAAAAAAAAAAAAAAAAAAAAAEAAABQAAAAHoXrUbge5T8AAAAAAADgPwAAAAAAAOA/AAAAAAAA4D8AAAAAAADgPwAAAAAAAOA/AAAAAAAA4D8AAAAAAADgPwAAAAAAAOA/AAAAAAAA4D8CAAAAjAAAAAAAAAAAAAAAu+DjDP///wgAAAAAAAAAAAAAAAAAAAAAAAAAAAAAAAAAAAAAZAAAAAEAAABAAAAAAAAAAAAAAAAAAAAAAAAAAAAAAAAAAAAAAAAAAAAAAAAAAAAAAAAAAAAAAAAAAAAAAAAAAAAAAAAAAAAAAAAAAAAAAAAAAAAAAAAAAAAAAAAAAAAAFAAAADwAAAABAAAAAAAAAFiE0wAoAAAAAQAAABQAAAAUAAAAFAAAAAEAAAAAAAAAZAAAAGQAAAAAAAAAZAAAAGQAAAAVAAAAYAAAAAAAAAAAAAAADwAAACADAAAAAAAAAAAAAAEAAACgMgAAVgcAAKr4//8BAAAAf39/AAEAAABkAAAAAAAAABQAAABAHwAAAAAAACYAAAAAAAAAwOD//wAAAAAmAAAAZAAAABYAAABMAAAAAAAAAAAAAAAEAAAAAAAAAAEAAACAgIAKAAAAACgAAAAoAAAAZAAAAGQAAAAAAAAAzMzMAAAAAABQAAAAUAAAAGQAAABkAAAAAAAAABcAAAAUAAAAAAAAAAAAAAD/fwAA/38AAAAAAAAJAAAABAAAAAAAAAAMAAAAEAAAAAAAAAAAAAAAAAAAAAAAAAAeAAAAaAAAAAAAAAAAAAAAAAAAAAAAAAAAAAAAECcAABAnAAAAAAAAAAAAAAAAAAAAAAAAAAAAAAAAAAAAAAAAAAAAABQAAAAAAAAAwMD/AAAAAABkAAAAMgAAAAAAAABkAAAAAAAAAH9/fwAKAAAAIgAAABgAAAAAAAAAAAAAAAAAAAAAAAAAAAAAAAAAAAAkAAAAJAAAAAAAAAAHAAAAAAAAAAAAAAAAAAAAAAAAAAAAAAAAAAAAf39/ACUAAABYAAAAAAAAAAAAAAAAAAAAAAAAAAAAAAAAAAAAAAAAAAAAAAAAAAAAAAAAAAAAAAA/AAAAAAAAAKCGAQAAAAAAAAAAAAAAAAAMAAAAAQAAAAAAAAAAAAAAAAAAAB8AAABUAAAAu+DjBf///wEAAAAAAAAAAAAAAAAAAAAAAAAAAAAAAAAAAAAAAAAAAFiE0wB/f38AgICAA8zMzADAwP8Af39/AAAAAAAAAAAAAAAAAAAAAAAAAAAAIQAAABgAAAAUAAAAtzMAAHwOAAACPgAAzw8AABAAAAAmAAAACAAAAP//////////MAAAABQAAAAAAAAAAAD//wAAAQAAAP//AAABAA=="/>
               </a:ext>
             </a:extLst>
           </p:cNvSpPr>
@@ -7583,7 +7583,7 @@
           <p:cNvSpPr txBox="1">
             <a:extLst>
               <a:ext uri="smNativeData">
-                <pr:smNativeData xmlns:pr="smNativeData" xmlns="smNativeData" val="SMDATA_17_MUmAYRMAAAAlAAAAEgAAAE8BAAAAkAAAAEgAAACQAAAASAAAAAAAAAAAAAAAAAAAAAEAAABQAAAAAAAAAAAA4D8AAAAAAADgPwAAAAAAAOA/AAAAAAAA4D8AAAAAAADgPwAAAAAAAOA/AAAAAAAA4D8AAAAAAADgPwAAAAAAAOA/AAAAAAAA4D8CAAAAjAAAAAAAAAAAAAAAu+DjDP///wgAAAAAAAAAAAAAAAAAAAAAAAAAAAAAAAAAAAAAZAAAAAEAAABAAAAAAAAAAAAAAAAAAAAAAAAAAAAAAAAAAAAAAAAAAAAAAAAAAAAAAAAAAAAAAAAAAAAAAAAAAAAAAAAAAAAAAAAAAAAAAAAAAAAAAAAAAAAAAAAAAAAAFAAAADwAAAAAAAAAAAAAAAAAAAkUAAAAAQAAABQAAAAUAAAAFAAAAAEAAAAAAAAAZAAAAGQAAAAAAAAAZAAAAGQAAAAVAAAAYAAAAAAAAAAAAAAADwAAACADAAAAAAAAAAAAAAEAAACgMgAAVgcAAKr4//8BAAAAf39/AAEAAABkAAAAAAAAABQAAABAHwAAAAAAACYAAAAAAAAAwOD//wAAAAAmAAAAZAAAABYAAABMAAAAAAAAAAAAAAAEAAAAAAAAAAEAAACAgIAKAAAAACgAAAAoAAAAZAAAAGQAAAAAAAAAzMzMAAAAAABQAAAAUAAAAGQAAABkAAAAAAAAABcAAAAUAAAAAAAAAMQBAAD/fwAA/38AAAAAAAAJAAAABAAAAAAAAAAMAAAAEAAAAAAAAAAAAAAAAAAAAAAAAAAeAAAAaAAAAAAAAAAAAAAAAAAAAAAAAAAAAAAAECcAABAnAAAAAAAAAAAAAAAAAAAAAAAAAAAAAAAAAAAAAAAAAAAAABQAAAAAAAAAwMD/AAAAAABkAAAAMgAAAAAAAABkAAAAAAAAAH9/fwAKAAAAIgAAABgAAAAAAAAAAAAAAAAAAAAAAAAAAAAAAAAAAAAkAAAAJAAAAAAAAAAHAAAAAAAAAAAAAAAAAAAAAAAAAAAAAAAAAAAAf39/ACUAAABYAAAAAAAAAAAAAAAAAAAAAAAAAAAAAAAAAAAAAAAAAAAAAAAAAAAAAAAAAAAAAAA/AAAAAAAAAKCGAQAAAAAAAAAAAAAAAAAMAAAAAQAAAAAAAAAAAAAAAAAAAB8AAABUAAAAu+DjBf///wEAAAAAAAAAAAAAAAAAAAAAAAAAAAAAAAAAAAAAAAAAAAAAAAJ/f38AgICAA8zMzADAwP8Af39/AAAAAAAAAAAAAAAAAAAAAAAAAAAAIQAAABgAAAAUAAAASgkAAEQPAAAREAAALBIAABAgAAAmAAAACAAAAP//////////MAAAABQAAAAAAAAAAAD//wAAAQAAAP//AAABAA=="/>
+                <pr:smNativeData xmlns:pr="smNativeData" xmlns="smNativeData" val="SMDATA_17_WnaBYRMAAAAlAAAAEgAAAE8BAAAAkAAAAEgAAACQAAAASAAAAAAAAAAAAAAAAAAAAAEAAABQAAAAAAAAAAAA4D8AAAAAAADgPwAAAAAAAOA/AAAAAAAA4D8AAAAAAADgPwAAAAAAAOA/AAAAAAAA4D8AAAAAAADgPwAAAAAAAOA/AAAAAAAA4D8CAAAAjAAAAAAAAAAAAAAAu+DjDP///wgAAAAAAAAAAAAAAAAAAAAAAAAAAAAAAAAAAAAAZAAAAAEAAABAAAAAAAAAAAAAAAAAAAAAAAAAAAAAAAAAAAAAAAAAAAAAAAAAAAAAAAAAAAAAAAAAAAAAAAAAAAAAAAAAAAAAAAAAAAAAAAAAAAAAAAAAAAAAAAAAAAAAFAAAADwAAAAAAAAAAAAAAAAAAAkUAAAAAQAAABQAAAAUAAAAFAAAAAEAAAAAAAAAZAAAAGQAAAAAAAAAZAAAAGQAAAAVAAAAYAAAAAAAAAAAAAAADwAAACADAAAAAAAAAAAAAAEAAACgMgAAVgcAAKr4//8BAAAAf39/AAEAAABkAAAAAAAAABQAAABAHwAAAAAAACYAAAAAAAAAwOD//wAAAAAmAAAAZAAAABYAAABMAAAAAAAAAAAAAAAEAAAAAAAAAAEAAACAgIAKAAAAACgAAAAoAAAAZAAAAGQAAAAAAAAAzMzMAAAAAABQAAAAUAAAAGQAAABkAAAAAAAAABcAAAAUAAAAAAAAAMQBAAD/fwAA/38AAAAAAAAJAAAABAAAAAAAAAAMAAAAEAAAAAAAAAAAAAAAAAAAAAAAAAAeAAAAaAAAAAAAAAAAAAAAAAAAAAAAAAAAAAAAECcAABAnAAAAAAAAAAAAAAAAAAAAAAAAAAAAAAAAAAAAAAAAAAAAABQAAAAAAAAAwMD/AAAAAABkAAAAMgAAAAAAAABkAAAAAAAAAH9/fwAKAAAAIgAAABgAAAAAAAAAAAAAAAAAAAAAAAAAAAAAAAAAAAAkAAAAJAAAAAAAAAAHAAAAAAAAAAAAAAAAAAAAAAAAAAAAAAAAAAAAf39/ACUAAABYAAAAAAAAAAAAAAAAAAAAAAAAAAAAAAAAAAAAAAAAAAAAAAAAAAAAAAAAAAAAAAA/AAAAAAAAAKCGAQAAAAAAAAAAAAAAAAAMAAAAAQAAAAAAAAAAAAAAAAAAAB8AAABUAAAAu+DjBf///wEAAAAAAAAAAAAAAAAAAAAAAAAAAAAAAAAAAAAAAAAAAAAAAAJ/f38AgICAA8zMzADAwP8Af39/AAAAAAAAAAAAAAAAAAAAAAAAAAAAIQAAABgAAAAUAAAASgkAAEQPAAAREAAALBIAABAgAAAmAAAACAAAAP//////////MAAAABQAAAAAAAAAAAD//wAAAQAAAP//AAABAA=="/>
               </a:ext>
             </a:extLst>
           </p:cNvSpPr>
@@ -7629,7 +7629,7 @@
           <p:cNvSpPr txBox="1">
             <a:extLst>
               <a:ext uri="smNativeData">
-                <pr:smNativeData xmlns:pr="smNativeData" xmlns="smNativeData" val="SMDATA_17_MUmAYRMAAAAlAAAAEgAAAE8BAAAAkAAAAEgAAACQAAAASAAAAAAAAAAAAAAAAAAAAAEAAABQAAAAAAAAAAAA4D8AAAAAAADgPwAAAAAAAOA/AAAAAAAA4D8AAAAAAADgPwAAAAAAAOA/AAAAAAAA4D8AAAAAAADgPwAAAAAAAOA/AAAAAAAA4D8CAAAAjAAAAAAAAAAAAAAAu+DjDP///wgAAAAAAAAAAAAAAAAAAAAAAAAAAAAAAAAAAAAAZAAAAAEAAABAAAAAAAAAAAAAAAAAAAAAAAAAAAAAAAAAAAAAAAAAAAAAAAAAAAAAAAAAAAAAAAAAAAAAAAAAAAAAAAAAAAAAAAAAAAAAAAAAAAAAAAAAAAAAAAAAAAAAFAAAADwAAAAAAAAAAAAAAAAAAAkUAAAAAQAAABQAAAAUAAAAFAAAAAEAAAAAAAAAZAAAAGQAAAAAAAAAZAAAAGQAAAAVAAAAYAAAAAAAAAAAAAAADwAAACADAAAAAAAAAAAAAAEAAACgMgAAVgcAAKr4//8BAAAAf39/AAEAAABkAAAAAAAAABQAAABAHwAAAAAAACYAAAAAAAAAwOD//wAAAAAmAAAAZAAAABYAAABMAAAAAAAAAAAAAAAEAAAAAAAAAAEAAACAgIAKAAAAACgAAAAoAAAAZAAAAGQAAAAAAAAAzMzMAAAAAABQAAAAUAAAAGQAAABkAAAAAAAAABcAAAAUAAAAAAAAAMQBAAD/fwAA/38AAAAAAAAJAAAABAAAAAAAAAAMAAAAEAAAAAAAAAAAAAAAAAAAAAAAAAAeAAAAaAAAAAAAAAAAAAAAAAAAAAAAAAAAAAAAECcAABAnAAAAAAAAAAAAAAAAAAAAAAAAAAAAAAAAAAAAAAAAAAAAABQAAAAAAAAAwMD/AAAAAABkAAAAMgAAAAAAAABkAAAAAAAAAH9/fwAKAAAAIgAAABgAAAAAAAAAAAAAAAAAAAAAAAAAAAAAAAAAAAAkAAAAJAAAAAAAAAAHAAAAAAAAAAAAAAAAAAAAAAAAAAAAAAAAAAAAf39/ACUAAABYAAAAAAAAAAAAAAAAAAAAAAAAAAAAAAAAAAAAAAAAAAAAAAAAAAAAAAAAAAAAAAA/AAAAAAAAAKCGAQAAAAAAAAAAAAAAAAAMAAAAAQAAAAAAAAAAAAAAAAAAAB8AAABUAAAAu+DjBf///wEAAAAAAAAAAAAAAAAAAAAAAAAAAAAAAAAAAAAAAAAAAAAAAAJ/f38AgICAA8zMzADAwP8Af39/AAAAAAAAAAAAAAAAAAAAAAAAAAAAIQAAABgAAAAUAAAAHBQAAEQPAADjGgAALBIAABAgAAAmAAAACAAAAP//////////MAAAABQAAAAAAAAAAAD//wAAAQAAAP//AAABAA=="/>
+                <pr:smNativeData xmlns:pr="smNativeData" xmlns="smNativeData" val="SMDATA_17_WnaBYRMAAAAlAAAAEgAAAE8BAAAAkAAAAEgAAACQAAAASAAAAAAAAAAAAAAAAAAAAAEAAABQAAAAAAAAAAAA4D8AAAAAAADgPwAAAAAAAOA/AAAAAAAA4D8AAAAAAADgPwAAAAAAAOA/AAAAAAAA4D8AAAAAAADgPwAAAAAAAOA/AAAAAAAA4D8CAAAAjAAAAAAAAAAAAAAAu+DjDP///wgAAAAAAAAAAAAAAAAAAAAAAAAAAAAAAAAAAAAAZAAAAAEAAABAAAAAAAAAAAAAAAAAAAAAAAAAAAAAAAAAAAAAAAAAAAAAAAAAAAAAAAAAAAAAAAAAAAAAAAAAAAAAAAAAAAAAAAAAAAAAAAAAAAAAAAAAAAAAAAAAAAAAFAAAADwAAAAAAAAAAAAAAAAAAAkUAAAAAQAAABQAAAAUAAAAFAAAAAEAAAAAAAAAZAAAAGQAAAAAAAAAZAAAAGQAAAAVAAAAYAAAAAAAAAAAAAAADwAAACADAAAAAAAAAAAAAAEAAACgMgAAVgcAAKr4//8BAAAAf39/AAEAAABkAAAAAAAAABQAAABAHwAAAAAAACYAAAAAAAAAwOD//wAAAAAmAAAAZAAAABYAAABMAAAAAAAAAAAAAAAEAAAAAAAAAAEAAACAgIAKAAAAACgAAAAoAAAAZAAAAGQAAAAAAAAAzMzMAAAAAABQAAAAUAAAAGQAAABkAAAAAAAAABcAAAAUAAAAAAAAAMQBAAD/fwAA/38AAAAAAAAJAAAABAAAAAAAAAAMAAAAEAAAAAAAAAAAAAAAAAAAAAAAAAAeAAAAaAAAAAAAAAAAAAAAAAAAAAAAAAAAAAAAECcAABAnAAAAAAAAAAAAAAAAAAAAAAAAAAAAAAAAAAAAAAAAAAAAABQAAAAAAAAAwMD/AAAAAABkAAAAMgAAAAAAAABkAAAAAAAAAH9/fwAKAAAAIgAAABgAAAAAAAAAAAAAAAAAAAAAAAAAAAAAAAAAAAAkAAAAJAAAAAAAAAAHAAAAAAAAAAAAAAAAAAAAAAAAAAAAAAAAAAAAf39/ACUAAABYAAAAAAAAAAAAAAAAAAAAAAAAAAAAAAAAAAAAAAAAAAAAAAAAAAAAAAAAAAAAAAA/AAAAAAAAAKCGAQAAAAAAAAAAAAAAAAAMAAAAAQAAAAAAAAAAAAAAAAAAAB8AAABUAAAAu+DjBf///wEAAAAAAAAAAAAAAAAAAAAAAAAAAAAAAAAAAAAAAAAAAAAAAAJ/f38AgICAA8zMzADAwP8Af39/AAAAAAAAAAAAAAAAAAAAAAAAAAAAIQAAABgAAAAUAAAAHBQAAEQPAADjGgAALBIAABAgAAAmAAAACAAAAP//////////MAAAABQAAAAAAAAAAAD//wAAAQAAAP//AAABAA=="/>
               </a:ext>
             </a:extLst>
           </p:cNvSpPr>
@@ -7675,7 +7675,7 @@
           <p:cNvSpPr txBox="1">
             <a:extLst>
               <a:ext uri="smNativeData">
-                <pr:smNativeData xmlns:pr="smNativeData" xmlns="smNativeData" val="SMDATA_17_MUmAYRMAAAAlAAAAEgAAAE8BAAAAkAAAAEgAAACQAAAASAAAAAAAAAAAAAAAAAAAAAEAAABQAAAAAAAAAAAA4D8AAAAAAADgPwAAAAAAAOA/AAAAAAAA4D8AAAAAAADgPwAAAAAAAOA/AAAAAAAA4D8AAAAAAADgPwAAAAAAAOA/AAAAAAAA4D8CAAAAjAAAAAAAAAAAAAAAu+DjDP///wgAAAAAAAAAAAAAAAAAAAAAAAAAAAAAAAAAAAAAZAAAAAEAAABAAAAAAAAAAAAAAAAAAAAAAAAAAAAAAAAAAAAAAAAAAAAAAAAAAAAAAAAAAAAAAAAAAAAAAAAAAAAAAAAAAAAAAAAAAAAAAAAAAAAAAAAAAAAAAAAAAAAAFAAAADwAAAAAAAAAAAAAAAAAAAkUAAAAAQAAABQAAAAUAAAAFAAAAAEAAAAAAAAAZAAAAGQAAAAAAAAAZAAAAGQAAAAVAAAAYAAAAAAAAAAAAAAADwAAACADAAAAAAAAAAAAAAEAAACgMgAAVgcAAKr4//8BAAAAf39/AAEAAABkAAAAAAAAABQAAABAHwAAAAAAACYAAAAAAAAAwOD//wAAAAAmAAAAZAAAABYAAABMAAAAAAAAAAAAAAAEAAAAAAAAAAEAAACAgIAKAAAAACgAAAAoAAAAZAAAAGQAAAAAAAAAzMzMAAAAAABQAAAAUAAAAGQAAABkAAAAAAAAABcAAAAUAAAAAAAAAMQBAAD/fwAA/38AAAAAAAAJAAAABAAAADhBQUEMAAAAEAAAAAAAAAAAAAAAAAAAAAAAAAAeAAAAaAAAAAAAAAAAAAAAAAAAAAAAAAAAAAAAECcAABAnAAAAAAAAAAAAAAAAAAAAAAAAAAAAAAAAAAAAAAAAAAAAABQAAAAAAAAAwMD/AAAAAABkAAAAMgAAAAAAAABkAAAAAAAAAH9/fwAKAAAAIgAAABgAAAAAAAAAAAAAAAAAAAAAAAAAAAAAAAAAAAAkAAAAJAAAAAAAAAAHAAAAAAAAAAAAAAAAAAAAAAAAAAAAAAAAAAAAf39/ACUAAABYAAAAAAAAAAAAAAAAAAAAAAAAAAAAAAAAAAAAAAAAAAAAAAAAAAAAAAAAAAAAAAA/AAAAAAAAAKCGAQAAAAAAAAAAAAAAAAAMAAAAAQAAAAAAAAAAAAAAAAAAAB8AAABUAAAAu+DjBf///wEAAAAAAAAAAAAAAAAAAAAAAAAAAAAAAAAAAAAAAAAAAAAAAAJ/f38AgICAA8zMzADAwP8Af39/AAAAAAAAAAAAAAAAAAAAAAAAAAAAIQAAABgAAAAUAAAAWR8AAEQPAAAgJgAALBIAABAgAAAmAAAACAAAAP//////////MAAAABQAAAAAAAAAAAD//wAAAQAAAP//AAABAA=="/>
+                <pr:smNativeData xmlns:pr="smNativeData" xmlns="smNativeData" val="SMDATA_17_WnaBYRMAAAAlAAAAEgAAAE8BAAAAkAAAAEgAAACQAAAASAAAAAAAAAAAAAAAAAAAAAEAAABQAAAAAAAAAAAA4D8AAAAAAADgPwAAAAAAAOA/AAAAAAAA4D8AAAAAAADgPwAAAAAAAOA/AAAAAAAA4D8AAAAAAADgPwAAAAAAAOA/AAAAAAAA4D8CAAAAjAAAAAAAAAAAAAAAu+DjDP///wgAAAAAAAAAAAAAAAAAAAAAAAAAAAAAAAAAAAAAZAAAAAEAAABAAAAAAAAAAAAAAAAAAAAAAAAAAAAAAAAAAAAAAAAAAAAAAAAAAAAAAAAAAAAAAAAAAAAAAAAAAAAAAAAAAAAAAAAAAAAAAAAAAAAAAAAAAAAAAAAAAAAAFAAAADwAAAAAAAAAAAAAAAAAAAkUAAAAAQAAABQAAAAUAAAAFAAAAAEAAAAAAAAAZAAAAGQAAAAAAAAAZAAAAGQAAAAVAAAAYAAAAAAAAAAAAAAADwAAACADAAAAAAAAAAAAAAEAAACgMgAAVgcAAKr4//8BAAAAf39/AAEAAABkAAAAAAAAABQAAABAHwAAAAAAACYAAAAAAAAAwOD//wAAAAAmAAAAZAAAABYAAABMAAAAAAAAAAAAAAAEAAAAAAAAAAEAAACAgIAKAAAAACgAAAAoAAAAZAAAAGQAAAAAAAAAzMzMAAAAAABQAAAAUAAAAGQAAABkAAAAAAAAABcAAAAUAAAAAAAAAMQBAAD/fwAA/38AAAAAAAAJAAAABAAAADhBQUEMAAAAEAAAAAAAAAAAAAAAAAAAAAAAAAAeAAAAaAAAAAAAAAAAAAAAAAAAAAAAAAAAAAAAECcAABAnAAAAAAAAAAAAAAAAAAAAAAAAAAAAAAAAAAAAAAAAAAAAABQAAAAAAAAAwMD/AAAAAABkAAAAMgAAAAAAAABkAAAAAAAAAH9/fwAKAAAAIgAAABgAAAAAAAAAAAAAAAAAAAAAAAAAAAAAAAAAAAAkAAAAJAAAAAAAAAAHAAAAAAAAAAAAAAAAAAAAAAAAAAAAAAAAAAAAf39/ACUAAABYAAAAAAAAAAAAAAAAAAAAAAAAAAAAAAAAAAAAAAAAAAAAAAAAAAAAAAAAAAAAAAA/AAAAAAAAAKCGAQAAAAAAAAAAAAAAAAAMAAAAAQAAAAAAAAAAAAAAAAAAAB8AAABUAAAAu+DjBf///wEAAAAAAAAAAAAAAAAAAAAAAAAAAAAAAAAAAAAAAAAAAAAAAAJ/f38AgICAA8zMzADAwP8Af39/AAAAAAAAAAAAAAAAAAAAAAAAAAAAIQAAABgAAAAUAAAAWR8AAEQPAAAgJgAALBIAABAgAAAmAAAACAAAAP//////////MAAAABQAAAAAAAAAAAD//wAAAQAAAP//AAABAA=="/>
               </a:ext>
             </a:extLst>
           </p:cNvSpPr>
@@ -7721,7 +7721,7 @@
           <p:cNvSpPr txBox="1">
             <a:extLst>
               <a:ext uri="smNativeData">
-                <pr:smNativeData xmlns:pr="smNativeData" xmlns="smNativeData" val="SMDATA_17_MUmAYRMAAAAlAAAAEgAAAE8BAAAAkAAAAEgAAACQAAAASAAAAAAAAAAAAAAAAAAAAAEAAABQAAAAAAAAAAAA4D8AAAAAAADgPwAAAAAAAOA/AAAAAAAA4D8AAAAAAADgPwAAAAAAAOA/AAAAAAAA4D8AAAAAAADgPwAAAAAAAOA/AAAAAAAA4D8CAAAAjAAAAAAAAAAAAAAAu+DjDP///wgAAAAAAAAAAAAAAAAAAAAAAAAAAAAAAAAAAAAAZAAAAAEAAABAAAAAAAAAAAAAAAAAAAAAAAAAAAAAAAAAAAAAAAAAAAAAAAAAAAAAAAAAAAAAAAAAAAAAAAAAAAAAAAAAAAAAAAAAAAAAAAAAAAAAAAAAAAAAAAAAAAAAFAAAADwAAAAAAAAAAAAAAAAAAAkUAAAAAQAAABQAAAAUAAAAFAAAAAEAAAAAAAAAZAAAAGQAAAAAAAAAZAAAAGQAAAAVAAAAYAAAAAAAAAAAAAAADwAAACADAAAAAAAAAAAAAAEAAACgMgAAVgcAAKr4//8BAAAAf39/AAEAAABkAAAAAAAAABQAAABAHwAAAAAAACYAAAAAAAAAwOD//wAAAAAmAAAAZAAAABYAAABMAAAAAAAAAAAAAAAEAAAAAAAAAAEAAACAgIAKAAAAACgAAAAoAAAAZAAAAGQAAAAAAAAAzMzMAAAAAABQAAAAUAAAAGQAAABkAAAAAAAAABcAAAAUAAAAAAAAAMQBAAD/fwAA/38AAAAAAAAJAAAABAAAAEFBQUEMAAAAEAAAAAAAAAAAAAAAAAAAAAAAAAAeAAAAaAAAAAAAAAAAAAAAAAAAAAAAAAAAAAAAECcAABAnAAAAAAAAAAAAAAAAAAAAAAAAAAAAAAAAAAAAAAAAAAAAABQAAAAAAAAAwMD/AAAAAABkAAAAMgAAAAAAAABkAAAAAAAAAH9/fwAKAAAAIgAAABgAAAAAAAAAAAAAAAAAAAAAAAAAAAAAAAAAAAAkAAAAJAAAAAAAAAAHAAAAAAAAAAAAAAAAAAAAAAAAAAAAAAAAAAAAf39/ACUAAABYAAAAAAAAAAAAAAAAAAAAAAAAAAAAAAAAAAAAAAAAAAAAAAAAAAAAAAAAAAAAAAA/AAAAAAAAAKCGAQAAAAAAAAAAAAAAAAAMAAAAAQAAAAAAAAAAAAAAAAAAAB8AAABUAAAAu+DjBf///wEAAAAAAAAAAAAAAAAAAAAAAAAAAAAAAAAAAAAAAAAAAAAAAAJ/f38AgICAA8zMzADAwP8Af39/AAAAAAAAAAAAAAAAAAAAAAAAAAAAIQAAABgAAAAUAAAAOioAAEQPAAABMQAALBIAABAgAAAmAAAACAAAAP//////////MAAAABQAAAAAAAAAAAD//wAAAQAAAP//AAABAA=="/>
+                <pr:smNativeData xmlns:pr="smNativeData" xmlns="smNativeData" val="SMDATA_17_WnaBYRMAAAAlAAAAEgAAAE8BAAAAkAAAAEgAAACQAAAASAAAAAAAAAAAAAAAAAAAAAEAAABQAAAAAAAAAAAA4D8AAAAAAADgPwAAAAAAAOA/AAAAAAAA4D8AAAAAAADgPwAAAAAAAOA/AAAAAAAA4D8AAAAAAADgPwAAAAAAAOA/AAAAAAAA4D8CAAAAjAAAAAAAAAAAAAAAu+DjDP///wgAAAAAAAAAAAAAAAAAAAAAAAAAAAAAAAAAAAAAZAAAAAEAAABAAAAAAAAAAAAAAAAAAAAAAAAAAAAAAAAAAAAAAAAAAAAAAAAAAAAAAAAAAAAAAAAAAAAAAAAAAAAAAAAAAAAAAAAAAAAAAAAAAAAAAAAAAAAAAAAAAAAAFAAAADwAAAAAAAAAAAAAAAAAAAkUAAAAAQAAABQAAAAUAAAAFAAAAAEAAAAAAAAAZAAAAGQAAAAAAAAAZAAAAGQAAAAVAAAAYAAAAAAAAAAAAAAADwAAACADAAAAAAAAAAAAAAEAAACgMgAAVgcAAKr4//8BAAAAf39/AAEAAABkAAAAAAAAABQAAABAHwAAAAAAACYAAAAAAAAAwOD//wAAAAAmAAAAZAAAABYAAABMAAAAAAAAAAAAAAAEAAAAAAAAAAEAAACAgIAKAAAAACgAAAAoAAAAZAAAAGQAAAAAAAAAzMzMAAAAAABQAAAAUAAAAGQAAABkAAAAAAAAABcAAAAUAAAAAAAAAMQBAAD/fwAA/38AAAAAAAAJAAAABAAAAEFBQUEMAAAAEAAAAAAAAAAAAAAAAAAAAAAAAAAeAAAAaAAAAAAAAAAAAAAAAAAAAAAAAAAAAAAAECcAABAnAAAAAAAAAAAAAAAAAAAAAAAAAAAAAAAAAAAAAAAAAAAAABQAAAAAAAAAwMD/AAAAAABkAAAAMgAAAAAAAABkAAAAAAAAAH9/fwAKAAAAIgAAABgAAAAAAAAAAAAAAAAAAAAAAAAAAAAAAAAAAAAkAAAAJAAAAAAAAAAHAAAAAAAAAAAAAAAAAAAAAAAAAAAAAAAAAAAAf39/ACUAAABYAAAAAAAAAAAAAAAAAAAAAAAAAAAAAAAAAAAAAAAAAAAAAAAAAAAAAAAAAAAAAAA/AAAAAAAAAKCGAQAAAAAAAAAAAAAAAAAMAAAAAQAAAAAAAAAAAAAAAAAAAB8AAABUAAAAu+DjBf///wEAAAAAAAAAAAAAAAAAAAAAAAAAAAAAAAAAAAAAAAAAAAAAAAJ/f38AgICAA8zMzADAwP8Af39/AAAAAAAAAAAAAAAAAAAAAAAAAAAAIQAAABgAAAAUAAAAOioAAEQPAAABMQAALBIAABAgAAAmAAAACAAAAP//////////MAAAABQAAAAAAAAAAAD//wAAAQAAAP//AAABAA=="/>
               </a:ext>
             </a:extLst>
           </p:cNvSpPr>
@@ -7767,7 +7767,7 @@
           <p:cNvSpPr txBox="1">
             <a:extLst>
               <a:ext uri="smNativeData">
-                <pr:smNativeData xmlns:pr="smNativeData" xmlns="smNativeData" val="SMDATA_17_MUmAYRMAAAAlAAAAEgAAAE8BAAAAkAAAAEgAAACQAAAASAAAAAAAAAAAAAAAAAAAAAEAAABQAAAAAAAAAAAA4D8AAAAAAADgPwAAAAAAAOA/AAAAAAAA4D8AAAAAAADgPwAAAAAAAOA/AAAAAAAA4D8AAAAAAADgPwAAAAAAAOA/AAAAAAAA4D8CAAAAjAAAAAAAAAAAAAAAu+DjDP///wgAAAAAAAAAAAAAAAAAAAAAAAAAAAAAAAAAAAAAZAAAAAEAAABAAAAAAAAAAAAAAAAAAAAAAAAAAAAAAAAAAAAAAAAAAAAAAAAAAAAAAAAAAAAAAAAAAAAAAAAAAAAAAAAAAAAAAAAAAAAAAAAAAAAAAAAAAAAAAAAAAAAAFAAAADwAAAAAAAAAAAAAAAAAAAkUAAAAAQAAABQAAAAUAAAAFAAAAAEAAAAAAAAAZAAAAGQAAAAAAAAAZAAAAGQAAAAVAAAAYAAAAAAAAAAAAAAADwAAACADAAAAAAAAAAAAAAEAAACgMgAAVgcAAKr4//8BAAAAf39/AAEAAABkAAAAAAAAABQAAABAHwAAAAAAACYAAAAAAAAAwOD//wAAAAAmAAAAZAAAABYAAABMAAAAAAAAAAAAAAAEAAAAAAAAAAEAAACAgIAKAAAAACgAAAAoAAAAZAAAAGQAAAAAAAAAzMzMAAAAAABQAAAAUAAAAGQAAABkAAAAAAAAABcAAAAUAAAAAAAAAMQBAAD/fwAA/38AAAAAAAAJAAAABAAAADhBQUEMAAAAEAAAAAAAAAAAAAAAAAAAAAAAAAAeAAAAaAAAAAAAAAAAAAAAAAAAAAAAAAAAAAAAECcAABAnAAAAAAAAAAAAAAAAAAAAAAAAAAAAAAAAAAAAAAAAAAAAABQAAAAAAAAAwMD/AAAAAABkAAAAMgAAAAAAAABkAAAAAAAAAH9/fwAKAAAAIgAAABgAAAAAAAAAAAAAAAAAAAAAAAAAAAAAAAAAAAAkAAAAJAAAAAAAAAAHAAAAAAAAAAAAAAAAAAAAAAAAAAAAAAAAAAAAf39/ACUAAABYAAAAAAAAAAAAAAAAAAAAAAAAAAAAAAAAAAAAAAAAAAAAAAAAAAAAAAAAAAAAAAA/AAAAAAAAAKCGAQAAAAAAAAAAAAAAAAAMAAAAAQAAAAAAAAAAAAAAAAAAAB8AAABUAAAAu+DjBf///wEAAAAAAAAAAAAAAAAAAAAAAAAAAAAAAAAAAAAAAAAAAAAAAAJ/f38AgICAA8zMzADAwP8Af39/AAAAAAAAAAAAAAAAAAAAAAAAAAAAIQAAABgAAAAUAAAAeTUAAEQPAABAPAAALBIAABAgAAAmAAAACAAAAP//////////MAAAABQAAAAAAAAAAAD//wAAAQAAAP//AAABAA=="/>
+                <pr:smNativeData xmlns:pr="smNativeData" xmlns="smNativeData" val="SMDATA_17_WnaBYRMAAAAlAAAAEgAAAE8BAAAAkAAAAEgAAACQAAAASAAAAAAAAAAAAAAAAAAAAAEAAABQAAAAAAAAAAAA4D8AAAAAAADgPwAAAAAAAOA/AAAAAAAA4D8AAAAAAADgPwAAAAAAAOA/AAAAAAAA4D8AAAAAAADgPwAAAAAAAOA/AAAAAAAA4D8CAAAAjAAAAAAAAAAAAAAAu+DjDP///wgAAAAAAAAAAAAAAAAAAAAAAAAAAAAAAAAAAAAAZAAAAAEAAABAAAAAAAAAAAAAAAAAAAAAAAAAAAAAAAAAAAAAAAAAAAAAAAAAAAAAAAAAAAAAAAAAAAAAAAAAAAAAAAAAAAAAAAAAAAAAAAAAAAAAAAAAAAAAAAAAAAAAFAAAADwAAAAAAAAAAAAAAAAAAAkUAAAAAQAAABQAAAAUAAAAFAAAAAEAAAAAAAAAZAAAAGQAAAAAAAAAZAAAAGQAAAAVAAAAYAAAAAAAAAAAAAAADwAAACADAAAAAAAAAAAAAAEAAACgMgAAVgcAAKr4//8BAAAAf39/AAEAAABkAAAAAAAAABQAAABAHwAAAAAAACYAAAAAAAAAwOD//wAAAAAmAAAAZAAAABYAAABMAAAAAAAAAAAAAAAEAAAAAAAAAAEAAACAgIAKAAAAACgAAAAoAAAAZAAAAGQAAAAAAAAAzMzMAAAAAABQAAAAUAAAAGQAAABkAAAAAAAAABcAAAAUAAAAAAAAAMQBAAD/fwAA/38AAAAAAAAJAAAABAAAADhBQUEMAAAAEAAAAAAAAAAAAAAAAAAAAAAAAAAeAAAAaAAAAAAAAAAAAAAAAAAAAAAAAAAAAAAAECcAABAnAAAAAAAAAAAAAAAAAAAAAAAAAAAAAAAAAAAAAAAAAAAAABQAAAAAAAAAwMD/AAAAAABkAAAAMgAAAAAAAABkAAAAAAAAAH9/fwAKAAAAIgAAABgAAAAAAAAAAAAAAAAAAAAAAAAAAAAAAAAAAAAkAAAAJAAAAAAAAAAHAAAAAAAAAAAAAAAAAAAAAAAAAAAAAAAAAAAAf39/ACUAAABYAAAAAAAAAAAAAAAAAAAAAAAAAAAAAAAAAAAAAAAAAAAAAAAAAAAAAAAAAAAAAAA/AAAAAAAAAKCGAQAAAAAAAAAAAAAAAAAMAAAAAQAAAAAAAAAAAAAAAAAAAB8AAABUAAAAu+DjBf///wEAAAAAAAAAAAAAAAAAAAAAAAAAAAAAAAAAAAAAAAAAAAAAAAJ/f38AgICAA8zMzADAwP8Af39/AAAAAAAAAAAAAAAAAAAAAAAAAAAAIQAAABgAAAAUAAAAeTUAAEQPAABAPAAALBIAABAgAAAmAAAACAAAAP//////////MAAAABQAAAAAAAAAAAD//wAAAQAAAP//AAABAA=="/>
               </a:ext>
             </a:extLst>
           </p:cNvSpPr>
@@ -7813,7 +7813,7 @@
           <p:cNvPicPr>
             <a:extLst>
               <a:ext uri="smNativeData">
-                <pr:smNativeData xmlns:pr="smNativeData" xmlns="smNativeData" val="SMDATA_19_MUmAYRMAAAAlAAAAEQAAAA8BAAAAkAAAAEgAAACQAAAASAAAAAAAAAAAAAAAAAAAAAEAAABQAAAAAAAAAAAA4D8AAAAAAADgPwAAAAAAAOA/AAAAAAAA4D8AAAAAAADgPwAAAAAAAOA/AAAAAAAA4D8AAAAAAADgPwAAAAAAAOA/AAAAAAAA4D8CAAAAjAAAAAAAAAAAAAAAu+DjDP///wgAAAAAAAAAAAAAAAAAAAAAAAAAAAAAAAAAAAAAZAAAAAEAAABAAAAAAAAAAAAAAAAAAAAAAAAAAAAAAAAAAAAAAAAAAAAAAAAAAAAAAAAAAAAAAAAAAAAAAAAAAAAAAAAAAAAAAAAAAAAAAAAAAAAAAAAAAAAAAAAAAAAAFAAAADwAAAAAAAAAAAAAAAAAAAkUAAAAAQAAABQAAAAUAAAAFAAAAAEAAAAAAAAAZAAAAGQAAAAAAAAAZAAAAGQAAAAVAAAAYAAAAAAAAAAAAAAADwAAACADAAAAAAAAAAAAAAEAAACgMgAAVgcAAKr4//8BAAAAf39/AAEAAABkAAAAAAAAABQAAABAHwAAAAAAACYAAAAAAAAAwOD//wAAAAAmAAAAZAAAABYAAABMAAAAAAAAAAAAAAAEAAAAAAAAAAEAAACAgIAKAAAAACgAAAAoAAAAZAAAAGQAAAAAAAAAzMzMAAAAAABQAAAAUAAAAGQAAABkAAAAAAAAAAcAAAA4AAAAAAAAAAAAAAAAAAAA////AAAAAAAAAAAAAAAAAAAAAAAAAAAAAAAAAAAAAABkAAAAZAAAAAAAAAAjAAAABAAAAGQAAAAXAAAAFAAAAAAAAAAAAAAA/38AAP9/AAAAAAAACQAAAAQAAABBQUFBDAAAABAAAAAAAAAAAAAAAAAAAAAAAAAAHgAAAGgAAAAAAAAAAAAAAAAAAAAAAAAAAAAAABAnAAAQJwAAAAAAAAAAAAAAAAAAAAAAAAAAAAAAAAAAAAAAAAAAAAAUAAAAAAAAAMDA/wAAAAAAZAAAADIAAAAAAAAAZAAAAAAAAAB/f38ACgAAACIAAAAYAAAAAAAAAAAAAAAAAAAAAAAAAAAAAAAAAAAAJAAAACQAAAAAAAAABwAAAAAAAAAAAAAAAAAAAAAAAAAAAAAAAAAAAH9/fwAlAAAAWAAAAAAAAAAAAAAAAAAAAAAAAAAAAAAAAAAAAAAAAAAAAAAAAAAAAAAAAAAAAAAAPwAAAAAAAACghgEAAAAAAAAAAAAAAAAADAAAAAEAAAAAAAAAAAAAAAAAAAAfAAAAVAAAALvg4wX///8BAAAAAAAAAAAAAAAAAAAAAAAAAAAAAAAAAAAAAAAAAAAAAAACf39/AICAgAPMzMwAwMD/AH9/fwAAAAAAAAAAAAAAAAD///8AAAAAACEAAAAYAAAAFAAAAL0AAADiAAAAakoAAP4GAAAQAAAAJgAAAAgAAAD//////////zAAAAAUAAAAAAAAAAAA//8AAAEAAAD//wAAAQA="/>
+                <pr:smNativeData xmlns:pr="smNativeData" xmlns="smNativeData" val="SMDATA_19_WnaBYRMAAAAlAAAAEQAAAA8BAAAAkAAAAEgAAACQAAAASAAAAAAAAAAAAAAAAAAAAAEAAABQAAAAAAAAAAAA4D8AAAAAAADgPwAAAAAAAOA/AAAAAAAA4D8AAAAAAADgPwAAAAAAAOA/AAAAAAAA4D8AAAAAAADgPwAAAAAAAOA/AAAAAAAA4D8CAAAAjAAAAAAAAAAAAAAAu+DjDP///wgAAAAAAAAAAAAAAAAAAAAAAAAAAAAAAAAAAAAAZAAAAAEAAABAAAAAAAAAAAAAAAAAAAAAAAAAAAAAAAAAAAAAAAAAAAAAAAAAAAAAAAAAAAAAAAAAAAAAAAAAAAAAAAAAAAAAAAAAAAAAAAAAAAAAAAAAAAAAAAAAAAAAFAAAADwAAAAAAAAAAAAAAAAAAAkUAAAAAQAAABQAAAAUAAAAFAAAAAEAAAAAAAAAZAAAAGQAAAAAAAAAZAAAAGQAAAAVAAAAYAAAAAAAAAAAAAAADwAAACADAAAAAAAAAAAAAAEAAACgMgAAVgcAAKr4//8BAAAAf39/AAEAAABkAAAAAAAAABQAAABAHwAAAAAAACYAAAAAAAAAwOD//wAAAAAmAAAAZAAAABYAAABMAAAAAAAAAAAAAAAEAAAAAAAAAAEAAACAgIAKAAAAACgAAAAoAAAAZAAAAGQAAAAAAAAAzMzMAAAAAABQAAAAUAAAAGQAAABkAAAAAAAAAAcAAAA4AAAAAAAAAAAAAAAAAAAA////AAAAAAAAAAAAAAAAAAAAAAAAAAAAAAAAAAAAAABkAAAAZAAAAAAAAAAjAAAABAAAAGQAAAAXAAAAFAAAAAAAAAAAAAAA/38AAP9/AAAAAAAACQAAAAQAAABBQUFBDAAAABAAAAAAAAAAAAAAAAAAAAAAAAAAHgAAAGgAAAAAAAAAAAAAAAAAAAAAAAAAAAAAABAnAAAQJwAAAAAAAAAAAAAAAAAAAAAAAAAAAAAAAAAAAAAAAAAAAAAUAAAAAAAAAMDA/wAAAAAAZAAAADIAAAAAAAAAZAAAAAAAAAB/f38ACgAAACIAAAAYAAAAAAAAAAAAAAAAAAAAAAAAAAAAAAAAAAAAJAAAACQAAAAAAAAABwAAAAAAAAAAAAAAAAAAAAAAAAAAAAAAAAAAAH9/fwAlAAAAWAAAAAAAAAAAAAAAAAAAAAAAAAAAAAAAAAAAAAAAAAAAAAAAAAAAAAAAAAAAAAAAPwAAAAAAAACghgEAAAAAAAAAAAAAAAAADAAAAAEAAAAAAAAAAAAAAAAAAAAfAAAAVAAAALvg4wX///8BAAAAAAAAAAAAAAAAAAAAAAAAAAAAAAAAAAAAAAAAAAAAAAACf39/AICAgAPMzMwAwMD/AH9/fwAAAAAAAAAAAAAAAAD///8AAAAAACEAAAAYAAAAFAAAAL0AAADiAAAAakoAAP4GAAAQAAAAJgAAAAgAAAD//////////zAAAAAUAAAAAAAAAAAA//8AAAEAAAD//wAAAQA="/>
               </a:ext>
             </a:extLst>
           </p:cNvPicPr>
@@ -7878,7 +7878,7 @@
           <p:cNvSpPr txBox="1">
             <a:extLst>
               <a:ext uri="smNativeData">
-                <pr:smNativeData xmlns:pr="smNativeData" xmlns="smNativeData" val="SMDATA_17_MUmAYRMAAAAlAAAAEgAAAE8BAAAAkAAAAEgAAACQAAAASAAAAAAAAAAAAAAAAAAAAAEAAABQAAAAAAAAAAAA4D8AAAAAAADgPwAAAAAAAOA/AAAAAAAA4D8AAAAAAADgPwAAAAAAAOA/AAAAAAAA4D8AAAAAAADgPwAAAAAAAOA/AAAAAAAA4D8CAAAAjAAAAAAAAAAAAAAAu+DjDP///wgAAAAAAAAAAAAAAAAAAAAAAAAAAAAAAAAAAAAAZAAAAAEAAABAAAAAAAAAAAAAAAAAAAAAAAAAAAAAAAAAAAAAAAAAAAAAAAAAAAAAAAAAAAAAAAAAAAAAAAAAAAAAAAAAAAAAAAAAAAAAAAAAAAAAAAAAAAAAAAAAAAAAFAAAADwAAAAAAAAAAAAAAAAAAAkUAAAAAQAAABQAAAAUAAAAFAAAAAEAAAAAAAAAZAAAAGQAAAAAAAAAZAAAAGQAAAAVAAAAYAAAAAAAAAAAAAAADwAAACADAAAAAAAAAAAAAAEAAACgMgAAVgcAAKr4//8BAAAAf39/AAEAAABkAAAAAAAAABQAAABAHwAAAAAAACYAAAAAAAAAwOD//wAAAAAmAAAAZAAAABYAAABMAAAAAAAAAAAAAAAEAAAAAAAAAAEAAACAgIAKAAAAACgAAAAoAAAAZAAAAGQAAAAAAAAAzMzMAAAAAABQAAAAUAAAAGQAAABkAAAAAAAAABcAAAAUAAAAAAAAABcDAAD/fwAA/38AAAAAAAAJAAAABAAAAPDW1gUMAAAAEAAAAAAAAAAAAAAAAAAAAAAAAAAeAAAAaAAAAAAAAAAAAAAAAAAAAAAAAAAAAAAAECcAABAnAAAAAAAAAAAAAAAAAAAAAAAAAAAAAAAAAAAAAAAAAAAAABQAAAAAAAAAwMD/AAAAAABkAAAAMgAAAAAAAABkAAAAAAAAAH9/fwAKAAAAIgAAABgAAAAAAAAAAAAAAAAAAAAAAAAAAAAAAAAAAAAkAAAAJAAAAAAAAAAHAAAAAAAAAAAAAAAAAAAAAAAAAAAAAAAAAAAAf39/ACUAAABYAAAAAAAAAAAAAAAAAAAAAAAAAAAAAAAAAAAAAAAAAAAAAAAAAAAAAAAAAAAAAAA/AAAAAAAAAKCGAQAAAAAAAAAAAAAAAAAMAAAAAQAAAAAAAAAAAAAAAAAAAB8AAABUAAAAu+DjBf///wEAAAAAAAAAAAAAAAAAAAAAAAAAAAAAAAAAAAAAAAAAAAAAAAJ/f38AgICAA8zMzADAwP8Af39/AAAAAAAAAAAAAAAAAAAAAAAAAAAAIQAAABgAAAAUAAAATAUAAIEHAACmSAAAaQoAABAgAAAmAAAACAAAAP//////////MAAAABQAAAAAAAAAAAD//wAAAQAAAP//AAABAA=="/>
+                <pr:smNativeData xmlns:pr="smNativeData" xmlns="smNativeData" val="SMDATA_17_WnaBYRMAAAAlAAAAEgAAAE8BAAAAkAAAAEgAAACQAAAASAAAAAAAAAAAAAAAAAAAAAEAAABQAAAAAAAAAAAA4D8AAAAAAADgPwAAAAAAAOA/AAAAAAAA4D8AAAAAAADgPwAAAAAAAOA/AAAAAAAA4D8AAAAAAADgPwAAAAAAAOA/AAAAAAAA4D8CAAAAjAAAAAAAAAAAAAAAu+DjDP///wgAAAAAAAAAAAAAAAAAAAAAAAAAAAAAAAAAAAAAZAAAAAEAAABAAAAAAAAAAAAAAAAAAAAAAAAAAAAAAAAAAAAAAAAAAAAAAAAAAAAAAAAAAAAAAAAAAAAAAAAAAAAAAAAAAAAAAAAAAAAAAAAAAAAAAAAAAAAAAAAAAAAAFAAAADwAAAAAAAAAAAAAAAAAAAkUAAAAAQAAABQAAAAUAAAAFAAAAAEAAAAAAAAAZAAAAGQAAAAAAAAAZAAAAGQAAAAVAAAAYAAAAAAAAAAAAAAADwAAACADAAAAAAAAAAAAAAEAAACgMgAAVgcAAKr4//8BAAAAf39/AAEAAABkAAAAAAAAABQAAABAHwAAAAAAACYAAAAAAAAAwOD//wAAAAAmAAAAZAAAABYAAABMAAAAAAAAAAAAAAAEAAAAAAAAAAEAAACAgIAKAAAAACgAAAAoAAAAZAAAAGQAAAAAAAAAzMzMAAAAAABQAAAAUAAAAGQAAABkAAAAAAAAABcAAAAUAAAAAAAAABcDAAD/fwAA/38AAAAAAAAJAAAABAAAAPDW1gUMAAAAEAAAAAAAAAAAAAAAAAAAAAAAAAAeAAAAaAAAAAAAAAAAAAAAAAAAAAAAAAAAAAAAECcAABAnAAAAAAAAAAAAAAAAAAAAAAAAAAAAAAAAAAAAAAAAAAAAABQAAAAAAAAAwMD/AAAAAABkAAAAMgAAAAAAAABkAAAAAAAAAH9/fwAKAAAAIgAAABgAAAAAAAAAAAAAAAAAAAAAAAAAAAAAAAAAAAAkAAAAJAAAAAAAAAAHAAAAAAAAAAAAAAAAAAAAAAAAAAAAAAAAAAAAf39/ACUAAABYAAAAAAAAAAAAAAAAAAAAAAAAAAAAAAAAAAAAAAAAAAAAAAAAAAAAAAAAAAAAAAA/AAAAAAAAAKCGAQAAAAAAAAAAAAAAAAAMAAAAAQAAAAAAAAAAAAAAAAAAAB8AAABUAAAAu+DjBf///wEAAAAAAAAAAAAAAAAAAAAAAAAAAAAAAAAAAAAAAAAAAAAAAAJ/f38AgICAA8zMzADAwP8Af39/AAAAAAAAAAAAAAAAAAAAAAAAAAAAIQAAABgAAAAUAAAATAUAAIEHAACmSAAAaQoAABAgAAAmAAAACAAAAP//////////MAAAABQAAAAAAAAAAAD//wAAAQAAAP//AAABAA=="/>
               </a:ext>
             </a:extLst>
           </p:cNvSpPr>
@@ -7903,7 +7903,7 @@
           <a:lstStyle/>
           <a:p>
             <a:pPr>
-              <a:defRPr sz="2500" spc="-83">
+              <a:defRPr sz="2500" spc="-17">
                 <a:latin typeface="Liberation Sans" pitchFamily="1" charset="0"/>
                 <a:ea typeface="Liberation Sans" pitchFamily="1" charset="0"/>
                 <a:cs typeface="Liberation Sans" pitchFamily="1" charset="0"/>
@@ -7921,7 +7921,7 @@
           <p:cNvSpPr txBox="1">
             <a:extLst>
               <a:ext uri="smNativeData">
-                <pr:smNativeData xmlns:pr="smNativeData" xmlns="smNativeData" val="SMDATA_17_MUmAYRMAAAAlAAAAEgAAAE8BAAAAkAAAAEgAAACQAAAASAAAAAAAAAAAAAAAAAAAAAEAAABQAAAAAAAAAAAA4D8AAAAAAADgPwAAAAAAAOA/AAAAAAAA4D8AAAAAAADgPwAAAAAAAOA/AAAAAAAA4D8AAAAAAADgPwAAAAAAAOA/AAAAAAAA4D8CAAAAjAAAAAAAAAAAAAAAu+DjDP///wgAAAAAAAAAAAAAAAAAAAAAAAAAAAAAAAAAAAAAZAAAAAEAAABAAAAAAAAAAAAAAAAAAAAAAAAAAAAAAAAAAAAAAAAAAAAAAAAAAAAAAAAAAAAAAAAAAAAAAAAAAAAAAAAAAAAAAAAAAAAAAAAAAAAAAAAAAAAAAAAAAAAAFAAAADwAAAAAAAAAAAAAAAAAAAkUAAAAAQAAABQAAAAUAAAAFAAAAAEAAAAAAAAAZAAAAGQAAAAAAAAAZAAAAGQAAAAVAAAAYAAAAAAAAAAAAAAADwAAACADAAAAAAAAAAAAAAEAAACgMgAAVgcAAKr4//8BAAAAf39/AAEAAABkAAAAAAAAABQAAABAHwAAAAAAACYAAAAAAAAAwOD//wAAAAAmAAAAZAAAABYAAABMAAAAAAAAAAAAAAAEAAAAAAAAAAEAAACAgIAKAAAAACgAAAAoAAAAZAAAAGQAAAAAAAAAzMzMAAAAAABQAAAAUAAAAGQAAABkAAAAAAAAABcAAAAUAAAAAAAAABcDAAD/fwAA/38AAAAAAAAJAAAABAAAAMBAHLgMAAAAEAAAAAAAAAAAAAAAAAAAAAAAAAAeAAAAaAAAAAAAAAAAAAAAAAAAAAAAAAAAAAAAECcAABAnAAAAAAAAAAAAAAAAAAAAAAAAAAAAAAAAAAAAAAAAAAAAABQAAAAAAAAAwMD/AAAAAABkAAAAMgAAAAAAAABkAAAAAAAAAH9/fwAKAAAAIgAAABgAAAAAAAAAAAAAAAAAAAAAAAAAAAAAAAAAAAAkAAAAJAAAAAAAAAAHAAAAAAAAAAAAAAAAAAAAAAAAAAAAAAAAAAAAf39/ACUAAABYAAAAAAAAAAAAAAAAAAAAAAAAAAAAAAAAAAAAAAAAAAAAAAAAAAAAAAAAAAAAAAA/AAAAAAAAAKCGAQAAAAAAAAAAAAAAAAAMAAAAAQAAAAAAAAAAAAAAAAAAAB8AAABUAAAAu+DjBf///wEAAAAAAAAAAAAAAAAAAAAAAAAAAAAAAAAAAAAAAAAAAAAAAAJ/f38AgICAA8zMzADAwP8Af39/AAAAAAAAAAAAAAAAAAAAAAAAAAAAIQAAABgAAAAUAAAATwcAAK8UAADjQAAAlxcAABAgAAAmAAAACAAAAP//////////MAAAABQAAAAAAAAAAAD//wAAAQAAAP//AAABAA=="/>
+                <pr:smNativeData xmlns:pr="smNativeData" xmlns="smNativeData" val="SMDATA_17_WnaBYRMAAAAlAAAAEgAAAE8BAAAAkAAAAEgAAACQAAAASAAAAAAAAAAAAAAAAAAAAAEAAABQAAAAAAAAAAAA4D8AAAAAAADgPwAAAAAAAOA/AAAAAAAA4D8AAAAAAADgPwAAAAAAAOA/AAAAAAAA4D8AAAAAAADgPwAAAAAAAOA/AAAAAAAA4D8CAAAAjAAAAAAAAAAAAAAAu+DjDP///wgAAAAAAAAAAAAAAAAAAAAAAAAAAAAAAAAAAAAAZAAAAAEAAABAAAAAAAAAAAAAAAAAAAAAAAAAAAAAAAAAAAAAAAAAAAAAAAAAAAAAAAAAAAAAAAAAAAAAAAAAAAAAAAAAAAAAAAAAAAAAAAAAAAAAAAAAAAAAAAAAAAAAFAAAADwAAAAAAAAAAAAAAAAAAAkUAAAAAQAAABQAAAAUAAAAFAAAAAEAAAAAAAAAZAAAAGQAAAAAAAAAZAAAAGQAAAAVAAAAYAAAAAAAAAAAAAAADwAAACADAAAAAAAAAAAAAAEAAACgMgAAVgcAAKr4//8BAAAAf39/AAEAAABkAAAAAAAAABQAAABAHwAAAAAAACYAAAAAAAAAwOD//wAAAAAmAAAAZAAAABYAAABMAAAAAAAAAAAAAAAEAAAAAAAAAAEAAACAgIAKAAAAACgAAAAoAAAAZAAAAGQAAAAAAAAAzMzMAAAAAABQAAAAUAAAAGQAAABkAAAAAAAAABcAAAAUAAAAAAAAABcDAAD/fwAA/38AAAAAAAAJAAAABAAAAMBAHLgMAAAAEAAAAAAAAAAAAAAAAAAAAAAAAAAeAAAAaAAAAAAAAAAAAAAAAAAAAAAAAAAAAAAAECcAABAnAAAAAAAAAAAAAAAAAAAAAAAAAAAAAAAAAAAAAAAAAAAAABQAAAAAAAAAwMD/AAAAAABkAAAAMgAAAAAAAABkAAAAAAAAAH9/fwAKAAAAIgAAABgAAAAAAAAAAAAAAAAAAAAAAAAAAAAAAAAAAAAkAAAAJAAAAAAAAAAHAAAAAAAAAAAAAAAAAAAAAAAAAAAAAAAAAAAAf39/ACUAAABYAAAAAAAAAAAAAAAAAAAAAAAAAAAAAAAAAAAAAAAAAAAAAAAAAAAAAAAAAAAAAAA/AAAAAAAAAKCGAQAAAAAAAAAAAAAAAAAMAAAAAQAAAAAAAAAAAAAAAAAAAB8AAABUAAAAu+DjBf///wEAAAAAAAAAAAAAAAAAAAAAAAAAAAAAAAAAAAAAAAAAAAAAAAJ/f38AgICAA8zMzADAwP8Af39/AAAAAAAAAAAAAAAAAAAAAAAAAAAAIQAAABgAAAAUAAAATwcAAK8UAADjQAAAlxcAABAgAAAmAAAACAAAAP//////////MAAAABQAAAAAAAAAAAD//wAAAQAAAP//AAABAA=="/>
               </a:ext>
             </a:extLst>
           </p:cNvSpPr>
@@ -7946,7 +7946,7 @@
           <a:lstStyle/>
           <a:p>
             <a:pPr>
-              <a:defRPr sz="2600" spc="3">
+              <a:defRPr sz="2600">
                 <a:latin typeface="Liberation Mono" pitchFamily="1" charset="0"/>
                 <a:ea typeface="Liberation Mono" pitchFamily="1" charset="0"/>
                 <a:cs typeface="Liberation Mono" pitchFamily="1" charset="0"/>
@@ -8021,7 +8021,7 @@
           <p:cNvSpPr>
             <a:extLst>
               <a:ext uri="smNativeData">
-                <pr:smNativeData xmlns:pr="smNativeData" xmlns="smNativeData" val="SMDATA_17_MUmAYRMAAAAlAAAAggAAAA8BAAAAkAAAAEgAAACQAAAASAAAAAAAAAAAAAAAAAAAAAEAAABQAAAAHoXrUbge5T8AAAAAAADgPwAAAAAAAOA/AAAAAAAA4D8AAAAAAADgPwAAAAAAAOA/AAAAAAAA4D8AAAAAAADgPwAAAAAAAOA/AAAAAAAA4D8CAAAAjAAAAAAAAAAAAAAAu+DjDP///wgAAAAAAAAAAAAAAAAAAAAAAAAAAAAAAAAAAAAAZAAAAAEAAABAAAAAAAAAAAAAAAAAAAAAAAAAAAAAAAAAAAAAAAAAAAAAAAAAAAAAAAAAAAAAAAAAAAAAAAAAAAAAAAAAAAAAAAAAAAAAAAAAAAAAAAAAAAAAAAAAAAAAFAAAADwAAAABAAAAAAAAAFiE0wAoAAAAAQAAABQAAAAUAAAAFAAAAAEAAAAAAAAAZAAAAGQAAAAAAAAAZAAAAGQAAAAVAAAAYAAAAAAAAAAAAAAADwAAACADAAAAAAAAAAAAAAEAAACgMgAAVgcAAKr4//8BAAAAf39/AAEAAABkAAAAAAAAABQAAABAHwAAAAAAACYAAAAAAAAAwOD//wAAAAAmAAAAZAAAABYAAABMAAAAAAAAAAAAAAAEAAAAAAAAAAEAAACAgIAKAAAAACgAAAAoAAAAZAAAAGQAAAAAAAAAzMzMAAAAAABQAAAAUAAAAGQAAABkAAAAAAAAABcAAAAUAAAAAAAAAAAAAAD/fwAA/38AAAAAAAAJAAAABAAAAGluZGUMAAAAEAAAAAAAAAAAAAAAAAAAAAAAAAAeAAAAaAAAAAAAAAAAAAAAAAAAAAAAAAAAAAAAECcAABAnAAAAAAAAAAAAAAAAAAAAAAAAAAAAAAAAAAAAAAAAAAAAABQAAAAAAAAAwMD/AAAAAABkAAAAMgAAAAAAAABkAAAAAAAAAH9/fwAKAAAAIgAAABgAAAAAAAAAAAAAAAAAAAAAAAAAAAAAAAAAAAAkAAAAJAAAAAAAAAAHAAAAAAAAAAAAAAAAAAAAAAAAAAAAAAAAAAAAf39/ACUAAABYAAAAAAAAAAAAAAAAAAAAAAAAAAAAAAAAAAAAAAAAAAAAAAAAAAAAAAAAAAAAAAA/AAAAAAAAAKCGAQAAAAAAAAAAAAAAAAAMAAAAAQAAAAAAAAAAAAAAAAAAAB8AAABUAAAAu+DjBf///wEAAAAAAAAAAAAAAAAAAAAAAAAAAAAAAAAAAAAAAAAAAFiE0wB/f38AgICAA8zMzADAwP8Af39/AAAAAAAAAAAAAAAAAAAAAAAAAAAAIQAAABgAAAAUAAAAzy4AAM8WAACfOAAAIhgAABAAAAAmAAAACAAAAP//////////MAAAABQAAAAAAAAAAAD//wAAAQAAAP//AAABAA=="/>
+                <pr:smNativeData xmlns:pr="smNativeData" xmlns="smNativeData" val="SMDATA_17_WnaBYRMAAAAlAAAAggAAAA8BAAAAkAAAAEgAAACQAAAASAAAAAAAAAAAAAAAAAAAAAEAAABQAAAAHoXrUbge5T8AAAAAAADgPwAAAAAAAOA/AAAAAAAA4D8AAAAAAADgPwAAAAAAAOA/AAAAAAAA4D8AAAAAAADgPwAAAAAAAOA/AAAAAAAA4D8CAAAAjAAAAAAAAAAAAAAAu+DjDP///wgAAAAAAAAAAAAAAAAAAAAAAAAAAAAAAAAAAAAAZAAAAAEAAABAAAAAAAAAAAAAAAAAAAAAAAAAAAAAAAAAAAAAAAAAAAAAAAAAAAAAAAAAAAAAAAAAAAAAAAAAAAAAAAAAAAAAAAAAAAAAAAAAAAAAAAAAAAAAAAAAAAAAFAAAADwAAAABAAAAAAAAAFiE0wAoAAAAAQAAABQAAAAUAAAAFAAAAAEAAAAAAAAAZAAAAGQAAAAAAAAAZAAAAGQAAAAVAAAAYAAAAAAAAAAAAAAADwAAACADAAAAAAAAAAAAAAEAAACgMgAAVgcAAKr4//8BAAAAf39/AAEAAABkAAAAAAAAABQAAABAHwAAAAAAACYAAAAAAAAAwOD//wAAAAAmAAAAZAAAABYAAABMAAAAAAAAAAAAAAAEAAAAAAAAAAEAAACAgIAKAAAAACgAAAAoAAAAZAAAAGQAAAAAAAAAzMzMAAAAAABQAAAAUAAAAGQAAABkAAAAAAAAABcAAAAUAAAAAAAAAAAAAAD/fwAA/38AAAAAAAAJAAAABAAAAGluZGUMAAAAEAAAAAAAAAAAAAAAAAAAAAAAAAAeAAAAaAAAAAAAAAAAAAAAAAAAAAAAAAAAAAAAECcAABAnAAAAAAAAAAAAAAAAAAAAAAAAAAAAAAAAAAAAAAAAAAAAABQAAAAAAAAAwMD/AAAAAABkAAAAMgAAAAAAAABkAAAAAAAAAH9/fwAKAAAAIgAAABgAAAAAAAAAAAAAAAAAAAAAAAAAAAAAAAAAAAAkAAAAJAAAAAAAAAAHAAAAAAAAAAAAAAAAAAAAAAAAAAAAAAAAAAAAf39/ACUAAABYAAAAAAAAAAAAAAAAAAAAAAAAAAAAAAAAAAAAAAAAAAAAAAAAAAAAAAAAAAAAAAA/AAAAAAAAAKCGAQAAAAAAAAAAAAAAAAAMAAAAAQAAAAAAAAAAAAAAAAAAAB8AAABUAAAAu+DjBf///wEAAAAAAAAAAAAAAAAAAAAAAAAAAAAAAAAAAAAAAAAAAFiE0wB/f38AgICAA8zMzADAwP8Af39/AAAAAAAAAAAAAAAAAAAAAAAAAAAAIQAAABgAAAAUAAAAzy4AAM8WAACfOAAAIhgAABAAAAAmAAAACAAAAP//////////MAAAABQAAAAAAAAAAAD//wAAAQAAAP//AAABAA=="/>
               </a:ext>
             </a:extLst>
           </p:cNvSpPr>
@@ -8057,7 +8057,7 @@
             <a:stCxn id="4" idx="1"/>
             <a:extLst>
               <a:ext uri="smNativeData">
-                <pr:smNativeData xmlns:pr="smNativeData" xmlns="smNativeData" val="SMDATA_17_MUmAYRMAAAAlAAAADgAAAA8BAAAAkAAAAEgAAACQAAAASAAAAAAAAAAAAAAAAAAAAAEAAABQAAAAAAAAAAAA4D8AAAAAAADgPwAAAAAAAOA/AAAAAAAA4D8AAAAAAADgPwAAAAAAAOA/AAAAAAAA4D8AAAAAAADgPwAAAAAAAOA/AAAAAAAA4D8CAAAAjAAAAAAAAAAAAAAAu+DjDP///wgAAAAAAAAAAAAAAAAAAAAAAAAAAAAAAAAAAAAAZAAAAAEAAABAAAAAAAAAAAAAAAAAAAAAAAAAAAAAAAAAAAAAAAAAAAAAAAAAAAAAAAAAAAAAAAAAAAAAAAAAAAAAAAAAAAAAAAAAAAAAAAAAAAAAAAAAAAAAAAAAAAAAFAAAADwAAAABAAAAAAAAAFiE0wAoAAAAAQAAABQAAAAUAAAAFAAAAAEAAAAAAAAAZAAAAGQAAAAAAAAAZAAAAGQAAAAVAAAAYAAAAAAAAAAAAAAADwAAACADAAAAAAAAAAAAAAEAAACgMgAAVgcAAKr4//8BAAAAf39/AAEAAABkAAAAAAAAABQAAABAHwAAAAAAACYAAAAAAAAAwOD//wAAAAAmAAAAZAAAABYAAABMAAAAAAAAAAAAAAAEAAAAAAAAAAEAAACAgIAKAAAAACgAAAAoAAAAZAAAAGQAAAAAAAAAzMzMAAAAAABQAAAAUAAAAGQAAABkAAAAAAAAABcAAAAUAAAAAAAAAAAAAAD/fwAA/38AAAAAAAAJAAAABAAAAAAAAAAMAAAAEAAAAAAAAAAAAAAAAAAAAAAAAAAeAAAAaAAAAAAAAAAAAAAAAAAAAAAAAAAAAAAAECcAABAnAAAAAAAAAAAAAAAAAAAAAAAAAAAAAAAAAAAAAAAAAAAAABQAAAAAAAAAwMD/AAAAAABkAAAAMgAAAAAAAABkAAAAAAAAAH9/fwAKAAAAIgAAABgAAAAAAAAAAAAAAAAAAAAAAAAAAAAAAAAAAAAkAAAAJAAAAAAAAAAHAAAAAAAAAAAAAAAAAAAAAAAAAAAAAAAAAAAAf39/ACUAAABYAAAAAAAAAAAAAAAAAAAAAAAAAAAAAAAAAAAAAAAAAAAAAAAAAAAAAAAAAAAAAAA/AAAAAAAAAKCGAQAAAAAAAAAAAAAAAAAMAAAAAQAAAAAAAAAAAAAAAAAAAB8AAABUAAAAu+DjBf///wEAAAAAAAAAAAAAAAAAAAAAAAAAAAAAAAAAAAAAAAAAAFiE0wB/f38AgICAA8zMzADAwP8Af39/AAAAAAAAAAAAAAAAAAAAAAAAAAAAIQAAABgAAAAUAAAAtzMAACIYAAC3MwAAbBoAABAAAAAmAAAACAAAAP//////////MAAAABQAAAAAAAAAAAD//wAAAQAAAP//AAABAA=="/>
+                <pr:smNativeData xmlns:pr="smNativeData" xmlns="smNativeData" val="SMDATA_17_WnaBYRMAAAAlAAAADgAAAA8BAAAAkAAAAEgAAACQAAAASAAAAAAAAAAAAAAAAAAAAAEAAABQAAAAAAAAAAAA4D8AAAAAAADgPwAAAAAAAOA/AAAAAAAA4D8AAAAAAADgPwAAAAAAAOA/AAAAAAAA4D8AAAAAAADgPwAAAAAAAOA/AAAAAAAA4D8CAAAAjAAAAAAAAAAAAAAAu+DjDP///wgAAAAAAAAAAAAAAAAAAAAAAAAAAAAAAAAAAAAAZAAAAAEAAABAAAAAAAAAAAAAAAAAAAAAAAAAAAAAAAAAAAAAAAAAAAAAAAAAAAAAAAAAAAAAAAAAAAAAAAAAAAAAAAAAAAAAAAAAAAAAAAAAAAAAAAAAAAAAAAAAAAAAFAAAADwAAAABAAAAAAAAAFiE0wAoAAAAAQAAABQAAAAUAAAAFAAAAAEAAAAAAAAAZAAAAGQAAAAAAAAAZAAAAGQAAAAVAAAAYAAAAAAAAAAAAAAADwAAACADAAAAAAAAAAAAAAEAAACgMgAAVgcAAKr4//8BAAAAf39/AAEAAABkAAAAAAAAABQAAABAHwAAAAAAACYAAAAAAAAAwOD//wAAAAAmAAAAZAAAABYAAABMAAAAAAAAAAAAAAAEAAAAAAAAAAEAAACAgIAKAAAAACgAAAAoAAAAZAAAAGQAAAAAAAAAzMzMAAAAAABQAAAAUAAAAGQAAABkAAAAAAAAABcAAAAUAAAAAAAAAAAAAAD/fwAA/38AAAAAAAAJAAAABAAAAAAAAAAMAAAAEAAAAAAAAAAAAAAAAAAAAAAAAAAeAAAAaAAAAAAAAAAAAAAAAAAAAAAAAAAAAAAAECcAABAnAAAAAAAAAAAAAAAAAAAAAAAAAAAAAAAAAAAAAAAAAAAAABQAAAAAAAAAwMD/AAAAAABkAAAAMgAAAAAAAABkAAAAAAAAAH9/fwAKAAAAIgAAABgAAAAAAAAAAAAAAAAAAAAAAAAAAAAAAAAAAAAkAAAAJAAAAAAAAAAHAAAAAAAAAAAAAAAAAAAAAAAAAAAAAAAAAAAAf39/ACUAAABYAAAAAAAAAAAAAAAAAAAAAAAAAAAAAAAAAAAAAAAAAAAAAAAAAAAAAAAAAAAAAAA/AAAAAAAAAKCGAQAAAAAAAAAAAAAAAAAMAAAAAQAAAAAAAAAAAAAAAAAAAB8AAABUAAAAu+DjBf///wEAAAAAAAAAAAAAAAAAAAAAAAAAAAAAAAAAAAAAAAAAAFiE0wB/f38AgICAA8zMzADAwP8Af39/AAAAAAAAAAAAAAAAAAAAAAAAAAAAIQAAABgAAAAUAAAArTMAACIYAAC3MwAAdhoAABAAAAAmAAAACAAAAP//////////MAAAABQAAAAAAAAAAAD//wAAAQAAAP//AAABAA=="/>
               </a:ext>
             </a:extLst>
           </p:cNvCxnSpPr>
@@ -8065,8 +8065,8 @@
         </p:nvCxnSpPr>
         <p:spPr>
           <a:xfrm rot="5400000">
-            <a:off x="8220710" y="4109085"/>
-            <a:ext cx="372110" cy="12700"/>
+            <a:off x="8214360" y="4109085"/>
+            <a:ext cx="378460" cy="6350"/>
           </a:xfrm>
           <a:prstGeom prst="bentConnector2">
             <a:avLst/>
@@ -8089,7 +8089,7 @@
           <p:cNvSpPr txBox="1">
             <a:extLst>
               <a:ext uri="smNativeData">
-                <pr:smNativeData xmlns:pr="smNativeData" xmlns="smNativeData" val="SMDATA_17_MUmAYRMAAAAlAAAAEgAAAE8BAAAAkAAAAEgAAACQAAAASAAAAAAAAAAAAAAAAAAAAAEAAABQAAAAAAAAAAAA4D8AAAAAAADgPwAAAAAAAOA/AAAAAAAA4D8AAAAAAADgPwAAAAAAAOA/AAAAAAAA4D8AAAAAAADgPwAAAAAAAOA/AAAAAAAA4D8CAAAAjAAAAAAAAAAAAAAAu+DjDP///wgAAAAAAAAAAAAAAAAAAAAAAAAAAAAAAAAAAAAAZAAAAAEAAABAAAAAAAAAAAAAAAAAAAAAAAAAAAAAAAAAAAAAAAAAAAAAAAAAAAAAAAAAAAAAAAAAAAAAAAAAAAAAAAAAAAAAAAAAAAAAAAAAAAAAAAAAAAAAAAAAAAAAFAAAADwAAAAAAAAAAAAAAAAAAAkUAAAAAQAAABQAAAAUAAAAFAAAAAEAAAAAAAAAZAAAAGQAAAAAAAAAZAAAAGQAAAAVAAAAYAAAAAAAAAAAAAAADwAAACADAAAAAAAAAAAAAAEAAACgMgAAVgcAAKr4//8BAAAAf39/AAEAAABkAAAAAAAAABQAAABAHwAAAAAAACYAAAAAAAAAwOD//wAAAAAmAAAAZAAAABYAAABMAAAAAAAAAAAAAAAEAAAAAAAAAAEAAACAgIAKAAAAACgAAAAoAAAAZAAAAGQAAAAAAAAAzMzMAAAAAABQAAAAUAAAAGQAAABkAAAAAAAAABcAAAAUAAAAAAAAAMQBAAD/fwAA/38AAAAAAAAJAAAABAAAAMCS1gUMAAAAEAAAAAAAAAAAAAAAAAAAAAAAAAAeAAAAaAAAAAAAAAAAAAAAAAAAAAAAAAAAAAAAECcAABAnAAAAAAAAAAAAAAAAAAAAAAAAAAAAAAAAAAAAAAAAAAAAABQAAAAAAAAAwMD/AAAAAABkAAAAMgAAAAAAAABkAAAAAAAAAH9/fwAKAAAAIgAAABgAAAAAAAAAAAAAAAAAAAAAAAAAAAAAAAAAAAAkAAAAJAAAAAAAAAAHAAAAAAAAAAAAAAAAAAAAAAAAAAAAAAAAAAAAf39/ACUAAABYAAAAAAAAAAAAAAAAAAAAAAAAAAAAAAAAAAAAAAAAAAAAAAAAAAAAAAAAAAAAAAA/AAAAAAAAAKCGAQAAAAAAAAAAAAAAAAAMAAAAAQAAAAAAAAAAAAAAAAAAAB8AAABUAAAAu+DjBf///wEAAAAAAAAAAAAAAAAAAAAAAAAAAAAAAAAAAAAAAAAAAAAAAAJ/f38AgICAA8zMzADAwP8Af39/AAAAAAAAAAAAAAAAAAAAAAAAAAAAIQAAABgAAAAUAAAA2jUAAAQZAACCRwAA7BsAABAgAAAmAAAACAAAAP//////////MAAAABQAAAAAAAAAAAD//wAAAQAAAP//AAABAA=="/>
+                <pr:smNativeData xmlns:pr="smNativeData" xmlns="smNativeData" val="SMDATA_17_WnaBYRMAAAAlAAAAEgAAAE8BAAAAkAAAAEgAAACQAAAASAAAAAAAAAAAAAAAAAAAAAEAAABQAAAAAAAAAAAA4D8AAAAAAADgPwAAAAAAAOA/AAAAAAAA4D8AAAAAAADgPwAAAAAAAOA/AAAAAAAA4D8AAAAAAADgPwAAAAAAAOA/AAAAAAAA4D8CAAAAjAAAAAAAAAAAAAAAu+DjDP///wgAAAAAAAAAAAAAAAAAAAAAAAAAAAAAAAAAAAAAZAAAAAEAAABAAAAAAAAAAAAAAAAAAAAAAAAAAAAAAAAAAAAAAAAAAAAAAAAAAAAAAAAAAAAAAAAAAAAAAAAAAAAAAAAAAAAAAAAAAAAAAAAAAAAAAAAAAAAAAAAAAAAAFAAAADwAAAAAAAAAAAAAAAAAAAkUAAAAAQAAABQAAAAUAAAAFAAAAAEAAAAAAAAAZAAAAGQAAAAAAAAAZAAAAGQAAAAVAAAAYAAAAAAAAAAAAAAADwAAACADAAAAAAAAAAAAAAEAAACgMgAAVgcAAKr4//8BAAAAf39/AAEAAABkAAAAAAAAABQAAABAHwAAAAAAACYAAAAAAAAAwOD//wAAAAAmAAAAZAAAABYAAABMAAAAAAAAAAAAAAAEAAAAAAAAAAEAAACAgIAKAAAAACgAAAAoAAAAZAAAAGQAAAAAAAAAzMzMAAAAAABQAAAAUAAAAGQAAABkAAAAAAAAABcAAAAUAAAAAAAAAMQBAAD/fwAA/38AAAAAAAAJAAAABAAAAMCS1gUMAAAAEAAAAAAAAAAAAAAAAAAAAAAAAAAeAAAAaAAAAAAAAAAAAAAAAAAAAAAAAAAAAAAAECcAABAnAAAAAAAAAAAAAAAAAAAAAAAAAAAAAAAAAAAAAAAAAAAAABQAAAAAAAAAwMD/AAAAAABkAAAAMgAAAAAAAABkAAAAAAAAAH9/fwAKAAAAIgAAABgAAAAAAAAAAAAAAAAAAAAAAAAAAAAAAAAAAAAkAAAAJAAAAAAAAAAHAAAAAAAAAAAAAAAAAAAAAAAAAAAAAAAAAAAAf39/ACUAAABYAAAAAAAAAAAAAAAAAAAAAAAAAAAAAAAAAAAAAAAAAAAAAAAAAAAAAAAAAAAAAAA/AAAAAAAAAKCGAQAAAAAAAAAAAAAAAAAMAAAAAQAAAAAAAAAAAAAAAAAAAB8AAABUAAAAu+DjBf///wEAAAAAAAAAAAAAAAAAAAAAAAAAAAAAAAAAAAAAAAAAAAAAAAJ/f38AgICAA8zMzADAwP8Af39/AAAAAAAAAAAAAAAAAAAAAAAAAAAAIQAAABgAAAAUAAAA2jUAAAQZAACCRwAA7BsAABAgAAAmAAAACAAAAP//////////MAAAABQAAAAAAAAAAAD//wAAAQAAAP//AAABAA=="/>
               </a:ext>
             </a:extLst>
           </p:cNvSpPr>
@@ -8140,7 +8140,7 @@
           <p:cNvSpPr txBox="1">
             <a:extLst>
               <a:ext uri="smNativeData">
-                <pr:smNativeData xmlns:pr="smNativeData" xmlns="smNativeData" val="SMDATA_17_MUmAYRMAAAAlAAAAEgAAAE8BAAAAkAAAAEgAAACQAAAASAAAAAAAAAAAAAAAAAAAAAEAAABQAAAAAAAAAAAA4D8AAAAAAADgPwAAAAAAAOA/AAAAAAAA4D8AAAAAAADgPwAAAAAAAOA/AAAAAAAA4D8AAAAAAADgPwAAAAAAAOA/AAAAAAAA4D8CAAAAjAAAAAAAAAAAAAAAu+DjDP///wgAAAAAAAAAAAAAAAAAAAAAAAAAAAAAAAAAAAAAZAAAAAEAAABAAAAAAAAAAAAAAAAAAAAAAAAAAAAAAAAAAAAAAAAAAAAAAAAAAAAAAAAAAAAAAAAAAAAAAAAAAAAAAAAAAAAAAAAAAAAAAAAAAAAAAAAAAAAAAAAAAAAAFAAAADwAAAAAAAAAAAAAAAAAAAkUAAAAAQAAABQAAAAUAAAAFAAAAAEAAAAAAAAAZAAAAGQAAAAAAAAAZAAAAGQAAAAVAAAAYAAAAAAAAAAAAAAADwAAACADAAAAAAAAAAAAAAEAAACgMgAAVgcAAKr4//8BAAAAf39/AAEAAABkAAAAAAAAABQAAABAHwAAAAAAACYAAAAAAAAAwOD//wAAAAAmAAAAZAAAABYAAABMAAAAAAAAAAAAAAAEAAAAAAAAAAEAAACAgIAKAAAAACgAAAAoAAAAZAAAAGQAAAAAAAAAzMzMAAAAAABQAAAAUAAAAGQAAABkAAAAAAAAABcAAAAUAAAAAAAAAMQBAAD/fwAA/38AAAAAAAAJAAAABAAAAKCA1gUMAAAAEAAAAAAAAAAAAAAAAAAAAAAAAAAeAAAAaAAAAAAAAAAAAAAAAAAAAAAAAAAAAAAAECcAABAnAAAAAAAAAAAAAAAAAAAAAAAAAAAAAAAAAAAAAAAAAAAAABQAAAAAAAAAwMD/AAAAAABkAAAAMgAAAAAAAABkAAAAAAAAAH9/fwAKAAAAIgAAABgAAAAAAAAAAAAAAAAAAAAAAAAAAAAAAAAAAAAkAAAAJAAAAAAAAAAHAAAAAAAAAAAAAAAAAAAAAAAAAAAAAAAAAAAAf39/ACUAAABYAAAAAAAAAAAAAAAAAAAAAAAAAAAAAAAAAAAAAAAAAAAAAAAAAAAAAAAAAAAAAAA/AAAAAAAAAKCGAQAAAAAAAAAAAAAAAAAMAAAAAQAAAAAAAAAAAAAAAAAAAB8AAABUAAAAu+DjBf///wEAAAAAAAAAAAAAAAAAAAAAAAAAAAAAAAAAAAAAAAAAAAAAAAJ/f38AgICAA8zMzADAwP8Af39/AAAAAAAAAAAAAAAAAAAAAAAAAAAAIQAAABgAAAAUAAAApTMAAD8dAACwSQAALyEAABAgAAAmAAAACAAAAP//////////MAAAABQAAAAAAAAAAAD//wAAAQAAAP//AAABAA=="/>
+                <pr:smNativeData xmlns:pr="smNativeData" xmlns="smNativeData" val="SMDATA_17_WnaBYRMAAAAlAAAAEgAAAE8BAAAAkAAAAEgAAACQAAAASAAAAAAAAAAAAAAAAAAAAAEAAABQAAAAAAAAAAAA4D8AAAAAAADgPwAAAAAAAOA/AAAAAAAA4D8AAAAAAADgPwAAAAAAAOA/AAAAAAAA4D8AAAAAAADgPwAAAAAAAOA/AAAAAAAA4D8CAAAAjAAAAAAAAAAAAAAAu+DjDP///wgAAAAAAAAAAAAAAAAAAAAAAAAAAAAAAAAAAAAAZAAAAAEAAABAAAAAAAAAAAAAAAAAAAAAAAAAAAAAAAAAAAAAAAAAAAAAAAAAAAAAAAAAAAAAAAAAAAAAAAAAAAAAAAAAAAAAAAAAAAAAAAAAAAAAAAAAAAAAAAAAAAAAFAAAADwAAAAAAAAAAAAAAAAAAAkUAAAAAQAAABQAAAAUAAAAFAAAAAEAAAAAAAAAZAAAAGQAAAAAAAAAZAAAAGQAAAAVAAAAYAAAAAAAAAAAAAAADwAAACADAAAAAAAAAAAAAAEAAACgMgAAVgcAAKr4//8BAAAAf39/AAEAAABkAAAAAAAAABQAAABAHwAAAAAAACYAAAAAAAAAwOD//wAAAAAmAAAAZAAAABYAAABMAAAAAAAAAAAAAAAEAAAAAAAAAAEAAACAgIAKAAAAACgAAAAoAAAAZAAAAGQAAAAAAAAAzMzMAAAAAABQAAAAUAAAAGQAAABkAAAAAAAAABcAAAAUAAAAAAAAAMQBAAD/fwAA/38AAAAAAAAJAAAABAAAAKCA1gUMAAAAEAAAAAAAAAAAAAAAAAAAAAAAAAAeAAAAaAAAAAAAAAAAAAAAAAAAAAAAAAAAAAAAECcAABAnAAAAAAAAAAAAAAAAAAAAAAAAAAAAAAAAAAAAAAAAAAAAABQAAAAAAAAAwMD/AAAAAABkAAAAMgAAAAAAAABkAAAAAAAAAH9/fwAKAAAAIgAAABgAAAAAAAAAAAAAAAAAAAAAAAAAAAAAAAAAAAAkAAAAJAAAAAAAAAAHAAAAAAAAAAAAAAAAAAAAAAAAAAAAAAAAAAAAf39/ACUAAABYAAAAAAAAAAAAAAAAAAAAAAAAAAAAAAAAAAAAAAAAAAAAAAAAAAAAAAAAAAAAAAA/AAAAAAAAAKCGAQAAAAAAAAAAAAAAAAAMAAAAAQAAAAAAAAAAAAAAAAAAAB8AAABUAAAAu+DjBf///wEAAAAAAAAAAAAAAAAAAAAAAAAAAAAAAAAAAAAAAAAAAAAAAAJ/f38AgICAA8zMzADAwP8Af39/AAAAAAAAAAAAAAAAAAAAAAAAAAAAIQAAABgAAAAUAAAApTMAAD8dAACwSQAALyEAABAgAAAmAAAACAAAAP//////////MAAAABQAAAAAAAAAAAD//wAAAQAAAP//AAABAA=="/>
               </a:ext>
             </a:extLst>
           </p:cNvSpPr>
@@ -8183,7 +8183,7 @@
           <p:cNvSpPr>
             <a:extLst>
               <a:ext uri="smNativeData">
-                <pr:smNativeData xmlns:pr="smNativeData" xmlns="smNativeData" val="SMDATA_17_MUmAYRMAAAAlAAAAggAAAA8BAAAAkAAAAEgAAACQAAAASAAAAAAAAAAAAAAAAAAAAAEAAABQAAAAND1GVkzU6D8AAAAAAADgPwAAAAAAAOA/AAAAAAAA4D8AAAAAAADgPwAAAAAAAOA/AAAAAAAA4D8AAAAAAADgPwAAAAAAAOA/AAAAAAAA4D8CAAAAjAAAAAAAAAAAAAAAu+DjDP///wgAAAAAAAAAAAAAAAAAAAAAAAAAAAAAAAAAAAAAZAAAAAEAAABAAAAAAAAAAAAAAAAAAAAAAAAAAAAAAAAAAAAAAAAAAAAAAAAAAAAAAAAAAAAAAAAAAAAAAAAAAAAAAAAAAAAAAAAAAAAAAAAAAAAAAAAAAAAAAAAAAAAAFAAAADwAAAABAAAAAAAAAAAAAAkoAAAAAQAAABQAAAAUAAAAFAAAAAEAAAAAAAAAZAAAAGQAAAAAAAAAZAAAAGQAAAAVAAAAYAAAAAAAAAAAAAAADwAAACADAAAAAAAAAAAAAAEAAACgMgAAVgcAAKr4//8BAAAAf39/AAEAAABkAAAAAAAAABQAAABAHwAAAAAAACYAAAAAAAAAwOD//wAAAAAmAAAAZAAAABYAAABMAAAAAAAAAAAAAAAEAAAAAAAAAAEAAACAgIAKAAAAACgAAAAoAAAAZAAAAGQAAAAAAAAAzMzMAAAAAABQAAAAUAAAAGQAAABkAAAAAAAAABcAAAAUAAAAAAAAAAAAAAD/fwAA/38AAAAAAAAJAAAABAAAAFDn1gUMAAAAEAAAAAAAAAAAAAAAAAAAAAAAAAAeAAAAaAAAAAAAAAAAAAAAAAAAAAAAAAAAAAAAECcAABAnAAAAAAAAAAAAAAAAAAAAAAAAAAAAAAAAAAAAAAAAAAAAABQAAAAAAAAAwMD/AAAAAABkAAAAMgAAAAAAAABkAAAAAAAAAH9/fwAKAAAAIgAAABgAAAAAAAAAAAAAAAAAAAAAAAAAAAAAAAAAAAAkAAAAJAAAAAAAAAAHAAAAAAAAAAAAAAAAAAAAAAAAAAAAAAAAAAAAf39/ACUAAABYAAAAAAAAAAAAAAAAAAAAAAAAAAAAAAAAAAAAAAAAAAAAAAAAAAAAAAAAAAAAAAA/AAAAAAAAAKCGAQAAAAAAAAAAAAAAAAAMAAAAAQAAAAAAAAAAAAAAAAAAAB8AAABUAAAAu+DjBf///wEAAAAAAAAAAAAAAAAAAAAAAAAAAAAAAAAAAAAAAAAAAAAAAAJ/f38AgICAA8zMzADAwP8Af39/AAAAAAAAAAAAAAAAAAAAAAAAAAAAIQAAABgAAAAUAAAA2jUAAOwbAABvRQAAPx0AABAAAAAmAAAACAAAAP//////////MAAAABQAAAAAAAAAAAD//wAAAQAAAP//AAABAA=="/>
+                <pr:smNativeData xmlns:pr="smNativeData" xmlns="smNativeData" val="SMDATA_17_WnaBYRMAAAAlAAAAggAAAA8BAAAAkAAAAEgAAACQAAAASAAAAAAAAAAAAAAAAAAAAAEAAABQAAAAND1GVkzU6D8AAAAAAADgPwAAAAAAAOA/AAAAAAAA4D8AAAAAAADgPwAAAAAAAOA/AAAAAAAA4D8AAAAAAADgPwAAAAAAAOA/AAAAAAAA4D8CAAAAjAAAAAAAAAAAAAAAu+DjDP///wgAAAAAAAAAAAAAAAAAAAAAAAAAAAAAAAAAAAAAZAAAAAEAAABAAAAAAAAAAAAAAAAAAAAAAAAAAAAAAAAAAAAAAAAAAAAAAAAAAAAAAAAAAAAAAAAAAAAAAAAAAAAAAAAAAAAAAAAAAAAAAAAAAAAAAAAAAAAAAAAAAAAAFAAAADwAAAABAAAAAAAAAAAAAAkoAAAAAQAAABQAAAAUAAAAFAAAAAEAAAAAAAAAZAAAAGQAAAAAAAAAZAAAAGQAAAAVAAAAYAAAAAAAAAAAAAAADwAAACADAAAAAAAAAAAAAAEAAACgMgAAVgcAAKr4//8BAAAAf39/AAEAAABkAAAAAAAAABQAAABAHwAAAAAAACYAAAAAAAAAwOD//wAAAAAmAAAAZAAAABYAAABMAAAAAAAAAAAAAAAEAAAAAAAAAAEAAACAgIAKAAAAACgAAAAoAAAAZAAAAGQAAAAAAAAAzMzMAAAAAABQAAAAUAAAAGQAAABkAAAAAAAAABcAAAAUAAAAAAAAAAAAAAD/fwAA/38AAAAAAAAJAAAABAAAAFDn1gUMAAAAEAAAAAAAAAAAAAAAAAAAAAAAAAAeAAAAaAAAAAAAAAAAAAAAAAAAAAAAAAAAAAAAECcAABAnAAAAAAAAAAAAAAAAAAAAAAAAAAAAAAAAAAAAAAAAAAAAABQAAAAAAAAAwMD/AAAAAABkAAAAMgAAAAAAAABkAAAAAAAAAH9/fwAKAAAAIgAAABgAAAAAAAAAAAAAAAAAAAAAAAAAAAAAAAAAAAAkAAAAJAAAAAAAAAAHAAAAAAAAAAAAAAAAAAAAAAAAAAAAAAAAAAAAf39/ACUAAABYAAAAAAAAAAAAAAAAAAAAAAAAAAAAAAAAAAAAAAAAAAAAAAAAAAAAAAAAAAAAAAA/AAAAAAAAAKCGAQAAAAAAAAAAAAAAAAAMAAAAAQAAAAAAAAAAAAAAAAAAAB8AAABUAAAAu+DjBf///wEAAAAAAAAAAAAAAAAAAAAAAAAAAAAAAAAAAAAAAAAAAAAAAAJ/f38AgICAA8zMzADAwP8Af39/AAAAAAAAAAAAAAAAAAAAAAAAAAAAIQAAABgAAAAUAAAA2jUAAOwbAABvRQAAPx0AABAAAAAmAAAACAAAAP//////////MAAAABQAAAAAAAAAAAD//wAAAQAAAP//AAABAA=="/>
               </a:ext>
             </a:extLst>
           </p:cNvSpPr>
@@ -8218,7 +8218,7 @@
           <p:cNvSpPr>
             <a:extLst>
               <a:ext uri="smNativeData">
-                <pr:smNativeData xmlns:pr="smNativeData" xmlns="smNativeData" val="SMDATA_17_MUmAYRMAAAAlAAAAggAAAA8BAAAAkAAAAEgAAACQAAAASAAAAAAAAAAAAAAAAAAAAAEAAABQAAAAlDCbuv0Z6j8AAAAAAADgPwAAAAAAAOA/AAAAAAAA4D8AAAAAAADgPwAAAAAAAOA/AAAAAAAA4D8AAAAAAADgPwAAAAAAAOA/AAAAAAAA4D8CAAAAjAAAAAAAAAAAAAAAu+DjDP///wgAAAAAAAAAAAAAAAAAAAAAAAAAAAAAAAAAAAAAZAAAAAEAAABAAAAAAAAAAAAAAAAAAAAAAAAAAAAAAAAAAAAAAAAAAAAAAAAAAAAAAAAAAAAAAAAAAAAAAAAAAAAAAAAAAAAAAAAAAAAAAAAAAAAAAAAAAAAAAAAAAAAAFAAAADwAAAABAAAAAAAAAFiE0wAoAAAAAQAAABQAAAAUAAAAFAAAAAEAAAAAAAAAZAAAAGQAAAAAAAAAZAAAAGQAAAAVAAAAYAAAAAAAAAAAAAAADwAAACADAAAAAAAAAAAAAAEAAACgMgAAVgcAAKr4//8BAAAAf39/AAEAAABkAAAAAAAAABQAAABAHwAAAAAAACYAAAAAAAAAwOD//wAAAAAmAAAAZAAAABYAAABMAAAAAAAAAAAAAAAEAAAAAAAAAAEAAACAgIAKAAAAACgAAAAoAAAAZAAAAGQAAAAAAAAAzMzMAAAAAABQAAAAUAAAAGQAAABkAAAAAAAAABcAAAAUAAAAAAAAAAAAAAD/fwAA/38AAAAAAAAJAAAABAAAAG54bWwMAAAAEAAAAAAAAAAAAAAAAAAAAAAAAAAeAAAAaAAAAAAAAAAAAAAAAAAAAAAAAAAAAAAAECcAABAnAAAAAAAAAAAAAAAAAAAAAAAAAAAAAAAAAAAAAAAAAAAAABQAAAAAAAAAwMD/AAAAAABkAAAAMgAAAAAAAABkAAAAAAAAAH9/fwAKAAAAIgAAABgAAAAAAAAAAAAAAAAAAAAAAAAAAAAAAAAAAAAkAAAAJAAAAAAAAAAHAAAAAAAAAAAAAAAAAAAAAAAAAAAAAAAAAAAAf39/ACUAAABYAAAAAAAAAAAAAAAAAAAAAAAAAAAAAAAAAAAAAAAAAAAAAAAAAAAAAAAAAAAAAAA/AAAAAAAAAKCGAQAAAAAAAAAAAAAAAAAMAAAAAQAAAAAAAAAAAAAAAAAAAB8AAABUAAAAu+DjBf///wEAAAAAAAAAAAAAAAAAAAAAAAAAAAAAAAAAAAAAAAAAAFiE0wB/f38AgICAA8zMzADAwP8Af39/AAAAAAAAAAAAAAAAAAAAAAAAAAAAIQAAABgAAAAUAAAAzx0AAM8WAACpLQAAIhgAABAAAAAmAAAACAAAAP//////////MAAAABQAAAAAAAAAAAD//wAAAQAAAP//AAABAA=="/>
+                <pr:smNativeData xmlns:pr="smNativeData" xmlns="smNativeData" val="SMDATA_17_WnaBYRMAAAAlAAAAggAAAA8BAAAAkAAAAEgAAACQAAAASAAAAAAAAAAAAAAAAAAAAAEAAABQAAAAlDCbuv0Z6j8AAAAAAADgPwAAAAAAAOA/AAAAAAAA4D8AAAAAAADgPwAAAAAAAOA/AAAAAAAA4D8AAAAAAADgPwAAAAAAAOA/AAAAAAAA4D8CAAAAjAAAAAAAAAAAAAAAu+DjDP///wgAAAAAAAAAAAAAAAAAAAAAAAAAAAAAAAAAAAAAZAAAAAEAAABAAAAAAAAAAAAAAAAAAAAAAAAAAAAAAAAAAAAAAAAAAAAAAAAAAAAAAAAAAAAAAAAAAAAAAAAAAAAAAAAAAAAAAAAAAAAAAAAAAAAAAAAAAAAAAAAAAAAAFAAAADwAAAABAAAAAAAAAFiE0wAoAAAAAQAAABQAAAAUAAAAFAAAAAEAAAAAAAAAZAAAAGQAAAAAAAAAZAAAAGQAAAAVAAAAYAAAAAAAAAAAAAAADwAAACADAAAAAAAAAAAAAAEAAACgMgAAVgcAAKr4//8BAAAAf39/AAEAAABkAAAAAAAAABQAAABAHwAAAAAAACYAAAAAAAAAwOD//wAAAAAmAAAAZAAAABYAAABMAAAAAAAAAAAAAAAEAAAAAAAAAAEAAACAgIAKAAAAACgAAAAoAAAAZAAAAGQAAAAAAAAAzMzMAAAAAABQAAAAUAAAAGQAAABkAAAAAAAAABcAAAAUAAAAAAAAAAAAAAD/fwAA/38AAAAAAAAJAAAABAAAAG54bWwMAAAAEAAAAAAAAAAAAAAAAAAAAAAAAAAeAAAAaAAAAAAAAAAAAAAAAAAAAAAAAAAAAAAAECcAABAnAAAAAAAAAAAAAAAAAAAAAAAAAAAAAAAAAAAAAAAAAAAAABQAAAAAAAAAwMD/AAAAAABkAAAAMgAAAAAAAABkAAAAAAAAAH9/fwAKAAAAIgAAABgAAAAAAAAAAAAAAAAAAAAAAAAAAAAAAAAAAAAkAAAAJAAAAAAAAAAHAAAAAAAAAAAAAAAAAAAAAAAAAAAAAAAAAAAAf39/ACUAAABYAAAAAAAAAAAAAAAAAAAAAAAAAAAAAAAAAAAAAAAAAAAAAAAAAAAAAAAAAAAAAAA/AAAAAAAAAKCGAQAAAAAAAAAAAAAAAAAMAAAAAQAAAAAAAAAAAAAAAAAAAB8AAABUAAAAu+DjBf///wEAAAAAAAAAAAAAAAAAAAAAAAAAAAAAAAAAAAAAAAAAAFiE0wB/f38AgICAA8zMzADAwP8Af39/AAAAAAAAAAAAAAAAAAAAAAAAAAAAIQAAABgAAAAUAAAAzx0AAM8WAACpLQAAIhgAABAAAAAmAAAACAAAAP//////////MAAAABQAAAAAAAAAAAD//wAAAQAAAP//AAABAA=="/>
               </a:ext>
             </a:extLst>
           </p:cNvSpPr>
@@ -8253,7 +8253,7 @@
           <p:cNvSpPr txBox="1">
             <a:extLst>
               <a:ext uri="smNativeData">
-                <pr:smNativeData xmlns:pr="smNativeData" xmlns="smNativeData" val="SMDATA_17_MUmAYRMAAAAlAAAAEgAAAE8BAAAAkAAAAEgAAACQAAAASAAAAAAAAAAAAAAAAAAAAAEAAABQAAAAAAAAAAAA4D8AAAAAAADgPwAAAAAAAOA/AAAAAAAA4D8AAAAAAADgPwAAAAAAAOA/AAAAAAAA4D8AAAAAAADgPwAAAAAAAOA/AAAAAAAA4D8CAAAAjAAAAAAAAAAAAAAAu+DjDP///wgAAAAAAAAAAAAAAAAAAAAAAAAAAAAAAAAAAAAAZAAAAAEAAABAAAAAAAAAAAAAAAAAAAAAAAAAAAAAAAAAAAAAAAAAAAAAAAAAAAAAAAAAAAAAAAAAAAAAAAAAAAAAAAAAAAAAAAAAAAAAAAAAAAAAAAAAAAAAAAAAAAAAFAAAADwAAAAAAAAAAAAAAAAAAAkUAAAAAQAAABQAAAAUAAAAFAAAAAEAAAAAAAAAZAAAAGQAAAAAAAAAZAAAAGQAAAAVAAAAYAAAAAAAAAAAAAAADwAAACADAAAAAAAAAAAAAAEAAACgMgAAVgcAAKr4//8BAAAAf39/AAEAAABkAAAAAAAAABQAAABAHwAAAAAAACYAAAAAAAAAwOD//wAAAAAmAAAAZAAAABYAAABMAAAAAAAAAAAAAAAEAAAAAAAAAAEAAACAgIAKAAAAACgAAAAoAAAAZAAAAGQAAAAAAAAAzMzMAAAAAABQAAAAUAAAAGQAAABkAAAAAAAAABcAAAAUAAAAAAAAAMQBAAD/fwAA/38AAAAAAAAJAAAABAAAAJyRKUYMAAAAEAAAAAAAAAAAAAAAAAAAAAAAAAAeAAAAaAAAAAAAAAAAAAAAAAAAAAAAAAAAAAAAECcAABAnAAAAAAAAAAAAAAAAAAAAAAAAAAAAAAAAAAAAAAAAAAAAABQAAAAAAAAAwMD/AAAAAABkAAAAMgAAAAAAAABkAAAAAAAAAH9/fwAKAAAAIgAAABgAAAAAAAAAAAAAAAAAAAAAAAAAAAAAAAAAAAAkAAAAJAAAAAAAAAAHAAAAAAAAAAAAAAAAAAAAAAAAAAAAAAAAAAAAf39/ACUAAABYAAAAAAAAAAAAAAAAAAAAAAAAAAAAAAAAAAAAAAAAAAAAAAAAAAAAAAAAAAAAAAA/AAAAAAAAAKCGAQAAAAAAAAAAAAAAAAAMAAAAAQAAAAAAAAAAAAAAAAAAAB8AAABUAAAAu+DjBf///wEAAAAAAAAAAAAAAAAAAAAAAAAAAAAAAAAAAAAAAAAAAAAAAAJ/f38AgICAA8zMzADAwP8Af39/AAAAAAAAAAAAAAAAAAAAAAAAAAAAIQAAABgAAAAUAAAAYCoAAKEhAABrRAAAiSQAABAgAAAmAAAACAAAAP//////////MAAAABQAAAAAAAAAAAD//wAAAQAAAP//AAABAA=="/>
+                <pr:smNativeData xmlns:pr="smNativeData" xmlns="smNativeData" val="SMDATA_17_WnaBYRMAAAAlAAAAEgAAAE8BAAAAkAAAAEgAAACQAAAASAAAAAAAAAAAAAAAAAAAAAEAAABQAAAAAAAAAAAA4D8AAAAAAADgPwAAAAAAAOA/AAAAAAAA4D8AAAAAAADgPwAAAAAAAOA/AAAAAAAA4D8AAAAAAADgPwAAAAAAAOA/AAAAAAAA4D8CAAAAjAAAAAAAAAAAAAAAu+DjDP///wgAAAAAAAAAAAAAAAAAAAAAAAAAAAAAAAAAAAAAZAAAAAEAAABAAAAAAAAAAAAAAAAAAAAAAAAAAAAAAAAAAAAAAAAAAAAAAAAAAAAAAAAAAAAAAAAAAAAAAAAAAAAAAAAAAAAAAAAAAAAAAAAAAAAAAAAAAAAAAAAAAAAAFAAAADwAAAAAAAAAAAAAAAAAAAkUAAAAAQAAABQAAAAUAAAAFAAAAAEAAAAAAAAAZAAAAGQAAAAAAAAAZAAAAGQAAAAVAAAAYAAAAAAAAAAAAAAADwAAACADAAAAAAAAAAAAAAEAAACgMgAAVgcAAKr4//8BAAAAf39/AAEAAABkAAAAAAAAABQAAABAHwAAAAAAACYAAAAAAAAAwOD//wAAAAAmAAAAZAAAABYAAABMAAAAAAAAAAAAAAAEAAAAAAAAAAEAAACAgIAKAAAAACgAAAAoAAAAZAAAAGQAAAAAAAAAzMzMAAAAAABQAAAAUAAAAGQAAABkAAAAAAAAABcAAAAUAAAAAAAAAMQBAAD/fwAA/38AAAAAAAAJAAAABAAAAJyRKUYMAAAAEAAAAAAAAAAAAAAAAAAAAAAAAAAeAAAAaAAAAAAAAAAAAAAAAAAAAAAAAAAAAAAAECcAABAnAAAAAAAAAAAAAAAAAAAAAAAAAAAAAAAAAAAAAAAAAAAAABQAAAAAAAAAwMD/AAAAAABkAAAAMgAAAAAAAABkAAAAAAAAAH9/fwAKAAAAIgAAABgAAAAAAAAAAAAAAAAAAAAAAAAAAAAAAAAAAAAkAAAAJAAAAAAAAAAHAAAAAAAAAAAAAAAAAAAAAAAAAAAAAAAAAAAAf39/ACUAAABYAAAAAAAAAAAAAAAAAAAAAAAAAAAAAAAAAAAAAAAAAAAAAAAAAAAAAAAAAAAAAAA/AAAAAAAAAKCGAQAAAAAAAAAAAAAAAAAMAAAAAQAAAAAAAAAAAAAAAAAAAB8AAABUAAAAu+DjBf///wEAAAAAAAAAAAAAAAAAAAAAAAAAAAAAAAAAAAAAAAAAAAAAAAJ/f38AgICAA8zMzADAwP8Af39/AAAAAAAAAAAAAAAAAAAAAAAAAAAAIQAAABgAAAAUAAAAYCoAAKEhAABrRAAAiSQAABAgAAAmAAAACAAAAP//////////MAAAABQAAAAAAAAAAAD//wAAAQAAAP//AAABAA=="/>
               </a:ext>
             </a:extLst>
           </p:cNvSpPr>
@@ -8305,7 +8305,7 @@
             <a:stCxn id="9" idx="1"/>
             <a:extLst>
               <a:ext uri="smNativeData">
-                <pr:smNativeData xmlns:pr="smNativeData" xmlns="smNativeData" val="SMDATA_17_MUmAYRMAAAAlAAAADgAAAA8BAAAAkAAAAEgAAACQAAAASAAAAAAAAAAAAAAAAAAAAAEAAABQAAAAAAAAAAAA4D8AAAAAAADgPwAAAAAAAOA/AAAAAAAA4D8AAAAAAADgPwAAAAAAAOA/AAAAAAAA4D8AAAAAAADgPwAAAAAAAOA/AAAAAAAA4D8CAAAAjAAAAAAAAAAAAAAAu+DjDP///wgAAAAAAAAAAAAAAAAAAAAAAAAAAAAAAAAAAAAAZAAAAAEAAABAAAAAAAAAAAAAAAAAAAAAAAAAAAAAAAAAAAAAAAAAAAAAAAAAAAAAAAAAAAAAAAAAAAAAAAAAAAAAAAAAAAAAAAAAAAAAAAAAAAAAAAAAAAAAAAAAAAAAFAAAADwAAAABAAAAAAAAAFiE0wAoAAAAAQAAABQAAAAUAAAAFAAAAAEAAAAAAAAAZAAAAGQAAAAAAAAAZAAAAGQAAAAVAAAAYAAAAAAAAAAAAAAADwAAACADAAAAAAAAAAAAAAEAAACgMgAAVgcAAKr4//8BAAAAf39/AAEAAABkAAAAAAAAABQAAABAHwAAAAAAACYAAAAAAAAAwOD//wAAAAAmAAAAZAAAABYAAABMAAAAAAAAAAAAAAAEAAAAAAAAAAEAAACAgIAKAAAAACgAAAAoAAAAZAAAAGQAAAAAAAAAzMzMAAAAAABQAAAAUAAAAGQAAABkAAAAAAAAABcAAAAUAAAAAAAAAAAAAAD/fwAA/38AAAAAAAAJAAAABAAAAAAAAAQMAAAAEAAAAAAAAAAAAAAAAAAAAAAAAAAeAAAAaAAAAAAAAAAAAAAAAAAAAAAAAAAAAAAAECcAABAnAAAAAAAAAAAAAAAAAAAAAAAAAAAAAAAAAAAAAAAAAAAAABQAAAAAAAAAwMD/AAAAAABkAAAAMgAAAAAAAABkAAAAAAAAAH9/fwAKAAAAIgAAABgAAAAAAAAAAAAAAAAAAAAAAAAAAAAAAAAAAAAkAAAAJAAAAAAAAAAHAAAAAAAAAAAAAAAAAAAAAAAAAAAAAAAAAAAAf39/ACUAAABYAAAAAAAAAAAAAAAAAAAAAAAAAAAAAAAAAAAAAAAAAAAAAAAAAAAAAAAAAAAAAAA/AAAAAAAAAKCGAQAAAAAAAAAAAAAAAAAMAAAAAQAAAAAAAAAAAAAAAAAAAB8AAABUAAAAu+DjBf///wEAAAAAAAAAAAAAAAAAAAAAAAAAAAAAAAAAAAAAAAAAAFiE0wB/f38AgICAA8zMzADAwP8Af39/AAAAAAAAAAAAAAAAAAAAAAAAAAAAIQAAABgAAAAUAAAAvCUAACIYAAC8JQAAFSMAABAAAAAmAAAACAAAAP//////////MAAAABQAAAAAAAAAAAD//wAAAQAAAP//AAABAA=="/>
+                <pr:smNativeData xmlns:pr="smNativeData" xmlns="smNativeData" val="SMDATA_17_WnaBYRMAAAAlAAAADgAAAA8BAAAAkAAAAEgAAACQAAAASAAAAAAAAAAAAAAAAAAAAAEAAABQAAAAAAAAAAAA4D8AAAAAAADgPwAAAAAAAOA/AAAAAAAA4D8AAAAAAADgPwAAAAAAAOA/AAAAAAAA4D8AAAAAAADgPwAAAAAAAOA/AAAAAAAA4D8CAAAAjAAAAAAAAAAAAAAAu+DjDP///wgAAAAAAAAAAAAAAAAAAAAAAAAAAAAAAAAAAAAAZAAAAAEAAABAAAAAAAAAAAAAAAAAAAAAAAAAAAAAAAAAAAAAAAAAAAAAAAAAAAAAAAAAAAAAAAAAAAAAAAAAAAAAAAAAAAAAAAAAAAAAAAAAAAAAAAAAAAAAAAAAAAAAFAAAADwAAAABAAAAAAAAAFiE0wAoAAAAAQAAABQAAAAUAAAAFAAAAAEAAAAAAAAAZAAAAGQAAAAAAAAAZAAAAGQAAAAVAAAAYAAAAAAAAAAAAAAADwAAACADAAAAAAAAAAAAAAEAAACgMgAAVgcAAKr4//8BAAAAf39/AAEAAABkAAAAAAAAABQAAABAHwAAAAAAACYAAAAAAAAAwOD//wAAAAAmAAAAZAAAABYAAABMAAAAAAAAAAAAAAAEAAAAAAAAAAEAAACAgIAKAAAAACgAAAAoAAAAZAAAAGQAAAAAAAAAzMzMAAAAAABQAAAAUAAAAGQAAABkAAAAAAAAABcAAAAUAAAAAAAAAAAAAAD/fwAA/38AAAAAAAAJAAAABAAAAAAAAAQMAAAAEAAAAAAAAAAAAAAAAAAAAAAAAAAeAAAAaAAAAAAAAAAAAAAAAAAAAAAAAAAAAAAAECcAABAnAAAAAAAAAAAAAAAAAAAAAAAAAAAAAAAAAAAAAAAAAAAAABQAAAAAAAAAwMD/AAAAAABkAAAAMgAAAAAAAABkAAAAAAAAAH9/fwAKAAAAIgAAABgAAAAAAAAAAAAAAAAAAAAAAAAAAAAAAAAAAAAkAAAAJAAAAAAAAAAHAAAAAAAAAAAAAAAAAAAAAAAAAAAAAAAAAAAAf39/ACUAAABYAAAAAAAAAAAAAAAAAAAAAAAAAAAAAAAAAAAAAAAAAAAAAAAAAAAAAAAAAAAAAAA/AAAAAAAAAKCGAQAAAAAAAAAAAAAAAAAMAAAAAQAAAAAAAAAAAAAAAAAAAB8AAABUAAAAu+DjBf///wEAAAAAAAAAAAAAAAAAAAAAAAAAAAAAAAAAAAAAAAAAAFiE0wB/f38AgICAA8zMzADAwP8Af39/AAAAAAAAAAAAAAAAAAAAAAAAAAAAIQAAABgAAAAUAAAAsiUAACIYAAC8JQAAHyMAABAAAAAmAAAACAAAAP//////////MAAAABQAAAAAAAAAAAD//wAAAQAAAP//AAABAA=="/>
               </a:ext>
             </a:extLst>
           </p:cNvCxnSpPr>
@@ -8313,8 +8313,8 @@
         </p:nvCxnSpPr>
         <p:spPr>
           <a:xfrm rot="5400000">
-            <a:off x="5244465" y="4812665"/>
-            <a:ext cx="1779905" cy="12700"/>
+            <a:off x="5238115" y="4812665"/>
+            <a:ext cx="1786255" cy="6350"/>
           </a:xfrm>
           <a:prstGeom prst="bentConnector2">
             <a:avLst/>
@@ -8337,7 +8337,7 @@
           <p:cNvSpPr>
             <a:extLst>
               <a:ext uri="smNativeData">
-                <pr:smNativeData xmlns:pr="smNativeData" xmlns="smNativeData" val="SMDATA_17_MUmAYRMAAAAlAAAAggAAAA8BAAAAkAAAAEgAAACQAAAASAAAAAAAAAAAAAAAAAAAAAEAAABQAAAAQKUua7iN6j8AAAAAAADgPwAAAAAAAOA/AAAAAAAA4D8AAAAAAADgPwAAAAAAAOA/AAAAAAAA4D8AAAAAAADgPwAAAAAAAOA/AAAAAAAA4D8CAAAAjAAAAAAAAAAAAAAAu+DjDP///wgAAAAAAAAAAAAAAAAAAAAAAAAAAAAAAAAAAAAAZAAAAAEAAABAAAAAAAAAAAAAAAAAAAAAAAAAAAAAAAAAAAAAAAAAAAAAAAAAAAAAAAAAAAAAAAAAAAAAAAAAAAAAAAAAAAAAAAAAAAAAAAAAAAAAAAAAAAAAAAAAAAAAFAAAADwAAAABAAAAAAAAAFiE0wAoAAAAAQAAABQAAAAUAAAAFAAAAAEAAAAAAAAAZAAAAGQAAAAAAAAAZAAAAGQAAAAVAAAAYAAAAAAAAAAAAAAADwAAACADAAAAAAAAAAAAAAEAAACgMgAAVgcAAKr4//8BAAAAf39/AAEAAABkAAAAAAAAABQAAABAHwAAAAAAACYAAAAAAAAAwOD//wAAAAAmAAAAZAAAABYAAABMAAAAAAAAAAAAAAAEAAAAAAAAAAEAAACAgIAKAAAAACgAAAAoAAAAZAAAAGQAAAAAAAAAzMzMAAAAAABQAAAAUAAAAGQAAABkAAAAAAAAABcAAAAUAAAAAAAAAAAAAAD/fwAA/38AAAAAAAAJAAAABAAAAAAAIQUMAAAAEAAAAAAAAAAAAAAAAAAAAAAAAAAeAAAAaAAAAAAAAAAAAAAAAAAAAAAAAAAAAAAAECcAABAnAAAAAAAAAAAAAAAAAAAAAAAAAAAAAAAAAAAAAAAAAAAAABQAAAAAAAAAwMD/AAAAAABkAAAAMgAAAAAAAABkAAAAAAAAAH9/fwAKAAAAIgAAABgAAAAAAAAAAAAAAAAAAAAAAAAAAAAAAAAAAAAkAAAAJAAAAAAAAAAHAAAAAAAAAAAAAAAAAAAAAAAAAAAAAAAAAAAAf39/ACUAAABYAAAAAAAAAAAAAAAAAAAAAAAAAAAAAAAAAAAAAAAAAAAAAAAAAAAAAAAAAAAAAAA/AAAAAAAAAKCGAQAAAAAAAAAAAAAAAAAMAAAAAQAAAAAAAAAAAAAAAAAAAB8AAABUAAAAu+DjBf///wEAAAAAAAAAAAAAAAAAAAAAAAAAAAAAAAAAAAAAAAAAAFiE0wB/f38AgICAA8zMzADAwP8Af39/AAAAAAAAAAAAAAAAAAAAAAAAAAAAIQAAABgAAAAUAAAAYCoAAIkkAAAqPwAA3CUAABAAAAAmAAAACAAAAP//////////MAAAABQAAAAAAAAAAAD//wAAAQAAAP//AAABAA=="/>
+                <pr:smNativeData xmlns:pr="smNativeData" xmlns="smNativeData" val="SMDATA_17_WnaBYRMAAAAlAAAAggAAAA8BAAAAkAAAAEgAAACQAAAASAAAAAAAAAAAAAAAAAAAAAEAAABQAAAAQKUua7iN6j8AAAAAAADgPwAAAAAAAOA/AAAAAAAA4D8AAAAAAADgPwAAAAAAAOA/AAAAAAAA4D8AAAAAAADgPwAAAAAAAOA/AAAAAAAA4D8CAAAAjAAAAAAAAAAAAAAAu+DjDP///wgAAAAAAAAAAAAAAAAAAAAAAAAAAAAAAAAAAAAAZAAAAAEAAABAAAAAAAAAAAAAAAAAAAAAAAAAAAAAAAAAAAAAAAAAAAAAAAAAAAAAAAAAAAAAAAAAAAAAAAAAAAAAAAAAAAAAAAAAAAAAAAAAAAAAAAAAAAAAAAAAAAAAFAAAADwAAAABAAAAAAAAAFiE0wAoAAAAAQAAABQAAAAUAAAAFAAAAAEAAAAAAAAAZAAAAGQAAAAAAAAAZAAAAGQAAAAVAAAAYAAAAAAAAAAAAAAADwAAACADAAAAAAAAAAAAAAEAAACgMgAAVgcAAKr4//8BAAAAf39/AAEAAABkAAAAAAAAABQAAABAHwAAAAAAACYAAAAAAAAAwOD//wAAAAAmAAAAZAAAABYAAABMAAAAAAAAAAAAAAAEAAAAAAAAAAEAAACAgIAKAAAAACgAAAAoAAAAZAAAAGQAAAAAAAAAzMzMAAAAAABQAAAAUAAAAGQAAABkAAAAAAAAABcAAAAUAAAAAAAAAAAAAAD/fwAA/38AAAAAAAAJAAAABAAAAAAAIQUMAAAAEAAAAAAAAAAAAAAAAAAAAAAAAAAeAAAAaAAAAAAAAAAAAAAAAAAAAAAAAAAAAAAAECcAABAnAAAAAAAAAAAAAAAAAAAAAAAAAAAAAAAAAAAAAAAAAAAAABQAAAAAAAAAwMD/AAAAAABkAAAAMgAAAAAAAABkAAAAAAAAAH9/fwAKAAAAIgAAABgAAAAAAAAAAAAAAAAAAAAAAAAAAAAAAAAAAAAkAAAAJAAAAAAAAAAHAAAAAAAAAAAAAAAAAAAAAAAAAAAAAAAAAAAAf39/ACUAAABYAAAAAAAAAAAAAAAAAAAAAAAAAAAAAAAAAAAAAAAAAAAAAAAAAAAAAAAAAAAAAAA/AAAAAAAAAKCGAQAAAAAAAAAAAAAAAAAMAAAAAQAAAAAAAAAAAAAAAAAAAB8AAABUAAAAu+DjBf///wEAAAAAAAAAAAAAAAAAAAAAAAAAAAAAAAAAAAAAAAAAAFiE0wB/f38AgICAA8zMzADAwP8Af39/AAAAAAAAAAAAAAAAAAAAAAAAAAAAIQAAABgAAAAUAAAAYCoAAIkkAAAqPwAA3CUAABAAAAAmAAAACAAAAP//////////MAAAABQAAAAAAAAAAAD//wAAAQAAAP//AAABAA=="/>
               </a:ext>
             </a:extLst>
           </p:cNvSpPr>
@@ -8372,7 +8372,7 @@
           <p:cNvSpPr txBox="1">
             <a:extLst>
               <a:ext uri="smNativeData">
-                <pr:smNativeData xmlns:pr="smNativeData" xmlns="smNativeData" val="SMDATA_17_MUmAYRMAAAAlAAAAEgAAAE8BAAAAkAAAAEgAAACQAAAASAAAAAAAAAAAAAAAAAAAAAEAAABQAAAAAAAAAAAA4D8AAAAAAADgPwAAAAAAAOA/AAAAAAAA4D8AAAAAAADgPwAAAAAAAOA/AAAAAAAA4D8AAAAAAADgPwAAAAAAAOA/AAAAAAAA4D8CAAAAjAAAAAAAAAAAAAAAu+DjDP///wgAAAAAAAAAAAAAAAAAAAAAAAAAAAAAAAAAAAAAZAAAAAEAAABAAAAAAAAAAAAAAAAAAAAAAAAAAAAAAAAAAAAAAAAAAAAAAAAAAAAAAAAAAAAAAAAAAAAAAAAAAAAAAAAAAAAAAAAAAAAAAAAAAAAAAAAAAAAAAAAAAAAAFAAAADwAAAAAAAAAAAAAAAAAAAkUAAAAAQAAABQAAAAUAAAAFAAAAAEAAAAAAAAAZAAAAGQAAAAAAAAAZAAAAGQAAAAVAAAAYAAAAAAAAAAAAAAADwAAACADAAAAAAAAAAAAAAEAAACgMgAAVgcAAKr4//8BAAAAf39/AAEAAABkAAAAAAAAABQAAABAHwAAAAAAACYAAAAAAAAAwOD//wAAAAAmAAAAZAAAABYAAABMAAAAAAAAAAAAAAAEAAAAAAAAAAEAAACAgIAKAAAAACgAAAAoAAAAZAAAAGQAAAAAAAAAzMzMAAAAAABQAAAAUAAAAGQAAABkAAAAAAAAABcAAAAUAAAAAAAAAMQBAAD/fwAA/38AAAAAAAAJAAAABAAAAAAAAAQMAAAAEAAAAAAAAAAAAAAAAAAAAAAAAAAeAAAAaAAAAAAAAAAAAAAAAAAAAAAAAAAAAAAAECcAABAnAAAAAAAAAAAAAAAAAAAAAAAAAAAAAAAAAAAAAAAAAAAAABQAAAAAAAAAwMD/AAAAAABkAAAAMgAAAAAAAABkAAAAAAAAAH9/fwAKAAAAIgAAABgAAAAAAAAAAAAAAAAAAAAAAAAAAAAAAAAAAAAkAAAAJAAAAAAAAAAHAAAAAAAAAAAAAAAAAAAAAAAAAAAAAAAAAAAAf39/ACUAAABYAAAAAAAAAAAAAAAAAAAAAAAAAAAAAAAAAAAAAAAAAAAAAAAAAAAAAAAAAAAAAAA/AAAAAAAAAKCGAQAAAAAAAAAAAAAAAAAMAAAAAQAAAAAAAAAAAAAAAAAAAB8AAABUAAAAu+DjBf///wEAAAAAAAAAAAAAAAAAAAAAAAAAAAAAAAAAAAAAAAAAAAAAAAJ/f38AgICAA8zMzADAwP8Af39/AAAAAAAAAAAAAAAAAAAAAAAAAAAAIQAAABgAAAAUAAAA2yMAANwlAADcRAAAzCkAABAgAAAmAAAACAAAAP//////////MAAAABQAAAAAAAAAAAD//wAAAQAAAP//AAABAA=="/>
+                <pr:smNativeData xmlns:pr="smNativeData" xmlns="smNativeData" val="SMDATA_17_WnaBYRMAAAAlAAAAEgAAAE8BAAAAkAAAAEgAAACQAAAASAAAAAAAAAAAAAAAAAAAAAEAAABQAAAAAAAAAAAA4D8AAAAAAADgPwAAAAAAAOA/AAAAAAAA4D8AAAAAAADgPwAAAAAAAOA/AAAAAAAA4D8AAAAAAADgPwAAAAAAAOA/AAAAAAAA4D8CAAAAjAAAAAAAAAAAAAAAu+DjDP///wgAAAAAAAAAAAAAAAAAAAAAAAAAAAAAAAAAAAAAZAAAAAEAAABAAAAAAAAAAAAAAAAAAAAAAAAAAAAAAAAAAAAAAAAAAAAAAAAAAAAAAAAAAAAAAAAAAAAAAAAAAAAAAAAAAAAAAAAAAAAAAAAAAAAAAAAAAAAAAAAAAAAAFAAAADwAAAAAAAAAAAAAAAAAAAkUAAAAAQAAABQAAAAUAAAAFAAAAAEAAAAAAAAAZAAAAGQAAAAAAAAAZAAAAGQAAAAVAAAAYAAAAAAAAAAAAAAADwAAACADAAAAAAAAAAAAAAEAAACgMgAAVgcAAKr4//8BAAAAf39/AAEAAABkAAAAAAAAABQAAABAHwAAAAAAACYAAAAAAAAAwOD//wAAAAAmAAAAZAAAABYAAABMAAAAAAAAAAAAAAAEAAAAAAAAAAEAAACAgIAKAAAAACgAAAAoAAAAZAAAAGQAAAAAAAAAzMzMAAAAAABQAAAAUAAAAGQAAABkAAAAAAAAABcAAAAUAAAAAAAAAMQBAAD/fwAA/38AAAAAAAAJAAAABAAAAAAAAAQMAAAAEAAAAAAAAAAAAAAAAAAAAAAAAAAeAAAAaAAAAAAAAAAAAAAAAAAAAAAAAAAAAAAAECcAABAnAAAAAAAAAAAAAAAAAAAAAAAAAAAAAAAAAAAAAAAAAAAAABQAAAAAAAAAwMD/AAAAAABkAAAAMgAAAAAAAABkAAAAAAAAAH9/fwAKAAAAIgAAABgAAAAAAAAAAAAAAAAAAAAAAAAAAAAAAAAAAAAkAAAAJAAAAAAAAAAHAAAAAAAAAAAAAAAAAAAAAAAAAAAAAAAAAAAAf39/ACUAAABYAAAAAAAAAAAAAAAAAAAAAAAAAAAAAAAAAAAAAAAAAAAAAAAAAAAAAAAAAAAAAAA/AAAAAAAAAKCGAQAAAAAAAAAAAAAAAAAMAAAAAQAAAAAAAAAAAAAAAAAAAB8AAABUAAAAu+DjBf///wEAAAAAAAAAAAAAAAAAAAAAAAAAAAAAAAAAAAAAAAAAAAAAAAJ/f38AgICAA8zMzADAwP8Af39/AAAAAAAAAAAAAAAAAAAAAAAAAAAAIQAAABgAAAAUAAAA2yMAANwlAADcRAAAzCkAABAgAAAmAAAACAAAAP//////////MAAAABQAAAAAAAAAAAD//wAAAQAAAP//AAABAA=="/>
               </a:ext>
             </a:extLst>
           </p:cNvSpPr>
@@ -8415,7 +8415,7 @@
           <p:cNvSpPr>
             <a:extLst>
               <a:ext uri="smNativeData">
-                <pr:smNativeData xmlns:pr="smNativeData" xmlns="smNativeData" val="SMDATA_17_MUmAYRMAAAAlAAAAggAAAA8BAAAAkAAAAEgAAACQAAAASAAAAAAAAAAAAAAAAAAAAAEAAABQAAAAAAAAAAAAAAAAAAAAAADgPwAAAAAAAOA/AAAAAAAA4D8AAAAAAADgPwAAAAAAAOA/AAAAAAAA4D8AAAAAAADgPwAAAAAAAOA/AAAAAAAA4D8CAAAAjAAAAAAAAAAAAAAAu+DjDP///wgAAAAAAAAAAAAAAAAAAAAAAAAAAAAAAAAAAAAAZAAAAAEAAABAAAAAAAAAAAAAAAAAAAAAAAAAAAAAAAAAAAAAAAAAAAAAAAAAAAAAAAAAAAAAAAAAAAAAAAAAAAAAAAAAAAAAAAAAAAAAAAAAAAAAAAAAAAAAAAAAAAAAFAAAADwAAAABAAAAAAAAAFiE0wAoAAAAAQAAABQAAAAUAAAAFAAAAAEAAAAAAAAAZAAAAGQAAAAAAAAAZAAAAGQAAAAVAAAAYAAAAAAAAAAAAAAADwAAACADAAAAAAAAAAAAAAEAAACgMgAAVgcAAKr4//8BAAAAf39/AAEAAABkAAAAAAAAABQAAABAHwAAAAAAACYAAAAAAAAAwOD//wAAAAAmAAAAZAAAABYAAABMAAAAAAAAAAAAAAAEAAAAAAAAAAEAAACAgIAKAAAAACgAAAAoAAAAZAAAAGQAAAAAAAAAzMzMAAAAAABQAAAAUAAAAGQAAABkAAAAAAAAABcAAAAUAAAAAAAAAAAAAAD/fwAA/38AAAAAAAAJAAAABAAAAGCcawoMAAAAEAAAAAAAAAAAAAAAAAAAAAAAAAAeAAAAaAAAAAAAAAAAAAAAAAAAAAAAAAAAAAAAECcAABAnAAAAAAAAAAAAAAAAAAAAAAAAAAAAAAAAAAAAAAAAAAAAABQAAAAAAAAAwMD/AAAAAABkAAAAMgAAAAAAAABkAAAAAAAAAH9/fwAKAAAAIgAAABgAAAAAAAAAAAAAAAAAAAAAAAAAAAAAAAAAAAAkAAAAJAAAAAAAAAAHAAAAAAAAAAAAAAAAAAAAAAAAAAAAAAAAAAAAf39/ACUAAABYAAAAAAAAAAAAAAAAAAAAAAAAAAAAAAAAAAAAAAAAAAAAAAAAAAAAAAAAAAAAAAA/AAAAAAAAAKCGAQAAAAAAAAAAAAAAAAAMAAAAAQAAAAAAAAAAAAAAAAAAAB8AAABUAAAAu+DjBf///wEAAAAAAAAAAAAAAAAAAAAAAAAAAAAAAAAAAAAAAAAAAFiE0wB/f38AgICAA8zMzADAwP8Af39/AAAAAAAAAAAAAAAAAAAAAAAAAAAAIQAAABgAAAAUAAAACxoAAM8WAAClHAAAIhgAABAAAAAmAAAACAAAAP//////////MAAAABQAAAAAAAAAAAD//wAAAQAAAP//AAABAA=="/>
+                <pr:smNativeData xmlns:pr="smNativeData" xmlns="smNativeData" val="SMDATA_17_WnaBYRMAAAAlAAAAggAAAA8BAAAAkAAAAEgAAACQAAAASAAAAAAAAAAAAAAAAAAAAAEAAABQAAAAAAAAAAAAAAAAAAAAAADgPwAAAAAAAOA/AAAAAAAA4D8AAAAAAADgPwAAAAAAAOA/AAAAAAAA4D8AAAAAAADgPwAAAAAAAOA/AAAAAAAA4D8CAAAAjAAAAAAAAAAAAAAAu+DjDP///wgAAAAAAAAAAAAAAAAAAAAAAAAAAAAAAAAAAAAAZAAAAAEAAABAAAAAAAAAAAAAAAAAAAAAAAAAAAAAAAAAAAAAAAAAAAAAAAAAAAAAAAAAAAAAAAAAAAAAAAAAAAAAAAAAAAAAAAAAAAAAAAAAAAAAAAAAAAAAAAAAAAAAFAAAADwAAAABAAAAAAAAAFiE0wAoAAAAAQAAABQAAAAUAAAAFAAAAAEAAAAAAAAAZAAAAGQAAAAAAAAAZAAAAGQAAAAVAAAAYAAAAAAAAAAAAAAADwAAACADAAAAAAAAAAAAAAEAAACgMgAAVgcAAKr4//8BAAAAf39/AAEAAABkAAAAAAAAABQAAABAHwAAAAAAACYAAAAAAAAAwOD//wAAAAAmAAAAZAAAABYAAABMAAAAAAAAAAAAAAAEAAAAAAAAAAEAAACAgIAKAAAAACgAAAAoAAAAZAAAAGQAAAAAAAAAzMzMAAAAAABQAAAAUAAAAGQAAABkAAAAAAAAABcAAAAUAAAAAAAAAAAAAAD/fwAA/38AAAAAAAAJAAAABAAAAGCcawoMAAAAEAAAAAAAAAAAAAAAAAAAAAAAAAAeAAAAaAAAAAAAAAAAAAAAAAAAAAAAAAAAAAAAECcAABAnAAAAAAAAAAAAAAAAAAAAAAAAAAAAAAAAAAAAAAAAAAAAABQAAAAAAAAAwMD/AAAAAABkAAAAMgAAAAAAAABkAAAAAAAAAH9/fwAKAAAAIgAAABgAAAAAAAAAAAAAAAAAAAAAAAAAAAAAAAAAAAAkAAAAJAAAAAAAAAAHAAAAAAAAAAAAAAAAAAAAAAAAAAAAAAAAAAAAf39/ACUAAABYAAAAAAAAAAAAAAAAAAAAAAAAAAAAAAAAAAAAAAAAAAAAAAAAAAAAAAAAAAAAAAA/AAAAAAAAAKCGAQAAAAAAAAAAAAAAAAAMAAAAAQAAAAAAAAAAAAAAAAAAAB8AAABUAAAAu+DjBf///wEAAAAAAAAAAAAAAAAAAAAAAAAAAAAAAAAAAAAAAAAAAFiE0wB/f38AgICAA8zMzADAwP8Af39/AAAAAAAAAAAAAAAAAAAAAAAAAAAAIQAAABgAAAAUAAAACxoAAM8WAAClHAAAIhgAABAAAAAmAAAACAAAAP//////////MAAAABQAAAAAAAAAAAD//wAAAQAAAP//AAABAA=="/>
               </a:ext>
             </a:extLst>
           </p:cNvSpPr>
@@ -8450,7 +8450,7 @@
           <p:cNvSpPr txBox="1">
             <a:extLst>
               <a:ext uri="smNativeData">
-                <pr:smNativeData xmlns:pr="smNativeData" xmlns="smNativeData" val="SMDATA_17_MUmAYRMAAAAlAAAAEgAAAE8BAAAAkAAAAEgAAACQAAAASAAAAAAAAAAAAAAAAAAAAAEAAABQAAAAAAAAAAAA4D8AAAAAAADgPwAAAAAAAOA/AAAAAAAA4D8AAAAAAADgPwAAAAAAAOA/AAAAAAAA4D8AAAAAAADgPwAAAAAAAOA/AAAAAAAA4D8CAAAAjAAAAAAAAAAAAAAAu+DjDP///wgAAAAAAAAAAAAAAAAAAAAAAAAAAAAAAAAAAAAAZAAAAAEAAABAAAAAAAAAAAAAAAAAAAAAAAAAAAAAAAAAAAAAAAAAAAAAAAAAAAAAAAAAAAAAAAAAAAAAAAAAAAAAAAAAAAAAAAAAAAAAAAAAAAAAAAAAAAAAAAAAAAAAFAAAADwAAAAAAAAAAAAAAAAAAAkUAAAAAQAAABQAAAAUAAAAFAAAAAEAAAAAAAAAZAAAAGQAAAAAAAAAZAAAAGQAAAAVAAAAYAAAAAAAAAAAAAAADwAAACADAAAAAAAAAAAAAAEAAACgMgAAVgcAAKr4//8BAAAAf39/AAEAAABkAAAAAAAAABQAAABAHwAAAAAAACYAAAAAAAAAwOD//wAAAAAmAAAAZAAAABYAAABMAAAAAAAAAAAAAAAEAAAAAAAAAAEAAACAgIAKAAAAACgAAAAoAAAAZAAAAGQAAAAAAAAAzMzMAAAAAABQAAAAUAAAAGQAAABkAAAAAAAAABcAAAAUAAAAAAAAAMQBAAD/fwAA/38AAAAAAAAJAAAABAAAAEDTqgwMAAAAEAAAAAAAAAAAAAAAAAAAAAAAAAAeAAAAaAAAAAAAAAAAAAAAAAAAAAAAAAAAAAAAECcAABAnAAAAAAAAAAAAAAAAAAAAAAAAAAAAAAAAAAAAAAAAAAAAABQAAAAAAAAAwMD/AAAAAABkAAAAMgAAAAAAAABkAAAAAAAAAH9/fwAKAAAAIgAAABgAAAAAAAAAAAAAAAAAAAAAAAAAAAAAAAAAAAAkAAAAJAAAAAAAAAAHAAAAAAAAAAAAAAAAAAAAAAAAAAAAAAAAAAAAf39/ACUAAABYAAAAAAAAAAAAAAAAAAAAAAAAAAAAAAAAAAAAAAAAAAAAAAAAAAAAAAAAAAAAAAA/AAAAAAAAAKCGAQAAAAAAAAAAAAAAAAAMAAAAAQAAAAAAAAAAAAAAAAAAAB8AAABUAAAAu+DjBf///wEAAAAAAAAAAAAAAAAAAAAAAAAAAAAAAAAAAAAAAAAAAAAAAAJ/f38AgICAA8zMzADAwP8Af39/AAAAAAAAAAAAAAAAAAAAAAAAAAAAIQAAABgAAAAUAAAAYwgAAGslAAALGgAAUygAABAgAAAmAAAACAAAAP//////////MAAAABQAAAAAAAAAAAD//wAAAQAAAP//AAABAA=="/>
+                <pr:smNativeData xmlns:pr="smNativeData" xmlns="smNativeData" val="SMDATA_17_WnaBYRMAAAAlAAAAEgAAAE8BAAAAkAAAAEgAAACQAAAASAAAAAAAAAAAAAAAAAAAAAEAAABQAAAAAAAAAAAA4D8AAAAAAADgPwAAAAAAAOA/AAAAAAAA4D8AAAAAAADgPwAAAAAAAOA/AAAAAAAA4D8AAAAAAADgPwAAAAAAAOA/AAAAAAAA4D8CAAAAjAAAAAAAAAAAAAAAu+DjDP///wgAAAAAAAAAAAAAAAAAAAAAAAAAAAAAAAAAAAAAZAAAAAEAAABAAAAAAAAAAAAAAAAAAAAAAAAAAAAAAAAAAAAAAAAAAAAAAAAAAAAAAAAAAAAAAAAAAAAAAAAAAAAAAAAAAAAAAAAAAAAAAAAAAAAAAAAAAAAAAAAAAAAAFAAAADwAAAAAAAAAAAAAAAAAAAkUAAAAAQAAABQAAAAUAAAAFAAAAAEAAAAAAAAAZAAAAGQAAAAAAAAAZAAAAGQAAAAVAAAAYAAAAAAAAAAAAAAADwAAACADAAAAAAAAAAAAAAEAAACgMgAAVgcAAKr4//8BAAAAf39/AAEAAABkAAAAAAAAABQAAABAHwAAAAAAACYAAAAAAAAAwOD//wAAAAAmAAAAZAAAABYAAABMAAAAAAAAAAAAAAAEAAAAAAAAAAEAAACAgIAKAAAAACgAAAAoAAAAZAAAAGQAAAAAAAAAzMzMAAAAAABQAAAAUAAAAGQAAABkAAAAAAAAABcAAAAUAAAAAAAAAMQBAAD/fwAA/38AAAAAAAAJAAAABAAAAEDTqgwMAAAAEAAAAAAAAAAAAAAAAAAAAAAAAAAeAAAAaAAAAAAAAAAAAAAAAAAAAAAAAAAAAAAAECcAABAnAAAAAAAAAAAAAAAAAAAAAAAAAAAAAAAAAAAAAAAAAAAAABQAAAAAAAAAwMD/AAAAAABkAAAAMgAAAAAAAABkAAAAAAAAAH9/fwAKAAAAIgAAABgAAAAAAAAAAAAAAAAAAAAAAAAAAAAAAAAAAAAkAAAAJAAAAAAAAAAHAAAAAAAAAAAAAAAAAAAAAAAAAAAAAAAAAAAAf39/ACUAAABYAAAAAAAAAAAAAAAAAAAAAAAAAAAAAAAAAAAAAAAAAAAAAAAAAAAAAAAAAAAAAAA/AAAAAAAAAKCGAQAAAAAAAAAAAAAAAAAMAAAAAQAAAAAAAAAAAAAAAAAAAB8AAABUAAAAu+DjBf///wEAAAAAAAAAAAAAAAAAAAAAAAAAAAAAAAAAAAAAAAAAAAAAAAJ/f38AgICAA8zMzADAwP8Af39/AAAAAAAAAAAAAAAAAAAAAAAAAAAAIQAAABgAAAAUAAAAYwgAAGslAAALGgAAUygAABAgAAAmAAAACAAAAP//////////MAAAABQAAAAAAAAAAAD//wAAAQAAAP//AAABAA=="/>
               </a:ext>
             </a:extLst>
           </p:cNvSpPr>
@@ -8503,7 +8503,7 @@
             <a:endCxn id="15" idx="3"/>
             <a:extLst>
               <a:ext uri="smNativeData">
-                <pr:smNativeData xmlns:pr="smNativeData" xmlns="smNativeData" val="SMDATA_17_MUmAYRMAAAAlAAAADgAAAA8BAAAAkAAAAEgAAACQAAAASAAAAAAAAAAAAAAAAAAAAAEAAABQAAAAAAAAAAAA4D8AAAAAAADgPwAAAAAAAOA/AAAAAAAA4D8AAAAAAADgPwAAAAAAAOA/AAAAAAAA4D8AAAAAAADgPwAAAAAAAOA/AAAAAAAA4D8CAAAAjAAAAAAAAAAAAAAAu+DjDP///wgAAAAAAAAAAAAAAAAAAAAAAAAAAAAAAAAAAAAAZAAAAAEAAABAAAAAAAAAAAAAAAAAAAAAAAAAAAAAAAAAAAAAAAAAAAAAAAAAAAAAAAAAAAAAAAAAAAAAAAAAAAAAAAAAAAAAAAAAAAAAAAAAAAAAAAAAAAAAAAAAAAAAFAAAADwAAAABAAAAAAAAAFiE0wAoAAAAAQAAABQAAAAUAAAAFAAAAAEAAAAAAAAAZAAAAGQAAAAAAAAAZAAAAGQAAAAVAAAAYAAAAAAAAAAAAAAADwAAACADAAAAAAAAAAAAAAEAAACgMgAAVgcAAKr4//8BAAAAf39/AAEAAABkAAAAAAAAABQAAABAHwAAAAAAACYAAAAAAAAAwOD//wAAAAAmAAAAZAAAABYAAABMAAAAAAAAAAAAAAAEAAAAAAAAAAEAAACAgIAKAAAAACgAAAAoAAAAZAAAAGQAAAAAAAAAzMzMAAAAAABQAAAAUAAAAGQAAABkAAAAAAAAABcAAAAUAAAAAAAAAAAAAAD/fwAA/38AAAAAAAAJAAAABAAAABALAAAMAAAAEAAAAAAAAAAAAAAAAAAAAAAAAAAeAAAAaAAAAAAAAAAAAAAAAAAAAAAAAAAAAAAAECcAABAnAAAAAAAAAAAAAAAAAAAAAAAAAAAAAAAAAAAAAAAAAAAAABQAAAAAAAAAwMD/AAAAAABkAAAAMgAAAAAAAABkAAAAAAAAAH9/fwAKAAAAIgAAABgAAAAAAAAAAAAAAAAAAAAAAAAAAAAAAAAAAAAkAAAAJAAAAAAAAAAHAAAAAAAAAAAAAAAAAAAAAAAAAAAAAAAAAAAAf39/ACUAAABYAAAAAAAAAAAAAAAAAAAAAAAAAAAAAAAAAAAAAAAAAAAAAAAAAAAAAAAAAAAAAAA/AAAAAAAAAKCGAQAAAAAAAAAAAAAAAAAMAAAAAQAAAAAAAAAAAAAAAAAAAB8AAABUAAAAu+DjBf///wEAAAAAAAAAAAAAAAAAAAAAAAAAAAAAAAAAAAAAAAAAAFiE0wB/f38AgICAA8zMzADAwP8Af39/AAAAAAAAAAAAAAAAAAAAAAAAAAAAIQAAABgAAAAUAAAACxoAACIYAABYGwAA3yYAABAAAAAmAAAACAAAAP//////////MAAAABQAAAAAAAAAAAD//wAAAQAAAP//AAABAA=="/>
+                <pr:smNativeData xmlns:pr="smNativeData" xmlns="smNativeData" val="SMDATA_17_WnaBYRMAAAAlAAAADgAAAA8BAAAAkAAAAEgAAACQAAAASAAAAAAAAAAAAAAAAAAAAAEAAABQAAAAAAAAAAAA4D8AAAAAAADgPwAAAAAAAOA/AAAAAAAA4D8AAAAAAADgPwAAAAAAAOA/AAAAAAAA4D8AAAAAAADgPwAAAAAAAOA/AAAAAAAA4D8CAAAAjAAAAAAAAAAAAAAAu+DjDP///wgAAAAAAAAAAAAAAAAAAAAAAAAAAAAAAAAAAAAAZAAAAAEAAABAAAAAAAAAAAAAAAAAAAAAAAAAAAAAAAAAAAAAAAAAAAAAAAAAAAAAAAAAAAAAAAAAAAAAAAAAAAAAAAAAAAAAAAAAAAAAAAAAAAAAAAAAAAAAAAAAAAAAFAAAADwAAAABAAAAAAAAAFiE0wAoAAAAAQAAABQAAAAUAAAAFAAAAAEAAAAAAAAAZAAAAGQAAAAAAAAAZAAAAGQAAAAVAAAAYAAAAAAAAAAAAAAADwAAACADAAAAAAAAAAAAAAEAAACgMgAAVgcAAKr4//8BAAAAf39/AAEAAABkAAAAAAAAABQAAABAHwAAAAAAACYAAAAAAAAAwOD//wAAAAAmAAAAZAAAABYAAABMAAAAAAAAAAAAAAAEAAAAAAAAAAEAAACAgIAKAAAAACgAAAAoAAAAZAAAAGQAAAAAAAAAzMzMAAAAAABQAAAAUAAAAGQAAABkAAAAAAAAABcAAAAUAAAAAAAAAAAAAAD/fwAA/38AAAAAAAAJAAAABAAAABALAAAMAAAAEAAAAAAAAAAAAAAAAAAAAAAAAAAeAAAAaAAAAAAAAAAAAAAAAAAAAAAAAAAAAAAAECcAABAnAAAAAAAAAAAAAAAAAAAAAAAAAAAAAAAAAAAAAAAAAAAAABQAAAAAAAAAwMD/AAAAAABkAAAAMgAAAAAAAABkAAAAAAAAAH9/fwAKAAAAIgAAABgAAAAAAAAAAAAAAAAAAAAAAAAAAAAAAAAAAAAkAAAAJAAAAAAAAAAHAAAAAAAAAAAAAAAAAAAAAAAAAAAAAAAAAAAAf39/ACUAAABYAAAAAAAAAAAAAAAAAAAAAAAAAAAAAAAAAAAAAAAAAAAAAAAAAAAAAAAAAAAAAAA/AAAAAAAAAKCGAQAAAAAAAAAAAAAAAAAMAAAAAQAAAAAAAAAAAAAAAAAAAB8AAABUAAAAu+DjBf///wEAAAAAAAAAAAAAAAAAAAAAAAAAAAAAAAAAAAAAAAAAAFiE0wB/f38AgICAA8zMzADAwP8Af39/AAAAAAAAAAAAAAAAAAAAAAAAAAAAIQAAABgAAAAUAAAACxoAACIYAABYGwAA3yYAABAAAAAmAAAACAAAAP//////////MAAAABQAAAAAAAAAAAD//wAAAQAAAP//AAABAA=="/>
               </a:ext>
             </a:extLst>
           </p:cNvCxnSpPr>
@@ -8535,7 +8535,7 @@
           <p:cNvSpPr txBox="1">
             <a:extLst>
               <a:ext uri="smNativeData">
-                <pr:smNativeData xmlns:pr="smNativeData" xmlns="smNativeData" val="SMDATA_17_MUmAYRMAAAAlAAAAEgAAAE8BAAAAkAAAAEgAAACQAAAASAAAAAAAAAAAAAAAAAAAAAEAAABQAAAAAAAAAAAA4D8AAAAAAADgPwAAAAAAAOA/AAAAAAAA4D8AAAAAAADgPwAAAAAAAOA/AAAAAAAA4D8AAAAAAADgPwAAAAAAAOA/AAAAAAAA4D8CAAAAjAAAAAAAAAAAAAAAu+DjDP///wgAAAAAAAAAAAAAAAAAAAAAAAAAAAAAAAAAAAAAZAAAAAEAAABAAAAAAAAAAAAAAAAAAAAAAAAAAAAAAAAAAAAAAAAAAAAAAAAAAAAAAAAAAAAAAAAAAAAAAAAAAAAAAAAAAAAAAAAAAAAAAAAAAAAAAAAAAAAAAAAAAAAAFAAAADwAAAAAAAAAAAAAAAAAAAkUAAAAAQAAABQAAAAUAAAAFAAAAAEAAAAAAAAAZAAAAGQAAAAAAAAAZAAAAGQAAAAVAAAAYAAAAAAAAAAAAAAADwAAACADAAAAAAAAAAAAAAEAAACgMgAAVgcAAKr4//8BAAAAf39/AAEAAABkAAAAAAAAABQAAABAHwAAAAAAACYAAAAAAAAAwOD//wAAAAAmAAAAZAAAABYAAABMAAAAAAAAAAAAAAAEAAAAAAAAAAEAAACAgIAKAAAAACgAAAAoAAAAZAAAAGQAAAAAAAAAzMzMAAAAAABQAAAAUAAAAGQAAABkAAAAAAAAABcAAAAUAAAAAAAAABcDAAD/fwAA/38AAAAAAAAJAAAABAAAAAAAAAAMAAAAEAAAAAAAAAAAAAAAAAAAAAAAAAAeAAAAaAAAAAAAAAAAAAAAAAAAAAAAAAAAAAAAECcAABAnAAAAAAAAAAAAAAAAAAAAAAAAAAAAAAAAAAAAAAAAAAAAABQAAAAAAAAAwMD/AAAAAABkAAAAMgAAAAAAAABkAAAAAAAAAH9/fwAKAAAAIgAAABgAAAAAAAAAAAAAAAAAAAAAAAAAAAAAAAAAAAAkAAAAJAAAAAAAAAAHAAAAAAAAAAAAAAAAAAAAAAAAAAAAAAAAAAAAf39/ACUAAABYAAAAAAAAAAAAAAAAAAAAAAAAAAAAAAAAAAAAAAAAAAAAAAAAAAAAAAAAAAAAAAA/AAAAAAAAAKCGAQAAAAAAAAAAAAAAAAAMAAAAAQAAAAAAAAAAAAAAAAAAAB8AAABUAAAAu+DjBf///wEAAAAAAAAAAAAAAAAAAAAAAAAAAAAAAAAAAAAAAAAAAAAAAAJ/f38AgICAA8zMzADAwP8Af39/AAAAAAAAAAAAAAAAAAAAAAAAAAAAIQAAABgAAAAUAAAATwcAAFwMAADjQAAARA8AABAgAAAmAAAACAAAAP//////////MAAAABQAAAAAAAAAAAD//wAAAQAAAP//AAABAA=="/>
+                <pr:smNativeData xmlns:pr="smNativeData" xmlns="smNativeData" val="SMDATA_17_WnaBYRMAAAAlAAAAEgAAAE8BAAAAkAAAAEgAAACQAAAASAAAAAAAAAAAAAAAAAAAAAEAAABQAAAAAAAAAAAA4D8AAAAAAADgPwAAAAAAAOA/AAAAAAAA4D8AAAAAAADgPwAAAAAAAOA/AAAAAAAA4D8AAAAAAADgPwAAAAAAAOA/AAAAAAAA4D8CAAAAjAAAAAAAAAAAAAAAu+DjDP///wgAAAAAAAAAAAAAAAAAAAAAAAAAAAAAAAAAAAAAZAAAAAEAAABAAAAAAAAAAAAAAAAAAAAAAAAAAAAAAAAAAAAAAAAAAAAAAAAAAAAAAAAAAAAAAAAAAAAAAAAAAAAAAAAAAAAAAAAAAAAAAAAAAAAAAAAAAAAAAAAAAAAAFAAAADwAAAAAAAAAAAAAAAAAAAkUAAAAAQAAABQAAAAUAAAAFAAAAAEAAAAAAAAAZAAAAGQAAAAAAAAAZAAAAGQAAAAVAAAAYAAAAAAAAAAAAAAADwAAACADAAAAAAAAAAAAAAEAAACgMgAAVgcAAKr4//8BAAAAf39/AAEAAABkAAAAAAAAABQAAABAHwAAAAAAACYAAAAAAAAAwOD//wAAAAAmAAAAZAAAABYAAABMAAAAAAAAAAAAAAAEAAAAAAAAAAEAAACAgIAKAAAAACgAAAAoAAAAZAAAAGQAAAAAAAAAzMzMAAAAAABQAAAAUAAAAGQAAABkAAAAAAAAABcAAAAUAAAAAAAAABcDAAD/fwAA/38AAAAAAAAJAAAABAAAAAAAAAAMAAAAEAAAAAAAAAAAAAAAAAAAAAAAAAAeAAAAaAAAAAAAAAAAAAAAAAAAAAAAAAAAAAAAECcAABAnAAAAAAAAAAAAAAAAAAAAAAAAAAAAAAAAAAAAAAAAAAAAABQAAAAAAAAAwMD/AAAAAABkAAAAMgAAAAAAAABkAAAAAAAAAH9/fwAKAAAAIgAAABgAAAAAAAAAAAAAAAAAAAAAAAAAAAAAAAAAAAAkAAAAJAAAAAAAAAAHAAAAAAAAAAAAAAAAAAAAAAAAAAAAAAAAAAAAf39/ACUAAABYAAAAAAAAAAAAAAAAAAAAAAAAAAAAAAAAAAAAAAAAAAAAAAAAAAAAAAAAAAAAAAA/AAAAAAAAAKCGAQAAAAAAAAAAAAAAAAAMAAAAAQAAAAAAAAAAAAAAAAAAAB8AAABUAAAAu+DjBf///wEAAAAAAAAAAAAAAAAAAAAAAAAAAAAAAAAAAAAAAAAAAAAAAAJ/f38AgICAA8zMzADAwP8Af39/AAAAAAAAAAAAAAAAAAAAAAAAAAAAIQAAABgAAAAUAAAATwcAAFwMAADjQAAARA8AABAgAAAmAAAACAAAAP//////////MAAAABQAAAAAAAAAAAD//wAAAQAAAP//AAABAA=="/>
               </a:ext>
             </a:extLst>
           </p:cNvSpPr>
@@ -8560,7 +8560,7 @@
           <a:lstStyle/>
           <a:p>
             <a:pPr>
-              <a:defRPr sz="2600" spc="3">
+              <a:defRPr sz="2600">
                 <a:latin typeface="Liberation Mono" pitchFamily="1" charset="0"/>
                 <a:ea typeface="Liberation Mono" pitchFamily="1" charset="0"/>
                 <a:cs typeface="Liberation Mono" pitchFamily="1" charset="0"/>
@@ -8578,7 +8578,7 @@
           <p:cNvSpPr>
             <a:extLst>
               <a:ext uri="smNativeData">
-                <pr:smNativeData xmlns:pr="smNativeData" xmlns="smNativeData" val="SMDATA_17_MUmAYRMAAAAlAAAAggAAAA8BAAAAkAAAAEgAAACQAAAASAAAAAAAAAAAAAAAAAAAAAEAAABQAAAAHoXrUbge5T8AAAAAAADgPwAAAAAAAOA/AAAAAAAA4D8AAAAAAADgPwAAAAAAAOA/AAAAAAAA4D8AAAAAAADgPwAAAAAAAOA/AAAAAAAA4D8CAAAAjAAAAAAAAAAAAAAAu+DjDP///wgAAAAAAAAAAAAAAAAAAAAAAAAAAAAAAAAAAAAAZAAAAAEAAABAAAAAAAAAAAAAAAAAAAAAAAAAAAAAAAAAAAAAAAAAAAAAAAAAAAAAAAAAAAAAAAAAAAAAAAAAAAAAAAAAAAAAAAAAAAAAAAAAAAAAAAAAAAAAAAAAAAAAFAAAADwAAAABAAAAAAAAAFiE0wAoAAAAAQAAABQAAAAUAAAAFAAAAAEAAAAAAAAAZAAAAGQAAAAAAAAAZAAAAGQAAAAVAAAAYAAAAAAAAAAAAAAADwAAACADAAAAAAAAAAAAAAEAAACgMgAAVgcAAKr4//8BAAAAf39/AAEAAABkAAAAAAAAABQAAABAHwAAAAAAACYAAAAAAAAAwOD//wAAAAAmAAAAZAAAABYAAABMAAAAAAAAAAAAAAAEAAAAAAAAAAEAAACAgIAKAAAAACgAAAAoAAAAZAAAAGQAAAAAAAAAzMzMAAAAAABQAAAAUAAAAGQAAABkAAAAAAAAABcAAAAUAAAAAAAAAAAAAAD/fwAA/38AAAAAAAAJAAAABAAAAAAAAAAMAAAAEAAAAAAAAAAAAAAAAAAAAAAAAAAeAAAAaAAAAAAAAAAAAAAAAAAAAAAAAAAAAAAAECcAABAnAAAAAAAAAAAAAAAAAAAAAAAAAAAAAAAAAAAAAAAAAAAAABQAAAAAAAAAwMD/AAAAAABkAAAAMgAAAAAAAABkAAAAAAAAAH9/fwAKAAAAIgAAABgAAAAAAAAAAAAAAAAAAAAAAAAAAAAAAAAAAAAkAAAAJAAAAAAAAAAHAAAAAAAAAAAAAAAAAAAAAAAAAAAAAAAAAAAAf39/ACUAAABYAAAAAAAAAAAAAAAAAAAAAAAAAAAAAAAAAAAAAAAAAAAAAAAAAAAAAAAAAAAAAAA/AAAAAAAAAKCGAQAAAAAAAAAAAAAAAAAMAAAAAQAAAAAAAAAAAAAAAAAAAB8AAABUAAAAu+DjBf///wEAAAAAAAAAAAAAAAAAAAAAAAAAAAAAAAAAAAAAAAAAAFiE0wB/f38AgICAA8zMzADAwP8Af39/AAAAAAAAAAAAAAAAAAAAAAAAAAAAIQAAABgAAAAUAAAAiAcAAHwOAADTEQAAzw8AABAAAAAmAAAACAAAAP//////////MAAAABQAAAAAAAAAAAD//wAAAQAAAP//AAABAA=="/>
+                <pr:smNativeData xmlns:pr="smNativeData" xmlns="smNativeData" val="SMDATA_17_WnaBYRMAAAAlAAAAggAAAA8BAAAAkAAAAEgAAACQAAAASAAAAAAAAAAAAAAAAAAAAAEAAABQAAAAHoXrUbge5T8AAAAAAADgPwAAAAAAAOA/AAAAAAAA4D8AAAAAAADgPwAAAAAAAOA/AAAAAAAA4D8AAAAAAADgPwAAAAAAAOA/AAAAAAAA4D8CAAAAjAAAAAAAAAAAAAAAu+DjDP///wgAAAAAAAAAAAAAAAAAAAAAAAAAAAAAAAAAAAAAZAAAAAEAAABAAAAAAAAAAAAAAAAAAAAAAAAAAAAAAAAAAAAAAAAAAAAAAAAAAAAAAAAAAAAAAAAAAAAAAAAAAAAAAAAAAAAAAAAAAAAAAAAAAAAAAAAAAAAAAAAAAAAAFAAAADwAAAABAAAAAAAAAFiE0wAoAAAAAQAAABQAAAAUAAAAFAAAAAEAAAAAAAAAZAAAAGQAAAAAAAAAZAAAAGQAAAAVAAAAYAAAAAAAAAAAAAAADwAAACADAAAAAAAAAAAAAAEAAACgMgAAVgcAAKr4//8BAAAAf39/AAEAAABkAAAAAAAAABQAAABAHwAAAAAAACYAAAAAAAAAwOD//wAAAAAmAAAAZAAAABYAAABMAAAAAAAAAAAAAAAEAAAAAAAAAAEAAACAgIAKAAAAACgAAAAoAAAAZAAAAGQAAAAAAAAAzMzMAAAAAABQAAAAUAAAAGQAAABkAAAAAAAAABcAAAAUAAAAAAAAAAAAAAD/fwAA/38AAAAAAAAJAAAABAAAAAAAAAAMAAAAEAAAAAAAAAAAAAAAAAAAAAAAAAAeAAAAaAAAAAAAAAAAAAAAAAAAAAAAAAAAAAAAECcAABAnAAAAAAAAAAAAAAAAAAAAAAAAAAAAAAAAAAAAAAAAAAAAABQAAAAAAAAAwMD/AAAAAABkAAAAMgAAAAAAAABkAAAAAAAAAH9/fwAKAAAAIgAAABgAAAAAAAAAAAAAAAAAAAAAAAAAAAAAAAAAAAAkAAAAJAAAAAAAAAAHAAAAAAAAAAAAAAAAAAAAAAAAAAAAAAAAAAAAf39/ACUAAABYAAAAAAAAAAAAAAAAAAAAAAAAAAAAAAAAAAAAAAAAAAAAAAAAAAAAAAAAAAAAAAA/AAAAAAAAAKCGAQAAAAAAAAAAAAAAAAAMAAAAAQAAAAAAAAAAAAAAAAAAAB8AAABUAAAAu+DjBf///wEAAAAAAAAAAAAAAAAAAAAAAAAAAAAAAAAAAAAAAAAAAFiE0wB/f38AgICAA8zMzADAwP8Af39/AAAAAAAAAAAAAAAAAAAAAAAAAAAAIQAAABgAAAAUAAAAiAcAAHwOAADTEQAAzw8AABAAAAAmAAAACAAAAP//////////MAAAABQAAAAAAAAAAAD//wAAAQAAAP//AAABAA=="/>
               </a:ext>
             </a:extLst>
           </p:cNvSpPr>
@@ -8613,7 +8613,7 @@
           <p:cNvSpPr>
             <a:extLst>
               <a:ext uri="smNativeData">
-                <pr:smNativeData xmlns:pr="smNativeData" xmlns="smNativeData" val="SMDATA_17_MUmAYRMAAAAlAAAAggAAAA8BAAAAkAAAAEgAAACQAAAASAAAAAAAAAAAAAAAAAAAAAEAAABQAAAAHoXrUbge5T8AAAAAAADgPwAAAAAAAOA/AAAAAAAA4D8AAAAAAADgPwAAAAAAAOA/AAAAAAAA4D8AAAAAAADgPwAAAAAAAOA/AAAAAAAA4D8CAAAAjAAAAAAAAAAAAAAAu+DjDP///wgAAAAAAAAAAAAAAAAAAAAAAAAAAAAAAAAAAAAAZAAAAAEAAABAAAAAAAAAAAAAAAAAAAAAAAAAAAAAAAAAAAAAAAAAAAAAAAAAAAAAAAAAAAAAAAAAAAAAAAAAAAAAAAAAAAAAAAAAAAAAAAAAAAAAAAAAAAAAAAAAAAAAFAAAADwAAAABAAAAAAAAAFiE0wAoAAAAAQAAABQAAAAUAAAAFAAAAAEAAAAAAAAAZAAAAGQAAAAAAAAAZAAAAGQAAAAVAAAAYAAAAAAAAAAAAAAADwAAACADAAAAAAAAAAAAAAEAAACgMgAAVgcAAKr4//8BAAAAf39/AAEAAABkAAAAAAAAABQAAABAHwAAAAAAACYAAAAAAAAAwOD//wAAAAAmAAAAZAAAABYAAABMAAAAAAAAAAAAAAAEAAAAAAAAAAEAAACAgIAKAAAAACgAAAAoAAAAZAAAAGQAAAAAAAAAzMzMAAAAAABQAAAAUAAAAGQAAABkAAAAAAAAABcAAAAUAAAAAAAAAAAAAAD/fwAA/38AAAAAAAAJAAAABAAAAAAAAAAMAAAAEAAAAAAAAAAAAAAAAAAAAAAAAAAeAAAAaAAAAAAAAAAAAAAAAAAAAAAAAAAAAAAAECcAABAnAAAAAAAAAAAAAAAAAAAAAAAAAAAAAAAAAAAAAAAAAAAAABQAAAAAAAAAwMD/AAAAAABkAAAAMgAAAAAAAABkAAAAAAAAAH9/fwAKAAAAIgAAABgAAAAAAAAAAAAAAAAAAAAAAAAAAAAAAAAAAAAkAAAAJAAAAAAAAAAHAAAAAAAAAAAAAAAAAAAAAAAAAAAAAAAAAAAAf39/ACUAAABYAAAAAAAAAAAAAAAAAAAAAAAAAAAAAAAAAAAAAAAAAAAAAAAAAAAAAAAAAAAAAAA/AAAAAAAAAKCGAQAAAAAAAAAAAAAAAAAMAAAAAQAAAAAAAAAAAAAAAAAAAB8AAABUAAAAu+DjBf///wEAAAAAAAAAAAAAAAAAAAAAAAAAAAAAAAAAAAAAAAAAAFiE0wB/f38AgICAA8zMzADAwP8Af39/AAAAAAAAAAAAAAAAAAAAAAAAAAAAIQAAABgAAAAUAAAAWhIAAHwOAAClHAAAzw8AABAAAAAmAAAACAAAAP//////////MAAAABQAAAAAAAAAAAD//wAAAQAAAP//AAABAA=="/>
+                <pr:smNativeData xmlns:pr="smNativeData" xmlns="smNativeData" val="SMDATA_17_WnaBYRMAAAAlAAAAggAAAA8BAAAAkAAAAEgAAACQAAAASAAAAAAAAAAAAAAAAAAAAAEAAABQAAAAHoXrUbge5T8AAAAAAADgPwAAAAAAAOA/AAAAAAAA4D8AAAAAAADgPwAAAAAAAOA/AAAAAAAA4D8AAAAAAADgPwAAAAAAAOA/AAAAAAAA4D8CAAAAjAAAAAAAAAAAAAAAu+DjDP///wgAAAAAAAAAAAAAAAAAAAAAAAAAAAAAAAAAAAAAZAAAAAEAAABAAAAAAAAAAAAAAAAAAAAAAAAAAAAAAAAAAAAAAAAAAAAAAAAAAAAAAAAAAAAAAAAAAAAAAAAAAAAAAAAAAAAAAAAAAAAAAAAAAAAAAAAAAAAAAAAAAAAAFAAAADwAAAABAAAAAAAAAFiE0wAoAAAAAQAAABQAAAAUAAAAFAAAAAEAAAAAAAAAZAAAAGQAAAAAAAAAZAAAAGQAAAAVAAAAYAAAAAAAAAAAAAAADwAAACADAAAAAAAAAAAAAAEAAACgMgAAVgcAAKr4//8BAAAAf39/AAEAAABkAAAAAAAAABQAAABAHwAAAAAAACYAAAAAAAAAwOD//wAAAAAmAAAAZAAAABYAAABMAAAAAAAAAAAAAAAEAAAAAAAAAAEAAACAgIAKAAAAACgAAAAoAAAAZAAAAGQAAAAAAAAAzMzMAAAAAABQAAAAUAAAAGQAAABkAAAAAAAAABcAAAAUAAAAAAAAAAAAAAD/fwAA/38AAAAAAAAJAAAABAAAAAAAAAAMAAAAEAAAAAAAAAAAAAAAAAAAAAAAAAAeAAAAaAAAAAAAAAAAAAAAAAAAAAAAAAAAAAAAECcAABAnAAAAAAAAAAAAAAAAAAAAAAAAAAAAAAAAAAAAAAAAAAAAABQAAAAAAAAAwMD/AAAAAABkAAAAMgAAAAAAAABkAAAAAAAAAH9/fwAKAAAAIgAAABgAAAAAAAAAAAAAAAAAAAAAAAAAAAAAAAAAAAAkAAAAJAAAAAAAAAAHAAAAAAAAAAAAAAAAAAAAAAAAAAAAAAAAAAAAf39/ACUAAABYAAAAAAAAAAAAAAAAAAAAAAAAAAAAAAAAAAAAAAAAAAAAAAAAAAAAAAAAAAAAAAA/AAAAAAAAAKCGAQAAAAAAAAAAAAAAAAAMAAAAAQAAAAAAAAAAAAAAAAAAAB8AAABUAAAAu+DjBf///wEAAAAAAAAAAAAAAAAAAAAAAAAAAAAAAAAAAAAAAAAAAFiE0wB/f38AgICAA8zMzADAwP8Af39/AAAAAAAAAAAAAAAAAAAAAAAAAAAAIQAAABgAAAAUAAAAWhIAAHwOAAClHAAAzw8AABAAAAAmAAAACAAAAP//////////MAAAABQAAAAAAAAAAAD//wAAAQAAAP//AAABAA=="/>
               </a:ext>
             </a:extLst>
           </p:cNvSpPr>
@@ -8648,7 +8648,7 @@
           <p:cNvSpPr>
             <a:extLst>
               <a:ext uri="smNativeData">
-                <pr:smNativeData xmlns:pr="smNativeData" xmlns="smNativeData" val="SMDATA_17_MUmAYRMAAAAlAAAAggAAAA8BAAAAkAAAAEgAAACQAAAASAAAAAAAAAAAAAAAAAAAAAEAAABQAAAAHoXrUbge5T8AAAAAAADgPwAAAAAAAOA/AAAAAAAA4D8AAAAAAADgPwAAAAAAAOA/AAAAAAAA4D8AAAAAAADgPwAAAAAAAOA/AAAAAAAA4D8CAAAAjAAAAAAAAAAAAAAAu+DjDP///wgAAAAAAAAAAAAAAAAAAAAAAAAAAAAAAAAAAAAAZAAAAAEAAABAAAAAAAAAAAAAAAAAAAAAAAAAAAAAAAAAAAAAAAAAAAAAAAAAAAAAAAAAAAAAAAAAAAAAAAAAAAAAAAAAAAAAAAAAAAAAAAAAAAAAAAAAAAAAAAAAAAAAFAAAADwAAAABAAAAAAAAAFiE0wAoAAAAAQAAABQAAAAUAAAAFAAAAAEAAAAAAAAAZAAAAGQAAAAAAAAAZAAAAGQAAAAVAAAAYAAAAAAAAAAAAAAADwAAACADAAAAAAAAAAAAAAEAAACgMgAAVgcAAKr4//8BAAAAf39/AAEAAABkAAAAAAAAABQAAABAHwAAAAAAACYAAAAAAAAAwOD//wAAAAAmAAAAZAAAABYAAABMAAAAAAAAAAAAAAAEAAAAAAAAAAEAAACAgIAKAAAAACgAAAAoAAAAZAAAAGQAAAAAAAAAzMzMAAAAAABQAAAAUAAAAGQAAABkAAAAAAAAABcAAAAUAAAAAAAAAAAAAAD/fwAA/38AAAAAAAAJAAAABAAAAAAAAAAMAAAAEAAAAAAAAAAAAAAAAAAAAAAAAAAeAAAAaAAAAAAAAAAAAAAAAAAAAAAAAAAAAAAAECcAABAnAAAAAAAAAAAAAAAAAAAAAAAAAAAAAAAAAAAAAAAAAAAAABQAAAAAAAAAwMD/AAAAAABkAAAAMgAAAAAAAABkAAAAAAAAAH9/fwAKAAAAIgAAABgAAAAAAAAAAAAAAAAAAAAAAAAAAAAAAAAAAAAkAAAAJAAAAAAAAAAHAAAAAAAAAAAAAAAAAAAAAAAAAAAAAAAAAAAAf39/ACUAAABYAAAAAAAAAAAAAAAAAAAAAAAAAAAAAAAAAAAAAAAAAAAAAAAAAAAAAAAAAAAAAAA/AAAAAAAAAKCGAQAAAAAAAAAAAAAAAAAMAAAAAQAAAAAAAAAAAAAAAAAAAB8AAABUAAAAu+DjBf///wEAAAAAAAAAAAAAAAAAAAAAAAAAAAAAAAAAAAAAAAAAAFiE0wB/f38AgICAA8zMzADAwP8Af39/AAAAAAAAAAAAAAAAAAAAAAAAAAAAIQAAABgAAAAUAAAAlx0AAHwOAADiJwAAzw8AABAAAAAmAAAACAAAAP//////////MAAAABQAAAAAAAAAAAD//wAAAQAAAP//AAABAA=="/>
+                <pr:smNativeData xmlns:pr="smNativeData" xmlns="smNativeData" val="SMDATA_17_WnaBYRMAAAAlAAAAggAAAA8BAAAAkAAAAEgAAACQAAAASAAAAAAAAAAAAAAAAAAAAAEAAABQAAAAHoXrUbge5T8AAAAAAADgPwAAAAAAAOA/AAAAAAAA4D8AAAAAAADgPwAAAAAAAOA/AAAAAAAA4D8AAAAAAADgPwAAAAAAAOA/AAAAAAAA4D8CAAAAjAAAAAAAAAAAAAAAu+DjDP///wgAAAAAAAAAAAAAAAAAAAAAAAAAAAAAAAAAAAAAZAAAAAEAAABAAAAAAAAAAAAAAAAAAAAAAAAAAAAAAAAAAAAAAAAAAAAAAAAAAAAAAAAAAAAAAAAAAAAAAAAAAAAAAAAAAAAAAAAAAAAAAAAAAAAAAAAAAAAAAAAAAAAAFAAAADwAAAABAAAAAAAAAFiE0wAoAAAAAQAAABQAAAAUAAAAFAAAAAEAAAAAAAAAZAAAAGQAAAAAAAAAZAAAAGQAAAAVAAAAYAAAAAAAAAAAAAAADwAAACADAAAAAAAAAAAAAAEAAACgMgAAVgcAAKr4//8BAAAAf39/AAEAAABkAAAAAAAAABQAAABAHwAAAAAAACYAAAAAAAAAwOD//wAAAAAmAAAAZAAAABYAAABMAAAAAAAAAAAAAAAEAAAAAAAAAAEAAACAgIAKAAAAACgAAAAoAAAAZAAAAGQAAAAAAAAAzMzMAAAAAABQAAAAUAAAAGQAAABkAAAAAAAAABcAAAAUAAAAAAAAAAAAAAD/fwAA/38AAAAAAAAJAAAABAAAAAAAAAAMAAAAEAAAAAAAAAAAAAAAAAAAAAAAAAAeAAAAaAAAAAAAAAAAAAAAAAAAAAAAAAAAAAAAECcAABAnAAAAAAAAAAAAAAAAAAAAAAAAAAAAAAAAAAAAAAAAAAAAABQAAAAAAAAAwMD/AAAAAABkAAAAMgAAAAAAAABkAAAAAAAAAH9/fwAKAAAAIgAAABgAAAAAAAAAAAAAAAAAAAAAAAAAAAAAAAAAAAAkAAAAJAAAAAAAAAAHAAAAAAAAAAAAAAAAAAAAAAAAAAAAAAAAAAAAf39/ACUAAABYAAAAAAAAAAAAAAAAAAAAAAAAAAAAAAAAAAAAAAAAAAAAAAAAAAAAAAAAAAAAAAA/AAAAAAAAAKCGAQAAAAAAAAAAAAAAAAAMAAAAAQAAAAAAAAAAAAAAAAAAAB8AAABUAAAAu+DjBf///wEAAAAAAAAAAAAAAAAAAAAAAAAAAAAAAAAAAAAAAAAAAFiE0wB/f38AgICAA8zMzADAwP8Af39/AAAAAAAAAAAAAAAAAAAAAAAAAAAAIQAAABgAAAAUAAAAlx0AAHwOAADiJwAAzw8AABAAAAAmAAAACAAAAP//////////MAAAABQAAAAAAAAAAAD//wAAAQAAAP//AAABAA=="/>
               </a:ext>
             </a:extLst>
           </p:cNvSpPr>
@@ -8683,7 +8683,7 @@
           <p:cNvSpPr>
             <a:extLst>
               <a:ext uri="smNativeData">
-                <pr:smNativeData xmlns:pr="smNativeData" xmlns="smNativeData" val="SMDATA_17_MUmAYRMAAAAlAAAAggAAAA8BAAAAkAAAAEgAAACQAAAASAAAAAAAAAAAAAAAAAAAAAEAAABQAAAAHoXrUbge5T8AAAAAAADgPwAAAAAAAOA/AAAAAAAA4D8AAAAAAADgPwAAAAAAAOA/AAAAAAAA4D8AAAAAAADgPwAAAAAAAOA/AAAAAAAA4D8CAAAAjAAAAAAAAAAAAAAAu+DjDP///wgAAAAAAAAAAAAAAAAAAAAAAAAAAAAAAAAAAAAAZAAAAAEAAABAAAAAAAAAAAAAAAAAAAAAAAAAAAAAAAAAAAAAAAAAAAAAAAAAAAAAAAAAAAAAAAAAAAAAAAAAAAAAAAAAAAAAAAAAAAAAAAAAAAAAAAAAAAAAAAAAAAAAFAAAADwAAAABAAAAAAAAAFiE0wAoAAAAAQAAABQAAAAUAAAAFAAAAAEAAAAAAAAAZAAAAGQAAAAAAAAAZAAAAGQAAAAVAAAAYAAAAAAAAAAAAAAADwAAACADAAAAAAAAAAAAAAEAAACgMgAAVgcAAKr4//8BAAAAf39/AAEAAABkAAAAAAAAABQAAABAHwAAAAAAACYAAAAAAAAAwOD//wAAAAAmAAAAZAAAABYAAABMAAAAAAAAAAAAAAAEAAAAAAAAAAEAAACAgIAKAAAAACgAAAAoAAAAZAAAAGQAAAAAAAAAzMzMAAAAAABQAAAAUAAAAGQAAABkAAAAAAAAABcAAAAUAAAAAAAAAAAAAAD/fwAA/38AAAAAAAAJAAAABAAAAAAAAAAMAAAAEAAAAAAAAAAAAAAAAAAAAAAAAAAeAAAAaAAAAAAAAAAAAAAAAAAAAAAAAAAAAAAAECcAABAnAAAAAAAAAAAAAAAAAAAAAAAAAAAAAAAAAAAAAAAAAAAAABQAAAAAAAAAwMD/AAAAAABkAAAAMgAAAAAAAABkAAAAAAAAAH9/fwAKAAAAIgAAABgAAAAAAAAAAAAAAAAAAAAAAAAAAAAAAAAAAAAkAAAAJAAAAAAAAAAHAAAAAAAAAAAAAAAAAAAAAAAAAAAAAAAAAAAAf39/ACUAAABYAAAAAAAAAAAAAAAAAAAAAAAAAAAAAAAAAAAAAAAAAAAAAAAAAAAAAAAAAAAAAAA/AAAAAAAAAKCGAQAAAAAAAAAAAAAAAAAMAAAAAQAAAAAAAAAAAAAAAAAAAB8AAABUAAAAu+DjBf///wEAAAAAAAAAAAAAAAAAAAAAAAAAAAAAAAAAAAAAAAAAAFiE0wB/f38AgICAA8zMzADAwP8Af39/AAAAAAAAAAAAAAAAAAAAAAAAAAAAIQAAABgAAAAUAAAAeCgAAHwOAADDMgAAzw8AABAAAAAmAAAACAAAAP//////////MAAAABQAAAAAAAAAAAD//wAAAQAAAP//AAABAA=="/>
+                <pr:smNativeData xmlns:pr="smNativeData" xmlns="smNativeData" val="SMDATA_17_WnaBYRMAAAAlAAAAggAAAA8BAAAAkAAAAEgAAACQAAAASAAAAAAAAAAAAAAAAAAAAAEAAABQAAAAHoXrUbge5T8AAAAAAADgPwAAAAAAAOA/AAAAAAAA4D8AAAAAAADgPwAAAAAAAOA/AAAAAAAA4D8AAAAAAADgPwAAAAAAAOA/AAAAAAAA4D8CAAAAjAAAAAAAAAAAAAAAu+DjDP///wgAAAAAAAAAAAAAAAAAAAAAAAAAAAAAAAAAAAAAZAAAAAEAAABAAAAAAAAAAAAAAAAAAAAAAAAAAAAAAAAAAAAAAAAAAAAAAAAAAAAAAAAAAAAAAAAAAAAAAAAAAAAAAAAAAAAAAAAAAAAAAAAAAAAAAAAAAAAAAAAAAAAAFAAAADwAAAABAAAAAAAAAFiE0wAoAAAAAQAAABQAAAAUAAAAFAAAAAEAAAAAAAAAZAAAAGQAAAAAAAAAZAAAAGQAAAAVAAAAYAAAAAAAAAAAAAAADwAAACADAAAAAAAAAAAAAAEAAACgMgAAVgcAAKr4//8BAAAAf39/AAEAAABkAAAAAAAAABQAAABAHwAAAAAAACYAAAAAAAAAwOD//wAAAAAmAAAAZAAAABYAAABMAAAAAAAAAAAAAAAEAAAAAAAAAAEAAACAgIAKAAAAACgAAAAoAAAAZAAAAGQAAAAAAAAAzMzMAAAAAABQAAAAUAAAAGQAAABkAAAAAAAAABcAAAAUAAAAAAAAAAAAAAD/fwAA/38AAAAAAAAJAAAABAAAAAAAAAAMAAAAEAAAAAAAAAAAAAAAAAAAAAAAAAAeAAAAaAAAAAAAAAAAAAAAAAAAAAAAAAAAAAAAECcAABAnAAAAAAAAAAAAAAAAAAAAAAAAAAAAAAAAAAAAAAAAAAAAABQAAAAAAAAAwMD/AAAAAABkAAAAMgAAAAAAAABkAAAAAAAAAH9/fwAKAAAAIgAAABgAAAAAAAAAAAAAAAAAAAAAAAAAAAAAAAAAAAAkAAAAJAAAAAAAAAAHAAAAAAAAAAAAAAAAAAAAAAAAAAAAAAAAAAAAf39/ACUAAABYAAAAAAAAAAAAAAAAAAAAAAAAAAAAAAAAAAAAAAAAAAAAAAAAAAAAAAAAAAAAAAA/AAAAAAAAAKCGAQAAAAAAAAAAAAAAAAAMAAAAAQAAAAAAAAAAAAAAAAAAAB8AAABUAAAAu+DjBf///wEAAAAAAAAAAAAAAAAAAAAAAAAAAAAAAAAAAAAAAAAAAFiE0wB/f38AgICAA8zMzADAwP8Af39/AAAAAAAAAAAAAAAAAAAAAAAAAAAAIQAAABgAAAAUAAAAeCgAAHwOAADDMgAAzw8AABAAAAAmAAAACAAAAP//////////MAAAABQAAAAAAAAAAAD//wAAAQAAAP//AAABAA=="/>
               </a:ext>
             </a:extLst>
           </p:cNvSpPr>
@@ -8718,7 +8718,7 @@
           <p:cNvSpPr>
             <a:extLst>
               <a:ext uri="smNativeData">
-                <pr:smNativeData xmlns:pr="smNativeData" xmlns="smNativeData" val="SMDATA_17_MUmAYRMAAAAlAAAAggAAAA8BAAAAkAAAAEgAAACQAAAASAAAAAAAAAAAAAAAAAAAAAEAAABQAAAAHoXrUbge5T8AAAAAAADgPwAAAAAAAOA/AAAAAAAA4D8AAAAAAADgPwAAAAAAAOA/AAAAAAAA4D8AAAAAAADgPwAAAAAAAOA/AAAAAAAA4D8CAAAAjAAAAAAAAAAAAAAAu+DjDP///wgAAAAAAAAAAAAAAAAAAAAAAAAAAAAAAAAAAAAAZAAAAAEAAABAAAAAAAAAAAAAAAAAAAAAAAAAAAAAAAAAAAAAAAAAAAAAAAAAAAAAAAAAAAAAAAAAAAAAAAAAAAAAAAAAAAAAAAAAAAAAAAAAAAAAAAAAAAAAAAAAAAAAFAAAADwAAAABAAAAAAAAAFiE0wAoAAAAAQAAABQAAAAUAAAAFAAAAAEAAAAAAAAAZAAAAGQAAAAAAAAAZAAAAGQAAAAVAAAAYAAAAAAAAAAAAAAADwAAACADAAAAAAAAAAAAAAEAAACgMgAAVgcAAKr4//8BAAAAf39/AAEAAABkAAAAAAAAABQAAABAHwAAAAAAACYAAAAAAAAAwOD//wAAAAAmAAAAZAAAABYAAABMAAAAAAAAAAAAAAAEAAAAAAAAAAEAAACAgIAKAAAAACgAAAAoAAAAZAAAAGQAAAAAAAAAzMzMAAAAAABQAAAAUAAAAGQAAABkAAAAAAAAABcAAAAUAAAAAAAAAAAAAAD/fwAA/38AAAAAAAAJAAAABAAAAAAAAAAMAAAAEAAAAAAAAAAAAAAAAAAAAAAAAAAeAAAAaAAAAAAAAAAAAAAAAAAAAAAAAAAAAAAAECcAABAnAAAAAAAAAAAAAAAAAAAAAAAAAAAAAAAAAAAAAAAAAAAAABQAAAAAAAAAwMD/AAAAAABkAAAAMgAAAAAAAABkAAAAAAAAAH9/fwAKAAAAIgAAABgAAAAAAAAAAAAAAAAAAAAAAAAAAAAAAAAAAAAkAAAAJAAAAAAAAAAHAAAAAAAAAAAAAAAAAAAAAAAAAAAAAAAAAAAAf39/ACUAAABYAAAAAAAAAAAAAAAAAAAAAAAAAAAAAAAAAAAAAAAAAAAAAAAAAAAAAAAAAAAAAAA/AAAAAAAAAKCGAQAAAAAAAAAAAAAAAAAMAAAAAQAAAAAAAAAAAAAAAAAAAB8AAABUAAAAu+DjBf///wEAAAAAAAAAAAAAAAAAAAAAAAAAAAAAAAAAAAAAAAAAAFiE0wB/f38AgICAA8zMzADAwP8Af39/AAAAAAAAAAAAAAAAAAAAAAAAAAAAIQAAABgAAAAUAAAAtzMAAHwOAAACPgAAzw8AABAAAAAmAAAACAAAAP//////////MAAAABQAAAAAAAAAAAD//wAAAQAAAP//AAABAA=="/>
+                <pr:smNativeData xmlns:pr="smNativeData" xmlns="smNativeData" val="SMDATA_17_WnaBYRMAAAAlAAAAggAAAA8BAAAAkAAAAEgAAACQAAAASAAAAAAAAAAAAAAAAAAAAAEAAABQAAAAHoXrUbge5T8AAAAAAADgPwAAAAAAAOA/AAAAAAAA4D8AAAAAAADgPwAAAAAAAOA/AAAAAAAA4D8AAAAAAADgPwAAAAAAAOA/AAAAAAAA4D8CAAAAjAAAAAAAAAAAAAAAu+DjDP///wgAAAAAAAAAAAAAAAAAAAAAAAAAAAAAAAAAAAAAZAAAAAEAAABAAAAAAAAAAAAAAAAAAAAAAAAAAAAAAAAAAAAAAAAAAAAAAAAAAAAAAAAAAAAAAAAAAAAAAAAAAAAAAAAAAAAAAAAAAAAAAAAAAAAAAAAAAAAAAAAAAAAAFAAAADwAAAABAAAAAAAAAFiE0wAoAAAAAQAAABQAAAAUAAAAFAAAAAEAAAAAAAAAZAAAAGQAAAAAAAAAZAAAAGQAAAAVAAAAYAAAAAAAAAAAAAAADwAAACADAAAAAAAAAAAAAAEAAACgMgAAVgcAAKr4//8BAAAAf39/AAEAAABkAAAAAAAAABQAAABAHwAAAAAAACYAAAAAAAAAwOD//wAAAAAmAAAAZAAAABYAAABMAAAAAAAAAAAAAAAEAAAAAAAAAAEAAACAgIAKAAAAACgAAAAoAAAAZAAAAGQAAAAAAAAAzMzMAAAAAABQAAAAUAAAAGQAAABkAAAAAAAAABcAAAAUAAAAAAAAAAAAAAD/fwAA/38AAAAAAAAJAAAABAAAAAAAAAAMAAAAEAAAAAAAAAAAAAAAAAAAAAAAAAAeAAAAaAAAAAAAAAAAAAAAAAAAAAAAAAAAAAAAECcAABAnAAAAAAAAAAAAAAAAAAAAAAAAAAAAAAAAAAAAAAAAAAAAABQAAAAAAAAAwMD/AAAAAABkAAAAMgAAAAAAAABkAAAAAAAAAH9/fwAKAAAAIgAAABgAAAAAAAAAAAAAAAAAAAAAAAAAAAAAAAAAAAAkAAAAJAAAAAAAAAAHAAAAAAAAAAAAAAAAAAAAAAAAAAAAAAAAAAAAf39/ACUAAABYAAAAAAAAAAAAAAAAAAAAAAAAAAAAAAAAAAAAAAAAAAAAAAAAAAAAAAAAAAAAAAA/AAAAAAAAAKCGAQAAAAAAAAAAAAAAAAAMAAAAAQAAAAAAAAAAAAAAAAAAAB8AAABUAAAAu+DjBf///wEAAAAAAAAAAAAAAAAAAAAAAAAAAAAAAAAAAAAAAAAAAFiE0wB/f38AgICAA8zMzADAwP8Af39/AAAAAAAAAAAAAAAAAAAAAAAAAAAAIQAAABgAAAAUAAAAtzMAAHwOAAACPgAAzw8AABAAAAAmAAAACAAAAP//////////MAAAABQAAAAAAAAAAAD//wAAAQAAAP//AAABAA=="/>
               </a:ext>
             </a:extLst>
           </p:cNvSpPr>
@@ -8753,7 +8753,7 @@
           <p:cNvSpPr txBox="1">
             <a:extLst>
               <a:ext uri="smNativeData">
-                <pr:smNativeData xmlns:pr="smNativeData" xmlns="smNativeData" val="SMDATA_17_MUmAYRMAAAAlAAAAEgAAAE8BAAAAkAAAAEgAAACQAAAASAAAAAAAAAAAAAAAAAAAAAEAAABQAAAAAAAAAAAA4D8AAAAAAADgPwAAAAAAAOA/AAAAAAAA4D8AAAAAAADgPwAAAAAAAOA/AAAAAAAA4D8AAAAAAADgPwAAAAAAAOA/AAAAAAAA4D8CAAAAjAAAAAAAAAAAAAAAu+DjDP///wgAAAAAAAAAAAAAAAAAAAAAAAAAAAAAAAAAAAAAZAAAAAEAAABAAAAAAAAAAAAAAAAAAAAAAAAAAAAAAAAAAAAAAAAAAAAAAAAAAAAAAAAAAAAAAAAAAAAAAAAAAAAAAAAAAAAAAAAAAAAAAAAAAAAAAAAAAAAAAAAAAAAAFAAAADwAAAAAAAAAAAAAAAAAAAkUAAAAAQAAABQAAAAUAAAAFAAAAAEAAAAAAAAAZAAAAGQAAAAAAAAAZAAAAGQAAAAVAAAAYAAAAAAAAAAAAAAADwAAACADAAAAAAAAAAAAAAEAAACgMgAAVgcAAKr4//8BAAAAf39/AAEAAABkAAAAAAAAABQAAABAHwAAAAAAACYAAAAAAAAAwOD//wAAAAAmAAAAZAAAABYAAABMAAAAAAAAAAAAAAAEAAAAAAAAAAEAAACAgIAKAAAAACgAAAAoAAAAZAAAAGQAAAAAAAAAzMzMAAAAAABQAAAAUAAAAGQAAABkAAAAAAAAABcAAAAUAAAAAAAAAMQBAAD/fwAA/38AAAAAAAAJAAAABAAAAAAAAAAMAAAAEAAAAAAAAAAAAAAAAAAAAAAAAAAeAAAAaAAAAAAAAAAAAAAAAAAAAAAAAAAAAAAAECcAABAnAAAAAAAAAAAAAAAAAAAAAAAAAAAAAAAAAAAAAAAAAAAAABQAAAAAAAAAwMD/AAAAAABkAAAAMgAAAAAAAABkAAAAAAAAAH9/fwAKAAAAIgAAABgAAAAAAAAAAAAAAAAAAAAAAAAAAAAAAAAAAAAkAAAAJAAAAAAAAAAHAAAAAAAAAAAAAAAAAAAAAAAAAAAAAAAAAAAAf39/ACUAAABYAAAAAAAAAAAAAAAAAAAAAAAAAAAAAAAAAAAAAAAAAAAAAAAAAAAAAAAAAAAAAAA/AAAAAAAAAKCGAQAAAAAAAAAAAAAAAAAMAAAAAQAAAAAAAAAAAAAAAAAAAB8AAABUAAAAu+DjBf///wEAAAAAAAAAAAAAAAAAAAAAAAAAAAAAAAAAAAAAAAAAAAAAAAJ/f38AgICAA8zMzADAwP8Af39/AAAAAAAAAAAAAAAAAAAAAAAAAAAAIQAAABgAAAAUAAAASgkAAEQPAAAREAAALBIAABAgAAAmAAAACAAAAP//////////MAAAABQAAAAAAAAAAAD//wAAAQAAAP//AAABAA=="/>
+                <pr:smNativeData xmlns:pr="smNativeData" xmlns="smNativeData" val="SMDATA_17_WnaBYRMAAAAlAAAAEgAAAE8BAAAAkAAAAEgAAACQAAAASAAAAAAAAAAAAAAAAAAAAAEAAABQAAAAAAAAAAAA4D8AAAAAAADgPwAAAAAAAOA/AAAAAAAA4D8AAAAAAADgPwAAAAAAAOA/AAAAAAAA4D8AAAAAAADgPwAAAAAAAOA/AAAAAAAA4D8CAAAAjAAAAAAAAAAAAAAAu+DjDP///wgAAAAAAAAAAAAAAAAAAAAAAAAAAAAAAAAAAAAAZAAAAAEAAABAAAAAAAAAAAAAAAAAAAAAAAAAAAAAAAAAAAAAAAAAAAAAAAAAAAAAAAAAAAAAAAAAAAAAAAAAAAAAAAAAAAAAAAAAAAAAAAAAAAAAAAAAAAAAAAAAAAAAFAAAADwAAAAAAAAAAAAAAAAAAAkUAAAAAQAAABQAAAAUAAAAFAAAAAEAAAAAAAAAZAAAAGQAAAAAAAAAZAAAAGQAAAAVAAAAYAAAAAAAAAAAAAAADwAAACADAAAAAAAAAAAAAAEAAACgMgAAVgcAAKr4//8BAAAAf39/AAEAAABkAAAAAAAAABQAAABAHwAAAAAAACYAAAAAAAAAwOD//wAAAAAmAAAAZAAAABYAAABMAAAAAAAAAAAAAAAEAAAAAAAAAAEAAACAgIAKAAAAACgAAAAoAAAAZAAAAGQAAAAAAAAAzMzMAAAAAABQAAAAUAAAAGQAAABkAAAAAAAAABcAAAAUAAAAAAAAAMQBAAD/fwAA/38AAAAAAAAJAAAABAAAAAAAAAAMAAAAEAAAAAAAAAAAAAAAAAAAAAAAAAAeAAAAaAAAAAAAAAAAAAAAAAAAAAAAAAAAAAAAECcAABAnAAAAAAAAAAAAAAAAAAAAAAAAAAAAAAAAAAAAAAAAAAAAABQAAAAAAAAAwMD/AAAAAABkAAAAMgAAAAAAAABkAAAAAAAAAH9/fwAKAAAAIgAAABgAAAAAAAAAAAAAAAAAAAAAAAAAAAAAAAAAAAAkAAAAJAAAAAAAAAAHAAAAAAAAAAAAAAAAAAAAAAAAAAAAAAAAAAAAf39/ACUAAABYAAAAAAAAAAAAAAAAAAAAAAAAAAAAAAAAAAAAAAAAAAAAAAAAAAAAAAAAAAAAAAA/AAAAAAAAAKCGAQAAAAAAAAAAAAAAAAAMAAAAAQAAAAAAAAAAAAAAAAAAAB8AAABUAAAAu+DjBf///wEAAAAAAAAAAAAAAAAAAAAAAAAAAAAAAAAAAAAAAAAAAAAAAAJ/f38AgICAA8zMzADAwP8Af39/AAAAAAAAAAAAAAAAAAAAAAAAAAAAIQAAABgAAAAUAAAASgkAAEQPAAAREAAALBIAABAgAAAmAAAACAAAAP//////////MAAAABQAAAAAAAAAAAD//wAAAQAAAP//AAABAA=="/>
               </a:ext>
             </a:extLst>
           </p:cNvSpPr>
@@ -8799,7 +8799,7 @@
           <p:cNvSpPr txBox="1">
             <a:extLst>
               <a:ext uri="smNativeData">
-                <pr:smNativeData xmlns:pr="smNativeData" xmlns="smNativeData" val="SMDATA_17_MUmAYRMAAAAlAAAAEgAAAE8BAAAAkAAAAEgAAACQAAAASAAAAAAAAAAAAAAAAAAAAAEAAABQAAAAAAAAAAAA4D8AAAAAAADgPwAAAAAAAOA/AAAAAAAA4D8AAAAAAADgPwAAAAAAAOA/AAAAAAAA4D8AAAAAAADgPwAAAAAAAOA/AAAAAAAA4D8CAAAAjAAAAAAAAAAAAAAAu+DjDP///wgAAAAAAAAAAAAAAAAAAAAAAAAAAAAAAAAAAAAAZAAAAAEAAABAAAAAAAAAAAAAAAAAAAAAAAAAAAAAAAAAAAAAAAAAAAAAAAAAAAAAAAAAAAAAAAAAAAAAAAAAAAAAAAAAAAAAAAAAAAAAAAAAAAAAAAAAAAAAAAAAAAAAFAAAADwAAAAAAAAAAAAAAAAAAAkUAAAAAQAAABQAAAAUAAAAFAAAAAEAAAAAAAAAZAAAAGQAAAAAAAAAZAAAAGQAAAAVAAAAYAAAAAAAAAAAAAAADwAAACADAAAAAAAAAAAAAAEAAACgMgAAVgcAAKr4//8BAAAAf39/AAEAAABkAAAAAAAAABQAAABAHwAAAAAAACYAAAAAAAAAwOD//wAAAAAmAAAAZAAAABYAAABMAAAAAAAAAAAAAAAEAAAAAAAAAAEAAACAgIAKAAAAACgAAAAoAAAAZAAAAGQAAAAAAAAAzMzMAAAAAABQAAAAUAAAAGQAAABkAAAAAAAAABcAAAAUAAAAAAAAAMQBAAD/fwAA/38AAAAAAAAJAAAABAAAAAAAAAAMAAAAEAAAAAAAAAAAAAAAAAAAAAAAAAAeAAAAaAAAAAAAAAAAAAAAAAAAAAAAAAAAAAAAECcAABAnAAAAAAAAAAAAAAAAAAAAAAAAAAAAAAAAAAAAAAAAAAAAABQAAAAAAAAAwMD/AAAAAABkAAAAMgAAAAAAAABkAAAAAAAAAH9/fwAKAAAAIgAAABgAAAAAAAAAAAAAAAAAAAAAAAAAAAAAAAAAAAAkAAAAJAAAAAAAAAAHAAAAAAAAAAAAAAAAAAAAAAAAAAAAAAAAAAAAf39/ACUAAABYAAAAAAAAAAAAAAAAAAAAAAAAAAAAAAAAAAAAAAAAAAAAAAAAAAAAAAAAAAAAAAA/AAAAAAAAAKCGAQAAAAAAAAAAAAAAAAAMAAAAAQAAAAAAAAAAAAAAAAAAAB8AAABUAAAAu+DjBf///wEAAAAAAAAAAAAAAAAAAAAAAAAAAAAAAAAAAAAAAAAAAAAAAAJ/f38AgICAA8zMzADAwP8Af39/AAAAAAAAAAAAAAAAAAAAAAAAAAAAIQAAABgAAAAUAAAAHBQAAEQPAADjGgAALBIAABAgAAAmAAAACAAAAP//////////MAAAABQAAAAAAAAAAAD//wAAAQAAAP//AAABAA=="/>
+                <pr:smNativeData xmlns:pr="smNativeData" xmlns="smNativeData" val="SMDATA_17_WnaBYRMAAAAlAAAAEgAAAE8BAAAAkAAAAEgAAACQAAAASAAAAAAAAAAAAAAAAAAAAAEAAABQAAAAAAAAAAAA4D8AAAAAAADgPwAAAAAAAOA/AAAAAAAA4D8AAAAAAADgPwAAAAAAAOA/AAAAAAAA4D8AAAAAAADgPwAAAAAAAOA/AAAAAAAA4D8CAAAAjAAAAAAAAAAAAAAAu+DjDP///wgAAAAAAAAAAAAAAAAAAAAAAAAAAAAAAAAAAAAAZAAAAAEAAABAAAAAAAAAAAAAAAAAAAAAAAAAAAAAAAAAAAAAAAAAAAAAAAAAAAAAAAAAAAAAAAAAAAAAAAAAAAAAAAAAAAAAAAAAAAAAAAAAAAAAAAAAAAAAAAAAAAAAFAAAADwAAAAAAAAAAAAAAAAAAAkUAAAAAQAAABQAAAAUAAAAFAAAAAEAAAAAAAAAZAAAAGQAAAAAAAAAZAAAAGQAAAAVAAAAYAAAAAAAAAAAAAAADwAAACADAAAAAAAAAAAAAAEAAACgMgAAVgcAAKr4//8BAAAAf39/AAEAAABkAAAAAAAAABQAAABAHwAAAAAAACYAAAAAAAAAwOD//wAAAAAmAAAAZAAAABYAAABMAAAAAAAAAAAAAAAEAAAAAAAAAAEAAACAgIAKAAAAACgAAAAoAAAAZAAAAGQAAAAAAAAAzMzMAAAAAABQAAAAUAAAAGQAAABkAAAAAAAAABcAAAAUAAAAAAAAAMQBAAD/fwAA/38AAAAAAAAJAAAABAAAAAAAAAAMAAAAEAAAAAAAAAAAAAAAAAAAAAAAAAAeAAAAaAAAAAAAAAAAAAAAAAAAAAAAAAAAAAAAECcAABAnAAAAAAAAAAAAAAAAAAAAAAAAAAAAAAAAAAAAAAAAAAAAABQAAAAAAAAAwMD/AAAAAABkAAAAMgAAAAAAAABkAAAAAAAAAH9/fwAKAAAAIgAAABgAAAAAAAAAAAAAAAAAAAAAAAAAAAAAAAAAAAAkAAAAJAAAAAAAAAAHAAAAAAAAAAAAAAAAAAAAAAAAAAAAAAAAAAAAf39/ACUAAABYAAAAAAAAAAAAAAAAAAAAAAAAAAAAAAAAAAAAAAAAAAAAAAAAAAAAAAAAAAAAAAA/AAAAAAAAAKCGAQAAAAAAAAAAAAAAAAAMAAAAAQAAAAAAAAAAAAAAAAAAAB8AAABUAAAAu+DjBf///wEAAAAAAAAAAAAAAAAAAAAAAAAAAAAAAAAAAAAAAAAAAAAAAAJ/f38AgICAA8zMzADAwP8Af39/AAAAAAAAAAAAAAAAAAAAAAAAAAAAIQAAABgAAAAUAAAAHBQAAEQPAADjGgAALBIAABAgAAAmAAAACAAAAP//////////MAAAABQAAAAAAAAAAAD//wAAAQAAAP//AAABAA=="/>
               </a:ext>
             </a:extLst>
           </p:cNvSpPr>
@@ -8845,7 +8845,7 @@
           <p:cNvSpPr txBox="1">
             <a:extLst>
               <a:ext uri="smNativeData">
-                <pr:smNativeData xmlns:pr="smNativeData" xmlns="smNativeData" val="SMDATA_17_MUmAYRMAAAAlAAAAEgAAAE8BAAAAkAAAAEgAAACQAAAASAAAAAAAAAAAAAAAAAAAAAEAAABQAAAAAAAAAAAA4D8AAAAAAADgPwAAAAAAAOA/AAAAAAAA4D8AAAAAAADgPwAAAAAAAOA/AAAAAAAA4D8AAAAAAADgPwAAAAAAAOA/AAAAAAAA4D8CAAAAjAAAAAAAAAAAAAAAu+DjDP///wgAAAAAAAAAAAAAAAAAAAAAAAAAAAAAAAAAAAAAZAAAAAEAAABAAAAAAAAAAAAAAAAAAAAAAAAAAAAAAAAAAAAAAAAAAAAAAAAAAAAAAAAAAAAAAAAAAAAAAAAAAAAAAAAAAAAAAAAAAAAAAAAAAAAAAAAAAAAAAAAAAAAAFAAAADwAAAAAAAAAAAAAAAAAAAkUAAAAAQAAABQAAAAUAAAAFAAAAAEAAAAAAAAAZAAAAGQAAAAAAAAAZAAAAGQAAAAVAAAAYAAAAAAAAAAAAAAADwAAACADAAAAAAAAAAAAAAEAAACgMgAAVgcAAKr4//8BAAAAf39/AAEAAABkAAAAAAAAABQAAABAHwAAAAAAACYAAAAAAAAAwOD//wAAAAAmAAAAZAAAABYAAABMAAAAAAAAAAAAAAAEAAAAAAAAAAEAAACAgIAKAAAAACgAAAAoAAAAZAAAAGQAAAAAAAAAzMzMAAAAAABQAAAAUAAAAGQAAABkAAAAAAAAABcAAAAUAAAAAAAAAMQBAAD/fwAA/38AAAAAAAAJAAAABAAAAAAAAAAMAAAAEAAAAAAAAAAAAAAAAAAAAAAAAAAeAAAAaAAAAAAAAAAAAAAAAAAAAAAAAAAAAAAAECcAABAnAAAAAAAAAAAAAAAAAAAAAAAAAAAAAAAAAAAAAAAAAAAAABQAAAAAAAAAwMD/AAAAAABkAAAAMgAAAAAAAABkAAAAAAAAAH9/fwAKAAAAIgAAABgAAAAAAAAAAAAAAAAAAAAAAAAAAAAAAAAAAAAkAAAAJAAAAAAAAAAHAAAAAAAAAAAAAAAAAAAAAAAAAAAAAAAAAAAAf39/ACUAAABYAAAAAAAAAAAAAAAAAAAAAAAAAAAAAAAAAAAAAAAAAAAAAAAAAAAAAAAAAAAAAAA/AAAAAAAAAKCGAQAAAAAAAAAAAAAAAAAMAAAAAQAAAAAAAAAAAAAAAAAAAB8AAABUAAAAu+DjBf///wEAAAAAAAAAAAAAAAAAAAAAAAAAAAAAAAAAAAAAAAAAAAAAAAJ/f38AgICAA8zMzADAwP8Af39/AAAAAAAAAAAAAAAAAAAAAAAAAAAAIQAAABgAAAAUAAAAWR8AAEQPAAAgJgAALBIAABAgAAAmAAAACAAAAP//////////MAAAABQAAAAAAAAAAAD//wAAAQAAAP//AAABAA=="/>
+                <pr:smNativeData xmlns:pr="smNativeData" xmlns="smNativeData" val="SMDATA_17_WnaBYRMAAAAlAAAAEgAAAE8BAAAAkAAAAEgAAACQAAAASAAAAAAAAAAAAAAAAAAAAAEAAABQAAAAAAAAAAAA4D8AAAAAAADgPwAAAAAAAOA/AAAAAAAA4D8AAAAAAADgPwAAAAAAAOA/AAAAAAAA4D8AAAAAAADgPwAAAAAAAOA/AAAAAAAA4D8CAAAAjAAAAAAAAAAAAAAAu+DjDP///wgAAAAAAAAAAAAAAAAAAAAAAAAAAAAAAAAAAAAAZAAAAAEAAABAAAAAAAAAAAAAAAAAAAAAAAAAAAAAAAAAAAAAAAAAAAAAAAAAAAAAAAAAAAAAAAAAAAAAAAAAAAAAAAAAAAAAAAAAAAAAAAAAAAAAAAAAAAAAAAAAAAAAFAAAADwAAAAAAAAAAAAAAAAAAAkUAAAAAQAAABQAAAAUAAAAFAAAAAEAAAAAAAAAZAAAAGQAAAAAAAAAZAAAAGQAAAAVAAAAYAAAAAAAAAAAAAAADwAAACADAAAAAAAAAAAAAAEAAACgMgAAVgcAAKr4//8BAAAAf39/AAEAAABkAAAAAAAAABQAAABAHwAAAAAAACYAAAAAAAAAwOD//wAAAAAmAAAAZAAAABYAAABMAAAAAAAAAAAAAAAEAAAAAAAAAAEAAACAgIAKAAAAACgAAAAoAAAAZAAAAGQAAAAAAAAAzMzMAAAAAABQAAAAUAAAAGQAAABkAAAAAAAAABcAAAAUAAAAAAAAAMQBAAD/fwAA/38AAAAAAAAJAAAABAAAAAAAAAAMAAAAEAAAAAAAAAAAAAAAAAAAAAAAAAAeAAAAaAAAAAAAAAAAAAAAAAAAAAAAAAAAAAAAECcAABAnAAAAAAAAAAAAAAAAAAAAAAAAAAAAAAAAAAAAAAAAAAAAABQAAAAAAAAAwMD/AAAAAABkAAAAMgAAAAAAAABkAAAAAAAAAH9/fwAKAAAAIgAAABgAAAAAAAAAAAAAAAAAAAAAAAAAAAAAAAAAAAAkAAAAJAAAAAAAAAAHAAAAAAAAAAAAAAAAAAAAAAAAAAAAAAAAAAAAf39/ACUAAABYAAAAAAAAAAAAAAAAAAAAAAAAAAAAAAAAAAAAAAAAAAAAAAAAAAAAAAAAAAAAAAA/AAAAAAAAAKCGAQAAAAAAAAAAAAAAAAAMAAAAAQAAAAAAAAAAAAAAAAAAAB8AAABUAAAAu+DjBf///wEAAAAAAAAAAAAAAAAAAAAAAAAAAAAAAAAAAAAAAAAAAAAAAAJ/f38AgICAA8zMzADAwP8Af39/AAAAAAAAAAAAAAAAAAAAAAAAAAAAIQAAABgAAAAUAAAAWR8AAEQPAAAgJgAALBIAABAgAAAmAAAACAAAAP//////////MAAAABQAAAAAAAAAAAD//wAAAQAAAP//AAABAA=="/>
               </a:ext>
             </a:extLst>
           </p:cNvSpPr>
@@ -8891,7 +8891,7 @@
           <p:cNvSpPr txBox="1">
             <a:extLst>
               <a:ext uri="smNativeData">
-                <pr:smNativeData xmlns:pr="smNativeData" xmlns="smNativeData" val="SMDATA_17_MUmAYRMAAAAlAAAAEgAAAE8BAAAAkAAAAEgAAACQAAAASAAAAAAAAAAAAAAAAAAAAAEAAABQAAAAAAAAAAAA4D8AAAAAAADgPwAAAAAAAOA/AAAAAAAA4D8AAAAAAADgPwAAAAAAAOA/AAAAAAAA4D8AAAAAAADgPwAAAAAAAOA/AAAAAAAA4D8CAAAAjAAAAAAAAAAAAAAAu+DjDP///wgAAAAAAAAAAAAAAAAAAAAAAAAAAAAAAAAAAAAAZAAAAAEAAABAAAAAAAAAAAAAAAAAAAAAAAAAAAAAAAAAAAAAAAAAAAAAAAAAAAAAAAAAAAAAAAAAAAAAAAAAAAAAAAAAAAAAAAAAAAAAAAAAAAAAAAAAAAAAAAAAAAAAFAAAADwAAAAAAAAAAAAAAAAAAAkUAAAAAQAAABQAAAAUAAAAFAAAAAEAAAAAAAAAZAAAAGQAAAAAAAAAZAAAAGQAAAAVAAAAYAAAAAAAAAAAAAAADwAAACADAAAAAAAAAAAAAAEAAACgMgAAVgcAAKr4//8BAAAAf39/AAEAAABkAAAAAAAAABQAAABAHwAAAAAAACYAAAAAAAAAwOD//wAAAAAmAAAAZAAAABYAAABMAAAAAAAAAAAAAAAEAAAAAAAAAAEAAACAgIAKAAAAACgAAAAoAAAAZAAAAGQAAAAAAAAAzMzMAAAAAABQAAAAUAAAAGQAAABkAAAAAAAAABcAAAAUAAAAAAAAAMQBAAD/fwAA/38AAAAAAAAJAAAABAAAAAAAAAAMAAAAEAAAAAAAAAAAAAAAAAAAAAAAAAAeAAAAaAAAAAAAAAAAAAAAAAAAAAAAAAAAAAAAECcAABAnAAAAAAAAAAAAAAAAAAAAAAAAAAAAAAAAAAAAAAAAAAAAABQAAAAAAAAAwMD/AAAAAABkAAAAMgAAAAAAAABkAAAAAAAAAH9/fwAKAAAAIgAAABgAAAAAAAAAAAAAAAAAAAAAAAAAAAAAAAAAAAAkAAAAJAAAAAAAAAAHAAAAAAAAAAAAAAAAAAAAAAAAAAAAAAAAAAAAf39/ACUAAABYAAAAAAAAAAAAAAAAAAAAAAAAAAAAAAAAAAAAAAAAAAAAAAAAAAAAAAAAAAAAAAA/AAAAAAAAAKCGAQAAAAAAAAAAAAAAAAAMAAAAAQAAAAAAAAAAAAAAAAAAAB8AAABUAAAAu+DjBf///wEAAAAAAAAAAAAAAAAAAAAAAAAAAAAAAAAAAAAAAAAAAAAAAAJ/f38AgICAA8zMzADAwP8Af39/AAAAAAAAAAAAAAAAAAAAAAAAAAAAIQAAABgAAAAUAAAAOioAAEQPAAABMQAALBIAABAgAAAmAAAACAAAAP//////////MAAAABQAAAAAAAAAAAD//wAAAQAAAP//AAABAA=="/>
+                <pr:smNativeData xmlns:pr="smNativeData" xmlns="smNativeData" val="SMDATA_17_WnaBYRMAAAAlAAAAEgAAAE8BAAAAkAAAAEgAAACQAAAASAAAAAAAAAAAAAAAAAAAAAEAAABQAAAAAAAAAAAA4D8AAAAAAADgPwAAAAAAAOA/AAAAAAAA4D8AAAAAAADgPwAAAAAAAOA/AAAAAAAA4D8AAAAAAADgPwAAAAAAAOA/AAAAAAAA4D8CAAAAjAAAAAAAAAAAAAAAu+DjDP///wgAAAAAAAAAAAAAAAAAAAAAAAAAAAAAAAAAAAAAZAAAAAEAAABAAAAAAAAAAAAAAAAAAAAAAAAAAAAAAAAAAAAAAAAAAAAAAAAAAAAAAAAAAAAAAAAAAAAAAAAAAAAAAAAAAAAAAAAAAAAAAAAAAAAAAAAAAAAAAAAAAAAAFAAAADwAAAAAAAAAAAAAAAAAAAkUAAAAAQAAABQAAAAUAAAAFAAAAAEAAAAAAAAAZAAAAGQAAAAAAAAAZAAAAGQAAAAVAAAAYAAAAAAAAAAAAAAADwAAACADAAAAAAAAAAAAAAEAAACgMgAAVgcAAKr4//8BAAAAf39/AAEAAABkAAAAAAAAABQAAABAHwAAAAAAACYAAAAAAAAAwOD//wAAAAAmAAAAZAAAABYAAABMAAAAAAAAAAAAAAAEAAAAAAAAAAEAAACAgIAKAAAAACgAAAAoAAAAZAAAAGQAAAAAAAAAzMzMAAAAAABQAAAAUAAAAGQAAABkAAAAAAAAABcAAAAUAAAAAAAAAMQBAAD/fwAA/38AAAAAAAAJAAAABAAAAAAAAAAMAAAAEAAAAAAAAAAAAAAAAAAAAAAAAAAeAAAAaAAAAAAAAAAAAAAAAAAAAAAAAAAAAAAAECcAABAnAAAAAAAAAAAAAAAAAAAAAAAAAAAAAAAAAAAAAAAAAAAAABQAAAAAAAAAwMD/AAAAAABkAAAAMgAAAAAAAABkAAAAAAAAAH9/fwAKAAAAIgAAABgAAAAAAAAAAAAAAAAAAAAAAAAAAAAAAAAAAAAkAAAAJAAAAAAAAAAHAAAAAAAAAAAAAAAAAAAAAAAAAAAAAAAAAAAAf39/ACUAAABYAAAAAAAAAAAAAAAAAAAAAAAAAAAAAAAAAAAAAAAAAAAAAAAAAAAAAAAAAAAAAAA/AAAAAAAAAKCGAQAAAAAAAAAAAAAAAAAMAAAAAQAAAAAAAAAAAAAAAAAAAB8AAABUAAAAu+DjBf///wEAAAAAAAAAAAAAAAAAAAAAAAAAAAAAAAAAAAAAAAAAAAAAAAJ/f38AgICAA8zMzADAwP8Af39/AAAAAAAAAAAAAAAAAAAAAAAAAAAAIQAAABgAAAAUAAAAOioAAEQPAAABMQAALBIAABAgAAAmAAAACAAAAP//////////MAAAABQAAAAAAAAAAAD//wAAAQAAAP//AAABAA=="/>
               </a:ext>
             </a:extLst>
           </p:cNvSpPr>
@@ -8937,7 +8937,7 @@
           <p:cNvSpPr txBox="1">
             <a:extLst>
               <a:ext uri="smNativeData">
-                <pr:smNativeData xmlns:pr="smNativeData" xmlns="smNativeData" val="SMDATA_17_MUmAYRMAAAAlAAAAEgAAAE8BAAAAkAAAAEgAAACQAAAASAAAAAAAAAAAAAAAAAAAAAEAAABQAAAAAAAAAAAA4D8AAAAAAADgPwAAAAAAAOA/AAAAAAAA4D8AAAAAAADgPwAAAAAAAOA/AAAAAAAA4D8AAAAAAADgPwAAAAAAAOA/AAAAAAAA4D8CAAAAjAAAAAAAAAAAAAAAu+DjDP///wgAAAAAAAAAAAAAAAAAAAAAAAAAAAAAAAAAAAAAZAAAAAEAAABAAAAAAAAAAAAAAAAAAAAAAAAAAAAAAAAAAAAAAAAAAAAAAAAAAAAAAAAAAAAAAAAAAAAAAAAAAAAAAAAAAAAAAAAAAAAAAAAAAAAAAAAAAAAAAAAAAAAAFAAAADwAAAAAAAAAAAAAAAAAAAkUAAAAAQAAABQAAAAUAAAAFAAAAAEAAAAAAAAAZAAAAGQAAAAAAAAAZAAAAGQAAAAVAAAAYAAAAAAAAAAAAAAADwAAACADAAAAAAAAAAAAAAEAAACgMgAAVgcAAKr4//8BAAAAf39/AAEAAABkAAAAAAAAABQAAABAHwAAAAAAACYAAAAAAAAAwOD//wAAAAAmAAAAZAAAABYAAABMAAAAAAAAAAAAAAAEAAAAAAAAAAEAAACAgIAKAAAAACgAAAAoAAAAZAAAAGQAAAAAAAAAzMzMAAAAAABQAAAAUAAAAGQAAABkAAAAAAAAABcAAAAUAAAAAAAAAMQBAAD/fwAA/38AAAAAAAAJAAAABAAAAMcCAAAMAAAAEAAAAAAAAAAAAAAAAAAAAAAAAAAeAAAAaAAAAAAAAAAAAAAAAAAAAAAAAAAAAAAAECcAABAnAAAAAAAAAAAAAAAAAAAAAAAAAAAAAAAAAAAAAAAAAAAAABQAAAAAAAAAwMD/AAAAAABkAAAAMgAAAAAAAABkAAAAAAAAAH9/fwAKAAAAIgAAABgAAAAAAAAAAAAAAAAAAAAAAAAAAAAAAAAAAAAkAAAAJAAAAAAAAAAHAAAAAAAAAAAAAAAAAAAAAAAAAAAAAAAAAAAAf39/ACUAAABYAAAAAAAAAAAAAAAAAAAAAAAAAAAAAAAAAAAAAAAAAAAAAAAAAAAAAAAAAAAAAAA/AAAAAAAAAKCGAQAAAAAAAAAAAAAAAAAMAAAAAQAAAAAAAAAAAAAAAAAAAB8AAABUAAAAu+DjBf///wEAAAAAAAAAAAAAAAAAAAAAAAAAAAAAAAAAAAAAAAAAAAAAAAJ/f38AgICAA8zMzADAwP8Af39/AAAAAAAAAAAAAAAAAAAAAAAAAAAAIQAAABgAAAAUAAAAeTUAAEQPAABAPAAALBIAABAgAAAmAAAACAAAAP//////////MAAAABQAAAAAAAAAAAD//wAAAQAAAP//AAABAA=="/>
+                <pr:smNativeData xmlns:pr="smNativeData" xmlns="smNativeData" val="SMDATA_17_WnaBYRMAAAAlAAAAEgAAAE8BAAAAkAAAAEgAAACQAAAASAAAAAAAAAAAAAAAAAAAAAEAAABQAAAAAAAAAAAA4D8AAAAAAADgPwAAAAAAAOA/AAAAAAAA4D8AAAAAAADgPwAAAAAAAOA/AAAAAAAA4D8AAAAAAADgPwAAAAAAAOA/AAAAAAAA4D8CAAAAjAAAAAAAAAAAAAAAu+DjDP///wgAAAAAAAAAAAAAAAAAAAAAAAAAAAAAAAAAAAAAZAAAAAEAAABAAAAAAAAAAAAAAAAAAAAAAAAAAAAAAAAAAAAAAAAAAAAAAAAAAAAAAAAAAAAAAAAAAAAAAAAAAAAAAAAAAAAAAAAAAAAAAAAAAAAAAAAAAAAAAAAAAAAAFAAAADwAAAAAAAAAAAAAAAAAAAkUAAAAAQAAABQAAAAUAAAAFAAAAAEAAAAAAAAAZAAAAGQAAAAAAAAAZAAAAGQAAAAVAAAAYAAAAAAAAAAAAAAADwAAACADAAAAAAAAAAAAAAEAAACgMgAAVgcAAKr4//8BAAAAf39/AAEAAABkAAAAAAAAABQAAABAHwAAAAAAACYAAAAAAAAAwOD//wAAAAAmAAAAZAAAABYAAABMAAAAAAAAAAAAAAAEAAAAAAAAAAEAAACAgIAKAAAAACgAAAAoAAAAZAAAAGQAAAAAAAAAzMzMAAAAAABQAAAAUAAAAGQAAABkAAAAAAAAABcAAAAUAAAAAAAAAMQBAAD/fwAA/38AAAAAAAAJAAAABAAAAMcCAAAMAAAAEAAAAAAAAAAAAAAAAAAAAAAAAAAeAAAAaAAAAAAAAAAAAAAAAAAAAAAAAAAAAAAAECcAABAnAAAAAAAAAAAAAAAAAAAAAAAAAAAAAAAAAAAAAAAAAAAAABQAAAAAAAAAwMD/AAAAAABkAAAAMgAAAAAAAABkAAAAAAAAAH9/fwAKAAAAIgAAABgAAAAAAAAAAAAAAAAAAAAAAAAAAAAAAAAAAAAkAAAAJAAAAAAAAAAHAAAAAAAAAAAAAAAAAAAAAAAAAAAAAAAAAAAAf39/ACUAAABYAAAAAAAAAAAAAAAAAAAAAAAAAAAAAAAAAAAAAAAAAAAAAAAAAAAAAAAAAAAAAAA/AAAAAAAAAKCGAQAAAAAAAAAAAAAAAAAMAAAAAQAAAAAAAAAAAAAAAAAAAB8AAABUAAAAu+DjBf///wEAAAAAAAAAAAAAAAAAAAAAAAAAAAAAAAAAAAAAAAAAAAAAAAJ/f38AgICAA8zMzADAwP8Af39/AAAAAAAAAAAAAAAAAAAAAAAAAAAAIQAAABgAAAAUAAAAeTUAAEQPAABAPAAALBIAABAgAAAmAAAACAAAAP//////////MAAAABQAAAAAAAAAAAD//wAAAQAAAP//AAABAA=="/>
               </a:ext>
             </a:extLst>
           </p:cNvSpPr>
@@ -8983,7 +8983,7 @@
           <p:cNvPicPr>
             <a:extLst>
               <a:ext uri="smNativeData">
-                <pr:smNativeData xmlns:pr="smNativeData" xmlns="smNativeData" val="SMDATA_19_MUmAYRMAAAAlAAAAEQAAAA8BAAAAkAAAAEgAAACQAAAASAAAAAAAAAAAAAAAAAAAAAEAAABQAAAAAAAAAAAA4D8AAAAAAADgPwAAAAAAAOA/AAAAAAAA4D8AAAAAAADgPwAAAAAAAOA/AAAAAAAA4D8AAAAAAADgPwAAAAAAAOA/AAAAAAAA4D8CAAAAjAAAAAAAAAAAAAAAu+DjDP///wgAAAAAAAAAAAAAAAAAAAAAAAAAAAAAAAAAAAAAZAAAAAEAAABAAAAAAAAAAAAAAAAAAAAAAAAAAAAAAAAAAAAAAAAAAAAAAAAAAAAAAAAAAAAAAAAAAAAAAAAAAAAAAAAAAAAAAAAAAAAAAAAAAAAAAAAAAAAAAAAAAAAAFAAAADwAAAAAAAAAAAAAAAAAAAkUAAAAAQAAABQAAAAUAAAAFAAAAAEAAAAAAAAAZAAAAGQAAAAAAAAAZAAAAGQAAAAVAAAAYAAAAAAAAAAAAAAADwAAACADAAAAAAAAAAAAAAEAAACgMgAAVgcAAKr4//8BAAAAf39/AAEAAABkAAAAAAAAABQAAABAHwAAAAAAACYAAAAAAAAAwOD//wAAAAAmAAAAZAAAABYAAABMAAAAAAAAAAAAAAAEAAAAAAAAAAEAAACAgIAKAAAAACgAAAAoAAAAZAAAAGQAAAAAAAAAzMzMAAAAAABQAAAAUAAAAGQAAABkAAAAAAAAAAcAAAA4AAAAAAAAAAAAAAAAAAAA////AAAAAAAAAAAAAAAAAAAAAAAAAAAAAAAAAAAAAABkAAAAZAAAAAAAAAAjAAAABAAAAGQAAAAXAAAAFAAAAAAAAAAAAAAA/38AAP9/AAAAAAAACQAAAAQAAAAAAAAADAAAABAAAAAAAAAAAAAAAAAAAAAAAAAAHgAAAGgAAAAAAAAAAAAAAAAAAAAAAAAAAAAAABAnAAAQJwAAAAAAAAAAAAAAAAAAAAAAAAAAAAAAAAAAAAAAAAAAAAAUAAAAAAAAAMDA/wAAAAAAZAAAADIAAAAAAAAAZAAAAAAAAAB/f38ACgAAACIAAAAYAAAAAAAAAAAAAAAAAAAAAAAAAAAAAAAAAAAAJAAAACQAAAAAAAAABwAAAAAAAAAAAAAAAAAAAAAAAAAAAAAAAAAAAH9/fwAlAAAAWAAAAAAAAAAAAAAAAAAAAAAAAAAAAAAAAAAAAAAAAAAAAAAAAAAAAAAAAAAAAAAAPwAAAAAAAACghgEAAAAAAAAAAAAAAAAADAAAAAEAAAAAAAAAAAAAAAAAAAAfAAAAVAAAALvg4wX///8BAAAAAAAAAAAAAAAAAAAAAAAAAAAAAAAAAAAAAAAAAAAAAAACf39/AICAgAPMzMwAwMD/AH9/fwAAAAAAAAAAAAAAAAD///8AAAAAACEAAAAYAAAAFAAAAAAAAACnAAAAsEkAALAGAAAQAAAAJgAAAAgAAAD//////////zAAAAAUAAAAAAAAAAAA//8AAAEAAAD//wAAAQA="/>
+                <pr:smNativeData xmlns:pr="smNativeData" xmlns="smNativeData" val="SMDATA_19_WnaBYRMAAAAlAAAAEQAAAA8BAAAAkAAAAEgAAACQAAAASAAAAAAAAAAAAAAAAAAAAAEAAABQAAAAAAAAAAAA4D8AAAAAAADgPwAAAAAAAOA/AAAAAAAA4D8AAAAAAADgPwAAAAAAAOA/AAAAAAAA4D8AAAAAAADgPwAAAAAAAOA/AAAAAAAA4D8CAAAAjAAAAAAAAAAAAAAAu+DjDP///wgAAAAAAAAAAAAAAAAAAAAAAAAAAAAAAAAAAAAAZAAAAAEAAABAAAAAAAAAAAAAAAAAAAAAAAAAAAAAAAAAAAAAAAAAAAAAAAAAAAAAAAAAAAAAAAAAAAAAAAAAAAAAAAAAAAAAAAAAAAAAAAAAAAAAAAAAAAAAAAAAAAAAFAAAADwAAAAAAAAAAAAAAAAAAAkUAAAAAQAAABQAAAAUAAAAFAAAAAEAAAAAAAAAZAAAAGQAAAAAAAAAZAAAAGQAAAAVAAAAYAAAAAAAAAAAAAAADwAAACADAAAAAAAAAAAAAAEAAACgMgAAVgcAAKr4//8BAAAAf39/AAEAAABkAAAAAAAAABQAAABAHwAAAAAAACYAAAAAAAAAwOD//wAAAAAmAAAAZAAAABYAAABMAAAAAAAAAAAAAAAEAAAAAAAAAAEAAACAgIAKAAAAACgAAAAoAAAAZAAAAGQAAAAAAAAAzMzMAAAAAABQAAAAUAAAAGQAAABkAAAAAAAAAAcAAAA4AAAAAAAAAAAAAAAAAAAA////AAAAAAAAAAAAAAAAAAAAAAAAAAAAAAAAAAAAAABkAAAAZAAAAAAAAAAjAAAABAAAAGQAAAAXAAAAFAAAAAAAAAAAAAAA/38AAP9/AAAAAAAACQAAAAQAAAAAAAAADAAAABAAAAAAAAAAAAAAAAAAAAAAAAAAHgAAAGgAAAAAAAAAAAAAAAAAAAAAAAAAAAAAABAnAAAQJwAAAAAAAAAAAAAAAAAAAAAAAAAAAAAAAAAAAAAAAAAAAAAUAAAAAAAAAMDA/wAAAAAAZAAAADIAAAAAAAAAZAAAAAAAAAB/f38ACgAAACIAAAAYAAAAAAAAAAAAAAAAAAAAAAAAAAAAAAAAAAAAJAAAACQAAAAAAAAABwAAAAAAAAAAAAAAAAAAAAAAAAAAAAAAAAAAAH9/fwAlAAAAWAAAAAAAAAAAAAAAAAAAAAAAAAAAAAAAAAAAAAAAAAAAAAAAAAAAAAAAAAAAAAAAPwAAAAAAAACghgEAAAAAAAAAAAAAAAAADAAAAAEAAAAAAAAAAAAAAAAAAAAfAAAAVAAAALvg4wX///8BAAAAAAAAAAAAAAAAAAAAAAAAAAAAAAAAAAAAAAAAAAAAAAACf39/AICAgAPMzMwAwMD/AH9/fwAAAAAAAAAAAAAAAAD///8AAAAAACEAAAAYAAAAFAAAAAAAAACnAAAAsEkAALAGAAAQAAAAJgAAAAgAAAD//////////zAAAAAUAAAAAAAAAAAA//8AAAEAAAD//wAAAQA="/>
               </a:ext>
             </a:extLst>
           </p:cNvPicPr>
@@ -9048,7 +9048,7 @@
           <p:cNvSpPr txBox="1">
             <a:extLst>
               <a:ext uri="smNativeData">
-                <pr:smNativeData xmlns:pr="smNativeData" xmlns="smNativeData" val="SMDATA_17_MUmAYRMAAAAlAAAAEgAAAE8BAAAAkAAAAEgAAACQAAAASAAAAAAAAAAAAAAAAAAAAAEAAABQAAAAAAAAAAAA4D8AAAAAAADgPwAAAAAAAOA/AAAAAAAA4D8AAAAAAADgPwAAAAAAAOA/AAAAAAAA4D8AAAAAAADgPwAAAAAAAOA/AAAAAAAA4D8CAAAAjAAAAAAAAAAAAAAAu+DjDP///wgAAAAAAAAAAAAAAAAAAAAAAAAAAAAAAAAAAAAAZAAAAAEAAABAAAAAAAAAAAAAAAAAAAAAAAAAAAAAAAAAAAAAAAAAAAAAAAAAAAAAAAAAAAAAAAAAAAAAAAAAAAAAAAAAAAAAAAAAAAAAAAAAAAAAAAAAAAAAAAAAAAAAFAAAADwAAAAAAAAAAAAAAAAAAAkUAAAAAQAAABQAAAAUAAAAFAAAAAEAAAAAAAAAZAAAAGQAAAAAAAAAZAAAAGQAAAAVAAAAYAAAAAAAAAAAAAAADwAAACADAAAAAAAAAAAAAAEAAACgMgAAVgcAAKr4//8BAAAAf39/AAEAAABkAAAAAAAAABQAAABAHwAAAAAAACYAAAAAAAAAwOD//wAAAAAmAAAAZAAAABYAAABMAAAAAAAAAAAAAAAEAAAAAAAAAAEAAACAgIAKAAAAACgAAAAoAAAAZAAAAGQAAAAAAAAAzMzMAAAAAABQAAAAUAAAAGQAAABkAAAAAAAAABcAAAAUAAAAAAAAABcDAAD/fwAA/38AAAAAAAAJAAAABAAAAAAAAiAMAAAAEAAAAAAAAAAAAAAAAAAAAAAAAAAeAAAAaAAAAAAAAAAAAAAAAAAAAAAAAAAAAAAAECcAABAnAAAAAAAAAAAAAAAAAAAAAAAAAAAAAAAAAAAAAAAAAAAAABQAAAAAAAAAwMD/AAAAAABkAAAAMgAAAAAAAABkAAAAAAAAAH9/fwAKAAAAIgAAABgAAAAAAAAAAAAAAAAAAAAAAAAAAAAAAAAAAAAkAAAAJAAAAAAAAAAHAAAAAAAAAAAAAAAAAAAAAAAAAAAAAAAAAAAAf39/ACUAAABYAAAAAAAAAAAAAAAAAAAAAAAAAAAAAAAAAAAAAAAAAAAAAAAAAAAAAAAAAAAAAAA/AAAAAAAAAKCGAQAAAAAAAAAAAAAAAAAMAAAAAQAAAAAAAAAAAAAAAAAAAB8AAABUAAAAu+DjBf///wEAAAAAAAAAAAAAAAAAAAAAAAAAAAAAAAAAAAAAAAAAAAAAAAJ/f38AgICAA8zMzADAwP8Af39/AAAAAAAAAAAAAAAAAAAAAAAAAAAAIQAAABgAAAAUAAAAwAUAAIEHAAAaSQAAaQoAAAAgAAAmAAAACAAAAP//////////MAAAABQAAAAAAAAAAAD//wAAAQAAAP//AAABAA=="/>
+                <pr:smNativeData xmlns:pr="smNativeData" xmlns="smNativeData" val="SMDATA_17_WnaBYRMAAAAlAAAAEgAAAE8BAAAAkAAAAEgAAACQAAAASAAAAAAAAAAAAAAAAAAAAAEAAABQAAAAAAAAAAAA4D8AAAAAAADgPwAAAAAAAOA/AAAAAAAA4D8AAAAAAADgPwAAAAAAAOA/AAAAAAAA4D8AAAAAAADgPwAAAAAAAOA/AAAAAAAA4D8CAAAAjAAAAAAAAAAAAAAAu+DjDP///wgAAAAAAAAAAAAAAAAAAAAAAAAAAAAAAAAAAAAAZAAAAAEAAABAAAAAAAAAAAAAAAAAAAAAAAAAAAAAAAAAAAAAAAAAAAAAAAAAAAAAAAAAAAAAAAAAAAAAAAAAAAAAAAAAAAAAAAAAAAAAAAAAAAAAAAAAAAAAAAAAAAAAFAAAADwAAAAAAAAAAAAAAAAAAAkUAAAAAQAAABQAAAAUAAAAFAAAAAEAAAAAAAAAZAAAAGQAAAAAAAAAZAAAAGQAAAAVAAAAYAAAAAAAAAAAAAAADwAAACADAAAAAAAAAAAAAAEAAACgMgAAVgcAAKr4//8BAAAAf39/AAEAAABkAAAAAAAAABQAAABAHwAAAAAAACYAAAAAAAAAwOD//wAAAAAmAAAAZAAAABYAAABMAAAAAAAAAAAAAAAEAAAAAAAAAAEAAACAgIAKAAAAACgAAAAoAAAAZAAAAGQAAAAAAAAAzMzMAAAAAABQAAAAUAAAAGQAAABkAAAAAAAAABcAAAAUAAAAAAAAABcDAAD/fwAA/38AAAAAAAAJAAAABAAAAAAAAiAMAAAAEAAAAAAAAAAAAAAAAAAAAAAAAAAeAAAAaAAAAAAAAAAAAAAAAAAAAAAAAAAAAAAAECcAABAnAAAAAAAAAAAAAAAAAAAAAAAAAAAAAAAAAAAAAAAAAAAAABQAAAAAAAAAwMD/AAAAAABkAAAAMgAAAAAAAABkAAAAAAAAAH9/fwAKAAAAIgAAABgAAAAAAAAAAAAAAAAAAAAAAAAAAAAAAAAAAAAkAAAAJAAAAAAAAAAHAAAAAAAAAAAAAAAAAAAAAAAAAAAAAAAAAAAAf39/ACUAAABYAAAAAAAAAAAAAAAAAAAAAAAAAAAAAAAAAAAAAAAAAAAAAAAAAAAAAAAAAAAAAAA/AAAAAAAAAKCGAQAAAAAAAAAAAAAAAAAMAAAAAQAAAAAAAAAAAAAAAAAAAB8AAABUAAAAu+DjBf///wEAAAAAAAAAAAAAAAAAAAAAAAAAAAAAAAAAAAAAAAAAAAAAAAJ/f38AgICAA8zMzADAwP8Af39/AAAAAAAAAAAAAAAAAAAAAAAAAAAAIQAAABgAAAAUAAAAwAUAAIEHAAAaSQAAaQoAABAgAAAmAAAACAAAAP//////////MAAAABQAAAAAAAAAAAD//wAAAQAAAP//AAABAA=="/>
               </a:ext>
             </a:extLst>
           </p:cNvSpPr>
@@ -9091,7 +9091,7 @@
           <p:cNvSpPr txBox="1">
             <a:extLst>
               <a:ext uri="smNativeData">
-                <pr:smNativeData xmlns:pr="smNativeData" xmlns="smNativeData" val="SMDATA_17_MUmAYRMAAAAlAAAAEgAAAE8BAAAAkAAAAEgAAACQAAAASAAAAAAAAAAAAAAAAAAAAAEAAABQAAAAAAAAAAAA4D8AAAAAAADgPwAAAAAAAOA/AAAAAAAA4D8AAAAAAADgPwAAAAAAAOA/AAAAAAAA4D8AAAAAAADgPwAAAAAAAOA/AAAAAAAA4D8CAAAAjAAAAAAAAAAAAAAAu+DjDP///wgAAAAAAAAAAAAAAAAAAAAAAAAAAAAAAAAAAAAAZAAAAAEAAABAAAAAAAAAAAAAAAAAAAAAAAAAAAAAAAAAAAAAAAAAAAAAAAAAAAAAAAAAAAAAAAAAAAAAAAAAAAAAAAAAAAAAAAAAAAAAAAAAAAAAAAAAAAAAAAAAAAAAFAAAADwAAAAAAAAAAAAAAAAAAAkUAAAAAQAAABQAAAAUAAAAFAAAAAEAAAAAAAAAZAAAAGQAAAAAAAAAZAAAAGQAAAAVAAAAYAAAAAAAAAAAAAAADwAAACADAAAAAAAAAAAAAAEAAACgMgAAVgcAAKr4//8BAAAAf39/AAEAAABkAAAAAAAAABQAAABAHwAAAAAAACYAAAAAAAAAwOD//wAAAAAmAAAAZAAAABYAAABMAAAAAAAAAAAAAAAEAAAAAAAAAAEAAACAgIAKAAAAACgAAAAoAAAAZAAAAGQAAAAAAAAAzMzMAAAAAABQAAAAUAAAAGQAAABkAAAAAAAAABcAAAAUAAAAAAAAABcDAAD/fwAA/38AAAAAAAAJAAAABAAAAMBAHLgMAAAAEAAAAAAAAAAAAAAAAAAAAAAAAAAeAAAAaAAAAAAAAAAAAAAAAAAAAAAAAAAAAAAAECcAABAnAAAAAAAAAAAAAAAAAAAAAAAAAAAAAAAAAAAAAAAAAAAAABQAAAAAAAAAwMD/AAAAAABkAAAAMgAAAAAAAABkAAAAAAAAAH9/fwAKAAAAIgAAABgAAAAAAAAAAAAAAAAAAAAAAAAAAAAAAAAAAAAkAAAAJAAAAAAAAAAHAAAAAAAAAAAAAAAAAAAAAAAAAAAAAAAAAAAAf39/ACUAAABYAAAAAAAAAAAAAAAAAAAAAAAAAAAAAAAAAAAAAAAAAAAAAAAAAAAAAAAAAAAAAAA/AAAAAAAAAKCGAQAAAAAAAAAAAAAAAAAMAAAAAQAAAAAAAAAAAAAAAAAAAB8AAABUAAAAu+DjBf///wEAAAAAAAAAAAAAAAAAAAAAAAAAAAAAAAAAAAAAAAAAAAAAAAJ/f38AgICAA8zMzADAwP8Af39/AAAAAAAAAAAAAAAAAAAAAAAAAAAAIQAAABgAAAAUAAAAUAcAAH0UAABWPgAAfRcAAAAgAAAmAAAACAAAAP//////////MAAAABQAAAAAAAAAAAD//wAAAQAAAP//AAABAA=="/>
+                <pr:smNativeData xmlns:pr="smNativeData" xmlns="smNativeData" val="SMDATA_17_WnaBYRMAAAAlAAAAEgAAAE8BAAAAkAAAAEgAAACQAAAASAAAAAAAAAAAAAAAAAAAAAEAAABQAAAAAAAAAAAA4D8AAAAAAADgPwAAAAAAAOA/AAAAAAAA4D8AAAAAAADgPwAAAAAAAOA/AAAAAAAA4D8AAAAAAADgPwAAAAAAAOA/AAAAAAAA4D8CAAAAjAAAAAAAAAAAAAAAu+DjDP///wgAAAAAAAAAAAAAAAAAAAAAAAAAAAAAAAAAAAAAZAAAAAEAAABAAAAAAAAAAAAAAAAAAAAAAAAAAAAAAAAAAAAAAAAAAAAAAAAAAAAAAAAAAAAAAAAAAAAAAAAAAAAAAAAAAAAAAAAAAAAAAAAAAAAAAAAAAAAAAAAAAAAAFAAAADwAAAAAAAAAAAAAAAAAAAkUAAAAAQAAABQAAAAUAAAAFAAAAAEAAAAAAAAAZAAAAGQAAAAAAAAAZAAAAGQAAAAVAAAAYAAAAAAAAAAAAAAADwAAACADAAAAAAAAAAAAAAEAAACgMgAAVgcAAKr4//8BAAAAf39/AAEAAABkAAAAAAAAABQAAABAHwAAAAAAACYAAAAAAAAAwOD//wAAAAAmAAAAZAAAABYAAABMAAAAAAAAAAAAAAAEAAAAAAAAAAEAAACAgIAKAAAAACgAAAAoAAAAZAAAAGQAAAAAAAAAzMzMAAAAAABQAAAAUAAAAGQAAABkAAAAAAAAABcAAAAUAAAAAAAAABcDAAD/fwAA/38AAAAAAAAJAAAABAAAAMBAHLgMAAAAEAAAAAAAAAAAAAAAAAAAAAAAAAAeAAAAaAAAAAAAAAAAAAAAAAAAAAAAAAAAAAAAECcAABAnAAAAAAAAAAAAAAAAAAAAAAAAAAAAAAAAAAAAAAAAAAAAABQAAAAAAAAAwMD/AAAAAABkAAAAMgAAAAAAAABkAAAAAAAAAH9/fwAKAAAAIgAAABgAAAAAAAAAAAAAAAAAAAAAAAAAAAAAAAAAAAAkAAAAJAAAAAAAAAAHAAAAAAAAAAAAAAAAAAAAAAAAAAAAAAAAAAAAf39/ACUAAABYAAAAAAAAAAAAAAAAAAAAAAAAAAAAAAAAAAAAAAAAAAAAAAAAAAAAAAAAAAAAAAA/AAAAAAAAAKCGAQAAAAAAAAAAAAAAAAAMAAAAAQAAAAAAAAAAAAAAAAAAAB8AAABUAAAAu+DjBf///wEAAAAAAAAAAAAAAAAAAAAAAAAAAAAAAAAAAAAAAAAAAAAAAAJ/f38AgICAA8zMzADAwP8Af39/AAAAAAAAAAAAAAAAAAAAAAAAAAAAIQAAABgAAAAUAAAAUAcAAH0UAABWPgAAfRcAAAAgAAAmAAAACAAAAP//////////MAAAABQAAAAAAAAAAAD//wAAAQAAAP//AAABAA=="/>
               </a:ext>
             </a:extLst>
           </p:cNvSpPr>
@@ -9116,7 +9116,7 @@
           <a:lstStyle/>
           <a:p>
             <a:pPr>
-              <a:defRPr sz="2600" spc="0">
+              <a:defRPr sz="2600">
                 <a:latin typeface="Liberation Mono" pitchFamily="1" charset="0"/>
                 <a:ea typeface="Liberation Mono" pitchFamily="1" charset="0"/>
                 <a:cs typeface="Liberation Mono" pitchFamily="1" charset="0"/>
@@ -9134,7 +9134,15 @@
               <a:t>0111 1101</a:t>
             </a:r>
             <a:r>
-              <a:t>00</a:t>
+              <a:t>0</a:t>
+            </a:r>
+            <a:r>
+              <a:rPr b="1">
+                <a:solidFill>
+                  <a:srgbClr val="00C400"/>
+                </a:solidFill>
+              </a:rPr>
+              <a:t>0</a:t>
             </a:r>
             <a:r>
               <a:rPr b="1">
@@ -9196,7 +9204,7 @@
           <p:cNvSpPr>
             <a:extLst>
               <a:ext uri="smNativeData">
-                <pr:smNativeData xmlns:pr="smNativeData" xmlns="smNativeData" val="SMDATA_17_MUmAYRMAAAAlAAAAggAAAA8BAAAAkAAAAEgAAACQAAAASAAAAAAAAAAAAAAAAAAAAAEAAABQAAAAHoXrUbge5T8AAAAAAADgPwAAAAAAAOA/AAAAAAAA4D8AAAAAAADgPwAAAAAAAOA/AAAAAAAA4D8AAAAAAADgPwAAAAAAAOA/AAAAAAAA4D8CAAAAjAAAAAAAAAAAAAAAu+DjDP///wgAAAAAAAAAAAAAAAAAAAAAAAAAAAAAAAAAAAAAZAAAAAEAAABAAAAAAAAAAAAAAAAAAAAAAAAAAAAAAAAAAAAAAAAAAAAAAAAAAAAAAAAAAAAAAAAAAAAAAAAAAAAAAAAAAAAAAAAAAAAAAAAAAAAAAAAAAAAAAAAAAAAAFAAAADwAAAABAAAAAAAAAFiE0wAoAAAAAQAAABQAAAAUAAAAFAAAAAEAAAAAAAAAZAAAAGQAAAAAAAAAZAAAAGQAAAAVAAAAYAAAAAAAAAAAAAAADwAAACADAAAAAAAAAAAAAAEAAACgMgAAVgcAAKr4//8BAAAAf39/AAEAAABkAAAAAAAAABQAAABAHwAAAAAAACYAAAAAAAAAwOD//wAAAAAmAAAAZAAAABYAAABMAAAAAAAAAAAAAAAEAAAAAAAAAAEAAACAgIAKAAAAACgAAAAoAAAAZAAAAGQAAAAAAAAAzMzMAAAAAABQAAAAUAAAAGQAAABkAAAAAAAAABcAAAAUAAAAAAAAAAAAAAD/fwAA/38AAAAAAAAJAAAABAAAAAAtAAAMAAAAEAAAAAAAAAAAAAAAAAAAAAAAAAAeAAAAaAAAAAAAAAAAAAAAAAAAAAAAAAAAAAAAECcAABAnAAAAAAAAAAAAAAAAAAAAAAAAAAAAAAAAAAAAAAAAAAAAABQAAAAAAAAAwMD/AAAAAABkAAAAMgAAAAAAAABkAAAAAAAAAH9/fwAKAAAAIgAAABgAAAAAAAAAAAAAAAAAAAAAAAAAAAAAAAAAAAAkAAAAJAAAAAAAAAAHAAAAAAAAAAAAAAAAAAAAAAAAAAAAAAAAAAAAf39/ACUAAABYAAAAAAAAAAAAAAAAAAAAAAAAAAAAAAAAAAAAAAAAAAAAAAAAAAAAAAAAAAAAAAA/AAAAAAAAAKCGAQAAAAAAAAAAAAAAAAAMAAAAAQAAAAAAAAAAAAAAAAAAAB8AAABUAAAAu+DjBf///wEAAAAAAAAAAAAAAAAAAAAAAAAAAAAAAAAAAAAAAAAAAFiE0wB/f38AgICAA8zMzADAwP8Af39/AAAAAAAAAAAAAAAAAAAAAAAAAAAAIQAAABgAAAAUAAAAzy4AAM8WAACfOAAAIhgAABAAAAAmAAAACAAAAP//////////MAAAABQAAAAAAAAAAAD//wAAAQAAAP//AAABAA=="/>
+                <pr:smNativeData xmlns:pr="smNativeData" xmlns="smNativeData" val="SMDATA_17_WnaBYRMAAAAlAAAAggAAAA8BAAAAkAAAAEgAAACQAAAASAAAAAAAAAAAAAAAAAAAAAEAAABQAAAAHoXrUbge5T8AAAAAAADgPwAAAAAAAOA/AAAAAAAA4D8AAAAAAADgPwAAAAAAAOA/AAAAAAAA4D8AAAAAAADgPwAAAAAAAOA/AAAAAAAA4D8CAAAAjAAAAAAAAAAAAAAAu+DjDP///wgAAAAAAAAAAAAAAAAAAAAAAAAAAAAAAAAAAAAAZAAAAAEAAABAAAAAAAAAAAAAAAAAAAAAAAAAAAAAAAAAAAAAAAAAAAAAAAAAAAAAAAAAAAAAAAAAAAAAAAAAAAAAAAAAAAAAAAAAAAAAAAAAAAAAAAAAAAAAAAAAAAAAFAAAADwAAAABAAAAAAAAAFiE0wAoAAAAAQAAABQAAAAUAAAAFAAAAAEAAAAAAAAAZAAAAGQAAAAAAAAAZAAAAGQAAAAVAAAAYAAAAAAAAAAAAAAADwAAACADAAAAAAAAAAAAAAEAAACgMgAAVgcAAKr4//8BAAAAf39/AAEAAABkAAAAAAAAABQAAABAHwAAAAAAACYAAAAAAAAAwOD//wAAAAAmAAAAZAAAABYAAABMAAAAAAAAAAAAAAAEAAAAAAAAAAEAAACAgIAKAAAAACgAAAAoAAAAZAAAAGQAAAAAAAAAzMzMAAAAAABQAAAAUAAAAGQAAABkAAAAAAAAABcAAAAUAAAAAAAAAAAAAAD/fwAA/38AAAAAAAAJAAAABAAAAAAtAAAMAAAAEAAAAAAAAAAAAAAAAAAAAAAAAAAeAAAAaAAAAAAAAAAAAAAAAAAAAAAAAAAAAAAAECcAABAnAAAAAAAAAAAAAAAAAAAAAAAAAAAAAAAAAAAAAAAAAAAAABQAAAAAAAAAwMD/AAAAAABkAAAAMgAAAAAAAABkAAAAAAAAAH9/fwAKAAAAIgAAABgAAAAAAAAAAAAAAAAAAAAAAAAAAAAAAAAAAAAkAAAAJAAAAAAAAAAHAAAAAAAAAAAAAAAAAAAAAAAAAAAAAAAAAAAAf39/ACUAAABYAAAAAAAAAAAAAAAAAAAAAAAAAAAAAAAAAAAAAAAAAAAAAAAAAAAAAAAAAAAAAAA/AAAAAAAAAKCGAQAAAAAAAAAAAAAAAAAMAAAAAQAAAAAAAAAAAAAAAAAAAB8AAABUAAAAu+DjBf///wEAAAAAAAAAAAAAAAAAAAAAAAAAAAAAAAAAAAAAAAAAAFiE0wB/f38AgICAA8zMzADAwP8Af39/AAAAAAAAAAAAAAAAAAAAAAAAAAAAIQAAABgAAAAUAAAAzy4AAM8WAACfOAAAIhgAABAAAAAmAAAACAAAAP//////////MAAAABQAAAAAAAAAAAD//wAAAQAAAP//AAABAA=="/>
               </a:ext>
             </a:extLst>
           </p:cNvSpPr>
@@ -9233,7 +9241,7 @@
             <a:endCxn id="6" idx="1"/>
             <a:extLst>
               <a:ext uri="smNativeData">
-                <pr:smNativeData xmlns:pr="smNativeData" xmlns="smNativeData" val="SMDATA_17_MUmAYRMAAAAlAAAADgAAAA8BAAAAkAAAAEgAAACQAAAASAAAAAAAAAAAAAAAAAAAAAEAAABQAAAAAAAAAAAA4D8AAAAAAADgPwAAAAAAAOA/AAAAAAAA4D8AAAAAAADgPwAAAAAAAOA/AAAAAAAA4D8AAAAAAADgPwAAAAAAAOA/AAAAAAAA4D8CAAAAjAAAAAAAAAAAAAAAu+DjDP///wgAAAAAAAAAAAAAAAAAAAAAAAAAAAAAAAAAAAAAZAAAAAEAAABAAAAAAAAAAAAAAAAAAAAAAAAAAAAAAAAAAAAAAAAAAAAAAAAAAAAAAAAAAAAAAAAAAAAAAAAAAAAAAAAAAAAAAAAAAAAAAAAAAAAAAAAAAAAAAAAAAAAAFAAAADwAAAABAAAAAAAAAFiE0wAoAAAAAQAAABQAAAAUAAAAFAAAAAEAAAAAAAAAZAAAAGQAAAAAAAAAZAAAAGQAAAAVAAAAYAAAAAAAAAAAAAAADwAAACADAAAAAAAAAAAAAAEAAACgMgAAVgcAAKr4//8BAAAAf39/AAEAAABkAAAAAAAAABQAAABAHwAAAAAAACYAAAAAAAAAwOD//wAAAAAmAAAAZAAAABYAAABMAAAAAAAAAAAAAAAEAAAAAAAAAAEAAACAgIAKAAAAACgAAAAoAAAAZAAAAGQAAAAAAAAAzMzMAAAAAABQAAAAUAAAAGQAAABkAAAAAAAAABcAAAAUAAAAAAAAAAAAAAD/fwAA/38AAAAAAAAJAAAABAAAAEBGAAAMAAAAEAAAAAAAAAAAAAAAAAAAAAAAAAAeAAAAaAAAAAAAAAAAAAAAAAAAAAAAAAAAAAAAECcAABAnAAAAAAAAAAAAAAAAAAAAAAAAAAAAAAAAAAAAAAAAAAAAABQAAAAAAAAAwMD/AAAAAABkAAAAMgAAAAAAAABkAAAAAAAAAH9/fwAKAAAAIgAAABgAAAAAAAAAAAAAAAAAAAAAAAAAAAAAAAAAAAAkAAAAJAAAAAAAAAAHAAAAAAAAAAAAAAAAAAAAAAAAAAAAAAAAAAAAf39/ACUAAABYAAAAAAAAAAAAAAAAAAAAAAAAAAAAAAAAAAAAAAAAAAAAAAAAAAAAAAAAAAAAAAA/AAAAAAAAAKCGAQAAAAAAAAAAAAAAAAAMAAAAAQAAAAAAAAAAAAAAAAAAAB8AAABUAAAAu+DjBf///wEAAAAAAAAAAAAAAAAAAAAAAAAAAAAAAAAAAAAAAAAAAFiE0wB/f38AgICAA8zMzADAwP8Af39/AAAAAAAAAAAAAAAAAAAAAAAAAAAAIQAAABgAAAAUAAAAtzMAACIYAADaNQAAeBoAABAAAAAmAAAACAAAAP//////////MAAAABQAAAAAAAAAAAD//wAAAQAAAP//AAABAA=="/>
+                <pr:smNativeData xmlns:pr="smNativeData" xmlns="smNativeData" val="SMDATA_17_WnaBYRMAAAAlAAAADgAAAA8BAAAAkAAAAEgAAACQAAAASAAAAAAAAAAAAAAAAAAAAAEAAABQAAAAAAAAAAAA4D8AAAAAAADgPwAAAAAAAOA/AAAAAAAA4D8AAAAAAADgPwAAAAAAAOA/AAAAAAAA4D8AAAAAAADgPwAAAAAAAOA/AAAAAAAA4D8CAAAAjAAAAAAAAAAAAAAAu+DjDP///wgAAAAAAAAAAAAAAAAAAAAAAAAAAAAAAAAAAAAAZAAAAAEAAABAAAAAAAAAAAAAAAAAAAAAAAAAAAAAAAAAAAAAAAAAAAAAAAAAAAAAAAAAAAAAAAAAAAAAAAAAAAAAAAAAAAAAAAAAAAAAAAAAAAAAAAAAAAAAAAAAAAAAFAAAADwAAAABAAAAAAAAAFiE0wAoAAAAAQAAABQAAAAUAAAAFAAAAAEAAAAAAAAAZAAAAGQAAAAAAAAAZAAAAGQAAAAVAAAAYAAAAAAAAAAAAAAADwAAACADAAAAAAAAAAAAAAEAAACgMgAAVgcAAKr4//8BAAAAf39/AAEAAABkAAAAAAAAABQAAABAHwAAAAAAACYAAAAAAAAAwOD//wAAAAAmAAAAZAAAABYAAABMAAAAAAAAAAAAAAAEAAAAAAAAAAEAAACAgIAKAAAAACgAAAAoAAAAZAAAAGQAAAAAAAAAzMzMAAAAAABQAAAAUAAAAGQAAABkAAAAAAAAABcAAAAUAAAAAAAAAAAAAAD/fwAA/38AAAAAAAAJAAAABAAAAEBGAAAMAAAAEAAAAAAAAAAAAAAAAAAAAAAAAAAeAAAAaAAAAAAAAAAAAAAAAAAAAAAAAAAAAAAAECcAABAnAAAAAAAAAAAAAAAAAAAAAAAAAAAAAAAAAAAAAAAAAAAAABQAAAAAAAAAwMD/AAAAAABkAAAAMgAAAAAAAABkAAAAAAAAAH9/fwAKAAAAIgAAABgAAAAAAAAAAAAAAAAAAAAAAAAAAAAAAAAAAAAkAAAAJAAAAAAAAAAHAAAAAAAAAAAAAAAAAAAAAAAAAAAAAAAAAAAAf39/ACUAAABYAAAAAAAAAAAAAAAAAAAAAAAAAAAAAAAAAAAAAAAAAAAAAAAAAAAAAAAAAAAAAAA/AAAAAAAAAKCGAQAAAAAAAAAAAAAAAAAMAAAAAQAAAAAAAAAAAAAAAAAAAB8AAABUAAAAu+DjBf///wEAAAAAAAAAAAAAAAAAAAAAAAAAAAAAAAAAAAAAAAAAAFiE0wB/f38AgICAA8zMzADAwP8Af39/AAAAAAAAAAAAAAAAAAAAAAAAAAAAIQAAABgAAAAUAAAAtzMAACIYAADaNQAAeBoAABAAAAAmAAAACAAAAP//////////MAAAABQAAAAAAAAAAAD//wAAAQAAAP//AAABAA=="/>
               </a:ext>
             </a:extLst>
           </p:cNvCxnSpPr>
@@ -9265,7 +9273,7 @@
           <p:cNvSpPr txBox="1">
             <a:extLst>
               <a:ext uri="smNativeData">
-                <pr:smNativeData xmlns:pr="smNativeData" xmlns="smNativeData" val="SMDATA_17_MUmAYRMAAAAlAAAAEgAAAE8BAAAAkAAAAEgAAACQAAAASAAAAAAAAAAAAAAAAAAAAAEAAABQAAAAAAAAAAAA4D8AAAAAAADgPwAAAAAAAOA/AAAAAAAA4D8AAAAAAADgPwAAAAAAAOA/AAAAAAAA4D8AAAAAAADgPwAAAAAAAOA/AAAAAAAA4D8CAAAAjAAAAAAAAAAAAAAAu+DjDP///wgAAAAAAAAAAAAAAAAAAAAAAAAAAAAAAAAAAAAAZAAAAAEAAABAAAAAAAAAAAAAAAAAAAAAAAAAAAAAAAAAAAAAAAAAAAAAAAAAAAAAAAAAAAAAAAAAAAAAAAAAAAAAAAAAAAAAAAAAAAAAAAAAAAAAAAAAAAAAAAAAAAAAFAAAADwAAAAAAAAAAAAAAAAAAAkUAAAAAQAAABQAAAAUAAAAFAAAAAEAAAAAAAAAZAAAAGQAAAAAAAAAZAAAAGQAAAAVAAAAYAAAAAAAAAAAAAAADwAAACADAAAAAAAAAAAAAAEAAACgMgAAVgcAAKr4//8BAAAAf39/AAEAAABkAAAAAAAAABQAAABAHwAAAAAAACYAAAAAAAAAwOD//wAAAAAmAAAAZAAAABYAAABMAAAAAAAAAAAAAAAEAAAAAAAAAAEAAACAgIAKAAAAACgAAAAoAAAAZAAAAGQAAAAAAAAAzMzMAAAAAABQAAAAUAAAAGQAAABkAAAAAAAAABcAAAAUAAAAAAAAAMQBAAD/fwAA/38AAAAAAAAJAAAABAAAAAAAAAAMAAAAEAAAAAAAAAAAAAAAAAAAAAAAAAAeAAAAaAAAAAAAAAAAAAAAAAAAAAAAAAAAAAAAECcAABAnAAAAAAAAAAAAAAAAAAAAAAAAAAAAAAAAAAAAAAAAAAAAABQAAAAAAAAAwMD/AAAAAABkAAAAMgAAAAAAAABkAAAAAAAAAH9/fwAKAAAAIgAAABgAAAAAAAAAAAAAAAAAAAAAAAAAAAAAAAAAAAAkAAAAJAAAAAAAAAAHAAAAAAAAAAAAAAAAAAAAAAAAAAAAAAAAAAAAf39/ACUAAABYAAAAAAAAAAAAAAAAAAAAAAAAAAAAAAAAAAAAAAAAAAAAAAAAAAAAAAAAAAAAAAA/AAAAAAAAAKCGAQAAAAAAAAAAAAAAAAAMAAAAAQAAAAAAAAAAAAAAAAAAAB8AAABUAAAAu+DjBf///wEAAAAAAAAAAAAAAAAAAAAAAAAAAAAAAAAAAAAAAAAAAAAAAAJ/f38AgICAA8zMzADAwP8Af39/AAAAAAAAAAAAAAAAAAAAAAAAAAAAIQAAABgAAAAUAAAA2jUAAAQZAABqSgAA7BsAABAgAAAmAAAACAAAAP//////////MAAAABQAAAAAAAAAAAD//wAAAQAAAP//AAABAA=="/>
+                <pr:smNativeData xmlns:pr="smNativeData" xmlns="smNativeData" val="SMDATA_17_WnaBYRMAAAAlAAAAEgAAAE8BAAAAkAAAAEgAAACQAAAASAAAAAAAAAAAAAAAAAAAAAEAAABQAAAAAAAAAAAA4D8AAAAAAADgPwAAAAAAAOA/AAAAAAAA4D8AAAAAAADgPwAAAAAAAOA/AAAAAAAA4D8AAAAAAADgPwAAAAAAAOA/AAAAAAAA4D8CAAAAjAAAAAAAAAAAAAAAu+DjDP///wgAAAAAAAAAAAAAAAAAAAAAAAAAAAAAAAAAAAAAZAAAAAEAAABAAAAAAAAAAAAAAAAAAAAAAAAAAAAAAAAAAAAAAAAAAAAAAAAAAAAAAAAAAAAAAAAAAAAAAAAAAAAAAAAAAAAAAAAAAAAAAAAAAAAAAAAAAAAAAAAAAAAAFAAAADwAAAAAAAAAAAAAAAAAAAkUAAAAAQAAABQAAAAUAAAAFAAAAAEAAAAAAAAAZAAAAGQAAAAAAAAAZAAAAGQAAAAVAAAAYAAAAAAAAAAAAAAADwAAACADAAAAAAAAAAAAAAEAAACgMgAAVgcAAKr4//8BAAAAf39/AAEAAABkAAAAAAAAABQAAABAHwAAAAAAACYAAAAAAAAAwOD//wAAAAAmAAAAZAAAABYAAABMAAAAAAAAAAAAAAAEAAAAAAAAAAEAAACAgIAKAAAAACgAAAAoAAAAZAAAAGQAAAAAAAAAzMzMAAAAAABQAAAAUAAAAGQAAABkAAAAAAAAABcAAAAUAAAAAAAAAMQBAAD/fwAA/38AAAAAAAAJAAAABAAAAAAAAAAMAAAAEAAAAAAAAAAAAAAAAAAAAAAAAAAeAAAAaAAAAAAAAAAAAAAAAAAAAAAAAAAAAAAAECcAABAnAAAAAAAAAAAAAAAAAAAAAAAAAAAAAAAAAAAAAAAAAAAAABQAAAAAAAAAwMD/AAAAAABkAAAAMgAAAAAAAABkAAAAAAAAAH9/fwAKAAAAIgAAABgAAAAAAAAAAAAAAAAAAAAAAAAAAAAAAAAAAAAkAAAAJAAAAAAAAAAHAAAAAAAAAAAAAAAAAAAAAAAAAAAAAAAAAAAAf39/ACUAAABYAAAAAAAAAAAAAAAAAAAAAAAAAAAAAAAAAAAAAAAAAAAAAAAAAAAAAAAAAAAAAAA/AAAAAAAAAKCGAQAAAAAAAAAAAAAAAAAMAAAAAQAAAAAAAAAAAAAAAAAAAB8AAABUAAAAu+DjBf///wEAAAAAAAAAAAAAAAAAAAAAAAAAAAAAAAAAAAAAAAAAAAAAAAJ/f38AgICAA8zMzADAwP8Af39/AAAAAAAAAAAAAAAAAAAAAAAAAAAAIQAAABgAAAAUAAAA2jUAAAQZAABqSgAA7BsAABAgAAAmAAAACAAAAP//////////MAAAABQAAAAAAAAAAAD//wAAAQAAAP//AAABAA=="/>
               </a:ext>
             </a:extLst>
           </p:cNvSpPr>
@@ -9316,7 +9324,7 @@
           <p:cNvSpPr txBox="1">
             <a:extLst>
               <a:ext uri="smNativeData">
-                <pr:smNativeData xmlns:pr="smNativeData" xmlns="smNativeData" val="SMDATA_17_MUmAYRMAAAAlAAAAEgAAAE8BAAAAkAAAAEgAAACQAAAASAAAAAAAAAAAAAAAAAAAAAEAAABQAAAAAAAAAAAA4D8AAAAAAADgPwAAAAAAAOA/AAAAAAAA4D8AAAAAAADgPwAAAAAAAOA/AAAAAAAA4D8AAAAAAADgPwAAAAAAAOA/AAAAAAAA4D8CAAAAjAAAAAAAAAAAAAAAu+DjDP///wgAAAAAAAAAAAAAAAAAAAAAAAAAAAAAAAAAAAAAZAAAAAEAAABAAAAAAAAAAAAAAAAAAAAAAAAAAAAAAAAAAAAAAAAAAAAAAAAAAAAAAAAAAAAAAAAAAAAAAAAAAAAAAAAAAAAAAAAAAAAAAAAAAAAAAAAAAAAAAAAAAAAAFAAAADwAAAAAAAAAAAAAAAAAAAkUAAAAAQAAABQAAAAUAAAAFAAAAAEAAAAAAAAAZAAAAGQAAAAAAAAAZAAAAGQAAAAVAAAAYAAAAAAAAAAAAAAADwAAACADAAAAAAAAAAAAAAEAAACgMgAAVgcAAKr4//8BAAAAf39/AAEAAABkAAAAAAAAABQAAABAHwAAAAAAACYAAAAAAAAAwOD//wAAAAAmAAAAZAAAABYAAABMAAAAAAAAAAAAAAAEAAAAAAAAAAEAAACAgIAKAAAAACgAAAAoAAAAZAAAAGQAAAAAAAAAzMzMAAAAAABQAAAAUAAAAGQAAABkAAAAAAAAABcAAAAUAAAAAAAAAMQBAAD/fwAA/38AAAAAAAAJAAAABAAAAC54xvQMAAAAEAAAAAAAAAAAAAAAAAAAAAAAAAAeAAAAaAAAAAAAAAAAAAAAAAAAAAAAAAAAAAAAECcAABAnAAAAAAAAAAAAAAAAAAAAAAAAAAAAAAAAAAAAAAAAAAAAABQAAAAAAAAAwMD/AAAAAABkAAAAMgAAAAAAAABkAAAAAAAAAH9/fwAKAAAAIgAAABgAAAAAAAAAAAAAAAAAAAAAAAAAAAAAAAAAAAAkAAAAJAAAAAAAAAAHAAAAAAAAAAAAAAAAAAAAAAAAAAAAAAAAAAAAf39/ACUAAABYAAAAAAAAAAAAAAAAAAAAAAAAAAAAAAAAAAAAAAAAAAAAAAAAAAAAAAAAAAAAAAA/AAAAAAAAAKCGAQAAAAAAAAAAAAAAAAAMAAAAAQAAAAAAAAAAAAAAAAAAAB8AAABUAAAAu+DjBf///wEAAAAAAAAAAAAAAAAAAAAAAAAAAAAAAAAAAAAAAAAAAAAAAAJ/f38AgICAA8zMzADAwP8Af39/AAAAAAAAAAAAAAAAAAAAAAAAAAAAIQAAABgAAAAUAAAAqzQAAEUcAAC2SgAANSAAABAgAAAmAAAACAAAAP//////////MAAAABQAAAAAAAAAAAD//wAAAQAAAP//AAABAA=="/>
+                <pr:smNativeData xmlns:pr="smNativeData" xmlns="smNativeData" val="SMDATA_17_WnaBYRMAAAAlAAAAEgAAAE8BAAAAkAAAAEgAAACQAAAASAAAAAAAAAAAAAAAAAAAAAEAAABQAAAAAAAAAAAA4D8AAAAAAADgPwAAAAAAAOA/AAAAAAAA4D8AAAAAAADgPwAAAAAAAOA/AAAAAAAA4D8AAAAAAADgPwAAAAAAAOA/AAAAAAAA4D8CAAAAjAAAAAAAAAAAAAAAu+DjDP///wgAAAAAAAAAAAAAAAAAAAAAAAAAAAAAAAAAAAAAZAAAAAEAAABAAAAAAAAAAAAAAAAAAAAAAAAAAAAAAAAAAAAAAAAAAAAAAAAAAAAAAAAAAAAAAAAAAAAAAAAAAAAAAAAAAAAAAAAAAAAAAAAAAAAAAAAAAAAAAAAAAAAAFAAAADwAAAAAAAAAAAAAAAAAAAkUAAAAAQAAABQAAAAUAAAAFAAAAAEAAAAAAAAAZAAAAGQAAAAAAAAAZAAAAGQAAAAVAAAAYAAAAAAAAAAAAAAADwAAACADAAAAAAAAAAAAAAEAAACgMgAAVgcAAKr4//8BAAAAf39/AAEAAABkAAAAAAAAABQAAABAHwAAAAAAACYAAAAAAAAAwOD//wAAAAAmAAAAZAAAABYAAABMAAAAAAAAAAAAAAAEAAAAAAAAAAEAAACAgIAKAAAAACgAAAAoAAAAZAAAAGQAAAAAAAAAzMzMAAAAAABQAAAAUAAAAGQAAABkAAAAAAAAABcAAAAUAAAAAAAAAMQBAAD/fwAA/38AAAAAAAAJAAAABAAAAC54xvQMAAAAEAAAAAAAAAAAAAAAAAAAAAAAAAAeAAAAaAAAAAAAAAAAAAAAAAAAAAAAAAAAAAAAECcAABAnAAAAAAAAAAAAAAAAAAAAAAAAAAAAAAAAAAAAAAAAAAAAABQAAAAAAAAAwMD/AAAAAABkAAAAMgAAAAAAAABkAAAAAAAAAH9/fwAKAAAAIgAAABgAAAAAAAAAAAAAAAAAAAAAAAAAAAAAAAAAAAAkAAAAJAAAAAAAAAAHAAAAAAAAAAAAAAAAAAAAAAAAAAAAAAAAAAAAf39/ACUAAABYAAAAAAAAAAAAAAAAAAAAAAAAAAAAAAAAAAAAAAAAAAAAAAAAAAAAAAAAAAAAAAA/AAAAAAAAAKCGAQAAAAAAAAAAAAAAAAAMAAAAAQAAAAAAAAAAAAAAAAAAAB8AAABUAAAAu+DjBf///wEAAAAAAAAAAAAAAAAAAAAAAAAAAAAAAAAAAAAAAAAAAAAAAAJ/f38AgICAA8zMzADAwP8Af39/AAAAAAAAAAAAAAAAAAAAAAAAAAAAIQAAABgAAAAUAAAAqzQAAEUcAAC2SgAANSAAABAgAAAmAAAACAAAAP//////////MAAAABQAAAAAAAAAAAD//wAAAQAAAP//AAABAA=="/>
               </a:ext>
             </a:extLst>
           </p:cNvSpPr>
@@ -9359,7 +9367,7 @@
           <p:cNvSpPr>
             <a:extLst>
               <a:ext uri="smNativeData">
-                <pr:smNativeData xmlns:pr="smNativeData" xmlns="smNativeData" val="SMDATA_17_MUmAYRMAAAAlAAAAggAAAA8BAAAAkAAAAEgAAACQAAAASAAAAAAAAAAAAAAAAAAAAAEAAABQAAAAxpCoiVGN6z8AAAAAAADgPwAAAAAAAOA/AAAAAAAA4D8AAAAAAADgPwAAAAAAAOA/AAAAAAAA4D8AAAAAAADgPwAAAAAAAOA/AAAAAAAA4D8CAAAAjAAAAAAAAAAAAAAAu+DjDP///wgAAAAAAAAAAAAAAAAAAAAAAAAAAAAAAAAAAAAAZAAAAAEAAABAAAAAAAAAAAAAAAAAAAAAAAAAAAAAAAAAAAAAAAAAAAAAAAAAAAAAAAAAAAAAAAAAAAAAAAAAAAAAAAAAAAAAAAAAAAAAAAAAAAAAAAAAAAAAAAAAAAAAFAAAADwAAAABAAAAAAAAAFiE0wAoAAAAAQAAABQAAAAUAAAAFAAAAAEAAAAAAAAAZAAAAGQAAAAAAAAAZAAAAGQAAAAVAAAAYAAAAAAAAAAAAAAADwAAACADAAAAAAAAAAAAAAEAAACgMgAAVgcAAKr4//8BAAAAf39/AAEAAABkAAAAAAAAABQAAABAHwAAAAAAACYAAAAAAAAAwOD//wAAAAAmAAAAZAAAABYAAABMAAAAAAAAAAAAAAAEAAAAAAAAAAEAAACAgIAKAAAAACgAAAAoAAAAZAAAAGQAAAAAAAAAzMzMAAAAAABQAAAAUAAAAGQAAABkAAAAAAAAABcAAAAUAAAAAAAAAAAAAAD/fwAA/38AAAAAAAAJAAAABAAAABkTAAAMAAAAEAAAAAAAAAAAAAAAAAAAAAAAAAAeAAAAaAAAAAAAAAAAAAAAAAAAAAAAAAAAAAAAECcAABAnAAAAAAAAAAAAAAAAAAAAAAAAAAAAAAAAAAAAAAAAAAAAABQAAAAAAAAAwMD/AAAAAABkAAAAMgAAAAAAAABkAAAAAAAAAH9/fwAKAAAAIgAAABgAAAAAAAAAAAAAAAAAAAAAAAAAAAAAAAAAAAAkAAAAJAAAAAAAAAAHAAAAAAAAAAAAAAAAAAAAAAAAAAAAAAAAAAAAf39/ACUAAABYAAAAAAAAAAAAAAAAAAAAAAAAAAAAAAAAAAAAAAAAAAAAAAAAAAAAAAAAAAAAAAA/AAAAAAAAAKCGAQAAAAAAAAAAAAAAAAAMAAAAAQAAAAAAAAAAAAAAAAAAAB8AAABUAAAAu+DjBf///wEAAAAAAAAAAAAAAAAAAAAAAAAAAAAAAAAAAAAAAAAAAFiE0wB/f38AgICAA8zMzADAwP8Af39/AAAAAAAAAAAAAAAAAAAAAAAAAAAAIQAAABgAAAAUAAAA2jUAAIgbAACGSQAA2xwAABAAAAAmAAAACAAAAP//////////MAAAABQAAAAAAAAAAAD//wAAAQAAAP//AAABAA=="/>
+                <pr:smNativeData xmlns:pr="smNativeData" xmlns="smNativeData" val="SMDATA_17_WnaBYRMAAAAlAAAAggAAAA8BAAAAkAAAAEgAAACQAAAASAAAAAAAAAAAAAAAAAAAAAEAAABQAAAAxpCoiVGN6z8AAAAAAADgPwAAAAAAAOA/AAAAAAAA4D8AAAAAAADgPwAAAAAAAOA/AAAAAAAA4D8AAAAAAADgPwAAAAAAAOA/AAAAAAAA4D8CAAAAjAAAAAAAAAAAAAAAu+DjDP///wgAAAAAAAAAAAAAAAAAAAAAAAAAAAAAAAAAAAAAZAAAAAEAAABAAAAAAAAAAAAAAAAAAAAAAAAAAAAAAAAAAAAAAAAAAAAAAAAAAAAAAAAAAAAAAAAAAAAAAAAAAAAAAAAAAAAAAAAAAAAAAAAAAAAAAAAAAAAAAAAAAAAAFAAAADwAAAABAAAAAAAAAFiE0wAoAAAAAQAAABQAAAAUAAAAFAAAAAEAAAAAAAAAZAAAAGQAAAAAAAAAZAAAAGQAAAAVAAAAYAAAAAAAAAAAAAAADwAAACADAAAAAAAAAAAAAAEAAACgMgAAVgcAAKr4//8BAAAAf39/AAEAAABkAAAAAAAAABQAAABAHwAAAAAAACYAAAAAAAAAwOD//wAAAAAmAAAAZAAAABYAAABMAAAAAAAAAAAAAAAEAAAAAAAAAAEAAACAgIAKAAAAACgAAAAoAAAAZAAAAGQAAAAAAAAAzMzMAAAAAABQAAAAUAAAAGQAAABkAAAAAAAAABcAAAAUAAAAAAAAAAAAAAD/fwAA/38AAAAAAAAJAAAABAAAABkTAAAMAAAAEAAAAAAAAAAAAAAAAAAAAAAAAAAeAAAAaAAAAAAAAAAAAAAAAAAAAAAAAAAAAAAAECcAABAnAAAAAAAAAAAAAAAAAAAAAAAAAAAAAAAAAAAAAAAAAAAAABQAAAAAAAAAwMD/AAAAAABkAAAAMgAAAAAAAABkAAAAAAAAAH9/fwAKAAAAIgAAABgAAAAAAAAAAAAAAAAAAAAAAAAAAAAAAAAAAAAkAAAAJAAAAAAAAAAHAAAAAAAAAAAAAAAAAAAAAAAAAAAAAAAAAAAAf39/ACUAAABYAAAAAAAAAAAAAAAAAAAAAAAAAAAAAAAAAAAAAAAAAAAAAAAAAAAAAAAAAAAAAAA/AAAAAAAAAKCGAQAAAAAAAAAAAAAAAAAMAAAAAQAAAAAAAAAAAAAAAAAAAB8AAABUAAAAu+DjBf///wEAAAAAAAAAAAAAAAAAAAAAAAAAAAAAAAAAAAAAAAAAAFiE0wB/f38AgICAA8zMzADAwP8Af39/AAAAAAAAAAAAAAAAAAAAAAAAAAAAIQAAABgAAAAUAAAA2jUAAIgbAACGSQAA2xwAABAAAAAmAAAACAAAAP//////////MAAAABQAAAAAAAAAAAD//wAAAQAAAP//AAABAA=="/>
               </a:ext>
             </a:extLst>
           </p:cNvSpPr>
@@ -9394,7 +9402,7 @@
           <p:cNvSpPr>
             <a:extLst>
               <a:ext uri="smNativeData">
-                <pr:smNativeData xmlns:pr="smNativeData" xmlns="smNativeData" val="SMDATA_17_MUmAYRMAAAAlAAAAggAAAA8BAAAAkAAAAEgAAACQAAAASAAAAAAAAAAAAAAAAAAAAAEAAABQAAAA3PBvYiiA6T8AAAAAAADgPwAAAAAAAOA/AAAAAAAA4D8AAAAAAADgPwAAAAAAAOA/AAAAAAAA4D8AAAAAAADgPwAAAAAAAOA/AAAAAAAA4D8CAAAAjAAAAAAAAAAAAAAAu+DjDP///wgAAAAAAAAAAAAAAAAAAAAAAAAAAAAAAAAAAAAAZAAAAAEAAABAAAAAAAAAAAAAAAAAAAAAAAAAAAAAAAAAAAAAAAAAAAAAAAAAAAAAAAAAAAAAAAAAAAAAAAAAAAAAAAAAAAAAAAAAAAAAAAAAAAAAAAAAAAAAAAAAAAAAFAAAADwAAAABAAAAAAAAAFiE0wAoAAAAAQAAABQAAAAUAAAAFAAAAAEAAAAAAAAAZAAAAGQAAAAAAAAAZAAAAGQAAAAVAAAAYAAAAAAAAAAAAAAADwAAACADAAAAAAAAAAAAAAEAAACgMgAAVgcAAKr4//8BAAAAf39/AAEAAABkAAAAAAAAABQAAABAHwAAAAAAACYAAAAAAAAAwOD//wAAAAAmAAAAZAAAABYAAABMAAAAAAAAAAAAAAAEAAAAAAAAAAEAAACAgIAKAAAAACgAAAAoAAAAZAAAAGQAAAAAAAAAzMzMAAAAAABQAAAAUAAAAGQAAABkAAAAAAAAABcAAAAUAAAAAAAAAAAAAAD/fwAA/38AAAAAAAAJAAAABAAAAKCVjwUMAAAAEAAAAAAAAAAAAAAAAAAAAAAAAAAeAAAAaAAAAAAAAAAAAAAAAAAAAAAAAAAAAAAAECcAABAnAAAAAAAAAAAAAAAAAAAAAAAAAAAAAAAAAAAAAAAAAAAAABQAAAAAAAAAwMD/AAAAAABkAAAAMgAAAAAAAABkAAAAAAAAAH9/fwAKAAAAIgAAABgAAAAAAAAAAAAAAAAAAAAAAAAAAAAAAAAAAAAkAAAAJAAAAAAAAAAHAAAAAAAAAAAAAAAAAAAAAAAAAAAAAAAAAAAAf39/ACUAAABYAAAAAAAAAAAAAAAAAAAAAAAAAAAAAAAAAAAAAAAAAAAAAAAAAAAAAAAAAAAAAAA/AAAAAAAAAKCGAQAAAAAAAAAAAAAAAAAMAAAAAQAAAAAAAAAAAAAAAAAAAB8AAABUAAAAu+DjBf///wEAAAAAAAAAAAAAAAAAAAAAAAAAAAAAAAAAAAAAAAAAAFiE0wB/f38AgICAA8zMzADAwP8Af39/AAAAAAAAAAAAAAAAAAAAAAAAAAAAIQAAABgAAAAUAAAA0B0AAM8WAACpLQAAIhgAABAAAAAmAAAACAAAAP//////////MAAAABQAAAAAAAAAAAD//wAAAQAAAP//AAABAA=="/>
+                <pr:smNativeData xmlns:pr="smNativeData" xmlns="smNativeData" val="SMDATA_17_WnaBYRMAAAAlAAAAggAAAA8BAAAAkAAAAEgAAACQAAAASAAAAAAAAAAAAAAAAAAAAAEAAABQAAAA3PBvYiiA6T8AAAAAAADgPwAAAAAAAOA/AAAAAAAA4D8AAAAAAADgPwAAAAAAAOA/AAAAAAAA4D8AAAAAAADgPwAAAAAAAOA/AAAAAAAA4D8CAAAAjAAAAAAAAAAAAAAAu+DjDP///wgAAAAAAAAAAAAAAAAAAAAAAAAAAAAAAAAAAAAAZAAAAAEAAABAAAAAAAAAAAAAAAAAAAAAAAAAAAAAAAAAAAAAAAAAAAAAAAAAAAAAAAAAAAAAAAAAAAAAAAAAAAAAAAAAAAAAAAAAAAAAAAAAAAAAAAAAAAAAAAAAAAAAFAAAADwAAAABAAAAAAAAAFiE0wAoAAAAAQAAABQAAAAUAAAAFAAAAAEAAAAAAAAAZAAAAGQAAAAAAAAAZAAAAGQAAAAVAAAAYAAAAAAAAAAAAAAADwAAACADAAAAAAAAAAAAAAEAAACgMgAAVgcAAKr4//8BAAAAf39/AAEAAABkAAAAAAAAABQAAABAHwAAAAAAACYAAAAAAAAAwOD//wAAAAAmAAAAZAAAABYAAABMAAAAAAAAAAAAAAAEAAAAAAAAAAEAAACAgIAKAAAAACgAAAAoAAAAZAAAAGQAAAAAAAAAzMzMAAAAAABQAAAAUAAAAGQAAABkAAAAAAAAABcAAAAUAAAAAAAAAAAAAAD/fwAA/38AAAAAAAAJAAAABAAAAKCVjwUMAAAAEAAAAAAAAAAAAAAAAAAAAAAAAAAeAAAAaAAAAAAAAAAAAAAAAAAAAAAAAAAAAAAAECcAABAnAAAAAAAAAAAAAAAAAAAAAAAAAAAAAAAAAAAAAAAAAAAAABQAAAAAAAAAwMD/AAAAAABkAAAAMgAAAAAAAABkAAAAAAAAAH9/fwAKAAAAIgAAABgAAAAAAAAAAAAAAAAAAAAAAAAAAAAAAAAAAAAkAAAAJAAAAAAAAAAHAAAAAAAAAAAAAAAAAAAAAAAAAAAAAAAAAAAAf39/ACUAAABYAAAAAAAAAAAAAAAAAAAAAAAAAAAAAAAAAAAAAAAAAAAAAAAAAAAAAAAAAAAAAAA/AAAAAAAAAKCGAQAAAAAAAAAAAAAAAAAMAAAAAQAAAAAAAAAAAAAAAAAAAB8AAABUAAAAu+DjBf///wEAAAAAAAAAAAAAAAAAAAAAAAAAAAAAAAAAAAAAAAAAAFiE0wB/f38AgICAA8zMzADAwP8Af39/AAAAAAAAAAAAAAAAAAAAAAAAAAAAIQAAABgAAAAUAAAA0B0AAM8WAACpLQAAIhgAABAAAAAmAAAACAAAAP//////////MAAAABQAAAAAAAAAAAD//wAAAQAAAP//AAABAA=="/>
               </a:ext>
             </a:extLst>
           </p:cNvSpPr>
@@ -9429,7 +9437,7 @@
           <p:cNvSpPr txBox="1">
             <a:extLst>
               <a:ext uri="smNativeData">
-                <pr:smNativeData xmlns:pr="smNativeData" xmlns="smNativeData" val="SMDATA_17_MUmAYRMAAAAlAAAAEgAAAE8BAAAAkAAAAEgAAACQAAAASAAAAAAAAAAAAAAAAAAAAAEAAABQAAAAAAAAAAAA4D8AAAAAAADgPwAAAAAAAOA/AAAAAAAA4D8AAAAAAADgPwAAAAAAAOA/AAAAAAAA4D8AAAAAAADgPwAAAAAAAOA/AAAAAAAA4D8CAAAAjAAAAAAAAAAAAAAAu+DjDP///wgAAAAAAAAAAAAAAAAAAAAAAAAAAAAAAAAAAAAAZAAAAAEAAABAAAAAAAAAAAAAAAAAAAAAAAAAAAAAAAAAAAAAAAAAAAAAAAAAAAAAAAAAAAAAAAAAAAAAAAAAAAAAAAAAAAAAAAAAAAAAAAAAAAAAAAAAAAAAAAAAAAAAFAAAADwAAAAAAAAAAAAAAAAAAAkUAAAAAQAAABQAAAAUAAAAFAAAAAEAAAAAAAAAZAAAAGQAAAAAAAAAZAAAAGQAAAAVAAAAYAAAAAAAAAAAAAAADwAAACADAAAAAAAAAAAAAAEAAACgMgAAVgcAAKr4//8BAAAAf39/AAEAAABkAAAAAAAAABQAAABAHwAAAAAAACYAAAAAAAAAwOD//wAAAAAmAAAAZAAAABYAAABMAAAAAAAAAAAAAAAEAAAAAAAAAAEAAACAgIAKAAAAACgAAAAoAAAAZAAAAGQAAAAAAAAAzMzMAAAAAABQAAAAUAAAAGQAAABkAAAAAAAAABcAAAAUAAAAAAAAAMQBAAD/fwAA/38AAAAAAAAJAAAABAAAAAAAAAAMAAAAEAAAAAAAAAAAAAAAAAAAAAAAAAAeAAAAaAAAAAAAAAAAAAAAAAAAAAAAAAAAAAAAECcAABAnAAAAAAAAAAAAAAAAAAAAAAAAAAAAAAAAAAAAAAAAAAAAABQAAAAAAAAAwMD/AAAAAABkAAAAMgAAAAAAAABkAAAAAAAAAH9/fwAKAAAAIgAAABgAAAAAAAAAAAAAAAAAAAAAAAAAAAAAAAAAAAAkAAAAJAAAAAAAAAAHAAAAAAAAAAAAAAAAAAAAAAAAAAAAAAAAAAAAf39/ACUAAABYAAAAAAAAAAAAAAAAAAAAAAAAAAAAAAAAAAAAAAAAAAAAAAAAAAAAAAAAAAAAAAA/AAAAAAAAAKCGAQAAAAAAAAAAAAAAAAAMAAAAAQAAAAAAAAAAAAAAAAAAAB8AAABUAAAAu+DjBf///wEAAAAAAAAAAAAAAAAAAAAAAAAAAAAAAAAAAAAAAAAAAAAAAAJ/f38AgICAA8zMzADAwP8Af39/AAAAAAAAAAAAAAAAAAAAAAAAAAAAIQAAABgAAAAUAAAA2CYAAKEhAACwSQAAiSQAABAgAAAmAAAACAAAAP//////////MAAAABQAAAAAAAAAAAD//wAAAQAAAP//AAABAA=="/>
+                <pr:smNativeData xmlns:pr="smNativeData" xmlns="smNativeData" val="SMDATA_17_WnaBYRMAAAAlAAAAEgAAAE8BAAAAkAAAAEgAAACQAAAASAAAAAAAAAAAAAAAAAAAAAEAAABQAAAAAAAAAAAA4D8AAAAAAADgPwAAAAAAAOA/AAAAAAAA4D8AAAAAAADgPwAAAAAAAOA/AAAAAAAA4D8AAAAAAADgPwAAAAAAAOA/AAAAAAAA4D8CAAAAjAAAAAAAAAAAAAAAu+DjDP///wgAAAAAAAAAAAAAAAAAAAAAAAAAAAAAAAAAAAAAZAAAAAEAAABAAAAAAAAAAAAAAAAAAAAAAAAAAAAAAAAAAAAAAAAAAAAAAAAAAAAAAAAAAAAAAAAAAAAAAAAAAAAAAAAAAAAAAAAAAAAAAAAAAAAAAAAAAAAAAAAAAAAAFAAAADwAAAAAAAAAAAAAAAAAAAkUAAAAAQAAABQAAAAUAAAAFAAAAAEAAAAAAAAAZAAAAGQAAAAAAAAAZAAAAGQAAAAVAAAAYAAAAAAAAAAAAAAADwAAACADAAAAAAAAAAAAAAEAAACgMgAAVgcAAKr4//8BAAAAf39/AAEAAABkAAAAAAAAABQAAABAHwAAAAAAACYAAAAAAAAAwOD//wAAAAAmAAAAZAAAABYAAABMAAAAAAAAAAAAAAAEAAAAAAAAAAEAAACAgIAKAAAAACgAAAAoAAAAZAAAAGQAAAAAAAAAzMzMAAAAAABQAAAAUAAAAGQAAABkAAAAAAAAABcAAAAUAAAAAAAAAMQBAAD/fwAA/38AAAAAAAAJAAAABAAAAAAAAAAMAAAAEAAAAAAAAAAAAAAAAAAAAAAAAAAeAAAAaAAAAAAAAAAAAAAAAAAAAAAAAAAAAAAAECcAABAnAAAAAAAAAAAAAAAAAAAAAAAAAAAAAAAAAAAAAAAAAAAAABQAAAAAAAAAwMD/AAAAAABkAAAAMgAAAAAAAABkAAAAAAAAAH9/fwAKAAAAIgAAABgAAAAAAAAAAAAAAAAAAAAAAAAAAAAAAAAAAAAkAAAAJAAAAAAAAAAHAAAAAAAAAAAAAAAAAAAAAAAAAAAAAAAAAAAAf39/ACUAAABYAAAAAAAAAAAAAAAAAAAAAAAAAAAAAAAAAAAAAAAAAAAAAAAAAAAAAAAAAAAAAAA/AAAAAAAAAKCGAQAAAAAAAAAAAAAAAAAMAAAAAQAAAAAAAAAAAAAAAAAAAB8AAABUAAAAu+DjBf///wEAAAAAAAAAAAAAAAAAAAAAAAAAAAAAAAAAAAAAAAAAAAAAAAJ/f38AgICAA8zMzADAwP8Af39/AAAAAAAAAAAAAAAAAAAAAAAAAAAAIQAAABgAAAAUAAAA2CYAAKEhAACwSQAAiSQAABAgAAAmAAAACAAAAP//////////MAAAABQAAAAAAAAAAAD//wAAAQAAAP//AAABAA=="/>
               </a:ext>
             </a:extLst>
           </p:cNvSpPr>
@@ -9482,7 +9490,7 @@
             <a:endCxn id="10" idx="1"/>
             <a:extLst>
               <a:ext uri="smNativeData">
-                <pr:smNativeData xmlns:pr="smNativeData" xmlns="smNativeData" val="SMDATA_17_MUmAYRMAAAAlAAAADgAAAA8BAAAAkAAAAEgAAACQAAAASAAAAAAAAAAAAAAAAAAAAAEAAABQAAAAAAAAAAAA4D8AAAAAAADgPwAAAAAAAOA/AAAAAAAA4D8AAAAAAADgPwAAAAAAAOA/AAAAAAAA4D8AAAAAAADgPwAAAAAAAOA/AAAAAAAA4D8CAAAAjAAAAAAAAAAAAAAAu+DjDP///wgAAAAAAAAAAAAAAAAAAAAAAAAAAAAAAAAAAAAAZAAAAAEAAABAAAAAAAAAAAAAAAAAAAAAAAAAAAAAAAAAAAAAAAAAAAAAAAAAAAAAAAAAAAAAAAAAAAAAAAAAAAAAAAAAAAAAAAAAAAAAAAAAAAAAAAAAAAAAAAAAAAAAFAAAADwAAAABAAAAAAAAAFiE0wAoAAAAAQAAABQAAAAUAAAAFAAAAAEAAAAAAAAAZAAAAGQAAAAAAAAAZAAAAGQAAAAVAAAAYAAAAAAAAAAAAAAADwAAACADAAAAAAAAAAAAAAEAAACgMgAAVgcAAKr4//8BAAAAf39/AAEAAABkAAAAAAAAABQAAABAHwAAAAAAACYAAAAAAAAAwOD//wAAAAAmAAAAZAAAABYAAABMAAAAAAAAAAAAAAAEAAAAAAAAAAEAAACAgIAKAAAAACgAAAAoAAAAZAAAAGQAAAAAAAAAzMzMAAAAAABQAAAAUAAAAGQAAABkAAAAAAAAABcAAAAUAAAAAAAAAAAAAAD/fwAA/38AAAAAAAAJAAAABAAAAAAAAAAMAAAAEAAAAAAAAAAAAAAAAAAAAAAAAAAeAAAAaAAAAAAAAAAAAAAAAAAAAAAAAAAAAAAAECcAABAnAAAAAAAAAAAAAAAAAAAAAAAAAAAAAAAAAAAAAAAAAAAAABQAAAAAAAAAwMD/AAAAAABkAAAAMgAAAAAAAABkAAAAAAAAAH9/fwAKAAAAIgAAABgAAAAAAAAAAAAAAAAAAAAAAAAAAAAAAAAAAAAkAAAAJAAAAAAAAAAHAAAAAAAAAAAAAAAAAAAAAAAAAAAAAAAAAAAAf39/ACUAAABYAAAAAAAAAAAAAAAAAAAAAAAAAAAAAAAAAAAAAAAAAAAAAAAAAAAAAAAAAAAAAAA/AAAAAAAAAKCGAQAAAAAAAAAAAAAAAAAMAAAAAQAAAAAAAAAAAAAAAAAAAB8AAABUAAAAu+DjBf///wEAAAAAAAAAAAAAAAAAAAAAAAAAAAAAAAAAAAAAAAAAAFiE0wB/f38AgICAA8zMzADAwP8Af39/AAAAAAAAAAAAAAAAAAAAAAAAAAAAIQAAABgAAAAUAAAAvSUAACIYAADYJgAAFSMAABAAAAAmAAAACAAAAP//////////MAAAABQAAAAAAAAAAAD//wAAAQAAAP//AAABAA=="/>
+                <pr:smNativeData xmlns:pr="smNativeData" xmlns="smNativeData" val="SMDATA_17_WnaBYRMAAAAlAAAADgAAAA8BAAAAkAAAAEgAAACQAAAASAAAAAAAAAAAAAAAAAAAAAEAAABQAAAAAAAAAAAA4D8AAAAAAADgPwAAAAAAAOA/AAAAAAAA4D8AAAAAAADgPwAAAAAAAOA/AAAAAAAA4D8AAAAAAADgPwAAAAAAAOA/AAAAAAAA4D8CAAAAjAAAAAAAAAAAAAAAu+DjDP///wgAAAAAAAAAAAAAAAAAAAAAAAAAAAAAAAAAAAAAZAAAAAEAAABAAAAAAAAAAAAAAAAAAAAAAAAAAAAAAAAAAAAAAAAAAAAAAAAAAAAAAAAAAAAAAAAAAAAAAAAAAAAAAAAAAAAAAAAAAAAAAAAAAAAAAAAAAAAAAAAAAAAAFAAAADwAAAABAAAAAAAAAFiE0wAoAAAAAQAAABQAAAAUAAAAFAAAAAEAAAAAAAAAZAAAAGQAAAAAAAAAZAAAAGQAAAAVAAAAYAAAAAAAAAAAAAAADwAAACADAAAAAAAAAAAAAAEAAACgMgAAVgcAAKr4//8BAAAAf39/AAEAAABkAAAAAAAAABQAAABAHwAAAAAAACYAAAAAAAAAwOD//wAAAAAmAAAAZAAAABYAAABMAAAAAAAAAAAAAAAEAAAAAAAAAAEAAACAgIAKAAAAACgAAAAoAAAAZAAAAGQAAAAAAAAAzMzMAAAAAABQAAAAUAAAAGQAAABkAAAAAAAAABcAAAAUAAAAAAAAAAAAAAD/fwAA/38AAAAAAAAJAAAABAAAAAAAAAAMAAAAEAAAAAAAAAAAAAAAAAAAAAAAAAAeAAAAaAAAAAAAAAAAAAAAAAAAAAAAAAAAAAAAECcAABAnAAAAAAAAAAAAAAAAAAAAAAAAAAAAAAAAAAAAAAAAAAAAABQAAAAAAAAAwMD/AAAAAABkAAAAMgAAAAAAAABkAAAAAAAAAH9/fwAKAAAAIgAAABgAAAAAAAAAAAAAAAAAAAAAAAAAAAAAAAAAAAAkAAAAJAAAAAAAAAAHAAAAAAAAAAAAAAAAAAAAAAAAAAAAAAAAAAAAf39/ACUAAABYAAAAAAAAAAAAAAAAAAAAAAAAAAAAAAAAAAAAAAAAAAAAAAAAAAAAAAAAAAAAAAA/AAAAAAAAAKCGAQAAAAAAAAAAAAAAAAAMAAAAAQAAAAAAAAAAAAAAAAAAAB8AAABUAAAAu+DjBf///wEAAAAAAAAAAAAAAAAAAAAAAAAAAAAAAAAAAAAAAAAAAFiE0wB/f38AgICAA8zMzADAwP8Af39/AAAAAAAAAAAAAAAAAAAAAAAAAAAAIQAAABgAAAAUAAAAvSUAACIYAADYJgAAFSMAABAAAAAmAAAACAAAAP//////////MAAAABQAAAAAAAAAAAD//wAAAQAAAP//AAABAA=="/>
               </a:ext>
             </a:extLst>
           </p:cNvCxnSpPr>
@@ -9514,7 +9522,7 @@
           <p:cNvSpPr>
             <a:extLst>
               <a:ext uri="smNativeData">
-                <pr:smNativeData xmlns:pr="smNativeData" xmlns="smNativeData" val="SMDATA_17_MUmAYRMAAAAlAAAAggAAAA8BAAAAkAAAAEgAAACQAAAASAAAAAAAAAAAAAAAAAAAAAEAAABQAAAAnLuc40Wd7T8AAAAAAADgPwAAAAAAAOA/AAAAAAAA4D8AAAAAAADgPwAAAAAAAOA/AAAAAAAA4D8AAAAAAADgPwAAAAAAAOA/AAAAAAAA4D8CAAAAjAAAAAAAAAAAAAAAu+DjDP///wgAAAAAAAAAAAAAAAAAAAAAAAAAAAAAAAAAAAAAZAAAAAEAAABAAAAAAAAAAAAAAAAAAAAAAAAAAAAAAAAAAAAAAAAAAAAAAAAAAAAAAAAAAAAAAAAAAAAAAAAAAAAAAAAAAAAAAAAAAAAAAAAAAAAAAAAAAAAAAAAAAAAAFAAAADwAAAABAAAAAAAAAFiE0wAoAAAAAQAAABQAAAAUAAAAFAAAAAEAAAAAAAAAZAAAAGQAAAAAAAAAZAAAAGQAAAAVAAAAYAAAAAAAAAAAAAAADwAAACADAAAAAAAAAAAAAAEAAACgMgAAVgcAAKr4//8BAAAAf39/AAEAAABkAAAAAAAAABQAAABAHwAAAAAAACYAAAAAAAAAwOD//wAAAAAmAAAAZAAAABYAAABMAAAAAAAAAAAAAAAEAAAAAAAAAAEAAACAgIAKAAAAACgAAAAoAAAAZAAAAGQAAAAAAAAAzMzMAAAAAABQAAAAUAAAAGQAAABkAAAAAAAAABcAAAAUAAAAAAAAAAAAAAD/fwAA/38AAAAAAAAJAAAABAAAABoCAAAMAAAAEAAAAAAAAAAAAAAAAAAAAAAAAAAeAAAAaAAAAAAAAAAAAAAAAAAAAAAAAAAAAAAAECcAABAnAAAAAAAAAAAAAAAAAAAAAAAAAAAAAAAAAAAAAAAAAAAAABQAAAAAAAAAwMD/AAAAAABkAAAAMgAAAAAAAABkAAAAAAAAAH9/fwAKAAAAIgAAABgAAAAAAAAAAAAAAAAAAAAAAAAAAAAAAAAAAAAkAAAAJAAAAAAAAAAHAAAAAAAAAAAAAAAAAAAAAAAAAAAAAAAAAAAAf39/ACUAAABYAAAAAAAAAAAAAAAAAAAAAAAAAAAAAAAAAAAAAAAAAAAAAAAAAAAAAAAAAAAAAAA/AAAAAAAAAKCGAQAAAAAAAAAAAAAAAAAMAAAAAQAAAAAAAAAAAAAAAAAAAB8AAABUAAAAu+DjBf///wEAAAAAAAAAAAAAAAAAAAAAAAAAAAAAAAAAAAAAAAAAAFiE0wB/f38AgICAA8zMzADAwP8Af39/AAAAAAAAAAAAAAAAAAAAAAAAAAAAIQAAABgAAAAUAAAANicAACUkAACJSAAAeCUAABAAAAAmAAAACAAAAP//////////MAAAABQAAAAAAAAAAAD//wAAAQAAAP//AAABAA=="/>
+                <pr:smNativeData xmlns:pr="smNativeData" xmlns="smNativeData" val="SMDATA_17_WnaBYRMAAAAlAAAAggAAAA8BAAAAkAAAAEgAAACQAAAASAAAAAAAAAAAAAAAAAAAAAEAAABQAAAAnLuc40Wd7T8AAAAAAADgPwAAAAAAAOA/AAAAAAAA4D8AAAAAAADgPwAAAAAAAOA/AAAAAAAA4D8AAAAAAADgPwAAAAAAAOA/AAAAAAAA4D8CAAAAjAAAAAAAAAAAAAAAu+DjDP///wgAAAAAAAAAAAAAAAAAAAAAAAAAAAAAAAAAAAAAZAAAAAEAAABAAAAAAAAAAAAAAAAAAAAAAAAAAAAAAAAAAAAAAAAAAAAAAAAAAAAAAAAAAAAAAAAAAAAAAAAAAAAAAAAAAAAAAAAAAAAAAAAAAAAAAAAAAAAAAAAAAAAAFAAAADwAAAABAAAAAAAAAFiE0wAoAAAAAQAAABQAAAAUAAAAFAAAAAEAAAAAAAAAZAAAAGQAAAAAAAAAZAAAAGQAAAAVAAAAYAAAAAAAAAAAAAAADwAAACADAAAAAAAAAAAAAAEAAACgMgAAVgcAAKr4//8BAAAAf39/AAEAAABkAAAAAAAAABQAAABAHwAAAAAAACYAAAAAAAAAwOD//wAAAAAmAAAAZAAAABYAAABMAAAAAAAAAAAAAAAEAAAAAAAAAAEAAACAgIAKAAAAACgAAAAoAAAAZAAAAGQAAAAAAAAAzMzMAAAAAABQAAAAUAAAAGQAAABkAAAAAAAAABcAAAAUAAAAAAAAAAAAAAD/fwAA/38AAAAAAAAJAAAABAAAABoCAAAMAAAAEAAAAAAAAAAAAAAAAAAAAAAAAAAeAAAAaAAAAAAAAAAAAAAAAAAAAAAAAAAAAAAAECcAABAnAAAAAAAAAAAAAAAAAAAAAAAAAAAAAAAAAAAAAAAAAAAAABQAAAAAAAAAwMD/AAAAAABkAAAAMgAAAAAAAABkAAAAAAAAAH9/fwAKAAAAIgAAABgAAAAAAAAAAAAAAAAAAAAAAAAAAAAAAAAAAAAkAAAAJAAAAAAAAAAHAAAAAAAAAAAAAAAAAAAAAAAAAAAAAAAAAAAAf39/ACUAAABYAAAAAAAAAAAAAAAAAAAAAAAAAAAAAAAAAAAAAAAAAAAAAAAAAAAAAAAAAAAAAAA/AAAAAAAAAKCGAQAAAAAAAAAAAAAAAAAMAAAAAQAAAAAAAAAAAAAAAAAAAB8AAABUAAAAu+DjBf///wEAAAAAAAAAAAAAAAAAAAAAAAAAAAAAAAAAAAAAAAAAAFiE0wB/f38AgICAA8zMzADAwP8Af39/AAAAAAAAAAAAAAAAAAAAAAAAAAAAIQAAABgAAAAUAAAANicAACUkAACJSAAAeCUAABAAAAAmAAAACAAAAP//////////MAAAABQAAAAAAAAAAAD//wAAAQAAAP//AAABAA=="/>
               </a:ext>
             </a:extLst>
           </p:cNvSpPr>
@@ -9549,7 +9557,7 @@
           <p:cNvSpPr txBox="1">
             <a:extLst>
               <a:ext uri="smNativeData">
-                <pr:smNativeData xmlns:pr="smNativeData" xmlns="smNativeData" val="SMDATA_17_MUmAYRMAAAAlAAAAEgAAAE8BAAAAkAAAAEgAAACQAAAASAAAAAAAAAAAAAAAAAAAAAEAAABQAAAAAAAAAAAA4D8AAAAAAADgPwAAAAAAAOA/AAAAAAAA4D8AAAAAAADgPwAAAAAAAOA/AAAAAAAA4D8AAAAAAADgPwAAAAAAAOA/AAAAAAAA4D8CAAAAjAAAAAAAAAAAAAAAu+DjDP///wgAAAAAAAAAAAAAAAAAAAAAAAAAAAAAAAAAAAAAZAAAAAEAAABAAAAAAAAAAAAAAAAAAAAAAAAAAAAAAAAAAAAAAAAAAAAAAAAAAAAAAAAAAAAAAAAAAAAAAAAAAAAAAAAAAAAAAAAAAAAAAAAAAAAAAAAAAAAAAAAAAAAAFAAAADwAAAAAAAAAAAAAAAAAAAkUAAAAAQAAABQAAAAUAAAAFAAAAAEAAAAAAAAAZAAAAGQAAAAAAAAAZAAAAGQAAAAVAAAAYAAAAAAAAAAAAAAADwAAACADAAAAAAAAAAAAAAEAAACgMgAAVgcAAKr4//8BAAAAf39/AAEAAABkAAAAAAAAABQAAABAHwAAAAAAACYAAAAAAAAAwOD//wAAAAAmAAAAZAAAABYAAABMAAAAAAAAAAAAAAAEAAAAAAAAAAEAAACAgIAKAAAAACgAAAAoAAAAZAAAAGQAAAAAAAAAzMzMAAAAAABQAAAAUAAAAGQAAABkAAAAAAAAABcAAAAUAAAAAAAAAMQBAAD/fwAA/38AAAAAAAAJAAAABAAAAAAAAAAMAAAAEAAAAAAAAAAAAAAAAAAAAAAAAAAeAAAAaAAAAAAAAAAAAAAAAAAAAAAAAAAAAAAAECcAABAnAAAAAAAAAAAAAAAAAAAAAAAAAAAAAAAAAAAAAAAAAAAAABQAAAAAAAAAwMD/AAAAAABkAAAAMgAAAAAAAABkAAAAAAAAAH9/fwAKAAAAIgAAABgAAAAAAAAAAAAAAAAAAAAAAAAAAAAAAAAAAAAkAAAAJAAAAAAAAAAHAAAAAAAAAAAAAAAAAAAAAAAAAAAAAAAAAAAAf39/ACUAAABYAAAAAAAAAAAAAAAAAAAAAAAAAAAAAAAAAAAAAAAAAAAAAAAAAAAAAAAAAAAAAAA/AAAAAAAAAKCGAQAAAAAAAAAAAAAAAAAMAAAAAQAAAAAAAAAAAAAAAAAAAB8AAABUAAAAu+DjBf///wEAAAAAAAAAAAAAAAAAAAAAAAAAAAAAAAAAAAAAAAAAAAAAAAJ/f38AgICAA8zMzADAwP8Af39/AAAAAAAAAAAAAAAAAAAAAAAAAAAAIQAAABgAAAAUAAAAXycAAOIkAABgSAAA0igAABAgAAAmAAAACAAAAP//////////MAAAABQAAAAAAAAAAAD//wAAAQAAAP//AAABAA=="/>
+                <pr:smNativeData xmlns:pr="smNativeData" xmlns="smNativeData" val="SMDATA_17_WnaBYRMAAAAlAAAAEgAAAE8BAAAAkAAAAEgAAACQAAAASAAAAAAAAAAAAAAAAAAAAAEAAABQAAAAAAAAAAAA4D8AAAAAAADgPwAAAAAAAOA/AAAAAAAA4D8AAAAAAADgPwAAAAAAAOA/AAAAAAAA4D8AAAAAAADgPwAAAAAAAOA/AAAAAAAA4D8CAAAAjAAAAAAAAAAAAAAAu+DjDP///wgAAAAAAAAAAAAAAAAAAAAAAAAAAAAAAAAAAAAAZAAAAAEAAABAAAAAAAAAAAAAAAAAAAAAAAAAAAAAAAAAAAAAAAAAAAAAAAAAAAAAAAAAAAAAAAAAAAAAAAAAAAAAAAAAAAAAAAAAAAAAAAAAAAAAAAAAAAAAAAAAAAAAFAAAADwAAAAAAAAAAAAAAAAAAAkUAAAAAQAAABQAAAAUAAAAFAAAAAEAAAAAAAAAZAAAAGQAAAAAAAAAZAAAAGQAAAAVAAAAYAAAAAAAAAAAAAAADwAAACADAAAAAAAAAAAAAAEAAACgMgAAVgcAAKr4//8BAAAAf39/AAEAAABkAAAAAAAAABQAAABAHwAAAAAAACYAAAAAAAAAwOD//wAAAAAmAAAAZAAAABYAAABMAAAAAAAAAAAAAAAEAAAAAAAAAAEAAACAgIAKAAAAACgAAAAoAAAAZAAAAGQAAAAAAAAAzMzMAAAAAABQAAAAUAAAAGQAAABkAAAAAAAAABcAAAAUAAAAAAAAAMQBAAD/fwAA/38AAAAAAAAJAAAABAAAAAAAAAAMAAAAEAAAAAAAAAAAAAAAAAAAAAAAAAAeAAAAaAAAAAAAAAAAAAAAAAAAAAAAAAAAAAAAECcAABAnAAAAAAAAAAAAAAAAAAAAAAAAAAAAAAAAAAAAAAAAAAAAABQAAAAAAAAAwMD/AAAAAABkAAAAMgAAAAAAAABkAAAAAAAAAH9/fwAKAAAAIgAAABgAAAAAAAAAAAAAAAAAAAAAAAAAAAAAAAAAAAAkAAAAJAAAAAAAAAAHAAAAAAAAAAAAAAAAAAAAAAAAAAAAAAAAAAAAf39/ACUAAABYAAAAAAAAAAAAAAAAAAAAAAAAAAAAAAAAAAAAAAAAAAAAAAAAAAAAAAAAAAAAAAA/AAAAAAAAAKCGAQAAAAAAAAAAAAAAAAAMAAAAAQAAAAAAAAAAAAAAAAAAAB8AAABUAAAAu+DjBf///wEAAAAAAAAAAAAAAAAAAAAAAAAAAAAAAAAAAAAAAAAAAAAAAAJ/f38AgICAA8zMzADAwP8Af39/AAAAAAAAAAAAAAAAAAAAAAAAAAAAIQAAABgAAAAUAAAAXycAAOIkAABgSAAA0igAABAgAAAmAAAACAAAAP//////////MAAAABQAAAAAAAAAAAD//wAAAQAAAP//AAABAA=="/>
               </a:ext>
             </a:extLst>
           </p:cNvSpPr>
@@ -9592,7 +9600,7 @@
           <p:cNvSpPr>
             <a:extLst>
               <a:ext uri="smNativeData">
-                <pr:smNativeData xmlns:pr="smNativeData" xmlns="smNativeData" val="SMDATA_17_MUmAYRMAAAAlAAAAggAAAA8BAAAAkAAAAEgAAACQAAAASAAAAAAAAAAAAAAAAAAAAAEAAABQAAAAAAAAAAAAAAAAAAAAAADgPwAAAAAAAOA/AAAAAAAA4D8AAAAAAADgPwAAAAAAAOA/AAAAAAAA4D8AAAAAAADgPwAAAAAAAOA/AAAAAAAA4D8CAAAAjAAAAAAAAAAAAAAAu+DjDP///wgAAAAAAAAAAAAAAAAAAAAAAAAAAAAAAAAAAAAAZAAAAAEAAABAAAAAAAAAAAAAAAAAAAAAAAAAAAAAAAAAAAAAAAAAAAAAAAAAAAAAAAAAAAAAAAAAAAAAAAAAAAAAAAAAAAAAAAAAAAAAAAAAAAAAAAAAAAAAAAAAAAAAFAAAADwAAAABAAAAAAAAAFiE0wAoAAAAAQAAABQAAAAUAAAAFAAAAAEAAAAAAAAAZAAAAGQAAAAAAAAAZAAAAGQAAAAVAAAAYAAAAAAAAAAAAAAADwAAACADAAAAAAAAAAAAAAEAAACgMgAAVgcAAKr4//8BAAAAf39/AAEAAABkAAAAAAAAABQAAABAHwAAAAAAACYAAAAAAAAAwOD//wAAAAAmAAAAZAAAABYAAABMAAAAAAAAAAAAAAAEAAAAAAAAAAEAAACAgIAKAAAAACgAAAAoAAAAZAAAAGQAAAAAAAAAzMzMAAAAAABQAAAAUAAAAGQAAABkAAAAAAAAABcAAAAUAAAAAAAAAAAAAAD/fwAA/38AAAAAAAAJAAAABAAAAEBM1wUMAAAAEAAAAAAAAAAAAAAAAAAAAAAAAAAeAAAAaAAAAAAAAAAAAAAAAAAAAAAAAAAAAAAAECcAABAnAAAAAAAAAAAAAAAAAAAAAAAAAAAAAAAAAAAAAAAAAAAAABQAAAAAAAAAwMD/AAAAAABkAAAAMgAAAAAAAABkAAAAAAAAAH9/fwAKAAAAIgAAABgAAAAAAAAAAAAAAAAAAAAAAAAAAAAAAAAAAAAkAAAAJAAAAAAAAAAHAAAAAAAAAAAAAAAAAAAAAAAAAAAAAAAAAAAAf39/ACUAAABYAAAAAAAAAAAAAAAAAAAAAAAAAAAAAAAAAAAAAAAAAAAAAAAAAAAAAAAAAAAAAAA/AAAAAAAAAKCGAQAAAAAAAAAAAAAAAAAMAAAAAQAAAAAAAAAAAAAAAAAAAB8AAABUAAAAu+DjBf///wEAAAAAAAAAAAAAAAAAAAAAAAAAAAAAAAAAAAAAAAAAAFiE0wB/f38AgICAA8zMzADAwP8Af39/AAAAAAAAAAAAAAAAAAAAAAAAAAAAIQAAABgAAAAUAAAACxoAAM8WAAClHAAAIhgAABAAAAAmAAAACAAAAP//////////MAAAABQAAAAAAAAAAAD//wAAAQAAAP//AAABAA=="/>
+                <pr:smNativeData xmlns:pr="smNativeData" xmlns="smNativeData" val="SMDATA_17_WnaBYRMAAAAlAAAAggAAAA8BAAAAkAAAAEgAAACQAAAASAAAAAAAAAAAAAAAAAAAAAEAAABQAAAAAAAAAAAAAAAAAAAAAADgPwAAAAAAAOA/AAAAAAAA4D8AAAAAAADgPwAAAAAAAOA/AAAAAAAA4D8AAAAAAADgPwAAAAAAAOA/AAAAAAAA4D8CAAAAjAAAAAAAAAAAAAAAu+DjDP///wgAAAAAAAAAAAAAAAAAAAAAAAAAAAAAAAAAAAAAZAAAAAEAAABAAAAAAAAAAAAAAAAAAAAAAAAAAAAAAAAAAAAAAAAAAAAAAAAAAAAAAAAAAAAAAAAAAAAAAAAAAAAAAAAAAAAAAAAAAAAAAAAAAAAAAAAAAAAAAAAAAAAAFAAAADwAAAABAAAAAAAAAFiE0wAoAAAAAQAAABQAAAAUAAAAFAAAAAEAAAAAAAAAZAAAAGQAAAAAAAAAZAAAAGQAAAAVAAAAYAAAAAAAAAAAAAAADwAAACADAAAAAAAAAAAAAAEAAACgMgAAVgcAAKr4//8BAAAAf39/AAEAAABkAAAAAAAAABQAAABAHwAAAAAAACYAAAAAAAAAwOD//wAAAAAmAAAAZAAAABYAAABMAAAAAAAAAAAAAAAEAAAAAAAAAAEAAACAgIAKAAAAACgAAAAoAAAAZAAAAGQAAAAAAAAAzMzMAAAAAABQAAAAUAAAAGQAAABkAAAAAAAAABcAAAAUAAAAAAAAAAAAAAD/fwAA/38AAAAAAAAJAAAABAAAAEBM1wUMAAAAEAAAAAAAAAAAAAAAAAAAAAAAAAAeAAAAaAAAAAAAAAAAAAAAAAAAAAAAAAAAAAAAECcAABAnAAAAAAAAAAAAAAAAAAAAAAAAAAAAAAAAAAAAAAAAAAAAABQAAAAAAAAAwMD/AAAAAABkAAAAMgAAAAAAAABkAAAAAAAAAH9/fwAKAAAAIgAAABgAAAAAAAAAAAAAAAAAAAAAAAAAAAAAAAAAAAAkAAAAJAAAAAAAAAAHAAAAAAAAAAAAAAAAAAAAAAAAAAAAAAAAAAAAf39/ACUAAABYAAAAAAAAAAAAAAAAAAAAAAAAAAAAAAAAAAAAAAAAAAAAAAAAAAAAAAAAAAAAAAA/AAAAAAAAAKCGAQAAAAAAAAAAAAAAAAAMAAAAAQAAAAAAAAAAAAAAAAAAAB8AAABUAAAAu+DjBf///wEAAAAAAAAAAAAAAAAAAAAAAAAAAAAAAAAAAAAAAAAAAFiE0wB/f38AgICAA8zMzADAwP8Af39/AAAAAAAAAAAAAAAAAAAAAAAAAAAAIQAAABgAAAAUAAAACxoAAM8WAAClHAAAIhgAABAAAAAmAAAACAAAAP//////////MAAAABQAAAAAAAAAAAD//wAAAQAAAP//AAABAA=="/>
               </a:ext>
             </a:extLst>
           </p:cNvSpPr>
@@ -9627,7 +9635,7 @@
           <p:cNvSpPr txBox="1">
             <a:extLst>
               <a:ext uri="smNativeData">
-                <pr:smNativeData xmlns:pr="smNativeData" xmlns="smNativeData" val="SMDATA_17_MUmAYRMAAAAlAAAAEgAAAE8BAAAAkAAAAEgAAACQAAAASAAAAAAAAAAAAAAAAAAAAAEAAABQAAAAAAAAAAAA4D8AAAAAAADgPwAAAAAAAOA/AAAAAAAA4D8AAAAAAADgPwAAAAAAAOA/AAAAAAAA4D8AAAAAAADgPwAAAAAAAOA/AAAAAAAA4D8CAAAAjAAAAAAAAAAAAAAAu+DjDP///wgAAAAAAAAAAAAAAAAAAAAAAAAAAAAAAAAAAAAAZAAAAAEAAABAAAAAAAAAAAAAAAAAAAAAAAAAAAAAAAAAAAAAAAAAAAAAAAAAAAAAAAAAAAAAAAAAAAAAAAAAAAAAAAAAAAAAAAAAAAAAAAAAAAAAAAAAAAAAAAAAAAAAFAAAADwAAAAAAAAAAAAAAAAAAAkUAAAAAQAAABQAAAAUAAAAFAAAAAEAAAAAAAAAZAAAAGQAAAAAAAAAZAAAAGQAAAAVAAAAYAAAAAAAAAAAAAAADwAAACADAAAAAAAAAAAAAAEAAACgMgAAVgcAAKr4//8BAAAAf39/AAEAAABkAAAAAAAAABQAAABAHwAAAAAAACYAAAAAAAAAwOD//wAAAAAmAAAAZAAAABYAAABMAAAAAAAAAAAAAAAEAAAAAAAAAAEAAACAgIAKAAAAACgAAAAoAAAAZAAAAGQAAAAAAAAAzMzMAAAAAABQAAAAUAAAAGQAAABkAAAAAAAAABcAAAAUAAAAAAAAAMQBAAD/fwAA/38AAAAAAAAJAAAABAAAAAAAAAAMAAAAEAAAAAAAAAAAAAAAAAAAAAAAAAAeAAAAaAAAAAAAAAAAAAAAAAAAAAAAAAAAAAAAECcAABAnAAAAAAAAAAAAAAAAAAAAAAAAAAAAAAAAAAAAAAAAAAAAABQAAAAAAAAAwMD/AAAAAABkAAAAMgAAAAAAAABkAAAAAAAAAH9/fwAKAAAAIgAAABgAAAAAAAAAAAAAAAAAAAAAAAAAAAAAAAAAAAAkAAAAJAAAAAAAAAAHAAAAAAAAAAAAAAAAAAAAAAAAAAAAAAAAAAAAf39/ACUAAABYAAAAAAAAAAAAAAAAAAAAAAAAAAAAAAAAAAAAAAAAAAAAAAAAAAAAAAAAAAAAAAA/AAAAAAAAAKCGAQAAAAAAAAAAAAAAAAAMAAAAAQAAAAAAAAAAAAAAAAAAAB8AAABUAAAAu+DjBf///wEAAAAAAAAAAAAAAAAAAAAAAAAAAAAAAAAAAAAAAAAAAAAAAAJ/f38AgICAA8zMzADAwP8Af39/AAAAAAAAAAAAAAAAAAAAAAAAAAAAIQAAABgAAAAUAAAAFwMAAGslAAALGgAAUygAABAgAAAmAAAACAAAAP//////////MAAAABQAAAAAAAAAAAD//wAAAQAAAP//AAABAA=="/>
+                <pr:smNativeData xmlns:pr="smNativeData" xmlns="smNativeData" val="SMDATA_17_WnaBYRMAAAAlAAAAEgAAAE8BAAAAkAAAAEgAAACQAAAASAAAAAAAAAAAAAAAAAAAAAEAAABQAAAAAAAAAAAA4D8AAAAAAADgPwAAAAAAAOA/AAAAAAAA4D8AAAAAAADgPwAAAAAAAOA/AAAAAAAA4D8AAAAAAADgPwAAAAAAAOA/AAAAAAAA4D8CAAAAjAAAAAAAAAAAAAAAu+DjDP///wgAAAAAAAAAAAAAAAAAAAAAAAAAAAAAAAAAAAAAZAAAAAEAAABAAAAAAAAAAAAAAAAAAAAAAAAAAAAAAAAAAAAAAAAAAAAAAAAAAAAAAAAAAAAAAAAAAAAAAAAAAAAAAAAAAAAAAAAAAAAAAAAAAAAAAAAAAAAAAAAAAAAAFAAAADwAAAAAAAAAAAAAAAAAAAkUAAAAAQAAABQAAAAUAAAAFAAAAAEAAAAAAAAAZAAAAGQAAAAAAAAAZAAAAGQAAAAVAAAAYAAAAAAAAAAAAAAADwAAACADAAAAAAAAAAAAAAEAAACgMgAAVgcAAKr4//8BAAAAf39/AAEAAABkAAAAAAAAABQAAABAHwAAAAAAACYAAAAAAAAAwOD//wAAAAAmAAAAZAAAABYAAABMAAAAAAAAAAAAAAAEAAAAAAAAAAEAAACAgIAKAAAAACgAAAAoAAAAZAAAAGQAAAAAAAAAzMzMAAAAAABQAAAAUAAAAGQAAABkAAAAAAAAABcAAAAUAAAAAAAAAMQBAAD/fwAA/38AAAAAAAAJAAAABAAAAAAAAAAMAAAAEAAAAAAAAAAAAAAAAAAAAAAAAAAeAAAAaAAAAAAAAAAAAAAAAAAAAAAAAAAAAAAAECcAABAnAAAAAAAAAAAAAAAAAAAAAAAAAAAAAAAAAAAAAAAAAAAAABQAAAAAAAAAwMD/AAAAAABkAAAAMgAAAAAAAABkAAAAAAAAAH9/fwAKAAAAIgAAABgAAAAAAAAAAAAAAAAAAAAAAAAAAAAAAAAAAAAkAAAAJAAAAAAAAAAHAAAAAAAAAAAAAAAAAAAAAAAAAAAAAAAAAAAAf39/ACUAAABYAAAAAAAAAAAAAAAAAAAAAAAAAAAAAAAAAAAAAAAAAAAAAAAAAAAAAAAAAAAAAAA/AAAAAAAAAKCGAQAAAAAAAAAAAAAAAAAMAAAAAQAAAAAAAAAAAAAAAAAAAB8AAABUAAAAu+DjBf///wEAAAAAAAAAAAAAAAAAAAAAAAAAAAAAAAAAAAAAAAAAAAAAAAJ/f38AgICAA8zMzADAwP8Af39/AAAAAAAAAAAAAAAAAAAAAAAAAAAAIQAAABgAAAAUAAAAFwMAAGslAAALGgAAUygAABAgAAAmAAAACAAAAP//////////MAAAABQAAAAAAAAAAAD//wAAAQAAAP//AAABAA=="/>
               </a:ext>
             </a:extLst>
           </p:cNvSpPr>
@@ -9680,7 +9688,7 @@
             <a:endCxn id="15" idx="3"/>
             <a:extLst>
               <a:ext uri="smNativeData">
-                <pr:smNativeData xmlns:pr="smNativeData" xmlns="smNativeData" val="SMDATA_17_MUmAYRMAAAAlAAAADgAAAA8BAAAAkAAAAEgAAACQAAAASAAAAAAAAAAAAAAAAAAAAAEAAABQAAAAAAAAAAAA4D8AAAAAAADgPwAAAAAAAOA/AAAAAAAA4D8AAAAAAADgPwAAAAAAAOA/AAAAAAAA4D8AAAAAAADgPwAAAAAAAOA/AAAAAAAA4D8CAAAAjAAAAAAAAAAAAAAAu+DjDP///wgAAAAAAAAAAAAAAAAAAAAAAAAAAAAAAAAAAAAAZAAAAAEAAABAAAAAAAAAAAAAAAAAAAAAAAAAAAAAAAAAAAAAAAAAAAAAAAAAAAAAAAAAAAAAAAAAAAAAAAAAAAAAAAAAAAAAAAAAAAAAAAAAAAAAAAAAAAAAAAAAAAAAFAAAADwAAAABAAAAAAAAAFiE0wAoAAAAAQAAABQAAAAUAAAAFAAAAAEAAAAAAAAAZAAAAGQAAAAAAAAAZAAAAGQAAAAVAAAAYAAAAAAAAAAAAAAADwAAACADAAAAAAAAAAAAAAEAAACgMgAAVgcAAKr4//8BAAAAf39/AAEAAABkAAAAAAAAABQAAABAHwAAAAAAACYAAAAAAAAAwOD//wAAAAAmAAAAZAAAABYAAABMAAAAAAAAAAAAAAAEAAAAAAAAAAEAAACAgIAKAAAAACgAAAAoAAAAZAAAAGQAAAAAAAAAzMzMAAAAAABQAAAAUAAAAGQAAABkAAAAAAAAABcAAAAUAAAAAAAAAAAAAAD/fwAA/38AAAAAAAAJAAAABAAAAEBQ2QwMAAAAEAAAAAAAAAAAAAAAAAAAAAAAAAAeAAAAaAAAAAAAAAAAAAAAAAAAAAAAAAAAAAAAECcAABAnAAAAAAAAAAAAAAAAAAAAAAAAAAAAAAAAAAAAAAAAAAAAABQAAAAAAAAAwMD/AAAAAABkAAAAMgAAAAAAAABkAAAAAAAAAH9/fwAKAAAAIgAAABgAAAAAAAAAAAAAAAAAAAAAAAAAAAAAAAAAAAAkAAAAJAAAAAAAAAAHAAAAAAAAAAAAAAAAAAAAAAAAAAAAAAAAAAAAf39/ACUAAABYAAAAAAAAAAAAAAAAAAAAAAAAAAAAAAAAAAAAAAAAAAAAAAAAAAAAAAAAAAAAAAA/AAAAAAAAAKCGAQAAAAAAAAAAAAAAAAAMAAAAAQAAAAAAAAAAAAAAAAAAAB8AAABUAAAAu+DjBf///wEAAAAAAAAAAAAAAAAAAAAAAAAAAAAAAAAAAAAAAAAAAFiE0wB/f38AgICAA8zMzADAwP8Af39/AAAAAAAAAAAAAAAAAAAAAAAAAAAAIQAAABgAAAAUAAAACxoAACIYAABYGwAA3yYAABAAAAAmAAAACAAAAP//////////MAAAABQAAAAAAAAAAAD//wAAAQAAAP//AAABAA=="/>
+                <pr:smNativeData xmlns:pr="smNativeData" xmlns="smNativeData" val="SMDATA_17_WnaBYRMAAAAlAAAADgAAAA8BAAAAkAAAAEgAAACQAAAASAAAAAAAAAAAAAAAAAAAAAEAAABQAAAAAAAAAAAA4D8AAAAAAADgPwAAAAAAAOA/AAAAAAAA4D8AAAAAAADgPwAAAAAAAOA/AAAAAAAA4D8AAAAAAADgPwAAAAAAAOA/AAAAAAAA4D8CAAAAjAAAAAAAAAAAAAAAu+DjDP///wgAAAAAAAAAAAAAAAAAAAAAAAAAAAAAAAAAAAAAZAAAAAEAAABAAAAAAAAAAAAAAAAAAAAAAAAAAAAAAAAAAAAAAAAAAAAAAAAAAAAAAAAAAAAAAAAAAAAAAAAAAAAAAAAAAAAAAAAAAAAAAAAAAAAAAAAAAAAAAAAAAAAAFAAAADwAAAABAAAAAAAAAFiE0wAoAAAAAQAAABQAAAAUAAAAFAAAAAEAAAAAAAAAZAAAAGQAAAAAAAAAZAAAAGQAAAAVAAAAYAAAAAAAAAAAAAAADwAAACADAAAAAAAAAAAAAAEAAACgMgAAVgcAAKr4//8BAAAAf39/AAEAAABkAAAAAAAAABQAAABAHwAAAAAAACYAAAAAAAAAwOD//wAAAAAmAAAAZAAAABYAAABMAAAAAAAAAAAAAAAEAAAAAAAAAAEAAACAgIAKAAAAACgAAAAoAAAAZAAAAGQAAAAAAAAAzMzMAAAAAABQAAAAUAAAAGQAAABkAAAAAAAAABcAAAAUAAAAAAAAAAAAAAD/fwAA/38AAAAAAAAJAAAABAAAAEBQ2QwMAAAAEAAAAAAAAAAAAAAAAAAAAAAAAAAeAAAAaAAAAAAAAAAAAAAAAAAAAAAAAAAAAAAAECcAABAnAAAAAAAAAAAAAAAAAAAAAAAAAAAAAAAAAAAAAAAAAAAAABQAAAAAAAAAwMD/AAAAAABkAAAAMgAAAAAAAABkAAAAAAAAAH9/fwAKAAAAIgAAABgAAAAAAAAAAAAAAAAAAAAAAAAAAAAAAAAAAAAkAAAAJAAAAAAAAAAHAAAAAAAAAAAAAAAAAAAAAAAAAAAAAAAAAAAAf39/ACUAAABYAAAAAAAAAAAAAAAAAAAAAAAAAAAAAAAAAAAAAAAAAAAAAAAAAAAAAAAAAAAAAAA/AAAAAAAAAKCGAQAAAAAAAAAAAAAAAAAMAAAAAQAAAAAAAAAAAAAAAAAAAB8AAABUAAAAu+DjBf///wEAAAAAAAAAAAAAAAAAAAAAAAAAAAAAAAAAAAAAAAAAAFiE0wB/f38AgICAA8zMzADAwP8Af39/AAAAAAAAAAAAAAAAAAAAAAAAAAAAIQAAABgAAAAUAAAACxoAACIYAABYGwAA3yYAABAAAAAmAAAACAAAAP//////////MAAAABQAAAAAAAAAAAD//wAAAQAAAP//AAABAA=="/>
               </a:ext>
             </a:extLst>
           </p:cNvCxnSpPr>
@@ -9712,7 +9720,7 @@
           <p:cNvPicPr>
             <a:extLst>
               <a:ext uri="smNativeData">
-                <pr:smNativeData xmlns:pr="smNativeData" xmlns="smNativeData" val="SMDATA_19_MUmAYRMAAAAlAAAAEQAAAA8BAAAAkAAAAEgAAACQAAAASAAAAAAAAAAAAAAAAAAAAAEAAABQAAAAAAAAAAAA4D8AAAAAAADgPwAAAAAAAOA/AAAAAAAA4D8AAAAAAADgPwAAAAAAAOA/AAAAAAAA4D8AAAAAAADgPwAAAAAAAOA/AAAAAAAA4D8CAAAAjAAAAAAAAAAAAAAAu+DjDP///wgAAAAAAAAAAAAAAAAAAAAAAAAAAAAAAAAAAAAAZAAAAAEAAABAAAAAAAAAAAAAAAAAAAAAAAAAAAAAAAAAAAAAAAAAAAAAAAAAAAAAAAAAAAAAAAAAAAAAAAAAAAAAAAAAAAAAAAAAAAAAAAAAAAAAAAAAAAAAAAAAAAAAFAAAADwAAAAAAAAAAAAAAAAAAAkUAAAAAQAAABQAAAAUAAAAFAAAAAEAAAAAAAAAZAAAAGQAAAAAAAAAZAAAAGQAAAAVAAAAYAAAAAAAAAAAAAAADwAAACADAAAAAAAAAAAAAAEAAACgMgAAVgcAAKr4//8BAAAAf39/AAEAAABkAAAAAAAAABQAAABAHwAAAAAAACYAAAAAAAAAwOD//wAAAAAmAAAAZAAAABYAAABMAAAAAAAAAAAAAAAEAAAAAAAAAAEAAACAgIAKAAAAACgAAAAoAAAAZAAAAGQAAAAAAAAAzMzMAAAAAABQAAAAUAAAAGQAAABkAAAAAAAAAAcAAAA4AAAAAAAAAAAAAAAAAAAA////AAAAAAAAAAAAAAAAAAAAAAAAAAAAAAAAAAAAAABkAAAAZAAAAAAAAAAjAAAABAAAAGQAAAAXAAAAFAAAAAAAAAAAAAAA/38AAP9/AAAAAAAACQAAAAQAAAAAAAAADAAAABAAAAAAAAAAAAAAAAAAAAAAAAAAHgAAAGgAAAAAAAAAAAAAAAAAAAAAAAAAAAAAABAnAAAQJwAAAAAAAAAAAAAAAAAAAAAAAAAAAAAAAAAAAAAAAAAAAAAUAAAAAAAAAMDA/wAAAAAAZAAAADIAAAAAAAAAZAAAAAAAAAB/f38ACgAAACIAAAAYAAAAAAAAAAAAAAAAAAAAAAAAAAAAAAAAAAAAJAAAACQAAAAAAAAABwAAAAAAAAAAAAAAAAAAAAAAAAAAAAAAAAAAAH9/fwAlAAAAWAAAAAAAAAAAAAAAAAAAAAAAAAAAAAAAAAAAAAAAAAAAAAAAAAAAAAAAAAAAAAAAPwAAAAAAAACghgEAAAAAAAAAAAAAAAAADAAAAAEAAAAAAAAAAAAAAAAAAAAfAAAAVAAAALvg4wX///8BAAAAAAAAAAAAAAAAAAAAAAAAAAAAAAAAAAAAAAAAAAAAAAACf39/AICAgAPMzMwAwMD/AH9/fwAAAAAAAAAAAAAAAAD///8AAAAAACEAAAAYAAAAFAAAAL0AAACfAQAAakoAAJsHAAAQAAAAJgAAAAgAAAD//////////zAAAAAUAAAAAAAAAAAA//8AAAEAAAD//wAAAQA="/>
+                <pr:smNativeData xmlns:pr="smNativeData" xmlns="smNativeData" val="SMDATA_19_WnaBYRMAAAAlAAAAEQAAAA8BAAAAkAAAAEgAAACQAAAASAAAAAAAAAAAAAAAAAAAAAEAAABQAAAAAAAAAAAA4D8AAAAAAADgPwAAAAAAAOA/AAAAAAAA4D8AAAAAAADgPwAAAAAAAOA/AAAAAAAA4D8AAAAAAADgPwAAAAAAAOA/AAAAAAAA4D8CAAAAjAAAAAAAAAAAAAAAu+DjDP///wgAAAAAAAAAAAAAAAAAAAAAAAAAAAAAAAAAAAAAZAAAAAEAAABAAAAAAAAAAAAAAAAAAAAAAAAAAAAAAAAAAAAAAAAAAAAAAAAAAAAAAAAAAAAAAAAAAAAAAAAAAAAAAAAAAAAAAAAAAAAAAAAAAAAAAAAAAAAAAAAAAAAAFAAAADwAAAAAAAAAAAAAAAAAAAkUAAAAAQAAABQAAAAUAAAAFAAAAAEAAAAAAAAAZAAAAGQAAAAAAAAAZAAAAGQAAAAVAAAAYAAAAAAAAAAAAAAADwAAACADAAAAAAAAAAAAAAEAAACgMgAAVgcAAKr4//8BAAAAf39/AAEAAABkAAAAAAAAABQAAABAHwAAAAAAACYAAAAAAAAAwOD//wAAAAAmAAAAZAAAABYAAABMAAAAAAAAAAAAAAAEAAAAAAAAAAEAAACAgIAKAAAAACgAAAAoAAAAZAAAAGQAAAAAAAAAzMzMAAAAAABQAAAAUAAAAGQAAABkAAAAAAAAAAcAAAA4AAAAAAAAAAAAAAAAAAAA////AAAAAAAAAAAAAAAAAAAAAAAAAAAAAAAAAAAAAABkAAAAZAAAAAAAAAAjAAAABAAAAGQAAAAXAAAAFAAAAAAAAAAAAAAA/38AAP9/AAAAAAAACQAAAAQAAAAAAAAADAAAABAAAAAAAAAAAAAAAAAAAAAAAAAAHgAAAGgAAAAAAAAAAAAAAAAAAAAAAAAAAAAAABAnAAAQJwAAAAAAAAAAAAAAAAAAAAAAAAAAAAAAAAAAAAAAAAAAAAAUAAAAAAAAAMDA/wAAAAAAZAAAADIAAAAAAAAAZAAAAAAAAAB/f38ACgAAACIAAAAYAAAAAAAAAAAAAAAAAAAAAAAAAAAAAAAAAAAAJAAAACQAAAAAAAAABwAAAAAAAAAAAAAAAAAAAAAAAAAAAAAAAAAAAH9/fwAlAAAAWAAAAAAAAAAAAAAAAAAAAAAAAAAAAAAAAAAAAAAAAAAAAAAAAAAAAAAAAAAAAAAAPwAAAAAAAACghgEAAAAAAAAAAAAAAAAADAAAAAEAAAAAAAAAAAAAAAAAAAAfAAAAVAAAALvg4wX///8BAAAAAAAAAAAAAAAAAAAAAAAAAAAAAAAAAAAAAAAAAAAAAAACf39/AICAgAPMzMwAwMD/AH9/fwAAAAAAAAAAAAAAAAD///8AAAAAACEAAAAYAAAAFAAAAL0AAACfAQAAakoAAJsHAAAQAAAAJgAAAAgAAAD//////////zAAAAAUAAAAAAAAAAAA//8AAAEAAAD//wAAAQA="/>
               </a:ext>
             </a:extLst>
           </p:cNvPicPr>
@@ -9745,7 +9753,7 @@
           <p:cNvSpPr txBox="1">
             <a:extLst>
               <a:ext uri="smNativeData">
-                <pr:smNativeData xmlns:pr="smNativeData" xmlns="smNativeData" val="SMDATA_17_MUmAYRMAAAAlAAAAEgAAAE8BAAAAkAAAAEgAAACQAAAASAAAAAAAAAAAAAAAAAAAAAEAAABQAAAAAAAAAAAA4D8AAAAAAADgPwAAAAAAAOA/AAAAAAAA4D8AAAAAAADgPwAAAAAAAOA/AAAAAAAA4D8AAAAAAADgPwAAAAAAAOA/AAAAAAAA4D8CAAAAjAAAAAAAAAAAAAAAu+DjDP///wgAAAAAAAAAAAAAAAAAAAAAAAAAAAAAAAAAAAAAZAAAAAEAAABAAAAAAAAAAAAAAAAAAAAAAAAAAAAAAAAAAAAAAAAAAAAAAAAAAAAAAAAAAAAAAAAAAAAAAAAAAAAAAAAAAAAAAAAAAAAAAAAAAAAAAAAAAAAAAAAAAAAAFAAAADwAAAAAAAAAAAAAAAAAAAkUAAAAAQAAABQAAAAUAAAAFAAAAAEAAAAAAAAAZAAAAGQAAAAAAAAAZAAAAGQAAAAVAAAAYAAAAAAAAAAAAAAADwAAACADAAAAAAAAAAAAAAEAAACgMgAAVgcAAKr4//8BAAAAf39/AAEAAABkAAAAAAAAABQAAABAHwAAAAAAACYAAAAAAAAAwOD//wAAAAAmAAAAZAAAABYAAABMAAAAAAAAAAAAAAAEAAAAAAAAAAEAAACAgIAKAAAAACgAAAAoAAAAZAAAAGQAAAAAAAAAzMzMAAAAAABQAAAAUAAAAGQAAABkAAAAAAAAABcAAAAUAAAAAAAAABcDAAD/fwAA/38AAAAAAAAJAAAABAAAAEAlrgwMAAAAEAAAAAAAAAAAAAAAAAAAAAAAAAAeAAAAaAAAAAAAAAAAAAAAAAAAAAAAAAAAAAAAECcAABAnAAAAAAAAAAAAAAAAAAAAAAAAAAAAAAAAAAAAAAAAAAAAABQAAAAAAAAAwMD/AAAAAABkAAAAMgAAAAAAAABkAAAAAAAAAH9/fwAKAAAAIgAAABgAAAAAAAAAAAAAAAAAAAAAAAAAAAAAAAAAAAAkAAAAJAAAAAAAAAAHAAAAAAAAAAAAAAAAAAAAAAAAAAAAAAAAAAAAf39/ACUAAABYAAAAAAAAAAAAAAAAAAAAAAAAAAAAAAAAAAAAAAAAAAAAAAAAAAAAAAAAAAAAAAA/AAAAAAAAAKCGAQAAAAAAAAAAAAAAAAAMAAAAAQAAAAAAAAAAAAAAAAAAAB8AAABUAAAAu+DjBf///wEAAAAAAAAAAAAAAAAAAAAAAAAAAAAAAAAAAAAAAAAAAAAAAAJ/f38AgICAA8zMzADAwP8Af39/AAAAAAAAAAAAAAAAAAAAAAAAAAAAIQAAABgAAAAUAAAAUAcAAFwMAABWPgAARA8AABAgAAAmAAAACAAAAP//////////MAAAABQAAAAAAAAAAAD//wAAAQAAAP//AAABAA=="/>
+                <pr:smNativeData xmlns:pr="smNativeData" xmlns="smNativeData" val="SMDATA_17_WnaBYRMAAAAlAAAAEgAAAE8BAAAAkAAAAEgAAACQAAAASAAAAAAAAAAAAAAAAAAAAAEAAABQAAAAAAAAAAAA4D8AAAAAAADgPwAAAAAAAOA/AAAAAAAA4D8AAAAAAADgPwAAAAAAAOA/AAAAAAAA4D8AAAAAAADgPwAAAAAAAOA/AAAAAAAA4D8CAAAAjAAAAAAAAAAAAAAAu+DjDP///wgAAAAAAAAAAAAAAAAAAAAAAAAAAAAAAAAAAAAAZAAAAAEAAABAAAAAAAAAAAAAAAAAAAAAAAAAAAAAAAAAAAAAAAAAAAAAAAAAAAAAAAAAAAAAAAAAAAAAAAAAAAAAAAAAAAAAAAAAAAAAAAAAAAAAAAAAAAAAAAAAAAAAFAAAADwAAAAAAAAAAAAAAAAAAAkUAAAAAQAAABQAAAAUAAAAFAAAAAEAAAAAAAAAZAAAAGQAAAAAAAAAZAAAAGQAAAAVAAAAYAAAAAAAAAAAAAAADwAAACADAAAAAAAAAAAAAAEAAACgMgAAVgcAAKr4//8BAAAAf39/AAEAAABkAAAAAAAAABQAAABAHwAAAAAAACYAAAAAAAAAwOD//wAAAAAmAAAAZAAAABYAAABMAAAAAAAAAAAAAAAEAAAAAAAAAAEAAACAgIAKAAAAACgAAAAoAAAAZAAAAGQAAAAAAAAAzMzMAAAAAABQAAAAUAAAAGQAAABkAAAAAAAAABcAAAAUAAAAAAAAABcDAAD/fwAA/38AAAAAAAAJAAAABAAAAEAlrgwMAAAAEAAAAAAAAAAAAAAAAAAAAAAAAAAeAAAAaAAAAAAAAAAAAAAAAAAAAAAAAAAAAAAAECcAABAnAAAAAAAAAAAAAAAAAAAAAAAAAAAAAAAAAAAAAAAAAAAAABQAAAAAAAAAwMD/AAAAAABkAAAAMgAAAAAAAABkAAAAAAAAAH9/fwAKAAAAIgAAABgAAAAAAAAAAAAAAAAAAAAAAAAAAAAAAAAAAAAkAAAAJAAAAAAAAAAHAAAAAAAAAAAAAAAAAAAAAAAAAAAAAAAAAAAAf39/ACUAAABYAAAAAAAAAAAAAAAAAAAAAAAAAAAAAAAAAAAAAAAAAAAAAAAAAAAAAAAAAAAAAAA/AAAAAAAAAKCGAQAAAAAAAAAAAAAAAAAMAAAAAQAAAAAAAAAAAAAAAAAAAB8AAABUAAAAu+DjBf///wEAAAAAAAAAAAAAAAAAAAAAAAAAAAAAAAAAAAAAAAAAAAAAAAJ/f38AgICAA8zMzADAwP8Af39/AAAAAAAAAAAAAAAAAAAAAAAAAAAAIQAAABgAAAAUAAAAUAcAAFwMAABWPgAARA8AABAgAAAmAAAACAAAAP//////////MAAAABQAAAAAAAAAAAD//wAAAQAAAP//AAABAA=="/>
               </a:ext>
             </a:extLst>
           </p:cNvSpPr>
@@ -9770,7 +9778,7 @@
           <a:lstStyle/>
           <a:p>
             <a:pPr>
-              <a:defRPr sz="2600" spc="0">
+              <a:defRPr sz="2600">
                 <a:latin typeface="Liberation Mono" pitchFamily="1" charset="0"/>
                 <a:ea typeface="Liberation Mono" pitchFamily="1" charset="0"/>
                 <a:cs typeface="Liberation Mono" pitchFamily="1" charset="0"/>
@@ -9801,7 +9809,7 @@
           <p:cNvSpPr>
             <a:extLst>
               <a:ext uri="smNativeData">
-                <pr:smNativeData xmlns:pr="smNativeData" xmlns="smNativeData" val="SMDATA_17_MUmAYRMAAAAlAAAAggAAAA8BAAAAkAAAAEgAAACQAAAASAAAAAAAAAAAAAAAAAAAAAEAAABQAAAAHoXrUbge5T8AAAAAAADgPwAAAAAAAOA/AAAAAAAA4D8AAAAAAADgPwAAAAAAAOA/AAAAAAAA4D8AAAAAAADgPwAAAAAAAOA/AAAAAAAA4D8CAAAAjAAAAAAAAAAAAAAAu+DjDP///wgAAAAAAAAAAAAAAAAAAAAAAAAAAAAAAAAAAAAAZAAAAAEAAABAAAAAAAAAAAAAAAAAAAAAAAAAAAAAAAAAAAAAAAAAAAAAAAAAAAAAAAAAAAAAAAAAAAAAAAAAAAAAAAAAAAAAAAAAAAAAAAAAAAAAAAAAAAAAAAAAAAAAFAAAADwAAAABAAAAAAAAAFiE0wAoAAAAAQAAABQAAAAUAAAAFAAAAAEAAAAAAAAAZAAAAGQAAAAAAAAAZAAAAGQAAAAVAAAAYAAAAAAAAAAAAAAADwAAACADAAAAAAAAAAAAAAEAAACgMgAAVgcAAKr4//8BAAAAf39/AAEAAABkAAAAAAAAABQAAABAHwAAAAAAACYAAAAAAAAAwOD//wAAAAAmAAAAZAAAABYAAABMAAAAAAAAAAAAAAAEAAAAAAAAAAEAAACAgIAKAAAAACgAAAAoAAAAZAAAAGQAAAAAAAAAzMzMAAAAAABQAAAAUAAAAGQAAABkAAAAAAAAABcAAAAUAAAAAAAAAAAAAAD/fwAA/38AAAAAAAAJAAAABAAAAP7///8MAAAAEAAAAAAAAAAAAAAAAAAAAAAAAAAeAAAAaAAAAAAAAAAAAAAAAAAAAAAAAAAAAAAAECcAABAnAAAAAAAAAAAAAAAAAAAAAAAAAAAAAAAAAAAAAAAAAAAAABQAAAAAAAAAwMD/AAAAAABkAAAAMgAAAAAAAABkAAAAAAAAAH9/fwAKAAAAIgAAABgAAAAAAAAAAAAAAAAAAAAAAAAAAAAAAAAAAAAkAAAAJAAAAAAAAAAHAAAAAAAAAAAAAAAAAAAAAAAAAAAAAAAAAAAAf39/ACUAAABYAAAAAAAAAAAAAAAAAAAAAAAAAAAAAAAAAAAAAAAAAAAAAAAAAAAAAAAAAAAAAAA/AAAAAAAAAKCGAQAAAAAAAAAAAAAAAAAMAAAAAQAAAAAAAAAAAAAAAAAAAB8AAABUAAAAu+DjBf///wEAAAAAAAAAAAAAAAAAAAAAAAAAAAAAAAAAAAAAAAAAAFiE0wB/f38AgICAA8zMzADAwP8Af39/AAAAAAAAAAAAAAAAAAAAAAAAAAAAIQAAABgAAAAUAAAAiAcAAHwOAADTEQAAzw8AABAAAAAmAAAACAAAAP//////////MAAAABQAAAAAAAAAAAD//wAAAQAAAP//AAABAA=="/>
+                <pr:smNativeData xmlns:pr="smNativeData" xmlns="smNativeData" val="SMDATA_17_WnaBYRMAAAAlAAAAggAAAA8BAAAAkAAAAEgAAACQAAAASAAAAAAAAAAAAAAAAAAAAAEAAABQAAAAHoXrUbge5T8AAAAAAADgPwAAAAAAAOA/AAAAAAAA4D8AAAAAAADgPwAAAAAAAOA/AAAAAAAA4D8AAAAAAADgPwAAAAAAAOA/AAAAAAAA4D8CAAAAjAAAAAAAAAAAAAAAu+DjDP///wgAAAAAAAAAAAAAAAAAAAAAAAAAAAAAAAAAAAAAZAAAAAEAAABAAAAAAAAAAAAAAAAAAAAAAAAAAAAAAAAAAAAAAAAAAAAAAAAAAAAAAAAAAAAAAAAAAAAAAAAAAAAAAAAAAAAAAAAAAAAAAAAAAAAAAAAAAAAAAAAAAAAAFAAAADwAAAABAAAAAAAAAFiE0wAoAAAAAQAAABQAAAAUAAAAFAAAAAEAAAAAAAAAZAAAAGQAAAAAAAAAZAAAAGQAAAAVAAAAYAAAAAAAAAAAAAAADwAAACADAAAAAAAAAAAAAAEAAACgMgAAVgcAAKr4//8BAAAAf39/AAEAAABkAAAAAAAAABQAAABAHwAAAAAAACYAAAAAAAAAwOD//wAAAAAmAAAAZAAAABYAAABMAAAAAAAAAAAAAAAEAAAAAAAAAAEAAACAgIAKAAAAACgAAAAoAAAAZAAAAGQAAAAAAAAAzMzMAAAAAABQAAAAUAAAAGQAAABkAAAAAAAAABcAAAAUAAAAAAAAAAAAAAD/fwAA/38AAAAAAAAJAAAABAAAAP7///8MAAAAEAAAAAAAAAAAAAAAAAAAAAAAAAAeAAAAaAAAAAAAAAAAAAAAAAAAAAAAAAAAAAAAECcAABAnAAAAAAAAAAAAAAAAAAAAAAAAAAAAAAAAAAAAAAAAAAAAABQAAAAAAAAAwMD/AAAAAABkAAAAMgAAAAAAAABkAAAAAAAAAH9/fwAKAAAAIgAAABgAAAAAAAAAAAAAAAAAAAAAAAAAAAAAAAAAAAAkAAAAJAAAAAAAAAAHAAAAAAAAAAAAAAAAAAAAAAAAAAAAAAAAAAAAf39/ACUAAABYAAAAAAAAAAAAAAAAAAAAAAAAAAAAAAAAAAAAAAAAAAAAAAAAAAAAAAAAAAAAAAA/AAAAAAAAAKCGAQAAAAAAAAAAAAAAAAAMAAAAAQAAAAAAAAAAAAAAAAAAAB8AAABUAAAAu+DjBf///wEAAAAAAAAAAAAAAAAAAAAAAAAAAAAAAAAAAAAAAAAAAFiE0wB/f38AgICAA8zMzADAwP8Af39/AAAAAAAAAAAAAAAAAAAAAAAAAAAAIQAAABgAAAAUAAAAiAcAAHwOAADTEQAAzw8AABAAAAAmAAAACAAAAP//////////MAAAABQAAAAAAAAAAAD//wAAAQAAAP//AAABAA=="/>
               </a:ext>
             </a:extLst>
           </p:cNvSpPr>
@@ -9836,7 +9844,7 @@
           <p:cNvSpPr>
             <a:extLst>
               <a:ext uri="smNativeData">
-                <pr:smNativeData xmlns:pr="smNativeData" xmlns="smNativeData" val="SMDATA_17_MUmAYRMAAAAlAAAAggAAAA8BAAAAkAAAAEgAAACQAAAASAAAAAAAAAAAAAAAAAAAAAEAAABQAAAAHoXrUbge5T8AAAAAAADgPwAAAAAAAOA/AAAAAAAA4D8AAAAAAADgPwAAAAAAAOA/AAAAAAAA4D8AAAAAAADgPwAAAAAAAOA/AAAAAAAA4D8CAAAAjAAAAAAAAAAAAAAAu+DjDP///wgAAAAAAAAAAAAAAAAAAAAAAAAAAAAAAAAAAAAAZAAAAAEAAABAAAAAAAAAAAAAAAAAAAAAAAAAAAAAAAAAAAAAAAAAAAAAAAAAAAAAAAAAAAAAAAAAAAAAAAAAAAAAAAAAAAAAAAAAAAAAAAAAAAAAAAAAAAAAAAAAAAAAFAAAADwAAAABAAAAAAAAAFiE0wAoAAAAAQAAABQAAAAUAAAAFAAAAAEAAAAAAAAAZAAAAGQAAAAAAAAAZAAAAGQAAAAVAAAAYAAAAAAAAAAAAAAADwAAACADAAAAAAAAAAAAAAEAAACgMgAAVgcAAKr4//8BAAAAf39/AAEAAABkAAAAAAAAABQAAABAHwAAAAAAACYAAAAAAAAAwOD//wAAAAAmAAAAZAAAABYAAABMAAAAAAAAAAAAAAAEAAAAAAAAAAEAAACAgIAKAAAAACgAAAAoAAAAZAAAAGQAAAAAAAAAzMzMAAAAAABQAAAAUAAAAGQAAABkAAAAAAAAABcAAAAUAAAAAAAAAAAAAAD/fwAA/38AAAAAAAAJAAAABAAAAACBJAQMAAAAEAAAAAAAAAAAAAAAAAAAAAAAAAAeAAAAaAAAAAAAAAAAAAAAAAAAAAAAAAAAAAAAECcAABAnAAAAAAAAAAAAAAAAAAAAAAAAAAAAAAAAAAAAAAAAAAAAABQAAAAAAAAAwMD/AAAAAABkAAAAMgAAAAAAAABkAAAAAAAAAH9/fwAKAAAAIgAAABgAAAAAAAAAAAAAAAAAAAAAAAAAAAAAAAAAAAAkAAAAJAAAAAAAAAAHAAAAAAAAAAAAAAAAAAAAAAAAAAAAAAAAAAAAf39/ACUAAABYAAAAAAAAAAAAAAAAAAAAAAAAAAAAAAAAAAAAAAAAAAAAAAAAAAAAAAAAAAAAAAA/AAAAAAAAAKCGAQAAAAAAAAAAAAAAAAAMAAAAAQAAAAAAAAAAAAAAAAAAAB8AAABUAAAAu+DjBf///wEAAAAAAAAAAAAAAAAAAAAAAAAAAAAAAAAAAAAAAAAAAFiE0wB/f38AgICAA8zMzADAwP8Af39/AAAAAAAAAAAAAAAAAAAAAAAAAAAAIQAAABgAAAAUAAAAWhIAAHwOAAClHAAAzw8AABAAAAAmAAAACAAAAP//////////MAAAABQAAAAAAAAAAAD//wAAAQAAAP//AAABAA=="/>
+                <pr:smNativeData xmlns:pr="smNativeData" xmlns="smNativeData" val="SMDATA_17_WnaBYRMAAAAlAAAAggAAAA8BAAAAkAAAAEgAAACQAAAASAAAAAAAAAAAAAAAAAAAAAEAAABQAAAAHoXrUbge5T8AAAAAAADgPwAAAAAAAOA/AAAAAAAA4D8AAAAAAADgPwAAAAAAAOA/AAAAAAAA4D8AAAAAAADgPwAAAAAAAOA/AAAAAAAA4D8CAAAAjAAAAAAAAAAAAAAAu+DjDP///wgAAAAAAAAAAAAAAAAAAAAAAAAAAAAAAAAAAAAAZAAAAAEAAABAAAAAAAAAAAAAAAAAAAAAAAAAAAAAAAAAAAAAAAAAAAAAAAAAAAAAAAAAAAAAAAAAAAAAAAAAAAAAAAAAAAAAAAAAAAAAAAAAAAAAAAAAAAAAAAAAAAAAFAAAADwAAAABAAAAAAAAAFiE0wAoAAAAAQAAABQAAAAUAAAAFAAAAAEAAAAAAAAAZAAAAGQAAAAAAAAAZAAAAGQAAAAVAAAAYAAAAAAAAAAAAAAADwAAACADAAAAAAAAAAAAAAEAAACgMgAAVgcAAKr4//8BAAAAf39/AAEAAABkAAAAAAAAABQAAABAHwAAAAAAACYAAAAAAAAAwOD//wAAAAAmAAAAZAAAABYAAABMAAAAAAAAAAAAAAAEAAAAAAAAAAEAAACAgIAKAAAAACgAAAAoAAAAZAAAAGQAAAAAAAAAzMzMAAAAAABQAAAAUAAAAGQAAABkAAAAAAAAABcAAAAUAAAAAAAAAAAAAAD/fwAA/38AAAAAAAAJAAAABAAAAACBJAQMAAAAEAAAAAAAAAAAAAAAAAAAAAAAAAAeAAAAaAAAAAAAAAAAAAAAAAAAAAAAAAAAAAAAECcAABAnAAAAAAAAAAAAAAAAAAAAAAAAAAAAAAAAAAAAAAAAAAAAABQAAAAAAAAAwMD/AAAAAABkAAAAMgAAAAAAAABkAAAAAAAAAH9/fwAKAAAAIgAAABgAAAAAAAAAAAAAAAAAAAAAAAAAAAAAAAAAAAAkAAAAJAAAAAAAAAAHAAAAAAAAAAAAAAAAAAAAAAAAAAAAAAAAAAAAf39/ACUAAABYAAAAAAAAAAAAAAAAAAAAAAAAAAAAAAAAAAAAAAAAAAAAAAAAAAAAAAAAAAAAAAA/AAAAAAAAAKCGAQAAAAAAAAAAAAAAAAAMAAAAAQAAAAAAAAAAAAAAAAAAAB8AAABUAAAAu+DjBf///wEAAAAAAAAAAAAAAAAAAAAAAAAAAAAAAAAAAAAAAAAAAFiE0wB/f38AgICAA8zMzADAwP8Af39/AAAAAAAAAAAAAAAAAAAAAAAAAAAAIQAAABgAAAAUAAAAWhIAAHwOAAClHAAAzw8AABAAAAAmAAAACAAAAP//////////MAAAABQAAAAAAAAAAAD//wAAAQAAAP//AAABAA=="/>
               </a:ext>
             </a:extLst>
           </p:cNvSpPr>
@@ -9871,7 +9879,7 @@
           <p:cNvSpPr>
             <a:extLst>
               <a:ext uri="smNativeData">
-                <pr:smNativeData xmlns:pr="smNativeData" xmlns="smNativeData" val="SMDATA_17_MUmAYRMAAAAlAAAAggAAAA8BAAAAkAAAAEgAAACQAAAASAAAAAAAAAAAAAAAAAAAAAEAAABQAAAAHoXrUbge5T8AAAAAAADgPwAAAAAAAOA/AAAAAAAA4D8AAAAAAADgPwAAAAAAAOA/AAAAAAAA4D8AAAAAAADgPwAAAAAAAOA/AAAAAAAA4D8CAAAAjAAAAAAAAAAAAAAAu+DjDP///wgAAAAAAAAAAAAAAAAAAAAAAAAAAAAAAAAAAAAAZAAAAAEAAABAAAAAAAAAAAAAAAAAAAAAAAAAAAAAAAAAAAAAAAAAAAAAAAAAAAAAAAAAAAAAAAAAAAAAAAAAAAAAAAAAAAAAAAAAAAAAAAAAAAAAAAAAAAAAAAAAAAAAFAAAADwAAAABAAAAAAAAAFiE0wAoAAAAAQAAABQAAAAUAAAAFAAAAAEAAAAAAAAAZAAAAGQAAAAAAAAAZAAAAGQAAAAVAAAAYAAAAAAAAAAAAAAADwAAACADAAAAAAAAAAAAAAEAAACgMgAAVgcAAKr4//8BAAAAf39/AAEAAABkAAAAAAAAABQAAABAHwAAAAAAACYAAAAAAAAAwOD//wAAAAAmAAAAZAAAABYAAABMAAAAAAAAAAAAAAAEAAAAAAAAAAEAAACAgIAKAAAAACgAAAAoAAAAZAAAAGQAAAAAAAAAzMzMAAAAAABQAAAAUAAAAGQAAABkAAAAAAAAABcAAAAUAAAAAAAAAAAAAAD/fwAA/38AAAAAAAAJAAAABAAAAAAAAAQMAAAAEAAAAAAAAAAAAAAAAAAAAAAAAAAeAAAAaAAAAAAAAAAAAAAAAAAAAAAAAAAAAAAAECcAABAnAAAAAAAAAAAAAAAAAAAAAAAAAAAAAAAAAAAAAAAAAAAAABQAAAAAAAAAwMD/AAAAAABkAAAAMgAAAAAAAABkAAAAAAAAAH9/fwAKAAAAIgAAABgAAAAAAAAAAAAAAAAAAAAAAAAAAAAAAAAAAAAkAAAAJAAAAAAAAAAHAAAAAAAAAAAAAAAAAAAAAAAAAAAAAAAAAAAAf39/ACUAAABYAAAAAAAAAAAAAAAAAAAAAAAAAAAAAAAAAAAAAAAAAAAAAAAAAAAAAAAAAAAAAAA/AAAAAAAAAKCGAQAAAAAAAAAAAAAAAAAMAAAAAQAAAAAAAAAAAAAAAAAAAB8AAABUAAAAu+DjBf///wEAAAAAAAAAAAAAAAAAAAAAAAAAAAAAAAAAAAAAAAAAAFiE0wB/f38AgICAA8zMzADAwP8Af39/AAAAAAAAAAAAAAAAAAAAAAAAAAAAIQAAABgAAAAUAAAAlx0AAHwOAADiJwAAzw8AABAAAAAmAAAACAAAAP//////////MAAAABQAAAAAAAAAAAD//wAAAQAAAP//AAABAA=="/>
+                <pr:smNativeData xmlns:pr="smNativeData" xmlns="smNativeData" val="SMDATA_17_WnaBYRMAAAAlAAAAggAAAA8BAAAAkAAAAEgAAACQAAAASAAAAAAAAAAAAAAAAAAAAAEAAABQAAAAHoXrUbge5T8AAAAAAADgPwAAAAAAAOA/AAAAAAAA4D8AAAAAAADgPwAAAAAAAOA/AAAAAAAA4D8AAAAAAADgPwAAAAAAAOA/AAAAAAAA4D8CAAAAjAAAAAAAAAAAAAAAu+DjDP///wgAAAAAAAAAAAAAAAAAAAAAAAAAAAAAAAAAAAAAZAAAAAEAAABAAAAAAAAAAAAAAAAAAAAAAAAAAAAAAAAAAAAAAAAAAAAAAAAAAAAAAAAAAAAAAAAAAAAAAAAAAAAAAAAAAAAAAAAAAAAAAAAAAAAAAAAAAAAAAAAAAAAAFAAAADwAAAABAAAAAAAAAFiE0wAoAAAAAQAAABQAAAAUAAAAFAAAAAEAAAAAAAAAZAAAAGQAAAAAAAAAZAAAAGQAAAAVAAAAYAAAAAAAAAAAAAAADwAAACADAAAAAAAAAAAAAAEAAACgMgAAVgcAAKr4//8BAAAAf39/AAEAAABkAAAAAAAAABQAAABAHwAAAAAAACYAAAAAAAAAwOD//wAAAAAmAAAAZAAAABYAAABMAAAAAAAAAAAAAAAEAAAAAAAAAAEAAACAgIAKAAAAACgAAAAoAAAAZAAAAGQAAAAAAAAAzMzMAAAAAABQAAAAUAAAAGQAAABkAAAAAAAAABcAAAAUAAAAAAAAAAAAAAD/fwAA/38AAAAAAAAJAAAABAAAAAAAAAQMAAAAEAAAAAAAAAAAAAAAAAAAAAAAAAAeAAAAaAAAAAAAAAAAAAAAAAAAAAAAAAAAAAAAECcAABAnAAAAAAAAAAAAAAAAAAAAAAAAAAAAAAAAAAAAAAAAAAAAABQAAAAAAAAAwMD/AAAAAABkAAAAMgAAAAAAAABkAAAAAAAAAH9/fwAKAAAAIgAAABgAAAAAAAAAAAAAAAAAAAAAAAAAAAAAAAAAAAAkAAAAJAAAAAAAAAAHAAAAAAAAAAAAAAAAAAAAAAAAAAAAAAAAAAAAf39/ACUAAABYAAAAAAAAAAAAAAAAAAAAAAAAAAAAAAAAAAAAAAAAAAAAAAAAAAAAAAAAAAAAAAA/AAAAAAAAAKCGAQAAAAAAAAAAAAAAAAAMAAAAAQAAAAAAAAAAAAAAAAAAAB8AAABUAAAAu+DjBf///wEAAAAAAAAAAAAAAAAAAAAAAAAAAAAAAAAAAAAAAAAAAFiE0wB/f38AgICAA8zMzADAwP8Af39/AAAAAAAAAAAAAAAAAAAAAAAAAAAAIQAAABgAAAAUAAAAlx0AAHwOAADiJwAAzw8AABAAAAAmAAAACAAAAP//////////MAAAABQAAAAAAAAAAAD//wAAAQAAAP//AAABAA=="/>
               </a:ext>
             </a:extLst>
           </p:cNvSpPr>
@@ -9906,7 +9914,7 @@
           <p:cNvSpPr>
             <a:extLst>
               <a:ext uri="smNativeData">
-                <pr:smNativeData xmlns:pr="smNativeData" xmlns="smNativeData" val="SMDATA_17_MUmAYRMAAAAlAAAAggAAAA8BAAAAkAAAAEgAAACQAAAASAAAAAAAAAAAAAAAAAAAAAEAAABQAAAAHoXrUbge5T8AAAAAAADgPwAAAAAAAOA/AAAAAAAA4D8AAAAAAADgPwAAAAAAAOA/AAAAAAAA4D8AAAAAAADgPwAAAAAAAOA/AAAAAAAA4D8CAAAAjAAAAAAAAAAAAAAAu+DjDP///wgAAAAAAAAAAAAAAAAAAAAAAAAAAAAAAAAAAAAAZAAAAAEAAABAAAAAAAAAAAAAAAAAAAAAAAAAAAAAAAAAAAAAAAAAAAAAAAAAAAAAAAAAAAAAAAAAAAAAAAAAAAAAAAAAAAAAAAAAAAAAAAAAAAAAAAAAAAAAAAAAAAAAFAAAADwAAAABAAAAAAAAAFiE0wAoAAAAAQAAABQAAAAUAAAAFAAAAAEAAAAAAAAAZAAAAGQAAAAAAAAAZAAAAGQAAAAVAAAAYAAAAAAAAAAAAAAADwAAACADAAAAAAAAAAAAAAEAAACgMgAAVgcAAKr4//8BAAAAf39/AAEAAABkAAAAAAAAABQAAABAHwAAAAAAACYAAAAAAAAAwOD//wAAAAAmAAAAZAAAABYAAABMAAAAAAAAAAAAAAAEAAAAAAAAAAEAAACAgIAKAAAAACgAAAAoAAAAZAAAAGQAAAAAAAAAzMzMAAAAAABQAAAAUAAAAGQAAABkAAAAAAAAABcAAAAUAAAAAAAAAAAAAAD/fwAA/38AAAAAAAAJAAAABAAAACjuTkYMAAAAEAAAAAAAAAAAAAAAAAAAAAAAAAAeAAAAaAAAAAAAAAAAAAAAAAAAAAAAAAAAAAAAECcAABAnAAAAAAAAAAAAAAAAAAAAAAAAAAAAAAAAAAAAAAAAAAAAABQAAAAAAAAAwMD/AAAAAABkAAAAMgAAAAAAAABkAAAAAAAAAH9/fwAKAAAAIgAAABgAAAAAAAAAAAAAAAAAAAAAAAAAAAAAAAAAAAAkAAAAJAAAAAAAAAAHAAAAAAAAAAAAAAAAAAAAAAAAAAAAAAAAAAAAf39/ACUAAABYAAAAAAAAAAAAAAAAAAAAAAAAAAAAAAAAAAAAAAAAAAAAAAAAAAAAAAAAAAAAAAA/AAAAAAAAAKCGAQAAAAAAAAAAAAAAAAAMAAAAAQAAAAAAAAAAAAAAAAAAAB8AAABUAAAAu+DjBf///wEAAAAAAAAAAAAAAAAAAAAAAAAAAAAAAAAAAAAAAAAAAFiE0wB/f38AgICAA8zMzADAwP8Af39/AAAAAAAAAAAAAAAAAAAAAAAAAAAAIQAAABgAAAAUAAAAeCgAAHwOAADDMgAAzw8AABAAAAAmAAAACAAAAP//////////MAAAABQAAAAAAAAAAAD//wAAAQAAAP//AAABAA=="/>
+                <pr:smNativeData xmlns:pr="smNativeData" xmlns="smNativeData" val="SMDATA_17_WnaBYRMAAAAlAAAAggAAAA8BAAAAkAAAAEgAAACQAAAASAAAAAAAAAAAAAAAAAAAAAEAAABQAAAAHoXrUbge5T8AAAAAAADgPwAAAAAAAOA/AAAAAAAA4D8AAAAAAADgPwAAAAAAAOA/AAAAAAAA4D8AAAAAAADgPwAAAAAAAOA/AAAAAAAA4D8CAAAAjAAAAAAAAAAAAAAAu+DjDP///wgAAAAAAAAAAAAAAAAAAAAAAAAAAAAAAAAAAAAAZAAAAAEAAABAAAAAAAAAAAAAAAAAAAAAAAAAAAAAAAAAAAAAAAAAAAAAAAAAAAAAAAAAAAAAAAAAAAAAAAAAAAAAAAAAAAAAAAAAAAAAAAAAAAAAAAAAAAAAAAAAAAAAFAAAADwAAAABAAAAAAAAAFiE0wAoAAAAAQAAABQAAAAUAAAAFAAAAAEAAAAAAAAAZAAAAGQAAAAAAAAAZAAAAGQAAAAVAAAAYAAAAAAAAAAAAAAADwAAACADAAAAAAAAAAAAAAEAAACgMgAAVgcAAKr4//8BAAAAf39/AAEAAABkAAAAAAAAABQAAABAHwAAAAAAACYAAAAAAAAAwOD//wAAAAAmAAAAZAAAABYAAABMAAAAAAAAAAAAAAAEAAAAAAAAAAEAAACAgIAKAAAAACgAAAAoAAAAZAAAAGQAAAAAAAAAzMzMAAAAAABQAAAAUAAAAGQAAABkAAAAAAAAABcAAAAUAAAAAAAAAAAAAAD/fwAA/38AAAAAAAAJAAAABAAAACjuTkYMAAAAEAAAAAAAAAAAAAAAAAAAAAAAAAAeAAAAaAAAAAAAAAAAAAAAAAAAAAAAAAAAAAAAECcAABAnAAAAAAAAAAAAAAAAAAAAAAAAAAAAAAAAAAAAAAAAAAAAABQAAAAAAAAAwMD/AAAAAABkAAAAMgAAAAAAAABkAAAAAAAAAH9/fwAKAAAAIgAAABgAAAAAAAAAAAAAAAAAAAAAAAAAAAAAAAAAAAAkAAAAJAAAAAAAAAAHAAAAAAAAAAAAAAAAAAAAAAAAAAAAAAAAAAAAf39/ACUAAABYAAAAAAAAAAAAAAAAAAAAAAAAAAAAAAAAAAAAAAAAAAAAAAAAAAAAAAAAAAAAAAA/AAAAAAAAAKCGAQAAAAAAAAAAAAAAAAAMAAAAAQAAAAAAAAAAAAAAAAAAAB8AAABUAAAAu+DjBf///wEAAAAAAAAAAAAAAAAAAAAAAAAAAAAAAAAAAAAAAAAAAFiE0wB/f38AgICAA8zMzADAwP8Af39/AAAAAAAAAAAAAAAAAAAAAAAAAAAAIQAAABgAAAAUAAAAeCgAAHwOAADDMgAAzw8AABAAAAAmAAAACAAAAP//////////MAAAABQAAAAAAAAAAAD//wAAAQAAAP//AAABAA=="/>
               </a:ext>
             </a:extLst>
           </p:cNvSpPr>
@@ -9941,7 +9949,7 @@
           <p:cNvSpPr>
             <a:extLst>
               <a:ext uri="smNativeData">
-                <pr:smNativeData xmlns:pr="smNativeData" xmlns="smNativeData" val="SMDATA_17_MUmAYRMAAAAlAAAAggAAAA8BAAAAkAAAAEgAAACQAAAASAAAAAAAAAAAAAAAAAAAAAEAAABQAAAAHoXrUbge5T8AAAAAAADgPwAAAAAAAOA/AAAAAAAA4D8AAAAAAADgPwAAAAAAAOA/AAAAAAAA4D8AAAAAAADgPwAAAAAAAOA/AAAAAAAA4D8CAAAAjAAAAAAAAAAAAAAAu+DjDP///wgAAAAAAAAAAAAAAAAAAAAAAAAAAAAAAAAAAAAAZAAAAAEAAABAAAAAAAAAAAAAAAAAAAAAAAAAAAAAAAAAAAAAAAAAAAAAAAAAAAAAAAAAAAAAAAAAAAAAAAAAAAAAAAAAAAAAAAAAAAAAAAAAAAAAAAAAAAAAAAAAAAAAFAAAADwAAAABAAAAAAAAAFiE0wAoAAAAAQAAABQAAAAUAAAAFAAAAAEAAAAAAAAAZAAAAGQAAAAAAAAAZAAAAGQAAAAVAAAAYAAAAAAAAAAAAAAADwAAACADAAAAAAAAAAAAAAEAAACgMgAAVgcAAKr4//8BAAAAf39/AAEAAABkAAAAAAAAABQAAABAHwAAAAAAACYAAAAAAAAAwOD//wAAAAAmAAAAZAAAABYAAABMAAAAAAAAAAAAAAAEAAAAAAAAAAEAAACAgIAKAAAAACgAAAAoAAAAZAAAAGQAAAAAAAAAzMzMAAAAAABQAAAAUAAAAGQAAABkAAAAAAAAABcAAAAUAAAAAAAAAAAAAAD/fwAA/38AAAAAAAAJAAAABAAAAEDlHwQMAAAAEAAAAAAAAAAAAAAAAAAAAAAAAAAeAAAAaAAAAAAAAAAAAAAAAAAAAAAAAAAAAAAAECcAABAnAAAAAAAAAAAAAAAAAAAAAAAAAAAAAAAAAAAAAAAAAAAAABQAAAAAAAAAwMD/AAAAAABkAAAAMgAAAAAAAABkAAAAAAAAAH9/fwAKAAAAIgAAABgAAAAAAAAAAAAAAAAAAAAAAAAAAAAAAAAAAAAkAAAAJAAAAAAAAAAHAAAAAAAAAAAAAAAAAAAAAAAAAAAAAAAAAAAAf39/ACUAAABYAAAAAAAAAAAAAAAAAAAAAAAAAAAAAAAAAAAAAAAAAAAAAAAAAAAAAAAAAAAAAAA/AAAAAAAAAKCGAQAAAAAAAAAAAAAAAAAMAAAAAQAAAAAAAAAAAAAAAAAAAB8AAABUAAAAu+DjBf///wEAAAAAAAAAAAAAAAAAAAAAAAAAAAAAAAAAAAAAAAAAAFiE0wB/f38AgICAA8zMzADAwP8Af39/AAAAAAAAAAAAAAAAAAAAAAAAAAAAIQAAABgAAAAUAAAAtzMAAHwOAAACPgAAzw8AABAAAAAmAAAACAAAAP//////////MAAAABQAAAAAAAAAAAD//wAAAQAAAP//AAABAA=="/>
+                <pr:smNativeData xmlns:pr="smNativeData" xmlns="smNativeData" val="SMDATA_17_WnaBYRMAAAAlAAAAggAAAA8BAAAAkAAAAEgAAACQAAAASAAAAAAAAAAAAAAAAAAAAAEAAABQAAAAHoXrUbge5T8AAAAAAADgPwAAAAAAAOA/AAAAAAAA4D8AAAAAAADgPwAAAAAAAOA/AAAAAAAA4D8AAAAAAADgPwAAAAAAAOA/AAAAAAAA4D8CAAAAjAAAAAAAAAAAAAAAu+DjDP///wgAAAAAAAAAAAAAAAAAAAAAAAAAAAAAAAAAAAAAZAAAAAEAAABAAAAAAAAAAAAAAAAAAAAAAAAAAAAAAAAAAAAAAAAAAAAAAAAAAAAAAAAAAAAAAAAAAAAAAAAAAAAAAAAAAAAAAAAAAAAAAAAAAAAAAAAAAAAAAAAAAAAAFAAAADwAAAABAAAAAAAAAFiE0wAoAAAAAQAAABQAAAAUAAAAFAAAAAEAAAAAAAAAZAAAAGQAAAAAAAAAZAAAAGQAAAAVAAAAYAAAAAAAAAAAAAAADwAAACADAAAAAAAAAAAAAAEAAACgMgAAVgcAAKr4//8BAAAAf39/AAEAAABkAAAAAAAAABQAAABAHwAAAAAAACYAAAAAAAAAwOD//wAAAAAmAAAAZAAAABYAAABMAAAAAAAAAAAAAAAEAAAAAAAAAAEAAACAgIAKAAAAACgAAAAoAAAAZAAAAGQAAAAAAAAAzMzMAAAAAABQAAAAUAAAAGQAAABkAAAAAAAAABcAAAAUAAAAAAAAAAAAAAD/fwAA/38AAAAAAAAJAAAABAAAAEDlHwQMAAAAEAAAAAAAAAAAAAAAAAAAAAAAAAAeAAAAaAAAAAAAAAAAAAAAAAAAAAAAAAAAAAAAECcAABAnAAAAAAAAAAAAAAAAAAAAAAAAAAAAAAAAAAAAAAAAAAAAABQAAAAAAAAAwMD/AAAAAABkAAAAMgAAAAAAAABkAAAAAAAAAH9/fwAKAAAAIgAAABgAAAAAAAAAAAAAAAAAAAAAAAAAAAAAAAAAAAAkAAAAJAAAAAAAAAAHAAAAAAAAAAAAAAAAAAAAAAAAAAAAAAAAAAAAf39/ACUAAABYAAAAAAAAAAAAAAAAAAAAAAAAAAAAAAAAAAAAAAAAAAAAAAAAAAAAAAAAAAAAAAA/AAAAAAAAAKCGAQAAAAAAAAAAAAAAAAAMAAAAAQAAAAAAAAAAAAAAAAAAAB8AAABUAAAAu+DjBf///wEAAAAAAAAAAAAAAAAAAAAAAAAAAAAAAAAAAAAAAAAAAFiE0wB/f38AgICAA8zMzADAwP8Af39/AAAAAAAAAAAAAAAAAAAAAAAAAAAAIQAAABgAAAAUAAAAtzMAAHwOAAACPgAAzw8AABAAAAAmAAAACAAAAP//////////MAAAABQAAAAAAAAAAAD//wAAAQAAAP//AAABAA=="/>
               </a:ext>
             </a:extLst>
           </p:cNvSpPr>
@@ -9976,7 +9984,7 @@
           <p:cNvSpPr txBox="1">
             <a:extLst>
               <a:ext uri="smNativeData">
-                <pr:smNativeData xmlns:pr="smNativeData" xmlns="smNativeData" val="SMDATA_17_MUmAYRMAAAAlAAAAEgAAAE8BAAAAkAAAAEgAAACQAAAASAAAAAAAAAAAAAAAAAAAAAEAAABQAAAAAAAAAAAA4D8AAAAAAADgPwAAAAAAAOA/AAAAAAAA4D8AAAAAAADgPwAAAAAAAOA/AAAAAAAA4D8AAAAAAADgPwAAAAAAAOA/AAAAAAAA4D8CAAAAjAAAAAAAAAAAAAAAu+DjDP///wgAAAAAAAAAAAAAAAAAAAAAAAAAAAAAAAAAAAAAZAAAAAEAAABAAAAAAAAAAAAAAAAAAAAAAAAAAAAAAAAAAAAAAAAAAAAAAAAAAAAAAAAAAAAAAAAAAAAAAAAAAAAAAAAAAAAAAAAAAAAAAAAAAAAAAAAAAAAAAAAAAAAAFAAAADwAAAAAAAAAAAAAAAAAAAkUAAAAAQAAABQAAAAUAAAAFAAAAAEAAAAAAAAAZAAAAGQAAAAAAAAAZAAAAGQAAAAVAAAAYAAAAAAAAAAAAAAADwAAACADAAAAAAAAAAAAAAEAAACgMgAAVgcAAKr4//8BAAAAf39/AAEAAABkAAAAAAAAABQAAABAHwAAAAAAACYAAAAAAAAAwOD//wAAAAAmAAAAZAAAABYAAABMAAAAAAAAAAAAAAAEAAAAAAAAAAEAAACAgIAKAAAAACgAAAAoAAAAZAAAAGQAAAAAAAAAzMzMAAAAAABQAAAAUAAAAGQAAABkAAAAAAAAABcAAAAUAAAAAAAAAMQBAAD/fwAA/38AAAAAAAAJAAAABAAAAAAAwAMMAAAAEAAAAAAAAAAAAAAAAAAAAAAAAAAeAAAAaAAAAAAAAAAAAAAAAAAAAAAAAAAAAAAAECcAABAnAAAAAAAAAAAAAAAAAAAAAAAAAAAAAAAAAAAAAAAAAAAAABQAAAAAAAAAwMD/AAAAAABkAAAAMgAAAAAAAABkAAAAAAAAAH9/fwAKAAAAIgAAABgAAAAAAAAAAAAAAAAAAAAAAAAAAAAAAAAAAAAkAAAAJAAAAAAAAAAHAAAAAAAAAAAAAAAAAAAAAAAAAAAAAAAAAAAAf39/ACUAAABYAAAAAAAAAAAAAAAAAAAAAAAAAAAAAAAAAAAAAAAAAAAAAAAAAAAAAAAAAAAAAAA/AAAAAAAAAKCGAQAAAAAAAAAAAAAAAAAMAAAAAQAAAAAAAAAAAAAAAAAAAB8AAABUAAAAu+DjBf///wEAAAAAAAAAAAAAAAAAAAAAAAAAAAAAAAAAAAAAAAAAAAAAAAJ/f38AgICAA8zMzADAwP8Af39/AAAAAAAAAAAAAAAAAAAAAAAAAAAAIQAAABgAAAAUAAAASgkAAEQPAAAREAAALBIAABAgAAAmAAAACAAAAP//////////MAAAABQAAAAAAAAAAAD//wAAAQAAAP//AAABAA=="/>
+                <pr:smNativeData xmlns:pr="smNativeData" xmlns="smNativeData" val="SMDATA_17_WnaBYRMAAAAlAAAAEgAAAE8BAAAAkAAAAEgAAACQAAAASAAAAAAAAAAAAAAAAAAAAAEAAABQAAAAAAAAAAAA4D8AAAAAAADgPwAAAAAAAOA/AAAAAAAA4D8AAAAAAADgPwAAAAAAAOA/AAAAAAAA4D8AAAAAAADgPwAAAAAAAOA/AAAAAAAA4D8CAAAAjAAAAAAAAAAAAAAAu+DjDP///wgAAAAAAAAAAAAAAAAAAAAAAAAAAAAAAAAAAAAAZAAAAAEAAABAAAAAAAAAAAAAAAAAAAAAAAAAAAAAAAAAAAAAAAAAAAAAAAAAAAAAAAAAAAAAAAAAAAAAAAAAAAAAAAAAAAAAAAAAAAAAAAAAAAAAAAAAAAAAAAAAAAAAFAAAADwAAAAAAAAAAAAAAAAAAAkUAAAAAQAAABQAAAAUAAAAFAAAAAEAAAAAAAAAZAAAAGQAAAAAAAAAZAAAAGQAAAAVAAAAYAAAAAAAAAAAAAAADwAAACADAAAAAAAAAAAAAAEAAACgMgAAVgcAAKr4//8BAAAAf39/AAEAAABkAAAAAAAAABQAAABAHwAAAAAAACYAAAAAAAAAwOD//wAAAAAmAAAAZAAAABYAAABMAAAAAAAAAAAAAAAEAAAAAAAAAAEAAACAgIAKAAAAACgAAAAoAAAAZAAAAGQAAAAAAAAAzMzMAAAAAABQAAAAUAAAAGQAAABkAAAAAAAAABcAAAAUAAAAAAAAAMQBAAD/fwAA/38AAAAAAAAJAAAABAAAAAAAwAMMAAAAEAAAAAAAAAAAAAAAAAAAAAAAAAAeAAAAaAAAAAAAAAAAAAAAAAAAAAAAAAAAAAAAECcAABAnAAAAAAAAAAAAAAAAAAAAAAAAAAAAAAAAAAAAAAAAAAAAABQAAAAAAAAAwMD/AAAAAABkAAAAMgAAAAAAAABkAAAAAAAAAH9/fwAKAAAAIgAAABgAAAAAAAAAAAAAAAAAAAAAAAAAAAAAAAAAAAAkAAAAJAAAAAAAAAAHAAAAAAAAAAAAAAAAAAAAAAAAAAAAAAAAAAAAf39/ACUAAABYAAAAAAAAAAAAAAAAAAAAAAAAAAAAAAAAAAAAAAAAAAAAAAAAAAAAAAAAAAAAAAA/AAAAAAAAAKCGAQAAAAAAAAAAAAAAAAAMAAAAAQAAAAAAAAAAAAAAAAAAAB8AAABUAAAAu+DjBf///wEAAAAAAAAAAAAAAAAAAAAAAAAAAAAAAAAAAAAAAAAAAAAAAAJ/f38AgICAA8zMzADAwP8Af39/AAAAAAAAAAAAAAAAAAAAAAAAAAAAIQAAABgAAAAUAAAASgkAAEQPAAAREAAALBIAABAgAAAmAAAACAAAAP//////////MAAAABQAAAAAAAAAAAD//wAAAQAAAP//AAABAA=="/>
               </a:ext>
             </a:extLst>
           </p:cNvSpPr>
@@ -10022,7 +10030,7 @@
           <p:cNvSpPr txBox="1">
             <a:extLst>
               <a:ext uri="smNativeData">
-                <pr:smNativeData xmlns:pr="smNativeData" xmlns="smNativeData" val="SMDATA_17_MUmAYRMAAAAlAAAAEgAAAE8BAAAAkAAAAEgAAACQAAAASAAAAAAAAAAAAAAAAAAAAAEAAABQAAAAAAAAAAAA4D8AAAAAAADgPwAAAAAAAOA/AAAAAAAA4D8AAAAAAADgPwAAAAAAAOA/AAAAAAAA4D8AAAAAAADgPwAAAAAAAOA/AAAAAAAA4D8CAAAAjAAAAAAAAAAAAAAAu+DjDP///wgAAAAAAAAAAAAAAAAAAAAAAAAAAAAAAAAAAAAAZAAAAAEAAABAAAAAAAAAAAAAAAAAAAAAAAAAAAAAAAAAAAAAAAAAAAAAAAAAAAAAAAAAAAAAAAAAAAAAAAAAAAAAAAAAAAAAAAAAAAAAAAAAAAAAAAAAAAAAAAAAAAAAFAAAADwAAAAAAAAAAAAAAAAAAAkUAAAAAQAAABQAAAAUAAAAFAAAAAEAAAAAAAAAZAAAAGQAAAAAAAAAZAAAAGQAAAAVAAAAYAAAAAAAAAAAAAAADwAAACADAAAAAAAAAAAAAAEAAACgMgAAVgcAAKr4//8BAAAAf39/AAEAAABkAAAAAAAAABQAAABAHwAAAAAAACYAAAAAAAAAwOD//wAAAAAmAAAAZAAAABYAAABMAAAAAAAAAAAAAAAEAAAAAAAAAAEAAACAgIAKAAAAACgAAAAoAAAAZAAAAGQAAAAAAAAAzMzMAAAAAABQAAAAUAAAAGQAAABkAAAAAAAAABcAAAAUAAAAAAAAAMQBAAD/fwAA/38AAAAAAAAJAAAABAAAAAAAwAMMAAAAEAAAAAAAAAAAAAAAAAAAAAAAAAAeAAAAaAAAAAAAAAAAAAAAAAAAAAAAAAAAAAAAECcAABAnAAAAAAAAAAAAAAAAAAAAAAAAAAAAAAAAAAAAAAAAAAAAABQAAAAAAAAAwMD/AAAAAABkAAAAMgAAAAAAAABkAAAAAAAAAH9/fwAKAAAAIgAAABgAAAAAAAAAAAAAAAAAAAAAAAAAAAAAAAAAAAAkAAAAJAAAAAAAAAAHAAAAAAAAAAAAAAAAAAAAAAAAAAAAAAAAAAAAf39/ACUAAABYAAAAAAAAAAAAAAAAAAAAAAAAAAAAAAAAAAAAAAAAAAAAAAAAAAAAAAAAAAAAAAA/AAAAAAAAAKCGAQAAAAAAAAAAAAAAAAAMAAAAAQAAAAAAAAAAAAAAAAAAAB8AAABUAAAAu+DjBf///wEAAAAAAAAAAAAAAAAAAAAAAAAAAAAAAAAAAAAAAAAAAAAAAAJ/f38AgICAA8zMzADAwP8Af39/AAAAAAAAAAAAAAAAAAAAAAAAAAAAIQAAABgAAAAUAAAAHBQAAEQPAADjGgAALBIAABAgAAAmAAAACAAAAP//////////MAAAABQAAAAAAAAAAAD//wAAAQAAAP//AAABAA=="/>
+                <pr:smNativeData xmlns:pr="smNativeData" xmlns="smNativeData" val="SMDATA_17_WnaBYRMAAAAlAAAAEgAAAE8BAAAAkAAAAEgAAACQAAAASAAAAAAAAAAAAAAAAAAAAAEAAABQAAAAAAAAAAAA4D8AAAAAAADgPwAAAAAAAOA/AAAAAAAA4D8AAAAAAADgPwAAAAAAAOA/AAAAAAAA4D8AAAAAAADgPwAAAAAAAOA/AAAAAAAA4D8CAAAAjAAAAAAAAAAAAAAAu+DjDP///wgAAAAAAAAAAAAAAAAAAAAAAAAAAAAAAAAAAAAAZAAAAAEAAABAAAAAAAAAAAAAAAAAAAAAAAAAAAAAAAAAAAAAAAAAAAAAAAAAAAAAAAAAAAAAAAAAAAAAAAAAAAAAAAAAAAAAAAAAAAAAAAAAAAAAAAAAAAAAAAAAAAAAFAAAADwAAAAAAAAAAAAAAAAAAAkUAAAAAQAAABQAAAAUAAAAFAAAAAEAAAAAAAAAZAAAAGQAAAAAAAAAZAAAAGQAAAAVAAAAYAAAAAAAAAAAAAAADwAAACADAAAAAAAAAAAAAAEAAACgMgAAVgcAAKr4//8BAAAAf39/AAEAAABkAAAAAAAAABQAAABAHwAAAAAAACYAAAAAAAAAwOD//wAAAAAmAAAAZAAAABYAAABMAAAAAAAAAAAAAAAEAAAAAAAAAAEAAACAgIAKAAAAACgAAAAoAAAAZAAAAGQAAAAAAAAAzMzMAAAAAABQAAAAUAAAAGQAAABkAAAAAAAAABcAAAAUAAAAAAAAAMQBAAD/fwAA/38AAAAAAAAJAAAABAAAAAAAwAMMAAAAEAAAAAAAAAAAAAAAAAAAAAAAAAAeAAAAaAAAAAAAAAAAAAAAAAAAAAAAAAAAAAAAECcAABAnAAAAAAAAAAAAAAAAAAAAAAAAAAAAAAAAAAAAAAAAAAAAABQAAAAAAAAAwMD/AAAAAABkAAAAMgAAAAAAAABkAAAAAAAAAH9/fwAKAAAAIgAAABgAAAAAAAAAAAAAAAAAAAAAAAAAAAAAAAAAAAAkAAAAJAAAAAAAAAAHAAAAAAAAAAAAAAAAAAAAAAAAAAAAAAAAAAAAf39/ACUAAABYAAAAAAAAAAAAAAAAAAAAAAAAAAAAAAAAAAAAAAAAAAAAAAAAAAAAAAAAAAAAAAA/AAAAAAAAAKCGAQAAAAAAAAAAAAAAAAAMAAAAAQAAAAAAAAAAAAAAAAAAAB8AAABUAAAAu+DjBf///wEAAAAAAAAAAAAAAAAAAAAAAAAAAAAAAAAAAAAAAAAAAAAAAAJ/f38AgICAA8zMzADAwP8Af39/AAAAAAAAAAAAAAAAAAAAAAAAAAAAIQAAABgAAAAUAAAAHBQAAEQPAADjGgAALBIAABAgAAAmAAAACAAAAP//////////MAAAABQAAAAAAAAAAAD//wAAAQAAAP//AAABAA=="/>
               </a:ext>
             </a:extLst>
           </p:cNvSpPr>
@@ -10068,7 +10076,7 @@
           <p:cNvSpPr txBox="1">
             <a:extLst>
               <a:ext uri="smNativeData">
-                <pr:smNativeData xmlns:pr="smNativeData" xmlns="smNativeData" val="SMDATA_17_MUmAYRMAAAAlAAAAEgAAAE8BAAAAkAAAAEgAAACQAAAASAAAAAAAAAAAAAAAAAAAAAEAAABQAAAAAAAAAAAA4D8AAAAAAADgPwAAAAAAAOA/AAAAAAAA4D8AAAAAAADgPwAAAAAAAOA/AAAAAAAA4D8AAAAAAADgPwAAAAAAAOA/AAAAAAAA4D8CAAAAjAAAAAAAAAAAAAAAu+DjDP///wgAAAAAAAAAAAAAAAAAAAAAAAAAAAAAAAAAAAAAZAAAAAEAAABAAAAAAAAAAAAAAAAAAAAAAAAAAAAAAAAAAAAAAAAAAAAAAAAAAAAAAAAAAAAAAAAAAAAAAAAAAAAAAAAAAAAAAAAAAAAAAAAAAAAAAAAAAAAAAAAAAAAAFAAAADwAAAAAAAAAAAAAAAAAAAkUAAAAAQAAABQAAAAUAAAAFAAAAAEAAAAAAAAAZAAAAGQAAAAAAAAAZAAAAGQAAAAVAAAAYAAAAAAAAAAAAAAADwAAACADAAAAAAAAAAAAAAEAAACgMgAAVgcAAKr4//8BAAAAf39/AAEAAABkAAAAAAAAABQAAABAHwAAAAAAACYAAAAAAAAAwOD//wAAAAAmAAAAZAAAABYAAABMAAAAAAAAAAAAAAAEAAAAAAAAAAEAAACAgIAKAAAAACgAAAAoAAAAZAAAAGQAAAAAAAAAzMzMAAAAAABQAAAAUAAAAGQAAABkAAAAAAAAABcAAAAUAAAAAAAAAMQBAAD/fwAA/38AAAAAAAAJAAAABAAAAAAAAAAMAAAAEAAAAAAAAAAAAAAAAAAAAAAAAAAeAAAAaAAAAAAAAAAAAAAAAAAAAAAAAAAAAAAAECcAABAnAAAAAAAAAAAAAAAAAAAAAAAAAAAAAAAAAAAAAAAAAAAAABQAAAAAAAAAwMD/AAAAAABkAAAAMgAAAAAAAABkAAAAAAAAAH9/fwAKAAAAIgAAABgAAAAAAAAAAAAAAAAAAAAAAAAAAAAAAAAAAAAkAAAAJAAAAAAAAAAHAAAAAAAAAAAAAAAAAAAAAAAAAAAAAAAAAAAAf39/ACUAAABYAAAAAAAAAAAAAAAAAAAAAAAAAAAAAAAAAAAAAAAAAAAAAAAAAAAAAAAAAAAAAAA/AAAAAAAAAKCGAQAAAAAAAAAAAAAAAAAMAAAAAQAAAAAAAAAAAAAAAAAAAB8AAABUAAAAu+DjBf///wEAAAAAAAAAAAAAAAAAAAAAAAAAAAAAAAAAAAAAAAAAAAAAAAJ/f38AgICAA8zMzADAwP8Af39/AAAAAAAAAAAAAAAAAAAAAAAAAAAAIQAAABgAAAAUAAAAWR8AAEQPAAAgJgAALBIAABAgAAAmAAAACAAAAP//////////MAAAABQAAAAAAAAAAAD//wAAAQAAAP//AAABAA=="/>
+                <pr:smNativeData xmlns:pr="smNativeData" xmlns="smNativeData" val="SMDATA_17_WnaBYRMAAAAlAAAAEgAAAE8BAAAAkAAAAEgAAACQAAAASAAAAAAAAAAAAAAAAAAAAAEAAABQAAAAAAAAAAAA4D8AAAAAAADgPwAAAAAAAOA/AAAAAAAA4D8AAAAAAADgPwAAAAAAAOA/AAAAAAAA4D8AAAAAAADgPwAAAAAAAOA/AAAAAAAA4D8CAAAAjAAAAAAAAAAAAAAAu+DjDP///wgAAAAAAAAAAAAAAAAAAAAAAAAAAAAAAAAAAAAAZAAAAAEAAABAAAAAAAAAAAAAAAAAAAAAAAAAAAAAAAAAAAAAAAAAAAAAAAAAAAAAAAAAAAAAAAAAAAAAAAAAAAAAAAAAAAAAAAAAAAAAAAAAAAAAAAAAAAAAAAAAAAAAFAAAADwAAAAAAAAAAAAAAAAAAAkUAAAAAQAAABQAAAAUAAAAFAAAAAEAAAAAAAAAZAAAAGQAAAAAAAAAZAAAAGQAAAAVAAAAYAAAAAAAAAAAAAAADwAAACADAAAAAAAAAAAAAAEAAACgMgAAVgcAAKr4//8BAAAAf39/AAEAAABkAAAAAAAAABQAAABAHwAAAAAAACYAAAAAAAAAwOD//wAAAAAmAAAAZAAAABYAAABMAAAAAAAAAAAAAAAEAAAAAAAAAAEAAACAgIAKAAAAACgAAAAoAAAAZAAAAGQAAAAAAAAAzMzMAAAAAABQAAAAUAAAAGQAAABkAAAAAAAAABcAAAAUAAAAAAAAAMQBAAD/fwAA/38AAAAAAAAJAAAABAAAAAAAAAAMAAAAEAAAAAAAAAAAAAAAAAAAAAAAAAAeAAAAaAAAAAAAAAAAAAAAAAAAAAAAAAAAAAAAECcAABAnAAAAAAAAAAAAAAAAAAAAAAAAAAAAAAAAAAAAAAAAAAAAABQAAAAAAAAAwMD/AAAAAABkAAAAMgAAAAAAAABkAAAAAAAAAH9/fwAKAAAAIgAAABgAAAAAAAAAAAAAAAAAAAAAAAAAAAAAAAAAAAAkAAAAJAAAAAAAAAAHAAAAAAAAAAAAAAAAAAAAAAAAAAAAAAAAAAAAf39/ACUAAABYAAAAAAAAAAAAAAAAAAAAAAAAAAAAAAAAAAAAAAAAAAAAAAAAAAAAAAAAAAAAAAA/AAAAAAAAAKCGAQAAAAAAAAAAAAAAAAAMAAAAAQAAAAAAAAAAAAAAAAAAAB8AAABUAAAAu+DjBf///wEAAAAAAAAAAAAAAAAAAAAAAAAAAAAAAAAAAAAAAAAAAAAAAAJ/f38AgICAA8zMzADAwP8Af39/AAAAAAAAAAAAAAAAAAAAAAAAAAAAIQAAABgAAAAUAAAAWR8AAEQPAAAgJgAALBIAABAgAAAmAAAACAAAAP//////////MAAAABQAAAAAAAAAAAD//wAAAQAAAP//AAABAA=="/>
               </a:ext>
             </a:extLst>
           </p:cNvSpPr>
@@ -10114,7 +10122,7 @@
           <p:cNvSpPr txBox="1">
             <a:extLst>
               <a:ext uri="smNativeData">
-                <pr:smNativeData xmlns:pr="smNativeData" xmlns="smNativeData" val="SMDATA_17_MUmAYRMAAAAlAAAAEgAAAE8BAAAAkAAAAEgAAACQAAAASAAAAAAAAAAAAAAAAAAAAAEAAABQAAAAAAAAAAAA4D8AAAAAAADgPwAAAAAAAOA/AAAAAAAA4D8AAAAAAADgPwAAAAAAAOA/AAAAAAAA4D8AAAAAAADgPwAAAAAAAOA/AAAAAAAA4D8CAAAAjAAAAAAAAAAAAAAAu+DjDP///wgAAAAAAAAAAAAAAAAAAAAAAAAAAAAAAAAAAAAAZAAAAAEAAABAAAAAAAAAAAAAAAAAAAAAAAAAAAAAAAAAAAAAAAAAAAAAAAAAAAAAAAAAAAAAAAAAAAAAAAAAAAAAAAAAAAAAAAAAAAAAAAAAAAAAAAAAAAAAAAAAAAAAFAAAADwAAAAAAAAAAAAAAAAAAAkUAAAAAQAAABQAAAAUAAAAFAAAAAEAAAAAAAAAZAAAAGQAAAAAAAAAZAAAAGQAAAAVAAAAYAAAAAAAAAAAAAAADwAAACADAAAAAAAAAAAAAAEAAACgMgAAVgcAAKr4//8BAAAAf39/AAEAAABkAAAAAAAAABQAAABAHwAAAAAAACYAAAAAAAAAwOD//wAAAAAmAAAAZAAAABYAAABMAAAAAAAAAAAAAAAEAAAAAAAAAAEAAACAgIAKAAAAACgAAAAoAAAAZAAAAGQAAAAAAAAAzMzMAAAAAABQAAAAUAAAAGQAAABkAAAAAAAAABcAAAAUAAAAAAAAAMQBAAD/fwAA/38AAAAAAAAJAAAABAAAAP/6zXwMAAAAEAAAAAAAAAAAAAAAAAAAAAAAAAAeAAAAaAAAAAAAAAAAAAAAAAAAAAAAAAAAAAAAECcAABAnAAAAAAAAAAAAAAAAAAAAAAAAAAAAAAAAAAAAAAAAAAAAABQAAAAAAAAAwMD/AAAAAABkAAAAMgAAAAAAAABkAAAAAAAAAH9/fwAKAAAAIgAAABgAAAAAAAAAAAAAAAAAAAAAAAAAAAAAAAAAAAAkAAAAJAAAAAAAAAAHAAAAAAAAAAAAAAAAAAAAAAAAAAAAAAAAAAAAf39/ACUAAABYAAAAAAAAAAAAAAAAAAAAAAAAAAAAAAAAAAAAAAAAAAAAAAAAAAAAAAAAAAAAAAA/AAAAAAAAAKCGAQAAAAAAAAAAAAAAAAAMAAAAAQAAAAAAAAAAAAAAAAAAAB8AAABUAAAAu+DjBf///wEAAAAAAAAAAAAAAAAAAAAAAAAAAAAAAAAAAAAAAAAAAAAAAAJ/f38AgICAA8zMzADAwP8Af39/AAAAAAAAAAAAAAAAAAAAAAAAAAAAIQAAABgAAAAUAAAAOioAAEQPAAABMQAALBIAABAgAAAmAAAACAAAAP//////////MAAAABQAAAAAAAAAAAD//wAAAQAAAP//AAABAA=="/>
+                <pr:smNativeData xmlns:pr="smNativeData" xmlns="smNativeData" val="SMDATA_17_WnaBYRMAAAAlAAAAEgAAAE8BAAAAkAAAAEgAAACQAAAASAAAAAAAAAAAAAAAAAAAAAEAAABQAAAAAAAAAAAA4D8AAAAAAADgPwAAAAAAAOA/AAAAAAAA4D8AAAAAAADgPwAAAAAAAOA/AAAAAAAA4D8AAAAAAADgPwAAAAAAAOA/AAAAAAAA4D8CAAAAjAAAAAAAAAAAAAAAu+DjDP///wgAAAAAAAAAAAAAAAAAAAAAAAAAAAAAAAAAAAAAZAAAAAEAAABAAAAAAAAAAAAAAAAAAAAAAAAAAAAAAAAAAAAAAAAAAAAAAAAAAAAAAAAAAAAAAAAAAAAAAAAAAAAAAAAAAAAAAAAAAAAAAAAAAAAAAAAAAAAAAAAAAAAAFAAAADwAAAAAAAAAAAAAAAAAAAkUAAAAAQAAABQAAAAUAAAAFAAAAAEAAAAAAAAAZAAAAGQAAAAAAAAAZAAAAGQAAAAVAAAAYAAAAAAAAAAAAAAADwAAACADAAAAAAAAAAAAAAEAAACgMgAAVgcAAKr4//8BAAAAf39/AAEAAABkAAAAAAAAABQAAABAHwAAAAAAACYAAAAAAAAAwOD//wAAAAAmAAAAZAAAABYAAABMAAAAAAAAAAAAAAAEAAAAAAAAAAEAAACAgIAKAAAAACgAAAAoAAAAZAAAAGQAAAAAAAAAzMzMAAAAAABQAAAAUAAAAGQAAABkAAAAAAAAABcAAAAUAAAAAAAAAMQBAAD/fwAA/38AAAAAAAAJAAAABAAAAP/6zXwMAAAAEAAAAAAAAAAAAAAAAAAAAAAAAAAeAAAAaAAAAAAAAAAAAAAAAAAAAAAAAAAAAAAAECcAABAnAAAAAAAAAAAAAAAAAAAAAAAAAAAAAAAAAAAAAAAAAAAAABQAAAAAAAAAwMD/AAAAAABkAAAAMgAAAAAAAABkAAAAAAAAAH9/fwAKAAAAIgAAABgAAAAAAAAAAAAAAAAAAAAAAAAAAAAAAAAAAAAkAAAAJAAAAAAAAAAHAAAAAAAAAAAAAAAAAAAAAAAAAAAAAAAAAAAAf39/ACUAAABYAAAAAAAAAAAAAAAAAAAAAAAAAAAAAAAAAAAAAAAAAAAAAAAAAAAAAAAAAAAAAAA/AAAAAAAAAKCGAQAAAAAAAAAAAAAAAAAMAAAAAQAAAAAAAAAAAAAAAAAAAB8AAABUAAAAu+DjBf///wEAAAAAAAAAAAAAAAAAAAAAAAAAAAAAAAAAAAAAAAAAAAAAAAJ/f38AgICAA8zMzADAwP8Af39/AAAAAAAAAAAAAAAAAAAAAAAAAAAAIQAAABgAAAAUAAAAOioAAEQPAAABMQAALBIAABAgAAAmAAAACAAAAP//////////MAAAABQAAAAAAAAAAAD//wAAAQAAAP//AAABAA=="/>
               </a:ext>
             </a:extLst>
           </p:cNvSpPr>
@@ -10160,7 +10168,7 @@
           <p:cNvSpPr txBox="1">
             <a:extLst>
               <a:ext uri="smNativeData">
-                <pr:smNativeData xmlns:pr="smNativeData" xmlns="smNativeData" val="SMDATA_17_MUmAYRMAAAAlAAAAEgAAAE8BAAAAkAAAAEgAAACQAAAASAAAAAAAAAAAAAAAAAAAAAEAAABQAAAAAAAAAAAA4D8AAAAAAADgPwAAAAAAAOA/AAAAAAAA4D8AAAAAAADgPwAAAAAAAOA/AAAAAAAA4D8AAAAAAADgPwAAAAAAAOA/AAAAAAAA4D8CAAAAjAAAAAAAAAAAAAAAu+DjDP///wgAAAAAAAAAAAAAAAAAAAAAAAAAAAAAAAAAAAAAZAAAAAEAAABAAAAAAAAAAAAAAAAAAAAAAAAAAAAAAAAAAAAAAAAAAAAAAAAAAAAAAAAAAAAAAAAAAAAAAAAAAAAAAAAAAAAAAAAAAAAAAAAAAAAAAAAAAAAAAAAAAAAAFAAAADwAAAAAAAAAAAAAAAAAAAkUAAAAAQAAABQAAAAUAAAAFAAAAAEAAAAAAAAAZAAAAGQAAAAAAAAAZAAAAGQAAAAVAAAAYAAAAAAAAAAAAAAADwAAACADAAAAAAAAAAAAAAEAAACgMgAAVgcAAKr4//8BAAAAf39/AAEAAABkAAAAAAAAABQAAABAHwAAAAAAACYAAAAAAAAAwOD//wAAAAAmAAAAZAAAABYAAABMAAAAAAAAAAAAAAAEAAAAAAAAAAEAAACAgIAKAAAAACgAAAAoAAAAZAAAAGQAAAAAAAAAzMzMAAAAAABQAAAAUAAAAGQAAABkAAAAAAAAABcAAAAUAAAAAAAAAMQBAAD/fwAA/38AAAAAAAAJAAAABAAAAAD//w4MAAAAEAAAAAAAAAAAAAAAAAAAAAAAAAAeAAAAaAAAAAAAAAAAAAAAAAAAAAAAAAAAAAAAECcAABAnAAAAAAAAAAAAAAAAAAAAAAAAAAAAAAAAAAAAAAAAAAAAABQAAAAAAAAAwMD/AAAAAABkAAAAMgAAAAAAAABkAAAAAAAAAH9/fwAKAAAAIgAAABgAAAAAAAAAAAAAAAAAAAAAAAAAAAAAAAAAAAAkAAAAJAAAAAAAAAAHAAAAAAAAAAAAAAAAAAAAAAAAAAAAAAAAAAAAf39/ACUAAABYAAAAAAAAAAAAAAAAAAAAAAAAAAAAAAAAAAAAAAAAAAAAAAAAAAAAAAAAAAAAAAA/AAAAAAAAAKCGAQAAAAAAAAAAAAAAAAAMAAAAAQAAAAAAAAAAAAAAAAAAAB8AAABUAAAAu+DjBf///wEAAAAAAAAAAAAAAAAAAAAAAAAAAAAAAAAAAAAAAAAAAAAAAAJ/f38AgICAA8zMzADAwP8Af39/AAAAAAAAAAAAAAAAAAAAAAAAAAAAIQAAABgAAAAUAAAAeTUAAEQPAABAPAAALBIAABAgAAAmAAAACAAAAP//////////MAAAABQAAAAAAAAAAAD//wAAAQAAAP//AAABAA=="/>
+                <pr:smNativeData xmlns:pr="smNativeData" xmlns="smNativeData" val="SMDATA_17_WnaBYRMAAAAlAAAAEgAAAE8BAAAAkAAAAEgAAACQAAAASAAAAAAAAAAAAAAAAAAAAAEAAABQAAAAAAAAAAAA4D8AAAAAAADgPwAAAAAAAOA/AAAAAAAA4D8AAAAAAADgPwAAAAAAAOA/AAAAAAAA4D8AAAAAAADgPwAAAAAAAOA/AAAAAAAA4D8CAAAAjAAAAAAAAAAAAAAAu+DjDP///wgAAAAAAAAAAAAAAAAAAAAAAAAAAAAAAAAAAAAAZAAAAAEAAABAAAAAAAAAAAAAAAAAAAAAAAAAAAAAAAAAAAAAAAAAAAAAAAAAAAAAAAAAAAAAAAAAAAAAAAAAAAAAAAAAAAAAAAAAAAAAAAAAAAAAAAAAAAAAAAAAAAAAFAAAADwAAAAAAAAAAAAAAAAAAAkUAAAAAQAAABQAAAAUAAAAFAAAAAEAAAAAAAAAZAAAAGQAAAAAAAAAZAAAAGQAAAAVAAAAYAAAAAAAAAAAAAAADwAAACADAAAAAAAAAAAAAAEAAACgMgAAVgcAAKr4//8BAAAAf39/AAEAAABkAAAAAAAAABQAAABAHwAAAAAAACYAAAAAAAAAwOD//wAAAAAmAAAAZAAAABYAAABMAAAAAAAAAAAAAAAEAAAAAAAAAAEAAACAgIAKAAAAACgAAAAoAAAAZAAAAGQAAAAAAAAAzMzMAAAAAABQAAAAUAAAAGQAAABkAAAAAAAAABcAAAAUAAAAAAAAAMQBAAD/fwAA/38AAAAAAAAJAAAABAAAAAD//w4MAAAAEAAAAAAAAAAAAAAAAAAAAAAAAAAeAAAAaAAAAAAAAAAAAAAAAAAAAAAAAAAAAAAAECcAABAnAAAAAAAAAAAAAAAAAAAAAAAAAAAAAAAAAAAAAAAAAAAAABQAAAAAAAAAwMD/AAAAAABkAAAAMgAAAAAAAABkAAAAAAAAAH9/fwAKAAAAIgAAABgAAAAAAAAAAAAAAAAAAAAAAAAAAAAAAAAAAAAkAAAAJAAAAAAAAAAHAAAAAAAAAAAAAAAAAAAAAAAAAAAAAAAAAAAAf39/ACUAAABYAAAAAAAAAAAAAAAAAAAAAAAAAAAAAAAAAAAAAAAAAAAAAAAAAAAAAAAAAAAAAAA/AAAAAAAAAKCGAQAAAAAAAAAAAAAAAAAMAAAAAQAAAAAAAAAAAAAAAAAAAB8AAABUAAAAu+DjBf///wEAAAAAAAAAAAAAAAAAAAAAAAAAAAAAAAAAAAAAAAAAAAAAAAJ/f38AgICAA8zMzADAwP8Af39/AAAAAAAAAAAAAAAAAAAAAAAAAAAAIQAAABgAAAAUAAAAeTUAAEQPAABAPAAALBIAABAgAAAmAAAACAAAAP//////////MAAAABQAAAAAAAAAAAD//wAAAQAAAP//AAABAA=="/>
               </a:ext>
             </a:extLst>
           </p:cNvSpPr>
@@ -10206,7 +10214,7 @@
           <p:cNvSpPr>
             <a:extLst>
               <a:ext uri="smNativeData">
-                <pr:smNativeData xmlns:pr="smNativeData" xmlns="smNativeData" val="SMDATA_17_MUmAYRMAAAAlAAAAggAAAA8BAAAAkAAAAEgAAACQAAAASAAAAAAAAAAAAAAAAAAAAAEAAABQAAAATI2C6s/K5T8AAAAAAADgPwAAAAAAAOA/AAAAAAAA4D8AAAAAAADgPwAAAAAAAOA/AAAAAAAA4D8AAAAAAADgPwAAAAAAAOA/AAAAAAAA4D8CAAAAjAAAAAAAAAAAAAAAu+DjDP///wgAAAAAAAAAAAAAAAAAAAAAAAAAAAAAAAAAAAAAZAAAAAEAAABAAAAAAAAAAAAAAAAAAAAAAAAAAAAAAAAAAAAAAAAAAAAAAAAAAAAAAAAAAAAAAAAAAAAAAAAAAAAAAAAAAAAAAAAAAAAAAAAAAAAAAAAAAAAAAAAAAAAAFAAAADwAAAABAAAAAAAAAFiE0wAoAAAAAQAAABQAAAAUAAAAFAAAAAEAAAAAAAAAZAAAAGQAAAAAAAAAZAAAAGQAAAAVAAAAYAAAAAAAAAAAAAAADwAAACADAAAAAAAAAAAAAAEAAACgMgAAVgcAAKr4//8BAAAAf39/AAEAAABkAAAAAAAAABQAAABAHwAAAAAAACYAAAAAAAAAwOD//wAAAAAmAAAAZAAAABYAAABMAAAAAAAAAAAAAAAEAAAAAAAAAAEAAACAgIAKAAAAACgAAAAoAAAAZAAAAGQAAAAAAAAAzMzMAAAAAABQAAAAUAAAAGQAAABkAAAAAAAAABcAAAAUAAAAAAAAAAAAAAD/fwAA/38AAAAAAAAJAAAABAAAAMBAHLgMAAAAEAAAAAAAAAAAAAAAAAAAAAAAAAAeAAAAaAAAAAAAAAAAAAAAAAAAAAAAAAAAAAAAECcAABAnAAAAAAAAAAAAAAAAAAAAAAAAAAAAAAAAAAAAAAAAAAAAABQAAAAAAAAAwMD/AAAAAABkAAAAMgAAAAAAAABkAAAAAAAAAH9/fwAKAAAAIgAAABgAAAAAAAAAAAAAAAAAAAAAAAAAAAAAAAAAAAAkAAAAJAAAAAAAAAAHAAAAAAAAAAAAAAAAAAAAAAAAAAAAAAAAAAAAf39/ACUAAABYAAAAAAAAAAAAAAAAAAAAAAAAAAAAAAAAAAAAAAAAAAAAAAAAAAAAAAAAAAAAAAA/AAAAAAAAAKCGAQAAAAAAAAAAAAAAAAAMAAAAAQAAAAAAAAAAAAAAAAAAAB8AAABUAAAAu+DjBf///wEAAAAAAAAAAAAAAAAAAAAAAAAAAAAAAAAAAAAAAAAAAFiE0wB/f38AgICAA8zMzADAwP8Af39/AAAAAAAAAAAAAAAAAAAAAAAAAAAAIQAAABgAAAAUAAAAoAwAAM8WAADLFwAAIhgAABAAAAAmAAAACAAAAP//////////MAAAABQAAAAAAAAAAAD//wAAAQAAAP//AAABAA=="/>
+                <pr:smNativeData xmlns:pr="smNativeData" xmlns="smNativeData" val="SMDATA_17_WnaBYRMAAAAlAAAAggAAAA8BAAAAkAAAAEgAAACQAAAASAAAAAAAAAAAAAAAAAAAAAEAAABQAAAATI2C6s/K5T8AAAAAAADgPwAAAAAAAOA/AAAAAAAA4D8AAAAAAADgPwAAAAAAAOA/AAAAAAAA4D8AAAAAAADgPwAAAAAAAOA/AAAAAAAA4D8CAAAAjAAAAAAAAAAAAAAAu+DjDP///wgAAAAAAAAAAAAAAAAAAAAAAAAAAAAAAAAAAAAAZAAAAAEAAABAAAAAAAAAAAAAAAAAAAAAAAAAAAAAAAAAAAAAAAAAAAAAAAAAAAAAAAAAAAAAAAAAAAAAAAAAAAAAAAAAAAAAAAAAAAAAAAAAAAAAAAAAAAAAAAAAAAAAFAAAADwAAAABAAAAAAAAAFiE0wAoAAAAAQAAABQAAAAUAAAAFAAAAAEAAAAAAAAAZAAAAGQAAAAAAAAAZAAAAGQAAAAVAAAAYAAAAAAAAAAAAAAADwAAACADAAAAAAAAAAAAAAEAAACgMgAAVgcAAKr4//8BAAAAf39/AAEAAABkAAAAAAAAABQAAABAHwAAAAAAACYAAAAAAAAAwOD//wAAAAAmAAAAZAAAABYAAABMAAAAAAAAAAAAAAAEAAAAAAAAAAEAAACAgIAKAAAAACgAAAAoAAAAZAAAAGQAAAAAAAAAzMzMAAAAAABQAAAAUAAAAGQAAABkAAAAAAAAABcAAAAUAAAAAAAAAAAAAAD/fwAA/38AAAAAAAAJAAAABAAAAMBAHLgMAAAAEAAAAAAAAAAAAAAAAAAAAAAAAAAeAAAAaAAAAAAAAAAAAAAAAAAAAAAAAAAAAAAAECcAABAnAAAAAAAAAAAAAAAAAAAAAAAAAAAAAAAAAAAAAAAAAAAAABQAAAAAAAAAwMD/AAAAAABkAAAAMgAAAAAAAABkAAAAAAAAAH9/fwAKAAAAIgAAABgAAAAAAAAAAAAAAAAAAAAAAAAAAAAAAAAAAAAkAAAAJAAAAAAAAAAHAAAAAAAAAAAAAAAAAAAAAAAAAAAAAAAAAAAAf39/ACUAAABYAAAAAAAAAAAAAAAAAAAAAAAAAAAAAAAAAAAAAAAAAAAAAAAAAAAAAAAAAAAAAAA/AAAAAAAAAKCGAQAAAAAAAAAAAAAAAAAMAAAAAQAAAAAAAAAAAAAAAAAAAB8AAABUAAAAu+DjBf///wEAAAAAAAAAAAAAAAAAAAAAAAAAAAAAAAAAAAAAAAAAAFiE0wB/f38AgICAA8zMzADAwP8Af39/AAAAAAAAAAAAAAAAAAAAAAAAAAAAIQAAABgAAAAUAAAAoAwAAM8WAADLFwAAIhgAABAAAAAmAAAACAAAAP//////////MAAAABQAAAAAAAAAAAD//wAAAQAAAP//AAABAA=="/>
               </a:ext>
             </a:extLst>
           </p:cNvSpPr>
@@ -10241,7 +10249,7 @@
           <p:cNvSpPr txBox="1">
             <a:extLst>
               <a:ext uri="smNativeData">
-                <pr:smNativeData xmlns:pr="smNativeData" xmlns="smNativeData" val="SMDATA_17_MUmAYRMAAAAlAAAAEgAAAE8BAAAAkAAAAEgAAACQAAAASAAAAAAAAAAAAAAAAAAAAAEAAABQAAAAAAAAAAAA4D8AAAAAAADgPwAAAAAAAOA/AAAAAAAA4D8AAAAAAADgPwAAAAAAAOA/AAAAAAAA4D8AAAAAAADgPwAAAAAAAOA/AAAAAAAA4D8CAAAAjAAAAAAAAAAAAAAAu+DjDP///wgAAAAAAAAAAAAAAAAAAAAAAAAAAAAAAAAAAAAAZAAAAAEAAABAAAAAAAAAAAAAAAAAAAAAAAAAAAAAAAAAAAAAAAAAAAAAAAAAAAAAAAAAAAAAAAAAAAAAAAAAAAAAAAAAAAAAAAAAAAAAAAAAAAAAAAAAAAAAAAAAAAAAFAAAADwAAAAAAAAAAAAAAAAAAAkUAAAAAQAAABQAAAAUAAAAFAAAAAEAAAAAAAAAZAAAAGQAAAAAAAAAZAAAAGQAAAAVAAAAYAAAAAAAAAAAAAAADwAAACADAAAAAAAAAAAAAAEAAACgMgAAVgcAAKr4//8BAAAAf39/AAEAAABkAAAAAAAAABQAAABAHwAAAAAAACYAAAAAAAAAwOD//wAAAAAmAAAAZAAAABYAAABMAAAAAAAAAAAAAAAEAAAAAAAAAAEAAACAgIAKAAAAACgAAAAoAAAAZAAAAGQAAAAAAAAAzMzMAAAAAABQAAAAUAAAAGQAAABkAAAAAAAAABcAAAAUAAAAAAAAAMQBAAD/fwAA/38AAAAAAAAJAAAABAAAAAAAAAAMAAAAEAAAAAAAAAAAAAAAAAAAAAAAAAAeAAAAaAAAAAAAAAAAAAAAAAAAAAAAAAAAAAAAECcAABAnAAAAAAAAAAAAAAAAAAAAAAAAAAAAAAAAAAAAAAAAAAAAABQAAAAAAAAAwMD/AAAAAABkAAAAMgAAAAAAAABkAAAAAAAAAH9/fwAKAAAAIgAAABgAAAAAAAAAAAAAAAAAAAAAAAAAAAAAAAAAAAAkAAAAJAAAAAAAAAAHAAAAAAAAAAAAAAAAAAAAAAAAAAAAAAAAAAAAf39/ACUAAABYAAAAAAAAAAAAAAAAAAAAAAAAAAAAAAAAAAAAAAAAAAAAAAAAAAAAAAAAAAAAAAA/AAAAAAAAAKCGAQAAAAAAAAAAAAAAAAAMAAAAAQAAAAAAAAAAAAAAAAAAAB8AAABUAAAAu+DjBf///wEAAAAAAAAAAAAAAAAAAAAAAAAAAAAAAAAAAAAAAAAAAAAAAAJ/f38AgICAA8zMzADAwP8Af39/AAAAAAAAAAAAAAAAAAAAAAAAAAAAIQAAABgAAAAUAAAAFwMAAL0aAABHGAAApR0AABAgAAAmAAAACAAAAP//////////MAAAABQAAAAAAAAAAAD//wAAAQAAAP//AAABAA=="/>
+                <pr:smNativeData xmlns:pr="smNativeData" xmlns="smNativeData" val="SMDATA_17_WnaBYRMAAAAlAAAAEgAAAE8BAAAAkAAAAEgAAACQAAAASAAAAAAAAAAAAAAAAAAAAAEAAABQAAAAAAAAAAAA4D8AAAAAAADgPwAAAAAAAOA/AAAAAAAA4D8AAAAAAADgPwAAAAAAAOA/AAAAAAAA4D8AAAAAAADgPwAAAAAAAOA/AAAAAAAA4D8CAAAAjAAAAAAAAAAAAAAAu+DjDP///wgAAAAAAAAAAAAAAAAAAAAAAAAAAAAAAAAAAAAAZAAAAAEAAABAAAAAAAAAAAAAAAAAAAAAAAAAAAAAAAAAAAAAAAAAAAAAAAAAAAAAAAAAAAAAAAAAAAAAAAAAAAAAAAAAAAAAAAAAAAAAAAAAAAAAAAAAAAAAAAAAAAAAFAAAADwAAAAAAAAAAAAAAAAAAAkUAAAAAQAAABQAAAAUAAAAFAAAAAEAAAAAAAAAZAAAAGQAAAAAAAAAZAAAAGQAAAAVAAAAYAAAAAAAAAAAAAAADwAAACADAAAAAAAAAAAAAAEAAACgMgAAVgcAAKr4//8BAAAAf39/AAEAAABkAAAAAAAAABQAAABAHwAAAAAAACYAAAAAAAAAwOD//wAAAAAmAAAAZAAAABYAAABMAAAAAAAAAAAAAAAEAAAAAAAAAAEAAACAgIAKAAAAACgAAAAoAAAAZAAAAGQAAAAAAAAAzMzMAAAAAABQAAAAUAAAAGQAAABkAAAAAAAAABcAAAAUAAAAAAAAAMQBAAD/fwAA/38AAAAAAAAJAAAABAAAAAAAAAAMAAAAEAAAAAAAAAAAAAAAAAAAAAAAAAAeAAAAaAAAAAAAAAAAAAAAAAAAAAAAAAAAAAAAECcAABAnAAAAAAAAAAAAAAAAAAAAAAAAAAAAAAAAAAAAAAAAAAAAABQAAAAAAAAAwMD/AAAAAABkAAAAMgAAAAAAAABkAAAAAAAAAH9/fwAKAAAAIgAAABgAAAAAAAAAAAAAAAAAAAAAAAAAAAAAAAAAAAAkAAAAJAAAAAAAAAAHAAAAAAAAAAAAAAAAAAAAAAAAAAAAAAAAAAAAf39/ACUAAABYAAAAAAAAAAAAAAAAAAAAAAAAAAAAAAAAAAAAAAAAAAAAAAAAAAAAAAAAAAAAAAA/AAAAAAAAAKCGAQAAAAAAAAAAAAAAAAAMAAAAAQAAAAAAAAAAAAAAAAAAAB8AAABUAAAAu+DjBf///wEAAAAAAAAAAAAAAAAAAAAAAAAAAAAAAAAAAAAAAAAAAAAAAAJ/f38AgICAA8zMzADAwP8Af39/AAAAAAAAAAAAAAAAAAAAAAAAAAAAIQAAABgAAAAUAAAAFwMAAL0aAABHGAAApR0AABAgAAAmAAAACAAAAP//////////MAAAABQAAAAAAAAAAAD//wAAAQAAAP//AAABAA=="/>
               </a:ext>
             </a:extLst>
           </p:cNvSpPr>
@@ -10294,7 +10302,7 @@
             <a:endCxn id="30" idx="0"/>
             <a:extLst>
               <a:ext uri="smNativeData">
-                <pr:smNativeData xmlns:pr="smNativeData" xmlns="smNativeData" val="SMDATA_17_MUmAYRMAAAAlAAAADgAAAA8BAAAAkAAAAEgAAACQAAAASAAAAAAAAAAAAAAAAAAAAAEAAABQAAAAS3QD1U+QWL/bE6CqT6IEwI/C9ShcjxnAAAAAAAAA4D8AAAAAAADgPwAAAAAAAOA/AAAAAAAA4D8AAAAAAADgPwAAAAAAAOA/AAAAAAAA4D8CAAAAjAAAAAAAAAAAAAAAu+DjDP///wgAAAAAAAAAAAAAAAAAAAAAAAAAAAAAAAAAAAAAZAAAAAEAAABAAAAAAAAAAAAAAAAAAAAAAAAAAAAAAAAAAAAAAAAAAAAAAAAAAAAAAAAAAAAAAAAAAAAAAAAAAAAAAAAAAAAAAAAAAAAAAAAAAAAAAAAAAAAAAAAAAAAAFAAAADwAAAABAAAAAAAAAFiE0wAoAAAAAQAAABQAAAAUAAAAFAAAAAEAAAAAAAAAZAAAAGQAAAAAAAAAZAAAAGQAAAAVAAAAYAAAAAAAAAAAAAAADwAAACADAAAAAAAAAAAAAAEAAACgMgAAVgcAAKr4//8BAAAAf39/AAEAAABkAAAAAAAAABQAAABAHwAAAAAAACYAAAAAAAAAwOD//wAAAAAmAAAAZAAAABYAAABMAAAAAAAAAAAAAAAEAAAAAAAAAAEAAACAgIAKAAAAACgAAAAoAAAAZAAAAGQAAAAAAAAAzMzMAAAAAABQAAAAUAAAAGQAAABkAAAAAAAAABcAAAAUAAAAAAAAAAAAAAD/fwAA/38AAAAAAAAJAAAABAAAAAAAAAAMAAAAEAAAAAAAAAAAAAAAAAAAAAAAAAAeAAAAaAAAAAAAAAAAAAAAAAAAAAAAAAAAAAAAECcAABAnAAAAAAAAAAAAAAAAAAAAAAAAAAAAAAAAAAAAAAAAAAAAABQAAAAAAAAAwMD/AAAAAABkAAAAMgAAAAAAAABkAAAAAAAAAH9/fwAKAAAAIgAAABgAAAAAAAAAAAAAAAAAAAAAAAAAAAAAAAAAAAAkAAAAJAAAAAAAAAAHAAAAAAAAAAAAAAAAAAAAAAAAAAAAAAAAAAAAf39/ACUAAABYAAAAAAAAAAAAAAAAAAAAAAAAAAAAAAAAAAAAAAAAAAAAAAAAAAAAAAAAAAAAAAA/AAAAAAAAAKCGAQAAAAAAAAAAAAAAAAAMAAAAAQAAAAAAAAAAAAAAAAAAAB8AAABUAAAAu+DjBf///wEAAAAAAAAAAAAAAAAAAAAAAAAAAAAAAAAAAAAAAAAAAFiE0wB/f38AgICAA8zMzADAwP8Af39/AAAAAAAAAAAAAAAAAAAAAAAAAAAAIQAAABgAAAAUAAAArw0AACIYAAA2EgAAvRoAABAAAAAmAAAACAAAAP//////////MAAAABQAAAAAAAAAAAD//wAAAQAAAP//AAABAA=="/>
+                <pr:smNativeData xmlns:pr="smNativeData" xmlns="smNativeData" val="SMDATA_17_WnaBYRMAAAAlAAAADgAAAA8BAAAAkAAAAEgAAACQAAAASAAAAAAAAAAAAAAAAAAAAAEAAABQAAAAS3QD1U+QWL/bE6CqT6IEwI/C9ShcjxnAAAAAAAAA4D8AAAAAAADgPwAAAAAAAOA/AAAAAAAA4D8AAAAAAADgPwAAAAAAAOA/AAAAAAAA4D8CAAAAjAAAAAAAAAAAAAAAu+DjDP///wgAAAAAAAAAAAAAAAAAAAAAAAAAAAAAAAAAAAAAZAAAAAEAAABAAAAAAAAAAAAAAAAAAAAAAAAAAAAAAAAAAAAAAAAAAAAAAAAAAAAAAAAAAAAAAAAAAAAAAAAAAAAAAAAAAAAAAAAAAAAAAAAAAAAAAAAAAAAAAAAAAAAAFAAAADwAAAABAAAAAAAAAFiE0wAoAAAAAQAAABQAAAAUAAAAFAAAAAEAAAAAAAAAZAAAAGQAAAAAAAAAZAAAAGQAAAAVAAAAYAAAAAAAAAAAAAAADwAAACADAAAAAAAAAAAAAAEAAACgMgAAVgcAAKr4//8BAAAAf39/AAEAAABkAAAAAAAAABQAAABAHwAAAAAAACYAAAAAAAAAwOD//wAAAAAmAAAAZAAAABYAAABMAAAAAAAAAAAAAAAEAAAAAAAAAAEAAACAgIAKAAAAACgAAAAoAAAAZAAAAGQAAAAAAAAAzMzMAAAAAABQAAAAUAAAAGQAAABkAAAAAAAAABcAAAAUAAAAAAAAAAAAAAD/fwAA/38AAAAAAAAJAAAABAAAAAAAAAAMAAAAEAAAAAAAAAAAAAAAAAAAAAAAAAAeAAAAaAAAAAAAAAAAAAAAAAAAAAAAAAAAAAAAECcAABAnAAAAAAAAAAAAAAAAAAAAAAAAAAAAAAAAAAAAAAAAAAAAABQAAAAAAAAAwMD/AAAAAABkAAAAMgAAAAAAAABkAAAAAAAAAH9/fwAKAAAAIgAAABgAAAAAAAAAAAAAAAAAAAAAAAAAAAAAAAAAAAAkAAAAJAAAAAAAAAAHAAAAAAAAAAAAAAAAAAAAAAAAAAAAAAAAAAAAf39/ACUAAABYAAAAAAAAAAAAAAAAAAAAAAAAAAAAAAAAAAAAAAAAAAAAAAAAAAAAAAAAAAAAAAA/AAAAAAAAAKCGAQAAAAAAAAAAAAAAAAAMAAAAAQAAAAAAAAAAAAAAAAAAAB8AAABUAAAAu+DjBf///wEAAAAAAAAAAAAAAAAAAAAAAAAAAAAAAAAAAAAAAAAAAFiE0wB/f38AgICAA8zMzADAwP8Af39/AAAAAAAAAAAAAAAAAAAAAAAAAAAAIQAAABgAAAAUAAAArw0AACIYAAA2EgAAvRoAABAAAAAmAAAACAAAAP//////////MAAAABQAAAAAAAAAAAD//wAAAQAAAP//AAABAA=="/>
               </a:ext>
             </a:extLst>
           </p:cNvCxnSpPr>
@@ -10328,7 +10336,7 @@
           <p:cNvSpPr txBox="1">
             <a:extLst>
               <a:ext uri="smNativeData">
-                <pr:smNativeData xmlns:pr="smNativeData" xmlns="smNativeData" val="SMDATA_17_MUmAYRMAAAAlAAAAEgAAAE8BAAAAkAAAAEgAAACQAAAASAAAAAAAAAAAAAAAAAAAAAEAAABQAAAAAAAAAAAA4D8AAAAAAADgPwAAAAAAAOA/AAAAAAAA4D8AAAAAAADgPwAAAAAAAOA/AAAAAAAA4D8AAAAAAADgPwAAAAAAAOA/AAAAAAAA4D8CAAAAjAAAAAAAAAAAAAAAu+DjDP///wgAAAAAAAAAAAAAAAAAAAAAAAAAAAAAAAAAAAAAZAAAAAEAAABAAAAAAAAAAAAAAAAAAAAAAAAAAAAAAAAAAAAAAAAAAAAAAAAAAAAAAAAAAAAAAAAAAAAAAAAAAAAAAAAAAAAAAAAAAAAAAAAAAAAAAAAAAAAAAAAAAAAAFAAAADwAAAAAAAAAAAAAAAAAAAkUAAAAAQAAABQAAAAUAAAAFAAAAAEAAAAAAAAAZAAAAGQAAAAAAAAAZAAAAGQAAAAVAAAAYAAAAAAAAAAAAAAADwAAACADAAAAAAAAAAAAAAEAAACgMgAAVgcAAKr4//8BAAAAf39/AAEAAABkAAAAAAAAABQAAABAHwAAAAAAACYAAAAAAAAAwOD//wAAAAAmAAAAZAAAABYAAABMAAAAAAAAAAAAAAAEAAAAAAAAAAEAAACAgIAKAAAAACgAAAAoAAAAZAAAAGQAAAAAAAAAzMzMAAAAAABQAAAAUAAAAGQAAABkAAAAAAAAABcAAAAUAAAAAAAAAMQBAAD/fwAA/38AAAAAAAAJAAAABAAAAAAAAAAMAAAAEAAAAAAAAAAAAAAAAAAAAAAAAAAeAAAAaAAAAAAAAAAAAAAAAAAAAAAAAAAAAAAAECcAABAnAAAAAAAAAAAAAAAAAAAAAAAAAAAAAAAAAAAAAAAAAAAAABQAAAAAAAAAwMD/AAAAAABkAAAAMgAAAAAAAABkAAAAAAAAAH9/fwAKAAAAIgAAABgAAAAAAAAAAAAAAAAAAAAAAAAAAAAAAAAAAAAkAAAAJAAAAAAAAAAHAAAAAAAAAAAAAAAAAAAAAAAAAAAAAAAAAAAAf39/ACUAAABYAAAAAAAAAAAAAAAAAAAAAAAAAAAAAAAAAAAAAAAAAAAAAAAAAAAAAAAAAAAAAAA/AAAAAAAAAKCGAQAAAAAAAAAAAAAAAAAMAAAAAQAAAAAAAAAAAAAAAAAAAB8AAABUAAAAu+DjBf///wEAAAAAAAAAAAAAAAAAAAAAAAAAAAAAAAAAAAAAAAAAAAAAAAJ/f38AgICAA8zMzADAwP8Af39/AAAAAAAAAAAAAAAAAAAAAAAAAAAAIQAAABgAAAAUAAAA2wQAABYdAACDFgAA9h4AAAAgAAAmAAAACAAAAP//////////MAAAABQAAAAAAAAAAAD//wAAAQAAAP//AAABAA=="/>
+                <pr:smNativeData xmlns:pr="smNativeData" xmlns="smNativeData" val="SMDATA_17_WnaBYRMAAAAlAAAAEgAAAE8BAAAAkAAAAEgAAACQAAAASAAAAAAAAAAAAAAAAAAAAAEAAABQAAAAAAAAAAAA4D8AAAAAAADgPwAAAAAAAOA/AAAAAAAA4D8AAAAAAADgPwAAAAAAAOA/AAAAAAAA4D8AAAAAAADgPwAAAAAAAOA/AAAAAAAA4D8CAAAAjAAAAAAAAAAAAAAAu+DjDP///wgAAAAAAAAAAAAAAAAAAAAAAAAAAAAAAAAAAAAAZAAAAAEAAABAAAAAAAAAAAAAAAAAAAAAAAAAAAAAAAAAAAAAAAAAAAAAAAAAAAAAAAAAAAAAAAAAAAAAAAAAAAAAAAAAAAAAAAAAAAAAAAAAAAAAAAAAAAAAAAAAAAAAFAAAADwAAAAAAAAAAAAAAAAAAAkUAAAAAQAAABQAAAAUAAAAFAAAAAEAAAAAAAAAZAAAAGQAAAAAAAAAZAAAAGQAAAAVAAAAYAAAAAAAAAAAAAAADwAAACADAAAAAAAAAAAAAAEAAACgMgAAVgcAAKr4//8BAAAAf39/AAEAAABkAAAAAAAAABQAAABAHwAAAAAAACYAAAAAAAAAwOD//wAAAAAmAAAAZAAAABYAAABMAAAAAAAAAAAAAAAEAAAAAAAAAAEAAACAgIAKAAAAACgAAAAoAAAAZAAAAGQAAAAAAAAAzMzMAAAAAABQAAAAUAAAAGQAAABkAAAAAAAAABcAAAAUAAAAAAAAAMQBAAD/fwAA/38AAAAAAAAJAAAABAAAAAAAAAAMAAAAEAAAAAAAAAAAAAAAAAAAAAAAAAAeAAAAaAAAAAAAAAAAAAAAAAAAAAAAAAAAAAAAECcAABAnAAAAAAAAAAAAAAAAAAAAAAAAAAAAAAAAAAAAAAAAAAAAABQAAAAAAAAAwMD/AAAAAABkAAAAMgAAAAAAAABkAAAAAAAAAH9/fwAKAAAAIgAAABgAAAAAAAAAAAAAAAAAAAAAAAAAAAAAAAAAAAAkAAAAJAAAAAAAAAAHAAAAAAAAAAAAAAAAAAAAAAAAAAAAAAAAAAAAf39/ACUAAABYAAAAAAAAAAAAAAAAAAAAAAAAAAAAAAAAAAAAAAAAAAAAAAAAAAAAAAAAAAAAAAA/AAAAAAAAAKCGAQAAAAAAAAAAAAAAAAAMAAAAAQAAAAAAAAAAAAAAAAAAAB8AAABUAAAAu+DjBf///wEAAAAAAAAAAAAAAAAAAAAAAAAAAAAAAAAAAAAAAAAAAAAAAAJ/f38AgICAA8zMzADAwP8Af39/AAAAAAAAAAAAAAAAAAAAAAAAAAAAIQAAABgAAAAUAAAA2wQAABYdAACDFgAA9h4AAAAgAAAmAAAACAAAAP//////////MAAAABQAAAAAAAAAAAD//wAAAQAAAP//AAABAA=="/>
               </a:ext>
             </a:extLst>
           </p:cNvSpPr>
@@ -10360,7 +10368,7 @@
               </a:defRPr>
             </a:pPr>
             <a:r>
-              <a:t>randomly generated on startup</a:t>
+              <a:t>randomly generated on power-on</a:t>
             </a:r>
           </a:p>
         </p:txBody>
@@ -10371,7 +10379,7 @@
           <p:cNvSpPr txBox="1">
             <a:extLst>
               <a:ext uri="smNativeData">
-                <pr:smNativeData xmlns:pr="smNativeData" xmlns="smNativeData" val="SMDATA_17_MUmAYRMAAAAlAAAAEgAAAE8BAAAAkAAAAEgAAACQAAAASAAAAAAAAAAAAAAAAAAAAAEAAABQAAAAAAAAAAAA4D8AAAAAAADgPwAAAAAAAOA/AAAAAAAA4D8AAAAAAADgPwAAAAAAAOA/AAAAAAAA4D8AAAAAAADgPwAAAAAAAOA/AAAAAAAA4D8CAAAAjAAAAAAAAAAAAAAAu+DjDP///wgAAAAAAAAAAAAAAAAAAAAAAAAAAAAAAAAAAAAAZAAAAAEAAABAAAAAAAAAAAAAAAAAAAAAAAAAAAAAAAAAAAAAAAAAAAAAAAAAAAAAAAAAAAAAAAAAAAAAAAAAAAAAAAAAAAAAAAAAAAAAAAAAAAAAAAAAAAAAAAAAAAAAFAAAADwAAAAAAAAAAAAAAAAAAAkUAAAAAQAAABQAAAAUAAAAFAAAAAEAAAAAAAAAZAAAAGQAAAAAAAAAZAAAAGQAAAAVAAAAYAAAAAAAAAAAAAAADwAAACADAAAAAAAAAAAAAAEAAACgMgAAVgcAAKr4//8BAAAAf39/AAEAAABkAAAAAAAAABQAAABAHwAAAAAAACYAAAAAAAAAwOD//wAAAAAmAAAAZAAAABYAAABMAAAAAAAAAAAAAAAEAAAAAAAAAAEAAACAgIAKAAAAACgAAAAoAAAAZAAAAGQAAAAAAAAAzMzMAAAAAABQAAAAUAAAAGQAAABkAAAAAAAAABcAAAAUAAAAAAAAAMQBAAD/fwAA/38AAAAAAAAJAAAABAAAAAYAAAAMAAAAEAAAAAAAAAAAAAAAAAAAAAAAAAAeAAAAaAAAAAAAAAAAAAAAAAAAAAAAAAAAAAAAECcAABAnAAAAAAAAAAAAAAAAAAAAAAAAAAAAAAAAAAAAAAAAAAAAABQAAAAAAAAAwMD/AAAAAABkAAAAMgAAAAAAAABkAAAAAAAAAH9/fwAKAAAAIgAAABgAAAAAAAAAAAAAAAAAAAAAAAAAAAAAAAAAAAAkAAAAJAAAAAAAAAAHAAAAAAAAAAAAAAAAAAAAAAAAAAAAAAAAAAAAf39/ACUAAABYAAAAAAAAAAAAAAAAAAAAAAAAAAAAAAAAAAAAAAAAAAAAAAAAAAAAAAAAAAAAAAA/AAAAAAAAAKCGAQAAAAAAAAAAAAAAAAAMAAAAAQAAAAAAAAAAAAAAAAAAAB8AAABUAAAAu+DjBf///wEAAAAAAAAAAAAAAAAAAAAAAAAAAAAAAAAAAAAAAAAAAAAAAAJ/f38AgICAA8zMzADAwP8Af39/AAAAAAAAAAAAAAAAAAAAAAAAAAAAIQAAABgAAAAUAAAAwjgAAFAoAABqSgAAMCoAAAAgAAAmAAAACAAAAP//////////MAAAABQAAAAAAAAAAAD//wAAAQAAAP//AAABAA=="/>
+                <pr:smNativeData xmlns:pr="smNativeData" xmlns="smNativeData" val="SMDATA_17_WnaBYRMAAAAlAAAAEgAAAE8BAAAAkAAAAEgAAACQAAAASAAAAAAAAAAAAAAAAAAAAAEAAABQAAAAAAAAAAAA4D8AAAAAAADgPwAAAAAAAOA/AAAAAAAA4D8AAAAAAADgPwAAAAAAAOA/AAAAAAAA4D8AAAAAAADgPwAAAAAAAOA/AAAAAAAA4D8CAAAAjAAAAAAAAAAAAAAAu+DjDP///wgAAAAAAAAAAAAAAAAAAAAAAAAAAAAAAAAAAAAAZAAAAAEAAABAAAAAAAAAAAAAAAAAAAAAAAAAAAAAAAAAAAAAAAAAAAAAAAAAAAAAAAAAAAAAAAAAAAAAAAAAAAAAAAAAAAAAAAAAAAAAAAAAAAAAAAAAAAAAAAAAAAAAFAAAADwAAAAAAAAAAAAAAAAAAAkUAAAAAQAAABQAAAAUAAAAFAAAAAEAAAAAAAAAZAAAAGQAAAAAAAAAZAAAAGQAAAAVAAAAYAAAAAAAAAAAAAAADwAAACADAAAAAAAAAAAAAAEAAACgMgAAVgcAAKr4//8BAAAAf39/AAEAAABkAAAAAAAAABQAAABAHwAAAAAAACYAAAAAAAAAwOD//wAAAAAmAAAAZAAAABYAAABMAAAAAAAAAAAAAAAEAAAAAAAAAAEAAACAgIAKAAAAACgAAAAoAAAAZAAAAGQAAAAAAAAAzMzMAAAAAABQAAAAUAAAAGQAAABkAAAAAAAAABcAAAAUAAAAAAAAAMQBAAD/fwAA/38AAAAAAAAJAAAABAAAAAYAAAAMAAAAEAAAAAAAAAAAAAAAAAAAAAAAAAAeAAAAaAAAAAAAAAAAAAAAAAAAAAAAAAAAAAAAECcAABAnAAAAAAAAAAAAAAAAAAAAAAAAAAAAAAAAAAAAAAAAAAAAABQAAAAAAAAAwMD/AAAAAABkAAAAMgAAAAAAAABkAAAAAAAAAH9/fwAKAAAAIgAAABgAAAAAAAAAAAAAAAAAAAAAAAAAAAAAAAAAAAAkAAAAJAAAAAAAAAAHAAAAAAAAAAAAAAAAAAAAAAAAAAAAAAAAAAAAf39/ACUAAABYAAAAAAAAAAAAAAAAAAAAAAAAAAAAAAAAAAAAAAAAAAAAAAAAAAAAAAAAAAAAAAA/AAAAAAAAAKCGAQAAAAAAAAAAAAAAAAAMAAAAAQAAAAAAAAAAAAAAAAAAAB8AAABUAAAAu+DjBf///wEAAAAAAAAAAAAAAAAAAAAAAAAAAAAAAAAAAAAAAAAAAAAAAAJ/f38AgICAA8zMzADAwP8Af39/AAAAAAAAAAAAAAAAAAAAAAAAAAAAIQAAABgAAAAUAAAAwjgAAFAoAABqSgAAMCoAABAgAAAmAAAACAAAAP//////////MAAAABQAAAAAAAAAAAD//wAAAQAAAP//AAABAA=="/>
               </a:ext>
             </a:extLst>
           </p:cNvSpPr>
@@ -10404,6 +10412,168 @@
             </a:pPr>
             <a:r>
               <a:t>created by Henry Thasler</a:t>
+            </a:r>
+          </a:p>
+        </p:txBody>
+      </p:sp>
+      <p:sp>
+        <p:nvSpPr>
+          <p:cNvPr id="34" name="AutoForm12"/>
+          <p:cNvSpPr>
+            <a:extLst>
+              <a:ext uri="smNativeData">
+                <pr:smNativeData xmlns:pr="smNativeData" xmlns="smNativeData" val="SMDATA_17_WnaBYRMAAAAlAAAAggAAAA8BAAAAkAAAAEgAAACQAAAASAAAAAAAAAAAAAAAAAAAAAEAAABQAAAAUFjuaYTlzj8AAAAAAADgPwAAAAAAAOA/AAAAAAAA4D8AAAAAAADgPwAAAAAAAOA/AAAAAAAA4D8AAAAAAADgPwAAAAAAAOA/AAAAAAAA4D8CAAAAjAAAAAAAAAAAAAAAu+DjDP///wgAAAAAAAAAAAAAAAAAAAAAAAAAAAAAAAAAAAAAZAAAAAEAAABAAAAAAAAAAAAAAAAAAAAAAAAAAAAAAAAAAAAAAAAAAAAAAAAAAAAAAAAAAAAAAAAAAAAAAAAAAAAAAAAAAAAAAAAAAAAAAAAAAAAAAAAAAAAAAAAAAAAAFAAAADwAAAABAAAAAAAAAFiE0wAoAAAAAQAAABQAAAAUAAAAFAAAAAEAAAAAAAAAZAAAAGQAAAAAAAAAZAAAAGQAAAAVAAAAYAAAAAAAAAAAAAAADwAAACADAAAAAAAAAAAAAAEAAACgMgAAVgcAAKr4//8BAAAAf39/AAEAAABkAAAAAAAAABQAAABAHwAAAAAAACYAAAAAAAAAwOD//wAAAAAmAAAAZAAAABYAAABMAAAAAAAAAAAAAAAEAAAAAAAAAAEAAACAgIAKAAAAACgAAAAoAAAAZAAAAGQAAAAAAAAAzMzMAAAAAABQAAAAUAAAAGQAAABkAAAAAAAAABcAAAAUAAAAAAAAAAAAAAD/fwAA/38AAAAAAAAJAAAABAAAAAAAAAAMAAAAEAAAAAAAAAAAAAAAAAAAAAAAAAAeAAAAaAAAAAAAAAAAAAAAAAAAAAAAAAAAAAAAECcAABAnAAAAAAAAAAAAAAAAAAAAAAAAAAAAAAAAAAAAAAAAAAAAABQAAAAAAAAAwMD/AAAAAABkAAAAMgAAAAAAAABkAAAAAAAAAH9/fwAKAAAAIgAAABgAAAAAAAAAAAAAAAAAAAAAAAAAAAAAAAAAAAAkAAAAJAAAAAAAAAAHAAAAAAAAAAAAAAAAAAAAAAAAAAAAAAAAAAAAf39/ACUAAABYAAAAAAAAAAAAAAAAAAAAAAAAAAAAAAAAAAAAAAAAAAAAAAAAAAAAAAAAAAAAAAA/AAAAAAAAAKCGAQAAAAAAAAAAAAAAAAAMAAAAAQAAAAAAAAAAAAAAAAAAAB8AAABUAAAAu+DjBf///wEAAAAAAAAAAAAAAAAAAAAAAAAAAAAAAAAAAAAAAAAAAFiE0wB/f38AgICAA8zMzADAwP8Af39/AAAAAAAAAAAAAAAAAAAAAAAAAAAAIQAAABgAAAAUAAAAIxkAAM8WAAALGgAAIhgAABAAAAAmAAAACAAAAP//////////MAAAABQAAAAAAAAAAAD//wAAAQAAAP//AAABAA=="/>
+              </a:ext>
+            </a:extLst>
+          </p:cNvSpPr>
+          <p:nvPr/>
+        </p:nvSpPr>
+        <p:spPr>
+          <a:xfrm rot="16200000">
+            <a:off x="4052570" y="3741420"/>
+            <a:ext cx="215265" cy="147320"/>
+          </a:xfrm>
+          <a:prstGeom prst="leftBrace">
+            <a:avLst>
+              <a:gd name="adj1" fmla="val 18966"/>
+              <a:gd name="adj2" fmla="val 50000"/>
+            </a:avLst>
+          </a:prstGeom>
+          <a:noFill/>
+          <a:ln w="25400" cap="flat" cmpd="sng" algn="ctr">
+            <a:solidFill>
+              <a:srgbClr val="5884D3"/>
+            </a:solidFill>
+            <a:prstDash val="solid"/>
+            <a:headEnd type="none"/>
+            <a:tailEnd type="none"/>
+          </a:ln>
+          <a:effectLst/>
+        </p:spPr>
+      </p:sp>
+      <p:sp>
+        <p:nvSpPr>
+          <p:cNvPr id="35" name="Textbox17"/>
+          <p:cNvSpPr txBox="1">
+            <a:extLst>
+              <a:ext uri="smNativeData">
+                <pr:smNativeData xmlns:pr="smNativeData" xmlns="smNativeData" val="SMDATA_17_WnaBYRMAAAAlAAAAEgAAAE8BAAAAkAAAAEgAAACQAAAASAAAAAAAAAAAAAAAAAAAAAEAAABQAAAAAAAAAAAA4D8AAAAAAADgPwAAAAAAAOA/AAAAAAAA4D8AAAAAAADgPwAAAAAAAOA/AAAAAAAA4D8AAAAAAADgPwAAAAAAAOA/AAAAAAAA4D8CAAAAjAAAAAAAAAAAAAAAu+DjDP///wgAAAAAAAAAAAAAAAAAAAAAAAAAAAAAAAAAAAAAZAAAAAEAAABAAAAAAAAAAAAAAAAAAAAAAAAAAAAAAAAAAAAAAAAAAAAAAAAAAAAAAAAAAAAAAAAAAAAAAAAAAAAAAAAAAAAAAAAAAAAAAAAAAAAAAAAAAAAAAAAAAAAAFAAAADwAAAAAAAAAAAAAAAAAAAkUAAAAAQAAABQAAAAUAAAAFAAAAAEAAAAAAAAAZAAAAGQAAAAAAAAAZAAAAGQAAAAVAAAAYAAAAAAAAAAAAAAADwAAACADAAAAAAAAAAAAAAEAAACgMgAAVgcAAKr4//8BAAAAf39/AAEAAABkAAAAAAAAABQAAABAHwAAAAAAACYAAAAAAAAAwOD//wAAAAAmAAAAZAAAABYAAABMAAAAAAAAAAAAAAAEAAAAAAAAAAEAAACAgIAKAAAAACgAAAAoAAAAZAAAAGQAAAAAAAAAzMzMAAAAAABQAAAAUAAAAGQAAABkAAAAAAAAABcAAAAUAAAAAAAAAMQBAAD/fwAA/38AAAAAAAAJAAAABAAAAMD5Ow0MAAAAEAAAAAAAAAAAAAAAAAAAAAAAAAAeAAAAaAAAAAAAAAAAAAAAAAAAAAAAAAAAAAAAECcAABAnAAAAAAAAAAAAAAAAAAAAAAAAAAAAAAAAAAAAAAAAAAAAABQAAAAAAAAAwMD/AAAAAABkAAAAMgAAAAAAAABkAAAAAAAAAH9/fwAKAAAAIgAAABgAAAAAAAAAAAAAAAAAAAAAAAAAAAAAAAAAAAAkAAAAJAAAAAAAAAAHAAAAAAAAAAAAAAAAAAAAAAAAAAAAAAAAAAAAf39/ACUAAABYAAAAAAAAAAAAAAAAAAAAAAAAAAAAAAAAAAAAAAAAAAAAAAAAAAAAAAAAAAAAAAA/AAAAAAAAAKCGAQAAAAAAAAAAAAAAAAAMAAAAAQAAAAAAAAAAAAAAAAAAAB8AAABUAAAAu+DjBf///wEAAAAAAAAAAAAAAAAAAAAAAAAAAAAAAAAAAAAAAAAAAAAAAAJ/f38AgICAA8zMzADAwP8Af39/AAAAAAAAAAAAAAAAAAAAAAAAAAAAIQAAABgAAAAUAAAAFwMAALkgAACxFwAAoSMAAAAgAAAmAAAACAAAAP//////////MAAAABQAAAAAAAAAAAD//wAAAQAAAP//AAABAA=="/>
+              </a:ext>
+            </a:extLst>
+          </p:cNvSpPr>
+          <p:nvPr/>
+        </p:nvSpPr>
+        <p:spPr>
+          <a:xfrm>
+            <a:off x="502285" y="5319395"/>
+            <a:ext cx="3348990" cy="472440"/>
+          </a:xfrm>
+          <a:prstGeom prst="rect">
+            <a:avLst/>
+          </a:prstGeom>
+          <a:noFill/>
+          <a:ln>
+            <a:noFill/>
+          </a:ln>
+          <a:effectLst/>
+        </p:spPr>
+        <p:txBody>
+          <a:bodyPr vert="horz" wrap="square" numCol="1" spcCol="215900" anchor="t"/>
+          <a:lstStyle/>
+          <a:p>
+            <a:pPr algn="r">
+              <a:defRPr sz="2500">
+                <a:latin typeface="Liberation Sans" pitchFamily="1" charset="0"/>
+                <a:ea typeface="Liberation Sans" pitchFamily="1" charset="0"/>
+                <a:cs typeface="Liberation Sans" pitchFamily="1" charset="0"/>
+              </a:defRPr>
+            </a:pPr>
+            <a:r>
+              <a:rPr b="1">
+                <a:solidFill>
+                  <a:srgbClr val="00C400"/>
+                </a:solidFill>
+              </a:rPr>
+              <a:t>Auto</a:t>
+            </a:r>
+            <a:r>
+              <a:t> (Tx Mode)</a:t>
+            </a:r>
+          </a:p>
+        </p:txBody>
+      </p:sp>
+      <p:cxnSp>
+        <p:nvCxnSpPr>
+          <p:cNvPr id="36" name="Verbindung5"/>
+          <p:cNvCxnSpPr>
+            <a:stCxn id="34" idx="1"/>
+            <a:extLst>
+              <a:ext uri="smNativeData">
+                <pr:smNativeData xmlns:pr="smNativeData" xmlns="smNativeData" val="SMDATA_17_WnaBYRMAAAAlAAAADgAAAA8BAAAAkAAAAEgAAACQAAAASAAAAAAAAAAAAAAAAAAAAAEAAABQAAAAAAAAAAAA4D8AAAAAAADgPwAAAAAAAOA/AAAAAAAA4D8AAAAAAADgPwAAAAAAAOA/AAAAAAAA4D8AAAAAAADgPwAAAAAAAOA/AAAAAAAA4D8CAAAAjAAAAAAAAAAAAAAAu+DjDP///wgAAAAAAAAAAAAAAAAAAAAAAAAAAAAAAAAAAAAAZAAAAAEAAABAAAAAAAAAAAAAAAAAAAAAAAAAAAAAAAAAAAAAAAAAAAAAAAAAAAAAAAAAAAAAAAAAAAAAAAAAAAAAAAAAAAAAAAAAAAAAAAAAAAAAAAAAAAAAAAAAAAAAFAAAADwAAAABAAAAAAAAAFiE0wAoAAAAAQAAABQAAAAUAAAAFAAAAAEAAAAAAAAAZAAAAGQAAAAAAAAAZAAAAGQAAAAVAAAAYAAAAAAAAAAAAAAADwAAACADAAAAAAAAAAAAAAEAAACgMgAAVgcAAKr4//8BAAAAf39/AAEAAABkAAAAAAAAABQAAABAHwAAAAAAACYAAAAAAAAAwOD//wAAAAAmAAAAZAAAABYAAABMAAAAAAAAAAAAAAAEAAAAAAAAAAEAAACAgIAKAAAAACgAAAAoAAAAZAAAAGQAAAAAAAAAzMzMAAAAAABQAAAAUAAAAGQAAABkAAAAAAAAABcAAAAUAAAAAAAAAAAAAAD/fwAA/38AAAAAAAAJAAAABAAAAAAAAAAMAAAAEAAAAAAAAAAAAAAAAAAAAAAAAAAeAAAAaAAAAAAAAAAAAAAAAAAAAAAAAAAAAAAAECcAABAnAAAAAAAAAAAAAAAAAAAAAAAAAAAAAAAAAAAAAAAAAAAAABQAAAAAAAAAwMD/AAAAAABkAAAAMgAAAAAAAABkAAAAAAAAAH9/fwAKAAAAIgAAABgAAAAAAAAAAAAAAAAAAAAAAAAAAAAAAAAAAAAkAAAAJAAAAAAAAAAHAAAAAAAAAAAAAAAAAAAAAAAAAAAAAAAAAAAAf39/ACUAAABYAAAAAAAAAAAAAAAAAAAAAAAAAAAAAAAAAAAAAAAAAAAAAAAAAAAAAAAAAAAAAAA/AAAAAAAAAKCGAQAAAAAAAAAAAAAAAAAMAAAAAQAAAAAAAAAAAAAAAAAAAB8AAABUAAAAu+DjBf///wEAAAAAAAAAAAAAAAAAAAAAAAAAAAAAAAAAAAAAAAAAAFiE0wB/f38AgICAA8zMzADAwP8Af39/AAAAAAAAAAAAAAAAAAAAAAAAAAAAIQAAABgAAAAUAAAAsRcAACIYAACXGQAAWSMAABAAAAAmAAAACAAAAP//////////MAAAABQAAAAAAAAAAAD//wAAAQAAAP//AAABAA=="/>
+              </a:ext>
+            </a:extLst>
+          </p:cNvCxnSpPr>
+          <p:nvPr/>
+        </p:nvCxnSpPr>
+        <p:spPr>
+          <a:xfrm rot="5400000">
+            <a:off x="3094355" y="4679950"/>
+            <a:ext cx="1823085" cy="308610"/>
+          </a:xfrm>
+          <a:prstGeom prst="bentConnector2">
+            <a:avLst/>
+          </a:prstGeom>
+          <a:noFill/>
+          <a:ln w="25400" cap="flat" cmpd="sng" algn="ctr">
+            <a:solidFill>
+              <a:srgbClr val="5884D3"/>
+            </a:solidFill>
+            <a:prstDash val="solid"/>
+            <a:headEnd type="none"/>
+            <a:tailEnd type="none"/>
+          </a:ln>
+          <a:effectLst/>
+        </p:spPr>
+      </p:cxnSp>
+      <p:sp>
+        <p:nvSpPr>
+          <p:cNvPr id="37" name="Textbox18"/>
+          <p:cNvSpPr txBox="1">
+            <a:extLst>
+              <a:ext uri="smNativeData">
+                <pr:smNativeData xmlns:pr="smNativeData" xmlns="smNativeData" val="SMDATA_17_WnaBYRMAAAAlAAAAEgAAAE8BAAAAkAAAAEgAAACQAAAASAAAAAAAAAAAAAAAAAAAAAEAAABQAAAAAAAAAAAA4D8AAAAAAADgPwAAAAAAAOA/AAAAAAAA4D8AAAAAAADgPwAAAAAAAOA/AAAAAAAA4D8AAAAAAADgPwAAAAAAAOA/AAAAAAAA4D8CAAAAjAAAAAAAAAAAAAAAu+DjDP///wgAAAAAAAAAAAAAAAAAAAAAAAAAAAAAAAAAAAAAZAAAAAEAAABAAAAAAAAAAAAAAAAAAAAAAAAAAAAAAAAAAAAAAAAAAAAAAAAAAAAAAAAAAAAAAAAAAAAAAAAAAAAAAAAAAAAAAAAAAAAAAAAAAAAAAAAAAAAAAAAAAAAAFAAAADwAAAAAAAAAAAAAAAAAAAkUAAAAAQAAABQAAAAUAAAAFAAAAAEAAAAAAAAAZAAAAGQAAAAAAAAAZAAAAGQAAAAVAAAAYAAAAAAAAAAAAAAADwAAACADAAAAAAAAAAAAAAEAAACgMgAAVgcAAKr4//8BAAAAf39/AAEAAABkAAAAAAAAABQAAABAHwAAAAAAACYAAAAAAAAAwOD//wAAAAAmAAAAZAAAABYAAABMAAAAAAAAAAAAAAAEAAAAAAAAAAEAAACAgIAKAAAAACgAAAAoAAAAZAAAAGQAAAAAAAAAzMzMAAAAAABQAAAAUAAAAGQAAABkAAAAAAAAABcAAAAUAAAAAAAAAMQBAAD/fwAA/38AAAAAAAAJAAAABAAAAIEKAAAMAAAAEAAAAAAAAAAAAAAAAAAAAAAAAAAeAAAAaAAAAAAAAAAAAAAAAAAAAAAAAAAAAAAAECcAABAnAAAAAAAAAAAAAAAAAAAAAAAAAAAAAAAAAAAAAAAAAAAAABQAAAAAAAAAwMD/AAAAAABkAAAAMgAAAAAAAABkAAAAAAAAAH9/fwAKAAAAIgAAABgAAAAAAAAAAAAAAAAAAAAAAAAAAAAAAAAAAAAkAAAAJAAAAAAAAAAHAAAAAAAAAAAAAAAAAAAAAAAAAAAAAAAAAAAAf39/ACUAAABYAAAAAAAAAAAAAAAAAAAAAAAAAAAAAAAAAAAAAAAAAAAAAAAAAAAAAAAAAAAAAAA/AAAAAAAAAKCGAQAAAAAAAAAAAAAAAAAMAAAAAQAAAAAAAAAAAAAAAAAAAB8AAABUAAAAu+DjBf///wEAAAAAAAAAAAAAAAAAAAAAAAAAAAAAAAAAAAAAAAAAAAAAAAJ/f38AgICAA8zMzADAwP8Af39/AAAAAAAAAAAAAAAAAAAAAAAAAAAAIQAAABgAAAAUAAAACQYAABUjAACxFwAA9SQAAAAgAAAmAAAACAAAAP//////////MAAAABQAAAAAAAAAAAD//wAAAQAAAP//AAABAA=="/>
+              </a:ext>
+            </a:extLst>
+          </p:cNvSpPr>
+          <p:nvPr/>
+        </p:nvSpPr>
+        <p:spPr>
+          <a:xfrm>
+            <a:off x="981075" y="5702935"/>
+            <a:ext cx="2870200" cy="304800"/>
+          </a:xfrm>
+          <a:prstGeom prst="rect">
+            <a:avLst/>
+          </a:prstGeom>
+          <a:noFill/>
+          <a:ln>
+            <a:noFill/>
+          </a:ln>
+          <a:effectLst/>
+        </p:spPr>
+        <p:txBody>
+          <a:bodyPr vert="horz" wrap="square" numCol="1" spcCol="215900" anchor="t"/>
+          <a:lstStyle/>
+          <a:p>
+            <a:pPr algn="ctr">
+              <a:defRPr sz="1400">
+                <a:latin typeface="Liberation Sans" pitchFamily="1" charset="0"/>
+                <a:ea typeface="Liberation Sans" pitchFamily="1" charset="0"/>
+                <a:cs typeface="Liberation Sans" pitchFamily="1" charset="0"/>
+              </a:defRPr>
+            </a:pPr>
+            <a:r>
+              <a:t>(0=Auto; 1=Manual via Button)</a:t>
             </a:r>
           </a:p>
         </p:txBody>
@@ -11248,6 +11418,47 @@
       </a:clrScheme>
       <a:clrMap bg1="lt1" tx1="dk1" bg2="lt2" tx2="dk2" accent1="accent1" accent2="accent2" accent3="accent3" accent4="accent4" accent5="accent5" accent6="accent6" hlink="hlink" folHlink="folHlink"/>
     </a:extraClrScheme>
+    <a:extraClrScheme>
+      <a:clrScheme name="Presentation 15">
+        <a:dk1>
+          <a:srgbClr val="000000"/>
+        </a:dk1>
+        <a:lt1>
+          <a:srgbClr val="FFFFFF"/>
+        </a:lt1>
+        <a:dk2>
+          <a:srgbClr val="000000"/>
+        </a:dk2>
+        <a:lt2>
+          <a:srgbClr val="808080"/>
+        </a:lt2>
+        <a:accent1>
+          <a:srgbClr val="BBE0E3"/>
+        </a:accent1>
+        <a:accent2>
+          <a:srgbClr val="333399"/>
+        </a:accent2>
+        <a:accent3>
+          <a:srgbClr val="535379"/>
+        </a:accent3>
+        <a:accent4>
+          <a:srgbClr val="737359"/>
+        </a:accent4>
+        <a:accent5>
+          <a:srgbClr val="939339"/>
+        </a:accent5>
+        <a:accent6>
+          <a:srgbClr val="B3B319"/>
+        </a:accent6>
+        <a:hlink>
+          <a:srgbClr val="009999"/>
+        </a:hlink>
+        <a:folHlink>
+          <a:srgbClr val="99CC00"/>
+        </a:folHlink>
+      </a:clrScheme>
+      <a:clrMap bg1="lt1" tx1="dk1" bg2="lt2" tx2="dk2" accent1="accent1" accent2="accent2" accent3="accent3" accent4="accent4" accent5="accent5" accent6="accent6" hlink="hlink" folHlink="folHlink"/>
+    </a:extraClrScheme>
   </a:extraClrSchemeLst>
 </a:theme>
 </file>